--- a/updated ml prj/presentation.pptx
+++ b/updated ml prj/presentation.pptx
@@ -178,7 +178,7 @@
           <p:cNvPr id="2" name="Header Placeholder 1">
             <a:extLst>
               <a:ext uri="{FF2B5EF4-FFF2-40B4-BE49-F238E27FC236}">
-                <a16:creationId xmlns="" xmlns:a16="http://schemas.microsoft.com/office/drawing/2014/main" id="{5E4FC509-A25D-4AC1-956B-244FAC61AF2F}"/>
+                <a16:creationId xmlns:a16="http://schemas.microsoft.com/office/drawing/2014/main" xmlns="" id="{5E4FC509-A25D-4AC1-956B-244FAC61AF2F}"/>
               </a:ext>
             </a:extLst>
           </p:cNvPr>
@@ -215,7 +215,7 @@
           <p:cNvPr id="3" name="Date Placeholder 2">
             <a:extLst>
               <a:ext uri="{FF2B5EF4-FFF2-40B4-BE49-F238E27FC236}">
-                <a16:creationId xmlns="" xmlns:a16="http://schemas.microsoft.com/office/drawing/2014/main" id="{F1EDCBDF-04F2-4646-A118-9A2CBABEDF9E}"/>
+                <a16:creationId xmlns:a16="http://schemas.microsoft.com/office/drawing/2014/main" xmlns="" id="{F1EDCBDF-04F2-4646-A118-9A2CBABEDF9E}"/>
               </a:ext>
             </a:extLst>
           </p:cNvPr>
@@ -256,7 +256,7 @@
           <p:cNvPr id="4" name="Footer Placeholder 3">
             <a:extLst>
               <a:ext uri="{FF2B5EF4-FFF2-40B4-BE49-F238E27FC236}">
-                <a16:creationId xmlns="" xmlns:a16="http://schemas.microsoft.com/office/drawing/2014/main" id="{95BD4EF4-9023-4CAF-937E-F78CF009DBDD}"/>
+                <a16:creationId xmlns:a16="http://schemas.microsoft.com/office/drawing/2014/main" xmlns="" id="{95BD4EF4-9023-4CAF-937E-F78CF009DBDD}"/>
               </a:ext>
             </a:extLst>
           </p:cNvPr>
@@ -293,7 +293,7 @@
           <p:cNvPr id="5" name="Slide Number Placeholder 4">
             <a:extLst>
               <a:ext uri="{FF2B5EF4-FFF2-40B4-BE49-F238E27FC236}">
-                <a16:creationId xmlns="" xmlns:a16="http://schemas.microsoft.com/office/drawing/2014/main" id="{C0300887-CA61-4CEF-BD28-E51D6F957D72}"/>
+                <a16:creationId xmlns:a16="http://schemas.microsoft.com/office/drawing/2014/main" xmlns="" id="{C0300887-CA61-4CEF-BD28-E51D6F957D72}"/>
               </a:ext>
             </a:extLst>
           </p:cNvPr>
@@ -711,7 +711,7 @@
           <p:cNvPr id="8" name="Rectangle 7">
             <a:extLst>
               <a:ext uri="{FF2B5EF4-FFF2-40B4-BE49-F238E27FC236}">
-                <a16:creationId xmlns="" xmlns:a16="http://schemas.microsoft.com/office/drawing/2014/main" id="{278196A9-689D-4410-BFC0-7ACB19755A0C}"/>
+                <a16:creationId xmlns:a16="http://schemas.microsoft.com/office/drawing/2014/main" xmlns="" id="{278196A9-689D-4410-BFC0-7ACB19755A0C}"/>
               </a:ext>
             </a:extLst>
           </p:cNvPr>
@@ -772,7 +772,7 @@
           <p:cNvPr id="2" name="Title 1">
             <a:extLst>
               <a:ext uri="{FF2B5EF4-FFF2-40B4-BE49-F238E27FC236}">
-                <a16:creationId xmlns="" xmlns:a16="http://schemas.microsoft.com/office/drawing/2014/main" id="{129BFEAD-57CF-438A-8084-C5AC7F47E544}"/>
+                <a16:creationId xmlns:a16="http://schemas.microsoft.com/office/drawing/2014/main" xmlns="" id="{129BFEAD-57CF-438A-8084-C5AC7F47E544}"/>
               </a:ext>
             </a:extLst>
           </p:cNvPr>
@@ -809,7 +809,7 @@
           <p:cNvPr id="4" name="Date Placeholder 3">
             <a:extLst>
               <a:ext uri="{FF2B5EF4-FFF2-40B4-BE49-F238E27FC236}">
-                <a16:creationId xmlns="" xmlns:a16="http://schemas.microsoft.com/office/drawing/2014/main" id="{7E17A3CB-B083-4E49-9123-A5E47559DCDB}"/>
+                <a16:creationId xmlns:a16="http://schemas.microsoft.com/office/drawing/2014/main" xmlns="" id="{7E17A3CB-B083-4E49-9123-A5E47559DCDB}"/>
               </a:ext>
             </a:extLst>
           </p:cNvPr>
@@ -837,7 +837,7 @@
           <p:cNvPr id="5" name="Footer Placeholder 4">
             <a:extLst>
               <a:ext uri="{FF2B5EF4-FFF2-40B4-BE49-F238E27FC236}">
-                <a16:creationId xmlns="" xmlns:a16="http://schemas.microsoft.com/office/drawing/2014/main" id="{A8C4102C-4609-416C-A808-0FFE0051DAA1}"/>
+                <a16:creationId xmlns:a16="http://schemas.microsoft.com/office/drawing/2014/main" xmlns="" id="{A8C4102C-4609-416C-A808-0FFE0051DAA1}"/>
               </a:ext>
             </a:extLst>
           </p:cNvPr>
@@ -865,7 +865,7 @@
           <p:cNvPr id="6" name="Slide Number Placeholder 5">
             <a:extLst>
               <a:ext uri="{FF2B5EF4-FFF2-40B4-BE49-F238E27FC236}">
-                <a16:creationId xmlns="" xmlns:a16="http://schemas.microsoft.com/office/drawing/2014/main" id="{2D7BCC5D-6F2C-472F-BD4C-4096793DFC24}"/>
+                <a16:creationId xmlns:a16="http://schemas.microsoft.com/office/drawing/2014/main" xmlns="" id="{2D7BCC5D-6F2C-472F-BD4C-4096793DFC24}"/>
               </a:ext>
             </a:extLst>
           </p:cNvPr>
@@ -894,7 +894,7 @@
           <p:cNvPr id="7" name="Rectangle 6">
             <a:extLst>
               <a:ext uri="{FF2B5EF4-FFF2-40B4-BE49-F238E27FC236}">
-                <a16:creationId xmlns="" xmlns:a16="http://schemas.microsoft.com/office/drawing/2014/main" id="{7BE854BB-FA44-4CAB-85DF-F5C412560348}"/>
+                <a16:creationId xmlns:a16="http://schemas.microsoft.com/office/drawing/2014/main" xmlns="" id="{7BE854BB-FA44-4CAB-85DF-F5C412560348}"/>
               </a:ext>
             </a:extLst>
           </p:cNvPr>
@@ -961,7 +961,7 @@
           <p:cNvPr id="3" name="Subtitle 2">
             <a:extLst>
               <a:ext uri="{FF2B5EF4-FFF2-40B4-BE49-F238E27FC236}">
-                <a16:creationId xmlns="" xmlns:a16="http://schemas.microsoft.com/office/drawing/2014/main" id="{389BFFF1-5465-4317-B9DB-C23A5B1D76EF}"/>
+                <a16:creationId xmlns:a16="http://schemas.microsoft.com/office/drawing/2014/main" xmlns="" id="{389BFFF1-5465-4317-B9DB-C23A5B1D76EF}"/>
               </a:ext>
             </a:extLst>
           </p:cNvPr>
@@ -1042,7 +1042,7 @@
           <p:cNvPr id="10" name="Picture Placeholder 9">
             <a:extLst>
               <a:ext uri="{FF2B5EF4-FFF2-40B4-BE49-F238E27FC236}">
-                <a16:creationId xmlns="" xmlns:a16="http://schemas.microsoft.com/office/drawing/2014/main" id="{EA313B4B-5B98-4B33-885A-DF7669E72D7A}"/>
+                <a16:creationId xmlns:a16="http://schemas.microsoft.com/office/drawing/2014/main" xmlns="" id="{EA313B4B-5B98-4B33-885A-DF7669E72D7A}"/>
               </a:ext>
             </a:extLst>
           </p:cNvPr>
@@ -1083,7 +1083,7 @@
           <p:cNvPr id="15" name="Group 14">
             <a:extLst>
               <a:ext uri="{FF2B5EF4-FFF2-40B4-BE49-F238E27FC236}">
-                <a16:creationId xmlns="" xmlns:a16="http://schemas.microsoft.com/office/drawing/2014/main" id="{676B4374-8F24-43DE-860D-E5C6EA850AB4}"/>
+                <a16:creationId xmlns:a16="http://schemas.microsoft.com/office/drawing/2014/main" xmlns="" id="{676B4374-8F24-43DE-860D-E5C6EA850AB4}"/>
               </a:ext>
             </a:extLst>
           </p:cNvPr>
@@ -1103,7 +1103,7 @@
             <p:cNvPr id="11" name="Oval 10">
               <a:extLst>
                 <a:ext uri="{FF2B5EF4-FFF2-40B4-BE49-F238E27FC236}">
-                  <a16:creationId xmlns="" xmlns:a16="http://schemas.microsoft.com/office/drawing/2014/main" id="{585C7755-9394-4129-AB48-1AC32DA80C75}"/>
+                  <a16:creationId xmlns:a16="http://schemas.microsoft.com/office/drawing/2014/main" xmlns="" id="{585C7755-9394-4129-AB48-1AC32DA80C75}"/>
                 </a:ext>
               </a:extLst>
             </p:cNvPr>
@@ -1158,7 +1158,7 @@
             <p:cNvPr id="13" name="Straight Connector 12">
               <a:extLst>
                 <a:ext uri="{FF2B5EF4-FFF2-40B4-BE49-F238E27FC236}">
-                  <a16:creationId xmlns="" xmlns:a16="http://schemas.microsoft.com/office/drawing/2014/main" id="{64C71ABE-575A-48CF-82B1-EDE8535F3993}"/>
+                  <a16:creationId xmlns:a16="http://schemas.microsoft.com/office/drawing/2014/main" xmlns="" id="{64C71ABE-575A-48CF-82B1-EDE8535F3993}"/>
                 </a:ext>
               </a:extLst>
             </p:cNvPr>
@@ -1202,7 +1202,7 @@
             <p:cNvPr id="14" name="Oval 13">
               <a:extLst>
                 <a:ext uri="{FF2B5EF4-FFF2-40B4-BE49-F238E27FC236}">
-                  <a16:creationId xmlns="" xmlns:a16="http://schemas.microsoft.com/office/drawing/2014/main" id="{E3C1EA63-78B2-4715-B4DC-63D98AC7F354}"/>
+                  <a16:creationId xmlns:a16="http://schemas.microsoft.com/office/drawing/2014/main" xmlns="" id="{E3C1EA63-78B2-4715-B4DC-63D98AC7F354}"/>
                 </a:ext>
               </a:extLst>
             </p:cNvPr>
@@ -1258,7 +1258,7 @@
           <p:cNvPr id="16" name="Group 15">
             <a:extLst>
               <a:ext uri="{FF2B5EF4-FFF2-40B4-BE49-F238E27FC236}">
-                <a16:creationId xmlns="" xmlns:a16="http://schemas.microsoft.com/office/drawing/2014/main" id="{E9BB74A1-0BEA-4AD8-8138-0641A45D8B40}"/>
+                <a16:creationId xmlns:a16="http://schemas.microsoft.com/office/drawing/2014/main" xmlns="" id="{E9BB74A1-0BEA-4AD8-8138-0641A45D8B40}"/>
               </a:ext>
             </a:extLst>
           </p:cNvPr>
@@ -1278,7 +1278,7 @@
             <p:cNvPr id="17" name="Oval 16">
               <a:extLst>
                 <a:ext uri="{FF2B5EF4-FFF2-40B4-BE49-F238E27FC236}">
-                  <a16:creationId xmlns="" xmlns:a16="http://schemas.microsoft.com/office/drawing/2014/main" id="{73D0026E-5270-4C52-A1AF-5631E8192DCD}"/>
+                  <a16:creationId xmlns:a16="http://schemas.microsoft.com/office/drawing/2014/main" xmlns="" id="{73D0026E-5270-4C52-A1AF-5631E8192DCD}"/>
                 </a:ext>
               </a:extLst>
             </p:cNvPr>
@@ -1333,7 +1333,7 @@
             <p:cNvPr id="18" name="Straight Connector 17">
               <a:extLst>
                 <a:ext uri="{FF2B5EF4-FFF2-40B4-BE49-F238E27FC236}">
-                  <a16:creationId xmlns="" xmlns:a16="http://schemas.microsoft.com/office/drawing/2014/main" id="{A6085D92-5F70-4097-A2FF-C15B13788D08}"/>
+                  <a16:creationId xmlns:a16="http://schemas.microsoft.com/office/drawing/2014/main" xmlns="" id="{A6085D92-5F70-4097-A2FF-C15B13788D08}"/>
                 </a:ext>
               </a:extLst>
             </p:cNvPr>
@@ -1377,7 +1377,7 @@
             <p:cNvPr id="19" name="Oval 18">
               <a:extLst>
                 <a:ext uri="{FF2B5EF4-FFF2-40B4-BE49-F238E27FC236}">
-                  <a16:creationId xmlns="" xmlns:a16="http://schemas.microsoft.com/office/drawing/2014/main" id="{BE68EB6C-48D0-4EBF-8541-926D16790F52}"/>
+                  <a16:creationId xmlns:a16="http://schemas.microsoft.com/office/drawing/2014/main" xmlns="" id="{BE68EB6C-48D0-4EBF-8541-926D16790F52}"/>
                 </a:ext>
               </a:extLst>
             </p:cNvPr>
@@ -1463,7 +1463,7 @@
           <p:cNvPr id="15" name="Rectangle 14">
             <a:extLst>
               <a:ext uri="{FF2B5EF4-FFF2-40B4-BE49-F238E27FC236}">
-                <a16:creationId xmlns="" xmlns:a16="http://schemas.microsoft.com/office/drawing/2014/main" id="{E8E3FDB8-6D5C-48FE-99EA-7EC60F4D8191}"/>
+                <a16:creationId xmlns:a16="http://schemas.microsoft.com/office/drawing/2014/main" xmlns="" id="{E8E3FDB8-6D5C-48FE-99EA-7EC60F4D8191}"/>
               </a:ext>
             </a:extLst>
           </p:cNvPr>
@@ -1530,7 +1530,7 @@
           <p:cNvPr id="5" name="Date Placeholder 4">
             <a:extLst>
               <a:ext uri="{FF2B5EF4-FFF2-40B4-BE49-F238E27FC236}">
-                <a16:creationId xmlns="" xmlns:a16="http://schemas.microsoft.com/office/drawing/2014/main" id="{2D9775F3-A041-479A-8038-652B7D9C72E9}"/>
+                <a16:creationId xmlns:a16="http://schemas.microsoft.com/office/drawing/2014/main" xmlns="" id="{2D9775F3-A041-479A-8038-652B7D9C72E9}"/>
               </a:ext>
             </a:extLst>
           </p:cNvPr>
@@ -1558,7 +1558,7 @@
           <p:cNvPr id="6" name="Footer Placeholder 5">
             <a:extLst>
               <a:ext uri="{FF2B5EF4-FFF2-40B4-BE49-F238E27FC236}">
-                <a16:creationId xmlns="" xmlns:a16="http://schemas.microsoft.com/office/drawing/2014/main" id="{29BEDD04-BE4E-4B91-B13E-0C4FB3E1658F}"/>
+                <a16:creationId xmlns:a16="http://schemas.microsoft.com/office/drawing/2014/main" xmlns="" id="{29BEDD04-BE4E-4B91-B13E-0C4FB3E1658F}"/>
               </a:ext>
             </a:extLst>
           </p:cNvPr>
@@ -1586,7 +1586,7 @@
           <p:cNvPr id="7" name="Slide Number Placeholder 6">
             <a:extLst>
               <a:ext uri="{FF2B5EF4-FFF2-40B4-BE49-F238E27FC236}">
-                <a16:creationId xmlns="" xmlns:a16="http://schemas.microsoft.com/office/drawing/2014/main" id="{306DF5D8-12DC-494E-B0F1-2E9C86A14544}"/>
+                <a16:creationId xmlns:a16="http://schemas.microsoft.com/office/drawing/2014/main" xmlns="" id="{306DF5D8-12DC-494E-B0F1-2E9C86A14544}"/>
               </a:ext>
             </a:extLst>
           </p:cNvPr>
@@ -1615,7 +1615,7 @@
           <p:cNvPr id="8" name="Title 1">
             <a:extLst>
               <a:ext uri="{FF2B5EF4-FFF2-40B4-BE49-F238E27FC236}">
-                <a16:creationId xmlns="" xmlns:a16="http://schemas.microsoft.com/office/drawing/2014/main" id="{ABF87C9E-53A2-4DE1-89DC-3907BE2E3D3C}"/>
+                <a16:creationId xmlns:a16="http://schemas.microsoft.com/office/drawing/2014/main" xmlns="" id="{ABF87C9E-53A2-4DE1-89DC-3907BE2E3D3C}"/>
               </a:ext>
             </a:extLst>
           </p:cNvPr>
@@ -1654,7 +1654,7 @@
           <p:cNvPr id="9" name="Text Placeholder 2">
             <a:extLst>
               <a:ext uri="{FF2B5EF4-FFF2-40B4-BE49-F238E27FC236}">
-                <a16:creationId xmlns="" xmlns:a16="http://schemas.microsoft.com/office/drawing/2014/main" id="{EB453F8F-AA02-4E0D-93BF-8CF4F1490377}"/>
+                <a16:creationId xmlns:a16="http://schemas.microsoft.com/office/drawing/2014/main" xmlns="" id="{EB453F8F-AA02-4E0D-93BF-8CF4F1490377}"/>
               </a:ext>
             </a:extLst>
           </p:cNvPr>
@@ -1784,7 +1784,7 @@
           <p:cNvPr id="10" name="Picture Placeholder 10">
             <a:extLst>
               <a:ext uri="{FF2B5EF4-FFF2-40B4-BE49-F238E27FC236}">
-                <a16:creationId xmlns="" xmlns:a16="http://schemas.microsoft.com/office/drawing/2014/main" id="{A541F291-2E4B-474E-9ED0-55C97A2A066D}"/>
+                <a16:creationId xmlns:a16="http://schemas.microsoft.com/office/drawing/2014/main" xmlns="" id="{A541F291-2E4B-474E-9ED0-55C97A2A066D}"/>
               </a:ext>
             </a:extLst>
           </p:cNvPr>
@@ -1825,7 +1825,7 @@
           <p:cNvPr id="11" name="Group 10">
             <a:extLst>
               <a:ext uri="{FF2B5EF4-FFF2-40B4-BE49-F238E27FC236}">
-                <a16:creationId xmlns="" xmlns:a16="http://schemas.microsoft.com/office/drawing/2014/main" id="{59E4D57E-4989-4939-A31F-637543FAB606}"/>
+                <a16:creationId xmlns:a16="http://schemas.microsoft.com/office/drawing/2014/main" xmlns="" id="{59E4D57E-4989-4939-A31F-637543FAB606}"/>
               </a:ext>
             </a:extLst>
           </p:cNvPr>
@@ -1845,7 +1845,7 @@
             <p:cNvPr id="12" name="Straight Connector 11">
               <a:extLst>
                 <a:ext uri="{FF2B5EF4-FFF2-40B4-BE49-F238E27FC236}">
-                  <a16:creationId xmlns="" xmlns:a16="http://schemas.microsoft.com/office/drawing/2014/main" id="{370B72A7-B625-48B8-88E6-BCE2A4DD531E}"/>
+                  <a16:creationId xmlns:a16="http://schemas.microsoft.com/office/drawing/2014/main" xmlns="" id="{370B72A7-B625-48B8-88E6-BCE2A4DD531E}"/>
                 </a:ext>
               </a:extLst>
             </p:cNvPr>
@@ -1892,7 +1892,7 @@
             <p:cNvPr id="13" name="Oval 12">
               <a:extLst>
                 <a:ext uri="{FF2B5EF4-FFF2-40B4-BE49-F238E27FC236}">
-                  <a16:creationId xmlns="" xmlns:a16="http://schemas.microsoft.com/office/drawing/2014/main" id="{01ED729F-F8A5-4244-9776-4935C260F11F}"/>
+                  <a16:creationId xmlns:a16="http://schemas.microsoft.com/office/drawing/2014/main" xmlns="" id="{01ED729F-F8A5-4244-9776-4935C260F11F}"/>
                 </a:ext>
               </a:extLst>
             </p:cNvPr>
@@ -1953,7 +1953,7 @@
           <p:cNvPr id="17" name="Straight Connector 16">
             <a:extLst>
               <a:ext uri="{FF2B5EF4-FFF2-40B4-BE49-F238E27FC236}">
-                <a16:creationId xmlns="" xmlns:a16="http://schemas.microsoft.com/office/drawing/2014/main" id="{6150998C-CF95-4C6F-8962-8EB2DB30177D}"/>
+                <a16:creationId xmlns:a16="http://schemas.microsoft.com/office/drawing/2014/main" xmlns="" id="{6150998C-CF95-4C6F-8962-8EB2DB30177D}"/>
               </a:ext>
             </a:extLst>
           </p:cNvPr>
@@ -1997,7 +1997,7 @@
           <p:cNvPr id="18" name="Oval 17">
             <a:extLst>
               <a:ext uri="{FF2B5EF4-FFF2-40B4-BE49-F238E27FC236}">
-                <a16:creationId xmlns="" xmlns:a16="http://schemas.microsoft.com/office/drawing/2014/main" id="{F86A2ACD-8CF5-48A3-A678-E213A809B332}"/>
+                <a16:creationId xmlns:a16="http://schemas.microsoft.com/office/drawing/2014/main" xmlns="" id="{F86A2ACD-8CF5-48A3-A678-E213A809B332}"/>
               </a:ext>
             </a:extLst>
           </p:cNvPr>
@@ -2052,7 +2052,7 @@
           <p:cNvPr id="19" name="Straight Connector 18">
             <a:extLst>
               <a:ext uri="{FF2B5EF4-FFF2-40B4-BE49-F238E27FC236}">
-                <a16:creationId xmlns="" xmlns:a16="http://schemas.microsoft.com/office/drawing/2014/main" id="{F00811BB-0E37-4D70-84A5-97B3FBEDCBE6}"/>
+                <a16:creationId xmlns:a16="http://schemas.microsoft.com/office/drawing/2014/main" xmlns="" id="{F00811BB-0E37-4D70-84A5-97B3FBEDCBE6}"/>
               </a:ext>
             </a:extLst>
           </p:cNvPr>
@@ -2098,7 +2098,7 @@
           <p:cNvPr id="20" name="Oval 19">
             <a:extLst>
               <a:ext uri="{FF2B5EF4-FFF2-40B4-BE49-F238E27FC236}">
-                <a16:creationId xmlns="" xmlns:a16="http://schemas.microsoft.com/office/drawing/2014/main" id="{D03B3046-0457-4D23-8E0C-64E3FCD620BB}"/>
+                <a16:creationId xmlns:a16="http://schemas.microsoft.com/office/drawing/2014/main" xmlns="" id="{D03B3046-0457-4D23-8E0C-64E3FCD620BB}"/>
               </a:ext>
             </a:extLst>
           </p:cNvPr>
@@ -2153,7 +2153,7 @@
           <p:cNvPr id="16" name="Text Placeholder 15">
             <a:extLst>
               <a:ext uri="{FF2B5EF4-FFF2-40B4-BE49-F238E27FC236}">
-                <a16:creationId xmlns="" xmlns:a16="http://schemas.microsoft.com/office/drawing/2014/main" id="{D0092E26-7A96-4712-98A7-FFDA7C3D7721}"/>
+                <a16:creationId xmlns:a16="http://schemas.microsoft.com/office/drawing/2014/main" xmlns="" id="{D0092E26-7A96-4712-98A7-FFDA7C3D7721}"/>
               </a:ext>
             </a:extLst>
           </p:cNvPr>
@@ -2208,7 +2208,7 @@
           <p:cNvPr id="34" name="Text Placeholder 2">
             <a:extLst>
               <a:ext uri="{FF2B5EF4-FFF2-40B4-BE49-F238E27FC236}">
-                <a16:creationId xmlns="" xmlns:a16="http://schemas.microsoft.com/office/drawing/2014/main" id="{B17B484C-F876-40B2-89DE-FC7A9E54C835}"/>
+                <a16:creationId xmlns:a16="http://schemas.microsoft.com/office/drawing/2014/main" xmlns="" id="{B17B484C-F876-40B2-89DE-FC7A9E54C835}"/>
               </a:ext>
             </a:extLst>
           </p:cNvPr>
@@ -2343,7 +2343,7 @@
           <p:cNvPr id="36" name="Text Placeholder 2">
             <a:extLst>
               <a:ext uri="{FF2B5EF4-FFF2-40B4-BE49-F238E27FC236}">
-                <a16:creationId xmlns="" xmlns:a16="http://schemas.microsoft.com/office/drawing/2014/main" id="{99E02476-A734-4A74-BC42-F104B37C8C19}"/>
+                <a16:creationId xmlns:a16="http://schemas.microsoft.com/office/drawing/2014/main" xmlns="" id="{99E02476-A734-4A74-BC42-F104B37C8C19}"/>
               </a:ext>
             </a:extLst>
           </p:cNvPr>
@@ -2476,7 +2476,7 @@
           <p:cNvPr id="26" name="Text Placeholder 15">
             <a:extLst>
               <a:ext uri="{FF2B5EF4-FFF2-40B4-BE49-F238E27FC236}">
-                <a16:creationId xmlns="" xmlns:a16="http://schemas.microsoft.com/office/drawing/2014/main" id="{EA5D8D7D-F37C-49AD-98F0-641CE42B8A83}"/>
+                <a16:creationId xmlns:a16="http://schemas.microsoft.com/office/drawing/2014/main" xmlns="" id="{EA5D8D7D-F37C-49AD-98F0-641CE42B8A83}"/>
               </a:ext>
             </a:extLst>
           </p:cNvPr>
@@ -2531,7 +2531,7 @@
           <p:cNvPr id="27" name="Text Placeholder 2">
             <a:extLst>
               <a:ext uri="{FF2B5EF4-FFF2-40B4-BE49-F238E27FC236}">
-                <a16:creationId xmlns="" xmlns:a16="http://schemas.microsoft.com/office/drawing/2014/main" id="{521FF93D-8384-4E22-8645-BDE6AB983488}"/>
+                <a16:creationId xmlns:a16="http://schemas.microsoft.com/office/drawing/2014/main" xmlns="" id="{521FF93D-8384-4E22-8645-BDE6AB983488}"/>
               </a:ext>
             </a:extLst>
           </p:cNvPr>
@@ -2666,7 +2666,7 @@
           <p:cNvPr id="28" name="Text Placeholder 2">
             <a:extLst>
               <a:ext uri="{FF2B5EF4-FFF2-40B4-BE49-F238E27FC236}">
-                <a16:creationId xmlns="" xmlns:a16="http://schemas.microsoft.com/office/drawing/2014/main" id="{BA358F36-EA77-462E-9158-AFDF1D449A1A}"/>
+                <a16:creationId xmlns:a16="http://schemas.microsoft.com/office/drawing/2014/main" xmlns="" id="{BA358F36-EA77-462E-9158-AFDF1D449A1A}"/>
               </a:ext>
             </a:extLst>
           </p:cNvPr>
@@ -2829,7 +2829,7 @@
           <p:cNvPr id="7" name="Rectangle 6">
             <a:extLst>
               <a:ext uri="{FF2B5EF4-FFF2-40B4-BE49-F238E27FC236}">
-                <a16:creationId xmlns="" xmlns:a16="http://schemas.microsoft.com/office/drawing/2014/main" id="{09F1B35C-893A-4033-ADC0-2192AFA29271}"/>
+                <a16:creationId xmlns:a16="http://schemas.microsoft.com/office/drawing/2014/main" xmlns="" id="{09F1B35C-893A-4033-ADC0-2192AFA29271}"/>
               </a:ext>
             </a:extLst>
           </p:cNvPr>
@@ -2896,7 +2896,7 @@
           <p:cNvPr id="2" name="Title 1">
             <a:extLst>
               <a:ext uri="{FF2B5EF4-FFF2-40B4-BE49-F238E27FC236}">
-                <a16:creationId xmlns="" xmlns:a16="http://schemas.microsoft.com/office/drawing/2014/main" id="{CD637DF8-B064-4F36-89F8-EBF538A2E7F2}"/>
+                <a16:creationId xmlns:a16="http://schemas.microsoft.com/office/drawing/2014/main" xmlns="" id="{CD637DF8-B064-4F36-89F8-EBF538A2E7F2}"/>
               </a:ext>
             </a:extLst>
           </p:cNvPr>
@@ -2935,7 +2935,7 @@
           <p:cNvPr id="3" name="Text Placeholder 2">
             <a:extLst>
               <a:ext uri="{FF2B5EF4-FFF2-40B4-BE49-F238E27FC236}">
-                <a16:creationId xmlns="" xmlns:a16="http://schemas.microsoft.com/office/drawing/2014/main" id="{8A72532A-5006-46B7-AE99-3A6891CD0254}"/>
+                <a16:creationId xmlns:a16="http://schemas.microsoft.com/office/drawing/2014/main" xmlns="" id="{8A72532A-5006-46B7-AE99-3A6891CD0254}"/>
               </a:ext>
             </a:extLst>
           </p:cNvPr>
@@ -3065,7 +3065,7 @@
           <p:cNvPr id="4" name="Date Placeholder 3">
             <a:extLst>
               <a:ext uri="{FF2B5EF4-FFF2-40B4-BE49-F238E27FC236}">
-                <a16:creationId xmlns="" xmlns:a16="http://schemas.microsoft.com/office/drawing/2014/main" id="{49EFC6D7-3241-401C-A16A-4A7CC2653954}"/>
+                <a16:creationId xmlns:a16="http://schemas.microsoft.com/office/drawing/2014/main" xmlns="" id="{49EFC6D7-3241-401C-A16A-4A7CC2653954}"/>
               </a:ext>
             </a:extLst>
           </p:cNvPr>
@@ -3093,7 +3093,7 @@
           <p:cNvPr id="5" name="Footer Placeholder 4">
             <a:extLst>
               <a:ext uri="{FF2B5EF4-FFF2-40B4-BE49-F238E27FC236}">
-                <a16:creationId xmlns="" xmlns:a16="http://schemas.microsoft.com/office/drawing/2014/main" id="{F345D6DC-ABA5-4D00-9CD3-92FFDD1FA2DC}"/>
+                <a16:creationId xmlns:a16="http://schemas.microsoft.com/office/drawing/2014/main" xmlns="" id="{F345D6DC-ABA5-4D00-9CD3-92FFDD1FA2DC}"/>
               </a:ext>
             </a:extLst>
           </p:cNvPr>
@@ -3121,7 +3121,7 @@
           <p:cNvPr id="6" name="Slide Number Placeholder 5">
             <a:extLst>
               <a:ext uri="{FF2B5EF4-FFF2-40B4-BE49-F238E27FC236}">
-                <a16:creationId xmlns="" xmlns:a16="http://schemas.microsoft.com/office/drawing/2014/main" id="{92459C86-0106-40E0-AA18-795EC5787677}"/>
+                <a16:creationId xmlns:a16="http://schemas.microsoft.com/office/drawing/2014/main" xmlns="" id="{92459C86-0106-40E0-AA18-795EC5787677}"/>
               </a:ext>
             </a:extLst>
           </p:cNvPr>
@@ -3150,7 +3150,7 @@
           <p:cNvPr id="11" name="Picture Placeholder 10">
             <a:extLst>
               <a:ext uri="{FF2B5EF4-FFF2-40B4-BE49-F238E27FC236}">
-                <a16:creationId xmlns="" xmlns:a16="http://schemas.microsoft.com/office/drawing/2014/main" id="{6D14F7B3-A6CF-491C-9855-75B5784CC456}"/>
+                <a16:creationId xmlns:a16="http://schemas.microsoft.com/office/drawing/2014/main" xmlns="" id="{6D14F7B3-A6CF-491C-9855-75B5784CC456}"/>
               </a:ext>
             </a:extLst>
           </p:cNvPr>
@@ -3191,7 +3191,7 @@
           <p:cNvPr id="15" name="Group 14">
             <a:extLst>
               <a:ext uri="{FF2B5EF4-FFF2-40B4-BE49-F238E27FC236}">
-                <a16:creationId xmlns="" xmlns:a16="http://schemas.microsoft.com/office/drawing/2014/main" id="{B7317392-EF87-4050-8BBE-32F74B0CF15A}"/>
+                <a16:creationId xmlns:a16="http://schemas.microsoft.com/office/drawing/2014/main" xmlns="" id="{B7317392-EF87-4050-8BBE-32F74B0CF15A}"/>
               </a:ext>
             </a:extLst>
           </p:cNvPr>
@@ -3211,7 +3211,7 @@
             <p:cNvPr id="13" name="Straight Connector 12">
               <a:extLst>
                 <a:ext uri="{FF2B5EF4-FFF2-40B4-BE49-F238E27FC236}">
-                  <a16:creationId xmlns="" xmlns:a16="http://schemas.microsoft.com/office/drawing/2014/main" id="{785A4134-866D-4143-AC1E-8A2FFDB49855}"/>
+                  <a16:creationId xmlns:a16="http://schemas.microsoft.com/office/drawing/2014/main" xmlns="" id="{785A4134-866D-4143-AC1E-8A2FFDB49855}"/>
                 </a:ext>
               </a:extLst>
             </p:cNvPr>
@@ -3257,7 +3257,7 @@
             <p:cNvPr id="14" name="Oval 13">
               <a:extLst>
                 <a:ext uri="{FF2B5EF4-FFF2-40B4-BE49-F238E27FC236}">
-                  <a16:creationId xmlns="" xmlns:a16="http://schemas.microsoft.com/office/drawing/2014/main" id="{1BBC5D9C-B8FB-455B-9398-36DB21F2765E}"/>
+                  <a16:creationId xmlns:a16="http://schemas.microsoft.com/office/drawing/2014/main" xmlns="" id="{1BBC5D9C-B8FB-455B-9398-36DB21F2765E}"/>
                 </a:ext>
               </a:extLst>
             </p:cNvPr>
@@ -3318,7 +3318,7 @@
           <p:cNvPr id="16" name="Text Placeholder 2">
             <a:extLst>
               <a:ext uri="{FF2B5EF4-FFF2-40B4-BE49-F238E27FC236}">
-                <a16:creationId xmlns="" xmlns:a16="http://schemas.microsoft.com/office/drawing/2014/main" id="{BB522941-5C7D-4701-9AD7-BB4C11C6EBCE}"/>
+                <a16:creationId xmlns:a16="http://schemas.microsoft.com/office/drawing/2014/main" xmlns="" id="{BB522941-5C7D-4701-9AD7-BB4C11C6EBCE}"/>
               </a:ext>
             </a:extLst>
           </p:cNvPr>
@@ -3453,7 +3453,7 @@
           <p:cNvPr id="17" name="Oval 16">
             <a:extLst>
               <a:ext uri="{FF2B5EF4-FFF2-40B4-BE49-F238E27FC236}">
-                <a16:creationId xmlns="" xmlns:a16="http://schemas.microsoft.com/office/drawing/2014/main" id="{72225750-E4CE-4A81-A0C3-4023030D637E}"/>
+                <a16:creationId xmlns:a16="http://schemas.microsoft.com/office/drawing/2014/main" xmlns="" id="{72225750-E4CE-4A81-A0C3-4023030D637E}"/>
               </a:ext>
             </a:extLst>
           </p:cNvPr>
@@ -3508,7 +3508,7 @@
           <p:cNvPr id="18" name="Straight Connector 17">
             <a:extLst>
               <a:ext uri="{FF2B5EF4-FFF2-40B4-BE49-F238E27FC236}">
-                <a16:creationId xmlns="" xmlns:a16="http://schemas.microsoft.com/office/drawing/2014/main" id="{3819C324-07DF-49DB-A08C-0E6155CE3041}"/>
+                <a16:creationId xmlns:a16="http://schemas.microsoft.com/office/drawing/2014/main" xmlns="" id="{3819C324-07DF-49DB-A08C-0E6155CE3041}"/>
               </a:ext>
             </a:extLst>
           </p:cNvPr>
@@ -3552,7 +3552,7 @@
           <p:cNvPr id="19" name="Oval 18">
             <a:extLst>
               <a:ext uri="{FF2B5EF4-FFF2-40B4-BE49-F238E27FC236}">
-                <a16:creationId xmlns="" xmlns:a16="http://schemas.microsoft.com/office/drawing/2014/main" id="{75A34025-44F2-4A09-8629-F1794E9D35AF}"/>
+                <a16:creationId xmlns:a16="http://schemas.microsoft.com/office/drawing/2014/main" xmlns="" id="{75A34025-44F2-4A09-8629-F1794E9D35AF}"/>
               </a:ext>
             </a:extLst>
           </p:cNvPr>
@@ -3607,7 +3607,7 @@
           <p:cNvPr id="20" name="Straight Connector 19">
             <a:extLst>
               <a:ext uri="{FF2B5EF4-FFF2-40B4-BE49-F238E27FC236}">
-                <a16:creationId xmlns="" xmlns:a16="http://schemas.microsoft.com/office/drawing/2014/main" id="{815854A2-EAE9-4B2A-84CF-5A4BD753863A}"/>
+                <a16:creationId xmlns:a16="http://schemas.microsoft.com/office/drawing/2014/main" xmlns="" id="{815854A2-EAE9-4B2A-84CF-5A4BD753863A}"/>
               </a:ext>
             </a:extLst>
           </p:cNvPr>
@@ -3653,7 +3653,7 @@
           <p:cNvPr id="9" name="Oval 8">
             <a:extLst>
               <a:ext uri="{FF2B5EF4-FFF2-40B4-BE49-F238E27FC236}">
-                <a16:creationId xmlns="" xmlns:a16="http://schemas.microsoft.com/office/drawing/2014/main" id="{ADC059E4-36DE-4100-8F15-85A9F37E84FE}"/>
+                <a16:creationId xmlns:a16="http://schemas.microsoft.com/office/drawing/2014/main" xmlns="" id="{ADC059E4-36DE-4100-8F15-85A9F37E84FE}"/>
               </a:ext>
             </a:extLst>
           </p:cNvPr>
@@ -3710,7 +3710,7 @@
           <p:cNvPr id="21" name="Oval 20">
             <a:extLst>
               <a:ext uri="{FF2B5EF4-FFF2-40B4-BE49-F238E27FC236}">
-                <a16:creationId xmlns="" xmlns:a16="http://schemas.microsoft.com/office/drawing/2014/main" id="{34E475F8-9B44-4A3E-9F99-CF0346C89B8E}"/>
+                <a16:creationId xmlns:a16="http://schemas.microsoft.com/office/drawing/2014/main" xmlns="" id="{34E475F8-9B44-4A3E-9F99-CF0346C89B8E}"/>
               </a:ext>
             </a:extLst>
           </p:cNvPr>
@@ -3767,7 +3767,7 @@
           <p:cNvPr id="22" name="Oval 21">
             <a:extLst>
               <a:ext uri="{FF2B5EF4-FFF2-40B4-BE49-F238E27FC236}">
-                <a16:creationId xmlns="" xmlns:a16="http://schemas.microsoft.com/office/drawing/2014/main" id="{EF5FAF95-28E9-4D03-884C-A89CBC8B61DC}"/>
+                <a16:creationId xmlns:a16="http://schemas.microsoft.com/office/drawing/2014/main" xmlns="" id="{EF5FAF95-28E9-4D03-884C-A89CBC8B61DC}"/>
               </a:ext>
             </a:extLst>
           </p:cNvPr>
@@ -3824,7 +3824,7 @@
           <p:cNvPr id="27" name="Text Placeholder 15">
             <a:extLst>
               <a:ext uri="{FF2B5EF4-FFF2-40B4-BE49-F238E27FC236}">
-                <a16:creationId xmlns="" xmlns:a16="http://schemas.microsoft.com/office/drawing/2014/main" id="{5F221D05-AC12-4B7C-A00B-E28F93E23D7A}"/>
+                <a16:creationId xmlns:a16="http://schemas.microsoft.com/office/drawing/2014/main" xmlns="" id="{5F221D05-AC12-4B7C-A00B-E28F93E23D7A}"/>
               </a:ext>
             </a:extLst>
           </p:cNvPr>
@@ -3879,7 +3879,7 @@
           <p:cNvPr id="28" name="Text Placeholder 2">
             <a:extLst>
               <a:ext uri="{FF2B5EF4-FFF2-40B4-BE49-F238E27FC236}">
-                <a16:creationId xmlns="" xmlns:a16="http://schemas.microsoft.com/office/drawing/2014/main" id="{A3904B01-A725-4CE3-9321-D42F3E296703}"/>
+                <a16:creationId xmlns:a16="http://schemas.microsoft.com/office/drawing/2014/main" xmlns="" id="{A3904B01-A725-4CE3-9321-D42F3E296703}"/>
               </a:ext>
             </a:extLst>
           </p:cNvPr>
@@ -4019,7 +4019,7 @@
           <p:cNvPr id="29" name="Text Placeholder 2">
             <a:extLst>
               <a:ext uri="{FF2B5EF4-FFF2-40B4-BE49-F238E27FC236}">
-                <a16:creationId xmlns="" xmlns:a16="http://schemas.microsoft.com/office/drawing/2014/main" id="{D9CE08AF-782B-4514-BE33-D3AED71A7344}"/>
+                <a16:creationId xmlns:a16="http://schemas.microsoft.com/office/drawing/2014/main" xmlns="" id="{D9CE08AF-782B-4514-BE33-D3AED71A7344}"/>
               </a:ext>
             </a:extLst>
           </p:cNvPr>
@@ -4153,7 +4153,7 @@
           <p:cNvPr id="30" name="Text Placeholder 15">
             <a:extLst>
               <a:ext uri="{FF2B5EF4-FFF2-40B4-BE49-F238E27FC236}">
-                <a16:creationId xmlns="" xmlns:a16="http://schemas.microsoft.com/office/drawing/2014/main" id="{614098B4-704D-42A8-B776-2C93C30C39DA}"/>
+                <a16:creationId xmlns:a16="http://schemas.microsoft.com/office/drawing/2014/main" xmlns="" id="{614098B4-704D-42A8-B776-2C93C30C39DA}"/>
               </a:ext>
             </a:extLst>
           </p:cNvPr>
@@ -4208,7 +4208,7 @@
           <p:cNvPr id="31" name="Text Placeholder 2">
             <a:extLst>
               <a:ext uri="{FF2B5EF4-FFF2-40B4-BE49-F238E27FC236}">
-                <a16:creationId xmlns="" xmlns:a16="http://schemas.microsoft.com/office/drawing/2014/main" id="{CE6465F4-0B4D-4B43-BE59-BC984FE8EF05}"/>
+                <a16:creationId xmlns:a16="http://schemas.microsoft.com/office/drawing/2014/main" xmlns="" id="{CE6465F4-0B4D-4B43-BE59-BC984FE8EF05}"/>
               </a:ext>
             </a:extLst>
           </p:cNvPr>
@@ -4348,7 +4348,7 @@
           <p:cNvPr id="32" name="Text Placeholder 2">
             <a:extLst>
               <a:ext uri="{FF2B5EF4-FFF2-40B4-BE49-F238E27FC236}">
-                <a16:creationId xmlns="" xmlns:a16="http://schemas.microsoft.com/office/drawing/2014/main" id="{4DBC997E-F996-4F59-A610-3C8558F180CA}"/>
+                <a16:creationId xmlns:a16="http://schemas.microsoft.com/office/drawing/2014/main" xmlns="" id="{4DBC997E-F996-4F59-A610-3C8558F180CA}"/>
               </a:ext>
             </a:extLst>
           </p:cNvPr>
@@ -4482,7 +4482,7 @@
           <p:cNvPr id="33" name="Text Placeholder 15">
             <a:extLst>
               <a:ext uri="{FF2B5EF4-FFF2-40B4-BE49-F238E27FC236}">
-                <a16:creationId xmlns="" xmlns:a16="http://schemas.microsoft.com/office/drawing/2014/main" id="{D2098E46-8023-469E-86ED-39848BCA69B9}"/>
+                <a16:creationId xmlns:a16="http://schemas.microsoft.com/office/drawing/2014/main" xmlns="" id="{D2098E46-8023-469E-86ED-39848BCA69B9}"/>
               </a:ext>
             </a:extLst>
           </p:cNvPr>
@@ -4537,7 +4537,7 @@
           <p:cNvPr id="34" name="Text Placeholder 2">
             <a:extLst>
               <a:ext uri="{FF2B5EF4-FFF2-40B4-BE49-F238E27FC236}">
-                <a16:creationId xmlns="" xmlns:a16="http://schemas.microsoft.com/office/drawing/2014/main" id="{93715D94-9DBE-476D-B2A4-208BC6D40C35}"/>
+                <a16:creationId xmlns:a16="http://schemas.microsoft.com/office/drawing/2014/main" xmlns="" id="{93715D94-9DBE-476D-B2A4-208BC6D40C35}"/>
               </a:ext>
             </a:extLst>
           </p:cNvPr>
@@ -4677,7 +4677,7 @@
           <p:cNvPr id="35" name="Text Placeholder 2">
             <a:extLst>
               <a:ext uri="{FF2B5EF4-FFF2-40B4-BE49-F238E27FC236}">
-                <a16:creationId xmlns="" xmlns:a16="http://schemas.microsoft.com/office/drawing/2014/main" id="{C6E1A50B-8AFF-497B-8AEC-C61D95DC0685}"/>
+                <a16:creationId xmlns:a16="http://schemas.microsoft.com/office/drawing/2014/main" xmlns="" id="{C6E1A50B-8AFF-497B-8AEC-C61D95DC0685}"/>
               </a:ext>
             </a:extLst>
           </p:cNvPr>
@@ -4841,7 +4841,7 @@
           <p:cNvPr id="15" name="Rectangle 14">
             <a:extLst>
               <a:ext uri="{FF2B5EF4-FFF2-40B4-BE49-F238E27FC236}">
-                <a16:creationId xmlns="" xmlns:a16="http://schemas.microsoft.com/office/drawing/2014/main" id="{E8E3FDB8-6D5C-48FE-99EA-7EC60F4D8191}"/>
+                <a16:creationId xmlns:a16="http://schemas.microsoft.com/office/drawing/2014/main" xmlns="" id="{E8E3FDB8-6D5C-48FE-99EA-7EC60F4D8191}"/>
               </a:ext>
             </a:extLst>
           </p:cNvPr>
@@ -4908,7 +4908,7 @@
           <p:cNvPr id="5" name="Date Placeholder 4">
             <a:extLst>
               <a:ext uri="{FF2B5EF4-FFF2-40B4-BE49-F238E27FC236}">
-                <a16:creationId xmlns="" xmlns:a16="http://schemas.microsoft.com/office/drawing/2014/main" id="{2D9775F3-A041-479A-8038-652B7D9C72E9}"/>
+                <a16:creationId xmlns:a16="http://schemas.microsoft.com/office/drawing/2014/main" xmlns="" id="{2D9775F3-A041-479A-8038-652B7D9C72E9}"/>
               </a:ext>
             </a:extLst>
           </p:cNvPr>
@@ -4936,7 +4936,7 @@
           <p:cNvPr id="6" name="Footer Placeholder 5">
             <a:extLst>
               <a:ext uri="{FF2B5EF4-FFF2-40B4-BE49-F238E27FC236}">
-                <a16:creationId xmlns="" xmlns:a16="http://schemas.microsoft.com/office/drawing/2014/main" id="{29BEDD04-BE4E-4B91-B13E-0C4FB3E1658F}"/>
+                <a16:creationId xmlns:a16="http://schemas.microsoft.com/office/drawing/2014/main" xmlns="" id="{29BEDD04-BE4E-4B91-B13E-0C4FB3E1658F}"/>
               </a:ext>
             </a:extLst>
           </p:cNvPr>
@@ -4964,7 +4964,7 @@
           <p:cNvPr id="7" name="Slide Number Placeholder 6">
             <a:extLst>
               <a:ext uri="{FF2B5EF4-FFF2-40B4-BE49-F238E27FC236}">
-                <a16:creationId xmlns="" xmlns:a16="http://schemas.microsoft.com/office/drawing/2014/main" id="{306DF5D8-12DC-494E-B0F1-2E9C86A14544}"/>
+                <a16:creationId xmlns:a16="http://schemas.microsoft.com/office/drawing/2014/main" xmlns="" id="{306DF5D8-12DC-494E-B0F1-2E9C86A14544}"/>
               </a:ext>
             </a:extLst>
           </p:cNvPr>
@@ -4993,7 +4993,7 @@
           <p:cNvPr id="8" name="Title 1">
             <a:extLst>
               <a:ext uri="{FF2B5EF4-FFF2-40B4-BE49-F238E27FC236}">
-                <a16:creationId xmlns="" xmlns:a16="http://schemas.microsoft.com/office/drawing/2014/main" id="{ABF87C9E-53A2-4DE1-89DC-3907BE2E3D3C}"/>
+                <a16:creationId xmlns:a16="http://schemas.microsoft.com/office/drawing/2014/main" xmlns="" id="{ABF87C9E-53A2-4DE1-89DC-3907BE2E3D3C}"/>
               </a:ext>
             </a:extLst>
           </p:cNvPr>
@@ -5032,7 +5032,7 @@
           <p:cNvPr id="9" name="Text Placeholder 2">
             <a:extLst>
               <a:ext uri="{FF2B5EF4-FFF2-40B4-BE49-F238E27FC236}">
-                <a16:creationId xmlns="" xmlns:a16="http://schemas.microsoft.com/office/drawing/2014/main" id="{EB453F8F-AA02-4E0D-93BF-8CF4F1490377}"/>
+                <a16:creationId xmlns:a16="http://schemas.microsoft.com/office/drawing/2014/main" xmlns="" id="{EB453F8F-AA02-4E0D-93BF-8CF4F1490377}"/>
               </a:ext>
             </a:extLst>
           </p:cNvPr>
@@ -5162,7 +5162,7 @@
           <p:cNvPr id="10" name="Picture Placeholder 10">
             <a:extLst>
               <a:ext uri="{FF2B5EF4-FFF2-40B4-BE49-F238E27FC236}">
-                <a16:creationId xmlns="" xmlns:a16="http://schemas.microsoft.com/office/drawing/2014/main" id="{A541F291-2E4B-474E-9ED0-55C97A2A066D}"/>
+                <a16:creationId xmlns:a16="http://schemas.microsoft.com/office/drawing/2014/main" xmlns="" id="{A541F291-2E4B-474E-9ED0-55C97A2A066D}"/>
               </a:ext>
             </a:extLst>
           </p:cNvPr>
@@ -5203,7 +5203,7 @@
           <p:cNvPr id="11" name="Group 10">
             <a:extLst>
               <a:ext uri="{FF2B5EF4-FFF2-40B4-BE49-F238E27FC236}">
-                <a16:creationId xmlns="" xmlns:a16="http://schemas.microsoft.com/office/drawing/2014/main" id="{59E4D57E-4989-4939-A31F-637543FAB606}"/>
+                <a16:creationId xmlns:a16="http://schemas.microsoft.com/office/drawing/2014/main" xmlns="" id="{59E4D57E-4989-4939-A31F-637543FAB606}"/>
               </a:ext>
             </a:extLst>
           </p:cNvPr>
@@ -5223,7 +5223,7 @@
             <p:cNvPr id="12" name="Straight Connector 11">
               <a:extLst>
                 <a:ext uri="{FF2B5EF4-FFF2-40B4-BE49-F238E27FC236}">
-                  <a16:creationId xmlns="" xmlns:a16="http://schemas.microsoft.com/office/drawing/2014/main" id="{370B72A7-B625-48B8-88E6-BCE2A4DD531E}"/>
+                  <a16:creationId xmlns:a16="http://schemas.microsoft.com/office/drawing/2014/main" xmlns="" id="{370B72A7-B625-48B8-88E6-BCE2A4DD531E}"/>
                 </a:ext>
               </a:extLst>
             </p:cNvPr>
@@ -5269,7 +5269,7 @@
             <p:cNvPr id="13" name="Oval 12">
               <a:extLst>
                 <a:ext uri="{FF2B5EF4-FFF2-40B4-BE49-F238E27FC236}">
-                  <a16:creationId xmlns="" xmlns:a16="http://schemas.microsoft.com/office/drawing/2014/main" id="{01ED729F-F8A5-4244-9776-4935C260F11F}"/>
+                  <a16:creationId xmlns:a16="http://schemas.microsoft.com/office/drawing/2014/main" xmlns="" id="{01ED729F-F8A5-4244-9776-4935C260F11F}"/>
                 </a:ext>
               </a:extLst>
             </p:cNvPr>
@@ -5330,7 +5330,7 @@
           <p:cNvPr id="17" name="Straight Connector 16">
             <a:extLst>
               <a:ext uri="{FF2B5EF4-FFF2-40B4-BE49-F238E27FC236}">
-                <a16:creationId xmlns="" xmlns:a16="http://schemas.microsoft.com/office/drawing/2014/main" id="{6150998C-CF95-4C6F-8962-8EB2DB30177D}"/>
+                <a16:creationId xmlns:a16="http://schemas.microsoft.com/office/drawing/2014/main" xmlns="" id="{6150998C-CF95-4C6F-8962-8EB2DB30177D}"/>
               </a:ext>
             </a:extLst>
           </p:cNvPr>
@@ -5374,7 +5374,7 @@
           <p:cNvPr id="18" name="Oval 17">
             <a:extLst>
               <a:ext uri="{FF2B5EF4-FFF2-40B4-BE49-F238E27FC236}">
-                <a16:creationId xmlns="" xmlns:a16="http://schemas.microsoft.com/office/drawing/2014/main" id="{F86A2ACD-8CF5-48A3-A678-E213A809B332}"/>
+                <a16:creationId xmlns:a16="http://schemas.microsoft.com/office/drawing/2014/main" xmlns="" id="{F86A2ACD-8CF5-48A3-A678-E213A809B332}"/>
               </a:ext>
             </a:extLst>
           </p:cNvPr>
@@ -5429,7 +5429,7 @@
           <p:cNvPr id="19" name="Straight Connector 18">
             <a:extLst>
               <a:ext uri="{FF2B5EF4-FFF2-40B4-BE49-F238E27FC236}">
-                <a16:creationId xmlns="" xmlns:a16="http://schemas.microsoft.com/office/drawing/2014/main" id="{F00811BB-0E37-4D70-84A5-97B3FBEDCBE6}"/>
+                <a16:creationId xmlns:a16="http://schemas.microsoft.com/office/drawing/2014/main" xmlns="" id="{F00811BB-0E37-4D70-84A5-97B3FBEDCBE6}"/>
               </a:ext>
             </a:extLst>
           </p:cNvPr>
@@ -5475,7 +5475,7 @@
           <p:cNvPr id="20" name="Oval 19">
             <a:extLst>
               <a:ext uri="{FF2B5EF4-FFF2-40B4-BE49-F238E27FC236}">
-                <a16:creationId xmlns="" xmlns:a16="http://schemas.microsoft.com/office/drawing/2014/main" id="{D03B3046-0457-4D23-8E0C-64E3FCD620BB}"/>
+                <a16:creationId xmlns:a16="http://schemas.microsoft.com/office/drawing/2014/main" xmlns="" id="{D03B3046-0457-4D23-8E0C-64E3FCD620BB}"/>
               </a:ext>
             </a:extLst>
           </p:cNvPr>
@@ -5530,7 +5530,7 @@
           <p:cNvPr id="34" name="Text Placeholder 2">
             <a:extLst>
               <a:ext uri="{FF2B5EF4-FFF2-40B4-BE49-F238E27FC236}">
-                <a16:creationId xmlns="" xmlns:a16="http://schemas.microsoft.com/office/drawing/2014/main" id="{B17B484C-F876-40B2-89DE-FC7A9E54C835}"/>
+                <a16:creationId xmlns:a16="http://schemas.microsoft.com/office/drawing/2014/main" xmlns="" id="{B17B484C-F876-40B2-89DE-FC7A9E54C835}"/>
               </a:ext>
             </a:extLst>
           </p:cNvPr>
@@ -5665,7 +5665,7 @@
           <p:cNvPr id="36" name="Text Placeholder 2">
             <a:extLst>
               <a:ext uri="{FF2B5EF4-FFF2-40B4-BE49-F238E27FC236}">
-                <a16:creationId xmlns="" xmlns:a16="http://schemas.microsoft.com/office/drawing/2014/main" id="{99E02476-A734-4A74-BC42-F104B37C8C19}"/>
+                <a16:creationId xmlns:a16="http://schemas.microsoft.com/office/drawing/2014/main" xmlns="" id="{99E02476-A734-4A74-BC42-F104B37C8C19}"/>
               </a:ext>
             </a:extLst>
           </p:cNvPr>
@@ -5798,7 +5798,7 @@
           <p:cNvPr id="23" name="Text Placeholder 2">
             <a:extLst>
               <a:ext uri="{FF2B5EF4-FFF2-40B4-BE49-F238E27FC236}">
-                <a16:creationId xmlns="" xmlns:a16="http://schemas.microsoft.com/office/drawing/2014/main" id="{ABD2EF23-562D-4049-92E3-48371C9E83A4}"/>
+                <a16:creationId xmlns:a16="http://schemas.microsoft.com/office/drawing/2014/main" xmlns="" id="{ABD2EF23-562D-4049-92E3-48371C9E83A4}"/>
               </a:ext>
             </a:extLst>
           </p:cNvPr>
@@ -5933,7 +5933,7 @@
           <p:cNvPr id="24" name="Text Placeholder 2">
             <a:extLst>
               <a:ext uri="{FF2B5EF4-FFF2-40B4-BE49-F238E27FC236}">
-                <a16:creationId xmlns="" xmlns:a16="http://schemas.microsoft.com/office/drawing/2014/main" id="{FB2A0B34-417C-46AC-95C0-9B2A2FCC8BFC}"/>
+                <a16:creationId xmlns:a16="http://schemas.microsoft.com/office/drawing/2014/main" xmlns="" id="{FB2A0B34-417C-46AC-95C0-9B2A2FCC8BFC}"/>
               </a:ext>
             </a:extLst>
           </p:cNvPr>
@@ -6096,7 +6096,7 @@
           <p:cNvPr id="15" name="Rectangle 14">
             <a:extLst>
               <a:ext uri="{FF2B5EF4-FFF2-40B4-BE49-F238E27FC236}">
-                <a16:creationId xmlns="" xmlns:a16="http://schemas.microsoft.com/office/drawing/2014/main" id="{E8E3FDB8-6D5C-48FE-99EA-7EC60F4D8191}"/>
+                <a16:creationId xmlns:a16="http://schemas.microsoft.com/office/drawing/2014/main" xmlns="" id="{E8E3FDB8-6D5C-48FE-99EA-7EC60F4D8191}"/>
               </a:ext>
             </a:extLst>
           </p:cNvPr>
@@ -6163,7 +6163,7 @@
           <p:cNvPr id="5" name="Date Placeholder 4">
             <a:extLst>
               <a:ext uri="{FF2B5EF4-FFF2-40B4-BE49-F238E27FC236}">
-                <a16:creationId xmlns="" xmlns:a16="http://schemas.microsoft.com/office/drawing/2014/main" id="{2D9775F3-A041-479A-8038-652B7D9C72E9}"/>
+                <a16:creationId xmlns:a16="http://schemas.microsoft.com/office/drawing/2014/main" xmlns="" id="{2D9775F3-A041-479A-8038-652B7D9C72E9}"/>
               </a:ext>
             </a:extLst>
           </p:cNvPr>
@@ -6191,7 +6191,7 @@
           <p:cNvPr id="6" name="Footer Placeholder 5">
             <a:extLst>
               <a:ext uri="{FF2B5EF4-FFF2-40B4-BE49-F238E27FC236}">
-                <a16:creationId xmlns="" xmlns:a16="http://schemas.microsoft.com/office/drawing/2014/main" id="{29BEDD04-BE4E-4B91-B13E-0C4FB3E1658F}"/>
+                <a16:creationId xmlns:a16="http://schemas.microsoft.com/office/drawing/2014/main" xmlns="" id="{29BEDD04-BE4E-4B91-B13E-0C4FB3E1658F}"/>
               </a:ext>
             </a:extLst>
           </p:cNvPr>
@@ -6219,7 +6219,7 @@
           <p:cNvPr id="7" name="Slide Number Placeholder 6">
             <a:extLst>
               <a:ext uri="{FF2B5EF4-FFF2-40B4-BE49-F238E27FC236}">
-                <a16:creationId xmlns="" xmlns:a16="http://schemas.microsoft.com/office/drawing/2014/main" id="{306DF5D8-12DC-494E-B0F1-2E9C86A14544}"/>
+                <a16:creationId xmlns:a16="http://schemas.microsoft.com/office/drawing/2014/main" xmlns="" id="{306DF5D8-12DC-494E-B0F1-2E9C86A14544}"/>
               </a:ext>
             </a:extLst>
           </p:cNvPr>
@@ -6248,7 +6248,7 @@
           <p:cNvPr id="8" name="Title 1">
             <a:extLst>
               <a:ext uri="{FF2B5EF4-FFF2-40B4-BE49-F238E27FC236}">
-                <a16:creationId xmlns="" xmlns:a16="http://schemas.microsoft.com/office/drawing/2014/main" id="{ABF87C9E-53A2-4DE1-89DC-3907BE2E3D3C}"/>
+                <a16:creationId xmlns:a16="http://schemas.microsoft.com/office/drawing/2014/main" xmlns="" id="{ABF87C9E-53A2-4DE1-89DC-3907BE2E3D3C}"/>
               </a:ext>
             </a:extLst>
           </p:cNvPr>
@@ -6287,7 +6287,7 @@
           <p:cNvPr id="11" name="Group 10">
             <a:extLst>
               <a:ext uri="{FF2B5EF4-FFF2-40B4-BE49-F238E27FC236}">
-                <a16:creationId xmlns="" xmlns:a16="http://schemas.microsoft.com/office/drawing/2014/main" id="{59E4D57E-4989-4939-A31F-637543FAB606}"/>
+                <a16:creationId xmlns:a16="http://schemas.microsoft.com/office/drawing/2014/main" xmlns="" id="{59E4D57E-4989-4939-A31F-637543FAB606}"/>
               </a:ext>
             </a:extLst>
           </p:cNvPr>
@@ -6307,7 +6307,7 @@
             <p:cNvPr id="12" name="Straight Connector 11">
               <a:extLst>
                 <a:ext uri="{FF2B5EF4-FFF2-40B4-BE49-F238E27FC236}">
-                  <a16:creationId xmlns="" xmlns:a16="http://schemas.microsoft.com/office/drawing/2014/main" id="{370B72A7-B625-48B8-88E6-BCE2A4DD531E}"/>
+                  <a16:creationId xmlns:a16="http://schemas.microsoft.com/office/drawing/2014/main" xmlns="" id="{370B72A7-B625-48B8-88E6-BCE2A4DD531E}"/>
                 </a:ext>
               </a:extLst>
             </p:cNvPr>
@@ -6353,7 +6353,7 @@
             <p:cNvPr id="13" name="Oval 12">
               <a:extLst>
                 <a:ext uri="{FF2B5EF4-FFF2-40B4-BE49-F238E27FC236}">
-                  <a16:creationId xmlns="" xmlns:a16="http://schemas.microsoft.com/office/drawing/2014/main" id="{01ED729F-F8A5-4244-9776-4935C260F11F}"/>
+                  <a16:creationId xmlns:a16="http://schemas.microsoft.com/office/drawing/2014/main" xmlns="" id="{01ED729F-F8A5-4244-9776-4935C260F11F}"/>
                 </a:ext>
               </a:extLst>
             </p:cNvPr>
@@ -6414,7 +6414,7 @@
           <p:cNvPr id="17" name="Straight Connector 16">
             <a:extLst>
               <a:ext uri="{FF2B5EF4-FFF2-40B4-BE49-F238E27FC236}">
-                <a16:creationId xmlns="" xmlns:a16="http://schemas.microsoft.com/office/drawing/2014/main" id="{6150998C-CF95-4C6F-8962-8EB2DB30177D}"/>
+                <a16:creationId xmlns:a16="http://schemas.microsoft.com/office/drawing/2014/main" xmlns="" id="{6150998C-CF95-4C6F-8962-8EB2DB30177D}"/>
               </a:ext>
             </a:extLst>
           </p:cNvPr>
@@ -6458,7 +6458,7 @@
           <p:cNvPr id="18" name="Oval 17">
             <a:extLst>
               <a:ext uri="{FF2B5EF4-FFF2-40B4-BE49-F238E27FC236}">
-                <a16:creationId xmlns="" xmlns:a16="http://schemas.microsoft.com/office/drawing/2014/main" id="{F86A2ACD-8CF5-48A3-A678-E213A809B332}"/>
+                <a16:creationId xmlns:a16="http://schemas.microsoft.com/office/drawing/2014/main" xmlns="" id="{F86A2ACD-8CF5-48A3-A678-E213A809B332}"/>
               </a:ext>
             </a:extLst>
           </p:cNvPr>
@@ -6513,7 +6513,7 @@
           <p:cNvPr id="19" name="Straight Connector 18">
             <a:extLst>
               <a:ext uri="{FF2B5EF4-FFF2-40B4-BE49-F238E27FC236}">
-                <a16:creationId xmlns="" xmlns:a16="http://schemas.microsoft.com/office/drawing/2014/main" id="{F00811BB-0E37-4D70-84A5-97B3FBEDCBE6}"/>
+                <a16:creationId xmlns:a16="http://schemas.microsoft.com/office/drawing/2014/main" xmlns="" id="{F00811BB-0E37-4D70-84A5-97B3FBEDCBE6}"/>
               </a:ext>
             </a:extLst>
           </p:cNvPr>
@@ -6559,7 +6559,7 @@
           <p:cNvPr id="20" name="Oval 19">
             <a:extLst>
               <a:ext uri="{FF2B5EF4-FFF2-40B4-BE49-F238E27FC236}">
-                <a16:creationId xmlns="" xmlns:a16="http://schemas.microsoft.com/office/drawing/2014/main" id="{D03B3046-0457-4D23-8E0C-64E3FCD620BB}"/>
+                <a16:creationId xmlns:a16="http://schemas.microsoft.com/office/drawing/2014/main" xmlns="" id="{D03B3046-0457-4D23-8E0C-64E3FCD620BB}"/>
               </a:ext>
             </a:extLst>
           </p:cNvPr>
@@ -6614,7 +6614,7 @@
           <p:cNvPr id="21" name="Picture Placeholder 11" descr="Competitors logos quadrant">
             <a:extLst>
               <a:ext uri="{FF2B5EF4-FFF2-40B4-BE49-F238E27FC236}">
-                <a16:creationId xmlns="" xmlns:a16="http://schemas.microsoft.com/office/drawing/2014/main" id="{58A093A6-410B-4E4B-BA54-D31E8313D9B1}"/>
+                <a16:creationId xmlns:a16="http://schemas.microsoft.com/office/drawing/2014/main" xmlns="" id="{58A093A6-410B-4E4B-BA54-D31E8313D9B1}"/>
               </a:ext>
             </a:extLst>
           </p:cNvPr>
@@ -6665,7 +6665,7 @@
           <p:cNvPr id="22" name="Picture Placeholder 11" descr="Competitors logos quadrant">
             <a:extLst>
               <a:ext uri="{FF2B5EF4-FFF2-40B4-BE49-F238E27FC236}">
-                <a16:creationId xmlns="" xmlns:a16="http://schemas.microsoft.com/office/drawing/2014/main" id="{C852F764-614E-4E0D-B231-E5EF9B5D3AFE}"/>
+                <a16:creationId xmlns:a16="http://schemas.microsoft.com/office/drawing/2014/main" xmlns="" id="{C852F764-614E-4E0D-B231-E5EF9B5D3AFE}"/>
               </a:ext>
             </a:extLst>
           </p:cNvPr>
@@ -6716,7 +6716,7 @@
           <p:cNvPr id="25" name="Picture Placeholder 11" descr="Competitors logos quadrant">
             <a:extLst>
               <a:ext uri="{FF2B5EF4-FFF2-40B4-BE49-F238E27FC236}">
-                <a16:creationId xmlns="" xmlns:a16="http://schemas.microsoft.com/office/drawing/2014/main" id="{0349F007-C349-4EF3-A61F-86C43BEB5478}"/>
+                <a16:creationId xmlns:a16="http://schemas.microsoft.com/office/drawing/2014/main" xmlns="" id="{0349F007-C349-4EF3-A61F-86C43BEB5478}"/>
               </a:ext>
             </a:extLst>
           </p:cNvPr>
@@ -6767,7 +6767,7 @@
           <p:cNvPr id="26" name="Picture Placeholder 11" descr="Competitors logos quadrant">
             <a:extLst>
               <a:ext uri="{FF2B5EF4-FFF2-40B4-BE49-F238E27FC236}">
-                <a16:creationId xmlns="" xmlns:a16="http://schemas.microsoft.com/office/drawing/2014/main" id="{FEA8BDDC-623F-4C67-AD04-E7801B537019}"/>
+                <a16:creationId xmlns:a16="http://schemas.microsoft.com/office/drawing/2014/main" xmlns="" id="{FEA8BDDC-623F-4C67-AD04-E7801B537019}"/>
               </a:ext>
             </a:extLst>
           </p:cNvPr>
@@ -6818,7 +6818,7 @@
           <p:cNvPr id="27" name="Picture Placeholder 11" descr="Competitors logos quadrant">
             <a:extLst>
               <a:ext uri="{FF2B5EF4-FFF2-40B4-BE49-F238E27FC236}">
-                <a16:creationId xmlns="" xmlns:a16="http://schemas.microsoft.com/office/drawing/2014/main" id="{28B0D00B-97E7-4133-B35A-AC2EF334CD2B}"/>
+                <a16:creationId xmlns:a16="http://schemas.microsoft.com/office/drawing/2014/main" xmlns="" id="{28B0D00B-97E7-4133-B35A-AC2EF334CD2B}"/>
               </a:ext>
             </a:extLst>
           </p:cNvPr>
@@ -6869,7 +6869,7 @@
           <p:cNvPr id="28" name="Picture Placeholder 11" descr="Competitors logos quadrant">
             <a:extLst>
               <a:ext uri="{FF2B5EF4-FFF2-40B4-BE49-F238E27FC236}">
-                <a16:creationId xmlns="" xmlns:a16="http://schemas.microsoft.com/office/drawing/2014/main" id="{8D1A7417-EFAD-46F6-ADA5-117D4C7B1A9D}"/>
+                <a16:creationId xmlns:a16="http://schemas.microsoft.com/office/drawing/2014/main" xmlns="" id="{8D1A7417-EFAD-46F6-ADA5-117D4C7B1A9D}"/>
               </a:ext>
             </a:extLst>
           </p:cNvPr>
@@ -6920,7 +6920,7 @@
           <p:cNvPr id="29" name="Text Placeholder 7">
             <a:extLst>
               <a:ext uri="{FF2B5EF4-FFF2-40B4-BE49-F238E27FC236}">
-                <a16:creationId xmlns="" xmlns:a16="http://schemas.microsoft.com/office/drawing/2014/main" id="{D4B80E14-BBC8-42CC-8777-FFF50D168A09}"/>
+                <a16:creationId xmlns:a16="http://schemas.microsoft.com/office/drawing/2014/main" xmlns="" id="{D4B80E14-BBC8-42CC-8777-FFF50D168A09}"/>
               </a:ext>
             </a:extLst>
           </p:cNvPr>
@@ -6979,7 +6979,7 @@
           <p:cNvPr id="30" name="Text Placeholder 7">
             <a:extLst>
               <a:ext uri="{FF2B5EF4-FFF2-40B4-BE49-F238E27FC236}">
-                <a16:creationId xmlns="" xmlns:a16="http://schemas.microsoft.com/office/drawing/2014/main" id="{95033551-3DD0-4EBE-8DFD-9335F8BA9268}"/>
+                <a16:creationId xmlns:a16="http://schemas.microsoft.com/office/drawing/2014/main" xmlns="" id="{95033551-3DD0-4EBE-8DFD-9335F8BA9268}"/>
               </a:ext>
             </a:extLst>
           </p:cNvPr>
@@ -7038,7 +7038,7 @@
           <p:cNvPr id="31" name="Text Placeholder 7">
             <a:extLst>
               <a:ext uri="{FF2B5EF4-FFF2-40B4-BE49-F238E27FC236}">
-                <a16:creationId xmlns="" xmlns:a16="http://schemas.microsoft.com/office/drawing/2014/main" id="{CC507E62-D7F3-4E81-8DE2-5A7084588A33}"/>
+                <a16:creationId xmlns:a16="http://schemas.microsoft.com/office/drawing/2014/main" xmlns="" id="{CC507E62-D7F3-4E81-8DE2-5A7084588A33}"/>
               </a:ext>
             </a:extLst>
           </p:cNvPr>
@@ -7097,7 +7097,7 @@
           <p:cNvPr id="32" name="Picture Placeholder 13">
             <a:extLst>
               <a:ext uri="{FF2B5EF4-FFF2-40B4-BE49-F238E27FC236}">
-                <a16:creationId xmlns="" xmlns:a16="http://schemas.microsoft.com/office/drawing/2014/main" id="{61EF622D-8E08-41C3-BEBA-2274C2AB487A}"/>
+                <a16:creationId xmlns:a16="http://schemas.microsoft.com/office/drawing/2014/main" xmlns="" id="{61EF622D-8E08-41C3-BEBA-2274C2AB487A}"/>
               </a:ext>
             </a:extLst>
           </p:cNvPr>
@@ -7146,7 +7146,7 @@
           <p:cNvPr id="33" name="Text Placeholder 7">
             <a:extLst>
               <a:ext uri="{FF2B5EF4-FFF2-40B4-BE49-F238E27FC236}">
-                <a16:creationId xmlns="" xmlns:a16="http://schemas.microsoft.com/office/drawing/2014/main" id="{690ADA54-0156-49A9-AEF7-A4972EEB15AA}"/>
+                <a16:creationId xmlns:a16="http://schemas.microsoft.com/office/drawing/2014/main" xmlns="" id="{690ADA54-0156-49A9-AEF7-A4972EEB15AA}"/>
               </a:ext>
             </a:extLst>
           </p:cNvPr>
@@ -7205,7 +7205,7 @@
           <p:cNvPr id="4" name="Group 3">
             <a:extLst>
               <a:ext uri="{FF2B5EF4-FFF2-40B4-BE49-F238E27FC236}">
-                <a16:creationId xmlns="" xmlns:a16="http://schemas.microsoft.com/office/drawing/2014/main" id="{32193FB7-0142-40DD-9186-F3156B0AE4B0}"/>
+                <a16:creationId xmlns:a16="http://schemas.microsoft.com/office/drawing/2014/main" xmlns="" id="{32193FB7-0142-40DD-9186-F3156B0AE4B0}"/>
               </a:ext>
             </a:extLst>
           </p:cNvPr>
@@ -7225,7 +7225,7 @@
             <p:cNvPr id="3" name="Straight Connector 2">
               <a:extLst>
                 <a:ext uri="{FF2B5EF4-FFF2-40B4-BE49-F238E27FC236}">
-                  <a16:creationId xmlns="" xmlns:a16="http://schemas.microsoft.com/office/drawing/2014/main" id="{CD1389D4-2EB7-40E2-B21B-4EE70FCA2236}"/>
+                  <a16:creationId xmlns:a16="http://schemas.microsoft.com/office/drawing/2014/main" xmlns="" id="{CD1389D4-2EB7-40E2-B21B-4EE70FCA2236}"/>
                 </a:ext>
               </a:extLst>
             </p:cNvPr>
@@ -7268,7 +7268,7 @@
             <p:cNvPr id="35" name="Oval 34">
               <a:extLst>
                 <a:ext uri="{FF2B5EF4-FFF2-40B4-BE49-F238E27FC236}">
-                  <a16:creationId xmlns="" xmlns:a16="http://schemas.microsoft.com/office/drawing/2014/main" id="{BA48E795-AD00-4819-94E4-A5211D331715}"/>
+                  <a16:creationId xmlns:a16="http://schemas.microsoft.com/office/drawing/2014/main" xmlns="" id="{BA48E795-AD00-4819-94E4-A5211D331715}"/>
                 </a:ext>
               </a:extLst>
             </p:cNvPr>
@@ -7326,7 +7326,7 @@
           <p:cNvPr id="37" name="Group 36">
             <a:extLst>
               <a:ext uri="{FF2B5EF4-FFF2-40B4-BE49-F238E27FC236}">
-                <a16:creationId xmlns="" xmlns:a16="http://schemas.microsoft.com/office/drawing/2014/main" id="{41BD97BD-35F4-4534-8B74-24D44A99BC58}"/>
+                <a16:creationId xmlns:a16="http://schemas.microsoft.com/office/drawing/2014/main" xmlns="" id="{41BD97BD-35F4-4534-8B74-24D44A99BC58}"/>
               </a:ext>
             </a:extLst>
           </p:cNvPr>
@@ -7346,7 +7346,7 @@
             <p:cNvPr id="38" name="Straight Connector 37">
               <a:extLst>
                 <a:ext uri="{FF2B5EF4-FFF2-40B4-BE49-F238E27FC236}">
-                  <a16:creationId xmlns="" xmlns:a16="http://schemas.microsoft.com/office/drawing/2014/main" id="{D8351F13-467F-49F8-8279-C5B29A51798F}"/>
+                  <a16:creationId xmlns:a16="http://schemas.microsoft.com/office/drawing/2014/main" xmlns="" id="{D8351F13-467F-49F8-8279-C5B29A51798F}"/>
                 </a:ext>
               </a:extLst>
             </p:cNvPr>
@@ -7389,7 +7389,7 @@
             <p:cNvPr id="39" name="Oval 38">
               <a:extLst>
                 <a:ext uri="{FF2B5EF4-FFF2-40B4-BE49-F238E27FC236}">
-                  <a16:creationId xmlns="" xmlns:a16="http://schemas.microsoft.com/office/drawing/2014/main" id="{09AA12FA-7959-4581-B344-DF9E7B0AD37A}"/>
+                  <a16:creationId xmlns:a16="http://schemas.microsoft.com/office/drawing/2014/main" xmlns="" id="{09AA12FA-7959-4581-B344-DF9E7B0AD37A}"/>
                 </a:ext>
               </a:extLst>
             </p:cNvPr>
@@ -7477,7 +7477,7 @@
           <p:cNvPr id="7" name="Rectangle 6">
             <a:extLst>
               <a:ext uri="{FF2B5EF4-FFF2-40B4-BE49-F238E27FC236}">
-                <a16:creationId xmlns="" xmlns:a16="http://schemas.microsoft.com/office/drawing/2014/main" id="{09F1B35C-893A-4033-ADC0-2192AFA29271}"/>
+                <a16:creationId xmlns:a16="http://schemas.microsoft.com/office/drawing/2014/main" xmlns="" id="{09F1B35C-893A-4033-ADC0-2192AFA29271}"/>
               </a:ext>
             </a:extLst>
           </p:cNvPr>
@@ -7544,7 +7544,7 @@
           <p:cNvPr id="2" name="Title 1">
             <a:extLst>
               <a:ext uri="{FF2B5EF4-FFF2-40B4-BE49-F238E27FC236}">
-                <a16:creationId xmlns="" xmlns:a16="http://schemas.microsoft.com/office/drawing/2014/main" id="{CD637DF8-B064-4F36-89F8-EBF538A2E7F2}"/>
+                <a16:creationId xmlns:a16="http://schemas.microsoft.com/office/drawing/2014/main" xmlns="" id="{CD637DF8-B064-4F36-89F8-EBF538A2E7F2}"/>
               </a:ext>
             </a:extLst>
           </p:cNvPr>
@@ -7583,7 +7583,7 @@
           <p:cNvPr id="3" name="Text Placeholder 2">
             <a:extLst>
               <a:ext uri="{FF2B5EF4-FFF2-40B4-BE49-F238E27FC236}">
-                <a16:creationId xmlns="" xmlns:a16="http://schemas.microsoft.com/office/drawing/2014/main" id="{8A72532A-5006-46B7-AE99-3A6891CD0254}"/>
+                <a16:creationId xmlns:a16="http://schemas.microsoft.com/office/drawing/2014/main" xmlns="" id="{8A72532A-5006-46B7-AE99-3A6891CD0254}"/>
               </a:ext>
             </a:extLst>
           </p:cNvPr>
@@ -7713,7 +7713,7 @@
           <p:cNvPr id="4" name="Date Placeholder 3">
             <a:extLst>
               <a:ext uri="{FF2B5EF4-FFF2-40B4-BE49-F238E27FC236}">
-                <a16:creationId xmlns="" xmlns:a16="http://schemas.microsoft.com/office/drawing/2014/main" id="{49EFC6D7-3241-401C-A16A-4A7CC2653954}"/>
+                <a16:creationId xmlns:a16="http://schemas.microsoft.com/office/drawing/2014/main" xmlns="" id="{49EFC6D7-3241-401C-A16A-4A7CC2653954}"/>
               </a:ext>
             </a:extLst>
           </p:cNvPr>
@@ -7741,7 +7741,7 @@
           <p:cNvPr id="5" name="Footer Placeholder 4">
             <a:extLst>
               <a:ext uri="{FF2B5EF4-FFF2-40B4-BE49-F238E27FC236}">
-                <a16:creationId xmlns="" xmlns:a16="http://schemas.microsoft.com/office/drawing/2014/main" id="{F345D6DC-ABA5-4D00-9CD3-92FFDD1FA2DC}"/>
+                <a16:creationId xmlns:a16="http://schemas.microsoft.com/office/drawing/2014/main" xmlns="" id="{F345D6DC-ABA5-4D00-9CD3-92FFDD1FA2DC}"/>
               </a:ext>
             </a:extLst>
           </p:cNvPr>
@@ -7769,7 +7769,7 @@
           <p:cNvPr id="6" name="Slide Number Placeholder 5">
             <a:extLst>
               <a:ext uri="{FF2B5EF4-FFF2-40B4-BE49-F238E27FC236}">
-                <a16:creationId xmlns="" xmlns:a16="http://schemas.microsoft.com/office/drawing/2014/main" id="{92459C86-0106-40E0-AA18-795EC5787677}"/>
+                <a16:creationId xmlns:a16="http://schemas.microsoft.com/office/drawing/2014/main" xmlns="" id="{92459C86-0106-40E0-AA18-795EC5787677}"/>
               </a:ext>
             </a:extLst>
           </p:cNvPr>
@@ -7798,7 +7798,7 @@
           <p:cNvPr id="11" name="Picture Placeholder 10">
             <a:extLst>
               <a:ext uri="{FF2B5EF4-FFF2-40B4-BE49-F238E27FC236}">
-                <a16:creationId xmlns="" xmlns:a16="http://schemas.microsoft.com/office/drawing/2014/main" id="{6D14F7B3-A6CF-491C-9855-75B5784CC456}"/>
+                <a16:creationId xmlns:a16="http://schemas.microsoft.com/office/drawing/2014/main" xmlns="" id="{6D14F7B3-A6CF-491C-9855-75B5784CC456}"/>
               </a:ext>
             </a:extLst>
           </p:cNvPr>
@@ -7839,7 +7839,7 @@
           <p:cNvPr id="15" name="Group 14">
             <a:extLst>
               <a:ext uri="{FF2B5EF4-FFF2-40B4-BE49-F238E27FC236}">
-                <a16:creationId xmlns="" xmlns:a16="http://schemas.microsoft.com/office/drawing/2014/main" id="{B7317392-EF87-4050-8BBE-32F74B0CF15A}"/>
+                <a16:creationId xmlns:a16="http://schemas.microsoft.com/office/drawing/2014/main" xmlns="" id="{B7317392-EF87-4050-8BBE-32F74B0CF15A}"/>
               </a:ext>
             </a:extLst>
           </p:cNvPr>
@@ -7859,7 +7859,7 @@
             <p:cNvPr id="13" name="Straight Connector 12">
               <a:extLst>
                 <a:ext uri="{FF2B5EF4-FFF2-40B4-BE49-F238E27FC236}">
-                  <a16:creationId xmlns="" xmlns:a16="http://schemas.microsoft.com/office/drawing/2014/main" id="{785A4134-866D-4143-AC1E-8A2FFDB49855}"/>
+                  <a16:creationId xmlns:a16="http://schemas.microsoft.com/office/drawing/2014/main" xmlns="" id="{785A4134-866D-4143-AC1E-8A2FFDB49855}"/>
                 </a:ext>
               </a:extLst>
             </p:cNvPr>
@@ -7903,7 +7903,7 @@
             <p:cNvPr id="14" name="Oval 13">
               <a:extLst>
                 <a:ext uri="{FF2B5EF4-FFF2-40B4-BE49-F238E27FC236}">
-                  <a16:creationId xmlns="" xmlns:a16="http://schemas.microsoft.com/office/drawing/2014/main" id="{1BBC5D9C-B8FB-455B-9398-36DB21F2765E}"/>
+                  <a16:creationId xmlns:a16="http://schemas.microsoft.com/office/drawing/2014/main" xmlns="" id="{1BBC5D9C-B8FB-455B-9398-36DB21F2765E}"/>
                 </a:ext>
               </a:extLst>
             </p:cNvPr>
@@ -7964,7 +7964,7 @@
           <p:cNvPr id="17" name="Oval 16">
             <a:extLst>
               <a:ext uri="{FF2B5EF4-FFF2-40B4-BE49-F238E27FC236}">
-                <a16:creationId xmlns="" xmlns:a16="http://schemas.microsoft.com/office/drawing/2014/main" id="{72225750-E4CE-4A81-A0C3-4023030D637E}"/>
+                <a16:creationId xmlns:a16="http://schemas.microsoft.com/office/drawing/2014/main" xmlns="" id="{72225750-E4CE-4A81-A0C3-4023030D637E}"/>
               </a:ext>
             </a:extLst>
           </p:cNvPr>
@@ -8019,7 +8019,7 @@
           <p:cNvPr id="18" name="Straight Connector 17">
             <a:extLst>
               <a:ext uri="{FF2B5EF4-FFF2-40B4-BE49-F238E27FC236}">
-                <a16:creationId xmlns="" xmlns:a16="http://schemas.microsoft.com/office/drawing/2014/main" id="{3819C324-07DF-49DB-A08C-0E6155CE3041}"/>
+                <a16:creationId xmlns:a16="http://schemas.microsoft.com/office/drawing/2014/main" xmlns="" id="{3819C324-07DF-49DB-A08C-0E6155CE3041}"/>
               </a:ext>
             </a:extLst>
           </p:cNvPr>
@@ -8063,7 +8063,7 @@
           <p:cNvPr id="19" name="Oval 18">
             <a:extLst>
               <a:ext uri="{FF2B5EF4-FFF2-40B4-BE49-F238E27FC236}">
-                <a16:creationId xmlns="" xmlns:a16="http://schemas.microsoft.com/office/drawing/2014/main" id="{75A34025-44F2-4A09-8629-F1794E9D35AF}"/>
+                <a16:creationId xmlns:a16="http://schemas.microsoft.com/office/drawing/2014/main" xmlns="" id="{75A34025-44F2-4A09-8629-F1794E9D35AF}"/>
               </a:ext>
             </a:extLst>
           </p:cNvPr>
@@ -8118,7 +8118,7 @@
           <p:cNvPr id="20" name="Straight Connector 19">
             <a:extLst>
               <a:ext uri="{FF2B5EF4-FFF2-40B4-BE49-F238E27FC236}">
-                <a16:creationId xmlns="" xmlns:a16="http://schemas.microsoft.com/office/drawing/2014/main" id="{815854A2-EAE9-4B2A-84CF-5A4BD753863A}"/>
+                <a16:creationId xmlns:a16="http://schemas.microsoft.com/office/drawing/2014/main" xmlns="" id="{815854A2-EAE9-4B2A-84CF-5A4BD753863A}"/>
               </a:ext>
             </a:extLst>
           </p:cNvPr>
@@ -8164,7 +8164,7 @@
           <p:cNvPr id="21" name="Text Placeholder 15">
             <a:extLst>
               <a:ext uri="{FF2B5EF4-FFF2-40B4-BE49-F238E27FC236}">
-                <a16:creationId xmlns="" xmlns:a16="http://schemas.microsoft.com/office/drawing/2014/main" id="{DA80730C-5AC9-41A0-ACC5-624F0652D685}"/>
+                <a16:creationId xmlns:a16="http://schemas.microsoft.com/office/drawing/2014/main" xmlns="" id="{DA80730C-5AC9-41A0-ACC5-624F0652D685}"/>
               </a:ext>
             </a:extLst>
           </p:cNvPr>
@@ -8221,7 +8221,7 @@
           <p:cNvPr id="22" name="Text Placeholder 15">
             <a:extLst>
               <a:ext uri="{FF2B5EF4-FFF2-40B4-BE49-F238E27FC236}">
-                <a16:creationId xmlns="" xmlns:a16="http://schemas.microsoft.com/office/drawing/2014/main" id="{515B23A8-23EB-4E6E-A24C-4154570D7DC0}"/>
+                <a16:creationId xmlns:a16="http://schemas.microsoft.com/office/drawing/2014/main" xmlns="" id="{515B23A8-23EB-4E6E-A24C-4154570D7DC0}"/>
               </a:ext>
             </a:extLst>
           </p:cNvPr>
@@ -8278,7 +8278,7 @@
           <p:cNvPr id="23" name="Text Placeholder 15">
             <a:extLst>
               <a:ext uri="{FF2B5EF4-FFF2-40B4-BE49-F238E27FC236}">
-                <a16:creationId xmlns="" xmlns:a16="http://schemas.microsoft.com/office/drawing/2014/main" id="{C12919ED-FD55-4081-BB4A-2B2FDA3BED17}"/>
+                <a16:creationId xmlns:a16="http://schemas.microsoft.com/office/drawing/2014/main" xmlns="" id="{C12919ED-FD55-4081-BB4A-2B2FDA3BED17}"/>
               </a:ext>
             </a:extLst>
           </p:cNvPr>
@@ -8335,7 +8335,7 @@
           <p:cNvPr id="24" name="Straight Connector 23">
             <a:extLst>
               <a:ext uri="{FF2B5EF4-FFF2-40B4-BE49-F238E27FC236}">
-                <a16:creationId xmlns="" xmlns:a16="http://schemas.microsoft.com/office/drawing/2014/main" id="{56A6259C-432B-4405-9E82-995AF092FB7A}"/>
+                <a16:creationId xmlns:a16="http://schemas.microsoft.com/office/drawing/2014/main" xmlns="" id="{56A6259C-432B-4405-9E82-995AF092FB7A}"/>
               </a:ext>
             </a:extLst>
           </p:cNvPr>
@@ -8378,7 +8378,7 @@
           <p:cNvPr id="25" name="Straight Connector 24">
             <a:extLst>
               <a:ext uri="{FF2B5EF4-FFF2-40B4-BE49-F238E27FC236}">
-                <a16:creationId xmlns="" xmlns:a16="http://schemas.microsoft.com/office/drawing/2014/main" id="{13BC485E-8BCE-479F-A7E9-7F9E193E6E96}"/>
+                <a16:creationId xmlns:a16="http://schemas.microsoft.com/office/drawing/2014/main" xmlns="" id="{13BC485E-8BCE-479F-A7E9-7F9E193E6E96}"/>
               </a:ext>
             </a:extLst>
           </p:cNvPr>
@@ -8421,7 +8421,7 @@
           <p:cNvPr id="26" name="Straight Connector 25">
             <a:extLst>
               <a:ext uri="{FF2B5EF4-FFF2-40B4-BE49-F238E27FC236}">
-                <a16:creationId xmlns="" xmlns:a16="http://schemas.microsoft.com/office/drawing/2014/main" id="{D5094BC6-BA16-4E05-868C-3AE971AF3DA4}"/>
+                <a16:creationId xmlns:a16="http://schemas.microsoft.com/office/drawing/2014/main" xmlns="" id="{D5094BC6-BA16-4E05-868C-3AE971AF3DA4}"/>
               </a:ext>
             </a:extLst>
           </p:cNvPr>
@@ -8464,7 +8464,7 @@
           <p:cNvPr id="27" name="Straight Connector 26">
             <a:extLst>
               <a:ext uri="{FF2B5EF4-FFF2-40B4-BE49-F238E27FC236}">
-                <a16:creationId xmlns="" xmlns:a16="http://schemas.microsoft.com/office/drawing/2014/main" id="{F9130EC6-4A8D-447F-862E-E5A693E68C8C}"/>
+                <a16:creationId xmlns:a16="http://schemas.microsoft.com/office/drawing/2014/main" xmlns="" id="{F9130EC6-4A8D-447F-862E-E5A693E68C8C}"/>
               </a:ext>
             </a:extLst>
           </p:cNvPr>
@@ -8507,7 +8507,7 @@
           <p:cNvPr id="29" name="Text Placeholder 2">
             <a:extLst>
               <a:ext uri="{FF2B5EF4-FFF2-40B4-BE49-F238E27FC236}">
-                <a16:creationId xmlns="" xmlns:a16="http://schemas.microsoft.com/office/drawing/2014/main" id="{1B29C9C1-9494-4E8B-A0F3-611E947A19B3}"/>
+                <a16:creationId xmlns:a16="http://schemas.microsoft.com/office/drawing/2014/main" xmlns="" id="{1B29C9C1-9494-4E8B-A0F3-611E947A19B3}"/>
               </a:ext>
             </a:extLst>
           </p:cNvPr>
@@ -8642,7 +8642,7 @@
           <p:cNvPr id="30" name="Text Placeholder 2">
             <a:extLst>
               <a:ext uri="{FF2B5EF4-FFF2-40B4-BE49-F238E27FC236}">
-                <a16:creationId xmlns="" xmlns:a16="http://schemas.microsoft.com/office/drawing/2014/main" id="{ABB09D16-148A-45C2-B0B8-1495E8DC7D64}"/>
+                <a16:creationId xmlns:a16="http://schemas.microsoft.com/office/drawing/2014/main" xmlns="" id="{ABB09D16-148A-45C2-B0B8-1495E8DC7D64}"/>
               </a:ext>
             </a:extLst>
           </p:cNvPr>
@@ -8776,7 +8776,7 @@
           <p:cNvPr id="31" name="Text Placeholder 2">
             <a:extLst>
               <a:ext uri="{FF2B5EF4-FFF2-40B4-BE49-F238E27FC236}">
-                <a16:creationId xmlns="" xmlns:a16="http://schemas.microsoft.com/office/drawing/2014/main" id="{67814C7C-3597-4B16-A4AC-D81985C587BD}"/>
+                <a16:creationId xmlns:a16="http://schemas.microsoft.com/office/drawing/2014/main" xmlns="" id="{67814C7C-3597-4B16-A4AC-D81985C587BD}"/>
               </a:ext>
             </a:extLst>
           </p:cNvPr>
@@ -8909,7 +8909,7 @@
           <p:cNvPr id="43" name="Text Placeholder 2">
             <a:extLst>
               <a:ext uri="{FF2B5EF4-FFF2-40B4-BE49-F238E27FC236}">
-                <a16:creationId xmlns="" xmlns:a16="http://schemas.microsoft.com/office/drawing/2014/main" id="{EFE2A8C5-F462-436C-B748-BBE5D58CB8B4}"/>
+                <a16:creationId xmlns:a16="http://schemas.microsoft.com/office/drawing/2014/main" xmlns="" id="{EFE2A8C5-F462-436C-B748-BBE5D58CB8B4}"/>
               </a:ext>
             </a:extLst>
           </p:cNvPr>
@@ -9044,7 +9044,7 @@
           <p:cNvPr id="44" name="Text Placeholder 2">
             <a:extLst>
               <a:ext uri="{FF2B5EF4-FFF2-40B4-BE49-F238E27FC236}">
-                <a16:creationId xmlns="" xmlns:a16="http://schemas.microsoft.com/office/drawing/2014/main" id="{586DAC0D-9859-40A1-8456-F0B43D96718B}"/>
+                <a16:creationId xmlns:a16="http://schemas.microsoft.com/office/drawing/2014/main" xmlns="" id="{586DAC0D-9859-40A1-8456-F0B43D96718B}"/>
               </a:ext>
             </a:extLst>
           </p:cNvPr>
@@ -9178,7 +9178,7 @@
           <p:cNvPr id="45" name="Text Placeholder 2">
             <a:extLst>
               <a:ext uri="{FF2B5EF4-FFF2-40B4-BE49-F238E27FC236}">
-                <a16:creationId xmlns="" xmlns:a16="http://schemas.microsoft.com/office/drawing/2014/main" id="{37B983EE-F89D-4F09-8A9F-2347FA364217}"/>
+                <a16:creationId xmlns:a16="http://schemas.microsoft.com/office/drawing/2014/main" xmlns="" id="{37B983EE-F89D-4F09-8A9F-2347FA364217}"/>
               </a:ext>
             </a:extLst>
           </p:cNvPr>
@@ -9311,7 +9311,7 @@
           <p:cNvPr id="46" name="Text Placeholder 2">
             <a:extLst>
               <a:ext uri="{FF2B5EF4-FFF2-40B4-BE49-F238E27FC236}">
-                <a16:creationId xmlns="" xmlns:a16="http://schemas.microsoft.com/office/drawing/2014/main" id="{D30DD128-A937-4A2F-B070-523A5BAAE260}"/>
+                <a16:creationId xmlns:a16="http://schemas.microsoft.com/office/drawing/2014/main" xmlns="" id="{D30DD128-A937-4A2F-B070-523A5BAAE260}"/>
               </a:ext>
             </a:extLst>
           </p:cNvPr>
@@ -9446,7 +9446,7 @@
           <p:cNvPr id="47" name="Text Placeholder 2">
             <a:extLst>
               <a:ext uri="{FF2B5EF4-FFF2-40B4-BE49-F238E27FC236}">
-                <a16:creationId xmlns="" xmlns:a16="http://schemas.microsoft.com/office/drawing/2014/main" id="{5737B87C-E3C0-46B2-8B79-63EB60491503}"/>
+                <a16:creationId xmlns:a16="http://schemas.microsoft.com/office/drawing/2014/main" xmlns="" id="{5737B87C-E3C0-46B2-8B79-63EB60491503}"/>
               </a:ext>
             </a:extLst>
           </p:cNvPr>
@@ -9580,7 +9580,7 @@
           <p:cNvPr id="48" name="Text Placeholder 2">
             <a:extLst>
               <a:ext uri="{FF2B5EF4-FFF2-40B4-BE49-F238E27FC236}">
-                <a16:creationId xmlns="" xmlns:a16="http://schemas.microsoft.com/office/drawing/2014/main" id="{22F76863-7DCD-4365-80F0-001D51F08779}"/>
+                <a16:creationId xmlns:a16="http://schemas.microsoft.com/office/drawing/2014/main" xmlns="" id="{22F76863-7DCD-4365-80F0-001D51F08779}"/>
               </a:ext>
             </a:extLst>
           </p:cNvPr>
@@ -9743,7 +9743,7 @@
           <p:cNvPr id="15" name="Rectangle 14">
             <a:extLst>
               <a:ext uri="{FF2B5EF4-FFF2-40B4-BE49-F238E27FC236}">
-                <a16:creationId xmlns="" xmlns:a16="http://schemas.microsoft.com/office/drawing/2014/main" id="{E8E3FDB8-6D5C-48FE-99EA-7EC60F4D8191}"/>
+                <a16:creationId xmlns:a16="http://schemas.microsoft.com/office/drawing/2014/main" xmlns="" id="{E8E3FDB8-6D5C-48FE-99EA-7EC60F4D8191}"/>
               </a:ext>
             </a:extLst>
           </p:cNvPr>
@@ -9810,7 +9810,7 @@
           <p:cNvPr id="5" name="Date Placeholder 4">
             <a:extLst>
               <a:ext uri="{FF2B5EF4-FFF2-40B4-BE49-F238E27FC236}">
-                <a16:creationId xmlns="" xmlns:a16="http://schemas.microsoft.com/office/drawing/2014/main" id="{2D9775F3-A041-479A-8038-652B7D9C72E9}"/>
+                <a16:creationId xmlns:a16="http://schemas.microsoft.com/office/drawing/2014/main" xmlns="" id="{2D9775F3-A041-479A-8038-652B7D9C72E9}"/>
               </a:ext>
             </a:extLst>
           </p:cNvPr>
@@ -9838,7 +9838,7 @@
           <p:cNvPr id="6" name="Footer Placeholder 5">
             <a:extLst>
               <a:ext uri="{FF2B5EF4-FFF2-40B4-BE49-F238E27FC236}">
-                <a16:creationId xmlns="" xmlns:a16="http://schemas.microsoft.com/office/drawing/2014/main" id="{29BEDD04-BE4E-4B91-B13E-0C4FB3E1658F}"/>
+                <a16:creationId xmlns:a16="http://schemas.microsoft.com/office/drawing/2014/main" xmlns="" id="{29BEDD04-BE4E-4B91-B13E-0C4FB3E1658F}"/>
               </a:ext>
             </a:extLst>
           </p:cNvPr>
@@ -9866,7 +9866,7 @@
           <p:cNvPr id="7" name="Slide Number Placeholder 6">
             <a:extLst>
               <a:ext uri="{FF2B5EF4-FFF2-40B4-BE49-F238E27FC236}">
-                <a16:creationId xmlns="" xmlns:a16="http://schemas.microsoft.com/office/drawing/2014/main" id="{306DF5D8-12DC-494E-B0F1-2E9C86A14544}"/>
+                <a16:creationId xmlns:a16="http://schemas.microsoft.com/office/drawing/2014/main" xmlns="" id="{306DF5D8-12DC-494E-B0F1-2E9C86A14544}"/>
               </a:ext>
             </a:extLst>
           </p:cNvPr>
@@ -9895,7 +9895,7 @@
           <p:cNvPr id="8" name="Title 1">
             <a:extLst>
               <a:ext uri="{FF2B5EF4-FFF2-40B4-BE49-F238E27FC236}">
-                <a16:creationId xmlns="" xmlns:a16="http://schemas.microsoft.com/office/drawing/2014/main" id="{ABF87C9E-53A2-4DE1-89DC-3907BE2E3D3C}"/>
+                <a16:creationId xmlns:a16="http://schemas.microsoft.com/office/drawing/2014/main" xmlns="" id="{ABF87C9E-53A2-4DE1-89DC-3907BE2E3D3C}"/>
               </a:ext>
             </a:extLst>
           </p:cNvPr>
@@ -9934,7 +9934,7 @@
           <p:cNvPr id="10" name="Picture Placeholder 10">
             <a:extLst>
               <a:ext uri="{FF2B5EF4-FFF2-40B4-BE49-F238E27FC236}">
-                <a16:creationId xmlns="" xmlns:a16="http://schemas.microsoft.com/office/drawing/2014/main" id="{A541F291-2E4B-474E-9ED0-55C97A2A066D}"/>
+                <a16:creationId xmlns:a16="http://schemas.microsoft.com/office/drawing/2014/main" xmlns="" id="{A541F291-2E4B-474E-9ED0-55C97A2A066D}"/>
               </a:ext>
             </a:extLst>
           </p:cNvPr>
@@ -9975,7 +9975,7 @@
           <p:cNvPr id="11" name="Group 10">
             <a:extLst>
               <a:ext uri="{FF2B5EF4-FFF2-40B4-BE49-F238E27FC236}">
-                <a16:creationId xmlns="" xmlns:a16="http://schemas.microsoft.com/office/drawing/2014/main" id="{59E4D57E-4989-4939-A31F-637543FAB606}"/>
+                <a16:creationId xmlns:a16="http://schemas.microsoft.com/office/drawing/2014/main" xmlns="" id="{59E4D57E-4989-4939-A31F-637543FAB606}"/>
               </a:ext>
             </a:extLst>
           </p:cNvPr>
@@ -9995,7 +9995,7 @@
             <p:cNvPr id="12" name="Straight Connector 11">
               <a:extLst>
                 <a:ext uri="{FF2B5EF4-FFF2-40B4-BE49-F238E27FC236}">
-                  <a16:creationId xmlns="" xmlns:a16="http://schemas.microsoft.com/office/drawing/2014/main" id="{370B72A7-B625-48B8-88E6-BCE2A4DD531E}"/>
+                  <a16:creationId xmlns:a16="http://schemas.microsoft.com/office/drawing/2014/main" xmlns="" id="{370B72A7-B625-48B8-88E6-BCE2A4DD531E}"/>
                 </a:ext>
               </a:extLst>
             </p:cNvPr>
@@ -10041,7 +10041,7 @@
             <p:cNvPr id="13" name="Oval 12">
               <a:extLst>
                 <a:ext uri="{FF2B5EF4-FFF2-40B4-BE49-F238E27FC236}">
-                  <a16:creationId xmlns="" xmlns:a16="http://schemas.microsoft.com/office/drawing/2014/main" id="{01ED729F-F8A5-4244-9776-4935C260F11F}"/>
+                  <a16:creationId xmlns:a16="http://schemas.microsoft.com/office/drawing/2014/main" xmlns="" id="{01ED729F-F8A5-4244-9776-4935C260F11F}"/>
                 </a:ext>
               </a:extLst>
             </p:cNvPr>
@@ -10102,7 +10102,7 @@
           <p:cNvPr id="17" name="Straight Connector 16">
             <a:extLst>
               <a:ext uri="{FF2B5EF4-FFF2-40B4-BE49-F238E27FC236}">
-                <a16:creationId xmlns="" xmlns:a16="http://schemas.microsoft.com/office/drawing/2014/main" id="{6150998C-CF95-4C6F-8962-8EB2DB30177D}"/>
+                <a16:creationId xmlns:a16="http://schemas.microsoft.com/office/drawing/2014/main" xmlns="" id="{6150998C-CF95-4C6F-8962-8EB2DB30177D}"/>
               </a:ext>
             </a:extLst>
           </p:cNvPr>
@@ -10146,7 +10146,7 @@
           <p:cNvPr id="18" name="Oval 17">
             <a:extLst>
               <a:ext uri="{FF2B5EF4-FFF2-40B4-BE49-F238E27FC236}">
-                <a16:creationId xmlns="" xmlns:a16="http://schemas.microsoft.com/office/drawing/2014/main" id="{F86A2ACD-8CF5-48A3-A678-E213A809B332}"/>
+                <a16:creationId xmlns:a16="http://schemas.microsoft.com/office/drawing/2014/main" xmlns="" id="{F86A2ACD-8CF5-48A3-A678-E213A809B332}"/>
               </a:ext>
             </a:extLst>
           </p:cNvPr>
@@ -10201,7 +10201,7 @@
           <p:cNvPr id="19" name="Straight Connector 18">
             <a:extLst>
               <a:ext uri="{FF2B5EF4-FFF2-40B4-BE49-F238E27FC236}">
-                <a16:creationId xmlns="" xmlns:a16="http://schemas.microsoft.com/office/drawing/2014/main" id="{F00811BB-0E37-4D70-84A5-97B3FBEDCBE6}"/>
+                <a16:creationId xmlns:a16="http://schemas.microsoft.com/office/drawing/2014/main" xmlns="" id="{F00811BB-0E37-4D70-84A5-97B3FBEDCBE6}"/>
               </a:ext>
             </a:extLst>
           </p:cNvPr>
@@ -10247,7 +10247,7 @@
           <p:cNvPr id="20" name="Oval 19">
             <a:extLst>
               <a:ext uri="{FF2B5EF4-FFF2-40B4-BE49-F238E27FC236}">
-                <a16:creationId xmlns="" xmlns:a16="http://schemas.microsoft.com/office/drawing/2014/main" id="{D03B3046-0457-4D23-8E0C-64E3FCD620BB}"/>
+                <a16:creationId xmlns:a16="http://schemas.microsoft.com/office/drawing/2014/main" xmlns="" id="{D03B3046-0457-4D23-8E0C-64E3FCD620BB}"/>
               </a:ext>
             </a:extLst>
           </p:cNvPr>
@@ -10302,7 +10302,7 @@
           <p:cNvPr id="36" name="Text Placeholder 2">
             <a:extLst>
               <a:ext uri="{FF2B5EF4-FFF2-40B4-BE49-F238E27FC236}">
-                <a16:creationId xmlns="" xmlns:a16="http://schemas.microsoft.com/office/drawing/2014/main" id="{99E02476-A734-4A74-BC42-F104B37C8C19}"/>
+                <a16:creationId xmlns:a16="http://schemas.microsoft.com/office/drawing/2014/main" xmlns="" id="{99E02476-A734-4A74-BC42-F104B37C8C19}"/>
               </a:ext>
             </a:extLst>
           </p:cNvPr>
@@ -10435,7 +10435,7 @@
           <p:cNvPr id="24" name="Text Placeholder 2">
             <a:extLst>
               <a:ext uri="{FF2B5EF4-FFF2-40B4-BE49-F238E27FC236}">
-                <a16:creationId xmlns="" xmlns:a16="http://schemas.microsoft.com/office/drawing/2014/main" id="{FB2A0B34-417C-46AC-95C0-9B2A2FCC8BFC}"/>
+                <a16:creationId xmlns:a16="http://schemas.microsoft.com/office/drawing/2014/main" xmlns="" id="{FB2A0B34-417C-46AC-95C0-9B2A2FCC8BFC}"/>
               </a:ext>
             </a:extLst>
           </p:cNvPr>
@@ -10568,7 +10568,7 @@
           <p:cNvPr id="3" name="Content Placeholder 2">
             <a:extLst>
               <a:ext uri="{FF2B5EF4-FFF2-40B4-BE49-F238E27FC236}">
-                <a16:creationId xmlns="" xmlns:a16="http://schemas.microsoft.com/office/drawing/2014/main" id="{7D36F8EF-728B-45C1-87D8-4AD8FA8F3716}"/>
+                <a16:creationId xmlns:a16="http://schemas.microsoft.com/office/drawing/2014/main" xmlns="" id="{7D36F8EF-728B-45C1-87D8-4AD8FA8F3716}"/>
               </a:ext>
             </a:extLst>
           </p:cNvPr>
@@ -10648,7 +10648,7 @@
           <p:cNvPr id="22" name="Content Placeholder 2">
             <a:extLst>
               <a:ext uri="{FF2B5EF4-FFF2-40B4-BE49-F238E27FC236}">
-                <a16:creationId xmlns="" xmlns:a16="http://schemas.microsoft.com/office/drawing/2014/main" id="{7395C5B4-6B03-4F70-96F8-3AE3A7817B52}"/>
+                <a16:creationId xmlns:a16="http://schemas.microsoft.com/office/drawing/2014/main" xmlns="" id="{7395C5B4-6B03-4F70-96F8-3AE3A7817B52}"/>
               </a:ext>
             </a:extLst>
           </p:cNvPr>
@@ -10758,7 +10758,7 @@
           <p:cNvPr id="15" name="Rectangle 14">
             <a:extLst>
               <a:ext uri="{FF2B5EF4-FFF2-40B4-BE49-F238E27FC236}">
-                <a16:creationId xmlns="" xmlns:a16="http://schemas.microsoft.com/office/drawing/2014/main" id="{E8E3FDB8-6D5C-48FE-99EA-7EC60F4D8191}"/>
+                <a16:creationId xmlns:a16="http://schemas.microsoft.com/office/drawing/2014/main" xmlns="" id="{E8E3FDB8-6D5C-48FE-99EA-7EC60F4D8191}"/>
               </a:ext>
             </a:extLst>
           </p:cNvPr>
@@ -10825,7 +10825,7 @@
           <p:cNvPr id="5" name="Date Placeholder 4">
             <a:extLst>
               <a:ext uri="{FF2B5EF4-FFF2-40B4-BE49-F238E27FC236}">
-                <a16:creationId xmlns="" xmlns:a16="http://schemas.microsoft.com/office/drawing/2014/main" id="{2D9775F3-A041-479A-8038-652B7D9C72E9}"/>
+                <a16:creationId xmlns:a16="http://schemas.microsoft.com/office/drawing/2014/main" xmlns="" id="{2D9775F3-A041-479A-8038-652B7D9C72E9}"/>
               </a:ext>
             </a:extLst>
           </p:cNvPr>
@@ -10853,7 +10853,7 @@
           <p:cNvPr id="6" name="Footer Placeholder 5">
             <a:extLst>
               <a:ext uri="{FF2B5EF4-FFF2-40B4-BE49-F238E27FC236}">
-                <a16:creationId xmlns="" xmlns:a16="http://schemas.microsoft.com/office/drawing/2014/main" id="{29BEDD04-BE4E-4B91-B13E-0C4FB3E1658F}"/>
+                <a16:creationId xmlns:a16="http://schemas.microsoft.com/office/drawing/2014/main" xmlns="" id="{29BEDD04-BE4E-4B91-B13E-0C4FB3E1658F}"/>
               </a:ext>
             </a:extLst>
           </p:cNvPr>
@@ -10881,7 +10881,7 @@
           <p:cNvPr id="7" name="Slide Number Placeholder 6">
             <a:extLst>
               <a:ext uri="{FF2B5EF4-FFF2-40B4-BE49-F238E27FC236}">
-                <a16:creationId xmlns="" xmlns:a16="http://schemas.microsoft.com/office/drawing/2014/main" id="{306DF5D8-12DC-494E-B0F1-2E9C86A14544}"/>
+                <a16:creationId xmlns:a16="http://schemas.microsoft.com/office/drawing/2014/main" xmlns="" id="{306DF5D8-12DC-494E-B0F1-2E9C86A14544}"/>
               </a:ext>
             </a:extLst>
           </p:cNvPr>
@@ -10910,7 +10910,7 @@
           <p:cNvPr id="8" name="Title 1">
             <a:extLst>
               <a:ext uri="{FF2B5EF4-FFF2-40B4-BE49-F238E27FC236}">
-                <a16:creationId xmlns="" xmlns:a16="http://schemas.microsoft.com/office/drawing/2014/main" id="{ABF87C9E-53A2-4DE1-89DC-3907BE2E3D3C}"/>
+                <a16:creationId xmlns:a16="http://schemas.microsoft.com/office/drawing/2014/main" xmlns="" id="{ABF87C9E-53A2-4DE1-89DC-3907BE2E3D3C}"/>
               </a:ext>
             </a:extLst>
           </p:cNvPr>
@@ -10949,7 +10949,7 @@
           <p:cNvPr id="9" name="Text Placeholder 2">
             <a:extLst>
               <a:ext uri="{FF2B5EF4-FFF2-40B4-BE49-F238E27FC236}">
-                <a16:creationId xmlns="" xmlns:a16="http://schemas.microsoft.com/office/drawing/2014/main" id="{EB453F8F-AA02-4E0D-93BF-8CF4F1490377}"/>
+                <a16:creationId xmlns:a16="http://schemas.microsoft.com/office/drawing/2014/main" xmlns="" id="{EB453F8F-AA02-4E0D-93BF-8CF4F1490377}"/>
               </a:ext>
             </a:extLst>
           </p:cNvPr>
@@ -11079,7 +11079,7 @@
           <p:cNvPr id="10" name="Picture Placeholder 10">
             <a:extLst>
               <a:ext uri="{FF2B5EF4-FFF2-40B4-BE49-F238E27FC236}">
-                <a16:creationId xmlns="" xmlns:a16="http://schemas.microsoft.com/office/drawing/2014/main" id="{A541F291-2E4B-474E-9ED0-55C97A2A066D}"/>
+                <a16:creationId xmlns:a16="http://schemas.microsoft.com/office/drawing/2014/main" xmlns="" id="{A541F291-2E4B-474E-9ED0-55C97A2A066D}"/>
               </a:ext>
             </a:extLst>
           </p:cNvPr>
@@ -11120,7 +11120,7 @@
           <p:cNvPr id="11" name="Group 10">
             <a:extLst>
               <a:ext uri="{FF2B5EF4-FFF2-40B4-BE49-F238E27FC236}">
-                <a16:creationId xmlns="" xmlns:a16="http://schemas.microsoft.com/office/drawing/2014/main" id="{59E4D57E-4989-4939-A31F-637543FAB606}"/>
+                <a16:creationId xmlns:a16="http://schemas.microsoft.com/office/drawing/2014/main" xmlns="" id="{59E4D57E-4989-4939-A31F-637543FAB606}"/>
               </a:ext>
             </a:extLst>
           </p:cNvPr>
@@ -11140,7 +11140,7 @@
             <p:cNvPr id="12" name="Straight Connector 11">
               <a:extLst>
                 <a:ext uri="{FF2B5EF4-FFF2-40B4-BE49-F238E27FC236}">
-                  <a16:creationId xmlns="" xmlns:a16="http://schemas.microsoft.com/office/drawing/2014/main" id="{370B72A7-B625-48B8-88E6-BCE2A4DD531E}"/>
+                  <a16:creationId xmlns:a16="http://schemas.microsoft.com/office/drawing/2014/main" xmlns="" id="{370B72A7-B625-48B8-88E6-BCE2A4DD531E}"/>
                 </a:ext>
               </a:extLst>
             </p:cNvPr>
@@ -11186,7 +11186,7 @@
             <p:cNvPr id="13" name="Oval 12">
               <a:extLst>
                 <a:ext uri="{FF2B5EF4-FFF2-40B4-BE49-F238E27FC236}">
-                  <a16:creationId xmlns="" xmlns:a16="http://schemas.microsoft.com/office/drawing/2014/main" id="{01ED729F-F8A5-4244-9776-4935C260F11F}"/>
+                  <a16:creationId xmlns:a16="http://schemas.microsoft.com/office/drawing/2014/main" xmlns="" id="{01ED729F-F8A5-4244-9776-4935C260F11F}"/>
                 </a:ext>
               </a:extLst>
             </p:cNvPr>
@@ -11247,7 +11247,7 @@
           <p:cNvPr id="17" name="Straight Connector 16">
             <a:extLst>
               <a:ext uri="{FF2B5EF4-FFF2-40B4-BE49-F238E27FC236}">
-                <a16:creationId xmlns="" xmlns:a16="http://schemas.microsoft.com/office/drawing/2014/main" id="{6150998C-CF95-4C6F-8962-8EB2DB30177D}"/>
+                <a16:creationId xmlns:a16="http://schemas.microsoft.com/office/drawing/2014/main" xmlns="" id="{6150998C-CF95-4C6F-8962-8EB2DB30177D}"/>
               </a:ext>
             </a:extLst>
           </p:cNvPr>
@@ -11291,7 +11291,7 @@
           <p:cNvPr id="18" name="Oval 17">
             <a:extLst>
               <a:ext uri="{FF2B5EF4-FFF2-40B4-BE49-F238E27FC236}">
-                <a16:creationId xmlns="" xmlns:a16="http://schemas.microsoft.com/office/drawing/2014/main" id="{F86A2ACD-8CF5-48A3-A678-E213A809B332}"/>
+                <a16:creationId xmlns:a16="http://schemas.microsoft.com/office/drawing/2014/main" xmlns="" id="{F86A2ACD-8CF5-48A3-A678-E213A809B332}"/>
               </a:ext>
             </a:extLst>
           </p:cNvPr>
@@ -11346,7 +11346,7 @@
           <p:cNvPr id="19" name="Straight Connector 18">
             <a:extLst>
               <a:ext uri="{FF2B5EF4-FFF2-40B4-BE49-F238E27FC236}">
-                <a16:creationId xmlns="" xmlns:a16="http://schemas.microsoft.com/office/drawing/2014/main" id="{F00811BB-0E37-4D70-84A5-97B3FBEDCBE6}"/>
+                <a16:creationId xmlns:a16="http://schemas.microsoft.com/office/drawing/2014/main" xmlns="" id="{F00811BB-0E37-4D70-84A5-97B3FBEDCBE6}"/>
               </a:ext>
             </a:extLst>
           </p:cNvPr>
@@ -11392,7 +11392,7 @@
           <p:cNvPr id="20" name="Oval 19">
             <a:extLst>
               <a:ext uri="{FF2B5EF4-FFF2-40B4-BE49-F238E27FC236}">
-                <a16:creationId xmlns="" xmlns:a16="http://schemas.microsoft.com/office/drawing/2014/main" id="{D03B3046-0457-4D23-8E0C-64E3FCD620BB}"/>
+                <a16:creationId xmlns:a16="http://schemas.microsoft.com/office/drawing/2014/main" xmlns="" id="{D03B3046-0457-4D23-8E0C-64E3FCD620BB}"/>
               </a:ext>
             </a:extLst>
           </p:cNvPr>
@@ -11447,7 +11447,7 @@
           <p:cNvPr id="16" name="Text Placeholder 15">
             <a:extLst>
               <a:ext uri="{FF2B5EF4-FFF2-40B4-BE49-F238E27FC236}">
-                <a16:creationId xmlns="" xmlns:a16="http://schemas.microsoft.com/office/drawing/2014/main" id="{D0092E26-7A96-4712-98A7-FFDA7C3D7721}"/>
+                <a16:creationId xmlns:a16="http://schemas.microsoft.com/office/drawing/2014/main" xmlns="" id="{D0092E26-7A96-4712-98A7-FFDA7C3D7721}"/>
               </a:ext>
             </a:extLst>
           </p:cNvPr>
@@ -11502,7 +11502,7 @@
           <p:cNvPr id="34" name="Text Placeholder 2">
             <a:extLst>
               <a:ext uri="{FF2B5EF4-FFF2-40B4-BE49-F238E27FC236}">
-                <a16:creationId xmlns="" xmlns:a16="http://schemas.microsoft.com/office/drawing/2014/main" id="{B17B484C-F876-40B2-89DE-FC7A9E54C835}"/>
+                <a16:creationId xmlns:a16="http://schemas.microsoft.com/office/drawing/2014/main" xmlns="" id="{B17B484C-F876-40B2-89DE-FC7A9E54C835}"/>
               </a:ext>
             </a:extLst>
           </p:cNvPr>
@@ -11637,7 +11637,7 @@
           <p:cNvPr id="36" name="Text Placeholder 2">
             <a:extLst>
               <a:ext uri="{FF2B5EF4-FFF2-40B4-BE49-F238E27FC236}">
-                <a16:creationId xmlns="" xmlns:a16="http://schemas.microsoft.com/office/drawing/2014/main" id="{99E02476-A734-4A74-BC42-F104B37C8C19}"/>
+                <a16:creationId xmlns:a16="http://schemas.microsoft.com/office/drawing/2014/main" xmlns="" id="{99E02476-A734-4A74-BC42-F104B37C8C19}"/>
               </a:ext>
             </a:extLst>
           </p:cNvPr>
@@ -11770,7 +11770,7 @@
           <p:cNvPr id="14" name="Straight Connector 13">
             <a:extLst>
               <a:ext uri="{FF2B5EF4-FFF2-40B4-BE49-F238E27FC236}">
-                <a16:creationId xmlns="" xmlns:a16="http://schemas.microsoft.com/office/drawing/2014/main" id="{1AD3A3AB-488E-4090-9FD5-E005D5A9ECF5}"/>
+                <a16:creationId xmlns:a16="http://schemas.microsoft.com/office/drawing/2014/main" xmlns="" id="{1AD3A3AB-488E-4090-9FD5-E005D5A9ECF5}"/>
               </a:ext>
             </a:extLst>
           </p:cNvPr>
@@ -11813,7 +11813,7 @@
           <p:cNvPr id="21" name="Oval 20">
             <a:extLst>
               <a:ext uri="{FF2B5EF4-FFF2-40B4-BE49-F238E27FC236}">
-                <a16:creationId xmlns="" xmlns:a16="http://schemas.microsoft.com/office/drawing/2014/main" id="{BD6729DC-C5B3-485B-B5CD-F06FC3CAFD9A}"/>
+                <a16:creationId xmlns:a16="http://schemas.microsoft.com/office/drawing/2014/main" xmlns="" id="{BD6729DC-C5B3-485B-B5CD-F06FC3CAFD9A}"/>
               </a:ext>
             </a:extLst>
           </p:cNvPr>
@@ -11872,7 +11872,7 @@
           <p:cNvPr id="29" name="Oval 28">
             <a:extLst>
               <a:ext uri="{FF2B5EF4-FFF2-40B4-BE49-F238E27FC236}">
-                <a16:creationId xmlns="" xmlns:a16="http://schemas.microsoft.com/office/drawing/2014/main" id="{C4046DD7-8FB2-43D4-8E94-3D35DC3E2891}"/>
+                <a16:creationId xmlns:a16="http://schemas.microsoft.com/office/drawing/2014/main" xmlns="" id="{C4046DD7-8FB2-43D4-8E94-3D35DC3E2891}"/>
               </a:ext>
             </a:extLst>
           </p:cNvPr>
@@ -11931,7 +11931,7 @@
           <p:cNvPr id="30" name="Oval 29">
             <a:extLst>
               <a:ext uri="{FF2B5EF4-FFF2-40B4-BE49-F238E27FC236}">
-                <a16:creationId xmlns="" xmlns:a16="http://schemas.microsoft.com/office/drawing/2014/main" id="{A320A73A-D3CB-4E04-B7E2-F3696B8ACDEA}"/>
+                <a16:creationId xmlns:a16="http://schemas.microsoft.com/office/drawing/2014/main" xmlns="" id="{A320A73A-D3CB-4E04-B7E2-F3696B8ACDEA}"/>
               </a:ext>
             </a:extLst>
           </p:cNvPr>
@@ -11990,7 +11990,7 @@
           <p:cNvPr id="31" name="Oval 30">
             <a:extLst>
               <a:ext uri="{FF2B5EF4-FFF2-40B4-BE49-F238E27FC236}">
-                <a16:creationId xmlns="" xmlns:a16="http://schemas.microsoft.com/office/drawing/2014/main" id="{3E2B01F0-78A8-41AE-95B8-811603402031}"/>
+                <a16:creationId xmlns:a16="http://schemas.microsoft.com/office/drawing/2014/main" xmlns="" id="{3E2B01F0-78A8-41AE-95B8-811603402031}"/>
               </a:ext>
             </a:extLst>
           </p:cNvPr>
@@ -12049,7 +12049,7 @@
           <p:cNvPr id="32" name="Text Placeholder 2">
             <a:extLst>
               <a:ext uri="{FF2B5EF4-FFF2-40B4-BE49-F238E27FC236}">
-                <a16:creationId xmlns="" xmlns:a16="http://schemas.microsoft.com/office/drawing/2014/main" id="{A70E382B-B932-45B7-BD95-6D722A4A2480}"/>
+                <a16:creationId xmlns:a16="http://schemas.microsoft.com/office/drawing/2014/main" xmlns="" id="{A70E382B-B932-45B7-BD95-6D722A4A2480}"/>
               </a:ext>
             </a:extLst>
           </p:cNvPr>
@@ -12184,7 +12184,7 @@
           <p:cNvPr id="33" name="Text Placeholder 2">
             <a:extLst>
               <a:ext uri="{FF2B5EF4-FFF2-40B4-BE49-F238E27FC236}">
-                <a16:creationId xmlns="" xmlns:a16="http://schemas.microsoft.com/office/drawing/2014/main" id="{2F096B52-06C2-46DF-BB33-70D931283F16}"/>
+                <a16:creationId xmlns:a16="http://schemas.microsoft.com/office/drawing/2014/main" xmlns="" id="{2F096B52-06C2-46DF-BB33-70D931283F16}"/>
               </a:ext>
             </a:extLst>
           </p:cNvPr>
@@ -12317,7 +12317,7 @@
           <p:cNvPr id="35" name="Text Placeholder 2">
             <a:extLst>
               <a:ext uri="{FF2B5EF4-FFF2-40B4-BE49-F238E27FC236}">
-                <a16:creationId xmlns="" xmlns:a16="http://schemas.microsoft.com/office/drawing/2014/main" id="{5D87FD43-95C9-4217-AD5F-FE02E28AD4CE}"/>
+                <a16:creationId xmlns:a16="http://schemas.microsoft.com/office/drawing/2014/main" xmlns="" id="{5D87FD43-95C9-4217-AD5F-FE02E28AD4CE}"/>
               </a:ext>
             </a:extLst>
           </p:cNvPr>
@@ -12452,7 +12452,7 @@
           <p:cNvPr id="37" name="Text Placeholder 2">
             <a:extLst>
               <a:ext uri="{FF2B5EF4-FFF2-40B4-BE49-F238E27FC236}">
-                <a16:creationId xmlns="" xmlns:a16="http://schemas.microsoft.com/office/drawing/2014/main" id="{A6706CEB-523E-4248-9A66-5D139D8B0DE5}"/>
+                <a16:creationId xmlns:a16="http://schemas.microsoft.com/office/drawing/2014/main" xmlns="" id="{A6706CEB-523E-4248-9A66-5D139D8B0DE5}"/>
               </a:ext>
             </a:extLst>
           </p:cNvPr>
@@ -12585,7 +12585,7 @@
           <p:cNvPr id="38" name="Text Placeholder 2">
             <a:extLst>
               <a:ext uri="{FF2B5EF4-FFF2-40B4-BE49-F238E27FC236}">
-                <a16:creationId xmlns="" xmlns:a16="http://schemas.microsoft.com/office/drawing/2014/main" id="{6ADC931C-F9B2-467E-A024-CB5BE74BAD85}"/>
+                <a16:creationId xmlns:a16="http://schemas.microsoft.com/office/drawing/2014/main" xmlns="" id="{6ADC931C-F9B2-467E-A024-CB5BE74BAD85}"/>
               </a:ext>
             </a:extLst>
           </p:cNvPr>
@@ -12720,7 +12720,7 @@
           <p:cNvPr id="39" name="Text Placeholder 2">
             <a:extLst>
               <a:ext uri="{FF2B5EF4-FFF2-40B4-BE49-F238E27FC236}">
-                <a16:creationId xmlns="" xmlns:a16="http://schemas.microsoft.com/office/drawing/2014/main" id="{0A301DE6-2E75-41F5-9314-B269815BA3F3}"/>
+                <a16:creationId xmlns:a16="http://schemas.microsoft.com/office/drawing/2014/main" xmlns="" id="{0A301DE6-2E75-41F5-9314-B269815BA3F3}"/>
               </a:ext>
             </a:extLst>
           </p:cNvPr>
@@ -12853,7 +12853,7 @@
           <p:cNvPr id="40" name="Text Placeholder 15">
             <a:extLst>
               <a:ext uri="{FF2B5EF4-FFF2-40B4-BE49-F238E27FC236}">
-                <a16:creationId xmlns="" xmlns:a16="http://schemas.microsoft.com/office/drawing/2014/main" id="{B9154606-4DE0-4DC7-830A-371423BE4201}"/>
+                <a16:creationId xmlns:a16="http://schemas.microsoft.com/office/drawing/2014/main" xmlns="" id="{B9154606-4DE0-4DC7-830A-371423BE4201}"/>
               </a:ext>
             </a:extLst>
           </p:cNvPr>
@@ -12908,7 +12908,7 @@
           <p:cNvPr id="41" name="Text Placeholder 15">
             <a:extLst>
               <a:ext uri="{FF2B5EF4-FFF2-40B4-BE49-F238E27FC236}">
-                <a16:creationId xmlns="" xmlns:a16="http://schemas.microsoft.com/office/drawing/2014/main" id="{5AC8C127-0F88-413C-B7BA-2ED0F81E7D4E}"/>
+                <a16:creationId xmlns:a16="http://schemas.microsoft.com/office/drawing/2014/main" xmlns="" id="{5AC8C127-0F88-413C-B7BA-2ED0F81E7D4E}"/>
               </a:ext>
             </a:extLst>
           </p:cNvPr>
@@ -12963,7 +12963,7 @@
           <p:cNvPr id="42" name="Text Placeholder 15">
             <a:extLst>
               <a:ext uri="{FF2B5EF4-FFF2-40B4-BE49-F238E27FC236}">
-                <a16:creationId xmlns="" xmlns:a16="http://schemas.microsoft.com/office/drawing/2014/main" id="{63C5707A-6E08-4B58-A5FE-40063DB6548E}"/>
+                <a16:creationId xmlns:a16="http://schemas.microsoft.com/office/drawing/2014/main" xmlns="" id="{63C5707A-6E08-4B58-A5FE-40063DB6548E}"/>
               </a:ext>
             </a:extLst>
           </p:cNvPr>
@@ -13048,7 +13048,7 @@
           <p:cNvPr id="7" name="Rectangle 6">
             <a:extLst>
               <a:ext uri="{FF2B5EF4-FFF2-40B4-BE49-F238E27FC236}">
-                <a16:creationId xmlns="" xmlns:a16="http://schemas.microsoft.com/office/drawing/2014/main" id="{09F1B35C-893A-4033-ADC0-2192AFA29271}"/>
+                <a16:creationId xmlns:a16="http://schemas.microsoft.com/office/drawing/2014/main" xmlns="" id="{09F1B35C-893A-4033-ADC0-2192AFA29271}"/>
               </a:ext>
             </a:extLst>
           </p:cNvPr>
@@ -13115,7 +13115,7 @@
           <p:cNvPr id="2" name="Title 1">
             <a:extLst>
               <a:ext uri="{FF2B5EF4-FFF2-40B4-BE49-F238E27FC236}">
-                <a16:creationId xmlns="" xmlns:a16="http://schemas.microsoft.com/office/drawing/2014/main" id="{CD637DF8-B064-4F36-89F8-EBF538A2E7F2}"/>
+                <a16:creationId xmlns:a16="http://schemas.microsoft.com/office/drawing/2014/main" xmlns="" id="{CD637DF8-B064-4F36-89F8-EBF538A2E7F2}"/>
               </a:ext>
             </a:extLst>
           </p:cNvPr>
@@ -13154,7 +13154,7 @@
           <p:cNvPr id="3" name="Text Placeholder 2">
             <a:extLst>
               <a:ext uri="{FF2B5EF4-FFF2-40B4-BE49-F238E27FC236}">
-                <a16:creationId xmlns="" xmlns:a16="http://schemas.microsoft.com/office/drawing/2014/main" id="{8A72532A-5006-46B7-AE99-3A6891CD0254}"/>
+                <a16:creationId xmlns:a16="http://schemas.microsoft.com/office/drawing/2014/main" xmlns="" id="{8A72532A-5006-46B7-AE99-3A6891CD0254}"/>
               </a:ext>
             </a:extLst>
           </p:cNvPr>
@@ -13284,7 +13284,7 @@
           <p:cNvPr id="4" name="Date Placeholder 3">
             <a:extLst>
               <a:ext uri="{FF2B5EF4-FFF2-40B4-BE49-F238E27FC236}">
-                <a16:creationId xmlns="" xmlns:a16="http://schemas.microsoft.com/office/drawing/2014/main" id="{49EFC6D7-3241-401C-A16A-4A7CC2653954}"/>
+                <a16:creationId xmlns:a16="http://schemas.microsoft.com/office/drawing/2014/main" xmlns="" id="{49EFC6D7-3241-401C-A16A-4A7CC2653954}"/>
               </a:ext>
             </a:extLst>
           </p:cNvPr>
@@ -13312,7 +13312,7 @@
           <p:cNvPr id="5" name="Footer Placeholder 4">
             <a:extLst>
               <a:ext uri="{FF2B5EF4-FFF2-40B4-BE49-F238E27FC236}">
-                <a16:creationId xmlns="" xmlns:a16="http://schemas.microsoft.com/office/drawing/2014/main" id="{F345D6DC-ABA5-4D00-9CD3-92FFDD1FA2DC}"/>
+                <a16:creationId xmlns:a16="http://schemas.microsoft.com/office/drawing/2014/main" xmlns="" id="{F345D6DC-ABA5-4D00-9CD3-92FFDD1FA2DC}"/>
               </a:ext>
             </a:extLst>
           </p:cNvPr>
@@ -13340,7 +13340,7 @@
           <p:cNvPr id="6" name="Slide Number Placeholder 5">
             <a:extLst>
               <a:ext uri="{FF2B5EF4-FFF2-40B4-BE49-F238E27FC236}">
-                <a16:creationId xmlns="" xmlns:a16="http://schemas.microsoft.com/office/drawing/2014/main" id="{92459C86-0106-40E0-AA18-795EC5787677}"/>
+                <a16:creationId xmlns:a16="http://schemas.microsoft.com/office/drawing/2014/main" xmlns="" id="{92459C86-0106-40E0-AA18-795EC5787677}"/>
               </a:ext>
             </a:extLst>
           </p:cNvPr>
@@ -13369,7 +13369,7 @@
           <p:cNvPr id="11" name="Picture Placeholder 10">
             <a:extLst>
               <a:ext uri="{FF2B5EF4-FFF2-40B4-BE49-F238E27FC236}">
-                <a16:creationId xmlns="" xmlns:a16="http://schemas.microsoft.com/office/drawing/2014/main" id="{6D14F7B3-A6CF-491C-9855-75B5784CC456}"/>
+                <a16:creationId xmlns:a16="http://schemas.microsoft.com/office/drawing/2014/main" xmlns="" id="{6D14F7B3-A6CF-491C-9855-75B5784CC456}"/>
               </a:ext>
             </a:extLst>
           </p:cNvPr>
@@ -13410,7 +13410,7 @@
           <p:cNvPr id="15" name="Group 14">
             <a:extLst>
               <a:ext uri="{FF2B5EF4-FFF2-40B4-BE49-F238E27FC236}">
-                <a16:creationId xmlns="" xmlns:a16="http://schemas.microsoft.com/office/drawing/2014/main" id="{B7317392-EF87-4050-8BBE-32F74B0CF15A}"/>
+                <a16:creationId xmlns:a16="http://schemas.microsoft.com/office/drawing/2014/main" xmlns="" id="{B7317392-EF87-4050-8BBE-32F74B0CF15A}"/>
               </a:ext>
             </a:extLst>
           </p:cNvPr>
@@ -13430,7 +13430,7 @@
             <p:cNvPr id="13" name="Straight Connector 12">
               <a:extLst>
                 <a:ext uri="{FF2B5EF4-FFF2-40B4-BE49-F238E27FC236}">
-                  <a16:creationId xmlns="" xmlns:a16="http://schemas.microsoft.com/office/drawing/2014/main" id="{785A4134-866D-4143-AC1E-8A2FFDB49855}"/>
+                  <a16:creationId xmlns:a16="http://schemas.microsoft.com/office/drawing/2014/main" xmlns="" id="{785A4134-866D-4143-AC1E-8A2FFDB49855}"/>
                 </a:ext>
               </a:extLst>
             </p:cNvPr>
@@ -13476,7 +13476,7 @@
             <p:cNvPr id="14" name="Oval 13">
               <a:extLst>
                 <a:ext uri="{FF2B5EF4-FFF2-40B4-BE49-F238E27FC236}">
-                  <a16:creationId xmlns="" xmlns:a16="http://schemas.microsoft.com/office/drawing/2014/main" id="{1BBC5D9C-B8FB-455B-9398-36DB21F2765E}"/>
+                  <a16:creationId xmlns:a16="http://schemas.microsoft.com/office/drawing/2014/main" xmlns="" id="{1BBC5D9C-B8FB-455B-9398-36DB21F2765E}"/>
                 </a:ext>
               </a:extLst>
             </p:cNvPr>
@@ -13537,7 +13537,7 @@
           <p:cNvPr id="17" name="Oval 16">
             <a:extLst>
               <a:ext uri="{FF2B5EF4-FFF2-40B4-BE49-F238E27FC236}">
-                <a16:creationId xmlns="" xmlns:a16="http://schemas.microsoft.com/office/drawing/2014/main" id="{72225750-E4CE-4A81-A0C3-4023030D637E}"/>
+                <a16:creationId xmlns:a16="http://schemas.microsoft.com/office/drawing/2014/main" xmlns="" id="{72225750-E4CE-4A81-A0C3-4023030D637E}"/>
               </a:ext>
             </a:extLst>
           </p:cNvPr>
@@ -13592,7 +13592,7 @@
           <p:cNvPr id="18" name="Straight Connector 17">
             <a:extLst>
               <a:ext uri="{FF2B5EF4-FFF2-40B4-BE49-F238E27FC236}">
-                <a16:creationId xmlns="" xmlns:a16="http://schemas.microsoft.com/office/drawing/2014/main" id="{3819C324-07DF-49DB-A08C-0E6155CE3041}"/>
+                <a16:creationId xmlns:a16="http://schemas.microsoft.com/office/drawing/2014/main" xmlns="" id="{3819C324-07DF-49DB-A08C-0E6155CE3041}"/>
               </a:ext>
             </a:extLst>
           </p:cNvPr>
@@ -13636,7 +13636,7 @@
           <p:cNvPr id="19" name="Oval 18">
             <a:extLst>
               <a:ext uri="{FF2B5EF4-FFF2-40B4-BE49-F238E27FC236}">
-                <a16:creationId xmlns="" xmlns:a16="http://schemas.microsoft.com/office/drawing/2014/main" id="{75A34025-44F2-4A09-8629-F1794E9D35AF}"/>
+                <a16:creationId xmlns:a16="http://schemas.microsoft.com/office/drawing/2014/main" xmlns="" id="{75A34025-44F2-4A09-8629-F1794E9D35AF}"/>
               </a:ext>
             </a:extLst>
           </p:cNvPr>
@@ -13691,7 +13691,7 @@
           <p:cNvPr id="20" name="Straight Connector 19">
             <a:extLst>
               <a:ext uri="{FF2B5EF4-FFF2-40B4-BE49-F238E27FC236}">
-                <a16:creationId xmlns="" xmlns:a16="http://schemas.microsoft.com/office/drawing/2014/main" id="{815854A2-EAE9-4B2A-84CF-5A4BD753863A}"/>
+                <a16:creationId xmlns:a16="http://schemas.microsoft.com/office/drawing/2014/main" xmlns="" id="{815854A2-EAE9-4B2A-84CF-5A4BD753863A}"/>
               </a:ext>
             </a:extLst>
           </p:cNvPr>
@@ -13737,7 +13737,7 @@
           <p:cNvPr id="10" name="Table Placeholder 9">
             <a:extLst>
               <a:ext uri="{FF2B5EF4-FFF2-40B4-BE49-F238E27FC236}">
-                <a16:creationId xmlns="" xmlns:a16="http://schemas.microsoft.com/office/drawing/2014/main" id="{3F646CE6-E75B-4112-896D-5A26E1F1520E}"/>
+                <a16:creationId xmlns:a16="http://schemas.microsoft.com/office/drawing/2014/main" xmlns="" id="{3F646CE6-E75B-4112-896D-5A26E1F1520E}"/>
               </a:ext>
             </a:extLst>
           </p:cNvPr>
@@ -13808,7 +13808,7 @@
           <p:cNvPr id="7" name="Rectangle 6">
             <a:extLst>
               <a:ext uri="{FF2B5EF4-FFF2-40B4-BE49-F238E27FC236}">
-                <a16:creationId xmlns="" xmlns:a16="http://schemas.microsoft.com/office/drawing/2014/main" id="{09F1B35C-893A-4033-ADC0-2192AFA29271}"/>
+                <a16:creationId xmlns:a16="http://schemas.microsoft.com/office/drawing/2014/main" xmlns="" id="{09F1B35C-893A-4033-ADC0-2192AFA29271}"/>
               </a:ext>
             </a:extLst>
           </p:cNvPr>
@@ -13875,7 +13875,7 @@
           <p:cNvPr id="2" name="Title 1">
             <a:extLst>
               <a:ext uri="{FF2B5EF4-FFF2-40B4-BE49-F238E27FC236}">
-                <a16:creationId xmlns="" xmlns:a16="http://schemas.microsoft.com/office/drawing/2014/main" id="{CD637DF8-B064-4F36-89F8-EBF538A2E7F2}"/>
+                <a16:creationId xmlns:a16="http://schemas.microsoft.com/office/drawing/2014/main" xmlns="" id="{CD637DF8-B064-4F36-89F8-EBF538A2E7F2}"/>
               </a:ext>
             </a:extLst>
           </p:cNvPr>
@@ -13914,7 +13914,7 @@
           <p:cNvPr id="3" name="Text Placeholder 2">
             <a:extLst>
               <a:ext uri="{FF2B5EF4-FFF2-40B4-BE49-F238E27FC236}">
-                <a16:creationId xmlns="" xmlns:a16="http://schemas.microsoft.com/office/drawing/2014/main" id="{8A72532A-5006-46B7-AE99-3A6891CD0254}"/>
+                <a16:creationId xmlns:a16="http://schemas.microsoft.com/office/drawing/2014/main" xmlns="" id="{8A72532A-5006-46B7-AE99-3A6891CD0254}"/>
               </a:ext>
             </a:extLst>
           </p:cNvPr>
@@ -14044,7 +14044,7 @@
           <p:cNvPr id="4" name="Date Placeholder 3">
             <a:extLst>
               <a:ext uri="{FF2B5EF4-FFF2-40B4-BE49-F238E27FC236}">
-                <a16:creationId xmlns="" xmlns:a16="http://schemas.microsoft.com/office/drawing/2014/main" id="{49EFC6D7-3241-401C-A16A-4A7CC2653954}"/>
+                <a16:creationId xmlns:a16="http://schemas.microsoft.com/office/drawing/2014/main" xmlns="" id="{49EFC6D7-3241-401C-A16A-4A7CC2653954}"/>
               </a:ext>
             </a:extLst>
           </p:cNvPr>
@@ -14072,7 +14072,7 @@
           <p:cNvPr id="5" name="Footer Placeholder 4">
             <a:extLst>
               <a:ext uri="{FF2B5EF4-FFF2-40B4-BE49-F238E27FC236}">
-                <a16:creationId xmlns="" xmlns:a16="http://schemas.microsoft.com/office/drawing/2014/main" id="{F345D6DC-ABA5-4D00-9CD3-92FFDD1FA2DC}"/>
+                <a16:creationId xmlns:a16="http://schemas.microsoft.com/office/drawing/2014/main" xmlns="" id="{F345D6DC-ABA5-4D00-9CD3-92FFDD1FA2DC}"/>
               </a:ext>
             </a:extLst>
           </p:cNvPr>
@@ -14100,7 +14100,7 @@
           <p:cNvPr id="6" name="Slide Number Placeholder 5">
             <a:extLst>
               <a:ext uri="{FF2B5EF4-FFF2-40B4-BE49-F238E27FC236}">
-                <a16:creationId xmlns="" xmlns:a16="http://schemas.microsoft.com/office/drawing/2014/main" id="{92459C86-0106-40E0-AA18-795EC5787677}"/>
+                <a16:creationId xmlns:a16="http://schemas.microsoft.com/office/drawing/2014/main" xmlns="" id="{92459C86-0106-40E0-AA18-795EC5787677}"/>
               </a:ext>
             </a:extLst>
           </p:cNvPr>
@@ -14129,7 +14129,7 @@
           <p:cNvPr id="11" name="Picture Placeholder 10">
             <a:extLst>
               <a:ext uri="{FF2B5EF4-FFF2-40B4-BE49-F238E27FC236}">
-                <a16:creationId xmlns="" xmlns:a16="http://schemas.microsoft.com/office/drawing/2014/main" id="{6D14F7B3-A6CF-491C-9855-75B5784CC456}"/>
+                <a16:creationId xmlns:a16="http://schemas.microsoft.com/office/drawing/2014/main" xmlns="" id="{6D14F7B3-A6CF-491C-9855-75B5784CC456}"/>
               </a:ext>
             </a:extLst>
           </p:cNvPr>
@@ -14170,7 +14170,7 @@
           <p:cNvPr id="15" name="Group 14">
             <a:extLst>
               <a:ext uri="{FF2B5EF4-FFF2-40B4-BE49-F238E27FC236}">
-                <a16:creationId xmlns="" xmlns:a16="http://schemas.microsoft.com/office/drawing/2014/main" id="{B7317392-EF87-4050-8BBE-32F74B0CF15A}"/>
+                <a16:creationId xmlns:a16="http://schemas.microsoft.com/office/drawing/2014/main" xmlns="" id="{B7317392-EF87-4050-8BBE-32F74B0CF15A}"/>
               </a:ext>
             </a:extLst>
           </p:cNvPr>
@@ -14190,7 +14190,7 @@
             <p:cNvPr id="13" name="Straight Connector 12">
               <a:extLst>
                 <a:ext uri="{FF2B5EF4-FFF2-40B4-BE49-F238E27FC236}">
-                  <a16:creationId xmlns="" xmlns:a16="http://schemas.microsoft.com/office/drawing/2014/main" id="{785A4134-866D-4143-AC1E-8A2FFDB49855}"/>
+                  <a16:creationId xmlns:a16="http://schemas.microsoft.com/office/drawing/2014/main" xmlns="" id="{785A4134-866D-4143-AC1E-8A2FFDB49855}"/>
                 </a:ext>
               </a:extLst>
             </p:cNvPr>
@@ -14234,7 +14234,7 @@
             <p:cNvPr id="14" name="Oval 13">
               <a:extLst>
                 <a:ext uri="{FF2B5EF4-FFF2-40B4-BE49-F238E27FC236}">
-                  <a16:creationId xmlns="" xmlns:a16="http://schemas.microsoft.com/office/drawing/2014/main" id="{1BBC5D9C-B8FB-455B-9398-36DB21F2765E}"/>
+                  <a16:creationId xmlns:a16="http://schemas.microsoft.com/office/drawing/2014/main" xmlns="" id="{1BBC5D9C-B8FB-455B-9398-36DB21F2765E}"/>
                 </a:ext>
               </a:extLst>
             </p:cNvPr>
@@ -14295,7 +14295,7 @@
           <p:cNvPr id="17" name="Oval 16">
             <a:extLst>
               <a:ext uri="{FF2B5EF4-FFF2-40B4-BE49-F238E27FC236}">
-                <a16:creationId xmlns="" xmlns:a16="http://schemas.microsoft.com/office/drawing/2014/main" id="{72225750-E4CE-4A81-A0C3-4023030D637E}"/>
+                <a16:creationId xmlns:a16="http://schemas.microsoft.com/office/drawing/2014/main" xmlns="" id="{72225750-E4CE-4A81-A0C3-4023030D637E}"/>
               </a:ext>
             </a:extLst>
           </p:cNvPr>
@@ -14350,7 +14350,7 @@
           <p:cNvPr id="18" name="Straight Connector 17">
             <a:extLst>
               <a:ext uri="{FF2B5EF4-FFF2-40B4-BE49-F238E27FC236}">
-                <a16:creationId xmlns="" xmlns:a16="http://schemas.microsoft.com/office/drawing/2014/main" id="{3819C324-07DF-49DB-A08C-0E6155CE3041}"/>
+                <a16:creationId xmlns:a16="http://schemas.microsoft.com/office/drawing/2014/main" xmlns="" id="{3819C324-07DF-49DB-A08C-0E6155CE3041}"/>
               </a:ext>
             </a:extLst>
           </p:cNvPr>
@@ -14394,7 +14394,7 @@
           <p:cNvPr id="19" name="Oval 18">
             <a:extLst>
               <a:ext uri="{FF2B5EF4-FFF2-40B4-BE49-F238E27FC236}">
-                <a16:creationId xmlns="" xmlns:a16="http://schemas.microsoft.com/office/drawing/2014/main" id="{75A34025-44F2-4A09-8629-F1794E9D35AF}"/>
+                <a16:creationId xmlns:a16="http://schemas.microsoft.com/office/drawing/2014/main" xmlns="" id="{75A34025-44F2-4A09-8629-F1794E9D35AF}"/>
               </a:ext>
             </a:extLst>
           </p:cNvPr>
@@ -14449,7 +14449,7 @@
           <p:cNvPr id="20" name="Straight Connector 19">
             <a:extLst>
               <a:ext uri="{FF2B5EF4-FFF2-40B4-BE49-F238E27FC236}">
-                <a16:creationId xmlns="" xmlns:a16="http://schemas.microsoft.com/office/drawing/2014/main" id="{815854A2-EAE9-4B2A-84CF-5A4BD753863A}"/>
+                <a16:creationId xmlns:a16="http://schemas.microsoft.com/office/drawing/2014/main" xmlns="" id="{815854A2-EAE9-4B2A-84CF-5A4BD753863A}"/>
               </a:ext>
             </a:extLst>
           </p:cNvPr>
@@ -14495,7 +14495,7 @@
           <p:cNvPr id="29" name="Text Placeholder 2">
             <a:extLst>
               <a:ext uri="{FF2B5EF4-FFF2-40B4-BE49-F238E27FC236}">
-                <a16:creationId xmlns="" xmlns:a16="http://schemas.microsoft.com/office/drawing/2014/main" id="{1B29C9C1-9494-4E8B-A0F3-611E947A19B3}"/>
+                <a16:creationId xmlns:a16="http://schemas.microsoft.com/office/drawing/2014/main" xmlns="" id="{1B29C9C1-9494-4E8B-A0F3-611E947A19B3}"/>
               </a:ext>
             </a:extLst>
           </p:cNvPr>
@@ -14630,7 +14630,7 @@
           <p:cNvPr id="30" name="Text Placeholder 2">
             <a:extLst>
               <a:ext uri="{FF2B5EF4-FFF2-40B4-BE49-F238E27FC236}">
-                <a16:creationId xmlns="" xmlns:a16="http://schemas.microsoft.com/office/drawing/2014/main" id="{ABB09D16-148A-45C2-B0B8-1495E8DC7D64}"/>
+                <a16:creationId xmlns:a16="http://schemas.microsoft.com/office/drawing/2014/main" xmlns="" id="{ABB09D16-148A-45C2-B0B8-1495E8DC7D64}"/>
               </a:ext>
             </a:extLst>
           </p:cNvPr>
@@ -14764,7 +14764,7 @@
           <p:cNvPr id="31" name="Text Placeholder 2">
             <a:extLst>
               <a:ext uri="{FF2B5EF4-FFF2-40B4-BE49-F238E27FC236}">
-                <a16:creationId xmlns="" xmlns:a16="http://schemas.microsoft.com/office/drawing/2014/main" id="{67814C7C-3597-4B16-A4AC-D81985C587BD}"/>
+                <a16:creationId xmlns:a16="http://schemas.microsoft.com/office/drawing/2014/main" xmlns="" id="{67814C7C-3597-4B16-A4AC-D81985C587BD}"/>
               </a:ext>
             </a:extLst>
           </p:cNvPr>
@@ -14897,7 +14897,7 @@
           <p:cNvPr id="9" name="Picture Placeholder 8">
             <a:extLst>
               <a:ext uri="{FF2B5EF4-FFF2-40B4-BE49-F238E27FC236}">
-                <a16:creationId xmlns="" xmlns:a16="http://schemas.microsoft.com/office/drawing/2014/main" id="{B284A57B-147A-4287-AA6B-E508A9222F7F}"/>
+                <a16:creationId xmlns:a16="http://schemas.microsoft.com/office/drawing/2014/main" xmlns="" id="{B284A57B-147A-4287-AA6B-E508A9222F7F}"/>
               </a:ext>
             </a:extLst>
           </p:cNvPr>
@@ -14946,7 +14946,7 @@
           <p:cNvPr id="35" name="Picture Placeholder 8">
             <a:extLst>
               <a:ext uri="{FF2B5EF4-FFF2-40B4-BE49-F238E27FC236}">
-                <a16:creationId xmlns="" xmlns:a16="http://schemas.microsoft.com/office/drawing/2014/main" id="{9DBE0996-CEA3-41C3-A75A-84DC3C2B5194}"/>
+                <a16:creationId xmlns:a16="http://schemas.microsoft.com/office/drawing/2014/main" xmlns="" id="{9DBE0996-CEA3-41C3-A75A-84DC3C2B5194}"/>
               </a:ext>
             </a:extLst>
           </p:cNvPr>
@@ -14995,7 +14995,7 @@
           <p:cNvPr id="36" name="Picture Placeholder 8">
             <a:extLst>
               <a:ext uri="{FF2B5EF4-FFF2-40B4-BE49-F238E27FC236}">
-                <a16:creationId xmlns="" xmlns:a16="http://schemas.microsoft.com/office/drawing/2014/main" id="{F7B28261-CB14-4E4E-AA66-A0239B3DD28E}"/>
+                <a16:creationId xmlns:a16="http://schemas.microsoft.com/office/drawing/2014/main" xmlns="" id="{F7B28261-CB14-4E4E-AA66-A0239B3DD28E}"/>
               </a:ext>
             </a:extLst>
           </p:cNvPr>
@@ -15044,7 +15044,7 @@
           <p:cNvPr id="37" name="Text Placeholder 2">
             <a:extLst>
               <a:ext uri="{FF2B5EF4-FFF2-40B4-BE49-F238E27FC236}">
-                <a16:creationId xmlns="" xmlns:a16="http://schemas.microsoft.com/office/drawing/2014/main" id="{BAA53E0C-9536-4177-A63F-0E2565EC53CD}"/>
+                <a16:creationId xmlns:a16="http://schemas.microsoft.com/office/drawing/2014/main" xmlns="" id="{BAA53E0C-9536-4177-A63F-0E2565EC53CD}"/>
               </a:ext>
             </a:extLst>
           </p:cNvPr>
@@ -15179,7 +15179,7 @@
           <p:cNvPr id="38" name="Text Placeholder 2">
             <a:extLst>
               <a:ext uri="{FF2B5EF4-FFF2-40B4-BE49-F238E27FC236}">
-                <a16:creationId xmlns="" xmlns:a16="http://schemas.microsoft.com/office/drawing/2014/main" id="{67EF8E36-183B-420B-AF25-17CFA963987A}"/>
+                <a16:creationId xmlns:a16="http://schemas.microsoft.com/office/drawing/2014/main" xmlns="" id="{67EF8E36-183B-420B-AF25-17CFA963987A}"/>
               </a:ext>
             </a:extLst>
           </p:cNvPr>
@@ -15313,7 +15313,7 @@
           <p:cNvPr id="39" name="Text Placeholder 2">
             <a:extLst>
               <a:ext uri="{FF2B5EF4-FFF2-40B4-BE49-F238E27FC236}">
-                <a16:creationId xmlns="" xmlns:a16="http://schemas.microsoft.com/office/drawing/2014/main" id="{58DA6E86-8039-4690-AFE1-7CCF07B7CBAF}"/>
+                <a16:creationId xmlns:a16="http://schemas.microsoft.com/office/drawing/2014/main" xmlns="" id="{58DA6E86-8039-4690-AFE1-7CCF07B7CBAF}"/>
               </a:ext>
             </a:extLst>
           </p:cNvPr>
@@ -15446,7 +15446,7 @@
           <p:cNvPr id="41" name="Text Placeholder 2">
             <a:extLst>
               <a:ext uri="{FF2B5EF4-FFF2-40B4-BE49-F238E27FC236}">
-                <a16:creationId xmlns="" xmlns:a16="http://schemas.microsoft.com/office/drawing/2014/main" id="{933214B9-0452-4C8B-AB10-922F3C3BCF01}"/>
+                <a16:creationId xmlns:a16="http://schemas.microsoft.com/office/drawing/2014/main" xmlns="" id="{933214B9-0452-4C8B-AB10-922F3C3BCF01}"/>
               </a:ext>
             </a:extLst>
           </p:cNvPr>
@@ -15581,7 +15581,7 @@
           <p:cNvPr id="42" name="Text Placeholder 2">
             <a:extLst>
               <a:ext uri="{FF2B5EF4-FFF2-40B4-BE49-F238E27FC236}">
-                <a16:creationId xmlns="" xmlns:a16="http://schemas.microsoft.com/office/drawing/2014/main" id="{A5C23113-D98B-48C7-A675-4FD5F50333F3}"/>
+                <a16:creationId xmlns:a16="http://schemas.microsoft.com/office/drawing/2014/main" xmlns="" id="{A5C23113-D98B-48C7-A675-4FD5F50333F3}"/>
               </a:ext>
             </a:extLst>
           </p:cNvPr>
@@ -15715,7 +15715,7 @@
           <p:cNvPr id="49" name="Text Placeholder 2">
             <a:extLst>
               <a:ext uri="{FF2B5EF4-FFF2-40B4-BE49-F238E27FC236}">
-                <a16:creationId xmlns="" xmlns:a16="http://schemas.microsoft.com/office/drawing/2014/main" id="{09781257-B563-41E0-B9E6-9C7330084BCC}"/>
+                <a16:creationId xmlns:a16="http://schemas.microsoft.com/office/drawing/2014/main" xmlns="" id="{09781257-B563-41E0-B9E6-9C7330084BCC}"/>
               </a:ext>
             </a:extLst>
           </p:cNvPr>
@@ -15848,7 +15848,7 @@
           <p:cNvPr id="32" name="Straight Connector 31">
             <a:extLst>
               <a:ext uri="{FF2B5EF4-FFF2-40B4-BE49-F238E27FC236}">
-                <a16:creationId xmlns="" xmlns:a16="http://schemas.microsoft.com/office/drawing/2014/main" id="{9A32EC27-ACD8-47C0-A3ED-E4ED58D88358}"/>
+                <a16:creationId xmlns:a16="http://schemas.microsoft.com/office/drawing/2014/main" xmlns="" id="{9A32EC27-ACD8-47C0-A3ED-E4ED58D88358}"/>
               </a:ext>
             </a:extLst>
           </p:cNvPr>
@@ -15892,7 +15892,7 @@
           <p:cNvPr id="33" name="Straight Connector 32">
             <a:extLst>
               <a:ext uri="{FF2B5EF4-FFF2-40B4-BE49-F238E27FC236}">
-                <a16:creationId xmlns="" xmlns:a16="http://schemas.microsoft.com/office/drawing/2014/main" id="{99E8819A-135C-4A5C-9F6A-A3BE05AA294F}"/>
+                <a16:creationId xmlns:a16="http://schemas.microsoft.com/office/drawing/2014/main" xmlns="" id="{99E8819A-135C-4A5C-9F6A-A3BE05AA294F}"/>
               </a:ext>
             </a:extLst>
           </p:cNvPr>
@@ -15966,7 +15966,7 @@
           <p:cNvPr id="15" name="Rectangle 14">
             <a:extLst>
               <a:ext uri="{FF2B5EF4-FFF2-40B4-BE49-F238E27FC236}">
-                <a16:creationId xmlns="" xmlns:a16="http://schemas.microsoft.com/office/drawing/2014/main" id="{E8E3FDB8-6D5C-48FE-99EA-7EC60F4D8191}"/>
+                <a16:creationId xmlns:a16="http://schemas.microsoft.com/office/drawing/2014/main" xmlns="" id="{E8E3FDB8-6D5C-48FE-99EA-7EC60F4D8191}"/>
               </a:ext>
             </a:extLst>
           </p:cNvPr>
@@ -16033,7 +16033,7 @@
           <p:cNvPr id="5" name="Date Placeholder 4">
             <a:extLst>
               <a:ext uri="{FF2B5EF4-FFF2-40B4-BE49-F238E27FC236}">
-                <a16:creationId xmlns="" xmlns:a16="http://schemas.microsoft.com/office/drawing/2014/main" id="{2D9775F3-A041-479A-8038-652B7D9C72E9}"/>
+                <a16:creationId xmlns:a16="http://schemas.microsoft.com/office/drawing/2014/main" xmlns="" id="{2D9775F3-A041-479A-8038-652B7D9C72E9}"/>
               </a:ext>
             </a:extLst>
           </p:cNvPr>
@@ -16061,7 +16061,7 @@
           <p:cNvPr id="6" name="Footer Placeholder 5">
             <a:extLst>
               <a:ext uri="{FF2B5EF4-FFF2-40B4-BE49-F238E27FC236}">
-                <a16:creationId xmlns="" xmlns:a16="http://schemas.microsoft.com/office/drawing/2014/main" id="{29BEDD04-BE4E-4B91-B13E-0C4FB3E1658F}"/>
+                <a16:creationId xmlns:a16="http://schemas.microsoft.com/office/drawing/2014/main" xmlns="" id="{29BEDD04-BE4E-4B91-B13E-0C4FB3E1658F}"/>
               </a:ext>
             </a:extLst>
           </p:cNvPr>
@@ -16089,7 +16089,7 @@
           <p:cNvPr id="7" name="Slide Number Placeholder 6">
             <a:extLst>
               <a:ext uri="{FF2B5EF4-FFF2-40B4-BE49-F238E27FC236}">
-                <a16:creationId xmlns="" xmlns:a16="http://schemas.microsoft.com/office/drawing/2014/main" id="{306DF5D8-12DC-494E-B0F1-2E9C86A14544}"/>
+                <a16:creationId xmlns:a16="http://schemas.microsoft.com/office/drawing/2014/main" xmlns="" id="{306DF5D8-12DC-494E-B0F1-2E9C86A14544}"/>
               </a:ext>
             </a:extLst>
           </p:cNvPr>
@@ -16118,7 +16118,7 @@
           <p:cNvPr id="8" name="Title 1">
             <a:extLst>
               <a:ext uri="{FF2B5EF4-FFF2-40B4-BE49-F238E27FC236}">
-                <a16:creationId xmlns="" xmlns:a16="http://schemas.microsoft.com/office/drawing/2014/main" id="{ABF87C9E-53A2-4DE1-89DC-3907BE2E3D3C}"/>
+                <a16:creationId xmlns:a16="http://schemas.microsoft.com/office/drawing/2014/main" xmlns="" id="{ABF87C9E-53A2-4DE1-89DC-3907BE2E3D3C}"/>
               </a:ext>
             </a:extLst>
           </p:cNvPr>
@@ -16157,7 +16157,7 @@
           <p:cNvPr id="9" name="Text Placeholder 2">
             <a:extLst>
               <a:ext uri="{FF2B5EF4-FFF2-40B4-BE49-F238E27FC236}">
-                <a16:creationId xmlns="" xmlns:a16="http://schemas.microsoft.com/office/drawing/2014/main" id="{EB453F8F-AA02-4E0D-93BF-8CF4F1490377}"/>
+                <a16:creationId xmlns:a16="http://schemas.microsoft.com/office/drawing/2014/main" xmlns="" id="{EB453F8F-AA02-4E0D-93BF-8CF4F1490377}"/>
               </a:ext>
             </a:extLst>
           </p:cNvPr>
@@ -16287,7 +16287,7 @@
           <p:cNvPr id="10" name="Picture Placeholder 10">
             <a:extLst>
               <a:ext uri="{FF2B5EF4-FFF2-40B4-BE49-F238E27FC236}">
-                <a16:creationId xmlns="" xmlns:a16="http://schemas.microsoft.com/office/drawing/2014/main" id="{A541F291-2E4B-474E-9ED0-55C97A2A066D}"/>
+                <a16:creationId xmlns:a16="http://schemas.microsoft.com/office/drawing/2014/main" xmlns="" id="{A541F291-2E4B-474E-9ED0-55C97A2A066D}"/>
               </a:ext>
             </a:extLst>
           </p:cNvPr>
@@ -16328,7 +16328,7 @@
           <p:cNvPr id="11" name="Group 10">
             <a:extLst>
               <a:ext uri="{FF2B5EF4-FFF2-40B4-BE49-F238E27FC236}">
-                <a16:creationId xmlns="" xmlns:a16="http://schemas.microsoft.com/office/drawing/2014/main" id="{59E4D57E-4989-4939-A31F-637543FAB606}"/>
+                <a16:creationId xmlns:a16="http://schemas.microsoft.com/office/drawing/2014/main" xmlns="" id="{59E4D57E-4989-4939-A31F-637543FAB606}"/>
               </a:ext>
             </a:extLst>
           </p:cNvPr>
@@ -16348,7 +16348,7 @@
             <p:cNvPr id="12" name="Straight Connector 11">
               <a:extLst>
                 <a:ext uri="{FF2B5EF4-FFF2-40B4-BE49-F238E27FC236}">
-                  <a16:creationId xmlns="" xmlns:a16="http://schemas.microsoft.com/office/drawing/2014/main" id="{370B72A7-B625-48B8-88E6-BCE2A4DD531E}"/>
+                  <a16:creationId xmlns:a16="http://schemas.microsoft.com/office/drawing/2014/main" xmlns="" id="{370B72A7-B625-48B8-88E6-BCE2A4DD531E}"/>
                 </a:ext>
               </a:extLst>
             </p:cNvPr>
@@ -16394,7 +16394,7 @@
             <p:cNvPr id="13" name="Oval 12">
               <a:extLst>
                 <a:ext uri="{FF2B5EF4-FFF2-40B4-BE49-F238E27FC236}">
-                  <a16:creationId xmlns="" xmlns:a16="http://schemas.microsoft.com/office/drawing/2014/main" id="{01ED729F-F8A5-4244-9776-4935C260F11F}"/>
+                  <a16:creationId xmlns:a16="http://schemas.microsoft.com/office/drawing/2014/main" xmlns="" id="{01ED729F-F8A5-4244-9776-4935C260F11F}"/>
                 </a:ext>
               </a:extLst>
             </p:cNvPr>
@@ -16455,7 +16455,7 @@
           <p:cNvPr id="14" name="Text Placeholder 2">
             <a:extLst>
               <a:ext uri="{FF2B5EF4-FFF2-40B4-BE49-F238E27FC236}">
-                <a16:creationId xmlns="" xmlns:a16="http://schemas.microsoft.com/office/drawing/2014/main" id="{BE12A846-0DFC-435B-BAE9-D90C353E0344}"/>
+                <a16:creationId xmlns:a16="http://schemas.microsoft.com/office/drawing/2014/main" xmlns="" id="{BE12A846-0DFC-435B-BAE9-D90C353E0344}"/>
               </a:ext>
             </a:extLst>
           </p:cNvPr>
@@ -16592,7 +16592,7 @@
           <p:cNvPr id="17" name="Straight Connector 16">
             <a:extLst>
               <a:ext uri="{FF2B5EF4-FFF2-40B4-BE49-F238E27FC236}">
-                <a16:creationId xmlns="" xmlns:a16="http://schemas.microsoft.com/office/drawing/2014/main" id="{6150998C-CF95-4C6F-8962-8EB2DB30177D}"/>
+                <a16:creationId xmlns:a16="http://schemas.microsoft.com/office/drawing/2014/main" xmlns="" id="{6150998C-CF95-4C6F-8962-8EB2DB30177D}"/>
               </a:ext>
             </a:extLst>
           </p:cNvPr>
@@ -16636,7 +16636,7 @@
           <p:cNvPr id="18" name="Oval 17">
             <a:extLst>
               <a:ext uri="{FF2B5EF4-FFF2-40B4-BE49-F238E27FC236}">
-                <a16:creationId xmlns="" xmlns:a16="http://schemas.microsoft.com/office/drawing/2014/main" id="{F86A2ACD-8CF5-48A3-A678-E213A809B332}"/>
+                <a16:creationId xmlns:a16="http://schemas.microsoft.com/office/drawing/2014/main" xmlns="" id="{F86A2ACD-8CF5-48A3-A678-E213A809B332}"/>
               </a:ext>
             </a:extLst>
           </p:cNvPr>
@@ -16691,7 +16691,7 @@
           <p:cNvPr id="19" name="Straight Connector 18">
             <a:extLst>
               <a:ext uri="{FF2B5EF4-FFF2-40B4-BE49-F238E27FC236}">
-                <a16:creationId xmlns="" xmlns:a16="http://schemas.microsoft.com/office/drawing/2014/main" id="{F00811BB-0E37-4D70-84A5-97B3FBEDCBE6}"/>
+                <a16:creationId xmlns:a16="http://schemas.microsoft.com/office/drawing/2014/main" xmlns="" id="{F00811BB-0E37-4D70-84A5-97B3FBEDCBE6}"/>
               </a:ext>
             </a:extLst>
           </p:cNvPr>
@@ -16737,7 +16737,7 @@
           <p:cNvPr id="20" name="Oval 19">
             <a:extLst>
               <a:ext uri="{FF2B5EF4-FFF2-40B4-BE49-F238E27FC236}">
-                <a16:creationId xmlns="" xmlns:a16="http://schemas.microsoft.com/office/drawing/2014/main" id="{D03B3046-0457-4D23-8E0C-64E3FCD620BB}"/>
+                <a16:creationId xmlns:a16="http://schemas.microsoft.com/office/drawing/2014/main" xmlns="" id="{D03B3046-0457-4D23-8E0C-64E3FCD620BB}"/>
               </a:ext>
             </a:extLst>
           </p:cNvPr>
@@ -16792,7 +16792,7 @@
           <p:cNvPr id="22" name="Text Placeholder 2">
             <a:extLst>
               <a:ext uri="{FF2B5EF4-FFF2-40B4-BE49-F238E27FC236}">
-                <a16:creationId xmlns="" xmlns:a16="http://schemas.microsoft.com/office/drawing/2014/main" id="{F2ACDD32-C1AB-4359-B055-2F910492987E}"/>
+                <a16:creationId xmlns:a16="http://schemas.microsoft.com/office/drawing/2014/main" xmlns="" id="{F2ACDD32-C1AB-4359-B055-2F910492987E}"/>
               </a:ext>
             </a:extLst>
           </p:cNvPr>
@@ -16925,7 +16925,7 @@
           <p:cNvPr id="3" name="Picture Placeholder 2">
             <a:extLst>
               <a:ext uri="{FF2B5EF4-FFF2-40B4-BE49-F238E27FC236}">
-                <a16:creationId xmlns="" xmlns:a16="http://schemas.microsoft.com/office/drawing/2014/main" id="{F6FF07C5-314A-4EA8-B78F-7A51C234D3A1}"/>
+                <a16:creationId xmlns:a16="http://schemas.microsoft.com/office/drawing/2014/main" xmlns="" id="{F6FF07C5-314A-4EA8-B78F-7A51C234D3A1}"/>
               </a:ext>
             </a:extLst>
           </p:cNvPr>
@@ -16977,7 +16977,7 @@
           <p:cNvPr id="23" name="Straight Connector 22">
             <a:extLst>
               <a:ext uri="{FF2B5EF4-FFF2-40B4-BE49-F238E27FC236}">
-                <a16:creationId xmlns="" xmlns:a16="http://schemas.microsoft.com/office/drawing/2014/main" id="{B691060D-E361-43B0-BFD7-43D7CC4E5CCD}"/>
+                <a16:creationId xmlns:a16="http://schemas.microsoft.com/office/drawing/2014/main" xmlns="" id="{B691060D-E361-43B0-BFD7-43D7CC4E5CCD}"/>
               </a:ext>
             </a:extLst>
           </p:cNvPr>
@@ -17020,7 +17020,7 @@
           <p:cNvPr id="40" name="Text Placeholder 2">
             <a:extLst>
               <a:ext uri="{FF2B5EF4-FFF2-40B4-BE49-F238E27FC236}">
-                <a16:creationId xmlns="" xmlns:a16="http://schemas.microsoft.com/office/drawing/2014/main" id="{4A98AB01-9578-4430-96AD-F434AF0CDA20}"/>
+                <a16:creationId xmlns:a16="http://schemas.microsoft.com/office/drawing/2014/main" xmlns="" id="{4A98AB01-9578-4430-96AD-F434AF0CDA20}"/>
               </a:ext>
             </a:extLst>
           </p:cNvPr>
@@ -17157,7 +17157,7 @@
           <p:cNvPr id="41" name="Text Placeholder 2">
             <a:extLst>
               <a:ext uri="{FF2B5EF4-FFF2-40B4-BE49-F238E27FC236}">
-                <a16:creationId xmlns="" xmlns:a16="http://schemas.microsoft.com/office/drawing/2014/main" id="{EF9D60F2-A1FB-4A95-997B-A4F1723AC1EC}"/>
+                <a16:creationId xmlns:a16="http://schemas.microsoft.com/office/drawing/2014/main" xmlns="" id="{EF9D60F2-A1FB-4A95-997B-A4F1723AC1EC}"/>
               </a:ext>
             </a:extLst>
           </p:cNvPr>
@@ -17290,7 +17290,7 @@
           <p:cNvPr id="42" name="Picture Placeholder 2">
             <a:extLst>
               <a:ext uri="{FF2B5EF4-FFF2-40B4-BE49-F238E27FC236}">
-                <a16:creationId xmlns="" xmlns:a16="http://schemas.microsoft.com/office/drawing/2014/main" id="{76A56D2A-42F0-40C5-96D7-B1AC33152A85}"/>
+                <a16:creationId xmlns:a16="http://schemas.microsoft.com/office/drawing/2014/main" xmlns="" id="{76A56D2A-42F0-40C5-96D7-B1AC33152A85}"/>
               </a:ext>
             </a:extLst>
           </p:cNvPr>
@@ -17342,7 +17342,7 @@
           <p:cNvPr id="43" name="Straight Connector 42">
             <a:extLst>
               <a:ext uri="{FF2B5EF4-FFF2-40B4-BE49-F238E27FC236}">
-                <a16:creationId xmlns="" xmlns:a16="http://schemas.microsoft.com/office/drawing/2014/main" id="{CF6D1C91-9136-4678-A712-92BE9B3902C4}"/>
+                <a16:creationId xmlns:a16="http://schemas.microsoft.com/office/drawing/2014/main" xmlns="" id="{CF6D1C91-9136-4678-A712-92BE9B3902C4}"/>
               </a:ext>
             </a:extLst>
           </p:cNvPr>
@@ -17385,7 +17385,7 @@
           <p:cNvPr id="44" name="Text Placeholder 2">
             <a:extLst>
               <a:ext uri="{FF2B5EF4-FFF2-40B4-BE49-F238E27FC236}">
-                <a16:creationId xmlns="" xmlns:a16="http://schemas.microsoft.com/office/drawing/2014/main" id="{BACF15AB-FF8A-422B-840D-88503024E5D3}"/>
+                <a16:creationId xmlns:a16="http://schemas.microsoft.com/office/drawing/2014/main" xmlns="" id="{BACF15AB-FF8A-422B-840D-88503024E5D3}"/>
               </a:ext>
             </a:extLst>
           </p:cNvPr>
@@ -17522,7 +17522,7 @@
           <p:cNvPr id="45" name="Text Placeholder 2">
             <a:extLst>
               <a:ext uri="{FF2B5EF4-FFF2-40B4-BE49-F238E27FC236}">
-                <a16:creationId xmlns="" xmlns:a16="http://schemas.microsoft.com/office/drawing/2014/main" id="{EFC2028F-7DFE-412D-97DF-707D128D95E0}"/>
+                <a16:creationId xmlns:a16="http://schemas.microsoft.com/office/drawing/2014/main" xmlns="" id="{EFC2028F-7DFE-412D-97DF-707D128D95E0}"/>
               </a:ext>
             </a:extLst>
           </p:cNvPr>
@@ -17655,7 +17655,7 @@
           <p:cNvPr id="47" name="Text Placeholder 2">
             <a:extLst>
               <a:ext uri="{FF2B5EF4-FFF2-40B4-BE49-F238E27FC236}">
-                <a16:creationId xmlns="" xmlns:a16="http://schemas.microsoft.com/office/drawing/2014/main" id="{4349A4F0-1181-4A58-BFD4-4783CD130356}"/>
+                <a16:creationId xmlns:a16="http://schemas.microsoft.com/office/drawing/2014/main" xmlns="" id="{4349A4F0-1181-4A58-BFD4-4783CD130356}"/>
               </a:ext>
             </a:extLst>
           </p:cNvPr>
@@ -17792,7 +17792,7 @@
           <p:cNvPr id="48" name="Text Placeholder 2">
             <a:extLst>
               <a:ext uri="{FF2B5EF4-FFF2-40B4-BE49-F238E27FC236}">
-                <a16:creationId xmlns="" xmlns:a16="http://schemas.microsoft.com/office/drawing/2014/main" id="{DC1D5D83-8D32-491F-87EB-9DA9360D4F2B}"/>
+                <a16:creationId xmlns:a16="http://schemas.microsoft.com/office/drawing/2014/main" xmlns="" id="{DC1D5D83-8D32-491F-87EB-9DA9360D4F2B}"/>
               </a:ext>
             </a:extLst>
           </p:cNvPr>
@@ -17925,7 +17925,7 @@
           <p:cNvPr id="50" name="Text Placeholder 2">
             <a:extLst>
               <a:ext uri="{FF2B5EF4-FFF2-40B4-BE49-F238E27FC236}">
-                <a16:creationId xmlns="" xmlns:a16="http://schemas.microsoft.com/office/drawing/2014/main" id="{8120723F-A42C-4B81-97FD-6F575E5C2584}"/>
+                <a16:creationId xmlns:a16="http://schemas.microsoft.com/office/drawing/2014/main" xmlns="" id="{8120723F-A42C-4B81-97FD-6F575E5C2584}"/>
               </a:ext>
             </a:extLst>
           </p:cNvPr>
@@ -18062,7 +18062,7 @@
           <p:cNvPr id="51" name="Text Placeholder 2">
             <a:extLst>
               <a:ext uri="{FF2B5EF4-FFF2-40B4-BE49-F238E27FC236}">
-                <a16:creationId xmlns="" xmlns:a16="http://schemas.microsoft.com/office/drawing/2014/main" id="{27D068F1-398F-4D11-977C-080C8151C786}"/>
+                <a16:creationId xmlns:a16="http://schemas.microsoft.com/office/drawing/2014/main" xmlns="" id="{27D068F1-398F-4D11-977C-080C8151C786}"/>
               </a:ext>
             </a:extLst>
           </p:cNvPr>
@@ -18195,7 +18195,7 @@
           <p:cNvPr id="53" name="Text Placeholder 2">
             <a:extLst>
               <a:ext uri="{FF2B5EF4-FFF2-40B4-BE49-F238E27FC236}">
-                <a16:creationId xmlns="" xmlns:a16="http://schemas.microsoft.com/office/drawing/2014/main" id="{B795705E-C5CB-46CC-9E41-D2269E07BC15}"/>
+                <a16:creationId xmlns:a16="http://schemas.microsoft.com/office/drawing/2014/main" xmlns="" id="{B795705E-C5CB-46CC-9E41-D2269E07BC15}"/>
               </a:ext>
             </a:extLst>
           </p:cNvPr>
@@ -18332,7 +18332,7 @@
           <p:cNvPr id="54" name="Text Placeholder 2">
             <a:extLst>
               <a:ext uri="{FF2B5EF4-FFF2-40B4-BE49-F238E27FC236}">
-                <a16:creationId xmlns="" xmlns:a16="http://schemas.microsoft.com/office/drawing/2014/main" id="{80211A2B-0F3C-4DBE-AE01-069AE7FC3468}"/>
+                <a16:creationId xmlns:a16="http://schemas.microsoft.com/office/drawing/2014/main" xmlns="" id="{80211A2B-0F3C-4DBE-AE01-069AE7FC3468}"/>
               </a:ext>
             </a:extLst>
           </p:cNvPr>
@@ -18465,7 +18465,7 @@
           <p:cNvPr id="56" name="Straight Connector 55">
             <a:extLst>
               <a:ext uri="{FF2B5EF4-FFF2-40B4-BE49-F238E27FC236}">
-                <a16:creationId xmlns="" xmlns:a16="http://schemas.microsoft.com/office/drawing/2014/main" id="{2E5E9742-C670-47AB-AA69-AE65D7915B06}"/>
+                <a16:creationId xmlns:a16="http://schemas.microsoft.com/office/drawing/2014/main" xmlns="" id="{2E5E9742-C670-47AB-AA69-AE65D7915B06}"/>
               </a:ext>
             </a:extLst>
           </p:cNvPr>
@@ -18508,7 +18508,7 @@
           <p:cNvPr id="57" name="Straight Connector 56">
             <a:extLst>
               <a:ext uri="{FF2B5EF4-FFF2-40B4-BE49-F238E27FC236}">
-                <a16:creationId xmlns="" xmlns:a16="http://schemas.microsoft.com/office/drawing/2014/main" id="{158712DB-5183-45D8-9ABB-6E0795658012}"/>
+                <a16:creationId xmlns:a16="http://schemas.microsoft.com/office/drawing/2014/main" xmlns="" id="{158712DB-5183-45D8-9ABB-6E0795658012}"/>
               </a:ext>
             </a:extLst>
           </p:cNvPr>
@@ -18551,7 +18551,7 @@
           <p:cNvPr id="49" name="Picture Placeholder 2">
             <a:extLst>
               <a:ext uri="{FF2B5EF4-FFF2-40B4-BE49-F238E27FC236}">
-                <a16:creationId xmlns="" xmlns:a16="http://schemas.microsoft.com/office/drawing/2014/main" id="{417A32F4-3459-4A31-A90E-AA771FD4D491}"/>
+                <a16:creationId xmlns:a16="http://schemas.microsoft.com/office/drawing/2014/main" xmlns="" id="{417A32F4-3459-4A31-A90E-AA771FD4D491}"/>
               </a:ext>
             </a:extLst>
           </p:cNvPr>
@@ -18606,7 +18606,7 @@
           <p:cNvPr id="55" name="Picture Placeholder 2">
             <a:extLst>
               <a:ext uri="{FF2B5EF4-FFF2-40B4-BE49-F238E27FC236}">
-                <a16:creationId xmlns="" xmlns:a16="http://schemas.microsoft.com/office/drawing/2014/main" id="{63549FA7-92E5-4DB1-92FA-15902DFD3753}"/>
+                <a16:creationId xmlns:a16="http://schemas.microsoft.com/office/drawing/2014/main" xmlns="" id="{63549FA7-92E5-4DB1-92FA-15902DFD3753}"/>
               </a:ext>
             </a:extLst>
           </p:cNvPr>
@@ -18661,7 +18661,7 @@
           <p:cNvPr id="46" name="Picture Placeholder 2">
             <a:extLst>
               <a:ext uri="{FF2B5EF4-FFF2-40B4-BE49-F238E27FC236}">
-                <a16:creationId xmlns="" xmlns:a16="http://schemas.microsoft.com/office/drawing/2014/main" id="{0F62D330-6A30-4A65-89DA-EDFE4AAD343E}"/>
+                <a16:creationId xmlns:a16="http://schemas.microsoft.com/office/drawing/2014/main" xmlns="" id="{0F62D330-6A30-4A65-89DA-EDFE4AAD343E}"/>
               </a:ext>
             </a:extLst>
           </p:cNvPr>
@@ -18716,7 +18716,7 @@
           <p:cNvPr id="52" name="Picture Placeholder 2">
             <a:extLst>
               <a:ext uri="{FF2B5EF4-FFF2-40B4-BE49-F238E27FC236}">
-                <a16:creationId xmlns="" xmlns:a16="http://schemas.microsoft.com/office/drawing/2014/main" id="{A3FC286B-05E7-4E48-A7FD-197800349118}"/>
+                <a16:creationId xmlns:a16="http://schemas.microsoft.com/office/drawing/2014/main" xmlns="" id="{A3FC286B-05E7-4E48-A7FD-197800349118}"/>
               </a:ext>
             </a:extLst>
           </p:cNvPr>
@@ -18801,7 +18801,7 @@
           <p:cNvPr id="8" name="Picture Placeholder 7">
             <a:extLst>
               <a:ext uri="{FF2B5EF4-FFF2-40B4-BE49-F238E27FC236}">
-                <a16:creationId xmlns="" xmlns:a16="http://schemas.microsoft.com/office/drawing/2014/main" id="{C799DC18-D353-427C-B849-0204F13D9B3D}"/>
+                <a16:creationId xmlns:a16="http://schemas.microsoft.com/office/drawing/2014/main" xmlns="" id="{C799DC18-D353-427C-B849-0204F13D9B3D}"/>
               </a:ext>
             </a:extLst>
           </p:cNvPr>
@@ -18842,7 +18842,7 @@
           <p:cNvPr id="7" name="Rectangle 6">
             <a:extLst>
               <a:ext uri="{FF2B5EF4-FFF2-40B4-BE49-F238E27FC236}">
-                <a16:creationId xmlns="" xmlns:a16="http://schemas.microsoft.com/office/drawing/2014/main" id="{45015858-8549-49EA-BB83-070E0D9D4890}"/>
+                <a16:creationId xmlns:a16="http://schemas.microsoft.com/office/drawing/2014/main" xmlns="" id="{45015858-8549-49EA-BB83-070E0D9D4890}"/>
               </a:ext>
             </a:extLst>
           </p:cNvPr>
@@ -18909,7 +18909,7 @@
           <p:cNvPr id="2" name="Title 1">
             <a:extLst>
               <a:ext uri="{FF2B5EF4-FFF2-40B4-BE49-F238E27FC236}">
-                <a16:creationId xmlns="" xmlns:a16="http://schemas.microsoft.com/office/drawing/2014/main" id="{2206FBAC-B8FD-4768-B682-E0B93BA33105}"/>
+                <a16:creationId xmlns:a16="http://schemas.microsoft.com/office/drawing/2014/main" xmlns="" id="{2206FBAC-B8FD-4768-B682-E0B93BA33105}"/>
               </a:ext>
             </a:extLst>
           </p:cNvPr>
@@ -18962,7 +18962,7 @@
           <p:cNvPr id="4" name="Date Placeholder 3">
             <a:extLst>
               <a:ext uri="{FF2B5EF4-FFF2-40B4-BE49-F238E27FC236}">
-                <a16:creationId xmlns="" xmlns:a16="http://schemas.microsoft.com/office/drawing/2014/main" id="{2472534F-03A6-408A-9BF1-303D0A440BA4}"/>
+                <a16:creationId xmlns:a16="http://schemas.microsoft.com/office/drawing/2014/main" xmlns="" id="{2472534F-03A6-408A-9BF1-303D0A440BA4}"/>
               </a:ext>
             </a:extLst>
           </p:cNvPr>
@@ -18990,7 +18990,7 @@
           <p:cNvPr id="5" name="Footer Placeholder 4">
             <a:extLst>
               <a:ext uri="{FF2B5EF4-FFF2-40B4-BE49-F238E27FC236}">
-                <a16:creationId xmlns="" xmlns:a16="http://schemas.microsoft.com/office/drawing/2014/main" id="{0A24E181-0C50-4F43-A5A7-6FDD1500C708}"/>
+                <a16:creationId xmlns:a16="http://schemas.microsoft.com/office/drawing/2014/main" xmlns="" id="{0A24E181-0C50-4F43-A5A7-6FDD1500C708}"/>
               </a:ext>
             </a:extLst>
           </p:cNvPr>
@@ -19018,7 +19018,7 @@
           <p:cNvPr id="6" name="Slide Number Placeholder 5">
             <a:extLst>
               <a:ext uri="{FF2B5EF4-FFF2-40B4-BE49-F238E27FC236}">
-                <a16:creationId xmlns="" xmlns:a16="http://schemas.microsoft.com/office/drawing/2014/main" id="{13A749CC-EB55-4FEF-AA4C-9A9C6E2AA9C0}"/>
+                <a16:creationId xmlns:a16="http://schemas.microsoft.com/office/drawing/2014/main" xmlns="" id="{13A749CC-EB55-4FEF-AA4C-9A9C6E2AA9C0}"/>
               </a:ext>
             </a:extLst>
           </p:cNvPr>
@@ -19047,7 +19047,7 @@
           <p:cNvPr id="9" name="Group 8">
             <a:extLst>
               <a:ext uri="{FF2B5EF4-FFF2-40B4-BE49-F238E27FC236}">
-                <a16:creationId xmlns="" xmlns:a16="http://schemas.microsoft.com/office/drawing/2014/main" id="{6F3E26A6-6962-4A35-AA86-805537D45296}"/>
+                <a16:creationId xmlns:a16="http://schemas.microsoft.com/office/drawing/2014/main" xmlns="" id="{6F3E26A6-6962-4A35-AA86-805537D45296}"/>
               </a:ext>
             </a:extLst>
           </p:cNvPr>
@@ -19067,7 +19067,7 @@
             <p:cNvPr id="10" name="Oval 9">
               <a:extLst>
                 <a:ext uri="{FF2B5EF4-FFF2-40B4-BE49-F238E27FC236}">
-                  <a16:creationId xmlns="" xmlns:a16="http://schemas.microsoft.com/office/drawing/2014/main" id="{681504C4-12AC-4251-8E47-0089784BDB9B}"/>
+                  <a16:creationId xmlns:a16="http://schemas.microsoft.com/office/drawing/2014/main" xmlns="" id="{681504C4-12AC-4251-8E47-0089784BDB9B}"/>
                 </a:ext>
               </a:extLst>
             </p:cNvPr>
@@ -19122,7 +19122,7 @@
             <p:cNvPr id="11" name="Straight Connector 10">
               <a:extLst>
                 <a:ext uri="{FF2B5EF4-FFF2-40B4-BE49-F238E27FC236}">
-                  <a16:creationId xmlns="" xmlns:a16="http://schemas.microsoft.com/office/drawing/2014/main" id="{192040D0-01C2-4643-8F84-3B8F334E545C}"/>
+                  <a16:creationId xmlns:a16="http://schemas.microsoft.com/office/drawing/2014/main" xmlns="" id="{192040D0-01C2-4643-8F84-3B8F334E545C}"/>
                 </a:ext>
               </a:extLst>
             </p:cNvPr>
@@ -19166,7 +19166,7 @@
             <p:cNvPr id="12" name="Oval 11">
               <a:extLst>
                 <a:ext uri="{FF2B5EF4-FFF2-40B4-BE49-F238E27FC236}">
-                  <a16:creationId xmlns="" xmlns:a16="http://schemas.microsoft.com/office/drawing/2014/main" id="{7ED601E9-2BFC-460B-A2A8-69A787A4988E}"/>
+                  <a16:creationId xmlns:a16="http://schemas.microsoft.com/office/drawing/2014/main" xmlns="" id="{7ED601E9-2BFC-460B-A2A8-69A787A4988E}"/>
                 </a:ext>
               </a:extLst>
             </p:cNvPr>
@@ -19222,7 +19222,7 @@
           <p:cNvPr id="13" name="Group 12">
             <a:extLst>
               <a:ext uri="{FF2B5EF4-FFF2-40B4-BE49-F238E27FC236}">
-                <a16:creationId xmlns="" xmlns:a16="http://schemas.microsoft.com/office/drawing/2014/main" id="{BB49A8A6-FEDB-4D20-B581-A84DB8EFE977}"/>
+                <a16:creationId xmlns:a16="http://schemas.microsoft.com/office/drawing/2014/main" xmlns="" id="{BB49A8A6-FEDB-4D20-B581-A84DB8EFE977}"/>
               </a:ext>
             </a:extLst>
           </p:cNvPr>
@@ -19242,7 +19242,7 @@
             <p:cNvPr id="14" name="Oval 13">
               <a:extLst>
                 <a:ext uri="{FF2B5EF4-FFF2-40B4-BE49-F238E27FC236}">
-                  <a16:creationId xmlns="" xmlns:a16="http://schemas.microsoft.com/office/drawing/2014/main" id="{C2F65998-5EC3-446A-8307-1CF81A348CE3}"/>
+                  <a16:creationId xmlns:a16="http://schemas.microsoft.com/office/drawing/2014/main" xmlns="" id="{C2F65998-5EC3-446A-8307-1CF81A348CE3}"/>
                 </a:ext>
               </a:extLst>
             </p:cNvPr>
@@ -19297,7 +19297,7 @@
             <p:cNvPr id="15" name="Straight Connector 14">
               <a:extLst>
                 <a:ext uri="{FF2B5EF4-FFF2-40B4-BE49-F238E27FC236}">
-                  <a16:creationId xmlns="" xmlns:a16="http://schemas.microsoft.com/office/drawing/2014/main" id="{7CC5D776-F60A-4A0C-AA7C-EFACDA2CEA88}"/>
+                  <a16:creationId xmlns:a16="http://schemas.microsoft.com/office/drawing/2014/main" xmlns="" id="{7CC5D776-F60A-4A0C-AA7C-EFACDA2CEA88}"/>
                 </a:ext>
               </a:extLst>
             </p:cNvPr>
@@ -19341,7 +19341,7 @@
             <p:cNvPr id="16" name="Oval 15">
               <a:extLst>
                 <a:ext uri="{FF2B5EF4-FFF2-40B4-BE49-F238E27FC236}">
-                  <a16:creationId xmlns="" xmlns:a16="http://schemas.microsoft.com/office/drawing/2014/main" id="{AEAFE309-55C5-409C-92ED-748307C74318}"/>
+                  <a16:creationId xmlns:a16="http://schemas.microsoft.com/office/drawing/2014/main" xmlns="" id="{AEAFE309-55C5-409C-92ED-748307C74318}"/>
                 </a:ext>
               </a:extLst>
             </p:cNvPr>
@@ -19397,7 +19397,7 @@
           <p:cNvPr id="17" name="Subtitle 2">
             <a:extLst>
               <a:ext uri="{FF2B5EF4-FFF2-40B4-BE49-F238E27FC236}">
-                <a16:creationId xmlns="" xmlns:a16="http://schemas.microsoft.com/office/drawing/2014/main" id="{5B77B20B-76F5-4912-803D-5709F730D4FB}"/>
+                <a16:creationId xmlns:a16="http://schemas.microsoft.com/office/drawing/2014/main" xmlns="" id="{5B77B20B-76F5-4912-803D-5709F730D4FB}"/>
               </a:ext>
             </a:extLst>
           </p:cNvPr>
@@ -19478,7 +19478,7 @@
           <p:cNvPr id="18" name="Picture Placeholder 9">
             <a:extLst>
               <a:ext uri="{FF2B5EF4-FFF2-40B4-BE49-F238E27FC236}">
-                <a16:creationId xmlns="" xmlns:a16="http://schemas.microsoft.com/office/drawing/2014/main" id="{4293BA4F-7776-4C41-BE4F-7247935D5CCC}"/>
+                <a16:creationId xmlns:a16="http://schemas.microsoft.com/office/drawing/2014/main" xmlns="" id="{4293BA4F-7776-4C41-BE4F-7247935D5CCC}"/>
               </a:ext>
             </a:extLst>
           </p:cNvPr>
@@ -19549,7 +19549,7 @@
           <p:cNvPr id="7" name="Rectangle 6">
             <a:extLst>
               <a:ext uri="{FF2B5EF4-FFF2-40B4-BE49-F238E27FC236}">
-                <a16:creationId xmlns="" xmlns:a16="http://schemas.microsoft.com/office/drawing/2014/main" id="{09F1B35C-893A-4033-ADC0-2192AFA29271}"/>
+                <a16:creationId xmlns:a16="http://schemas.microsoft.com/office/drawing/2014/main" xmlns="" id="{09F1B35C-893A-4033-ADC0-2192AFA29271}"/>
               </a:ext>
             </a:extLst>
           </p:cNvPr>
@@ -19616,7 +19616,7 @@
           <p:cNvPr id="2" name="Title 1">
             <a:extLst>
               <a:ext uri="{FF2B5EF4-FFF2-40B4-BE49-F238E27FC236}">
-                <a16:creationId xmlns="" xmlns:a16="http://schemas.microsoft.com/office/drawing/2014/main" id="{CD637DF8-B064-4F36-89F8-EBF538A2E7F2}"/>
+                <a16:creationId xmlns:a16="http://schemas.microsoft.com/office/drawing/2014/main" xmlns="" id="{CD637DF8-B064-4F36-89F8-EBF538A2E7F2}"/>
               </a:ext>
             </a:extLst>
           </p:cNvPr>
@@ -19655,7 +19655,7 @@
           <p:cNvPr id="3" name="Text Placeholder 2">
             <a:extLst>
               <a:ext uri="{FF2B5EF4-FFF2-40B4-BE49-F238E27FC236}">
-                <a16:creationId xmlns="" xmlns:a16="http://schemas.microsoft.com/office/drawing/2014/main" id="{8A72532A-5006-46B7-AE99-3A6891CD0254}"/>
+                <a16:creationId xmlns:a16="http://schemas.microsoft.com/office/drawing/2014/main" xmlns="" id="{8A72532A-5006-46B7-AE99-3A6891CD0254}"/>
               </a:ext>
             </a:extLst>
           </p:cNvPr>
@@ -19785,7 +19785,7 @@
           <p:cNvPr id="4" name="Date Placeholder 3">
             <a:extLst>
               <a:ext uri="{FF2B5EF4-FFF2-40B4-BE49-F238E27FC236}">
-                <a16:creationId xmlns="" xmlns:a16="http://schemas.microsoft.com/office/drawing/2014/main" id="{49EFC6D7-3241-401C-A16A-4A7CC2653954}"/>
+                <a16:creationId xmlns:a16="http://schemas.microsoft.com/office/drawing/2014/main" xmlns="" id="{49EFC6D7-3241-401C-A16A-4A7CC2653954}"/>
               </a:ext>
             </a:extLst>
           </p:cNvPr>
@@ -19813,7 +19813,7 @@
           <p:cNvPr id="5" name="Footer Placeholder 4">
             <a:extLst>
               <a:ext uri="{FF2B5EF4-FFF2-40B4-BE49-F238E27FC236}">
-                <a16:creationId xmlns="" xmlns:a16="http://schemas.microsoft.com/office/drawing/2014/main" id="{F345D6DC-ABA5-4D00-9CD3-92FFDD1FA2DC}"/>
+                <a16:creationId xmlns:a16="http://schemas.microsoft.com/office/drawing/2014/main" xmlns="" id="{F345D6DC-ABA5-4D00-9CD3-92FFDD1FA2DC}"/>
               </a:ext>
             </a:extLst>
           </p:cNvPr>
@@ -19841,7 +19841,7 @@
           <p:cNvPr id="6" name="Slide Number Placeholder 5">
             <a:extLst>
               <a:ext uri="{FF2B5EF4-FFF2-40B4-BE49-F238E27FC236}">
-                <a16:creationId xmlns="" xmlns:a16="http://schemas.microsoft.com/office/drawing/2014/main" id="{92459C86-0106-40E0-AA18-795EC5787677}"/>
+                <a16:creationId xmlns:a16="http://schemas.microsoft.com/office/drawing/2014/main" xmlns="" id="{92459C86-0106-40E0-AA18-795EC5787677}"/>
               </a:ext>
             </a:extLst>
           </p:cNvPr>
@@ -19870,7 +19870,7 @@
           <p:cNvPr id="11" name="Picture Placeholder 10">
             <a:extLst>
               <a:ext uri="{FF2B5EF4-FFF2-40B4-BE49-F238E27FC236}">
-                <a16:creationId xmlns="" xmlns:a16="http://schemas.microsoft.com/office/drawing/2014/main" id="{6D14F7B3-A6CF-491C-9855-75B5784CC456}"/>
+                <a16:creationId xmlns:a16="http://schemas.microsoft.com/office/drawing/2014/main" xmlns="" id="{6D14F7B3-A6CF-491C-9855-75B5784CC456}"/>
               </a:ext>
             </a:extLst>
           </p:cNvPr>
@@ -19911,7 +19911,7 @@
           <p:cNvPr id="15" name="Group 14">
             <a:extLst>
               <a:ext uri="{FF2B5EF4-FFF2-40B4-BE49-F238E27FC236}">
-                <a16:creationId xmlns="" xmlns:a16="http://schemas.microsoft.com/office/drawing/2014/main" id="{B7317392-EF87-4050-8BBE-32F74B0CF15A}"/>
+                <a16:creationId xmlns:a16="http://schemas.microsoft.com/office/drawing/2014/main" xmlns="" id="{B7317392-EF87-4050-8BBE-32F74B0CF15A}"/>
               </a:ext>
             </a:extLst>
           </p:cNvPr>
@@ -19931,7 +19931,7 @@
             <p:cNvPr id="13" name="Straight Connector 12">
               <a:extLst>
                 <a:ext uri="{FF2B5EF4-FFF2-40B4-BE49-F238E27FC236}">
-                  <a16:creationId xmlns="" xmlns:a16="http://schemas.microsoft.com/office/drawing/2014/main" id="{785A4134-866D-4143-AC1E-8A2FFDB49855}"/>
+                  <a16:creationId xmlns:a16="http://schemas.microsoft.com/office/drawing/2014/main" xmlns="" id="{785A4134-866D-4143-AC1E-8A2FFDB49855}"/>
                 </a:ext>
               </a:extLst>
             </p:cNvPr>
@@ -19977,7 +19977,7 @@
             <p:cNvPr id="14" name="Oval 13">
               <a:extLst>
                 <a:ext uri="{FF2B5EF4-FFF2-40B4-BE49-F238E27FC236}">
-                  <a16:creationId xmlns="" xmlns:a16="http://schemas.microsoft.com/office/drawing/2014/main" id="{1BBC5D9C-B8FB-455B-9398-36DB21F2765E}"/>
+                  <a16:creationId xmlns:a16="http://schemas.microsoft.com/office/drawing/2014/main" xmlns="" id="{1BBC5D9C-B8FB-455B-9398-36DB21F2765E}"/>
                 </a:ext>
               </a:extLst>
             </p:cNvPr>
@@ -20038,7 +20038,7 @@
           <p:cNvPr id="17" name="Oval 16">
             <a:extLst>
               <a:ext uri="{FF2B5EF4-FFF2-40B4-BE49-F238E27FC236}">
-                <a16:creationId xmlns="" xmlns:a16="http://schemas.microsoft.com/office/drawing/2014/main" id="{72225750-E4CE-4A81-A0C3-4023030D637E}"/>
+                <a16:creationId xmlns:a16="http://schemas.microsoft.com/office/drawing/2014/main" xmlns="" id="{72225750-E4CE-4A81-A0C3-4023030D637E}"/>
               </a:ext>
             </a:extLst>
           </p:cNvPr>
@@ -20093,7 +20093,7 @@
           <p:cNvPr id="18" name="Straight Connector 17">
             <a:extLst>
               <a:ext uri="{FF2B5EF4-FFF2-40B4-BE49-F238E27FC236}">
-                <a16:creationId xmlns="" xmlns:a16="http://schemas.microsoft.com/office/drawing/2014/main" id="{3819C324-07DF-49DB-A08C-0E6155CE3041}"/>
+                <a16:creationId xmlns:a16="http://schemas.microsoft.com/office/drawing/2014/main" xmlns="" id="{3819C324-07DF-49DB-A08C-0E6155CE3041}"/>
               </a:ext>
             </a:extLst>
           </p:cNvPr>
@@ -20137,7 +20137,7 @@
           <p:cNvPr id="19" name="Oval 18">
             <a:extLst>
               <a:ext uri="{FF2B5EF4-FFF2-40B4-BE49-F238E27FC236}">
-                <a16:creationId xmlns="" xmlns:a16="http://schemas.microsoft.com/office/drawing/2014/main" id="{75A34025-44F2-4A09-8629-F1794E9D35AF}"/>
+                <a16:creationId xmlns:a16="http://schemas.microsoft.com/office/drawing/2014/main" xmlns="" id="{75A34025-44F2-4A09-8629-F1794E9D35AF}"/>
               </a:ext>
             </a:extLst>
           </p:cNvPr>
@@ -20192,7 +20192,7 @@
           <p:cNvPr id="20" name="Straight Connector 19">
             <a:extLst>
               <a:ext uri="{FF2B5EF4-FFF2-40B4-BE49-F238E27FC236}">
-                <a16:creationId xmlns="" xmlns:a16="http://schemas.microsoft.com/office/drawing/2014/main" id="{815854A2-EAE9-4B2A-84CF-5A4BD753863A}"/>
+                <a16:creationId xmlns:a16="http://schemas.microsoft.com/office/drawing/2014/main" xmlns="" id="{815854A2-EAE9-4B2A-84CF-5A4BD753863A}"/>
               </a:ext>
             </a:extLst>
           </p:cNvPr>
@@ -20238,7 +20238,7 @@
           <p:cNvPr id="36" name="Text Placeholder 2">
             <a:extLst>
               <a:ext uri="{FF2B5EF4-FFF2-40B4-BE49-F238E27FC236}">
-                <a16:creationId xmlns="" xmlns:a16="http://schemas.microsoft.com/office/drawing/2014/main" id="{9A5180A6-7D2B-4341-A749-16387D907EEF}"/>
+                <a16:creationId xmlns:a16="http://schemas.microsoft.com/office/drawing/2014/main" xmlns="" id="{9A5180A6-7D2B-4341-A749-16387D907EEF}"/>
               </a:ext>
             </a:extLst>
           </p:cNvPr>
@@ -20319,7 +20319,7 @@
           <p:cNvPr id="37" name="Text Placeholder 2">
             <a:extLst>
               <a:ext uri="{FF2B5EF4-FFF2-40B4-BE49-F238E27FC236}">
-                <a16:creationId xmlns="" xmlns:a16="http://schemas.microsoft.com/office/drawing/2014/main" id="{79DFBEE7-50AA-4F4F-8B5D-AD23ECAD9919}"/>
+                <a16:creationId xmlns:a16="http://schemas.microsoft.com/office/drawing/2014/main" xmlns="" id="{79DFBEE7-50AA-4F4F-8B5D-AD23ECAD9919}"/>
               </a:ext>
             </a:extLst>
           </p:cNvPr>
@@ -20401,7 +20401,7 @@
           <p:cNvPr id="39" name="Text Placeholder 2">
             <a:extLst>
               <a:ext uri="{FF2B5EF4-FFF2-40B4-BE49-F238E27FC236}">
-                <a16:creationId xmlns="" xmlns:a16="http://schemas.microsoft.com/office/drawing/2014/main" id="{306EAF0C-F17D-47D6-BAA1-16745F4F70D9}"/>
+                <a16:creationId xmlns:a16="http://schemas.microsoft.com/office/drawing/2014/main" xmlns="" id="{306EAF0C-F17D-47D6-BAA1-16745F4F70D9}"/>
               </a:ext>
             </a:extLst>
           </p:cNvPr>
@@ -20482,7 +20482,7 @@
           <p:cNvPr id="40" name="Text Placeholder 2">
             <a:extLst>
               <a:ext uri="{FF2B5EF4-FFF2-40B4-BE49-F238E27FC236}">
-                <a16:creationId xmlns="" xmlns:a16="http://schemas.microsoft.com/office/drawing/2014/main" id="{D091E31C-C1DC-4D72-8C9E-3B6BD91E72AF}"/>
+                <a16:creationId xmlns:a16="http://schemas.microsoft.com/office/drawing/2014/main" xmlns="" id="{D091E31C-C1DC-4D72-8C9E-3B6BD91E72AF}"/>
               </a:ext>
             </a:extLst>
           </p:cNvPr>
@@ -20564,7 +20564,7 @@
           <p:cNvPr id="42" name="Text Placeholder 2">
             <a:extLst>
               <a:ext uri="{FF2B5EF4-FFF2-40B4-BE49-F238E27FC236}">
-                <a16:creationId xmlns="" xmlns:a16="http://schemas.microsoft.com/office/drawing/2014/main" id="{F62E753C-C8BE-457D-9B22-6A8227347A67}"/>
+                <a16:creationId xmlns:a16="http://schemas.microsoft.com/office/drawing/2014/main" xmlns="" id="{F62E753C-C8BE-457D-9B22-6A8227347A67}"/>
               </a:ext>
             </a:extLst>
           </p:cNvPr>
@@ -20645,7 +20645,7 @@
           <p:cNvPr id="43" name="Text Placeholder 2">
             <a:extLst>
               <a:ext uri="{FF2B5EF4-FFF2-40B4-BE49-F238E27FC236}">
-                <a16:creationId xmlns="" xmlns:a16="http://schemas.microsoft.com/office/drawing/2014/main" id="{BC1E8F6C-0BDD-4AFA-9E8D-5EF61AA59F50}"/>
+                <a16:creationId xmlns:a16="http://schemas.microsoft.com/office/drawing/2014/main" xmlns="" id="{BC1E8F6C-0BDD-4AFA-9E8D-5EF61AA59F50}"/>
               </a:ext>
             </a:extLst>
           </p:cNvPr>
@@ -20727,7 +20727,7 @@
           <p:cNvPr id="45" name="Text Placeholder 2">
             <a:extLst>
               <a:ext uri="{FF2B5EF4-FFF2-40B4-BE49-F238E27FC236}">
-                <a16:creationId xmlns="" xmlns:a16="http://schemas.microsoft.com/office/drawing/2014/main" id="{C70C9772-55FF-4449-988F-6CDDE075E730}"/>
+                <a16:creationId xmlns:a16="http://schemas.microsoft.com/office/drawing/2014/main" xmlns="" id="{C70C9772-55FF-4449-988F-6CDDE075E730}"/>
               </a:ext>
             </a:extLst>
           </p:cNvPr>
@@ -20808,7 +20808,7 @@
           <p:cNvPr id="46" name="Text Placeholder 2">
             <a:extLst>
               <a:ext uri="{FF2B5EF4-FFF2-40B4-BE49-F238E27FC236}">
-                <a16:creationId xmlns="" xmlns:a16="http://schemas.microsoft.com/office/drawing/2014/main" id="{75EE6DCE-6A55-4D95-85F7-E22E3E268256}"/>
+                <a16:creationId xmlns:a16="http://schemas.microsoft.com/office/drawing/2014/main" xmlns="" id="{75EE6DCE-6A55-4D95-85F7-E22E3E268256}"/>
               </a:ext>
             </a:extLst>
           </p:cNvPr>
@@ -20890,7 +20890,7 @@
           <p:cNvPr id="48" name="Text Placeholder 2">
             <a:extLst>
               <a:ext uri="{FF2B5EF4-FFF2-40B4-BE49-F238E27FC236}">
-                <a16:creationId xmlns="" xmlns:a16="http://schemas.microsoft.com/office/drawing/2014/main" id="{84DC7882-7541-4AEA-95FE-DDBCF6F9CA32}"/>
+                <a16:creationId xmlns:a16="http://schemas.microsoft.com/office/drawing/2014/main" xmlns="" id="{84DC7882-7541-4AEA-95FE-DDBCF6F9CA32}"/>
               </a:ext>
             </a:extLst>
           </p:cNvPr>
@@ -20971,7 +20971,7 @@
           <p:cNvPr id="49" name="Text Placeholder 2">
             <a:extLst>
               <a:ext uri="{FF2B5EF4-FFF2-40B4-BE49-F238E27FC236}">
-                <a16:creationId xmlns="" xmlns:a16="http://schemas.microsoft.com/office/drawing/2014/main" id="{5542D500-4CD6-4FDE-9133-F8020797D9B5}"/>
+                <a16:creationId xmlns:a16="http://schemas.microsoft.com/office/drawing/2014/main" xmlns="" id="{5542D500-4CD6-4FDE-9133-F8020797D9B5}"/>
               </a:ext>
             </a:extLst>
           </p:cNvPr>
@@ -21053,7 +21053,7 @@
           <p:cNvPr id="51" name="Text Placeholder 2">
             <a:extLst>
               <a:ext uri="{FF2B5EF4-FFF2-40B4-BE49-F238E27FC236}">
-                <a16:creationId xmlns="" xmlns:a16="http://schemas.microsoft.com/office/drawing/2014/main" id="{500C362B-BA02-4F7D-86F6-3F6F2EF20D04}"/>
+                <a16:creationId xmlns:a16="http://schemas.microsoft.com/office/drawing/2014/main" xmlns="" id="{500C362B-BA02-4F7D-86F6-3F6F2EF20D04}"/>
               </a:ext>
             </a:extLst>
           </p:cNvPr>
@@ -21134,7 +21134,7 @@
           <p:cNvPr id="52" name="Text Placeholder 2">
             <a:extLst>
               <a:ext uri="{FF2B5EF4-FFF2-40B4-BE49-F238E27FC236}">
-                <a16:creationId xmlns="" xmlns:a16="http://schemas.microsoft.com/office/drawing/2014/main" id="{E213E497-634E-40E7-BF08-765CC21529E2}"/>
+                <a16:creationId xmlns:a16="http://schemas.microsoft.com/office/drawing/2014/main" xmlns="" id="{E213E497-634E-40E7-BF08-765CC21529E2}"/>
               </a:ext>
             </a:extLst>
           </p:cNvPr>
@@ -21216,7 +21216,7 @@
           <p:cNvPr id="8" name="Oval 7">
             <a:extLst>
               <a:ext uri="{FF2B5EF4-FFF2-40B4-BE49-F238E27FC236}">
-                <a16:creationId xmlns="" xmlns:a16="http://schemas.microsoft.com/office/drawing/2014/main" id="{FA01C659-0131-449B-BA07-5BC568F00BF0}"/>
+                <a16:creationId xmlns:a16="http://schemas.microsoft.com/office/drawing/2014/main" xmlns="" id="{FA01C659-0131-449B-BA07-5BC568F00BF0}"/>
               </a:ext>
             </a:extLst>
           </p:cNvPr>
@@ -21273,7 +21273,7 @@
           <p:cNvPr id="54" name="Oval 53">
             <a:extLst>
               <a:ext uri="{FF2B5EF4-FFF2-40B4-BE49-F238E27FC236}">
-                <a16:creationId xmlns="" xmlns:a16="http://schemas.microsoft.com/office/drawing/2014/main" id="{69CB80EA-A8D6-4099-9412-0C14095755FF}"/>
+                <a16:creationId xmlns:a16="http://schemas.microsoft.com/office/drawing/2014/main" xmlns="" id="{69CB80EA-A8D6-4099-9412-0C14095755FF}"/>
               </a:ext>
             </a:extLst>
           </p:cNvPr>
@@ -21330,7 +21330,7 @@
           <p:cNvPr id="55" name="Oval 54">
             <a:extLst>
               <a:ext uri="{FF2B5EF4-FFF2-40B4-BE49-F238E27FC236}">
-                <a16:creationId xmlns="" xmlns:a16="http://schemas.microsoft.com/office/drawing/2014/main" id="{2E20CCE5-B889-49FE-8FA6-A6F0F11A5D91}"/>
+                <a16:creationId xmlns:a16="http://schemas.microsoft.com/office/drawing/2014/main" xmlns="" id="{2E20CCE5-B889-49FE-8FA6-A6F0F11A5D91}"/>
               </a:ext>
             </a:extLst>
           </p:cNvPr>
@@ -21390,7 +21390,7 @@
           <p:cNvPr id="56" name="Oval 55">
             <a:extLst>
               <a:ext uri="{FF2B5EF4-FFF2-40B4-BE49-F238E27FC236}">
-                <a16:creationId xmlns="" xmlns:a16="http://schemas.microsoft.com/office/drawing/2014/main" id="{769A77E3-4AFB-45BB-8FDC-4AD084EA9D23}"/>
+                <a16:creationId xmlns:a16="http://schemas.microsoft.com/office/drawing/2014/main" xmlns="" id="{769A77E3-4AFB-45BB-8FDC-4AD084EA9D23}"/>
               </a:ext>
             </a:extLst>
           </p:cNvPr>
@@ -21447,7 +21447,7 @@
           <p:cNvPr id="57" name="Oval 56">
             <a:extLst>
               <a:ext uri="{FF2B5EF4-FFF2-40B4-BE49-F238E27FC236}">
-                <a16:creationId xmlns="" xmlns:a16="http://schemas.microsoft.com/office/drawing/2014/main" id="{53A8B986-3280-4EAC-846B-9167ECC55646}"/>
+                <a16:creationId xmlns:a16="http://schemas.microsoft.com/office/drawing/2014/main" xmlns="" id="{53A8B986-3280-4EAC-846B-9167ECC55646}"/>
               </a:ext>
             </a:extLst>
           </p:cNvPr>
@@ -21504,7 +21504,7 @@
           <p:cNvPr id="58" name="Oval 57">
             <a:extLst>
               <a:ext uri="{FF2B5EF4-FFF2-40B4-BE49-F238E27FC236}">
-                <a16:creationId xmlns="" xmlns:a16="http://schemas.microsoft.com/office/drawing/2014/main" id="{0AE6D315-5EC0-4956-B7BF-B94D2AFE679B}"/>
+                <a16:creationId xmlns:a16="http://schemas.microsoft.com/office/drawing/2014/main" xmlns="" id="{0AE6D315-5EC0-4956-B7BF-B94D2AFE679B}"/>
               </a:ext>
             </a:extLst>
           </p:cNvPr>
@@ -21564,7 +21564,7 @@
           <p:cNvPr id="12" name="Chart Placeholder 11">
             <a:extLst>
               <a:ext uri="{FF2B5EF4-FFF2-40B4-BE49-F238E27FC236}">
-                <a16:creationId xmlns="" xmlns:a16="http://schemas.microsoft.com/office/drawing/2014/main" id="{9ED8422E-0C74-45EF-B794-252146C6639A}"/>
+                <a16:creationId xmlns:a16="http://schemas.microsoft.com/office/drawing/2014/main" xmlns="" id="{9ED8422E-0C74-45EF-B794-252146C6639A}"/>
               </a:ext>
             </a:extLst>
           </p:cNvPr>
@@ -21605,7 +21605,7 @@
           <p:cNvPr id="35" name="Oval 34">
             <a:extLst>
               <a:ext uri="{FF2B5EF4-FFF2-40B4-BE49-F238E27FC236}">
-                <a16:creationId xmlns="" xmlns:a16="http://schemas.microsoft.com/office/drawing/2014/main" id="{E8B7C827-F016-49F6-B775-FAC0E6420466}"/>
+                <a16:creationId xmlns:a16="http://schemas.microsoft.com/office/drawing/2014/main" xmlns="" id="{E8B7C827-F016-49F6-B775-FAC0E6420466}"/>
               </a:ext>
             </a:extLst>
           </p:cNvPr>
@@ -21662,7 +21662,7 @@
           <p:cNvPr id="38" name="Oval 37">
             <a:extLst>
               <a:ext uri="{FF2B5EF4-FFF2-40B4-BE49-F238E27FC236}">
-                <a16:creationId xmlns="" xmlns:a16="http://schemas.microsoft.com/office/drawing/2014/main" id="{C0F8D2C7-9093-4F92-B8A4-D819FEE69F1F}"/>
+                <a16:creationId xmlns:a16="http://schemas.microsoft.com/office/drawing/2014/main" xmlns="" id="{C0F8D2C7-9093-4F92-B8A4-D819FEE69F1F}"/>
               </a:ext>
             </a:extLst>
           </p:cNvPr>
@@ -21719,7 +21719,7 @@
           <p:cNvPr id="41" name="Straight Connector 40">
             <a:extLst>
               <a:ext uri="{FF2B5EF4-FFF2-40B4-BE49-F238E27FC236}">
-                <a16:creationId xmlns="" xmlns:a16="http://schemas.microsoft.com/office/drawing/2014/main" id="{0DE9D0C0-04C1-4621-8B2D-E65A25A8DCF3}"/>
+                <a16:creationId xmlns:a16="http://schemas.microsoft.com/office/drawing/2014/main" xmlns="" id="{0DE9D0C0-04C1-4621-8B2D-E65A25A8DCF3}"/>
               </a:ext>
             </a:extLst>
           </p:cNvPr>
@@ -21792,7 +21792,7 @@
           <p:cNvPr id="15" name="Rectangle 14">
             <a:extLst>
               <a:ext uri="{FF2B5EF4-FFF2-40B4-BE49-F238E27FC236}">
-                <a16:creationId xmlns="" xmlns:a16="http://schemas.microsoft.com/office/drawing/2014/main" id="{E8E3FDB8-6D5C-48FE-99EA-7EC60F4D8191}"/>
+                <a16:creationId xmlns:a16="http://schemas.microsoft.com/office/drawing/2014/main" xmlns="" id="{E8E3FDB8-6D5C-48FE-99EA-7EC60F4D8191}"/>
               </a:ext>
             </a:extLst>
           </p:cNvPr>
@@ -21859,7 +21859,7 @@
           <p:cNvPr id="5" name="Date Placeholder 4">
             <a:extLst>
               <a:ext uri="{FF2B5EF4-FFF2-40B4-BE49-F238E27FC236}">
-                <a16:creationId xmlns="" xmlns:a16="http://schemas.microsoft.com/office/drawing/2014/main" id="{2D9775F3-A041-479A-8038-652B7D9C72E9}"/>
+                <a16:creationId xmlns:a16="http://schemas.microsoft.com/office/drawing/2014/main" xmlns="" id="{2D9775F3-A041-479A-8038-652B7D9C72E9}"/>
               </a:ext>
             </a:extLst>
           </p:cNvPr>
@@ -21887,7 +21887,7 @@
           <p:cNvPr id="6" name="Footer Placeholder 5">
             <a:extLst>
               <a:ext uri="{FF2B5EF4-FFF2-40B4-BE49-F238E27FC236}">
-                <a16:creationId xmlns="" xmlns:a16="http://schemas.microsoft.com/office/drawing/2014/main" id="{29BEDD04-BE4E-4B91-B13E-0C4FB3E1658F}"/>
+                <a16:creationId xmlns:a16="http://schemas.microsoft.com/office/drawing/2014/main" xmlns="" id="{29BEDD04-BE4E-4B91-B13E-0C4FB3E1658F}"/>
               </a:ext>
             </a:extLst>
           </p:cNvPr>
@@ -21915,7 +21915,7 @@
           <p:cNvPr id="7" name="Slide Number Placeholder 6">
             <a:extLst>
               <a:ext uri="{FF2B5EF4-FFF2-40B4-BE49-F238E27FC236}">
-                <a16:creationId xmlns="" xmlns:a16="http://schemas.microsoft.com/office/drawing/2014/main" id="{306DF5D8-12DC-494E-B0F1-2E9C86A14544}"/>
+                <a16:creationId xmlns:a16="http://schemas.microsoft.com/office/drawing/2014/main" xmlns="" id="{306DF5D8-12DC-494E-B0F1-2E9C86A14544}"/>
               </a:ext>
             </a:extLst>
           </p:cNvPr>
@@ -21944,7 +21944,7 @@
           <p:cNvPr id="8" name="Title 1">
             <a:extLst>
               <a:ext uri="{FF2B5EF4-FFF2-40B4-BE49-F238E27FC236}">
-                <a16:creationId xmlns="" xmlns:a16="http://schemas.microsoft.com/office/drawing/2014/main" id="{ABF87C9E-53A2-4DE1-89DC-3907BE2E3D3C}"/>
+                <a16:creationId xmlns:a16="http://schemas.microsoft.com/office/drawing/2014/main" xmlns="" id="{ABF87C9E-53A2-4DE1-89DC-3907BE2E3D3C}"/>
               </a:ext>
             </a:extLst>
           </p:cNvPr>
@@ -21983,7 +21983,7 @@
           <p:cNvPr id="9" name="Text Placeholder 2">
             <a:extLst>
               <a:ext uri="{FF2B5EF4-FFF2-40B4-BE49-F238E27FC236}">
-                <a16:creationId xmlns="" xmlns:a16="http://schemas.microsoft.com/office/drawing/2014/main" id="{EB453F8F-AA02-4E0D-93BF-8CF4F1490377}"/>
+                <a16:creationId xmlns:a16="http://schemas.microsoft.com/office/drawing/2014/main" xmlns="" id="{EB453F8F-AA02-4E0D-93BF-8CF4F1490377}"/>
               </a:ext>
             </a:extLst>
           </p:cNvPr>
@@ -22113,7 +22113,7 @@
           <p:cNvPr id="10" name="Picture Placeholder 10">
             <a:extLst>
               <a:ext uri="{FF2B5EF4-FFF2-40B4-BE49-F238E27FC236}">
-                <a16:creationId xmlns="" xmlns:a16="http://schemas.microsoft.com/office/drawing/2014/main" id="{A541F291-2E4B-474E-9ED0-55C97A2A066D}"/>
+                <a16:creationId xmlns:a16="http://schemas.microsoft.com/office/drawing/2014/main" xmlns="" id="{A541F291-2E4B-474E-9ED0-55C97A2A066D}"/>
               </a:ext>
             </a:extLst>
           </p:cNvPr>
@@ -22154,7 +22154,7 @@
           <p:cNvPr id="11" name="Group 10">
             <a:extLst>
               <a:ext uri="{FF2B5EF4-FFF2-40B4-BE49-F238E27FC236}">
-                <a16:creationId xmlns="" xmlns:a16="http://schemas.microsoft.com/office/drawing/2014/main" id="{59E4D57E-4989-4939-A31F-637543FAB606}"/>
+                <a16:creationId xmlns:a16="http://schemas.microsoft.com/office/drawing/2014/main" xmlns="" id="{59E4D57E-4989-4939-A31F-637543FAB606}"/>
               </a:ext>
             </a:extLst>
           </p:cNvPr>
@@ -22174,7 +22174,7 @@
             <p:cNvPr id="12" name="Straight Connector 11">
               <a:extLst>
                 <a:ext uri="{FF2B5EF4-FFF2-40B4-BE49-F238E27FC236}">
-                  <a16:creationId xmlns="" xmlns:a16="http://schemas.microsoft.com/office/drawing/2014/main" id="{370B72A7-B625-48B8-88E6-BCE2A4DD531E}"/>
+                  <a16:creationId xmlns:a16="http://schemas.microsoft.com/office/drawing/2014/main" xmlns="" id="{370B72A7-B625-48B8-88E6-BCE2A4DD531E}"/>
                 </a:ext>
               </a:extLst>
             </p:cNvPr>
@@ -22218,7 +22218,7 @@
             <p:cNvPr id="13" name="Oval 12">
               <a:extLst>
                 <a:ext uri="{FF2B5EF4-FFF2-40B4-BE49-F238E27FC236}">
-                  <a16:creationId xmlns="" xmlns:a16="http://schemas.microsoft.com/office/drawing/2014/main" id="{01ED729F-F8A5-4244-9776-4935C260F11F}"/>
+                  <a16:creationId xmlns:a16="http://schemas.microsoft.com/office/drawing/2014/main" xmlns="" id="{01ED729F-F8A5-4244-9776-4935C260F11F}"/>
                 </a:ext>
               </a:extLst>
             </p:cNvPr>
@@ -22279,7 +22279,7 @@
           <p:cNvPr id="14" name="Text Placeholder 2">
             <a:extLst>
               <a:ext uri="{FF2B5EF4-FFF2-40B4-BE49-F238E27FC236}">
-                <a16:creationId xmlns="" xmlns:a16="http://schemas.microsoft.com/office/drawing/2014/main" id="{BE12A846-0DFC-435B-BAE9-D90C353E0344}"/>
+                <a16:creationId xmlns:a16="http://schemas.microsoft.com/office/drawing/2014/main" xmlns="" id="{BE12A846-0DFC-435B-BAE9-D90C353E0344}"/>
               </a:ext>
             </a:extLst>
           </p:cNvPr>
@@ -22414,7 +22414,7 @@
           <p:cNvPr id="17" name="Straight Connector 16">
             <a:extLst>
               <a:ext uri="{FF2B5EF4-FFF2-40B4-BE49-F238E27FC236}">
-                <a16:creationId xmlns="" xmlns:a16="http://schemas.microsoft.com/office/drawing/2014/main" id="{6150998C-CF95-4C6F-8962-8EB2DB30177D}"/>
+                <a16:creationId xmlns:a16="http://schemas.microsoft.com/office/drawing/2014/main" xmlns="" id="{6150998C-CF95-4C6F-8962-8EB2DB30177D}"/>
               </a:ext>
             </a:extLst>
           </p:cNvPr>
@@ -22458,7 +22458,7 @@
           <p:cNvPr id="18" name="Oval 17">
             <a:extLst>
               <a:ext uri="{FF2B5EF4-FFF2-40B4-BE49-F238E27FC236}">
-                <a16:creationId xmlns="" xmlns:a16="http://schemas.microsoft.com/office/drawing/2014/main" id="{F86A2ACD-8CF5-48A3-A678-E213A809B332}"/>
+                <a16:creationId xmlns:a16="http://schemas.microsoft.com/office/drawing/2014/main" xmlns="" id="{F86A2ACD-8CF5-48A3-A678-E213A809B332}"/>
               </a:ext>
             </a:extLst>
           </p:cNvPr>
@@ -22513,7 +22513,7 @@
           <p:cNvPr id="19" name="Straight Connector 18">
             <a:extLst>
               <a:ext uri="{FF2B5EF4-FFF2-40B4-BE49-F238E27FC236}">
-                <a16:creationId xmlns="" xmlns:a16="http://schemas.microsoft.com/office/drawing/2014/main" id="{F00811BB-0E37-4D70-84A5-97B3FBEDCBE6}"/>
+                <a16:creationId xmlns:a16="http://schemas.microsoft.com/office/drawing/2014/main" xmlns="" id="{F00811BB-0E37-4D70-84A5-97B3FBEDCBE6}"/>
               </a:ext>
             </a:extLst>
           </p:cNvPr>
@@ -22559,7 +22559,7 @@
           <p:cNvPr id="20" name="Oval 19">
             <a:extLst>
               <a:ext uri="{FF2B5EF4-FFF2-40B4-BE49-F238E27FC236}">
-                <a16:creationId xmlns="" xmlns:a16="http://schemas.microsoft.com/office/drawing/2014/main" id="{D03B3046-0457-4D23-8E0C-64E3FCD620BB}"/>
+                <a16:creationId xmlns:a16="http://schemas.microsoft.com/office/drawing/2014/main" xmlns="" id="{D03B3046-0457-4D23-8E0C-64E3FCD620BB}"/>
               </a:ext>
             </a:extLst>
           </p:cNvPr>
@@ -22614,7 +22614,7 @@
           <p:cNvPr id="22" name="Picture Placeholder 7">
             <a:extLst>
               <a:ext uri="{FF2B5EF4-FFF2-40B4-BE49-F238E27FC236}">
-                <a16:creationId xmlns="" xmlns:a16="http://schemas.microsoft.com/office/drawing/2014/main" id="{CF430BFB-0A7C-4FB8-B93B-8DA19F3E634A}"/>
+                <a16:creationId xmlns:a16="http://schemas.microsoft.com/office/drawing/2014/main" xmlns="" id="{CF430BFB-0A7C-4FB8-B93B-8DA19F3E634A}"/>
               </a:ext>
             </a:extLst>
           </p:cNvPr>
@@ -22685,7 +22685,7 @@
           <p:cNvPr id="15" name="Rectangle 14">
             <a:extLst>
               <a:ext uri="{FF2B5EF4-FFF2-40B4-BE49-F238E27FC236}">
-                <a16:creationId xmlns="" xmlns:a16="http://schemas.microsoft.com/office/drawing/2014/main" id="{E8E3FDB8-6D5C-48FE-99EA-7EC60F4D8191}"/>
+                <a16:creationId xmlns:a16="http://schemas.microsoft.com/office/drawing/2014/main" xmlns="" id="{E8E3FDB8-6D5C-48FE-99EA-7EC60F4D8191}"/>
               </a:ext>
             </a:extLst>
           </p:cNvPr>
@@ -22752,7 +22752,7 @@
           <p:cNvPr id="3" name="Picture Placeholder 2">
             <a:extLst>
               <a:ext uri="{FF2B5EF4-FFF2-40B4-BE49-F238E27FC236}">
-                <a16:creationId xmlns="" xmlns:a16="http://schemas.microsoft.com/office/drawing/2014/main" id="{36EF099F-79D2-486F-A4B2-DD4F699752C8}"/>
+                <a16:creationId xmlns:a16="http://schemas.microsoft.com/office/drawing/2014/main" xmlns="" id="{36EF099F-79D2-486F-A4B2-DD4F699752C8}"/>
               </a:ext>
             </a:extLst>
           </p:cNvPr>
@@ -22793,7 +22793,7 @@
           <p:cNvPr id="5" name="Date Placeholder 4">
             <a:extLst>
               <a:ext uri="{FF2B5EF4-FFF2-40B4-BE49-F238E27FC236}">
-                <a16:creationId xmlns="" xmlns:a16="http://schemas.microsoft.com/office/drawing/2014/main" id="{2D9775F3-A041-479A-8038-652B7D9C72E9}"/>
+                <a16:creationId xmlns:a16="http://schemas.microsoft.com/office/drawing/2014/main" xmlns="" id="{2D9775F3-A041-479A-8038-652B7D9C72E9}"/>
               </a:ext>
             </a:extLst>
           </p:cNvPr>
@@ -22821,7 +22821,7 @@
           <p:cNvPr id="6" name="Footer Placeholder 5">
             <a:extLst>
               <a:ext uri="{FF2B5EF4-FFF2-40B4-BE49-F238E27FC236}">
-                <a16:creationId xmlns="" xmlns:a16="http://schemas.microsoft.com/office/drawing/2014/main" id="{29BEDD04-BE4E-4B91-B13E-0C4FB3E1658F}"/>
+                <a16:creationId xmlns:a16="http://schemas.microsoft.com/office/drawing/2014/main" xmlns="" id="{29BEDD04-BE4E-4B91-B13E-0C4FB3E1658F}"/>
               </a:ext>
             </a:extLst>
           </p:cNvPr>
@@ -22849,7 +22849,7 @@
           <p:cNvPr id="7" name="Slide Number Placeholder 6">
             <a:extLst>
               <a:ext uri="{FF2B5EF4-FFF2-40B4-BE49-F238E27FC236}">
-                <a16:creationId xmlns="" xmlns:a16="http://schemas.microsoft.com/office/drawing/2014/main" id="{306DF5D8-12DC-494E-B0F1-2E9C86A14544}"/>
+                <a16:creationId xmlns:a16="http://schemas.microsoft.com/office/drawing/2014/main" xmlns="" id="{306DF5D8-12DC-494E-B0F1-2E9C86A14544}"/>
               </a:ext>
             </a:extLst>
           </p:cNvPr>
@@ -22878,7 +22878,7 @@
           <p:cNvPr id="10" name="Picture Placeholder 10">
             <a:extLst>
               <a:ext uri="{FF2B5EF4-FFF2-40B4-BE49-F238E27FC236}">
-                <a16:creationId xmlns="" xmlns:a16="http://schemas.microsoft.com/office/drawing/2014/main" id="{A541F291-2E4B-474E-9ED0-55C97A2A066D}"/>
+                <a16:creationId xmlns:a16="http://schemas.microsoft.com/office/drawing/2014/main" xmlns="" id="{A541F291-2E4B-474E-9ED0-55C97A2A066D}"/>
               </a:ext>
             </a:extLst>
           </p:cNvPr>
@@ -22919,7 +22919,7 @@
           <p:cNvPr id="21" name="Title 1">
             <a:extLst>
               <a:ext uri="{FF2B5EF4-FFF2-40B4-BE49-F238E27FC236}">
-                <a16:creationId xmlns="" xmlns:a16="http://schemas.microsoft.com/office/drawing/2014/main" id="{1FF22294-F2E5-4C74-A30C-46BA988FD586}"/>
+                <a16:creationId xmlns:a16="http://schemas.microsoft.com/office/drawing/2014/main" xmlns="" id="{1FF22294-F2E5-4C74-A30C-46BA988FD586}"/>
               </a:ext>
             </a:extLst>
           </p:cNvPr>
@@ -22958,7 +22958,7 @@
           <p:cNvPr id="22" name="Text Placeholder 3">
             <a:extLst>
               <a:ext uri="{FF2B5EF4-FFF2-40B4-BE49-F238E27FC236}">
-                <a16:creationId xmlns="" xmlns:a16="http://schemas.microsoft.com/office/drawing/2014/main" id="{FC5C0DA6-1B31-4BDF-BAEB-BF7978102847}"/>
+                <a16:creationId xmlns:a16="http://schemas.microsoft.com/office/drawing/2014/main" xmlns="" id="{FC5C0DA6-1B31-4BDF-BAEB-BF7978102847}"/>
               </a:ext>
             </a:extLst>
           </p:cNvPr>
@@ -23040,7 +23040,7 @@
           <p:cNvPr id="23" name="Text Placeholder 3">
             <a:extLst>
               <a:ext uri="{FF2B5EF4-FFF2-40B4-BE49-F238E27FC236}">
-                <a16:creationId xmlns="" xmlns:a16="http://schemas.microsoft.com/office/drawing/2014/main" id="{5E1647C9-9AC1-4500-A56E-94CABC656E0C}"/>
+                <a16:creationId xmlns:a16="http://schemas.microsoft.com/office/drawing/2014/main" xmlns="" id="{5E1647C9-9AC1-4500-A56E-94CABC656E0C}"/>
               </a:ext>
             </a:extLst>
           </p:cNvPr>
@@ -23123,7 +23123,7 @@
           <p:cNvPr id="24" name="Text Placeholder 3">
             <a:extLst>
               <a:ext uri="{FF2B5EF4-FFF2-40B4-BE49-F238E27FC236}">
-                <a16:creationId xmlns="" xmlns:a16="http://schemas.microsoft.com/office/drawing/2014/main" id="{8605CECB-8164-4428-B478-98C42902F9FC}"/>
+                <a16:creationId xmlns:a16="http://schemas.microsoft.com/office/drawing/2014/main" xmlns="" id="{8605CECB-8164-4428-B478-98C42902F9FC}"/>
               </a:ext>
             </a:extLst>
           </p:cNvPr>
@@ -23205,7 +23205,7 @@
           <p:cNvPr id="25" name="Text Placeholder 3">
             <a:extLst>
               <a:ext uri="{FF2B5EF4-FFF2-40B4-BE49-F238E27FC236}">
-                <a16:creationId xmlns="" xmlns:a16="http://schemas.microsoft.com/office/drawing/2014/main" id="{D39B56C4-E128-4995-91CC-64C268BC7603}"/>
+                <a16:creationId xmlns:a16="http://schemas.microsoft.com/office/drawing/2014/main" xmlns="" id="{D39B56C4-E128-4995-91CC-64C268BC7603}"/>
               </a:ext>
             </a:extLst>
           </p:cNvPr>
@@ -23289,7 +23289,7 @@
           <p:cNvPr id="26" name="Text Placeholder 3">
             <a:extLst>
               <a:ext uri="{FF2B5EF4-FFF2-40B4-BE49-F238E27FC236}">
-                <a16:creationId xmlns="" xmlns:a16="http://schemas.microsoft.com/office/drawing/2014/main" id="{94772DA1-74CC-430C-9A8E-5A6586692CAB}"/>
+                <a16:creationId xmlns:a16="http://schemas.microsoft.com/office/drawing/2014/main" xmlns="" id="{94772DA1-74CC-430C-9A8E-5A6586692CAB}"/>
               </a:ext>
             </a:extLst>
           </p:cNvPr>
@@ -23371,7 +23371,7 @@
           <p:cNvPr id="27" name="Text Placeholder 3">
             <a:extLst>
               <a:ext uri="{FF2B5EF4-FFF2-40B4-BE49-F238E27FC236}">
-                <a16:creationId xmlns="" xmlns:a16="http://schemas.microsoft.com/office/drawing/2014/main" id="{7A073B5B-2BE3-49D1-A646-1492F534C94B}"/>
+                <a16:creationId xmlns:a16="http://schemas.microsoft.com/office/drawing/2014/main" xmlns="" id="{7A073B5B-2BE3-49D1-A646-1492F534C94B}"/>
               </a:ext>
             </a:extLst>
           </p:cNvPr>
@@ -23464,7 +23464,7 @@
           <p:cNvPr id="28" name="Text Placeholder 3">
             <a:extLst>
               <a:ext uri="{FF2B5EF4-FFF2-40B4-BE49-F238E27FC236}">
-                <a16:creationId xmlns="" xmlns:a16="http://schemas.microsoft.com/office/drawing/2014/main" id="{52D10EDD-0329-4443-8665-7603E4A83B16}"/>
+                <a16:creationId xmlns:a16="http://schemas.microsoft.com/office/drawing/2014/main" xmlns="" id="{52D10EDD-0329-4443-8665-7603E4A83B16}"/>
               </a:ext>
             </a:extLst>
           </p:cNvPr>
@@ -23546,7 +23546,7 @@
           <p:cNvPr id="4" name="Group 3">
             <a:extLst>
               <a:ext uri="{FF2B5EF4-FFF2-40B4-BE49-F238E27FC236}">
-                <a16:creationId xmlns="" xmlns:a16="http://schemas.microsoft.com/office/drawing/2014/main" id="{5F591C52-0202-44BA-A6BE-E2362516B893}"/>
+                <a16:creationId xmlns:a16="http://schemas.microsoft.com/office/drawing/2014/main" xmlns="" id="{5F591C52-0202-44BA-A6BE-E2362516B893}"/>
               </a:ext>
             </a:extLst>
           </p:cNvPr>
@@ -23566,7 +23566,7 @@
             <p:cNvPr id="11" name="Group 10">
               <a:extLst>
                 <a:ext uri="{FF2B5EF4-FFF2-40B4-BE49-F238E27FC236}">
-                  <a16:creationId xmlns="" xmlns:a16="http://schemas.microsoft.com/office/drawing/2014/main" id="{59E4D57E-4989-4939-A31F-637543FAB606}"/>
+                  <a16:creationId xmlns:a16="http://schemas.microsoft.com/office/drawing/2014/main" xmlns="" id="{59E4D57E-4989-4939-A31F-637543FAB606}"/>
                 </a:ext>
               </a:extLst>
             </p:cNvPr>
@@ -23586,7 +23586,7 @@
               <p:cNvPr id="12" name="Straight Connector 11">
                 <a:extLst>
                   <a:ext uri="{FF2B5EF4-FFF2-40B4-BE49-F238E27FC236}">
-                    <a16:creationId xmlns="" xmlns:a16="http://schemas.microsoft.com/office/drawing/2014/main" id="{370B72A7-B625-48B8-88E6-BCE2A4DD531E}"/>
+                    <a16:creationId xmlns:a16="http://schemas.microsoft.com/office/drawing/2014/main" xmlns="" id="{370B72A7-B625-48B8-88E6-BCE2A4DD531E}"/>
                   </a:ext>
                 </a:extLst>
               </p:cNvPr>
@@ -23630,7 +23630,7 @@
               <p:cNvPr id="13" name="Oval 12">
                 <a:extLst>
                   <a:ext uri="{FF2B5EF4-FFF2-40B4-BE49-F238E27FC236}">
-                    <a16:creationId xmlns="" xmlns:a16="http://schemas.microsoft.com/office/drawing/2014/main" id="{01ED729F-F8A5-4244-9776-4935C260F11F}"/>
+                    <a16:creationId xmlns:a16="http://schemas.microsoft.com/office/drawing/2014/main" xmlns="" id="{01ED729F-F8A5-4244-9776-4935C260F11F}"/>
                   </a:ext>
                 </a:extLst>
               </p:cNvPr>
@@ -23691,7 +23691,7 @@
             <p:cNvPr id="29" name="Oval 28">
               <a:extLst>
                 <a:ext uri="{FF2B5EF4-FFF2-40B4-BE49-F238E27FC236}">
-                  <a16:creationId xmlns="" xmlns:a16="http://schemas.microsoft.com/office/drawing/2014/main" id="{BECBEDE0-51BB-48BD-AAAD-63B6F60C1D57}"/>
+                  <a16:creationId xmlns:a16="http://schemas.microsoft.com/office/drawing/2014/main" xmlns="" id="{BECBEDE0-51BB-48BD-AAAD-63B6F60C1D57}"/>
                 </a:ext>
               </a:extLst>
             </p:cNvPr>
@@ -23752,7 +23752,7 @@
           <p:cNvPr id="32" name="Group 31">
             <a:extLst>
               <a:ext uri="{FF2B5EF4-FFF2-40B4-BE49-F238E27FC236}">
-                <a16:creationId xmlns="" xmlns:a16="http://schemas.microsoft.com/office/drawing/2014/main" id="{63E1608D-F119-4C0D-8D91-7CB089C037C8}"/>
+                <a16:creationId xmlns:a16="http://schemas.microsoft.com/office/drawing/2014/main" xmlns="" id="{63E1608D-F119-4C0D-8D91-7CB089C037C8}"/>
               </a:ext>
             </a:extLst>
           </p:cNvPr>
@@ -23772,7 +23772,7 @@
             <p:cNvPr id="33" name="Group 32">
               <a:extLst>
                 <a:ext uri="{FF2B5EF4-FFF2-40B4-BE49-F238E27FC236}">
-                  <a16:creationId xmlns="" xmlns:a16="http://schemas.microsoft.com/office/drawing/2014/main" id="{EBDC0121-6865-4B65-A28B-1CEDB16AAD9E}"/>
+                  <a16:creationId xmlns:a16="http://schemas.microsoft.com/office/drawing/2014/main" xmlns="" id="{EBDC0121-6865-4B65-A28B-1CEDB16AAD9E}"/>
                 </a:ext>
               </a:extLst>
             </p:cNvPr>
@@ -23792,7 +23792,7 @@
               <p:cNvPr id="35" name="Straight Connector 34">
                 <a:extLst>
                   <a:ext uri="{FF2B5EF4-FFF2-40B4-BE49-F238E27FC236}">
-                    <a16:creationId xmlns="" xmlns:a16="http://schemas.microsoft.com/office/drawing/2014/main" id="{386E3714-07DE-4318-B5BC-25F879B97D59}"/>
+                    <a16:creationId xmlns:a16="http://schemas.microsoft.com/office/drawing/2014/main" xmlns="" id="{386E3714-07DE-4318-B5BC-25F879B97D59}"/>
                   </a:ext>
                 </a:extLst>
               </p:cNvPr>
@@ -23836,7 +23836,7 @@
               <p:cNvPr id="36" name="Oval 35">
                 <a:extLst>
                   <a:ext uri="{FF2B5EF4-FFF2-40B4-BE49-F238E27FC236}">
-                    <a16:creationId xmlns="" xmlns:a16="http://schemas.microsoft.com/office/drawing/2014/main" id="{2ECCE30B-E848-4C5E-83A1-A811D489E7B8}"/>
+                    <a16:creationId xmlns:a16="http://schemas.microsoft.com/office/drawing/2014/main" xmlns="" id="{2ECCE30B-E848-4C5E-83A1-A811D489E7B8}"/>
                   </a:ext>
                 </a:extLst>
               </p:cNvPr>
@@ -23897,7 +23897,7 @@
             <p:cNvPr id="34" name="Oval 33">
               <a:extLst>
                 <a:ext uri="{FF2B5EF4-FFF2-40B4-BE49-F238E27FC236}">
-                  <a16:creationId xmlns="" xmlns:a16="http://schemas.microsoft.com/office/drawing/2014/main" id="{09817AEC-C67C-49A3-AC5A-669FD4D6D586}"/>
+                  <a16:creationId xmlns:a16="http://schemas.microsoft.com/office/drawing/2014/main" xmlns="" id="{09817AEC-C67C-49A3-AC5A-669FD4D6D586}"/>
                 </a:ext>
               </a:extLst>
             </p:cNvPr>
@@ -23988,7 +23988,7 @@
           <p:cNvPr id="15" name="Rectangle 14">
             <a:extLst>
               <a:ext uri="{FF2B5EF4-FFF2-40B4-BE49-F238E27FC236}">
-                <a16:creationId xmlns="" xmlns:a16="http://schemas.microsoft.com/office/drawing/2014/main" id="{E8E3FDB8-6D5C-48FE-99EA-7EC60F4D8191}"/>
+                <a16:creationId xmlns:a16="http://schemas.microsoft.com/office/drawing/2014/main" xmlns="" id="{E8E3FDB8-6D5C-48FE-99EA-7EC60F4D8191}"/>
               </a:ext>
             </a:extLst>
           </p:cNvPr>
@@ -24055,7 +24055,7 @@
           <p:cNvPr id="3" name="Picture Placeholder 2">
             <a:extLst>
               <a:ext uri="{FF2B5EF4-FFF2-40B4-BE49-F238E27FC236}">
-                <a16:creationId xmlns="" xmlns:a16="http://schemas.microsoft.com/office/drawing/2014/main" id="{96C5B5AA-0D95-4C33-8EBC-90401B51BDB4}"/>
+                <a16:creationId xmlns:a16="http://schemas.microsoft.com/office/drawing/2014/main" xmlns="" id="{96C5B5AA-0D95-4C33-8EBC-90401B51BDB4}"/>
               </a:ext>
             </a:extLst>
           </p:cNvPr>
@@ -24096,7 +24096,7 @@
           <p:cNvPr id="5" name="Date Placeholder 4">
             <a:extLst>
               <a:ext uri="{FF2B5EF4-FFF2-40B4-BE49-F238E27FC236}">
-                <a16:creationId xmlns="" xmlns:a16="http://schemas.microsoft.com/office/drawing/2014/main" id="{2D9775F3-A041-479A-8038-652B7D9C72E9}"/>
+                <a16:creationId xmlns:a16="http://schemas.microsoft.com/office/drawing/2014/main" xmlns="" id="{2D9775F3-A041-479A-8038-652B7D9C72E9}"/>
               </a:ext>
             </a:extLst>
           </p:cNvPr>
@@ -24124,7 +24124,7 @@
           <p:cNvPr id="6" name="Footer Placeholder 5">
             <a:extLst>
               <a:ext uri="{FF2B5EF4-FFF2-40B4-BE49-F238E27FC236}">
-                <a16:creationId xmlns="" xmlns:a16="http://schemas.microsoft.com/office/drawing/2014/main" id="{29BEDD04-BE4E-4B91-B13E-0C4FB3E1658F}"/>
+                <a16:creationId xmlns:a16="http://schemas.microsoft.com/office/drawing/2014/main" xmlns="" id="{29BEDD04-BE4E-4B91-B13E-0C4FB3E1658F}"/>
               </a:ext>
             </a:extLst>
           </p:cNvPr>
@@ -24152,7 +24152,7 @@
           <p:cNvPr id="7" name="Slide Number Placeholder 6">
             <a:extLst>
               <a:ext uri="{FF2B5EF4-FFF2-40B4-BE49-F238E27FC236}">
-                <a16:creationId xmlns="" xmlns:a16="http://schemas.microsoft.com/office/drawing/2014/main" id="{306DF5D8-12DC-494E-B0F1-2E9C86A14544}"/>
+                <a16:creationId xmlns:a16="http://schemas.microsoft.com/office/drawing/2014/main" xmlns="" id="{306DF5D8-12DC-494E-B0F1-2E9C86A14544}"/>
               </a:ext>
             </a:extLst>
           </p:cNvPr>
@@ -24181,7 +24181,7 @@
           <p:cNvPr id="8" name="Title 1">
             <a:extLst>
               <a:ext uri="{FF2B5EF4-FFF2-40B4-BE49-F238E27FC236}">
-                <a16:creationId xmlns="" xmlns:a16="http://schemas.microsoft.com/office/drawing/2014/main" id="{ABF87C9E-53A2-4DE1-89DC-3907BE2E3D3C}"/>
+                <a16:creationId xmlns:a16="http://schemas.microsoft.com/office/drawing/2014/main" xmlns="" id="{ABF87C9E-53A2-4DE1-89DC-3907BE2E3D3C}"/>
               </a:ext>
             </a:extLst>
           </p:cNvPr>
@@ -24220,7 +24220,7 @@
           <p:cNvPr id="10" name="Picture Placeholder 10">
             <a:extLst>
               <a:ext uri="{FF2B5EF4-FFF2-40B4-BE49-F238E27FC236}">
-                <a16:creationId xmlns="" xmlns:a16="http://schemas.microsoft.com/office/drawing/2014/main" id="{A541F291-2E4B-474E-9ED0-55C97A2A066D}"/>
+                <a16:creationId xmlns:a16="http://schemas.microsoft.com/office/drawing/2014/main" xmlns="" id="{A541F291-2E4B-474E-9ED0-55C97A2A066D}"/>
               </a:ext>
             </a:extLst>
           </p:cNvPr>
@@ -24261,7 +24261,7 @@
           <p:cNvPr id="17" name="Straight Connector 16">
             <a:extLst>
               <a:ext uri="{FF2B5EF4-FFF2-40B4-BE49-F238E27FC236}">
-                <a16:creationId xmlns="" xmlns:a16="http://schemas.microsoft.com/office/drawing/2014/main" id="{6150998C-CF95-4C6F-8962-8EB2DB30177D}"/>
+                <a16:creationId xmlns:a16="http://schemas.microsoft.com/office/drawing/2014/main" xmlns="" id="{6150998C-CF95-4C6F-8962-8EB2DB30177D}"/>
               </a:ext>
             </a:extLst>
           </p:cNvPr>
@@ -24305,7 +24305,7 @@
           <p:cNvPr id="18" name="Oval 17">
             <a:extLst>
               <a:ext uri="{FF2B5EF4-FFF2-40B4-BE49-F238E27FC236}">
-                <a16:creationId xmlns="" xmlns:a16="http://schemas.microsoft.com/office/drawing/2014/main" id="{F86A2ACD-8CF5-48A3-A678-E213A809B332}"/>
+                <a16:creationId xmlns:a16="http://schemas.microsoft.com/office/drawing/2014/main" xmlns="" id="{F86A2ACD-8CF5-48A3-A678-E213A809B332}"/>
               </a:ext>
             </a:extLst>
           </p:cNvPr>
@@ -24360,7 +24360,7 @@
           <p:cNvPr id="19" name="Straight Connector 18">
             <a:extLst>
               <a:ext uri="{FF2B5EF4-FFF2-40B4-BE49-F238E27FC236}">
-                <a16:creationId xmlns="" xmlns:a16="http://schemas.microsoft.com/office/drawing/2014/main" id="{F00811BB-0E37-4D70-84A5-97B3FBEDCBE6}"/>
+                <a16:creationId xmlns:a16="http://schemas.microsoft.com/office/drawing/2014/main" xmlns="" id="{F00811BB-0E37-4D70-84A5-97B3FBEDCBE6}"/>
               </a:ext>
             </a:extLst>
           </p:cNvPr>
@@ -24406,7 +24406,7 @@
           <p:cNvPr id="20" name="Oval 19">
             <a:extLst>
               <a:ext uri="{FF2B5EF4-FFF2-40B4-BE49-F238E27FC236}">
-                <a16:creationId xmlns="" xmlns:a16="http://schemas.microsoft.com/office/drawing/2014/main" id="{D03B3046-0457-4D23-8E0C-64E3FCD620BB}"/>
+                <a16:creationId xmlns:a16="http://schemas.microsoft.com/office/drawing/2014/main" xmlns="" id="{D03B3046-0457-4D23-8E0C-64E3FCD620BB}"/>
               </a:ext>
             </a:extLst>
           </p:cNvPr>
@@ -24461,7 +24461,7 @@
           <p:cNvPr id="4" name="Group 3">
             <a:extLst>
               <a:ext uri="{FF2B5EF4-FFF2-40B4-BE49-F238E27FC236}">
-                <a16:creationId xmlns="" xmlns:a16="http://schemas.microsoft.com/office/drawing/2014/main" id="{908B302A-0F76-466E-9FCE-DCEECCBCF6C9}"/>
+                <a16:creationId xmlns:a16="http://schemas.microsoft.com/office/drawing/2014/main" xmlns="" id="{908B302A-0F76-466E-9FCE-DCEECCBCF6C9}"/>
               </a:ext>
             </a:extLst>
           </p:cNvPr>
@@ -24481,7 +24481,7 @@
             <p:cNvPr id="11" name="Group 10">
               <a:extLst>
                 <a:ext uri="{FF2B5EF4-FFF2-40B4-BE49-F238E27FC236}">
-                  <a16:creationId xmlns="" xmlns:a16="http://schemas.microsoft.com/office/drawing/2014/main" id="{59E4D57E-4989-4939-A31F-637543FAB606}"/>
+                  <a16:creationId xmlns:a16="http://schemas.microsoft.com/office/drawing/2014/main" xmlns="" id="{59E4D57E-4989-4939-A31F-637543FAB606}"/>
                 </a:ext>
               </a:extLst>
             </p:cNvPr>
@@ -24501,7 +24501,7 @@
               <p:cNvPr id="12" name="Straight Connector 11">
                 <a:extLst>
                   <a:ext uri="{FF2B5EF4-FFF2-40B4-BE49-F238E27FC236}">
-                    <a16:creationId xmlns="" xmlns:a16="http://schemas.microsoft.com/office/drawing/2014/main" id="{370B72A7-B625-48B8-88E6-BCE2A4DD531E}"/>
+                    <a16:creationId xmlns:a16="http://schemas.microsoft.com/office/drawing/2014/main" xmlns="" id="{370B72A7-B625-48B8-88E6-BCE2A4DD531E}"/>
                   </a:ext>
                 </a:extLst>
               </p:cNvPr>
@@ -24545,7 +24545,7 @@
               <p:cNvPr id="13" name="Oval 12">
                 <a:extLst>
                   <a:ext uri="{FF2B5EF4-FFF2-40B4-BE49-F238E27FC236}">
-                    <a16:creationId xmlns="" xmlns:a16="http://schemas.microsoft.com/office/drawing/2014/main" id="{01ED729F-F8A5-4244-9776-4935C260F11F}"/>
+                    <a16:creationId xmlns:a16="http://schemas.microsoft.com/office/drawing/2014/main" xmlns="" id="{01ED729F-F8A5-4244-9776-4935C260F11F}"/>
                   </a:ext>
                 </a:extLst>
               </p:cNvPr>
@@ -24606,7 +24606,7 @@
             <p:cNvPr id="21" name="Oval 20">
               <a:extLst>
                 <a:ext uri="{FF2B5EF4-FFF2-40B4-BE49-F238E27FC236}">
-                  <a16:creationId xmlns="" xmlns:a16="http://schemas.microsoft.com/office/drawing/2014/main" id="{427C0C4F-6341-4BE0-931E-AAA6EA2AF137}"/>
+                  <a16:creationId xmlns:a16="http://schemas.microsoft.com/office/drawing/2014/main" xmlns="" id="{427C0C4F-6341-4BE0-931E-AAA6EA2AF137}"/>
                 </a:ext>
               </a:extLst>
             </p:cNvPr>
@@ -24697,7 +24697,7 @@
           <p:cNvPr id="15" name="Rectangle 14">
             <a:extLst>
               <a:ext uri="{FF2B5EF4-FFF2-40B4-BE49-F238E27FC236}">
-                <a16:creationId xmlns="" xmlns:a16="http://schemas.microsoft.com/office/drawing/2014/main" id="{E8E3FDB8-6D5C-48FE-99EA-7EC60F4D8191}"/>
+                <a16:creationId xmlns:a16="http://schemas.microsoft.com/office/drawing/2014/main" xmlns="" id="{E8E3FDB8-6D5C-48FE-99EA-7EC60F4D8191}"/>
               </a:ext>
             </a:extLst>
           </p:cNvPr>
@@ -24764,7 +24764,7 @@
           <p:cNvPr id="5" name="Date Placeholder 4">
             <a:extLst>
               <a:ext uri="{FF2B5EF4-FFF2-40B4-BE49-F238E27FC236}">
-                <a16:creationId xmlns="" xmlns:a16="http://schemas.microsoft.com/office/drawing/2014/main" id="{2D9775F3-A041-479A-8038-652B7D9C72E9}"/>
+                <a16:creationId xmlns:a16="http://schemas.microsoft.com/office/drawing/2014/main" xmlns="" id="{2D9775F3-A041-479A-8038-652B7D9C72E9}"/>
               </a:ext>
             </a:extLst>
           </p:cNvPr>
@@ -24792,7 +24792,7 @@
           <p:cNvPr id="6" name="Footer Placeholder 5">
             <a:extLst>
               <a:ext uri="{FF2B5EF4-FFF2-40B4-BE49-F238E27FC236}">
-                <a16:creationId xmlns="" xmlns:a16="http://schemas.microsoft.com/office/drawing/2014/main" id="{29BEDD04-BE4E-4B91-B13E-0C4FB3E1658F}"/>
+                <a16:creationId xmlns:a16="http://schemas.microsoft.com/office/drawing/2014/main" xmlns="" id="{29BEDD04-BE4E-4B91-B13E-0C4FB3E1658F}"/>
               </a:ext>
             </a:extLst>
           </p:cNvPr>
@@ -24820,7 +24820,7 @@
           <p:cNvPr id="7" name="Slide Number Placeholder 6">
             <a:extLst>
               <a:ext uri="{FF2B5EF4-FFF2-40B4-BE49-F238E27FC236}">
-                <a16:creationId xmlns="" xmlns:a16="http://schemas.microsoft.com/office/drawing/2014/main" id="{306DF5D8-12DC-494E-B0F1-2E9C86A14544}"/>
+                <a16:creationId xmlns:a16="http://schemas.microsoft.com/office/drawing/2014/main" xmlns="" id="{306DF5D8-12DC-494E-B0F1-2E9C86A14544}"/>
               </a:ext>
             </a:extLst>
           </p:cNvPr>
@@ -24849,7 +24849,7 @@
           <p:cNvPr id="8" name="Title 1">
             <a:extLst>
               <a:ext uri="{FF2B5EF4-FFF2-40B4-BE49-F238E27FC236}">
-                <a16:creationId xmlns="" xmlns:a16="http://schemas.microsoft.com/office/drawing/2014/main" id="{ABF87C9E-53A2-4DE1-89DC-3907BE2E3D3C}"/>
+                <a16:creationId xmlns:a16="http://schemas.microsoft.com/office/drawing/2014/main" xmlns="" id="{ABF87C9E-53A2-4DE1-89DC-3907BE2E3D3C}"/>
               </a:ext>
             </a:extLst>
           </p:cNvPr>
@@ -24888,7 +24888,7 @@
           <p:cNvPr id="10" name="Picture Placeholder 10">
             <a:extLst>
               <a:ext uri="{FF2B5EF4-FFF2-40B4-BE49-F238E27FC236}">
-                <a16:creationId xmlns="" xmlns:a16="http://schemas.microsoft.com/office/drawing/2014/main" id="{A541F291-2E4B-474E-9ED0-55C97A2A066D}"/>
+                <a16:creationId xmlns:a16="http://schemas.microsoft.com/office/drawing/2014/main" xmlns="" id="{A541F291-2E4B-474E-9ED0-55C97A2A066D}"/>
               </a:ext>
             </a:extLst>
           </p:cNvPr>
@@ -24929,7 +24929,7 @@
           <p:cNvPr id="11" name="Group 10">
             <a:extLst>
               <a:ext uri="{FF2B5EF4-FFF2-40B4-BE49-F238E27FC236}">
-                <a16:creationId xmlns="" xmlns:a16="http://schemas.microsoft.com/office/drawing/2014/main" id="{59E4D57E-4989-4939-A31F-637543FAB606}"/>
+                <a16:creationId xmlns:a16="http://schemas.microsoft.com/office/drawing/2014/main" xmlns="" id="{59E4D57E-4989-4939-A31F-637543FAB606}"/>
               </a:ext>
             </a:extLst>
           </p:cNvPr>
@@ -24949,7 +24949,7 @@
             <p:cNvPr id="12" name="Straight Connector 11">
               <a:extLst>
                 <a:ext uri="{FF2B5EF4-FFF2-40B4-BE49-F238E27FC236}">
-                  <a16:creationId xmlns="" xmlns:a16="http://schemas.microsoft.com/office/drawing/2014/main" id="{370B72A7-B625-48B8-88E6-BCE2A4DD531E}"/>
+                  <a16:creationId xmlns:a16="http://schemas.microsoft.com/office/drawing/2014/main" xmlns="" id="{370B72A7-B625-48B8-88E6-BCE2A4DD531E}"/>
                 </a:ext>
               </a:extLst>
             </p:cNvPr>
@@ -24995,7 +24995,7 @@
             <p:cNvPr id="13" name="Oval 12">
               <a:extLst>
                 <a:ext uri="{FF2B5EF4-FFF2-40B4-BE49-F238E27FC236}">
-                  <a16:creationId xmlns="" xmlns:a16="http://schemas.microsoft.com/office/drawing/2014/main" id="{01ED729F-F8A5-4244-9776-4935C260F11F}"/>
+                  <a16:creationId xmlns:a16="http://schemas.microsoft.com/office/drawing/2014/main" xmlns="" id="{01ED729F-F8A5-4244-9776-4935C260F11F}"/>
                 </a:ext>
               </a:extLst>
             </p:cNvPr>
@@ -25056,7 +25056,7 @@
           <p:cNvPr id="17" name="Straight Connector 16">
             <a:extLst>
               <a:ext uri="{FF2B5EF4-FFF2-40B4-BE49-F238E27FC236}">
-                <a16:creationId xmlns="" xmlns:a16="http://schemas.microsoft.com/office/drawing/2014/main" id="{6150998C-CF95-4C6F-8962-8EB2DB30177D}"/>
+                <a16:creationId xmlns:a16="http://schemas.microsoft.com/office/drawing/2014/main" xmlns="" id="{6150998C-CF95-4C6F-8962-8EB2DB30177D}"/>
               </a:ext>
             </a:extLst>
           </p:cNvPr>
@@ -25100,7 +25100,7 @@
           <p:cNvPr id="18" name="Oval 17">
             <a:extLst>
               <a:ext uri="{FF2B5EF4-FFF2-40B4-BE49-F238E27FC236}">
-                <a16:creationId xmlns="" xmlns:a16="http://schemas.microsoft.com/office/drawing/2014/main" id="{F86A2ACD-8CF5-48A3-A678-E213A809B332}"/>
+                <a16:creationId xmlns:a16="http://schemas.microsoft.com/office/drawing/2014/main" xmlns="" id="{F86A2ACD-8CF5-48A3-A678-E213A809B332}"/>
               </a:ext>
             </a:extLst>
           </p:cNvPr>
@@ -25155,7 +25155,7 @@
           <p:cNvPr id="19" name="Straight Connector 18">
             <a:extLst>
               <a:ext uri="{FF2B5EF4-FFF2-40B4-BE49-F238E27FC236}">
-                <a16:creationId xmlns="" xmlns:a16="http://schemas.microsoft.com/office/drawing/2014/main" id="{F00811BB-0E37-4D70-84A5-97B3FBEDCBE6}"/>
+                <a16:creationId xmlns:a16="http://schemas.microsoft.com/office/drawing/2014/main" xmlns="" id="{F00811BB-0E37-4D70-84A5-97B3FBEDCBE6}"/>
               </a:ext>
             </a:extLst>
           </p:cNvPr>
@@ -25201,7 +25201,7 @@
           <p:cNvPr id="20" name="Oval 19">
             <a:extLst>
               <a:ext uri="{FF2B5EF4-FFF2-40B4-BE49-F238E27FC236}">
-                <a16:creationId xmlns="" xmlns:a16="http://schemas.microsoft.com/office/drawing/2014/main" id="{D03B3046-0457-4D23-8E0C-64E3FCD620BB}"/>
+                <a16:creationId xmlns:a16="http://schemas.microsoft.com/office/drawing/2014/main" xmlns="" id="{D03B3046-0457-4D23-8E0C-64E3FCD620BB}"/>
               </a:ext>
             </a:extLst>
           </p:cNvPr>
@@ -25256,7 +25256,7 @@
           <p:cNvPr id="40" name="Text Placeholder 2">
             <a:extLst>
               <a:ext uri="{FF2B5EF4-FFF2-40B4-BE49-F238E27FC236}">
-                <a16:creationId xmlns="" xmlns:a16="http://schemas.microsoft.com/office/drawing/2014/main" id="{4A98AB01-9578-4430-96AD-F434AF0CDA20}"/>
+                <a16:creationId xmlns:a16="http://schemas.microsoft.com/office/drawing/2014/main" xmlns="" id="{4A98AB01-9578-4430-96AD-F434AF0CDA20}"/>
               </a:ext>
             </a:extLst>
           </p:cNvPr>
@@ -25393,7 +25393,7 @@
           <p:cNvPr id="41" name="Text Placeholder 2">
             <a:extLst>
               <a:ext uri="{FF2B5EF4-FFF2-40B4-BE49-F238E27FC236}">
-                <a16:creationId xmlns="" xmlns:a16="http://schemas.microsoft.com/office/drawing/2014/main" id="{EF9D60F2-A1FB-4A95-997B-A4F1723AC1EC}"/>
+                <a16:creationId xmlns:a16="http://schemas.microsoft.com/office/drawing/2014/main" xmlns="" id="{EF9D60F2-A1FB-4A95-997B-A4F1723AC1EC}"/>
               </a:ext>
             </a:extLst>
           </p:cNvPr>
@@ -25533,7 +25533,7 @@
           <p:cNvPr id="42" name="Picture Placeholder 2">
             <a:extLst>
               <a:ext uri="{FF2B5EF4-FFF2-40B4-BE49-F238E27FC236}">
-                <a16:creationId xmlns="" xmlns:a16="http://schemas.microsoft.com/office/drawing/2014/main" id="{76A56D2A-42F0-40C5-96D7-B1AC33152A85}"/>
+                <a16:creationId xmlns:a16="http://schemas.microsoft.com/office/drawing/2014/main" xmlns="" id="{76A56D2A-42F0-40C5-96D7-B1AC33152A85}"/>
               </a:ext>
             </a:extLst>
           </p:cNvPr>
@@ -25585,7 +25585,7 @@
           <p:cNvPr id="43" name="Straight Connector 42">
             <a:extLst>
               <a:ext uri="{FF2B5EF4-FFF2-40B4-BE49-F238E27FC236}">
-                <a16:creationId xmlns="" xmlns:a16="http://schemas.microsoft.com/office/drawing/2014/main" id="{CF6D1C91-9136-4678-A712-92BE9B3902C4}"/>
+                <a16:creationId xmlns:a16="http://schemas.microsoft.com/office/drawing/2014/main" xmlns="" id="{CF6D1C91-9136-4678-A712-92BE9B3902C4}"/>
               </a:ext>
             </a:extLst>
           </p:cNvPr>
@@ -25628,7 +25628,7 @@
           <p:cNvPr id="4" name="Text Placeholder 3">
             <a:extLst>
               <a:ext uri="{FF2B5EF4-FFF2-40B4-BE49-F238E27FC236}">
-                <a16:creationId xmlns="" xmlns:a16="http://schemas.microsoft.com/office/drawing/2014/main" id="{F2D92A7B-1C40-4AEB-92C3-C35F8C01F1FA}"/>
+                <a16:creationId xmlns:a16="http://schemas.microsoft.com/office/drawing/2014/main" xmlns="" id="{F2D92A7B-1C40-4AEB-92C3-C35F8C01F1FA}"/>
               </a:ext>
             </a:extLst>
           </p:cNvPr>
@@ -25865,7 +25865,7 @@
           <p:cNvPr id="24" name="Oval 23">
             <a:extLst>
               <a:ext uri="{FF2B5EF4-FFF2-40B4-BE49-F238E27FC236}">
-                <a16:creationId xmlns="" xmlns:a16="http://schemas.microsoft.com/office/drawing/2014/main" id="{F2E312F1-B417-47B6-97E4-7CCA31034F82}"/>
+                <a16:creationId xmlns:a16="http://schemas.microsoft.com/office/drawing/2014/main" xmlns="" id="{F2E312F1-B417-47B6-97E4-7CCA31034F82}"/>
               </a:ext>
             </a:extLst>
           </p:cNvPr>
@@ -25925,7 +25925,7 @@
           <p:cNvPr id="58" name="Text Placeholder 2">
             <a:extLst>
               <a:ext uri="{FF2B5EF4-FFF2-40B4-BE49-F238E27FC236}">
-                <a16:creationId xmlns="" xmlns:a16="http://schemas.microsoft.com/office/drawing/2014/main" id="{13DB5D84-04D8-4536-A06B-AED76E7C51D7}"/>
+                <a16:creationId xmlns:a16="http://schemas.microsoft.com/office/drawing/2014/main" xmlns="" id="{13DB5D84-04D8-4536-A06B-AED76E7C51D7}"/>
               </a:ext>
             </a:extLst>
           </p:cNvPr>
@@ -26062,7 +26062,7 @@
           <p:cNvPr id="59" name="Text Placeholder 2">
             <a:extLst>
               <a:ext uri="{FF2B5EF4-FFF2-40B4-BE49-F238E27FC236}">
-                <a16:creationId xmlns="" xmlns:a16="http://schemas.microsoft.com/office/drawing/2014/main" id="{3AB0AC7E-7919-422E-95A1-82E8B125756D}"/>
+                <a16:creationId xmlns:a16="http://schemas.microsoft.com/office/drawing/2014/main" xmlns="" id="{3AB0AC7E-7919-422E-95A1-82E8B125756D}"/>
               </a:ext>
             </a:extLst>
           </p:cNvPr>
@@ -26202,7 +26202,7 @@
           <p:cNvPr id="60" name="Picture Placeholder 2">
             <a:extLst>
               <a:ext uri="{FF2B5EF4-FFF2-40B4-BE49-F238E27FC236}">
-                <a16:creationId xmlns="" xmlns:a16="http://schemas.microsoft.com/office/drawing/2014/main" id="{B44FD76B-D1AE-458B-AF32-E4AA246B0881}"/>
+                <a16:creationId xmlns:a16="http://schemas.microsoft.com/office/drawing/2014/main" xmlns="" id="{B44FD76B-D1AE-458B-AF32-E4AA246B0881}"/>
               </a:ext>
             </a:extLst>
           </p:cNvPr>
@@ -26254,7 +26254,7 @@
           <p:cNvPr id="61" name="Straight Connector 60">
             <a:extLst>
               <a:ext uri="{FF2B5EF4-FFF2-40B4-BE49-F238E27FC236}">
-                <a16:creationId xmlns="" xmlns:a16="http://schemas.microsoft.com/office/drawing/2014/main" id="{07D22CD4-7F86-495D-B381-7D706058B916}"/>
+                <a16:creationId xmlns:a16="http://schemas.microsoft.com/office/drawing/2014/main" xmlns="" id="{07D22CD4-7F86-495D-B381-7D706058B916}"/>
               </a:ext>
             </a:extLst>
           </p:cNvPr>
@@ -26297,7 +26297,7 @@
           <p:cNvPr id="62" name="Text Placeholder 3">
             <a:extLst>
               <a:ext uri="{FF2B5EF4-FFF2-40B4-BE49-F238E27FC236}">
-                <a16:creationId xmlns="" xmlns:a16="http://schemas.microsoft.com/office/drawing/2014/main" id="{1BA0EB90-BA97-4A18-AD3D-1E839B636DEB}"/>
+                <a16:creationId xmlns:a16="http://schemas.microsoft.com/office/drawing/2014/main" xmlns="" id="{1BA0EB90-BA97-4A18-AD3D-1E839B636DEB}"/>
               </a:ext>
             </a:extLst>
           </p:cNvPr>
@@ -26534,7 +26534,7 @@
           <p:cNvPr id="63" name="Oval 62">
             <a:extLst>
               <a:ext uri="{FF2B5EF4-FFF2-40B4-BE49-F238E27FC236}">
-                <a16:creationId xmlns="" xmlns:a16="http://schemas.microsoft.com/office/drawing/2014/main" id="{ED057A87-963C-4F8A-BD4C-959BF8AF699B}"/>
+                <a16:creationId xmlns:a16="http://schemas.microsoft.com/office/drawing/2014/main" xmlns="" id="{ED057A87-963C-4F8A-BD4C-959BF8AF699B}"/>
               </a:ext>
             </a:extLst>
           </p:cNvPr>
@@ -26594,7 +26594,7 @@
           <p:cNvPr id="64" name="Text Placeholder 2">
             <a:extLst>
               <a:ext uri="{FF2B5EF4-FFF2-40B4-BE49-F238E27FC236}">
-                <a16:creationId xmlns="" xmlns:a16="http://schemas.microsoft.com/office/drawing/2014/main" id="{B6BAFE05-9EC0-4C3C-AB0F-89A83361452F}"/>
+                <a16:creationId xmlns:a16="http://schemas.microsoft.com/office/drawing/2014/main" xmlns="" id="{B6BAFE05-9EC0-4C3C-AB0F-89A83361452F}"/>
               </a:ext>
             </a:extLst>
           </p:cNvPr>
@@ -26731,7 +26731,7 @@
           <p:cNvPr id="65" name="Text Placeholder 2">
             <a:extLst>
               <a:ext uri="{FF2B5EF4-FFF2-40B4-BE49-F238E27FC236}">
-                <a16:creationId xmlns="" xmlns:a16="http://schemas.microsoft.com/office/drawing/2014/main" id="{290BF8E2-78CA-4427-9231-3C5EDC272DEE}"/>
+                <a16:creationId xmlns:a16="http://schemas.microsoft.com/office/drawing/2014/main" xmlns="" id="{290BF8E2-78CA-4427-9231-3C5EDC272DEE}"/>
               </a:ext>
             </a:extLst>
           </p:cNvPr>
@@ -26871,7 +26871,7 @@
           <p:cNvPr id="66" name="Picture Placeholder 2">
             <a:extLst>
               <a:ext uri="{FF2B5EF4-FFF2-40B4-BE49-F238E27FC236}">
-                <a16:creationId xmlns="" xmlns:a16="http://schemas.microsoft.com/office/drawing/2014/main" id="{ACA8732F-AB9E-4253-BB5A-5ADD5BA9B153}"/>
+                <a16:creationId xmlns:a16="http://schemas.microsoft.com/office/drawing/2014/main" xmlns="" id="{ACA8732F-AB9E-4253-BB5A-5ADD5BA9B153}"/>
               </a:ext>
             </a:extLst>
           </p:cNvPr>
@@ -26923,7 +26923,7 @@
           <p:cNvPr id="67" name="Straight Connector 66">
             <a:extLst>
               <a:ext uri="{FF2B5EF4-FFF2-40B4-BE49-F238E27FC236}">
-                <a16:creationId xmlns="" xmlns:a16="http://schemas.microsoft.com/office/drawing/2014/main" id="{BB9A566A-8C97-4AE6-B9EF-701587499889}"/>
+                <a16:creationId xmlns:a16="http://schemas.microsoft.com/office/drawing/2014/main" xmlns="" id="{BB9A566A-8C97-4AE6-B9EF-701587499889}"/>
               </a:ext>
             </a:extLst>
           </p:cNvPr>
@@ -26966,7 +26966,7 @@
           <p:cNvPr id="68" name="Text Placeholder 3">
             <a:extLst>
               <a:ext uri="{FF2B5EF4-FFF2-40B4-BE49-F238E27FC236}">
-                <a16:creationId xmlns="" xmlns:a16="http://schemas.microsoft.com/office/drawing/2014/main" id="{45B69021-5E85-4B37-B529-366AC57512FD}"/>
+                <a16:creationId xmlns:a16="http://schemas.microsoft.com/office/drawing/2014/main" xmlns="" id="{45B69021-5E85-4B37-B529-366AC57512FD}"/>
               </a:ext>
             </a:extLst>
           </p:cNvPr>
@@ -27203,7 +27203,7 @@
           <p:cNvPr id="69" name="Oval 68">
             <a:extLst>
               <a:ext uri="{FF2B5EF4-FFF2-40B4-BE49-F238E27FC236}">
-                <a16:creationId xmlns="" xmlns:a16="http://schemas.microsoft.com/office/drawing/2014/main" id="{E407CD49-808A-445A-96C0-E3083C9FB390}"/>
+                <a16:creationId xmlns:a16="http://schemas.microsoft.com/office/drawing/2014/main" xmlns="" id="{E407CD49-808A-445A-96C0-E3083C9FB390}"/>
               </a:ext>
             </a:extLst>
           </p:cNvPr>
@@ -27293,7 +27293,7 @@
           <p:cNvPr id="7" name="Rectangle 6">
             <a:extLst>
               <a:ext uri="{FF2B5EF4-FFF2-40B4-BE49-F238E27FC236}">
-                <a16:creationId xmlns="" xmlns:a16="http://schemas.microsoft.com/office/drawing/2014/main" id="{09F1B35C-893A-4033-ADC0-2192AFA29271}"/>
+                <a16:creationId xmlns:a16="http://schemas.microsoft.com/office/drawing/2014/main" xmlns="" id="{09F1B35C-893A-4033-ADC0-2192AFA29271}"/>
               </a:ext>
             </a:extLst>
           </p:cNvPr>
@@ -27360,7 +27360,7 @@
           <p:cNvPr id="2" name="Title 1">
             <a:extLst>
               <a:ext uri="{FF2B5EF4-FFF2-40B4-BE49-F238E27FC236}">
-                <a16:creationId xmlns="" xmlns:a16="http://schemas.microsoft.com/office/drawing/2014/main" id="{CD637DF8-B064-4F36-89F8-EBF538A2E7F2}"/>
+                <a16:creationId xmlns:a16="http://schemas.microsoft.com/office/drawing/2014/main" xmlns="" id="{CD637DF8-B064-4F36-89F8-EBF538A2E7F2}"/>
               </a:ext>
             </a:extLst>
           </p:cNvPr>
@@ -27399,7 +27399,7 @@
           <p:cNvPr id="3" name="Text Placeholder 2">
             <a:extLst>
               <a:ext uri="{FF2B5EF4-FFF2-40B4-BE49-F238E27FC236}">
-                <a16:creationId xmlns="" xmlns:a16="http://schemas.microsoft.com/office/drawing/2014/main" id="{8A72532A-5006-46B7-AE99-3A6891CD0254}"/>
+                <a16:creationId xmlns:a16="http://schemas.microsoft.com/office/drawing/2014/main" xmlns="" id="{8A72532A-5006-46B7-AE99-3A6891CD0254}"/>
               </a:ext>
             </a:extLst>
           </p:cNvPr>
@@ -27529,7 +27529,7 @@
           <p:cNvPr id="4" name="Date Placeholder 3">
             <a:extLst>
               <a:ext uri="{FF2B5EF4-FFF2-40B4-BE49-F238E27FC236}">
-                <a16:creationId xmlns="" xmlns:a16="http://schemas.microsoft.com/office/drawing/2014/main" id="{49EFC6D7-3241-401C-A16A-4A7CC2653954}"/>
+                <a16:creationId xmlns:a16="http://schemas.microsoft.com/office/drawing/2014/main" xmlns="" id="{49EFC6D7-3241-401C-A16A-4A7CC2653954}"/>
               </a:ext>
             </a:extLst>
           </p:cNvPr>
@@ -27557,7 +27557,7 @@
           <p:cNvPr id="5" name="Footer Placeholder 4">
             <a:extLst>
               <a:ext uri="{FF2B5EF4-FFF2-40B4-BE49-F238E27FC236}">
-                <a16:creationId xmlns="" xmlns:a16="http://schemas.microsoft.com/office/drawing/2014/main" id="{F345D6DC-ABA5-4D00-9CD3-92FFDD1FA2DC}"/>
+                <a16:creationId xmlns:a16="http://schemas.microsoft.com/office/drawing/2014/main" xmlns="" id="{F345D6DC-ABA5-4D00-9CD3-92FFDD1FA2DC}"/>
               </a:ext>
             </a:extLst>
           </p:cNvPr>
@@ -27585,7 +27585,7 @@
           <p:cNvPr id="6" name="Slide Number Placeholder 5">
             <a:extLst>
               <a:ext uri="{FF2B5EF4-FFF2-40B4-BE49-F238E27FC236}">
-                <a16:creationId xmlns="" xmlns:a16="http://schemas.microsoft.com/office/drawing/2014/main" id="{92459C86-0106-40E0-AA18-795EC5787677}"/>
+                <a16:creationId xmlns:a16="http://schemas.microsoft.com/office/drawing/2014/main" xmlns="" id="{92459C86-0106-40E0-AA18-795EC5787677}"/>
               </a:ext>
             </a:extLst>
           </p:cNvPr>
@@ -27614,7 +27614,7 @@
           <p:cNvPr id="11" name="Picture Placeholder 10">
             <a:extLst>
               <a:ext uri="{FF2B5EF4-FFF2-40B4-BE49-F238E27FC236}">
-                <a16:creationId xmlns="" xmlns:a16="http://schemas.microsoft.com/office/drawing/2014/main" id="{6D14F7B3-A6CF-491C-9855-75B5784CC456}"/>
+                <a16:creationId xmlns:a16="http://schemas.microsoft.com/office/drawing/2014/main" xmlns="" id="{6D14F7B3-A6CF-491C-9855-75B5784CC456}"/>
               </a:ext>
             </a:extLst>
           </p:cNvPr>
@@ -27655,7 +27655,7 @@
           <p:cNvPr id="15" name="Group 14">
             <a:extLst>
               <a:ext uri="{FF2B5EF4-FFF2-40B4-BE49-F238E27FC236}">
-                <a16:creationId xmlns="" xmlns:a16="http://schemas.microsoft.com/office/drawing/2014/main" id="{B7317392-EF87-4050-8BBE-32F74B0CF15A}"/>
+                <a16:creationId xmlns:a16="http://schemas.microsoft.com/office/drawing/2014/main" xmlns="" id="{B7317392-EF87-4050-8BBE-32F74B0CF15A}"/>
               </a:ext>
             </a:extLst>
           </p:cNvPr>
@@ -27675,7 +27675,7 @@
             <p:cNvPr id="13" name="Straight Connector 12">
               <a:extLst>
                 <a:ext uri="{FF2B5EF4-FFF2-40B4-BE49-F238E27FC236}">
-                  <a16:creationId xmlns="" xmlns:a16="http://schemas.microsoft.com/office/drawing/2014/main" id="{785A4134-866D-4143-AC1E-8A2FFDB49855}"/>
+                  <a16:creationId xmlns:a16="http://schemas.microsoft.com/office/drawing/2014/main" xmlns="" id="{785A4134-866D-4143-AC1E-8A2FFDB49855}"/>
                 </a:ext>
               </a:extLst>
             </p:cNvPr>
@@ -27721,7 +27721,7 @@
             <p:cNvPr id="14" name="Oval 13">
               <a:extLst>
                 <a:ext uri="{FF2B5EF4-FFF2-40B4-BE49-F238E27FC236}">
-                  <a16:creationId xmlns="" xmlns:a16="http://schemas.microsoft.com/office/drawing/2014/main" id="{1BBC5D9C-B8FB-455B-9398-36DB21F2765E}"/>
+                  <a16:creationId xmlns:a16="http://schemas.microsoft.com/office/drawing/2014/main" xmlns="" id="{1BBC5D9C-B8FB-455B-9398-36DB21F2765E}"/>
                 </a:ext>
               </a:extLst>
             </p:cNvPr>
@@ -27782,7 +27782,7 @@
           <p:cNvPr id="17" name="Oval 16">
             <a:extLst>
               <a:ext uri="{FF2B5EF4-FFF2-40B4-BE49-F238E27FC236}">
-                <a16:creationId xmlns="" xmlns:a16="http://schemas.microsoft.com/office/drawing/2014/main" id="{72225750-E4CE-4A81-A0C3-4023030D637E}"/>
+                <a16:creationId xmlns:a16="http://schemas.microsoft.com/office/drawing/2014/main" xmlns="" id="{72225750-E4CE-4A81-A0C3-4023030D637E}"/>
               </a:ext>
             </a:extLst>
           </p:cNvPr>
@@ -27837,7 +27837,7 @@
           <p:cNvPr id="18" name="Straight Connector 17">
             <a:extLst>
               <a:ext uri="{FF2B5EF4-FFF2-40B4-BE49-F238E27FC236}">
-                <a16:creationId xmlns="" xmlns:a16="http://schemas.microsoft.com/office/drawing/2014/main" id="{3819C324-07DF-49DB-A08C-0E6155CE3041}"/>
+                <a16:creationId xmlns:a16="http://schemas.microsoft.com/office/drawing/2014/main" xmlns="" id="{3819C324-07DF-49DB-A08C-0E6155CE3041}"/>
               </a:ext>
             </a:extLst>
           </p:cNvPr>
@@ -27881,7 +27881,7 @@
           <p:cNvPr id="19" name="Oval 18">
             <a:extLst>
               <a:ext uri="{FF2B5EF4-FFF2-40B4-BE49-F238E27FC236}">
-                <a16:creationId xmlns="" xmlns:a16="http://schemas.microsoft.com/office/drawing/2014/main" id="{75A34025-44F2-4A09-8629-F1794E9D35AF}"/>
+                <a16:creationId xmlns:a16="http://schemas.microsoft.com/office/drawing/2014/main" xmlns="" id="{75A34025-44F2-4A09-8629-F1794E9D35AF}"/>
               </a:ext>
             </a:extLst>
           </p:cNvPr>
@@ -27936,7 +27936,7 @@
           <p:cNvPr id="20" name="Straight Connector 19">
             <a:extLst>
               <a:ext uri="{FF2B5EF4-FFF2-40B4-BE49-F238E27FC236}">
-                <a16:creationId xmlns="" xmlns:a16="http://schemas.microsoft.com/office/drawing/2014/main" id="{815854A2-EAE9-4B2A-84CF-5A4BD753863A}"/>
+                <a16:creationId xmlns:a16="http://schemas.microsoft.com/office/drawing/2014/main" xmlns="" id="{815854A2-EAE9-4B2A-84CF-5A4BD753863A}"/>
               </a:ext>
             </a:extLst>
           </p:cNvPr>
@@ -27982,7 +27982,7 @@
           <p:cNvPr id="35" name="Text Placeholder 2">
             <a:extLst>
               <a:ext uri="{FF2B5EF4-FFF2-40B4-BE49-F238E27FC236}">
-                <a16:creationId xmlns="" xmlns:a16="http://schemas.microsoft.com/office/drawing/2014/main" id="{82DA762C-1D45-43AA-9DB3-3D8DBE3EACFE}"/>
+                <a16:creationId xmlns:a16="http://schemas.microsoft.com/office/drawing/2014/main" xmlns="" id="{82DA762C-1D45-43AA-9DB3-3D8DBE3EACFE}"/>
               </a:ext>
             </a:extLst>
           </p:cNvPr>
@@ -28117,7 +28117,7 @@
           <p:cNvPr id="38" name="Text Placeholder 2">
             <a:extLst>
               <a:ext uri="{FF2B5EF4-FFF2-40B4-BE49-F238E27FC236}">
-                <a16:creationId xmlns="" xmlns:a16="http://schemas.microsoft.com/office/drawing/2014/main" id="{4C3C1BF4-C955-4D71-87E4-BE0F7B619575}"/>
+                <a16:creationId xmlns:a16="http://schemas.microsoft.com/office/drawing/2014/main" xmlns="" id="{4C3C1BF4-C955-4D71-87E4-BE0F7B619575}"/>
               </a:ext>
             </a:extLst>
           </p:cNvPr>
@@ -28282,7 +28282,7 @@
           <p:cNvPr id="15" name="Rectangle 14">
             <a:extLst>
               <a:ext uri="{FF2B5EF4-FFF2-40B4-BE49-F238E27FC236}">
-                <a16:creationId xmlns="" xmlns:a16="http://schemas.microsoft.com/office/drawing/2014/main" id="{E8E3FDB8-6D5C-48FE-99EA-7EC60F4D8191}"/>
+                <a16:creationId xmlns:a16="http://schemas.microsoft.com/office/drawing/2014/main" xmlns="" id="{E8E3FDB8-6D5C-48FE-99EA-7EC60F4D8191}"/>
               </a:ext>
             </a:extLst>
           </p:cNvPr>
@@ -28349,7 +28349,7 @@
           <p:cNvPr id="5" name="Date Placeholder 4">
             <a:extLst>
               <a:ext uri="{FF2B5EF4-FFF2-40B4-BE49-F238E27FC236}">
-                <a16:creationId xmlns="" xmlns:a16="http://schemas.microsoft.com/office/drawing/2014/main" id="{2D9775F3-A041-479A-8038-652B7D9C72E9}"/>
+                <a16:creationId xmlns:a16="http://schemas.microsoft.com/office/drawing/2014/main" xmlns="" id="{2D9775F3-A041-479A-8038-652B7D9C72E9}"/>
               </a:ext>
             </a:extLst>
           </p:cNvPr>
@@ -28377,7 +28377,7 @@
           <p:cNvPr id="6" name="Footer Placeholder 5">
             <a:extLst>
               <a:ext uri="{FF2B5EF4-FFF2-40B4-BE49-F238E27FC236}">
-                <a16:creationId xmlns="" xmlns:a16="http://schemas.microsoft.com/office/drawing/2014/main" id="{29BEDD04-BE4E-4B91-B13E-0C4FB3E1658F}"/>
+                <a16:creationId xmlns:a16="http://schemas.microsoft.com/office/drawing/2014/main" xmlns="" id="{29BEDD04-BE4E-4B91-B13E-0C4FB3E1658F}"/>
               </a:ext>
             </a:extLst>
           </p:cNvPr>
@@ -28405,7 +28405,7 @@
           <p:cNvPr id="7" name="Slide Number Placeholder 6">
             <a:extLst>
               <a:ext uri="{FF2B5EF4-FFF2-40B4-BE49-F238E27FC236}">
-                <a16:creationId xmlns="" xmlns:a16="http://schemas.microsoft.com/office/drawing/2014/main" id="{306DF5D8-12DC-494E-B0F1-2E9C86A14544}"/>
+                <a16:creationId xmlns:a16="http://schemas.microsoft.com/office/drawing/2014/main" xmlns="" id="{306DF5D8-12DC-494E-B0F1-2E9C86A14544}"/>
               </a:ext>
             </a:extLst>
           </p:cNvPr>
@@ -28434,7 +28434,7 @@
           <p:cNvPr id="8" name="Title 1">
             <a:extLst>
               <a:ext uri="{FF2B5EF4-FFF2-40B4-BE49-F238E27FC236}">
-                <a16:creationId xmlns="" xmlns:a16="http://schemas.microsoft.com/office/drawing/2014/main" id="{ABF87C9E-53A2-4DE1-89DC-3907BE2E3D3C}"/>
+                <a16:creationId xmlns:a16="http://schemas.microsoft.com/office/drawing/2014/main" xmlns="" id="{ABF87C9E-53A2-4DE1-89DC-3907BE2E3D3C}"/>
               </a:ext>
             </a:extLst>
           </p:cNvPr>
@@ -28473,7 +28473,7 @@
           <p:cNvPr id="9" name="Text Placeholder 2">
             <a:extLst>
               <a:ext uri="{FF2B5EF4-FFF2-40B4-BE49-F238E27FC236}">
-                <a16:creationId xmlns="" xmlns:a16="http://schemas.microsoft.com/office/drawing/2014/main" id="{EB453F8F-AA02-4E0D-93BF-8CF4F1490377}"/>
+                <a16:creationId xmlns:a16="http://schemas.microsoft.com/office/drawing/2014/main" xmlns="" id="{EB453F8F-AA02-4E0D-93BF-8CF4F1490377}"/>
               </a:ext>
             </a:extLst>
           </p:cNvPr>
@@ -28603,7 +28603,7 @@
           <p:cNvPr id="10" name="Picture Placeholder 10">
             <a:extLst>
               <a:ext uri="{FF2B5EF4-FFF2-40B4-BE49-F238E27FC236}">
-                <a16:creationId xmlns="" xmlns:a16="http://schemas.microsoft.com/office/drawing/2014/main" id="{A541F291-2E4B-474E-9ED0-55C97A2A066D}"/>
+                <a16:creationId xmlns:a16="http://schemas.microsoft.com/office/drawing/2014/main" xmlns="" id="{A541F291-2E4B-474E-9ED0-55C97A2A066D}"/>
               </a:ext>
             </a:extLst>
           </p:cNvPr>
@@ -28644,7 +28644,7 @@
           <p:cNvPr id="11" name="Group 10">
             <a:extLst>
               <a:ext uri="{FF2B5EF4-FFF2-40B4-BE49-F238E27FC236}">
-                <a16:creationId xmlns="" xmlns:a16="http://schemas.microsoft.com/office/drawing/2014/main" id="{59E4D57E-4989-4939-A31F-637543FAB606}"/>
+                <a16:creationId xmlns:a16="http://schemas.microsoft.com/office/drawing/2014/main" xmlns="" id="{59E4D57E-4989-4939-A31F-637543FAB606}"/>
               </a:ext>
             </a:extLst>
           </p:cNvPr>
@@ -28664,7 +28664,7 @@
             <p:cNvPr id="12" name="Straight Connector 11">
               <a:extLst>
                 <a:ext uri="{FF2B5EF4-FFF2-40B4-BE49-F238E27FC236}">
-                  <a16:creationId xmlns="" xmlns:a16="http://schemas.microsoft.com/office/drawing/2014/main" id="{370B72A7-B625-48B8-88E6-BCE2A4DD531E}"/>
+                  <a16:creationId xmlns:a16="http://schemas.microsoft.com/office/drawing/2014/main" xmlns="" id="{370B72A7-B625-48B8-88E6-BCE2A4DD531E}"/>
                 </a:ext>
               </a:extLst>
             </p:cNvPr>
@@ -28710,7 +28710,7 @@
             <p:cNvPr id="13" name="Oval 12">
               <a:extLst>
                 <a:ext uri="{FF2B5EF4-FFF2-40B4-BE49-F238E27FC236}">
-                  <a16:creationId xmlns="" xmlns:a16="http://schemas.microsoft.com/office/drawing/2014/main" id="{01ED729F-F8A5-4244-9776-4935C260F11F}"/>
+                  <a16:creationId xmlns:a16="http://schemas.microsoft.com/office/drawing/2014/main" xmlns="" id="{01ED729F-F8A5-4244-9776-4935C260F11F}"/>
                 </a:ext>
               </a:extLst>
             </p:cNvPr>
@@ -28771,7 +28771,7 @@
           <p:cNvPr id="17" name="Straight Connector 16">
             <a:extLst>
               <a:ext uri="{FF2B5EF4-FFF2-40B4-BE49-F238E27FC236}">
-                <a16:creationId xmlns="" xmlns:a16="http://schemas.microsoft.com/office/drawing/2014/main" id="{6150998C-CF95-4C6F-8962-8EB2DB30177D}"/>
+                <a16:creationId xmlns:a16="http://schemas.microsoft.com/office/drawing/2014/main" xmlns="" id="{6150998C-CF95-4C6F-8962-8EB2DB30177D}"/>
               </a:ext>
             </a:extLst>
           </p:cNvPr>
@@ -28815,7 +28815,7 @@
           <p:cNvPr id="18" name="Oval 17">
             <a:extLst>
               <a:ext uri="{FF2B5EF4-FFF2-40B4-BE49-F238E27FC236}">
-                <a16:creationId xmlns="" xmlns:a16="http://schemas.microsoft.com/office/drawing/2014/main" id="{F86A2ACD-8CF5-48A3-A678-E213A809B332}"/>
+                <a16:creationId xmlns:a16="http://schemas.microsoft.com/office/drawing/2014/main" xmlns="" id="{F86A2ACD-8CF5-48A3-A678-E213A809B332}"/>
               </a:ext>
             </a:extLst>
           </p:cNvPr>
@@ -28870,7 +28870,7 @@
           <p:cNvPr id="19" name="Straight Connector 18">
             <a:extLst>
               <a:ext uri="{FF2B5EF4-FFF2-40B4-BE49-F238E27FC236}">
-                <a16:creationId xmlns="" xmlns:a16="http://schemas.microsoft.com/office/drawing/2014/main" id="{F00811BB-0E37-4D70-84A5-97B3FBEDCBE6}"/>
+                <a16:creationId xmlns:a16="http://schemas.microsoft.com/office/drawing/2014/main" xmlns="" id="{F00811BB-0E37-4D70-84A5-97B3FBEDCBE6}"/>
               </a:ext>
             </a:extLst>
           </p:cNvPr>
@@ -28916,7 +28916,7 @@
           <p:cNvPr id="20" name="Oval 19">
             <a:extLst>
               <a:ext uri="{FF2B5EF4-FFF2-40B4-BE49-F238E27FC236}">
-                <a16:creationId xmlns="" xmlns:a16="http://schemas.microsoft.com/office/drawing/2014/main" id="{D03B3046-0457-4D23-8E0C-64E3FCD620BB}"/>
+                <a16:creationId xmlns:a16="http://schemas.microsoft.com/office/drawing/2014/main" xmlns="" id="{D03B3046-0457-4D23-8E0C-64E3FCD620BB}"/>
               </a:ext>
             </a:extLst>
           </p:cNvPr>
@@ -28971,7 +28971,7 @@
           <p:cNvPr id="23" name="Text Placeholder 2">
             <a:extLst>
               <a:ext uri="{FF2B5EF4-FFF2-40B4-BE49-F238E27FC236}">
-                <a16:creationId xmlns="" xmlns:a16="http://schemas.microsoft.com/office/drawing/2014/main" id="{ABD2EF23-562D-4049-92E3-48371C9E83A4}"/>
+                <a16:creationId xmlns:a16="http://schemas.microsoft.com/office/drawing/2014/main" xmlns="" id="{ABD2EF23-562D-4049-92E3-48371C9E83A4}"/>
               </a:ext>
             </a:extLst>
           </p:cNvPr>
@@ -29106,7 +29106,7 @@
           <p:cNvPr id="3" name="Rectangle 2">
             <a:extLst>
               <a:ext uri="{FF2B5EF4-FFF2-40B4-BE49-F238E27FC236}">
-                <a16:creationId xmlns="" xmlns:a16="http://schemas.microsoft.com/office/drawing/2014/main" id="{496B07E0-C579-4C5F-9AD4-6AF791562924}"/>
+                <a16:creationId xmlns:a16="http://schemas.microsoft.com/office/drawing/2014/main" xmlns="" id="{496B07E0-C579-4C5F-9AD4-6AF791562924}"/>
               </a:ext>
             </a:extLst>
           </p:cNvPr>
@@ -29125,7 +29125,7 @@
             <a:blip r:embed="rId2">
               <a:extLst>
                 <a:ext uri="{96DAC541-7B7A-43D3-8B79-37D633B846F1}">
-                  <asvg:svgBlip xmlns="" xmlns:asvg="http://schemas.microsoft.com/office/drawing/2016/SVG/main" r:embed="rId3"/>
+                  <asvg:svgBlip xmlns:asvg="http://schemas.microsoft.com/office/drawing/2016/SVG/main" xmlns="" r:embed="rId3"/>
                 </a:ext>
               </a:extLst>
             </a:blip>
@@ -29173,7 +29173,7 @@
           <p:cNvPr id="21" name="Picture Placeholder 2">
             <a:extLst>
               <a:ext uri="{FF2B5EF4-FFF2-40B4-BE49-F238E27FC236}">
-                <a16:creationId xmlns="" xmlns:a16="http://schemas.microsoft.com/office/drawing/2014/main" id="{D5639F99-011E-49CF-8ABD-A4DB4439FB47}"/>
+                <a16:creationId xmlns:a16="http://schemas.microsoft.com/office/drawing/2014/main" xmlns="" id="{D5639F99-011E-49CF-8ABD-A4DB4439FB47}"/>
               </a:ext>
             </a:extLst>
           </p:cNvPr>
@@ -29219,7 +29219,7 @@
           <p:cNvPr id="22" name="Picture Placeholder 2">
             <a:extLst>
               <a:ext uri="{FF2B5EF4-FFF2-40B4-BE49-F238E27FC236}">
-                <a16:creationId xmlns="" xmlns:a16="http://schemas.microsoft.com/office/drawing/2014/main" id="{028483B2-B562-448D-AEE1-556BC9366BBA}"/>
+                <a16:creationId xmlns:a16="http://schemas.microsoft.com/office/drawing/2014/main" xmlns="" id="{028483B2-B562-448D-AEE1-556BC9366BBA}"/>
               </a:ext>
             </a:extLst>
           </p:cNvPr>
@@ -29295,7 +29295,7 @@
           <p:cNvPr id="35" name="Rectangle 34">
             <a:extLst>
               <a:ext uri="{FF2B5EF4-FFF2-40B4-BE49-F238E27FC236}">
-                <a16:creationId xmlns="" xmlns:a16="http://schemas.microsoft.com/office/drawing/2014/main" id="{42737603-04DB-411C-B2D9-BDFF9AEE89D6}"/>
+                <a16:creationId xmlns:a16="http://schemas.microsoft.com/office/drawing/2014/main" xmlns="" id="{42737603-04DB-411C-B2D9-BDFF9AEE89D6}"/>
               </a:ext>
             </a:extLst>
           </p:cNvPr>
@@ -29362,7 +29362,7 @@
           <p:cNvPr id="21" name="Text Placeholder 3">
             <a:extLst>
               <a:ext uri="{FF2B5EF4-FFF2-40B4-BE49-F238E27FC236}">
-                <a16:creationId xmlns="" xmlns:a16="http://schemas.microsoft.com/office/drawing/2014/main" id="{605A03A4-E79C-49C5-A546-FF8E2D42E9D2}"/>
+                <a16:creationId xmlns:a16="http://schemas.microsoft.com/office/drawing/2014/main" xmlns="" id="{605A03A4-E79C-49C5-A546-FF8E2D42E9D2}"/>
               </a:ext>
             </a:extLst>
           </p:cNvPr>
@@ -29448,7 +29448,7 @@
           <p:cNvPr id="22" name="Text Placeholder 3">
             <a:extLst>
               <a:ext uri="{FF2B5EF4-FFF2-40B4-BE49-F238E27FC236}">
-                <a16:creationId xmlns="" xmlns:a16="http://schemas.microsoft.com/office/drawing/2014/main" id="{9EA27EF7-FC6B-496C-B737-B9219950367E}"/>
+                <a16:creationId xmlns:a16="http://schemas.microsoft.com/office/drawing/2014/main" xmlns="" id="{9EA27EF7-FC6B-496C-B737-B9219950367E}"/>
               </a:ext>
             </a:extLst>
           </p:cNvPr>
@@ -29538,7 +29538,7 @@
           <p:cNvPr id="23" name="Text Placeholder 3">
             <a:extLst>
               <a:ext uri="{FF2B5EF4-FFF2-40B4-BE49-F238E27FC236}">
-                <a16:creationId xmlns="" xmlns:a16="http://schemas.microsoft.com/office/drawing/2014/main" id="{6C0E2C30-6E91-49DE-B7A1-6E32A19EC81D}"/>
+                <a16:creationId xmlns:a16="http://schemas.microsoft.com/office/drawing/2014/main" xmlns="" id="{6C0E2C30-6E91-49DE-B7A1-6E32A19EC81D}"/>
               </a:ext>
             </a:extLst>
           </p:cNvPr>
@@ -29633,7 +29633,7 @@
           <p:cNvPr id="24" name="Picture Placeholder 12">
             <a:extLst>
               <a:ext uri="{FF2B5EF4-FFF2-40B4-BE49-F238E27FC236}">
-                <a16:creationId xmlns="" xmlns:a16="http://schemas.microsoft.com/office/drawing/2014/main" id="{70BE5E73-C067-492F-BE30-5E3DADAD40EF}"/>
+                <a16:creationId xmlns:a16="http://schemas.microsoft.com/office/drawing/2014/main" xmlns="" id="{70BE5E73-C067-492F-BE30-5E3DADAD40EF}"/>
               </a:ext>
             </a:extLst>
           </p:cNvPr>
@@ -29678,7 +29678,7 @@
           <p:cNvPr id="25" name="Picture Placeholder 12">
             <a:extLst>
               <a:ext uri="{FF2B5EF4-FFF2-40B4-BE49-F238E27FC236}">
-                <a16:creationId xmlns="" xmlns:a16="http://schemas.microsoft.com/office/drawing/2014/main" id="{36A9B448-4FDC-41F7-941E-5BF5A129057A}"/>
+                <a16:creationId xmlns:a16="http://schemas.microsoft.com/office/drawing/2014/main" xmlns="" id="{36A9B448-4FDC-41F7-941E-5BF5A129057A}"/>
               </a:ext>
             </a:extLst>
           </p:cNvPr>
@@ -29723,7 +29723,7 @@
           <p:cNvPr id="26" name="Text Placeholder 3">
             <a:extLst>
               <a:ext uri="{FF2B5EF4-FFF2-40B4-BE49-F238E27FC236}">
-                <a16:creationId xmlns="" xmlns:a16="http://schemas.microsoft.com/office/drawing/2014/main" id="{90B3A413-8776-4B3B-931F-C132DAB3A425}"/>
+                <a16:creationId xmlns:a16="http://schemas.microsoft.com/office/drawing/2014/main" xmlns="" id="{90B3A413-8776-4B3B-931F-C132DAB3A425}"/>
               </a:ext>
             </a:extLst>
           </p:cNvPr>
@@ -29818,7 +29818,7 @@
           <p:cNvPr id="27" name="Text Placeholder 3">
             <a:extLst>
               <a:ext uri="{FF2B5EF4-FFF2-40B4-BE49-F238E27FC236}">
-                <a16:creationId xmlns="" xmlns:a16="http://schemas.microsoft.com/office/drawing/2014/main" id="{BAD0CCD5-B712-4DB2-BFE3-4D3461B29F6D}"/>
+                <a16:creationId xmlns:a16="http://schemas.microsoft.com/office/drawing/2014/main" xmlns="" id="{BAD0CCD5-B712-4DB2-BFE3-4D3461B29F6D}"/>
               </a:ext>
             </a:extLst>
           </p:cNvPr>
@@ -29908,7 +29908,7 @@
           <p:cNvPr id="28" name="Picture Placeholder 12">
             <a:extLst>
               <a:ext uri="{FF2B5EF4-FFF2-40B4-BE49-F238E27FC236}">
-                <a16:creationId xmlns="" xmlns:a16="http://schemas.microsoft.com/office/drawing/2014/main" id="{64125935-B0D3-4ABD-9BBA-A60E46D2C55C}"/>
+                <a16:creationId xmlns:a16="http://schemas.microsoft.com/office/drawing/2014/main" xmlns="" id="{64125935-B0D3-4ABD-9BBA-A60E46D2C55C}"/>
               </a:ext>
             </a:extLst>
           </p:cNvPr>
@@ -29953,7 +29953,7 @@
           <p:cNvPr id="29" name="Text Placeholder 3">
             <a:extLst>
               <a:ext uri="{FF2B5EF4-FFF2-40B4-BE49-F238E27FC236}">
-                <a16:creationId xmlns="" xmlns:a16="http://schemas.microsoft.com/office/drawing/2014/main" id="{47D3BA4D-FA26-44C8-B927-E42CC8E67B79}"/>
+                <a16:creationId xmlns:a16="http://schemas.microsoft.com/office/drawing/2014/main" xmlns="" id="{47D3BA4D-FA26-44C8-B927-E42CC8E67B79}"/>
               </a:ext>
             </a:extLst>
           </p:cNvPr>
@@ -30048,7 +30048,7 @@
           <p:cNvPr id="30" name="Text Placeholder 3">
             <a:extLst>
               <a:ext uri="{FF2B5EF4-FFF2-40B4-BE49-F238E27FC236}">
-                <a16:creationId xmlns="" xmlns:a16="http://schemas.microsoft.com/office/drawing/2014/main" id="{2D2A84D7-2523-470B-A3C0-0140355D4F68}"/>
+                <a16:creationId xmlns:a16="http://schemas.microsoft.com/office/drawing/2014/main" xmlns="" id="{2D2A84D7-2523-470B-A3C0-0140355D4F68}"/>
               </a:ext>
             </a:extLst>
           </p:cNvPr>
@@ -30138,7 +30138,7 @@
           <p:cNvPr id="32" name="Text Placeholder 3">
             <a:extLst>
               <a:ext uri="{FF2B5EF4-FFF2-40B4-BE49-F238E27FC236}">
-                <a16:creationId xmlns="" xmlns:a16="http://schemas.microsoft.com/office/drawing/2014/main" id="{55D1A91B-BB99-4DC7-B8F5-55514B49A9D1}"/>
+                <a16:creationId xmlns:a16="http://schemas.microsoft.com/office/drawing/2014/main" xmlns="" id="{55D1A91B-BB99-4DC7-B8F5-55514B49A9D1}"/>
               </a:ext>
             </a:extLst>
           </p:cNvPr>
@@ -30233,7 +30233,7 @@
           <p:cNvPr id="33" name="Text Placeholder 3">
             <a:extLst>
               <a:ext uri="{FF2B5EF4-FFF2-40B4-BE49-F238E27FC236}">
-                <a16:creationId xmlns="" xmlns:a16="http://schemas.microsoft.com/office/drawing/2014/main" id="{FFAB2C75-BBBF-4A4D-A633-7CEFFABAFE32}"/>
+                <a16:creationId xmlns:a16="http://schemas.microsoft.com/office/drawing/2014/main" xmlns="" id="{FFAB2C75-BBBF-4A4D-A633-7CEFFABAFE32}"/>
               </a:ext>
             </a:extLst>
           </p:cNvPr>
@@ -30328,7 +30328,7 @@
           <p:cNvPr id="34" name="Text Placeholder 7">
             <a:extLst>
               <a:ext uri="{FF2B5EF4-FFF2-40B4-BE49-F238E27FC236}">
-                <a16:creationId xmlns="" xmlns:a16="http://schemas.microsoft.com/office/drawing/2014/main" id="{83CD3289-0FBC-4854-8EB2-ADD41F89CA4F}"/>
+                <a16:creationId xmlns:a16="http://schemas.microsoft.com/office/drawing/2014/main" xmlns="" id="{83CD3289-0FBC-4854-8EB2-ADD41F89CA4F}"/>
               </a:ext>
             </a:extLst>
           </p:cNvPr>
@@ -30379,7 +30379,7 @@
           <p:cNvPr id="36" name="Text Placeholder 7">
             <a:extLst>
               <a:ext uri="{FF2B5EF4-FFF2-40B4-BE49-F238E27FC236}">
-                <a16:creationId xmlns="" xmlns:a16="http://schemas.microsoft.com/office/drawing/2014/main" id="{2F18CD59-6602-4DEC-9B12-412E6BAF9283}"/>
+                <a16:creationId xmlns:a16="http://schemas.microsoft.com/office/drawing/2014/main" xmlns="" id="{2F18CD59-6602-4DEC-9B12-412E6BAF9283}"/>
               </a:ext>
             </a:extLst>
           </p:cNvPr>
@@ -30439,7 +30439,7 @@
           <p:cNvPr id="37" name="Text Placeholder 7">
             <a:extLst>
               <a:ext uri="{FF2B5EF4-FFF2-40B4-BE49-F238E27FC236}">
-                <a16:creationId xmlns="" xmlns:a16="http://schemas.microsoft.com/office/drawing/2014/main" id="{88B09568-0B94-4B51-BE65-A72C65C3D7DA}"/>
+                <a16:creationId xmlns:a16="http://schemas.microsoft.com/office/drawing/2014/main" xmlns="" id="{88B09568-0B94-4B51-BE65-A72C65C3D7DA}"/>
               </a:ext>
             </a:extLst>
           </p:cNvPr>
@@ -30499,7 +30499,7 @@
           <p:cNvPr id="40" name="Text Placeholder 3">
             <a:extLst>
               <a:ext uri="{FF2B5EF4-FFF2-40B4-BE49-F238E27FC236}">
-                <a16:creationId xmlns="" xmlns:a16="http://schemas.microsoft.com/office/drawing/2014/main" id="{315834F5-9ACD-4898-B96E-8C732881FF01}"/>
+                <a16:creationId xmlns:a16="http://schemas.microsoft.com/office/drawing/2014/main" xmlns="" id="{315834F5-9ACD-4898-B96E-8C732881FF01}"/>
               </a:ext>
             </a:extLst>
           </p:cNvPr>
@@ -30585,7 +30585,7 @@
           <p:cNvPr id="38" name="Title 1">
             <a:extLst>
               <a:ext uri="{FF2B5EF4-FFF2-40B4-BE49-F238E27FC236}">
-                <a16:creationId xmlns="" xmlns:a16="http://schemas.microsoft.com/office/drawing/2014/main" id="{7E5CF6DE-4761-4BA5-A429-30AC8BBAD45B}"/>
+                <a16:creationId xmlns:a16="http://schemas.microsoft.com/office/drawing/2014/main" xmlns="" id="{7E5CF6DE-4761-4BA5-A429-30AC8BBAD45B}"/>
               </a:ext>
             </a:extLst>
           </p:cNvPr>
@@ -30638,7 +30638,7 @@
           <p:cNvPr id="41" name="Picture Placeholder 9">
             <a:extLst>
               <a:ext uri="{FF2B5EF4-FFF2-40B4-BE49-F238E27FC236}">
-                <a16:creationId xmlns="" xmlns:a16="http://schemas.microsoft.com/office/drawing/2014/main" id="{8A4896B5-1C5E-47F0-8F0C-4EF97E356C86}"/>
+                <a16:creationId xmlns:a16="http://schemas.microsoft.com/office/drawing/2014/main" xmlns="" id="{8A4896B5-1C5E-47F0-8F0C-4EF97E356C86}"/>
               </a:ext>
             </a:extLst>
           </p:cNvPr>
@@ -30679,7 +30679,7 @@
           <p:cNvPr id="31" name="Group 30">
             <a:extLst>
               <a:ext uri="{FF2B5EF4-FFF2-40B4-BE49-F238E27FC236}">
-                <a16:creationId xmlns="" xmlns:a16="http://schemas.microsoft.com/office/drawing/2014/main" id="{D87F4783-C8BA-411C-A188-4A4DAED10C02}"/>
+                <a16:creationId xmlns:a16="http://schemas.microsoft.com/office/drawing/2014/main" xmlns="" id="{D87F4783-C8BA-411C-A188-4A4DAED10C02}"/>
               </a:ext>
             </a:extLst>
           </p:cNvPr>
@@ -30699,7 +30699,7 @@
             <p:cNvPr id="39" name="Straight Connector 38">
               <a:extLst>
                 <a:ext uri="{FF2B5EF4-FFF2-40B4-BE49-F238E27FC236}">
-                  <a16:creationId xmlns="" xmlns:a16="http://schemas.microsoft.com/office/drawing/2014/main" id="{959A2713-966D-4694-A067-D6BE1B2986D1}"/>
+                  <a16:creationId xmlns:a16="http://schemas.microsoft.com/office/drawing/2014/main" xmlns="" id="{959A2713-966D-4694-A067-D6BE1B2986D1}"/>
                 </a:ext>
               </a:extLst>
             </p:cNvPr>
@@ -30745,7 +30745,7 @@
             <p:cNvPr id="42" name="Oval 41">
               <a:extLst>
                 <a:ext uri="{FF2B5EF4-FFF2-40B4-BE49-F238E27FC236}">
-                  <a16:creationId xmlns="" xmlns:a16="http://schemas.microsoft.com/office/drawing/2014/main" id="{FCA15F19-C2FE-4F13-9359-69E884CA83B9}"/>
+                  <a16:creationId xmlns:a16="http://schemas.microsoft.com/office/drawing/2014/main" xmlns="" id="{FCA15F19-C2FE-4F13-9359-69E884CA83B9}"/>
                 </a:ext>
               </a:extLst>
             </p:cNvPr>
@@ -30836,7 +30836,7 @@
           <p:cNvPr id="8" name="Rectangle 7">
             <a:extLst>
               <a:ext uri="{FF2B5EF4-FFF2-40B4-BE49-F238E27FC236}">
-                <a16:creationId xmlns="" xmlns:a16="http://schemas.microsoft.com/office/drawing/2014/main" id="{278196A9-689D-4410-BFC0-7ACB19755A0C}"/>
+                <a16:creationId xmlns:a16="http://schemas.microsoft.com/office/drawing/2014/main" xmlns="" id="{278196A9-689D-4410-BFC0-7ACB19755A0C}"/>
               </a:ext>
             </a:extLst>
           </p:cNvPr>
@@ -30897,7 +30897,7 @@
           <p:cNvPr id="2" name="Title 1">
             <a:extLst>
               <a:ext uri="{FF2B5EF4-FFF2-40B4-BE49-F238E27FC236}">
-                <a16:creationId xmlns="" xmlns:a16="http://schemas.microsoft.com/office/drawing/2014/main" id="{129BFEAD-57CF-438A-8084-C5AC7F47E544}"/>
+                <a16:creationId xmlns:a16="http://schemas.microsoft.com/office/drawing/2014/main" xmlns="" id="{129BFEAD-57CF-438A-8084-C5AC7F47E544}"/>
               </a:ext>
             </a:extLst>
           </p:cNvPr>
@@ -30934,7 +30934,7 @@
           <p:cNvPr id="4" name="Date Placeholder 3">
             <a:extLst>
               <a:ext uri="{FF2B5EF4-FFF2-40B4-BE49-F238E27FC236}">
-                <a16:creationId xmlns="" xmlns:a16="http://schemas.microsoft.com/office/drawing/2014/main" id="{7E17A3CB-B083-4E49-9123-A5E47559DCDB}"/>
+                <a16:creationId xmlns:a16="http://schemas.microsoft.com/office/drawing/2014/main" xmlns="" id="{7E17A3CB-B083-4E49-9123-A5E47559DCDB}"/>
               </a:ext>
             </a:extLst>
           </p:cNvPr>
@@ -30962,7 +30962,7 @@
           <p:cNvPr id="5" name="Footer Placeholder 4">
             <a:extLst>
               <a:ext uri="{FF2B5EF4-FFF2-40B4-BE49-F238E27FC236}">
-                <a16:creationId xmlns="" xmlns:a16="http://schemas.microsoft.com/office/drawing/2014/main" id="{A8C4102C-4609-416C-A808-0FFE0051DAA1}"/>
+                <a16:creationId xmlns:a16="http://schemas.microsoft.com/office/drawing/2014/main" xmlns="" id="{A8C4102C-4609-416C-A808-0FFE0051DAA1}"/>
               </a:ext>
             </a:extLst>
           </p:cNvPr>
@@ -30990,7 +30990,7 @@
           <p:cNvPr id="6" name="Slide Number Placeholder 5">
             <a:extLst>
               <a:ext uri="{FF2B5EF4-FFF2-40B4-BE49-F238E27FC236}">
-                <a16:creationId xmlns="" xmlns:a16="http://schemas.microsoft.com/office/drawing/2014/main" id="{2D7BCC5D-6F2C-472F-BD4C-4096793DFC24}"/>
+                <a16:creationId xmlns:a16="http://schemas.microsoft.com/office/drawing/2014/main" xmlns="" id="{2D7BCC5D-6F2C-472F-BD4C-4096793DFC24}"/>
               </a:ext>
             </a:extLst>
           </p:cNvPr>
@@ -31019,7 +31019,7 @@
           <p:cNvPr id="7" name="Rectangle 6">
             <a:extLst>
               <a:ext uri="{FF2B5EF4-FFF2-40B4-BE49-F238E27FC236}">
-                <a16:creationId xmlns="" xmlns:a16="http://schemas.microsoft.com/office/drawing/2014/main" id="{7BE854BB-FA44-4CAB-85DF-F5C412560348}"/>
+                <a16:creationId xmlns:a16="http://schemas.microsoft.com/office/drawing/2014/main" xmlns="" id="{7BE854BB-FA44-4CAB-85DF-F5C412560348}"/>
               </a:ext>
             </a:extLst>
           </p:cNvPr>
@@ -31086,7 +31086,7 @@
           <p:cNvPr id="3" name="Subtitle 2">
             <a:extLst>
               <a:ext uri="{FF2B5EF4-FFF2-40B4-BE49-F238E27FC236}">
-                <a16:creationId xmlns="" xmlns:a16="http://schemas.microsoft.com/office/drawing/2014/main" id="{389BFFF1-5465-4317-B9DB-C23A5B1D76EF}"/>
+                <a16:creationId xmlns:a16="http://schemas.microsoft.com/office/drawing/2014/main" xmlns="" id="{389BFFF1-5465-4317-B9DB-C23A5B1D76EF}"/>
               </a:ext>
             </a:extLst>
           </p:cNvPr>
@@ -31167,7 +31167,7 @@
           <p:cNvPr id="15" name="Group 14">
             <a:extLst>
               <a:ext uri="{FF2B5EF4-FFF2-40B4-BE49-F238E27FC236}">
-                <a16:creationId xmlns="" xmlns:a16="http://schemas.microsoft.com/office/drawing/2014/main" id="{676B4374-8F24-43DE-860D-E5C6EA850AB4}"/>
+                <a16:creationId xmlns:a16="http://schemas.microsoft.com/office/drawing/2014/main" xmlns="" id="{676B4374-8F24-43DE-860D-E5C6EA850AB4}"/>
               </a:ext>
             </a:extLst>
           </p:cNvPr>
@@ -31187,7 +31187,7 @@
             <p:cNvPr id="11" name="Oval 10">
               <a:extLst>
                 <a:ext uri="{FF2B5EF4-FFF2-40B4-BE49-F238E27FC236}">
-                  <a16:creationId xmlns="" xmlns:a16="http://schemas.microsoft.com/office/drawing/2014/main" id="{585C7755-9394-4129-AB48-1AC32DA80C75}"/>
+                  <a16:creationId xmlns:a16="http://schemas.microsoft.com/office/drawing/2014/main" xmlns="" id="{585C7755-9394-4129-AB48-1AC32DA80C75}"/>
                 </a:ext>
               </a:extLst>
             </p:cNvPr>
@@ -31242,7 +31242,7 @@
             <p:cNvPr id="13" name="Straight Connector 12">
               <a:extLst>
                 <a:ext uri="{FF2B5EF4-FFF2-40B4-BE49-F238E27FC236}">
-                  <a16:creationId xmlns="" xmlns:a16="http://schemas.microsoft.com/office/drawing/2014/main" id="{64C71ABE-575A-48CF-82B1-EDE8535F3993}"/>
+                  <a16:creationId xmlns:a16="http://schemas.microsoft.com/office/drawing/2014/main" xmlns="" id="{64C71ABE-575A-48CF-82B1-EDE8535F3993}"/>
                 </a:ext>
               </a:extLst>
             </p:cNvPr>
@@ -31286,7 +31286,7 @@
             <p:cNvPr id="14" name="Oval 13">
               <a:extLst>
                 <a:ext uri="{FF2B5EF4-FFF2-40B4-BE49-F238E27FC236}">
-                  <a16:creationId xmlns="" xmlns:a16="http://schemas.microsoft.com/office/drawing/2014/main" id="{E3C1EA63-78B2-4715-B4DC-63D98AC7F354}"/>
+                  <a16:creationId xmlns:a16="http://schemas.microsoft.com/office/drawing/2014/main" xmlns="" id="{E3C1EA63-78B2-4715-B4DC-63D98AC7F354}"/>
                 </a:ext>
               </a:extLst>
             </p:cNvPr>
@@ -31342,7 +31342,7 @@
           <p:cNvPr id="16" name="Group 15">
             <a:extLst>
               <a:ext uri="{FF2B5EF4-FFF2-40B4-BE49-F238E27FC236}">
-                <a16:creationId xmlns="" xmlns:a16="http://schemas.microsoft.com/office/drawing/2014/main" id="{E9BB74A1-0BEA-4AD8-8138-0641A45D8B40}"/>
+                <a16:creationId xmlns:a16="http://schemas.microsoft.com/office/drawing/2014/main" xmlns="" id="{E9BB74A1-0BEA-4AD8-8138-0641A45D8B40}"/>
               </a:ext>
             </a:extLst>
           </p:cNvPr>
@@ -31362,7 +31362,7 @@
             <p:cNvPr id="17" name="Oval 16">
               <a:extLst>
                 <a:ext uri="{FF2B5EF4-FFF2-40B4-BE49-F238E27FC236}">
-                  <a16:creationId xmlns="" xmlns:a16="http://schemas.microsoft.com/office/drawing/2014/main" id="{73D0026E-5270-4C52-A1AF-5631E8192DCD}"/>
+                  <a16:creationId xmlns:a16="http://schemas.microsoft.com/office/drawing/2014/main" xmlns="" id="{73D0026E-5270-4C52-A1AF-5631E8192DCD}"/>
                 </a:ext>
               </a:extLst>
             </p:cNvPr>
@@ -31417,7 +31417,7 @@
             <p:cNvPr id="18" name="Straight Connector 17">
               <a:extLst>
                 <a:ext uri="{FF2B5EF4-FFF2-40B4-BE49-F238E27FC236}">
-                  <a16:creationId xmlns="" xmlns:a16="http://schemas.microsoft.com/office/drawing/2014/main" id="{A6085D92-5F70-4097-A2FF-C15B13788D08}"/>
+                  <a16:creationId xmlns:a16="http://schemas.microsoft.com/office/drawing/2014/main" xmlns="" id="{A6085D92-5F70-4097-A2FF-C15B13788D08}"/>
                 </a:ext>
               </a:extLst>
             </p:cNvPr>
@@ -31461,7 +31461,7 @@
             <p:cNvPr id="19" name="Oval 18">
               <a:extLst>
                 <a:ext uri="{FF2B5EF4-FFF2-40B4-BE49-F238E27FC236}">
-                  <a16:creationId xmlns="" xmlns:a16="http://schemas.microsoft.com/office/drawing/2014/main" id="{BE68EB6C-48D0-4EBF-8541-926D16790F52}"/>
+                  <a16:creationId xmlns:a16="http://schemas.microsoft.com/office/drawing/2014/main" xmlns="" id="{BE68EB6C-48D0-4EBF-8541-926D16790F52}"/>
                 </a:ext>
               </a:extLst>
             </p:cNvPr>
@@ -31547,7 +31547,7 @@
           <p:cNvPr id="7" name="Rectangle 6">
             <a:extLst>
               <a:ext uri="{FF2B5EF4-FFF2-40B4-BE49-F238E27FC236}">
-                <a16:creationId xmlns="" xmlns:a16="http://schemas.microsoft.com/office/drawing/2014/main" id="{45015858-8549-49EA-BB83-070E0D9D4890}"/>
+                <a16:creationId xmlns:a16="http://schemas.microsoft.com/office/drawing/2014/main" xmlns="" id="{45015858-8549-49EA-BB83-070E0D9D4890}"/>
               </a:ext>
             </a:extLst>
           </p:cNvPr>
@@ -31614,7 +31614,7 @@
           <p:cNvPr id="2" name="Title 1">
             <a:extLst>
               <a:ext uri="{FF2B5EF4-FFF2-40B4-BE49-F238E27FC236}">
-                <a16:creationId xmlns="" xmlns:a16="http://schemas.microsoft.com/office/drawing/2014/main" id="{2206FBAC-B8FD-4768-B682-E0B93BA33105}"/>
+                <a16:creationId xmlns:a16="http://schemas.microsoft.com/office/drawing/2014/main" xmlns="" id="{2206FBAC-B8FD-4768-B682-E0B93BA33105}"/>
               </a:ext>
             </a:extLst>
           </p:cNvPr>
@@ -31667,7 +31667,7 @@
           <p:cNvPr id="4" name="Date Placeholder 3">
             <a:extLst>
               <a:ext uri="{FF2B5EF4-FFF2-40B4-BE49-F238E27FC236}">
-                <a16:creationId xmlns="" xmlns:a16="http://schemas.microsoft.com/office/drawing/2014/main" id="{2472534F-03A6-408A-9BF1-303D0A440BA4}"/>
+                <a16:creationId xmlns:a16="http://schemas.microsoft.com/office/drawing/2014/main" xmlns="" id="{2472534F-03A6-408A-9BF1-303D0A440BA4}"/>
               </a:ext>
             </a:extLst>
           </p:cNvPr>
@@ -31695,7 +31695,7 @@
           <p:cNvPr id="5" name="Footer Placeholder 4">
             <a:extLst>
               <a:ext uri="{FF2B5EF4-FFF2-40B4-BE49-F238E27FC236}">
-                <a16:creationId xmlns="" xmlns:a16="http://schemas.microsoft.com/office/drawing/2014/main" id="{0A24E181-0C50-4F43-A5A7-6FDD1500C708}"/>
+                <a16:creationId xmlns:a16="http://schemas.microsoft.com/office/drawing/2014/main" xmlns="" id="{0A24E181-0C50-4F43-A5A7-6FDD1500C708}"/>
               </a:ext>
             </a:extLst>
           </p:cNvPr>
@@ -31723,7 +31723,7 @@
           <p:cNvPr id="6" name="Slide Number Placeholder 5">
             <a:extLst>
               <a:ext uri="{FF2B5EF4-FFF2-40B4-BE49-F238E27FC236}">
-                <a16:creationId xmlns="" xmlns:a16="http://schemas.microsoft.com/office/drawing/2014/main" id="{13A749CC-EB55-4FEF-AA4C-9A9C6E2AA9C0}"/>
+                <a16:creationId xmlns:a16="http://schemas.microsoft.com/office/drawing/2014/main" xmlns="" id="{13A749CC-EB55-4FEF-AA4C-9A9C6E2AA9C0}"/>
               </a:ext>
             </a:extLst>
           </p:cNvPr>
@@ -31752,7 +31752,7 @@
           <p:cNvPr id="9" name="Group 8">
             <a:extLst>
               <a:ext uri="{FF2B5EF4-FFF2-40B4-BE49-F238E27FC236}">
-                <a16:creationId xmlns="" xmlns:a16="http://schemas.microsoft.com/office/drawing/2014/main" id="{6F3E26A6-6962-4A35-AA86-805537D45296}"/>
+                <a16:creationId xmlns:a16="http://schemas.microsoft.com/office/drawing/2014/main" xmlns="" id="{6F3E26A6-6962-4A35-AA86-805537D45296}"/>
               </a:ext>
             </a:extLst>
           </p:cNvPr>
@@ -31772,7 +31772,7 @@
             <p:cNvPr id="10" name="Oval 9">
               <a:extLst>
                 <a:ext uri="{FF2B5EF4-FFF2-40B4-BE49-F238E27FC236}">
-                  <a16:creationId xmlns="" xmlns:a16="http://schemas.microsoft.com/office/drawing/2014/main" id="{681504C4-12AC-4251-8E47-0089784BDB9B}"/>
+                  <a16:creationId xmlns:a16="http://schemas.microsoft.com/office/drawing/2014/main" xmlns="" id="{681504C4-12AC-4251-8E47-0089784BDB9B}"/>
                 </a:ext>
               </a:extLst>
             </p:cNvPr>
@@ -31827,7 +31827,7 @@
             <p:cNvPr id="11" name="Straight Connector 10">
               <a:extLst>
                 <a:ext uri="{FF2B5EF4-FFF2-40B4-BE49-F238E27FC236}">
-                  <a16:creationId xmlns="" xmlns:a16="http://schemas.microsoft.com/office/drawing/2014/main" id="{192040D0-01C2-4643-8F84-3B8F334E545C}"/>
+                  <a16:creationId xmlns:a16="http://schemas.microsoft.com/office/drawing/2014/main" xmlns="" id="{192040D0-01C2-4643-8F84-3B8F334E545C}"/>
                 </a:ext>
               </a:extLst>
             </p:cNvPr>
@@ -31871,7 +31871,7 @@
             <p:cNvPr id="12" name="Oval 11">
               <a:extLst>
                 <a:ext uri="{FF2B5EF4-FFF2-40B4-BE49-F238E27FC236}">
-                  <a16:creationId xmlns="" xmlns:a16="http://schemas.microsoft.com/office/drawing/2014/main" id="{7ED601E9-2BFC-460B-A2A8-69A787A4988E}"/>
+                  <a16:creationId xmlns:a16="http://schemas.microsoft.com/office/drawing/2014/main" xmlns="" id="{7ED601E9-2BFC-460B-A2A8-69A787A4988E}"/>
                 </a:ext>
               </a:extLst>
             </p:cNvPr>
@@ -31927,7 +31927,7 @@
           <p:cNvPr id="13" name="Group 12">
             <a:extLst>
               <a:ext uri="{FF2B5EF4-FFF2-40B4-BE49-F238E27FC236}">
-                <a16:creationId xmlns="" xmlns:a16="http://schemas.microsoft.com/office/drawing/2014/main" id="{BB49A8A6-FEDB-4D20-B581-A84DB8EFE977}"/>
+                <a16:creationId xmlns:a16="http://schemas.microsoft.com/office/drawing/2014/main" xmlns="" id="{BB49A8A6-FEDB-4D20-B581-A84DB8EFE977}"/>
               </a:ext>
             </a:extLst>
           </p:cNvPr>
@@ -31947,7 +31947,7 @@
             <p:cNvPr id="14" name="Oval 13">
               <a:extLst>
                 <a:ext uri="{FF2B5EF4-FFF2-40B4-BE49-F238E27FC236}">
-                  <a16:creationId xmlns="" xmlns:a16="http://schemas.microsoft.com/office/drawing/2014/main" id="{C2F65998-5EC3-446A-8307-1CF81A348CE3}"/>
+                  <a16:creationId xmlns:a16="http://schemas.microsoft.com/office/drawing/2014/main" xmlns="" id="{C2F65998-5EC3-446A-8307-1CF81A348CE3}"/>
                 </a:ext>
               </a:extLst>
             </p:cNvPr>
@@ -32002,7 +32002,7 @@
             <p:cNvPr id="15" name="Straight Connector 14">
               <a:extLst>
                 <a:ext uri="{FF2B5EF4-FFF2-40B4-BE49-F238E27FC236}">
-                  <a16:creationId xmlns="" xmlns:a16="http://schemas.microsoft.com/office/drawing/2014/main" id="{7CC5D776-F60A-4A0C-AA7C-EFACDA2CEA88}"/>
+                  <a16:creationId xmlns:a16="http://schemas.microsoft.com/office/drawing/2014/main" xmlns="" id="{7CC5D776-F60A-4A0C-AA7C-EFACDA2CEA88}"/>
                 </a:ext>
               </a:extLst>
             </p:cNvPr>
@@ -32046,7 +32046,7 @@
             <p:cNvPr id="16" name="Oval 15">
               <a:extLst>
                 <a:ext uri="{FF2B5EF4-FFF2-40B4-BE49-F238E27FC236}">
-                  <a16:creationId xmlns="" xmlns:a16="http://schemas.microsoft.com/office/drawing/2014/main" id="{AEAFE309-55C5-409C-92ED-748307C74318}"/>
+                  <a16:creationId xmlns:a16="http://schemas.microsoft.com/office/drawing/2014/main" xmlns="" id="{AEAFE309-55C5-409C-92ED-748307C74318}"/>
                 </a:ext>
               </a:extLst>
             </p:cNvPr>
@@ -32102,7 +32102,7 @@
           <p:cNvPr id="17" name="Subtitle 2">
             <a:extLst>
               <a:ext uri="{FF2B5EF4-FFF2-40B4-BE49-F238E27FC236}">
-                <a16:creationId xmlns="" xmlns:a16="http://schemas.microsoft.com/office/drawing/2014/main" id="{5B77B20B-76F5-4912-803D-5709F730D4FB}"/>
+                <a16:creationId xmlns:a16="http://schemas.microsoft.com/office/drawing/2014/main" xmlns="" id="{5B77B20B-76F5-4912-803D-5709F730D4FB}"/>
               </a:ext>
             </a:extLst>
           </p:cNvPr>
@@ -32213,7 +32213,7 @@
           <p:cNvPr id="7" name="Rectangle 6">
             <a:extLst>
               <a:ext uri="{FF2B5EF4-FFF2-40B4-BE49-F238E27FC236}">
-                <a16:creationId xmlns="" xmlns:a16="http://schemas.microsoft.com/office/drawing/2014/main" id="{09F1B35C-893A-4033-ADC0-2192AFA29271}"/>
+                <a16:creationId xmlns:a16="http://schemas.microsoft.com/office/drawing/2014/main" xmlns="" id="{09F1B35C-893A-4033-ADC0-2192AFA29271}"/>
               </a:ext>
             </a:extLst>
           </p:cNvPr>
@@ -32280,7 +32280,7 @@
           <p:cNvPr id="2" name="Title 1">
             <a:extLst>
               <a:ext uri="{FF2B5EF4-FFF2-40B4-BE49-F238E27FC236}">
-                <a16:creationId xmlns="" xmlns:a16="http://schemas.microsoft.com/office/drawing/2014/main" id="{CD637DF8-B064-4F36-89F8-EBF538A2E7F2}"/>
+                <a16:creationId xmlns:a16="http://schemas.microsoft.com/office/drawing/2014/main" xmlns="" id="{CD637DF8-B064-4F36-89F8-EBF538A2E7F2}"/>
               </a:ext>
             </a:extLst>
           </p:cNvPr>
@@ -32319,7 +32319,7 @@
           <p:cNvPr id="3" name="Text Placeholder 2">
             <a:extLst>
               <a:ext uri="{FF2B5EF4-FFF2-40B4-BE49-F238E27FC236}">
-                <a16:creationId xmlns="" xmlns:a16="http://schemas.microsoft.com/office/drawing/2014/main" id="{8A72532A-5006-46B7-AE99-3A6891CD0254}"/>
+                <a16:creationId xmlns:a16="http://schemas.microsoft.com/office/drawing/2014/main" xmlns="" id="{8A72532A-5006-46B7-AE99-3A6891CD0254}"/>
               </a:ext>
             </a:extLst>
           </p:cNvPr>
@@ -32449,7 +32449,7 @@
           <p:cNvPr id="4" name="Date Placeholder 3">
             <a:extLst>
               <a:ext uri="{FF2B5EF4-FFF2-40B4-BE49-F238E27FC236}">
-                <a16:creationId xmlns="" xmlns:a16="http://schemas.microsoft.com/office/drawing/2014/main" id="{49EFC6D7-3241-401C-A16A-4A7CC2653954}"/>
+                <a16:creationId xmlns:a16="http://schemas.microsoft.com/office/drawing/2014/main" xmlns="" id="{49EFC6D7-3241-401C-A16A-4A7CC2653954}"/>
               </a:ext>
             </a:extLst>
           </p:cNvPr>
@@ -32477,7 +32477,7 @@
           <p:cNvPr id="5" name="Footer Placeholder 4">
             <a:extLst>
               <a:ext uri="{FF2B5EF4-FFF2-40B4-BE49-F238E27FC236}">
-                <a16:creationId xmlns="" xmlns:a16="http://schemas.microsoft.com/office/drawing/2014/main" id="{F345D6DC-ABA5-4D00-9CD3-92FFDD1FA2DC}"/>
+                <a16:creationId xmlns:a16="http://schemas.microsoft.com/office/drawing/2014/main" xmlns="" id="{F345D6DC-ABA5-4D00-9CD3-92FFDD1FA2DC}"/>
               </a:ext>
             </a:extLst>
           </p:cNvPr>
@@ -32505,7 +32505,7 @@
           <p:cNvPr id="6" name="Slide Number Placeholder 5">
             <a:extLst>
               <a:ext uri="{FF2B5EF4-FFF2-40B4-BE49-F238E27FC236}">
-                <a16:creationId xmlns="" xmlns:a16="http://schemas.microsoft.com/office/drawing/2014/main" id="{92459C86-0106-40E0-AA18-795EC5787677}"/>
+                <a16:creationId xmlns:a16="http://schemas.microsoft.com/office/drawing/2014/main" xmlns="" id="{92459C86-0106-40E0-AA18-795EC5787677}"/>
               </a:ext>
             </a:extLst>
           </p:cNvPr>
@@ -32534,7 +32534,7 @@
           <p:cNvPr id="11" name="Picture Placeholder 10">
             <a:extLst>
               <a:ext uri="{FF2B5EF4-FFF2-40B4-BE49-F238E27FC236}">
-                <a16:creationId xmlns="" xmlns:a16="http://schemas.microsoft.com/office/drawing/2014/main" id="{6D14F7B3-A6CF-491C-9855-75B5784CC456}"/>
+                <a16:creationId xmlns:a16="http://schemas.microsoft.com/office/drawing/2014/main" xmlns="" id="{6D14F7B3-A6CF-491C-9855-75B5784CC456}"/>
               </a:ext>
             </a:extLst>
           </p:cNvPr>
@@ -32575,7 +32575,7 @@
           <p:cNvPr id="15" name="Group 14">
             <a:extLst>
               <a:ext uri="{FF2B5EF4-FFF2-40B4-BE49-F238E27FC236}">
-                <a16:creationId xmlns="" xmlns:a16="http://schemas.microsoft.com/office/drawing/2014/main" id="{B7317392-EF87-4050-8BBE-32F74B0CF15A}"/>
+                <a16:creationId xmlns:a16="http://schemas.microsoft.com/office/drawing/2014/main" xmlns="" id="{B7317392-EF87-4050-8BBE-32F74B0CF15A}"/>
               </a:ext>
             </a:extLst>
           </p:cNvPr>
@@ -32595,7 +32595,7 @@
             <p:cNvPr id="13" name="Straight Connector 12">
               <a:extLst>
                 <a:ext uri="{FF2B5EF4-FFF2-40B4-BE49-F238E27FC236}">
-                  <a16:creationId xmlns="" xmlns:a16="http://schemas.microsoft.com/office/drawing/2014/main" id="{785A4134-866D-4143-AC1E-8A2FFDB49855}"/>
+                  <a16:creationId xmlns:a16="http://schemas.microsoft.com/office/drawing/2014/main" xmlns="" id="{785A4134-866D-4143-AC1E-8A2FFDB49855}"/>
                 </a:ext>
               </a:extLst>
             </p:cNvPr>
@@ -32639,7 +32639,7 @@
             <p:cNvPr id="14" name="Oval 13">
               <a:extLst>
                 <a:ext uri="{FF2B5EF4-FFF2-40B4-BE49-F238E27FC236}">
-                  <a16:creationId xmlns="" xmlns:a16="http://schemas.microsoft.com/office/drawing/2014/main" id="{1BBC5D9C-B8FB-455B-9398-36DB21F2765E}"/>
+                  <a16:creationId xmlns:a16="http://schemas.microsoft.com/office/drawing/2014/main" xmlns="" id="{1BBC5D9C-B8FB-455B-9398-36DB21F2765E}"/>
                 </a:ext>
               </a:extLst>
             </p:cNvPr>
@@ -32700,7 +32700,7 @@
           <p:cNvPr id="16" name="Text Placeholder 2">
             <a:extLst>
               <a:ext uri="{FF2B5EF4-FFF2-40B4-BE49-F238E27FC236}">
-                <a16:creationId xmlns="" xmlns:a16="http://schemas.microsoft.com/office/drawing/2014/main" id="{BB522941-5C7D-4701-9AD7-BB4C11C6EBCE}"/>
+                <a16:creationId xmlns:a16="http://schemas.microsoft.com/office/drawing/2014/main" xmlns="" id="{BB522941-5C7D-4701-9AD7-BB4C11C6EBCE}"/>
               </a:ext>
             </a:extLst>
           </p:cNvPr>
@@ -32831,7 +32831,7 @@
           <p:cNvPr id="17" name="Oval 16">
             <a:extLst>
               <a:ext uri="{FF2B5EF4-FFF2-40B4-BE49-F238E27FC236}">
-                <a16:creationId xmlns="" xmlns:a16="http://schemas.microsoft.com/office/drawing/2014/main" id="{72225750-E4CE-4A81-A0C3-4023030D637E}"/>
+                <a16:creationId xmlns:a16="http://schemas.microsoft.com/office/drawing/2014/main" xmlns="" id="{72225750-E4CE-4A81-A0C3-4023030D637E}"/>
               </a:ext>
             </a:extLst>
           </p:cNvPr>
@@ -32886,7 +32886,7 @@
           <p:cNvPr id="18" name="Straight Connector 17">
             <a:extLst>
               <a:ext uri="{FF2B5EF4-FFF2-40B4-BE49-F238E27FC236}">
-                <a16:creationId xmlns="" xmlns:a16="http://schemas.microsoft.com/office/drawing/2014/main" id="{3819C324-07DF-49DB-A08C-0E6155CE3041}"/>
+                <a16:creationId xmlns:a16="http://schemas.microsoft.com/office/drawing/2014/main" xmlns="" id="{3819C324-07DF-49DB-A08C-0E6155CE3041}"/>
               </a:ext>
             </a:extLst>
           </p:cNvPr>
@@ -32930,7 +32930,7 @@
           <p:cNvPr id="19" name="Oval 18">
             <a:extLst>
               <a:ext uri="{FF2B5EF4-FFF2-40B4-BE49-F238E27FC236}">
-                <a16:creationId xmlns="" xmlns:a16="http://schemas.microsoft.com/office/drawing/2014/main" id="{75A34025-44F2-4A09-8629-F1794E9D35AF}"/>
+                <a16:creationId xmlns:a16="http://schemas.microsoft.com/office/drawing/2014/main" xmlns="" id="{75A34025-44F2-4A09-8629-F1794E9D35AF}"/>
               </a:ext>
             </a:extLst>
           </p:cNvPr>
@@ -32985,7 +32985,7 @@
           <p:cNvPr id="20" name="Straight Connector 19">
             <a:extLst>
               <a:ext uri="{FF2B5EF4-FFF2-40B4-BE49-F238E27FC236}">
-                <a16:creationId xmlns="" xmlns:a16="http://schemas.microsoft.com/office/drawing/2014/main" id="{815854A2-EAE9-4B2A-84CF-5A4BD753863A}"/>
+                <a16:creationId xmlns:a16="http://schemas.microsoft.com/office/drawing/2014/main" xmlns="" id="{815854A2-EAE9-4B2A-84CF-5A4BD753863A}"/>
               </a:ext>
             </a:extLst>
           </p:cNvPr>
@@ -33031,7 +33031,7 @@
           <p:cNvPr id="22" name="Picture Placeholder 7">
             <a:extLst>
               <a:ext uri="{FF2B5EF4-FFF2-40B4-BE49-F238E27FC236}">
-                <a16:creationId xmlns="" xmlns:a16="http://schemas.microsoft.com/office/drawing/2014/main" id="{DE71F7A0-F439-470D-A1B8-556C960D112C}"/>
+                <a16:creationId xmlns:a16="http://schemas.microsoft.com/office/drawing/2014/main" xmlns="" id="{DE71F7A0-F439-470D-A1B8-556C960D112C}"/>
               </a:ext>
             </a:extLst>
           </p:cNvPr>
@@ -33102,7 +33102,7 @@
           <p:cNvPr id="7" name="Rectangle 6">
             <a:extLst>
               <a:ext uri="{FF2B5EF4-FFF2-40B4-BE49-F238E27FC236}">
-                <a16:creationId xmlns="" xmlns:a16="http://schemas.microsoft.com/office/drawing/2014/main" id="{A16E3F0B-343E-4C97-A8D6-C47FCC915F74}"/>
+                <a16:creationId xmlns:a16="http://schemas.microsoft.com/office/drawing/2014/main" xmlns="" id="{A16E3F0B-343E-4C97-A8D6-C47FCC915F74}"/>
               </a:ext>
             </a:extLst>
           </p:cNvPr>
@@ -33169,7 +33169,7 @@
           <p:cNvPr id="2" name="Title 1">
             <a:extLst>
               <a:ext uri="{FF2B5EF4-FFF2-40B4-BE49-F238E27FC236}">
-                <a16:creationId xmlns="" xmlns:a16="http://schemas.microsoft.com/office/drawing/2014/main" id="{7215E379-3C1C-4942-917E-02E25E8CB910}"/>
+                <a16:creationId xmlns:a16="http://schemas.microsoft.com/office/drawing/2014/main" xmlns="" id="{7215E379-3C1C-4942-917E-02E25E8CB910}"/>
               </a:ext>
             </a:extLst>
           </p:cNvPr>
@@ -33202,7 +33202,7 @@
           <p:cNvPr id="3" name="Date Placeholder 2">
             <a:extLst>
               <a:ext uri="{FF2B5EF4-FFF2-40B4-BE49-F238E27FC236}">
-                <a16:creationId xmlns="" xmlns:a16="http://schemas.microsoft.com/office/drawing/2014/main" id="{046047C4-77C4-4E19-8DD7-2ED3165B7637}"/>
+                <a16:creationId xmlns:a16="http://schemas.microsoft.com/office/drawing/2014/main" xmlns="" id="{046047C4-77C4-4E19-8DD7-2ED3165B7637}"/>
               </a:ext>
             </a:extLst>
           </p:cNvPr>
@@ -33230,7 +33230,7 @@
           <p:cNvPr id="4" name="Footer Placeholder 3">
             <a:extLst>
               <a:ext uri="{FF2B5EF4-FFF2-40B4-BE49-F238E27FC236}">
-                <a16:creationId xmlns="" xmlns:a16="http://schemas.microsoft.com/office/drawing/2014/main" id="{D250B5CF-1C4F-4BA2-8E78-5F48C92A9DA1}"/>
+                <a16:creationId xmlns:a16="http://schemas.microsoft.com/office/drawing/2014/main" xmlns="" id="{D250B5CF-1C4F-4BA2-8E78-5F48C92A9DA1}"/>
               </a:ext>
             </a:extLst>
           </p:cNvPr>
@@ -33258,7 +33258,7 @@
           <p:cNvPr id="5" name="Slide Number Placeholder 4">
             <a:extLst>
               <a:ext uri="{FF2B5EF4-FFF2-40B4-BE49-F238E27FC236}">
-                <a16:creationId xmlns="" xmlns:a16="http://schemas.microsoft.com/office/drawing/2014/main" id="{714C6A0A-8A9D-47A1-97DA-BB494915175B}"/>
+                <a16:creationId xmlns:a16="http://schemas.microsoft.com/office/drawing/2014/main" xmlns="" id="{714C6A0A-8A9D-47A1-97DA-BB494915175B}"/>
               </a:ext>
             </a:extLst>
           </p:cNvPr>
@@ -33288,7 +33288,7 @@
           <p:cNvPr id="6" name="Content Placeholder 2">
             <a:extLst>
               <a:ext uri="{FF2B5EF4-FFF2-40B4-BE49-F238E27FC236}">
-                <a16:creationId xmlns="" xmlns:a16="http://schemas.microsoft.com/office/drawing/2014/main" id="{DEA943F6-C418-4339-8C7E-A12127BDE29C}"/>
+                <a16:creationId xmlns:a16="http://schemas.microsoft.com/office/drawing/2014/main" xmlns="" id="{DEA943F6-C418-4339-8C7E-A12127BDE29C}"/>
               </a:ext>
             </a:extLst>
           </p:cNvPr>
@@ -33416,7 +33416,7 @@
           <p:cNvPr id="9" name="Rectangle 8">
             <a:extLst>
               <a:ext uri="{FF2B5EF4-FFF2-40B4-BE49-F238E27FC236}">
-                <a16:creationId xmlns="" xmlns:a16="http://schemas.microsoft.com/office/drawing/2014/main" id="{8B6FE9A2-5CE4-4652-97CE-3FF947D5485F}"/>
+                <a16:creationId xmlns:a16="http://schemas.microsoft.com/office/drawing/2014/main" xmlns="" id="{8B6FE9A2-5CE4-4652-97CE-3FF947D5485F}"/>
               </a:ext>
             </a:extLst>
           </p:cNvPr>
@@ -33483,7 +33483,7 @@
           <p:cNvPr id="2" name="Title 1">
             <a:extLst>
               <a:ext uri="{FF2B5EF4-FFF2-40B4-BE49-F238E27FC236}">
-                <a16:creationId xmlns="" xmlns:a16="http://schemas.microsoft.com/office/drawing/2014/main" id="{7215E379-3C1C-4942-917E-02E25E8CB910}"/>
+                <a16:creationId xmlns:a16="http://schemas.microsoft.com/office/drawing/2014/main" xmlns="" id="{7215E379-3C1C-4942-917E-02E25E8CB910}"/>
               </a:ext>
             </a:extLst>
           </p:cNvPr>
@@ -33516,7 +33516,7 @@
           <p:cNvPr id="3" name="Date Placeholder 2">
             <a:extLst>
               <a:ext uri="{FF2B5EF4-FFF2-40B4-BE49-F238E27FC236}">
-                <a16:creationId xmlns="" xmlns:a16="http://schemas.microsoft.com/office/drawing/2014/main" id="{046047C4-77C4-4E19-8DD7-2ED3165B7637}"/>
+                <a16:creationId xmlns:a16="http://schemas.microsoft.com/office/drawing/2014/main" xmlns="" id="{046047C4-77C4-4E19-8DD7-2ED3165B7637}"/>
               </a:ext>
             </a:extLst>
           </p:cNvPr>
@@ -33544,7 +33544,7 @@
           <p:cNvPr id="4" name="Footer Placeholder 3">
             <a:extLst>
               <a:ext uri="{FF2B5EF4-FFF2-40B4-BE49-F238E27FC236}">
-                <a16:creationId xmlns="" xmlns:a16="http://schemas.microsoft.com/office/drawing/2014/main" id="{D250B5CF-1C4F-4BA2-8E78-5F48C92A9DA1}"/>
+                <a16:creationId xmlns:a16="http://schemas.microsoft.com/office/drawing/2014/main" xmlns="" id="{D250B5CF-1C4F-4BA2-8E78-5F48C92A9DA1}"/>
               </a:ext>
             </a:extLst>
           </p:cNvPr>
@@ -33572,7 +33572,7 @@
           <p:cNvPr id="5" name="Slide Number Placeholder 4">
             <a:extLst>
               <a:ext uri="{FF2B5EF4-FFF2-40B4-BE49-F238E27FC236}">
-                <a16:creationId xmlns="" xmlns:a16="http://schemas.microsoft.com/office/drawing/2014/main" id="{714C6A0A-8A9D-47A1-97DA-BB494915175B}"/>
+                <a16:creationId xmlns:a16="http://schemas.microsoft.com/office/drawing/2014/main" xmlns="" id="{714C6A0A-8A9D-47A1-97DA-BB494915175B}"/>
               </a:ext>
             </a:extLst>
           </p:cNvPr>
@@ -33602,7 +33602,7 @@
           <p:cNvPr id="7" name="Content Placeholder 2">
             <a:extLst>
               <a:ext uri="{FF2B5EF4-FFF2-40B4-BE49-F238E27FC236}">
-                <a16:creationId xmlns="" xmlns:a16="http://schemas.microsoft.com/office/drawing/2014/main" id="{3FD6D4E1-CC57-4556-9CB7-31B375477219}"/>
+                <a16:creationId xmlns:a16="http://schemas.microsoft.com/office/drawing/2014/main" xmlns="" id="{3FD6D4E1-CC57-4556-9CB7-31B375477219}"/>
               </a:ext>
             </a:extLst>
           </p:cNvPr>
@@ -33702,7 +33702,7 @@
           <p:cNvPr id="8" name="Content Placeholder 3">
             <a:extLst>
               <a:ext uri="{FF2B5EF4-FFF2-40B4-BE49-F238E27FC236}">
-                <a16:creationId xmlns="" xmlns:a16="http://schemas.microsoft.com/office/drawing/2014/main" id="{2AE7A31C-D605-4363-B037-1938B9304C13}"/>
+                <a16:creationId xmlns:a16="http://schemas.microsoft.com/office/drawing/2014/main" xmlns="" id="{2AE7A31C-D605-4363-B037-1938B9304C13}"/>
               </a:ext>
             </a:extLst>
           </p:cNvPr>
@@ -33832,7 +33832,7 @@
           <p:cNvPr id="11" name="Rectangle 10">
             <a:extLst>
               <a:ext uri="{FF2B5EF4-FFF2-40B4-BE49-F238E27FC236}">
-                <a16:creationId xmlns="" xmlns:a16="http://schemas.microsoft.com/office/drawing/2014/main" id="{A4B5E40D-C1A5-4C5A-BBA0-C3E41F028D01}"/>
+                <a16:creationId xmlns:a16="http://schemas.microsoft.com/office/drawing/2014/main" xmlns="" id="{A4B5E40D-C1A5-4C5A-BBA0-C3E41F028D01}"/>
               </a:ext>
             </a:extLst>
           </p:cNvPr>
@@ -33899,7 +33899,7 @@
           <p:cNvPr id="2" name="Title 1">
             <a:extLst>
               <a:ext uri="{FF2B5EF4-FFF2-40B4-BE49-F238E27FC236}">
-                <a16:creationId xmlns="" xmlns:a16="http://schemas.microsoft.com/office/drawing/2014/main" id="{7215E379-3C1C-4942-917E-02E25E8CB910}"/>
+                <a16:creationId xmlns:a16="http://schemas.microsoft.com/office/drawing/2014/main" xmlns="" id="{7215E379-3C1C-4942-917E-02E25E8CB910}"/>
               </a:ext>
             </a:extLst>
           </p:cNvPr>
@@ -33932,7 +33932,7 @@
           <p:cNvPr id="3" name="Date Placeholder 2">
             <a:extLst>
               <a:ext uri="{FF2B5EF4-FFF2-40B4-BE49-F238E27FC236}">
-                <a16:creationId xmlns="" xmlns:a16="http://schemas.microsoft.com/office/drawing/2014/main" id="{046047C4-77C4-4E19-8DD7-2ED3165B7637}"/>
+                <a16:creationId xmlns:a16="http://schemas.microsoft.com/office/drawing/2014/main" xmlns="" id="{046047C4-77C4-4E19-8DD7-2ED3165B7637}"/>
               </a:ext>
             </a:extLst>
           </p:cNvPr>
@@ -33960,7 +33960,7 @@
           <p:cNvPr id="4" name="Footer Placeholder 3">
             <a:extLst>
               <a:ext uri="{FF2B5EF4-FFF2-40B4-BE49-F238E27FC236}">
-                <a16:creationId xmlns="" xmlns:a16="http://schemas.microsoft.com/office/drawing/2014/main" id="{D250B5CF-1C4F-4BA2-8E78-5F48C92A9DA1}"/>
+                <a16:creationId xmlns:a16="http://schemas.microsoft.com/office/drawing/2014/main" xmlns="" id="{D250B5CF-1C4F-4BA2-8E78-5F48C92A9DA1}"/>
               </a:ext>
             </a:extLst>
           </p:cNvPr>
@@ -33988,7 +33988,7 @@
           <p:cNvPr id="5" name="Slide Number Placeholder 4">
             <a:extLst>
               <a:ext uri="{FF2B5EF4-FFF2-40B4-BE49-F238E27FC236}">
-                <a16:creationId xmlns="" xmlns:a16="http://schemas.microsoft.com/office/drawing/2014/main" id="{714C6A0A-8A9D-47A1-97DA-BB494915175B}"/>
+                <a16:creationId xmlns:a16="http://schemas.microsoft.com/office/drawing/2014/main" xmlns="" id="{714C6A0A-8A9D-47A1-97DA-BB494915175B}"/>
               </a:ext>
             </a:extLst>
           </p:cNvPr>
@@ -34018,7 +34018,7 @@
           <p:cNvPr id="7" name="Text Placeholder 2">
             <a:extLst>
               <a:ext uri="{FF2B5EF4-FFF2-40B4-BE49-F238E27FC236}">
-                <a16:creationId xmlns="" xmlns:a16="http://schemas.microsoft.com/office/drawing/2014/main" id="{85C650EE-495E-44EB-870B-AC85B18EBDB8}"/>
+                <a16:creationId xmlns:a16="http://schemas.microsoft.com/office/drawing/2014/main" xmlns="" id="{85C650EE-495E-44EB-870B-AC85B18EBDB8}"/>
               </a:ext>
             </a:extLst>
           </p:cNvPr>
@@ -34091,7 +34091,7 @@
           <p:cNvPr id="8" name="Content Placeholder 3">
             <a:extLst>
               <a:ext uri="{FF2B5EF4-FFF2-40B4-BE49-F238E27FC236}">
-                <a16:creationId xmlns="" xmlns:a16="http://schemas.microsoft.com/office/drawing/2014/main" id="{77DCC2A5-8A6A-431F-BD6C-93E32539A0F4}"/>
+                <a16:creationId xmlns:a16="http://schemas.microsoft.com/office/drawing/2014/main" xmlns="" id="{77DCC2A5-8A6A-431F-BD6C-93E32539A0F4}"/>
               </a:ext>
             </a:extLst>
           </p:cNvPr>
@@ -34191,7 +34191,7 @@
           <p:cNvPr id="9" name="Text Placeholder 4">
             <a:extLst>
               <a:ext uri="{FF2B5EF4-FFF2-40B4-BE49-F238E27FC236}">
-                <a16:creationId xmlns="" xmlns:a16="http://schemas.microsoft.com/office/drawing/2014/main" id="{7FE620E9-8AD3-4771-8897-E65B461E2801}"/>
+                <a16:creationId xmlns:a16="http://schemas.microsoft.com/office/drawing/2014/main" xmlns="" id="{7FE620E9-8AD3-4771-8897-E65B461E2801}"/>
               </a:ext>
             </a:extLst>
           </p:cNvPr>
@@ -34264,7 +34264,7 @@
           <p:cNvPr id="10" name="Content Placeholder 5">
             <a:extLst>
               <a:ext uri="{FF2B5EF4-FFF2-40B4-BE49-F238E27FC236}">
-                <a16:creationId xmlns="" xmlns:a16="http://schemas.microsoft.com/office/drawing/2014/main" id="{B75F265B-9F81-4A64-A8D4-7D0A31CEA45A}"/>
+                <a16:creationId xmlns:a16="http://schemas.microsoft.com/office/drawing/2014/main" xmlns="" id="{B75F265B-9F81-4A64-A8D4-7D0A31CEA45A}"/>
               </a:ext>
             </a:extLst>
           </p:cNvPr>
@@ -34394,7 +34394,7 @@
           <p:cNvPr id="7" name="Rectangle 6">
             <a:extLst>
               <a:ext uri="{FF2B5EF4-FFF2-40B4-BE49-F238E27FC236}">
-                <a16:creationId xmlns="" xmlns:a16="http://schemas.microsoft.com/office/drawing/2014/main" id="{A16E3F0B-343E-4C97-A8D6-C47FCC915F74}"/>
+                <a16:creationId xmlns:a16="http://schemas.microsoft.com/office/drawing/2014/main" xmlns="" id="{A16E3F0B-343E-4C97-A8D6-C47FCC915F74}"/>
               </a:ext>
             </a:extLst>
           </p:cNvPr>
@@ -34461,7 +34461,7 @@
           <p:cNvPr id="3" name="Date Placeholder 2">
             <a:extLst>
               <a:ext uri="{FF2B5EF4-FFF2-40B4-BE49-F238E27FC236}">
-                <a16:creationId xmlns="" xmlns:a16="http://schemas.microsoft.com/office/drawing/2014/main" id="{046047C4-77C4-4E19-8DD7-2ED3165B7637}"/>
+                <a16:creationId xmlns:a16="http://schemas.microsoft.com/office/drawing/2014/main" xmlns="" id="{046047C4-77C4-4E19-8DD7-2ED3165B7637}"/>
               </a:ext>
             </a:extLst>
           </p:cNvPr>
@@ -34489,7 +34489,7 @@
           <p:cNvPr id="4" name="Footer Placeholder 3">
             <a:extLst>
               <a:ext uri="{FF2B5EF4-FFF2-40B4-BE49-F238E27FC236}">
-                <a16:creationId xmlns="" xmlns:a16="http://schemas.microsoft.com/office/drawing/2014/main" id="{D250B5CF-1C4F-4BA2-8E78-5F48C92A9DA1}"/>
+                <a16:creationId xmlns:a16="http://schemas.microsoft.com/office/drawing/2014/main" xmlns="" id="{D250B5CF-1C4F-4BA2-8E78-5F48C92A9DA1}"/>
               </a:ext>
             </a:extLst>
           </p:cNvPr>
@@ -34517,7 +34517,7 @@
           <p:cNvPr id="5" name="Slide Number Placeholder 4">
             <a:extLst>
               <a:ext uri="{FF2B5EF4-FFF2-40B4-BE49-F238E27FC236}">
-                <a16:creationId xmlns="" xmlns:a16="http://schemas.microsoft.com/office/drawing/2014/main" id="{714C6A0A-8A9D-47A1-97DA-BB494915175B}"/>
+                <a16:creationId xmlns:a16="http://schemas.microsoft.com/office/drawing/2014/main" xmlns="" id="{714C6A0A-8A9D-47A1-97DA-BB494915175B}"/>
               </a:ext>
             </a:extLst>
           </p:cNvPr>
@@ -34547,7 +34547,7 @@
           <p:cNvPr id="8" name="Title 1">
             <a:extLst>
               <a:ext uri="{FF2B5EF4-FFF2-40B4-BE49-F238E27FC236}">
-                <a16:creationId xmlns="" xmlns:a16="http://schemas.microsoft.com/office/drawing/2014/main" id="{8A02905C-2C7D-4445-B47F-3EBBA44657F7}"/>
+                <a16:creationId xmlns:a16="http://schemas.microsoft.com/office/drawing/2014/main" xmlns="" id="{8A02905C-2C7D-4445-B47F-3EBBA44657F7}"/>
               </a:ext>
             </a:extLst>
           </p:cNvPr>
@@ -34584,7 +34584,7 @@
           <p:cNvPr id="9" name="Text Placeholder 3">
             <a:extLst>
               <a:ext uri="{FF2B5EF4-FFF2-40B4-BE49-F238E27FC236}">
-                <a16:creationId xmlns="" xmlns:a16="http://schemas.microsoft.com/office/drawing/2014/main" id="{17BC8A51-D50F-4F98-9402-8FF90BD2D1BE}"/>
+                <a16:creationId xmlns:a16="http://schemas.microsoft.com/office/drawing/2014/main" xmlns="" id="{17BC8A51-D50F-4F98-9402-8FF90BD2D1BE}"/>
               </a:ext>
             </a:extLst>
           </p:cNvPr>
@@ -34655,7 +34655,7 @@
           <p:cNvPr id="10" name="Content Placeholder 2">
             <a:extLst>
               <a:ext uri="{FF2B5EF4-FFF2-40B4-BE49-F238E27FC236}">
-                <a16:creationId xmlns="" xmlns:a16="http://schemas.microsoft.com/office/drawing/2014/main" id="{3AE79E65-3D1E-4444-9BD4-8578BF0C6484}"/>
+                <a16:creationId xmlns:a16="http://schemas.microsoft.com/office/drawing/2014/main" xmlns="" id="{3AE79E65-3D1E-4444-9BD4-8578BF0C6484}"/>
               </a:ext>
             </a:extLst>
           </p:cNvPr>
@@ -34797,7 +34797,7 @@
           <p:cNvPr id="7" name="Rectangle 6">
             <a:extLst>
               <a:ext uri="{FF2B5EF4-FFF2-40B4-BE49-F238E27FC236}">
-                <a16:creationId xmlns="" xmlns:a16="http://schemas.microsoft.com/office/drawing/2014/main" id="{A16E3F0B-343E-4C97-A8D6-C47FCC915F74}"/>
+                <a16:creationId xmlns:a16="http://schemas.microsoft.com/office/drawing/2014/main" xmlns="" id="{A16E3F0B-343E-4C97-A8D6-C47FCC915F74}"/>
               </a:ext>
             </a:extLst>
           </p:cNvPr>
@@ -34864,7 +34864,7 @@
           <p:cNvPr id="3" name="Date Placeholder 2">
             <a:extLst>
               <a:ext uri="{FF2B5EF4-FFF2-40B4-BE49-F238E27FC236}">
-                <a16:creationId xmlns="" xmlns:a16="http://schemas.microsoft.com/office/drawing/2014/main" id="{046047C4-77C4-4E19-8DD7-2ED3165B7637}"/>
+                <a16:creationId xmlns:a16="http://schemas.microsoft.com/office/drawing/2014/main" xmlns="" id="{046047C4-77C4-4E19-8DD7-2ED3165B7637}"/>
               </a:ext>
             </a:extLst>
           </p:cNvPr>
@@ -34892,7 +34892,7 @@
           <p:cNvPr id="4" name="Footer Placeholder 3">
             <a:extLst>
               <a:ext uri="{FF2B5EF4-FFF2-40B4-BE49-F238E27FC236}">
-                <a16:creationId xmlns="" xmlns:a16="http://schemas.microsoft.com/office/drawing/2014/main" id="{D250B5CF-1C4F-4BA2-8E78-5F48C92A9DA1}"/>
+                <a16:creationId xmlns:a16="http://schemas.microsoft.com/office/drawing/2014/main" xmlns="" id="{D250B5CF-1C4F-4BA2-8E78-5F48C92A9DA1}"/>
               </a:ext>
             </a:extLst>
           </p:cNvPr>
@@ -34920,7 +34920,7 @@
           <p:cNvPr id="5" name="Slide Number Placeholder 4">
             <a:extLst>
               <a:ext uri="{FF2B5EF4-FFF2-40B4-BE49-F238E27FC236}">
-                <a16:creationId xmlns="" xmlns:a16="http://schemas.microsoft.com/office/drawing/2014/main" id="{714C6A0A-8A9D-47A1-97DA-BB494915175B}"/>
+                <a16:creationId xmlns:a16="http://schemas.microsoft.com/office/drawing/2014/main" xmlns="" id="{714C6A0A-8A9D-47A1-97DA-BB494915175B}"/>
               </a:ext>
             </a:extLst>
           </p:cNvPr>
@@ -34950,7 +34950,7 @@
           <p:cNvPr id="8" name="Title 1">
             <a:extLst>
               <a:ext uri="{FF2B5EF4-FFF2-40B4-BE49-F238E27FC236}">
-                <a16:creationId xmlns="" xmlns:a16="http://schemas.microsoft.com/office/drawing/2014/main" id="{8A02905C-2C7D-4445-B47F-3EBBA44657F7}"/>
+                <a16:creationId xmlns:a16="http://schemas.microsoft.com/office/drawing/2014/main" xmlns="" id="{8A02905C-2C7D-4445-B47F-3EBBA44657F7}"/>
               </a:ext>
             </a:extLst>
           </p:cNvPr>
@@ -34987,7 +34987,7 @@
           <p:cNvPr id="9" name="Text Placeholder 3">
             <a:extLst>
               <a:ext uri="{FF2B5EF4-FFF2-40B4-BE49-F238E27FC236}">
-                <a16:creationId xmlns="" xmlns:a16="http://schemas.microsoft.com/office/drawing/2014/main" id="{17BC8A51-D50F-4F98-9402-8FF90BD2D1BE}"/>
+                <a16:creationId xmlns:a16="http://schemas.microsoft.com/office/drawing/2014/main" xmlns="" id="{17BC8A51-D50F-4F98-9402-8FF90BD2D1BE}"/>
               </a:ext>
             </a:extLst>
           </p:cNvPr>
@@ -35058,7 +35058,7 @@
           <p:cNvPr id="11" name="Picture Placeholder 2">
             <a:extLst>
               <a:ext uri="{FF2B5EF4-FFF2-40B4-BE49-F238E27FC236}">
-                <a16:creationId xmlns="" xmlns:a16="http://schemas.microsoft.com/office/drawing/2014/main" id="{1D23A006-AC57-4A0B-BC20-6D226A80CC78}"/>
+                <a16:creationId xmlns:a16="http://schemas.microsoft.com/office/drawing/2014/main" xmlns="" id="{1D23A006-AC57-4A0B-BC20-6D226A80CC78}"/>
               </a:ext>
             </a:extLst>
           </p:cNvPr>
@@ -35165,7 +35165,7 @@
           <p:cNvPr id="7" name="Rectangle 6">
             <a:extLst>
               <a:ext uri="{FF2B5EF4-FFF2-40B4-BE49-F238E27FC236}">
-                <a16:creationId xmlns="" xmlns:a16="http://schemas.microsoft.com/office/drawing/2014/main" id="{9F05564D-C546-470F-B93C-274AA86CE01F}"/>
+                <a16:creationId xmlns:a16="http://schemas.microsoft.com/office/drawing/2014/main" xmlns="" id="{9F05564D-C546-470F-B93C-274AA86CE01F}"/>
               </a:ext>
             </a:extLst>
           </p:cNvPr>
@@ -35232,7 +35232,7 @@
           <p:cNvPr id="2" name="Title 1">
             <a:extLst>
               <a:ext uri="{FF2B5EF4-FFF2-40B4-BE49-F238E27FC236}">
-                <a16:creationId xmlns="" xmlns:a16="http://schemas.microsoft.com/office/drawing/2014/main" id="{7215E379-3C1C-4942-917E-02E25E8CB910}"/>
+                <a16:creationId xmlns:a16="http://schemas.microsoft.com/office/drawing/2014/main" xmlns="" id="{7215E379-3C1C-4942-917E-02E25E8CB910}"/>
               </a:ext>
             </a:extLst>
           </p:cNvPr>
@@ -35265,7 +35265,7 @@
           <p:cNvPr id="3" name="Date Placeholder 2">
             <a:extLst>
               <a:ext uri="{FF2B5EF4-FFF2-40B4-BE49-F238E27FC236}">
-                <a16:creationId xmlns="" xmlns:a16="http://schemas.microsoft.com/office/drawing/2014/main" id="{046047C4-77C4-4E19-8DD7-2ED3165B7637}"/>
+                <a16:creationId xmlns:a16="http://schemas.microsoft.com/office/drawing/2014/main" xmlns="" id="{046047C4-77C4-4E19-8DD7-2ED3165B7637}"/>
               </a:ext>
             </a:extLst>
           </p:cNvPr>
@@ -35293,7 +35293,7 @@
           <p:cNvPr id="4" name="Footer Placeholder 3">
             <a:extLst>
               <a:ext uri="{FF2B5EF4-FFF2-40B4-BE49-F238E27FC236}">
-                <a16:creationId xmlns="" xmlns:a16="http://schemas.microsoft.com/office/drawing/2014/main" id="{D250B5CF-1C4F-4BA2-8E78-5F48C92A9DA1}"/>
+                <a16:creationId xmlns:a16="http://schemas.microsoft.com/office/drawing/2014/main" xmlns="" id="{D250B5CF-1C4F-4BA2-8E78-5F48C92A9DA1}"/>
               </a:ext>
             </a:extLst>
           </p:cNvPr>
@@ -35321,7 +35321,7 @@
           <p:cNvPr id="5" name="Slide Number Placeholder 4">
             <a:extLst>
               <a:ext uri="{FF2B5EF4-FFF2-40B4-BE49-F238E27FC236}">
-                <a16:creationId xmlns="" xmlns:a16="http://schemas.microsoft.com/office/drawing/2014/main" id="{714C6A0A-8A9D-47A1-97DA-BB494915175B}"/>
+                <a16:creationId xmlns:a16="http://schemas.microsoft.com/office/drawing/2014/main" xmlns="" id="{714C6A0A-8A9D-47A1-97DA-BB494915175B}"/>
               </a:ext>
             </a:extLst>
           </p:cNvPr>
@@ -35351,7 +35351,7 @@
           <p:cNvPr id="8" name="Text Placeholder 7">
             <a:extLst>
               <a:ext uri="{FF2B5EF4-FFF2-40B4-BE49-F238E27FC236}">
-                <a16:creationId xmlns="" xmlns:a16="http://schemas.microsoft.com/office/drawing/2014/main" id="{FE102DC0-E499-4C34-9CD9-CDABF71081B3}"/>
+                <a16:creationId xmlns:a16="http://schemas.microsoft.com/office/drawing/2014/main" xmlns="" id="{FE102DC0-E499-4C34-9CD9-CDABF71081B3}"/>
               </a:ext>
             </a:extLst>
           </p:cNvPr>
@@ -35422,7 +35422,7 @@
           <p:cNvPr id="7" name="Rectangle 6">
             <a:extLst>
               <a:ext uri="{FF2B5EF4-FFF2-40B4-BE49-F238E27FC236}">
-                <a16:creationId xmlns="" xmlns:a16="http://schemas.microsoft.com/office/drawing/2014/main" id="{9F05564D-C546-470F-B93C-274AA86CE01F}"/>
+                <a16:creationId xmlns:a16="http://schemas.microsoft.com/office/drawing/2014/main" xmlns="" id="{9F05564D-C546-470F-B93C-274AA86CE01F}"/>
               </a:ext>
             </a:extLst>
           </p:cNvPr>
@@ -35489,7 +35489,7 @@
           <p:cNvPr id="2" name="Title 1">
             <a:extLst>
               <a:ext uri="{FF2B5EF4-FFF2-40B4-BE49-F238E27FC236}">
-                <a16:creationId xmlns="" xmlns:a16="http://schemas.microsoft.com/office/drawing/2014/main" id="{7215E379-3C1C-4942-917E-02E25E8CB910}"/>
+                <a16:creationId xmlns:a16="http://schemas.microsoft.com/office/drawing/2014/main" xmlns="" id="{7215E379-3C1C-4942-917E-02E25E8CB910}"/>
               </a:ext>
             </a:extLst>
           </p:cNvPr>
@@ -35522,7 +35522,7 @@
           <p:cNvPr id="3" name="Date Placeholder 2">
             <a:extLst>
               <a:ext uri="{FF2B5EF4-FFF2-40B4-BE49-F238E27FC236}">
-                <a16:creationId xmlns="" xmlns:a16="http://schemas.microsoft.com/office/drawing/2014/main" id="{046047C4-77C4-4E19-8DD7-2ED3165B7637}"/>
+                <a16:creationId xmlns:a16="http://schemas.microsoft.com/office/drawing/2014/main" xmlns="" id="{046047C4-77C4-4E19-8DD7-2ED3165B7637}"/>
               </a:ext>
             </a:extLst>
           </p:cNvPr>
@@ -35550,7 +35550,7 @@
           <p:cNvPr id="4" name="Footer Placeholder 3">
             <a:extLst>
               <a:ext uri="{FF2B5EF4-FFF2-40B4-BE49-F238E27FC236}">
-                <a16:creationId xmlns="" xmlns:a16="http://schemas.microsoft.com/office/drawing/2014/main" id="{D250B5CF-1C4F-4BA2-8E78-5F48C92A9DA1}"/>
+                <a16:creationId xmlns:a16="http://schemas.microsoft.com/office/drawing/2014/main" xmlns="" id="{D250B5CF-1C4F-4BA2-8E78-5F48C92A9DA1}"/>
               </a:ext>
             </a:extLst>
           </p:cNvPr>
@@ -35578,7 +35578,7 @@
           <p:cNvPr id="5" name="Slide Number Placeholder 4">
             <a:extLst>
               <a:ext uri="{FF2B5EF4-FFF2-40B4-BE49-F238E27FC236}">
-                <a16:creationId xmlns="" xmlns:a16="http://schemas.microsoft.com/office/drawing/2014/main" id="{714C6A0A-8A9D-47A1-97DA-BB494915175B}"/>
+                <a16:creationId xmlns:a16="http://schemas.microsoft.com/office/drawing/2014/main" xmlns="" id="{714C6A0A-8A9D-47A1-97DA-BB494915175B}"/>
               </a:ext>
             </a:extLst>
           </p:cNvPr>
@@ -35638,7 +35638,7 @@
           <p:cNvPr id="6" name="Rectangle 5">
             <a:extLst>
               <a:ext uri="{FF2B5EF4-FFF2-40B4-BE49-F238E27FC236}">
-                <a16:creationId xmlns="" xmlns:a16="http://schemas.microsoft.com/office/drawing/2014/main" id="{D9E60A5F-CE74-4F00-A5C2-F9742DDFFF1F}"/>
+                <a16:creationId xmlns:a16="http://schemas.microsoft.com/office/drawing/2014/main" xmlns="" id="{D9E60A5F-CE74-4F00-A5C2-F9742DDFFF1F}"/>
               </a:ext>
             </a:extLst>
           </p:cNvPr>
@@ -35705,7 +35705,7 @@
           <p:cNvPr id="3" name="Date Placeholder 2">
             <a:extLst>
               <a:ext uri="{FF2B5EF4-FFF2-40B4-BE49-F238E27FC236}">
-                <a16:creationId xmlns="" xmlns:a16="http://schemas.microsoft.com/office/drawing/2014/main" id="{046047C4-77C4-4E19-8DD7-2ED3165B7637}"/>
+                <a16:creationId xmlns:a16="http://schemas.microsoft.com/office/drawing/2014/main" xmlns="" id="{046047C4-77C4-4E19-8DD7-2ED3165B7637}"/>
               </a:ext>
             </a:extLst>
           </p:cNvPr>
@@ -35733,7 +35733,7 @@
           <p:cNvPr id="4" name="Footer Placeholder 3">
             <a:extLst>
               <a:ext uri="{FF2B5EF4-FFF2-40B4-BE49-F238E27FC236}">
-                <a16:creationId xmlns="" xmlns:a16="http://schemas.microsoft.com/office/drawing/2014/main" id="{D250B5CF-1C4F-4BA2-8E78-5F48C92A9DA1}"/>
+                <a16:creationId xmlns:a16="http://schemas.microsoft.com/office/drawing/2014/main" xmlns="" id="{D250B5CF-1C4F-4BA2-8E78-5F48C92A9DA1}"/>
               </a:ext>
             </a:extLst>
           </p:cNvPr>
@@ -35761,7 +35761,7 @@
           <p:cNvPr id="5" name="Slide Number Placeholder 4">
             <a:extLst>
               <a:ext uri="{FF2B5EF4-FFF2-40B4-BE49-F238E27FC236}">
-                <a16:creationId xmlns="" xmlns:a16="http://schemas.microsoft.com/office/drawing/2014/main" id="{714C6A0A-8A9D-47A1-97DA-BB494915175B}"/>
+                <a16:creationId xmlns:a16="http://schemas.microsoft.com/office/drawing/2014/main" xmlns="" id="{714C6A0A-8A9D-47A1-97DA-BB494915175B}"/>
               </a:ext>
             </a:extLst>
           </p:cNvPr>
@@ -35821,7 +35821,7 @@
           <p:cNvPr id="15" name="Rectangle 14">
             <a:extLst>
               <a:ext uri="{FF2B5EF4-FFF2-40B4-BE49-F238E27FC236}">
-                <a16:creationId xmlns="" xmlns:a16="http://schemas.microsoft.com/office/drawing/2014/main" id="{E8E3FDB8-6D5C-48FE-99EA-7EC60F4D8191}"/>
+                <a16:creationId xmlns:a16="http://schemas.microsoft.com/office/drawing/2014/main" xmlns="" id="{E8E3FDB8-6D5C-48FE-99EA-7EC60F4D8191}"/>
               </a:ext>
             </a:extLst>
           </p:cNvPr>
@@ -35888,7 +35888,7 @@
           <p:cNvPr id="5" name="Date Placeholder 4">
             <a:extLst>
               <a:ext uri="{FF2B5EF4-FFF2-40B4-BE49-F238E27FC236}">
-                <a16:creationId xmlns="" xmlns:a16="http://schemas.microsoft.com/office/drawing/2014/main" id="{2D9775F3-A041-479A-8038-652B7D9C72E9}"/>
+                <a16:creationId xmlns:a16="http://schemas.microsoft.com/office/drawing/2014/main" xmlns="" id="{2D9775F3-A041-479A-8038-652B7D9C72E9}"/>
               </a:ext>
             </a:extLst>
           </p:cNvPr>
@@ -35916,7 +35916,7 @@
           <p:cNvPr id="6" name="Footer Placeholder 5">
             <a:extLst>
               <a:ext uri="{FF2B5EF4-FFF2-40B4-BE49-F238E27FC236}">
-                <a16:creationId xmlns="" xmlns:a16="http://schemas.microsoft.com/office/drawing/2014/main" id="{29BEDD04-BE4E-4B91-B13E-0C4FB3E1658F}"/>
+                <a16:creationId xmlns:a16="http://schemas.microsoft.com/office/drawing/2014/main" xmlns="" id="{29BEDD04-BE4E-4B91-B13E-0C4FB3E1658F}"/>
               </a:ext>
             </a:extLst>
           </p:cNvPr>
@@ -35944,7 +35944,7 @@
           <p:cNvPr id="7" name="Slide Number Placeholder 6">
             <a:extLst>
               <a:ext uri="{FF2B5EF4-FFF2-40B4-BE49-F238E27FC236}">
-                <a16:creationId xmlns="" xmlns:a16="http://schemas.microsoft.com/office/drawing/2014/main" id="{306DF5D8-12DC-494E-B0F1-2E9C86A14544}"/>
+                <a16:creationId xmlns:a16="http://schemas.microsoft.com/office/drawing/2014/main" xmlns="" id="{306DF5D8-12DC-494E-B0F1-2E9C86A14544}"/>
               </a:ext>
             </a:extLst>
           </p:cNvPr>
@@ -35973,7 +35973,7 @@
           <p:cNvPr id="8" name="Title 1">
             <a:extLst>
               <a:ext uri="{FF2B5EF4-FFF2-40B4-BE49-F238E27FC236}">
-                <a16:creationId xmlns="" xmlns:a16="http://schemas.microsoft.com/office/drawing/2014/main" id="{ABF87C9E-53A2-4DE1-89DC-3907BE2E3D3C}"/>
+                <a16:creationId xmlns:a16="http://schemas.microsoft.com/office/drawing/2014/main" xmlns="" id="{ABF87C9E-53A2-4DE1-89DC-3907BE2E3D3C}"/>
               </a:ext>
             </a:extLst>
           </p:cNvPr>
@@ -36012,7 +36012,7 @@
           <p:cNvPr id="9" name="Text Placeholder 2">
             <a:extLst>
               <a:ext uri="{FF2B5EF4-FFF2-40B4-BE49-F238E27FC236}">
-                <a16:creationId xmlns="" xmlns:a16="http://schemas.microsoft.com/office/drawing/2014/main" id="{EB453F8F-AA02-4E0D-93BF-8CF4F1490377}"/>
+                <a16:creationId xmlns:a16="http://schemas.microsoft.com/office/drawing/2014/main" xmlns="" id="{EB453F8F-AA02-4E0D-93BF-8CF4F1490377}"/>
               </a:ext>
             </a:extLst>
           </p:cNvPr>
@@ -36142,7 +36142,7 @@
           <p:cNvPr id="10" name="Picture Placeholder 10">
             <a:extLst>
               <a:ext uri="{FF2B5EF4-FFF2-40B4-BE49-F238E27FC236}">
-                <a16:creationId xmlns="" xmlns:a16="http://schemas.microsoft.com/office/drawing/2014/main" id="{A541F291-2E4B-474E-9ED0-55C97A2A066D}"/>
+                <a16:creationId xmlns:a16="http://schemas.microsoft.com/office/drawing/2014/main" xmlns="" id="{A541F291-2E4B-474E-9ED0-55C97A2A066D}"/>
               </a:ext>
             </a:extLst>
           </p:cNvPr>
@@ -36183,7 +36183,7 @@
           <p:cNvPr id="11" name="Group 10">
             <a:extLst>
               <a:ext uri="{FF2B5EF4-FFF2-40B4-BE49-F238E27FC236}">
-                <a16:creationId xmlns="" xmlns:a16="http://schemas.microsoft.com/office/drawing/2014/main" id="{59E4D57E-4989-4939-A31F-637543FAB606}"/>
+                <a16:creationId xmlns:a16="http://schemas.microsoft.com/office/drawing/2014/main" xmlns="" id="{59E4D57E-4989-4939-A31F-637543FAB606}"/>
               </a:ext>
             </a:extLst>
           </p:cNvPr>
@@ -36203,7 +36203,7 @@
             <p:cNvPr id="12" name="Straight Connector 11">
               <a:extLst>
                 <a:ext uri="{FF2B5EF4-FFF2-40B4-BE49-F238E27FC236}">
-                  <a16:creationId xmlns="" xmlns:a16="http://schemas.microsoft.com/office/drawing/2014/main" id="{370B72A7-B625-48B8-88E6-BCE2A4DD531E}"/>
+                  <a16:creationId xmlns:a16="http://schemas.microsoft.com/office/drawing/2014/main" xmlns="" id="{370B72A7-B625-48B8-88E6-BCE2A4DD531E}"/>
                 </a:ext>
               </a:extLst>
             </p:cNvPr>
@@ -36247,7 +36247,7 @@
             <p:cNvPr id="13" name="Oval 12">
               <a:extLst>
                 <a:ext uri="{FF2B5EF4-FFF2-40B4-BE49-F238E27FC236}">
-                  <a16:creationId xmlns="" xmlns:a16="http://schemas.microsoft.com/office/drawing/2014/main" id="{01ED729F-F8A5-4244-9776-4935C260F11F}"/>
+                  <a16:creationId xmlns:a16="http://schemas.microsoft.com/office/drawing/2014/main" xmlns="" id="{01ED729F-F8A5-4244-9776-4935C260F11F}"/>
                 </a:ext>
               </a:extLst>
             </p:cNvPr>
@@ -36308,7 +36308,7 @@
           <p:cNvPr id="14" name="Text Placeholder 2">
             <a:extLst>
               <a:ext uri="{FF2B5EF4-FFF2-40B4-BE49-F238E27FC236}">
-                <a16:creationId xmlns="" xmlns:a16="http://schemas.microsoft.com/office/drawing/2014/main" id="{BE12A846-0DFC-435B-BAE9-D90C353E0344}"/>
+                <a16:creationId xmlns:a16="http://schemas.microsoft.com/office/drawing/2014/main" xmlns="" id="{BE12A846-0DFC-435B-BAE9-D90C353E0344}"/>
               </a:ext>
             </a:extLst>
           </p:cNvPr>
@@ -36443,7 +36443,7 @@
           <p:cNvPr id="17" name="Straight Connector 16">
             <a:extLst>
               <a:ext uri="{FF2B5EF4-FFF2-40B4-BE49-F238E27FC236}">
-                <a16:creationId xmlns="" xmlns:a16="http://schemas.microsoft.com/office/drawing/2014/main" id="{6150998C-CF95-4C6F-8962-8EB2DB30177D}"/>
+                <a16:creationId xmlns:a16="http://schemas.microsoft.com/office/drawing/2014/main" xmlns="" id="{6150998C-CF95-4C6F-8962-8EB2DB30177D}"/>
               </a:ext>
             </a:extLst>
           </p:cNvPr>
@@ -36487,7 +36487,7 @@
           <p:cNvPr id="18" name="Oval 17">
             <a:extLst>
               <a:ext uri="{FF2B5EF4-FFF2-40B4-BE49-F238E27FC236}">
-                <a16:creationId xmlns="" xmlns:a16="http://schemas.microsoft.com/office/drawing/2014/main" id="{F86A2ACD-8CF5-48A3-A678-E213A809B332}"/>
+                <a16:creationId xmlns:a16="http://schemas.microsoft.com/office/drawing/2014/main" xmlns="" id="{F86A2ACD-8CF5-48A3-A678-E213A809B332}"/>
               </a:ext>
             </a:extLst>
           </p:cNvPr>
@@ -36542,7 +36542,7 @@
           <p:cNvPr id="19" name="Straight Connector 18">
             <a:extLst>
               <a:ext uri="{FF2B5EF4-FFF2-40B4-BE49-F238E27FC236}">
-                <a16:creationId xmlns="" xmlns:a16="http://schemas.microsoft.com/office/drawing/2014/main" id="{F00811BB-0E37-4D70-84A5-97B3FBEDCBE6}"/>
+                <a16:creationId xmlns:a16="http://schemas.microsoft.com/office/drawing/2014/main" xmlns="" id="{F00811BB-0E37-4D70-84A5-97B3FBEDCBE6}"/>
               </a:ext>
             </a:extLst>
           </p:cNvPr>
@@ -36588,7 +36588,7 @@
           <p:cNvPr id="20" name="Oval 19">
             <a:extLst>
               <a:ext uri="{FF2B5EF4-FFF2-40B4-BE49-F238E27FC236}">
-                <a16:creationId xmlns="" xmlns:a16="http://schemas.microsoft.com/office/drawing/2014/main" id="{D03B3046-0457-4D23-8E0C-64E3FCD620BB}"/>
+                <a16:creationId xmlns:a16="http://schemas.microsoft.com/office/drawing/2014/main" xmlns="" id="{D03B3046-0457-4D23-8E0C-64E3FCD620BB}"/>
               </a:ext>
             </a:extLst>
           </p:cNvPr>
@@ -36643,7 +36643,7 @@
           <p:cNvPr id="22" name="Picture Placeholder 7">
             <a:extLst>
               <a:ext uri="{FF2B5EF4-FFF2-40B4-BE49-F238E27FC236}">
-                <a16:creationId xmlns="" xmlns:a16="http://schemas.microsoft.com/office/drawing/2014/main" id="{F0861AA2-8248-462C-B6D8-FFD829F41ED0}"/>
+                <a16:creationId xmlns:a16="http://schemas.microsoft.com/office/drawing/2014/main" xmlns="" id="{F0861AA2-8248-462C-B6D8-FFD829F41ED0}"/>
               </a:ext>
             </a:extLst>
           </p:cNvPr>
@@ -36714,7 +36714,7 @@
           <p:cNvPr id="7" name="Rectangle 6">
             <a:extLst>
               <a:ext uri="{FF2B5EF4-FFF2-40B4-BE49-F238E27FC236}">
-                <a16:creationId xmlns="" xmlns:a16="http://schemas.microsoft.com/office/drawing/2014/main" id="{09F1B35C-893A-4033-ADC0-2192AFA29271}"/>
+                <a16:creationId xmlns:a16="http://schemas.microsoft.com/office/drawing/2014/main" xmlns="" id="{09F1B35C-893A-4033-ADC0-2192AFA29271}"/>
               </a:ext>
             </a:extLst>
           </p:cNvPr>
@@ -36781,7 +36781,7 @@
           <p:cNvPr id="2" name="Title 1">
             <a:extLst>
               <a:ext uri="{FF2B5EF4-FFF2-40B4-BE49-F238E27FC236}">
-                <a16:creationId xmlns="" xmlns:a16="http://schemas.microsoft.com/office/drawing/2014/main" id="{CD637DF8-B064-4F36-89F8-EBF538A2E7F2}"/>
+                <a16:creationId xmlns:a16="http://schemas.microsoft.com/office/drawing/2014/main" xmlns="" id="{CD637DF8-B064-4F36-89F8-EBF538A2E7F2}"/>
               </a:ext>
             </a:extLst>
           </p:cNvPr>
@@ -36820,7 +36820,7 @@
           <p:cNvPr id="4" name="Date Placeholder 3">
             <a:extLst>
               <a:ext uri="{FF2B5EF4-FFF2-40B4-BE49-F238E27FC236}">
-                <a16:creationId xmlns="" xmlns:a16="http://schemas.microsoft.com/office/drawing/2014/main" id="{49EFC6D7-3241-401C-A16A-4A7CC2653954}"/>
+                <a16:creationId xmlns:a16="http://schemas.microsoft.com/office/drawing/2014/main" xmlns="" id="{49EFC6D7-3241-401C-A16A-4A7CC2653954}"/>
               </a:ext>
             </a:extLst>
           </p:cNvPr>
@@ -36848,7 +36848,7 @@
           <p:cNvPr id="5" name="Footer Placeholder 4">
             <a:extLst>
               <a:ext uri="{FF2B5EF4-FFF2-40B4-BE49-F238E27FC236}">
-                <a16:creationId xmlns="" xmlns:a16="http://schemas.microsoft.com/office/drawing/2014/main" id="{F345D6DC-ABA5-4D00-9CD3-92FFDD1FA2DC}"/>
+                <a16:creationId xmlns:a16="http://schemas.microsoft.com/office/drawing/2014/main" xmlns="" id="{F345D6DC-ABA5-4D00-9CD3-92FFDD1FA2DC}"/>
               </a:ext>
             </a:extLst>
           </p:cNvPr>
@@ -36876,7 +36876,7 @@
           <p:cNvPr id="6" name="Slide Number Placeholder 5">
             <a:extLst>
               <a:ext uri="{FF2B5EF4-FFF2-40B4-BE49-F238E27FC236}">
-                <a16:creationId xmlns="" xmlns:a16="http://schemas.microsoft.com/office/drawing/2014/main" id="{92459C86-0106-40E0-AA18-795EC5787677}"/>
+                <a16:creationId xmlns:a16="http://schemas.microsoft.com/office/drawing/2014/main" xmlns="" id="{92459C86-0106-40E0-AA18-795EC5787677}"/>
               </a:ext>
             </a:extLst>
           </p:cNvPr>
@@ -36905,7 +36905,7 @@
           <p:cNvPr id="11" name="Picture Placeholder 10">
             <a:extLst>
               <a:ext uri="{FF2B5EF4-FFF2-40B4-BE49-F238E27FC236}">
-                <a16:creationId xmlns="" xmlns:a16="http://schemas.microsoft.com/office/drawing/2014/main" id="{6D14F7B3-A6CF-491C-9855-75B5784CC456}"/>
+                <a16:creationId xmlns:a16="http://schemas.microsoft.com/office/drawing/2014/main" xmlns="" id="{6D14F7B3-A6CF-491C-9855-75B5784CC456}"/>
               </a:ext>
             </a:extLst>
           </p:cNvPr>
@@ -36946,7 +36946,7 @@
           <p:cNvPr id="15" name="Group 14">
             <a:extLst>
               <a:ext uri="{FF2B5EF4-FFF2-40B4-BE49-F238E27FC236}">
-                <a16:creationId xmlns="" xmlns:a16="http://schemas.microsoft.com/office/drawing/2014/main" id="{B7317392-EF87-4050-8BBE-32F74B0CF15A}"/>
+                <a16:creationId xmlns:a16="http://schemas.microsoft.com/office/drawing/2014/main" xmlns="" id="{B7317392-EF87-4050-8BBE-32F74B0CF15A}"/>
               </a:ext>
             </a:extLst>
           </p:cNvPr>
@@ -36966,7 +36966,7 @@
             <p:cNvPr id="13" name="Straight Connector 12">
               <a:extLst>
                 <a:ext uri="{FF2B5EF4-FFF2-40B4-BE49-F238E27FC236}">
-                  <a16:creationId xmlns="" xmlns:a16="http://schemas.microsoft.com/office/drawing/2014/main" id="{785A4134-866D-4143-AC1E-8A2FFDB49855}"/>
+                  <a16:creationId xmlns:a16="http://schemas.microsoft.com/office/drawing/2014/main" xmlns="" id="{785A4134-866D-4143-AC1E-8A2FFDB49855}"/>
                 </a:ext>
               </a:extLst>
             </p:cNvPr>
@@ -37010,7 +37010,7 @@
             <p:cNvPr id="14" name="Oval 13">
               <a:extLst>
                 <a:ext uri="{FF2B5EF4-FFF2-40B4-BE49-F238E27FC236}">
-                  <a16:creationId xmlns="" xmlns:a16="http://schemas.microsoft.com/office/drawing/2014/main" id="{1BBC5D9C-B8FB-455B-9398-36DB21F2765E}"/>
+                  <a16:creationId xmlns:a16="http://schemas.microsoft.com/office/drawing/2014/main" xmlns="" id="{1BBC5D9C-B8FB-455B-9398-36DB21F2765E}"/>
                 </a:ext>
               </a:extLst>
             </p:cNvPr>
@@ -37071,7 +37071,7 @@
           <p:cNvPr id="17" name="Oval 16">
             <a:extLst>
               <a:ext uri="{FF2B5EF4-FFF2-40B4-BE49-F238E27FC236}">
-                <a16:creationId xmlns="" xmlns:a16="http://schemas.microsoft.com/office/drawing/2014/main" id="{72225750-E4CE-4A81-A0C3-4023030D637E}"/>
+                <a16:creationId xmlns:a16="http://schemas.microsoft.com/office/drawing/2014/main" xmlns="" id="{72225750-E4CE-4A81-A0C3-4023030D637E}"/>
               </a:ext>
             </a:extLst>
           </p:cNvPr>
@@ -37126,7 +37126,7 @@
           <p:cNvPr id="18" name="Straight Connector 17">
             <a:extLst>
               <a:ext uri="{FF2B5EF4-FFF2-40B4-BE49-F238E27FC236}">
-                <a16:creationId xmlns="" xmlns:a16="http://schemas.microsoft.com/office/drawing/2014/main" id="{3819C324-07DF-49DB-A08C-0E6155CE3041}"/>
+                <a16:creationId xmlns:a16="http://schemas.microsoft.com/office/drawing/2014/main" xmlns="" id="{3819C324-07DF-49DB-A08C-0E6155CE3041}"/>
               </a:ext>
             </a:extLst>
           </p:cNvPr>
@@ -37170,7 +37170,7 @@
           <p:cNvPr id="19" name="Oval 18">
             <a:extLst>
               <a:ext uri="{FF2B5EF4-FFF2-40B4-BE49-F238E27FC236}">
-                <a16:creationId xmlns="" xmlns:a16="http://schemas.microsoft.com/office/drawing/2014/main" id="{75A34025-44F2-4A09-8629-F1794E9D35AF}"/>
+                <a16:creationId xmlns:a16="http://schemas.microsoft.com/office/drawing/2014/main" xmlns="" id="{75A34025-44F2-4A09-8629-F1794E9D35AF}"/>
               </a:ext>
             </a:extLst>
           </p:cNvPr>
@@ -37225,7 +37225,7 @@
           <p:cNvPr id="20" name="Straight Connector 19">
             <a:extLst>
               <a:ext uri="{FF2B5EF4-FFF2-40B4-BE49-F238E27FC236}">
-                <a16:creationId xmlns="" xmlns:a16="http://schemas.microsoft.com/office/drawing/2014/main" id="{815854A2-EAE9-4B2A-84CF-5A4BD753863A}"/>
+                <a16:creationId xmlns:a16="http://schemas.microsoft.com/office/drawing/2014/main" xmlns="" id="{815854A2-EAE9-4B2A-84CF-5A4BD753863A}"/>
               </a:ext>
             </a:extLst>
           </p:cNvPr>
@@ -37271,7 +37271,7 @@
           <p:cNvPr id="21" name="Text Placeholder 2">
             <a:extLst>
               <a:ext uri="{FF2B5EF4-FFF2-40B4-BE49-F238E27FC236}">
-                <a16:creationId xmlns="" xmlns:a16="http://schemas.microsoft.com/office/drawing/2014/main" id="{4C9D5785-B116-4BE7-AC26-5CD6481FFA6A}"/>
+                <a16:creationId xmlns:a16="http://schemas.microsoft.com/office/drawing/2014/main" xmlns="" id="{4C9D5785-B116-4BE7-AC26-5CD6481FFA6A}"/>
               </a:ext>
             </a:extLst>
           </p:cNvPr>
@@ -37406,7 +37406,7 @@
           <p:cNvPr id="23" name="Picture Placeholder 7">
             <a:extLst>
               <a:ext uri="{FF2B5EF4-FFF2-40B4-BE49-F238E27FC236}">
-                <a16:creationId xmlns="" xmlns:a16="http://schemas.microsoft.com/office/drawing/2014/main" id="{278C2B8F-0B29-449C-AFFD-42BB56FA1595}"/>
+                <a16:creationId xmlns:a16="http://schemas.microsoft.com/office/drawing/2014/main" xmlns="" id="{278C2B8F-0B29-449C-AFFD-42BB56FA1595}"/>
               </a:ext>
             </a:extLst>
           </p:cNvPr>
@@ -37477,7 +37477,7 @@
           <p:cNvPr id="15" name="Rectangle 14">
             <a:extLst>
               <a:ext uri="{FF2B5EF4-FFF2-40B4-BE49-F238E27FC236}">
-                <a16:creationId xmlns="" xmlns:a16="http://schemas.microsoft.com/office/drawing/2014/main" id="{E8E3FDB8-6D5C-48FE-99EA-7EC60F4D8191}"/>
+                <a16:creationId xmlns:a16="http://schemas.microsoft.com/office/drawing/2014/main" xmlns="" id="{E8E3FDB8-6D5C-48FE-99EA-7EC60F4D8191}"/>
               </a:ext>
             </a:extLst>
           </p:cNvPr>
@@ -37544,7 +37544,7 @@
           <p:cNvPr id="5" name="Date Placeholder 4">
             <a:extLst>
               <a:ext uri="{FF2B5EF4-FFF2-40B4-BE49-F238E27FC236}">
-                <a16:creationId xmlns="" xmlns:a16="http://schemas.microsoft.com/office/drawing/2014/main" id="{2D9775F3-A041-479A-8038-652B7D9C72E9}"/>
+                <a16:creationId xmlns:a16="http://schemas.microsoft.com/office/drawing/2014/main" xmlns="" id="{2D9775F3-A041-479A-8038-652B7D9C72E9}"/>
               </a:ext>
             </a:extLst>
           </p:cNvPr>
@@ -37572,7 +37572,7 @@
           <p:cNvPr id="6" name="Footer Placeholder 5">
             <a:extLst>
               <a:ext uri="{FF2B5EF4-FFF2-40B4-BE49-F238E27FC236}">
-                <a16:creationId xmlns="" xmlns:a16="http://schemas.microsoft.com/office/drawing/2014/main" id="{29BEDD04-BE4E-4B91-B13E-0C4FB3E1658F}"/>
+                <a16:creationId xmlns:a16="http://schemas.microsoft.com/office/drawing/2014/main" xmlns="" id="{29BEDD04-BE4E-4B91-B13E-0C4FB3E1658F}"/>
               </a:ext>
             </a:extLst>
           </p:cNvPr>
@@ -37600,7 +37600,7 @@
           <p:cNvPr id="7" name="Slide Number Placeholder 6">
             <a:extLst>
               <a:ext uri="{FF2B5EF4-FFF2-40B4-BE49-F238E27FC236}">
-                <a16:creationId xmlns="" xmlns:a16="http://schemas.microsoft.com/office/drawing/2014/main" id="{306DF5D8-12DC-494E-B0F1-2E9C86A14544}"/>
+                <a16:creationId xmlns:a16="http://schemas.microsoft.com/office/drawing/2014/main" xmlns="" id="{306DF5D8-12DC-494E-B0F1-2E9C86A14544}"/>
               </a:ext>
             </a:extLst>
           </p:cNvPr>
@@ -37629,7 +37629,7 @@
           <p:cNvPr id="8" name="Title 1">
             <a:extLst>
               <a:ext uri="{FF2B5EF4-FFF2-40B4-BE49-F238E27FC236}">
-                <a16:creationId xmlns="" xmlns:a16="http://schemas.microsoft.com/office/drawing/2014/main" id="{ABF87C9E-53A2-4DE1-89DC-3907BE2E3D3C}"/>
+                <a16:creationId xmlns:a16="http://schemas.microsoft.com/office/drawing/2014/main" xmlns="" id="{ABF87C9E-53A2-4DE1-89DC-3907BE2E3D3C}"/>
               </a:ext>
             </a:extLst>
           </p:cNvPr>
@@ -37668,7 +37668,7 @@
           <p:cNvPr id="9" name="Text Placeholder 2">
             <a:extLst>
               <a:ext uri="{FF2B5EF4-FFF2-40B4-BE49-F238E27FC236}">
-                <a16:creationId xmlns="" xmlns:a16="http://schemas.microsoft.com/office/drawing/2014/main" id="{EB453F8F-AA02-4E0D-93BF-8CF4F1490377}"/>
+                <a16:creationId xmlns:a16="http://schemas.microsoft.com/office/drawing/2014/main" xmlns="" id="{EB453F8F-AA02-4E0D-93BF-8CF4F1490377}"/>
               </a:ext>
             </a:extLst>
           </p:cNvPr>
@@ -37798,7 +37798,7 @@
           <p:cNvPr id="10" name="Picture Placeholder 10">
             <a:extLst>
               <a:ext uri="{FF2B5EF4-FFF2-40B4-BE49-F238E27FC236}">
-                <a16:creationId xmlns="" xmlns:a16="http://schemas.microsoft.com/office/drawing/2014/main" id="{A541F291-2E4B-474E-9ED0-55C97A2A066D}"/>
+                <a16:creationId xmlns:a16="http://schemas.microsoft.com/office/drawing/2014/main" xmlns="" id="{A541F291-2E4B-474E-9ED0-55C97A2A066D}"/>
               </a:ext>
             </a:extLst>
           </p:cNvPr>
@@ -37839,7 +37839,7 @@
           <p:cNvPr id="11" name="Group 10">
             <a:extLst>
               <a:ext uri="{FF2B5EF4-FFF2-40B4-BE49-F238E27FC236}">
-                <a16:creationId xmlns="" xmlns:a16="http://schemas.microsoft.com/office/drawing/2014/main" id="{59E4D57E-4989-4939-A31F-637543FAB606}"/>
+                <a16:creationId xmlns:a16="http://schemas.microsoft.com/office/drawing/2014/main" xmlns="" id="{59E4D57E-4989-4939-A31F-637543FAB606}"/>
               </a:ext>
             </a:extLst>
           </p:cNvPr>
@@ -37859,7 +37859,7 @@
             <p:cNvPr id="12" name="Straight Connector 11">
               <a:extLst>
                 <a:ext uri="{FF2B5EF4-FFF2-40B4-BE49-F238E27FC236}">
-                  <a16:creationId xmlns="" xmlns:a16="http://schemas.microsoft.com/office/drawing/2014/main" id="{370B72A7-B625-48B8-88E6-BCE2A4DD531E}"/>
+                  <a16:creationId xmlns:a16="http://schemas.microsoft.com/office/drawing/2014/main" xmlns="" id="{370B72A7-B625-48B8-88E6-BCE2A4DD531E}"/>
                 </a:ext>
               </a:extLst>
             </p:cNvPr>
@@ -37905,7 +37905,7 @@
             <p:cNvPr id="13" name="Oval 12">
               <a:extLst>
                 <a:ext uri="{FF2B5EF4-FFF2-40B4-BE49-F238E27FC236}">
-                  <a16:creationId xmlns="" xmlns:a16="http://schemas.microsoft.com/office/drawing/2014/main" id="{01ED729F-F8A5-4244-9776-4935C260F11F}"/>
+                  <a16:creationId xmlns:a16="http://schemas.microsoft.com/office/drawing/2014/main" xmlns="" id="{01ED729F-F8A5-4244-9776-4935C260F11F}"/>
                 </a:ext>
               </a:extLst>
             </p:cNvPr>
@@ -37966,7 +37966,7 @@
           <p:cNvPr id="14" name="Text Placeholder 2">
             <a:extLst>
               <a:ext uri="{FF2B5EF4-FFF2-40B4-BE49-F238E27FC236}">
-                <a16:creationId xmlns="" xmlns:a16="http://schemas.microsoft.com/office/drawing/2014/main" id="{BE12A846-0DFC-435B-BAE9-D90C353E0344}"/>
+                <a16:creationId xmlns:a16="http://schemas.microsoft.com/office/drawing/2014/main" xmlns="" id="{BE12A846-0DFC-435B-BAE9-D90C353E0344}"/>
               </a:ext>
             </a:extLst>
           </p:cNvPr>
@@ -38101,7 +38101,7 @@
           <p:cNvPr id="17" name="Straight Connector 16">
             <a:extLst>
               <a:ext uri="{FF2B5EF4-FFF2-40B4-BE49-F238E27FC236}">
-                <a16:creationId xmlns="" xmlns:a16="http://schemas.microsoft.com/office/drawing/2014/main" id="{6150998C-CF95-4C6F-8962-8EB2DB30177D}"/>
+                <a16:creationId xmlns:a16="http://schemas.microsoft.com/office/drawing/2014/main" xmlns="" id="{6150998C-CF95-4C6F-8962-8EB2DB30177D}"/>
               </a:ext>
             </a:extLst>
           </p:cNvPr>
@@ -38145,7 +38145,7 @@
           <p:cNvPr id="18" name="Oval 17">
             <a:extLst>
               <a:ext uri="{FF2B5EF4-FFF2-40B4-BE49-F238E27FC236}">
-                <a16:creationId xmlns="" xmlns:a16="http://schemas.microsoft.com/office/drawing/2014/main" id="{F86A2ACD-8CF5-48A3-A678-E213A809B332}"/>
+                <a16:creationId xmlns:a16="http://schemas.microsoft.com/office/drawing/2014/main" xmlns="" id="{F86A2ACD-8CF5-48A3-A678-E213A809B332}"/>
               </a:ext>
             </a:extLst>
           </p:cNvPr>
@@ -38200,7 +38200,7 @@
           <p:cNvPr id="19" name="Straight Connector 18">
             <a:extLst>
               <a:ext uri="{FF2B5EF4-FFF2-40B4-BE49-F238E27FC236}">
-                <a16:creationId xmlns="" xmlns:a16="http://schemas.microsoft.com/office/drawing/2014/main" id="{F00811BB-0E37-4D70-84A5-97B3FBEDCBE6}"/>
+                <a16:creationId xmlns:a16="http://schemas.microsoft.com/office/drawing/2014/main" xmlns="" id="{F00811BB-0E37-4D70-84A5-97B3FBEDCBE6}"/>
               </a:ext>
             </a:extLst>
           </p:cNvPr>
@@ -38246,7 +38246,7 @@
           <p:cNvPr id="20" name="Oval 19">
             <a:extLst>
               <a:ext uri="{FF2B5EF4-FFF2-40B4-BE49-F238E27FC236}">
-                <a16:creationId xmlns="" xmlns:a16="http://schemas.microsoft.com/office/drawing/2014/main" id="{D03B3046-0457-4D23-8E0C-64E3FCD620BB}"/>
+                <a16:creationId xmlns:a16="http://schemas.microsoft.com/office/drawing/2014/main" xmlns="" id="{D03B3046-0457-4D23-8E0C-64E3FCD620BB}"/>
               </a:ext>
             </a:extLst>
           </p:cNvPr>
@@ -38301,7 +38301,7 @@
           <p:cNvPr id="4" name="Picture Placeholder 3">
             <a:extLst>
               <a:ext uri="{FF2B5EF4-FFF2-40B4-BE49-F238E27FC236}">
-                <a16:creationId xmlns="" xmlns:a16="http://schemas.microsoft.com/office/drawing/2014/main" id="{1EDA47E0-9B2C-45BF-A34A-E7069690AEF4}"/>
+                <a16:creationId xmlns:a16="http://schemas.microsoft.com/office/drawing/2014/main" xmlns="" id="{1EDA47E0-9B2C-45BF-A34A-E7069690AEF4}"/>
               </a:ext>
             </a:extLst>
           </p:cNvPr>
@@ -38342,7 +38342,7 @@
           <p:cNvPr id="22" name="Text Placeholder 2">
             <a:extLst>
               <a:ext uri="{FF2B5EF4-FFF2-40B4-BE49-F238E27FC236}">
-                <a16:creationId xmlns="" xmlns:a16="http://schemas.microsoft.com/office/drawing/2014/main" id="{F2ACDD32-C1AB-4359-B055-2F910492987E}"/>
+                <a16:creationId xmlns:a16="http://schemas.microsoft.com/office/drawing/2014/main" xmlns="" id="{F2ACDD32-C1AB-4359-B055-2F910492987E}"/>
               </a:ext>
             </a:extLst>
           </p:cNvPr>
@@ -38475,7 +38475,7 @@
           <p:cNvPr id="23" name="Text Placeholder 2">
             <a:extLst>
               <a:ext uri="{FF2B5EF4-FFF2-40B4-BE49-F238E27FC236}">
-                <a16:creationId xmlns="" xmlns:a16="http://schemas.microsoft.com/office/drawing/2014/main" id="{C7A796C4-1255-4B26-B034-EFB1284B77EB}"/>
+                <a16:creationId xmlns:a16="http://schemas.microsoft.com/office/drawing/2014/main" xmlns="" id="{C7A796C4-1255-4B26-B034-EFB1284B77EB}"/>
               </a:ext>
             </a:extLst>
           </p:cNvPr>
@@ -38610,7 +38610,7 @@
           <p:cNvPr id="24" name="Picture Placeholder 3">
             <a:extLst>
               <a:ext uri="{FF2B5EF4-FFF2-40B4-BE49-F238E27FC236}">
-                <a16:creationId xmlns="" xmlns:a16="http://schemas.microsoft.com/office/drawing/2014/main" id="{7F406E84-6EA1-4D34-8016-6A41F065FF76}"/>
+                <a16:creationId xmlns:a16="http://schemas.microsoft.com/office/drawing/2014/main" xmlns="" id="{7F406E84-6EA1-4D34-8016-6A41F065FF76}"/>
               </a:ext>
             </a:extLst>
           </p:cNvPr>
@@ -38651,7 +38651,7 @@
           <p:cNvPr id="25" name="Text Placeholder 2">
             <a:extLst>
               <a:ext uri="{FF2B5EF4-FFF2-40B4-BE49-F238E27FC236}">
-                <a16:creationId xmlns="" xmlns:a16="http://schemas.microsoft.com/office/drawing/2014/main" id="{7965133B-076D-4FAD-8D2A-C24FE2619C80}"/>
+                <a16:creationId xmlns:a16="http://schemas.microsoft.com/office/drawing/2014/main" xmlns="" id="{7965133B-076D-4FAD-8D2A-C24FE2619C80}"/>
               </a:ext>
             </a:extLst>
           </p:cNvPr>
@@ -38784,7 +38784,7 @@
           <p:cNvPr id="26" name="Text Placeholder 2">
             <a:extLst>
               <a:ext uri="{FF2B5EF4-FFF2-40B4-BE49-F238E27FC236}">
-                <a16:creationId xmlns="" xmlns:a16="http://schemas.microsoft.com/office/drawing/2014/main" id="{CABE6307-1A20-419D-A352-17FF0286600B}"/>
+                <a16:creationId xmlns:a16="http://schemas.microsoft.com/office/drawing/2014/main" xmlns="" id="{CABE6307-1A20-419D-A352-17FF0286600B}"/>
               </a:ext>
             </a:extLst>
           </p:cNvPr>
@@ -38919,7 +38919,7 @@
           <p:cNvPr id="27" name="Picture Placeholder 3">
             <a:extLst>
               <a:ext uri="{FF2B5EF4-FFF2-40B4-BE49-F238E27FC236}">
-                <a16:creationId xmlns="" xmlns:a16="http://schemas.microsoft.com/office/drawing/2014/main" id="{D2C5C227-18EE-4D6A-AA31-30B8F7CD20AE}"/>
+                <a16:creationId xmlns:a16="http://schemas.microsoft.com/office/drawing/2014/main" xmlns="" id="{D2C5C227-18EE-4D6A-AA31-30B8F7CD20AE}"/>
               </a:ext>
             </a:extLst>
           </p:cNvPr>
@@ -38960,7 +38960,7 @@
           <p:cNvPr id="28" name="Text Placeholder 2">
             <a:extLst>
               <a:ext uri="{FF2B5EF4-FFF2-40B4-BE49-F238E27FC236}">
-                <a16:creationId xmlns="" xmlns:a16="http://schemas.microsoft.com/office/drawing/2014/main" id="{6ABEA821-83E0-4C10-98A8-5F29E246F741}"/>
+                <a16:creationId xmlns:a16="http://schemas.microsoft.com/office/drawing/2014/main" xmlns="" id="{6ABEA821-83E0-4C10-98A8-5F29E246F741}"/>
               </a:ext>
             </a:extLst>
           </p:cNvPr>
@@ -39093,7 +39093,7 @@
           <p:cNvPr id="29" name="Text Placeholder 2">
             <a:extLst>
               <a:ext uri="{FF2B5EF4-FFF2-40B4-BE49-F238E27FC236}">
-                <a16:creationId xmlns="" xmlns:a16="http://schemas.microsoft.com/office/drawing/2014/main" id="{CA1DC741-B44F-4275-A1D5-B8D26A3390B3}"/>
+                <a16:creationId xmlns:a16="http://schemas.microsoft.com/office/drawing/2014/main" xmlns="" id="{CA1DC741-B44F-4275-A1D5-B8D26A3390B3}"/>
               </a:ext>
             </a:extLst>
           </p:cNvPr>
@@ -39228,7 +39228,7 @@
           <p:cNvPr id="30" name="Picture Placeholder 3">
             <a:extLst>
               <a:ext uri="{FF2B5EF4-FFF2-40B4-BE49-F238E27FC236}">
-                <a16:creationId xmlns="" xmlns:a16="http://schemas.microsoft.com/office/drawing/2014/main" id="{C550F6C4-BE33-415F-B0BC-B47EDC1BDACB}"/>
+                <a16:creationId xmlns:a16="http://schemas.microsoft.com/office/drawing/2014/main" xmlns="" id="{C550F6C4-BE33-415F-B0BC-B47EDC1BDACB}"/>
               </a:ext>
             </a:extLst>
           </p:cNvPr>
@@ -39269,7 +39269,7 @@
           <p:cNvPr id="31" name="Text Placeholder 2">
             <a:extLst>
               <a:ext uri="{FF2B5EF4-FFF2-40B4-BE49-F238E27FC236}">
-                <a16:creationId xmlns="" xmlns:a16="http://schemas.microsoft.com/office/drawing/2014/main" id="{4C0830D2-D692-4161-8ECB-338703C94351}"/>
+                <a16:creationId xmlns:a16="http://schemas.microsoft.com/office/drawing/2014/main" xmlns="" id="{4C0830D2-D692-4161-8ECB-338703C94351}"/>
               </a:ext>
             </a:extLst>
           </p:cNvPr>
@@ -39432,7 +39432,7 @@
           <p:cNvPr id="7" name="Rectangle 6">
             <a:extLst>
               <a:ext uri="{FF2B5EF4-FFF2-40B4-BE49-F238E27FC236}">
-                <a16:creationId xmlns="" xmlns:a16="http://schemas.microsoft.com/office/drawing/2014/main" id="{09F1B35C-893A-4033-ADC0-2192AFA29271}"/>
+                <a16:creationId xmlns:a16="http://schemas.microsoft.com/office/drawing/2014/main" xmlns="" id="{09F1B35C-893A-4033-ADC0-2192AFA29271}"/>
               </a:ext>
             </a:extLst>
           </p:cNvPr>
@@ -39499,7 +39499,7 @@
           <p:cNvPr id="2" name="Title 1">
             <a:extLst>
               <a:ext uri="{FF2B5EF4-FFF2-40B4-BE49-F238E27FC236}">
-                <a16:creationId xmlns="" xmlns:a16="http://schemas.microsoft.com/office/drawing/2014/main" id="{CD637DF8-B064-4F36-89F8-EBF538A2E7F2}"/>
+                <a16:creationId xmlns:a16="http://schemas.microsoft.com/office/drawing/2014/main" xmlns="" id="{CD637DF8-B064-4F36-89F8-EBF538A2E7F2}"/>
               </a:ext>
             </a:extLst>
           </p:cNvPr>
@@ -39538,7 +39538,7 @@
           <p:cNvPr id="3" name="Text Placeholder 2">
             <a:extLst>
               <a:ext uri="{FF2B5EF4-FFF2-40B4-BE49-F238E27FC236}">
-                <a16:creationId xmlns="" xmlns:a16="http://schemas.microsoft.com/office/drawing/2014/main" id="{8A72532A-5006-46B7-AE99-3A6891CD0254}"/>
+                <a16:creationId xmlns:a16="http://schemas.microsoft.com/office/drawing/2014/main" xmlns="" id="{8A72532A-5006-46B7-AE99-3A6891CD0254}"/>
               </a:ext>
             </a:extLst>
           </p:cNvPr>
@@ -39668,7 +39668,7 @@
           <p:cNvPr id="4" name="Date Placeholder 3">
             <a:extLst>
               <a:ext uri="{FF2B5EF4-FFF2-40B4-BE49-F238E27FC236}">
-                <a16:creationId xmlns="" xmlns:a16="http://schemas.microsoft.com/office/drawing/2014/main" id="{49EFC6D7-3241-401C-A16A-4A7CC2653954}"/>
+                <a16:creationId xmlns:a16="http://schemas.microsoft.com/office/drawing/2014/main" xmlns="" id="{49EFC6D7-3241-401C-A16A-4A7CC2653954}"/>
               </a:ext>
             </a:extLst>
           </p:cNvPr>
@@ -39696,7 +39696,7 @@
           <p:cNvPr id="5" name="Footer Placeholder 4">
             <a:extLst>
               <a:ext uri="{FF2B5EF4-FFF2-40B4-BE49-F238E27FC236}">
-                <a16:creationId xmlns="" xmlns:a16="http://schemas.microsoft.com/office/drawing/2014/main" id="{F345D6DC-ABA5-4D00-9CD3-92FFDD1FA2DC}"/>
+                <a16:creationId xmlns:a16="http://schemas.microsoft.com/office/drawing/2014/main" xmlns="" id="{F345D6DC-ABA5-4D00-9CD3-92FFDD1FA2DC}"/>
               </a:ext>
             </a:extLst>
           </p:cNvPr>
@@ -39724,7 +39724,7 @@
           <p:cNvPr id="6" name="Slide Number Placeholder 5">
             <a:extLst>
               <a:ext uri="{FF2B5EF4-FFF2-40B4-BE49-F238E27FC236}">
-                <a16:creationId xmlns="" xmlns:a16="http://schemas.microsoft.com/office/drawing/2014/main" id="{92459C86-0106-40E0-AA18-795EC5787677}"/>
+                <a16:creationId xmlns:a16="http://schemas.microsoft.com/office/drawing/2014/main" xmlns="" id="{92459C86-0106-40E0-AA18-795EC5787677}"/>
               </a:ext>
             </a:extLst>
           </p:cNvPr>
@@ -39753,7 +39753,7 @@
           <p:cNvPr id="8" name="Rectangle 7">
             <a:extLst>
               <a:ext uri="{FF2B5EF4-FFF2-40B4-BE49-F238E27FC236}">
-                <a16:creationId xmlns="" xmlns:a16="http://schemas.microsoft.com/office/drawing/2014/main" id="{4ACF4ED1-C6C8-4C5C-8C14-4FF197588C03}"/>
+                <a16:creationId xmlns:a16="http://schemas.microsoft.com/office/drawing/2014/main" xmlns="" id="{4ACF4ED1-C6C8-4C5C-8C14-4FF197588C03}"/>
               </a:ext>
             </a:extLst>
           </p:cNvPr>
@@ -39772,7 +39772,7 @@
             <a:blip r:embed="rId2">
               <a:extLst>
                 <a:ext uri="{96DAC541-7B7A-43D3-8B79-37D633B846F1}">
-                  <asvg:svgBlip xmlns="" xmlns:asvg="http://schemas.microsoft.com/office/drawing/2016/SVG/main" r:embed="rId3"/>
+                  <asvg:svgBlip xmlns:asvg="http://schemas.microsoft.com/office/drawing/2016/SVG/main" xmlns="" r:embed="rId3"/>
                 </a:ext>
               </a:extLst>
             </a:blip>
@@ -39820,7 +39820,7 @@
           <p:cNvPr id="11" name="Picture Placeholder 10">
             <a:extLst>
               <a:ext uri="{FF2B5EF4-FFF2-40B4-BE49-F238E27FC236}">
-                <a16:creationId xmlns="" xmlns:a16="http://schemas.microsoft.com/office/drawing/2014/main" id="{6D14F7B3-A6CF-491C-9855-75B5784CC456}"/>
+                <a16:creationId xmlns:a16="http://schemas.microsoft.com/office/drawing/2014/main" xmlns="" id="{6D14F7B3-A6CF-491C-9855-75B5784CC456}"/>
               </a:ext>
             </a:extLst>
           </p:cNvPr>
@@ -39861,7 +39861,7 @@
           <p:cNvPr id="15" name="Group 14">
             <a:extLst>
               <a:ext uri="{FF2B5EF4-FFF2-40B4-BE49-F238E27FC236}">
-                <a16:creationId xmlns="" xmlns:a16="http://schemas.microsoft.com/office/drawing/2014/main" id="{B7317392-EF87-4050-8BBE-32F74B0CF15A}"/>
+                <a16:creationId xmlns:a16="http://schemas.microsoft.com/office/drawing/2014/main" xmlns="" id="{B7317392-EF87-4050-8BBE-32F74B0CF15A}"/>
               </a:ext>
             </a:extLst>
           </p:cNvPr>
@@ -39881,7 +39881,7 @@
             <p:cNvPr id="13" name="Straight Connector 12">
               <a:extLst>
                 <a:ext uri="{FF2B5EF4-FFF2-40B4-BE49-F238E27FC236}">
-                  <a16:creationId xmlns="" xmlns:a16="http://schemas.microsoft.com/office/drawing/2014/main" id="{785A4134-866D-4143-AC1E-8A2FFDB49855}"/>
+                  <a16:creationId xmlns:a16="http://schemas.microsoft.com/office/drawing/2014/main" xmlns="" id="{785A4134-866D-4143-AC1E-8A2FFDB49855}"/>
                 </a:ext>
               </a:extLst>
             </p:cNvPr>
@@ -39925,7 +39925,7 @@
             <p:cNvPr id="14" name="Oval 13">
               <a:extLst>
                 <a:ext uri="{FF2B5EF4-FFF2-40B4-BE49-F238E27FC236}">
-                  <a16:creationId xmlns="" xmlns:a16="http://schemas.microsoft.com/office/drawing/2014/main" id="{1BBC5D9C-B8FB-455B-9398-36DB21F2765E}"/>
+                  <a16:creationId xmlns:a16="http://schemas.microsoft.com/office/drawing/2014/main" xmlns="" id="{1BBC5D9C-B8FB-455B-9398-36DB21F2765E}"/>
                 </a:ext>
               </a:extLst>
             </p:cNvPr>
@@ -39986,7 +39986,7 @@
           <p:cNvPr id="16" name="Text Placeholder 2">
             <a:extLst>
               <a:ext uri="{FF2B5EF4-FFF2-40B4-BE49-F238E27FC236}">
-                <a16:creationId xmlns="" xmlns:a16="http://schemas.microsoft.com/office/drawing/2014/main" id="{BB522941-5C7D-4701-9AD7-BB4C11C6EBCE}"/>
+                <a16:creationId xmlns:a16="http://schemas.microsoft.com/office/drawing/2014/main" xmlns="" id="{BB522941-5C7D-4701-9AD7-BB4C11C6EBCE}"/>
               </a:ext>
             </a:extLst>
           </p:cNvPr>
@@ -40121,7 +40121,7 @@
           <p:cNvPr id="17" name="Oval 16">
             <a:extLst>
               <a:ext uri="{FF2B5EF4-FFF2-40B4-BE49-F238E27FC236}">
-                <a16:creationId xmlns="" xmlns:a16="http://schemas.microsoft.com/office/drawing/2014/main" id="{72225750-E4CE-4A81-A0C3-4023030D637E}"/>
+                <a16:creationId xmlns:a16="http://schemas.microsoft.com/office/drawing/2014/main" xmlns="" id="{72225750-E4CE-4A81-A0C3-4023030D637E}"/>
               </a:ext>
             </a:extLst>
           </p:cNvPr>
@@ -40176,7 +40176,7 @@
           <p:cNvPr id="18" name="Straight Connector 17">
             <a:extLst>
               <a:ext uri="{FF2B5EF4-FFF2-40B4-BE49-F238E27FC236}">
-                <a16:creationId xmlns="" xmlns:a16="http://schemas.microsoft.com/office/drawing/2014/main" id="{3819C324-07DF-49DB-A08C-0E6155CE3041}"/>
+                <a16:creationId xmlns:a16="http://schemas.microsoft.com/office/drawing/2014/main" xmlns="" id="{3819C324-07DF-49DB-A08C-0E6155CE3041}"/>
               </a:ext>
             </a:extLst>
           </p:cNvPr>
@@ -40220,7 +40220,7 @@
           <p:cNvPr id="19" name="Oval 18">
             <a:extLst>
               <a:ext uri="{FF2B5EF4-FFF2-40B4-BE49-F238E27FC236}">
-                <a16:creationId xmlns="" xmlns:a16="http://schemas.microsoft.com/office/drawing/2014/main" id="{75A34025-44F2-4A09-8629-F1794E9D35AF}"/>
+                <a16:creationId xmlns:a16="http://schemas.microsoft.com/office/drawing/2014/main" xmlns="" id="{75A34025-44F2-4A09-8629-F1794E9D35AF}"/>
               </a:ext>
             </a:extLst>
           </p:cNvPr>
@@ -40275,7 +40275,7 @@
           <p:cNvPr id="20" name="Straight Connector 19">
             <a:extLst>
               <a:ext uri="{FF2B5EF4-FFF2-40B4-BE49-F238E27FC236}">
-                <a16:creationId xmlns="" xmlns:a16="http://schemas.microsoft.com/office/drawing/2014/main" id="{815854A2-EAE9-4B2A-84CF-5A4BD753863A}"/>
+                <a16:creationId xmlns:a16="http://schemas.microsoft.com/office/drawing/2014/main" xmlns="" id="{815854A2-EAE9-4B2A-84CF-5A4BD753863A}"/>
               </a:ext>
             </a:extLst>
           </p:cNvPr>
@@ -40321,7 +40321,7 @@
           <p:cNvPr id="10" name="Picture Placeholder 9">
             <a:extLst>
               <a:ext uri="{FF2B5EF4-FFF2-40B4-BE49-F238E27FC236}">
-                <a16:creationId xmlns="" xmlns:a16="http://schemas.microsoft.com/office/drawing/2014/main" id="{6B8B3AB3-C02D-418C-A9E2-AA65DE78350D}"/>
+                <a16:creationId xmlns:a16="http://schemas.microsoft.com/office/drawing/2014/main" xmlns="" id="{6B8B3AB3-C02D-418C-A9E2-AA65DE78350D}"/>
               </a:ext>
             </a:extLst>
           </p:cNvPr>
@@ -40397,7 +40397,7 @@
           <p:cNvPr id="22" name="Picture Placeholder 7">
             <a:extLst>
               <a:ext uri="{FF2B5EF4-FFF2-40B4-BE49-F238E27FC236}">
-                <a16:creationId xmlns="" xmlns:a16="http://schemas.microsoft.com/office/drawing/2014/main" id="{093DA11F-BC94-447C-B660-9C906BED01B1}"/>
+                <a16:creationId xmlns:a16="http://schemas.microsoft.com/office/drawing/2014/main" xmlns="" id="{093DA11F-BC94-447C-B660-9C906BED01B1}"/>
               </a:ext>
             </a:extLst>
           </p:cNvPr>
@@ -40438,7 +40438,7 @@
           <p:cNvPr id="7" name="Rectangle 6">
             <a:extLst>
               <a:ext uri="{FF2B5EF4-FFF2-40B4-BE49-F238E27FC236}">
-                <a16:creationId xmlns="" xmlns:a16="http://schemas.microsoft.com/office/drawing/2014/main" id="{09F1B35C-893A-4033-ADC0-2192AFA29271}"/>
+                <a16:creationId xmlns:a16="http://schemas.microsoft.com/office/drawing/2014/main" xmlns="" id="{09F1B35C-893A-4033-ADC0-2192AFA29271}"/>
               </a:ext>
             </a:extLst>
           </p:cNvPr>
@@ -40505,7 +40505,7 @@
           <p:cNvPr id="2" name="Title 1">
             <a:extLst>
               <a:ext uri="{FF2B5EF4-FFF2-40B4-BE49-F238E27FC236}">
-                <a16:creationId xmlns="" xmlns:a16="http://schemas.microsoft.com/office/drawing/2014/main" id="{CD637DF8-B064-4F36-89F8-EBF538A2E7F2}"/>
+                <a16:creationId xmlns:a16="http://schemas.microsoft.com/office/drawing/2014/main" xmlns="" id="{CD637DF8-B064-4F36-89F8-EBF538A2E7F2}"/>
               </a:ext>
             </a:extLst>
           </p:cNvPr>
@@ -40544,7 +40544,7 @@
           <p:cNvPr id="3" name="Text Placeholder 2">
             <a:extLst>
               <a:ext uri="{FF2B5EF4-FFF2-40B4-BE49-F238E27FC236}">
-                <a16:creationId xmlns="" xmlns:a16="http://schemas.microsoft.com/office/drawing/2014/main" id="{8A72532A-5006-46B7-AE99-3A6891CD0254}"/>
+                <a16:creationId xmlns:a16="http://schemas.microsoft.com/office/drawing/2014/main" xmlns="" id="{8A72532A-5006-46B7-AE99-3A6891CD0254}"/>
               </a:ext>
             </a:extLst>
           </p:cNvPr>
@@ -40674,7 +40674,7 @@
           <p:cNvPr id="4" name="Date Placeholder 3">
             <a:extLst>
               <a:ext uri="{FF2B5EF4-FFF2-40B4-BE49-F238E27FC236}">
-                <a16:creationId xmlns="" xmlns:a16="http://schemas.microsoft.com/office/drawing/2014/main" id="{49EFC6D7-3241-401C-A16A-4A7CC2653954}"/>
+                <a16:creationId xmlns:a16="http://schemas.microsoft.com/office/drawing/2014/main" xmlns="" id="{49EFC6D7-3241-401C-A16A-4A7CC2653954}"/>
               </a:ext>
             </a:extLst>
           </p:cNvPr>
@@ -40702,7 +40702,7 @@
           <p:cNvPr id="5" name="Footer Placeholder 4">
             <a:extLst>
               <a:ext uri="{FF2B5EF4-FFF2-40B4-BE49-F238E27FC236}">
-                <a16:creationId xmlns="" xmlns:a16="http://schemas.microsoft.com/office/drawing/2014/main" id="{F345D6DC-ABA5-4D00-9CD3-92FFDD1FA2DC}"/>
+                <a16:creationId xmlns:a16="http://schemas.microsoft.com/office/drawing/2014/main" xmlns="" id="{F345D6DC-ABA5-4D00-9CD3-92FFDD1FA2DC}"/>
               </a:ext>
             </a:extLst>
           </p:cNvPr>
@@ -40730,7 +40730,7 @@
           <p:cNvPr id="6" name="Slide Number Placeholder 5">
             <a:extLst>
               <a:ext uri="{FF2B5EF4-FFF2-40B4-BE49-F238E27FC236}">
-                <a16:creationId xmlns="" xmlns:a16="http://schemas.microsoft.com/office/drawing/2014/main" id="{92459C86-0106-40E0-AA18-795EC5787677}"/>
+                <a16:creationId xmlns:a16="http://schemas.microsoft.com/office/drawing/2014/main" xmlns="" id="{92459C86-0106-40E0-AA18-795EC5787677}"/>
               </a:ext>
             </a:extLst>
           </p:cNvPr>
@@ -40759,7 +40759,7 @@
           <p:cNvPr id="11" name="Picture Placeholder 10">
             <a:extLst>
               <a:ext uri="{FF2B5EF4-FFF2-40B4-BE49-F238E27FC236}">
-                <a16:creationId xmlns="" xmlns:a16="http://schemas.microsoft.com/office/drawing/2014/main" id="{6D14F7B3-A6CF-491C-9855-75B5784CC456}"/>
+                <a16:creationId xmlns:a16="http://schemas.microsoft.com/office/drawing/2014/main" xmlns="" id="{6D14F7B3-A6CF-491C-9855-75B5784CC456}"/>
               </a:ext>
             </a:extLst>
           </p:cNvPr>
@@ -40800,7 +40800,7 @@
           <p:cNvPr id="17" name="Oval 16">
             <a:extLst>
               <a:ext uri="{FF2B5EF4-FFF2-40B4-BE49-F238E27FC236}">
-                <a16:creationId xmlns="" xmlns:a16="http://schemas.microsoft.com/office/drawing/2014/main" id="{72225750-E4CE-4A81-A0C3-4023030D637E}"/>
+                <a16:creationId xmlns:a16="http://schemas.microsoft.com/office/drawing/2014/main" xmlns="" id="{72225750-E4CE-4A81-A0C3-4023030D637E}"/>
               </a:ext>
             </a:extLst>
           </p:cNvPr>
@@ -40855,7 +40855,7 @@
           <p:cNvPr id="18" name="Straight Connector 17">
             <a:extLst>
               <a:ext uri="{FF2B5EF4-FFF2-40B4-BE49-F238E27FC236}">
-                <a16:creationId xmlns="" xmlns:a16="http://schemas.microsoft.com/office/drawing/2014/main" id="{3819C324-07DF-49DB-A08C-0E6155CE3041}"/>
+                <a16:creationId xmlns:a16="http://schemas.microsoft.com/office/drawing/2014/main" xmlns="" id="{3819C324-07DF-49DB-A08C-0E6155CE3041}"/>
               </a:ext>
             </a:extLst>
           </p:cNvPr>
@@ -40899,7 +40899,7 @@
           <p:cNvPr id="19" name="Oval 18">
             <a:extLst>
               <a:ext uri="{FF2B5EF4-FFF2-40B4-BE49-F238E27FC236}">
-                <a16:creationId xmlns="" xmlns:a16="http://schemas.microsoft.com/office/drawing/2014/main" id="{75A34025-44F2-4A09-8629-F1794E9D35AF}"/>
+                <a16:creationId xmlns:a16="http://schemas.microsoft.com/office/drawing/2014/main" xmlns="" id="{75A34025-44F2-4A09-8629-F1794E9D35AF}"/>
               </a:ext>
             </a:extLst>
           </p:cNvPr>
@@ -40954,7 +40954,7 @@
           <p:cNvPr id="20" name="Straight Connector 19">
             <a:extLst>
               <a:ext uri="{FF2B5EF4-FFF2-40B4-BE49-F238E27FC236}">
-                <a16:creationId xmlns="" xmlns:a16="http://schemas.microsoft.com/office/drawing/2014/main" id="{815854A2-EAE9-4B2A-84CF-5A4BD753863A}"/>
+                <a16:creationId xmlns:a16="http://schemas.microsoft.com/office/drawing/2014/main" xmlns="" id="{815854A2-EAE9-4B2A-84CF-5A4BD753863A}"/>
               </a:ext>
             </a:extLst>
           </p:cNvPr>
@@ -41000,7 +41000,7 @@
           <p:cNvPr id="9" name="Group 8">
             <a:extLst>
               <a:ext uri="{FF2B5EF4-FFF2-40B4-BE49-F238E27FC236}">
-                <a16:creationId xmlns="" xmlns:a16="http://schemas.microsoft.com/office/drawing/2014/main" id="{78842051-6173-4CC2-8C4A-8AE31FE7BA54}"/>
+                <a16:creationId xmlns:a16="http://schemas.microsoft.com/office/drawing/2014/main" xmlns="" id="{78842051-6173-4CC2-8C4A-8AE31FE7BA54}"/>
               </a:ext>
             </a:extLst>
           </p:cNvPr>
@@ -41020,7 +41020,7 @@
             <p:cNvPr id="15" name="Group 14">
               <a:extLst>
                 <a:ext uri="{FF2B5EF4-FFF2-40B4-BE49-F238E27FC236}">
-                  <a16:creationId xmlns="" xmlns:a16="http://schemas.microsoft.com/office/drawing/2014/main" id="{B7317392-EF87-4050-8BBE-32F74B0CF15A}"/>
+                  <a16:creationId xmlns:a16="http://schemas.microsoft.com/office/drawing/2014/main" xmlns="" id="{B7317392-EF87-4050-8BBE-32F74B0CF15A}"/>
                 </a:ext>
               </a:extLst>
             </p:cNvPr>
@@ -41040,7 +41040,7 @@
               <p:cNvPr id="13" name="Straight Connector 12">
                 <a:extLst>
                   <a:ext uri="{FF2B5EF4-FFF2-40B4-BE49-F238E27FC236}">
-                    <a16:creationId xmlns="" xmlns:a16="http://schemas.microsoft.com/office/drawing/2014/main" id="{785A4134-866D-4143-AC1E-8A2FFDB49855}"/>
+                    <a16:creationId xmlns:a16="http://schemas.microsoft.com/office/drawing/2014/main" xmlns="" id="{785A4134-866D-4143-AC1E-8A2FFDB49855}"/>
                   </a:ext>
                 </a:extLst>
               </p:cNvPr>
@@ -41084,7 +41084,7 @@
               <p:cNvPr id="14" name="Oval 13">
                 <a:extLst>
                   <a:ext uri="{FF2B5EF4-FFF2-40B4-BE49-F238E27FC236}">
-                    <a16:creationId xmlns="" xmlns:a16="http://schemas.microsoft.com/office/drawing/2014/main" id="{1BBC5D9C-B8FB-455B-9398-36DB21F2765E}"/>
+                    <a16:creationId xmlns:a16="http://schemas.microsoft.com/office/drawing/2014/main" xmlns="" id="{1BBC5D9C-B8FB-455B-9398-36DB21F2765E}"/>
                   </a:ext>
                 </a:extLst>
               </p:cNvPr>
@@ -41145,7 +41145,7 @@
             <p:cNvPr id="21" name="Oval 20">
               <a:extLst>
                 <a:ext uri="{FF2B5EF4-FFF2-40B4-BE49-F238E27FC236}">
-                  <a16:creationId xmlns="" xmlns:a16="http://schemas.microsoft.com/office/drawing/2014/main" id="{5D1C3636-C306-4492-8D46-194288459CAF}"/>
+                  <a16:creationId xmlns:a16="http://schemas.microsoft.com/office/drawing/2014/main" xmlns="" id="{5D1C3636-C306-4492-8D46-194288459CAF}"/>
                 </a:ext>
               </a:extLst>
             </p:cNvPr>
@@ -41236,7 +41236,7 @@
           <p:cNvPr id="15" name="Rectangle 14">
             <a:extLst>
               <a:ext uri="{FF2B5EF4-FFF2-40B4-BE49-F238E27FC236}">
-                <a16:creationId xmlns="" xmlns:a16="http://schemas.microsoft.com/office/drawing/2014/main" id="{E8E3FDB8-6D5C-48FE-99EA-7EC60F4D8191}"/>
+                <a16:creationId xmlns:a16="http://schemas.microsoft.com/office/drawing/2014/main" xmlns="" id="{E8E3FDB8-6D5C-48FE-99EA-7EC60F4D8191}"/>
               </a:ext>
             </a:extLst>
           </p:cNvPr>
@@ -41303,7 +41303,7 @@
           <p:cNvPr id="5" name="Date Placeholder 4">
             <a:extLst>
               <a:ext uri="{FF2B5EF4-FFF2-40B4-BE49-F238E27FC236}">
-                <a16:creationId xmlns="" xmlns:a16="http://schemas.microsoft.com/office/drawing/2014/main" id="{2D9775F3-A041-479A-8038-652B7D9C72E9}"/>
+                <a16:creationId xmlns:a16="http://schemas.microsoft.com/office/drawing/2014/main" xmlns="" id="{2D9775F3-A041-479A-8038-652B7D9C72E9}"/>
               </a:ext>
             </a:extLst>
           </p:cNvPr>
@@ -41331,7 +41331,7 @@
           <p:cNvPr id="6" name="Footer Placeholder 5">
             <a:extLst>
               <a:ext uri="{FF2B5EF4-FFF2-40B4-BE49-F238E27FC236}">
-                <a16:creationId xmlns="" xmlns:a16="http://schemas.microsoft.com/office/drawing/2014/main" id="{29BEDD04-BE4E-4B91-B13E-0C4FB3E1658F}"/>
+                <a16:creationId xmlns:a16="http://schemas.microsoft.com/office/drawing/2014/main" xmlns="" id="{29BEDD04-BE4E-4B91-B13E-0C4FB3E1658F}"/>
               </a:ext>
             </a:extLst>
           </p:cNvPr>
@@ -41359,7 +41359,7 @@
           <p:cNvPr id="7" name="Slide Number Placeholder 6">
             <a:extLst>
               <a:ext uri="{FF2B5EF4-FFF2-40B4-BE49-F238E27FC236}">
-                <a16:creationId xmlns="" xmlns:a16="http://schemas.microsoft.com/office/drawing/2014/main" id="{306DF5D8-12DC-494E-B0F1-2E9C86A14544}"/>
+                <a16:creationId xmlns:a16="http://schemas.microsoft.com/office/drawing/2014/main" xmlns="" id="{306DF5D8-12DC-494E-B0F1-2E9C86A14544}"/>
               </a:ext>
             </a:extLst>
           </p:cNvPr>
@@ -41388,7 +41388,7 @@
           <p:cNvPr id="8" name="Title 1">
             <a:extLst>
               <a:ext uri="{FF2B5EF4-FFF2-40B4-BE49-F238E27FC236}">
-                <a16:creationId xmlns="" xmlns:a16="http://schemas.microsoft.com/office/drawing/2014/main" id="{ABF87C9E-53A2-4DE1-89DC-3907BE2E3D3C}"/>
+                <a16:creationId xmlns:a16="http://schemas.microsoft.com/office/drawing/2014/main" xmlns="" id="{ABF87C9E-53A2-4DE1-89DC-3907BE2E3D3C}"/>
               </a:ext>
             </a:extLst>
           </p:cNvPr>
@@ -41427,7 +41427,7 @@
           <p:cNvPr id="9" name="Text Placeholder 2">
             <a:extLst>
               <a:ext uri="{FF2B5EF4-FFF2-40B4-BE49-F238E27FC236}">
-                <a16:creationId xmlns="" xmlns:a16="http://schemas.microsoft.com/office/drawing/2014/main" id="{EB453F8F-AA02-4E0D-93BF-8CF4F1490377}"/>
+                <a16:creationId xmlns:a16="http://schemas.microsoft.com/office/drawing/2014/main" xmlns="" id="{EB453F8F-AA02-4E0D-93BF-8CF4F1490377}"/>
               </a:ext>
             </a:extLst>
           </p:cNvPr>
@@ -41557,7 +41557,7 @@
           <p:cNvPr id="10" name="Picture Placeholder 10">
             <a:extLst>
               <a:ext uri="{FF2B5EF4-FFF2-40B4-BE49-F238E27FC236}">
-                <a16:creationId xmlns="" xmlns:a16="http://schemas.microsoft.com/office/drawing/2014/main" id="{A541F291-2E4B-474E-9ED0-55C97A2A066D}"/>
+                <a16:creationId xmlns:a16="http://schemas.microsoft.com/office/drawing/2014/main" xmlns="" id="{A541F291-2E4B-474E-9ED0-55C97A2A066D}"/>
               </a:ext>
             </a:extLst>
           </p:cNvPr>
@@ -41598,7 +41598,7 @@
           <p:cNvPr id="11" name="Group 10">
             <a:extLst>
               <a:ext uri="{FF2B5EF4-FFF2-40B4-BE49-F238E27FC236}">
-                <a16:creationId xmlns="" xmlns:a16="http://schemas.microsoft.com/office/drawing/2014/main" id="{59E4D57E-4989-4939-A31F-637543FAB606}"/>
+                <a16:creationId xmlns:a16="http://schemas.microsoft.com/office/drawing/2014/main" xmlns="" id="{59E4D57E-4989-4939-A31F-637543FAB606}"/>
               </a:ext>
             </a:extLst>
           </p:cNvPr>
@@ -41618,7 +41618,7 @@
             <p:cNvPr id="12" name="Straight Connector 11">
               <a:extLst>
                 <a:ext uri="{FF2B5EF4-FFF2-40B4-BE49-F238E27FC236}">
-                  <a16:creationId xmlns="" xmlns:a16="http://schemas.microsoft.com/office/drawing/2014/main" id="{370B72A7-B625-48B8-88E6-BCE2A4DD531E}"/>
+                  <a16:creationId xmlns:a16="http://schemas.microsoft.com/office/drawing/2014/main" xmlns="" id="{370B72A7-B625-48B8-88E6-BCE2A4DD531E}"/>
                 </a:ext>
               </a:extLst>
             </p:cNvPr>
@@ -41664,7 +41664,7 @@
             <p:cNvPr id="13" name="Oval 12">
               <a:extLst>
                 <a:ext uri="{FF2B5EF4-FFF2-40B4-BE49-F238E27FC236}">
-                  <a16:creationId xmlns="" xmlns:a16="http://schemas.microsoft.com/office/drawing/2014/main" id="{01ED729F-F8A5-4244-9776-4935C260F11F}"/>
+                  <a16:creationId xmlns:a16="http://schemas.microsoft.com/office/drawing/2014/main" xmlns="" id="{01ED729F-F8A5-4244-9776-4935C260F11F}"/>
                 </a:ext>
               </a:extLst>
             </p:cNvPr>
@@ -41725,7 +41725,7 @@
           <p:cNvPr id="14" name="Text Placeholder 2">
             <a:extLst>
               <a:ext uri="{FF2B5EF4-FFF2-40B4-BE49-F238E27FC236}">
-                <a16:creationId xmlns="" xmlns:a16="http://schemas.microsoft.com/office/drawing/2014/main" id="{BE12A846-0DFC-435B-BAE9-D90C353E0344}"/>
+                <a16:creationId xmlns:a16="http://schemas.microsoft.com/office/drawing/2014/main" xmlns="" id="{BE12A846-0DFC-435B-BAE9-D90C353E0344}"/>
               </a:ext>
             </a:extLst>
           </p:cNvPr>
@@ -41860,7 +41860,7 @@
           <p:cNvPr id="17" name="Straight Connector 16">
             <a:extLst>
               <a:ext uri="{FF2B5EF4-FFF2-40B4-BE49-F238E27FC236}">
-                <a16:creationId xmlns="" xmlns:a16="http://schemas.microsoft.com/office/drawing/2014/main" id="{6150998C-CF95-4C6F-8962-8EB2DB30177D}"/>
+                <a16:creationId xmlns:a16="http://schemas.microsoft.com/office/drawing/2014/main" xmlns="" id="{6150998C-CF95-4C6F-8962-8EB2DB30177D}"/>
               </a:ext>
             </a:extLst>
           </p:cNvPr>
@@ -41904,7 +41904,7 @@
           <p:cNvPr id="18" name="Oval 17">
             <a:extLst>
               <a:ext uri="{FF2B5EF4-FFF2-40B4-BE49-F238E27FC236}">
-                <a16:creationId xmlns="" xmlns:a16="http://schemas.microsoft.com/office/drawing/2014/main" id="{F86A2ACD-8CF5-48A3-A678-E213A809B332}"/>
+                <a16:creationId xmlns:a16="http://schemas.microsoft.com/office/drawing/2014/main" xmlns="" id="{F86A2ACD-8CF5-48A3-A678-E213A809B332}"/>
               </a:ext>
             </a:extLst>
           </p:cNvPr>
@@ -41959,7 +41959,7 @@
           <p:cNvPr id="19" name="Straight Connector 18">
             <a:extLst>
               <a:ext uri="{FF2B5EF4-FFF2-40B4-BE49-F238E27FC236}">
-                <a16:creationId xmlns="" xmlns:a16="http://schemas.microsoft.com/office/drawing/2014/main" id="{F00811BB-0E37-4D70-84A5-97B3FBEDCBE6}"/>
+                <a16:creationId xmlns:a16="http://schemas.microsoft.com/office/drawing/2014/main" xmlns="" id="{F00811BB-0E37-4D70-84A5-97B3FBEDCBE6}"/>
               </a:ext>
             </a:extLst>
           </p:cNvPr>
@@ -42005,7 +42005,7 @@
           <p:cNvPr id="20" name="Oval 19">
             <a:extLst>
               <a:ext uri="{FF2B5EF4-FFF2-40B4-BE49-F238E27FC236}">
-                <a16:creationId xmlns="" xmlns:a16="http://schemas.microsoft.com/office/drawing/2014/main" id="{D03B3046-0457-4D23-8E0C-64E3FCD620BB}"/>
+                <a16:creationId xmlns:a16="http://schemas.microsoft.com/office/drawing/2014/main" xmlns="" id="{D03B3046-0457-4D23-8E0C-64E3FCD620BB}"/>
               </a:ext>
             </a:extLst>
           </p:cNvPr>
@@ -42060,7 +42060,7 @@
           <p:cNvPr id="22" name="Text Placeholder 2">
             <a:extLst>
               <a:ext uri="{FF2B5EF4-FFF2-40B4-BE49-F238E27FC236}">
-                <a16:creationId xmlns="" xmlns:a16="http://schemas.microsoft.com/office/drawing/2014/main" id="{F2ACDD32-C1AB-4359-B055-2F910492987E}"/>
+                <a16:creationId xmlns:a16="http://schemas.microsoft.com/office/drawing/2014/main" xmlns="" id="{F2ACDD32-C1AB-4359-B055-2F910492987E}"/>
               </a:ext>
             </a:extLst>
           </p:cNvPr>
@@ -42193,7 +42193,7 @@
           <p:cNvPr id="16" name="Text Placeholder 15">
             <a:extLst>
               <a:ext uri="{FF2B5EF4-FFF2-40B4-BE49-F238E27FC236}">
-                <a16:creationId xmlns="" xmlns:a16="http://schemas.microsoft.com/office/drawing/2014/main" id="{D0092E26-7A96-4712-98A7-FFDA7C3D7721}"/>
+                <a16:creationId xmlns:a16="http://schemas.microsoft.com/office/drawing/2014/main" xmlns="" id="{D0092E26-7A96-4712-98A7-FFDA7C3D7721}"/>
               </a:ext>
             </a:extLst>
           </p:cNvPr>
@@ -42250,7 +42250,7 @@
           <p:cNvPr id="34" name="Text Placeholder 2">
             <a:extLst>
               <a:ext uri="{FF2B5EF4-FFF2-40B4-BE49-F238E27FC236}">
-                <a16:creationId xmlns="" xmlns:a16="http://schemas.microsoft.com/office/drawing/2014/main" id="{B17B484C-F876-40B2-89DE-FC7A9E54C835}"/>
+                <a16:creationId xmlns:a16="http://schemas.microsoft.com/office/drawing/2014/main" xmlns="" id="{B17B484C-F876-40B2-89DE-FC7A9E54C835}"/>
               </a:ext>
             </a:extLst>
           </p:cNvPr>
@@ -42385,7 +42385,7 @@
           <p:cNvPr id="35" name="Text Placeholder 15">
             <a:extLst>
               <a:ext uri="{FF2B5EF4-FFF2-40B4-BE49-F238E27FC236}">
-                <a16:creationId xmlns="" xmlns:a16="http://schemas.microsoft.com/office/drawing/2014/main" id="{7A54608E-523B-47AC-B8A6-3E8FE9A15847}"/>
+                <a16:creationId xmlns:a16="http://schemas.microsoft.com/office/drawing/2014/main" xmlns="" id="{7A54608E-523B-47AC-B8A6-3E8FE9A15847}"/>
               </a:ext>
             </a:extLst>
           </p:cNvPr>
@@ -42442,7 +42442,7 @@
           <p:cNvPr id="36" name="Text Placeholder 2">
             <a:extLst>
               <a:ext uri="{FF2B5EF4-FFF2-40B4-BE49-F238E27FC236}">
-                <a16:creationId xmlns="" xmlns:a16="http://schemas.microsoft.com/office/drawing/2014/main" id="{99E02476-A734-4A74-BC42-F104B37C8C19}"/>
+                <a16:creationId xmlns:a16="http://schemas.microsoft.com/office/drawing/2014/main" xmlns="" id="{99E02476-A734-4A74-BC42-F104B37C8C19}"/>
               </a:ext>
             </a:extLst>
           </p:cNvPr>
@@ -42575,7 +42575,7 @@
           <p:cNvPr id="37" name="Text Placeholder 2">
             <a:extLst>
               <a:ext uri="{FF2B5EF4-FFF2-40B4-BE49-F238E27FC236}">
-                <a16:creationId xmlns="" xmlns:a16="http://schemas.microsoft.com/office/drawing/2014/main" id="{E0D32F26-CEE2-4420-A43D-B008AE2D1DDC}"/>
+                <a16:creationId xmlns:a16="http://schemas.microsoft.com/office/drawing/2014/main" xmlns="" id="{E0D32F26-CEE2-4420-A43D-B008AE2D1DDC}"/>
               </a:ext>
             </a:extLst>
           </p:cNvPr>
@@ -42710,7 +42710,7 @@
           <p:cNvPr id="38" name="Text Placeholder 15">
             <a:extLst>
               <a:ext uri="{FF2B5EF4-FFF2-40B4-BE49-F238E27FC236}">
-                <a16:creationId xmlns="" xmlns:a16="http://schemas.microsoft.com/office/drawing/2014/main" id="{DBC2890A-FFF7-4606-A262-6D464BA5D997}"/>
+                <a16:creationId xmlns:a16="http://schemas.microsoft.com/office/drawing/2014/main" xmlns="" id="{DBC2890A-FFF7-4606-A262-6D464BA5D997}"/>
               </a:ext>
             </a:extLst>
           </p:cNvPr>
@@ -42767,7 +42767,7 @@
           <p:cNvPr id="39" name="Text Placeholder 2">
             <a:extLst>
               <a:ext uri="{FF2B5EF4-FFF2-40B4-BE49-F238E27FC236}">
-                <a16:creationId xmlns="" xmlns:a16="http://schemas.microsoft.com/office/drawing/2014/main" id="{268E1254-8C59-4B9B-A775-45CA3D655514}"/>
+                <a16:creationId xmlns:a16="http://schemas.microsoft.com/office/drawing/2014/main" xmlns="" id="{268E1254-8C59-4B9B-A775-45CA3D655514}"/>
               </a:ext>
             </a:extLst>
           </p:cNvPr>
@@ -42900,7 +42900,7 @@
           <p:cNvPr id="21" name="Straight Connector 20">
             <a:extLst>
               <a:ext uri="{FF2B5EF4-FFF2-40B4-BE49-F238E27FC236}">
-                <a16:creationId xmlns="" xmlns:a16="http://schemas.microsoft.com/office/drawing/2014/main" id="{8E47DC43-D8A0-4F17-B897-D8B07A6F1B47}"/>
+                <a16:creationId xmlns:a16="http://schemas.microsoft.com/office/drawing/2014/main" xmlns="" id="{8E47DC43-D8A0-4F17-B897-D8B07A6F1B47}"/>
               </a:ext>
             </a:extLst>
           </p:cNvPr>
@@ -42941,7 +42941,7 @@
           <p:cNvPr id="29" name="Straight Connector 28">
             <a:extLst>
               <a:ext uri="{FF2B5EF4-FFF2-40B4-BE49-F238E27FC236}">
-                <a16:creationId xmlns="" xmlns:a16="http://schemas.microsoft.com/office/drawing/2014/main" id="{D201F265-08ED-497A-BE5C-62220829348F}"/>
+                <a16:creationId xmlns:a16="http://schemas.microsoft.com/office/drawing/2014/main" xmlns="" id="{D201F265-08ED-497A-BE5C-62220829348F}"/>
               </a:ext>
             </a:extLst>
           </p:cNvPr>
@@ -43017,7 +43017,7 @@
           <p:cNvPr id="2" name="Title Placeholder 1">
             <a:extLst>
               <a:ext uri="{FF2B5EF4-FFF2-40B4-BE49-F238E27FC236}">
-                <a16:creationId xmlns="" xmlns:a16="http://schemas.microsoft.com/office/drawing/2014/main" id="{6967058B-89E0-4460-AB21-21747CB3A118}"/>
+                <a16:creationId xmlns:a16="http://schemas.microsoft.com/office/drawing/2014/main" xmlns="" id="{6967058B-89E0-4460-AB21-21747CB3A118}"/>
               </a:ext>
             </a:extLst>
           </p:cNvPr>
@@ -43055,7 +43055,7 @@
           <p:cNvPr id="3" name="Text Placeholder 2">
             <a:extLst>
               <a:ext uri="{FF2B5EF4-FFF2-40B4-BE49-F238E27FC236}">
-                <a16:creationId xmlns="" xmlns:a16="http://schemas.microsoft.com/office/drawing/2014/main" id="{7201C5EB-04D6-4050-930C-5F6907528D7A}"/>
+                <a16:creationId xmlns:a16="http://schemas.microsoft.com/office/drawing/2014/main" xmlns="" id="{7201C5EB-04D6-4050-930C-5F6907528D7A}"/>
               </a:ext>
             </a:extLst>
           </p:cNvPr>
@@ -43122,7 +43122,7 @@
           <p:cNvPr id="4" name="Date Placeholder 3">
             <a:extLst>
               <a:ext uri="{FF2B5EF4-FFF2-40B4-BE49-F238E27FC236}">
-                <a16:creationId xmlns="" xmlns:a16="http://schemas.microsoft.com/office/drawing/2014/main" id="{A732220F-109C-4A57-81E9-C6279EDA1374}"/>
+                <a16:creationId xmlns:a16="http://schemas.microsoft.com/office/drawing/2014/main" xmlns="" id="{A732220F-109C-4A57-81E9-C6279EDA1374}"/>
               </a:ext>
             </a:extLst>
           </p:cNvPr>
@@ -43169,7 +43169,7 @@
           <p:cNvPr id="5" name="Footer Placeholder 4">
             <a:extLst>
               <a:ext uri="{FF2B5EF4-FFF2-40B4-BE49-F238E27FC236}">
-                <a16:creationId xmlns="" xmlns:a16="http://schemas.microsoft.com/office/drawing/2014/main" id="{0A25404F-F26F-42E5-BA15-C0373FC1CF2B}"/>
+                <a16:creationId xmlns:a16="http://schemas.microsoft.com/office/drawing/2014/main" xmlns="" id="{0A25404F-F26F-42E5-BA15-C0373FC1CF2B}"/>
               </a:ext>
             </a:extLst>
           </p:cNvPr>
@@ -43216,7 +43216,7 @@
           <p:cNvPr id="6" name="Slide Number Placeholder 5">
             <a:extLst>
               <a:ext uri="{FF2B5EF4-FFF2-40B4-BE49-F238E27FC236}">
-                <a16:creationId xmlns="" xmlns:a16="http://schemas.microsoft.com/office/drawing/2014/main" id="{41725174-FA04-488F-9F0C-3CD1D1483FA9}"/>
+                <a16:creationId xmlns:a16="http://schemas.microsoft.com/office/drawing/2014/main" xmlns="" id="{41725174-FA04-488F-9F0C-3CD1D1483FA9}"/>
               </a:ext>
             </a:extLst>
           </p:cNvPr>
@@ -43262,7 +43262,7 @@
           <p:cNvPr id="7" name="Oval 6">
             <a:extLst>
               <a:ext uri="{FF2B5EF4-FFF2-40B4-BE49-F238E27FC236}">
-                <a16:creationId xmlns="" xmlns:a16="http://schemas.microsoft.com/office/drawing/2014/main" id="{7FEF1588-F385-48F3-800A-554A9423E77A}"/>
+                <a16:creationId xmlns:a16="http://schemas.microsoft.com/office/drawing/2014/main" xmlns="" id="{7FEF1588-F385-48F3-800A-554A9423E77A}"/>
               </a:ext>
             </a:extLst>
           </p:cNvPr>
@@ -43317,7 +43317,7 @@
           <p:cNvPr id="10" name="Straight Connector 9">
             <a:extLst>
               <a:ext uri="{FF2B5EF4-FFF2-40B4-BE49-F238E27FC236}">
-                <a16:creationId xmlns="" xmlns:a16="http://schemas.microsoft.com/office/drawing/2014/main" id="{440B0943-F568-4674-8FA4-B435B1E466AF}"/>
+                <a16:creationId xmlns:a16="http://schemas.microsoft.com/office/drawing/2014/main" xmlns="" id="{440B0943-F568-4674-8FA4-B435B1E466AF}"/>
               </a:ext>
             </a:extLst>
           </p:cNvPr>
@@ -43361,7 +43361,7 @@
           <p:cNvPr id="11" name="Oval 10">
             <a:extLst>
               <a:ext uri="{FF2B5EF4-FFF2-40B4-BE49-F238E27FC236}">
-                <a16:creationId xmlns="" xmlns:a16="http://schemas.microsoft.com/office/drawing/2014/main" id="{62DE7FD5-7941-43A1-8663-42AE40546A4F}"/>
+                <a16:creationId xmlns:a16="http://schemas.microsoft.com/office/drawing/2014/main" xmlns="" id="{62DE7FD5-7941-43A1-8663-42AE40546A4F}"/>
               </a:ext>
             </a:extLst>
           </p:cNvPr>
@@ -43416,7 +43416,7 @@
           <p:cNvPr id="13" name="Straight Connector 12">
             <a:extLst>
               <a:ext uri="{FF2B5EF4-FFF2-40B4-BE49-F238E27FC236}">
-                <a16:creationId xmlns="" xmlns:a16="http://schemas.microsoft.com/office/drawing/2014/main" id="{97791EE5-EF06-4BF8-84C6-EC24114E73F5}"/>
+                <a16:creationId xmlns:a16="http://schemas.microsoft.com/office/drawing/2014/main" xmlns="" id="{97791EE5-EF06-4BF8-84C6-EC24114E73F5}"/>
               </a:ext>
             </a:extLst>
           </p:cNvPr>
@@ -43856,7 +43856,7 @@
           <p:cNvPr id="5" name="Picture Placeholder 11">
             <a:extLst>
               <a:ext uri="{FF2B5EF4-FFF2-40B4-BE49-F238E27FC236}">
-                <a16:creationId xmlns="" xmlns:a16="http://schemas.microsoft.com/office/drawing/2014/main" id="{403E5740-1FF0-42AF-A459-70BE0BD24FDC}"/>
+                <a16:creationId xmlns:a16="http://schemas.microsoft.com/office/drawing/2014/main" xmlns="" id="{403E5740-1FF0-42AF-A459-70BE0BD24FDC}"/>
               </a:ext>
             </a:extLst>
           </p:cNvPr>
@@ -43966,7 +43966,7 @@
           <p:cNvPr id="7" name="Title 1">
             <a:extLst>
               <a:ext uri="{FF2B5EF4-FFF2-40B4-BE49-F238E27FC236}">
-                <a16:creationId xmlns="" xmlns:a16="http://schemas.microsoft.com/office/drawing/2014/main" id="{EA4B7241-C2B7-4F61-A69C-236E16A5F62F}"/>
+                <a16:creationId xmlns:a16="http://schemas.microsoft.com/office/drawing/2014/main" xmlns="" id="{EA4B7241-C2B7-4F61-A69C-236E16A5F62F}"/>
               </a:ext>
             </a:extLst>
           </p:cNvPr>
@@ -44187,7 +44187,7 @@
           <p:cNvPr id="2" name="Title 1">
             <a:extLst>
               <a:ext uri="{FF2B5EF4-FFF2-40B4-BE49-F238E27FC236}">
-                <a16:creationId xmlns="" xmlns:a16="http://schemas.microsoft.com/office/drawing/2014/main" id="{134CB059-9E3B-4C24-8E61-717292C2944E}"/>
+                <a16:creationId xmlns:a16="http://schemas.microsoft.com/office/drawing/2014/main" xmlns="" id="{134CB059-9E3B-4C24-8E61-717292C2944E}"/>
               </a:ext>
             </a:extLst>
           </p:cNvPr>
@@ -44217,7 +44217,7 @@
           <p:cNvPr id="3" name="Text Placeholder 2">
             <a:extLst>
               <a:ext uri="{FF2B5EF4-FFF2-40B4-BE49-F238E27FC236}">
-                <a16:creationId xmlns="" xmlns:a16="http://schemas.microsoft.com/office/drawing/2014/main" id="{E66139D5-668D-4A3D-B6B6-F71EC385C8FF}"/>
+                <a16:creationId xmlns:a16="http://schemas.microsoft.com/office/drawing/2014/main" xmlns="" id="{E66139D5-668D-4A3D-B6B6-F71EC385C8FF}"/>
               </a:ext>
             </a:extLst>
           </p:cNvPr>
@@ -44252,7 +44252,7 @@
           <p:cNvPr id="6" name="Slide Number Placeholder 5">
             <a:extLst>
               <a:ext uri="{FF2B5EF4-FFF2-40B4-BE49-F238E27FC236}">
-                <a16:creationId xmlns="" xmlns:a16="http://schemas.microsoft.com/office/drawing/2014/main" id="{2B9E0CB5-2F64-4439-AFE9-1BB3ACE6FA9D}"/>
+                <a16:creationId xmlns:a16="http://schemas.microsoft.com/office/drawing/2014/main" xmlns="" id="{2B9E0CB5-2F64-4439-AFE9-1BB3ACE6FA9D}"/>
               </a:ext>
             </a:extLst>
           </p:cNvPr>
@@ -44281,7 +44281,7 @@
           <p:cNvPr id="5" name="Footer Placeholder 4">
             <a:extLst>
               <a:ext uri="{FF2B5EF4-FFF2-40B4-BE49-F238E27FC236}">
-                <a16:creationId xmlns="" xmlns:a16="http://schemas.microsoft.com/office/drawing/2014/main" id="{FFFF8DFC-D37E-4FE9-81F0-77C68D469526}"/>
+                <a16:creationId xmlns:a16="http://schemas.microsoft.com/office/drawing/2014/main" xmlns="" id="{FFFF8DFC-D37E-4FE9-81F0-77C68D469526}"/>
               </a:ext>
             </a:extLst>
           </p:cNvPr>
@@ -44309,7 +44309,7 @@
           <p:cNvPr id="4" name="Date Placeholder 3">
             <a:extLst>
               <a:ext uri="{FF2B5EF4-FFF2-40B4-BE49-F238E27FC236}">
-                <a16:creationId xmlns="" xmlns:a16="http://schemas.microsoft.com/office/drawing/2014/main" id="{0BA396AE-BE46-43FB-B4E7-224D2AF39F83}"/>
+                <a16:creationId xmlns:a16="http://schemas.microsoft.com/office/drawing/2014/main" xmlns="" id="{0BA396AE-BE46-43FB-B4E7-224D2AF39F83}"/>
               </a:ext>
             </a:extLst>
           </p:cNvPr>
@@ -44426,7 +44426,7 @@
           <p:cNvPr id="11" name="Text Placeholder 2">
             <a:extLst>
               <a:ext uri="{FF2B5EF4-FFF2-40B4-BE49-F238E27FC236}">
-                <a16:creationId xmlns="" xmlns:a16="http://schemas.microsoft.com/office/drawing/2014/main" id="{E66139D5-668D-4A3D-B6B6-F71EC385C8FF}"/>
+                <a16:creationId xmlns:a16="http://schemas.microsoft.com/office/drawing/2014/main" xmlns="" id="{E66139D5-668D-4A3D-B6B6-F71EC385C8FF}"/>
               </a:ext>
             </a:extLst>
           </p:cNvPr>
@@ -44501,7 +44501,7 @@
           <p:cNvPr id="18" name="Picture Placeholder 17">
             <a:extLst>
               <a:ext uri="{FF2B5EF4-FFF2-40B4-BE49-F238E27FC236}">
-                <a16:creationId xmlns="" xmlns:a16="http://schemas.microsoft.com/office/drawing/2014/main" id="{FA9DAA9F-5926-4BC1-8F7B-06E0B1C2F013}"/>
+                <a16:creationId xmlns:a16="http://schemas.microsoft.com/office/drawing/2014/main" xmlns="" id="{FA9DAA9F-5926-4BC1-8F7B-06E0B1C2F013}"/>
               </a:ext>
             </a:extLst>
           </p:cNvPr>
@@ -44536,7 +44536,7 @@
           <p:cNvPr id="2" name="Title 1">
             <a:extLst>
               <a:ext uri="{FF2B5EF4-FFF2-40B4-BE49-F238E27FC236}">
-                <a16:creationId xmlns="" xmlns:a16="http://schemas.microsoft.com/office/drawing/2014/main" id="{B0406C22-D0C4-4D8E-86F7-1A902F1CA7AB}"/>
+                <a16:creationId xmlns:a16="http://schemas.microsoft.com/office/drawing/2014/main" xmlns="" id="{B0406C22-D0C4-4D8E-86F7-1A902F1CA7AB}"/>
               </a:ext>
             </a:extLst>
           </p:cNvPr>
@@ -44571,7 +44571,7 @@
           <p:cNvPr id="5" name="Slide Number Placeholder 4">
             <a:extLst>
               <a:ext uri="{FF2B5EF4-FFF2-40B4-BE49-F238E27FC236}">
-                <a16:creationId xmlns="" xmlns:a16="http://schemas.microsoft.com/office/drawing/2014/main" id="{1C5328BF-D489-4F39-BA27-5AD38E9116D8}"/>
+                <a16:creationId xmlns:a16="http://schemas.microsoft.com/office/drawing/2014/main" xmlns="" id="{1C5328BF-D489-4F39-BA27-5AD38E9116D8}"/>
               </a:ext>
             </a:extLst>
           </p:cNvPr>
@@ -44601,7 +44601,7 @@
           <p:cNvPr id="4" name="Footer Placeholder 3">
             <a:extLst>
               <a:ext uri="{FF2B5EF4-FFF2-40B4-BE49-F238E27FC236}">
-                <a16:creationId xmlns="" xmlns:a16="http://schemas.microsoft.com/office/drawing/2014/main" id="{577B5262-30A5-4063-A21E-56FCACC40308}"/>
+                <a16:creationId xmlns:a16="http://schemas.microsoft.com/office/drawing/2014/main" xmlns="" id="{577B5262-30A5-4063-A21E-56FCACC40308}"/>
               </a:ext>
             </a:extLst>
           </p:cNvPr>
@@ -44629,7 +44629,7 @@
           <p:cNvPr id="3" name="Date Placeholder 2">
             <a:extLst>
               <a:ext uri="{FF2B5EF4-FFF2-40B4-BE49-F238E27FC236}">
-                <a16:creationId xmlns="" xmlns:a16="http://schemas.microsoft.com/office/drawing/2014/main" id="{41F813B4-2C3F-45B0-A38D-A3FE79E6D71B}"/>
+                <a16:creationId xmlns:a16="http://schemas.microsoft.com/office/drawing/2014/main" xmlns="" id="{41F813B4-2C3F-45B0-A38D-A3FE79E6D71B}"/>
               </a:ext>
             </a:extLst>
           </p:cNvPr>
@@ -44717,7 +44717,7 @@
           <p:cNvPr id="9" name="Date Placeholder 1">
             <a:extLst>
               <a:ext uri="{FF2B5EF4-FFF2-40B4-BE49-F238E27FC236}">
-                <a16:creationId xmlns="" xmlns:a16="http://schemas.microsoft.com/office/drawing/2014/main" id="{74ADF2A8-0029-4EDF-A9FD-C1E0A6505203}"/>
+                <a16:creationId xmlns:a16="http://schemas.microsoft.com/office/drawing/2014/main" xmlns="" id="{74ADF2A8-0029-4EDF-A9FD-C1E0A6505203}"/>
               </a:ext>
             </a:extLst>
           </p:cNvPr>
@@ -44894,7 +44894,7 @@
           <p:cNvPr id="67" name="Title 66">
             <a:extLst>
               <a:ext uri="{FF2B5EF4-FFF2-40B4-BE49-F238E27FC236}">
-                <a16:creationId xmlns="" xmlns:a16="http://schemas.microsoft.com/office/drawing/2014/main" id="{E72CC338-4598-4AF3-B140-D7F632D20BA5}"/>
+                <a16:creationId xmlns:a16="http://schemas.microsoft.com/office/drawing/2014/main" xmlns="" id="{E72CC338-4598-4AF3-B140-D7F632D20BA5}"/>
               </a:ext>
             </a:extLst>
           </p:cNvPr>
@@ -44936,7 +44936,7 @@
           <p:cNvPr id="68" name="Text Placeholder 67">
             <a:extLst>
               <a:ext uri="{FF2B5EF4-FFF2-40B4-BE49-F238E27FC236}">
-                <a16:creationId xmlns="" xmlns:a16="http://schemas.microsoft.com/office/drawing/2014/main" id="{1411656D-4971-4CC0-9065-8DA32BB8740B}"/>
+                <a16:creationId xmlns:a16="http://schemas.microsoft.com/office/drawing/2014/main" xmlns="" id="{1411656D-4971-4CC0-9065-8DA32BB8740B}"/>
               </a:ext>
             </a:extLst>
           </p:cNvPr>
@@ -44971,7 +44971,7 @@
           <p:cNvPr id="10" name="Text Placeholder 9">
             <a:extLst>
               <a:ext uri="{FF2B5EF4-FFF2-40B4-BE49-F238E27FC236}">
-                <a16:creationId xmlns="" xmlns:a16="http://schemas.microsoft.com/office/drawing/2014/main" id="{D87FAD12-8FEF-41B8-B478-8793FF9B485B}"/>
+                <a16:creationId xmlns:a16="http://schemas.microsoft.com/office/drawing/2014/main" xmlns="" id="{D87FAD12-8FEF-41B8-B478-8793FF9B485B}"/>
               </a:ext>
             </a:extLst>
           </p:cNvPr>
@@ -45005,7 +45005,7 @@
           <p:cNvPr id="7" name="Picture Placeholder 6" descr="Globe icon">
             <a:extLst>
               <a:ext uri="{FF2B5EF4-FFF2-40B4-BE49-F238E27FC236}">
-                <a16:creationId xmlns="" xmlns:a16="http://schemas.microsoft.com/office/drawing/2014/main" id="{610C6214-BE35-4ED8-9EE7-7252A6039583}"/>
+                <a16:creationId xmlns:a16="http://schemas.microsoft.com/office/drawing/2014/main" xmlns="" id="{610C6214-BE35-4ED8-9EE7-7252A6039583}"/>
               </a:ext>
             </a:extLst>
           </p:cNvPr>
@@ -45023,7 +45023,7 @@
                 <a14:useLocalDpi xmlns:a14="http://schemas.microsoft.com/office/drawing/2010/main" val="0"/>
               </a:ext>
               <a:ext uri="{96DAC541-7B7A-43D3-8B79-37D633B846F1}">
-                <asvg:svgBlip xmlns="" xmlns:asvg="http://schemas.microsoft.com/office/drawing/2016/SVG/main" r:embed="rId3"/>
+                <asvg:svgBlip xmlns:asvg="http://schemas.microsoft.com/office/drawing/2016/SVG/main" xmlns="" r:embed="rId3"/>
               </a:ext>
             </a:extLst>
           </a:blip>
@@ -45039,7 +45039,7 @@
           <p:cNvPr id="8" name="Text Placeholder 7">
             <a:extLst>
               <a:ext uri="{FF2B5EF4-FFF2-40B4-BE49-F238E27FC236}">
-                <a16:creationId xmlns="" xmlns:a16="http://schemas.microsoft.com/office/drawing/2014/main" id="{C8E5EEAD-1427-4576-B8F8-C485CAE758A4}"/>
+                <a16:creationId xmlns:a16="http://schemas.microsoft.com/office/drawing/2014/main" xmlns="" id="{C8E5EEAD-1427-4576-B8F8-C485CAE758A4}"/>
               </a:ext>
             </a:extLst>
           </p:cNvPr>
@@ -45080,7 +45080,7 @@
           <p:cNvPr id="16" name="Text Placeholder 15">
             <a:extLst>
               <a:ext uri="{FF2B5EF4-FFF2-40B4-BE49-F238E27FC236}">
-                <a16:creationId xmlns="" xmlns:a16="http://schemas.microsoft.com/office/drawing/2014/main" id="{C214C1BB-D845-4DB6-B4FC-B7AD5F5E0C3D}"/>
+                <a16:creationId xmlns:a16="http://schemas.microsoft.com/office/drawing/2014/main" xmlns="" id="{C214C1BB-D845-4DB6-B4FC-B7AD5F5E0C3D}"/>
               </a:ext>
             </a:extLst>
           </p:cNvPr>
@@ -45121,7 +45121,7 @@
           <p:cNvPr id="12" name="Picture Placeholder 11" descr="Cubes icon">
             <a:extLst>
               <a:ext uri="{FF2B5EF4-FFF2-40B4-BE49-F238E27FC236}">
-                <a16:creationId xmlns="" xmlns:a16="http://schemas.microsoft.com/office/drawing/2014/main" id="{92015B7B-96EB-42A1-A654-5DE5377A52C7}"/>
+                <a16:creationId xmlns:a16="http://schemas.microsoft.com/office/drawing/2014/main" xmlns="" id="{92015B7B-96EB-42A1-A654-5DE5377A52C7}"/>
               </a:ext>
             </a:extLst>
           </p:cNvPr>
@@ -45139,7 +45139,7 @@
                 <a14:useLocalDpi xmlns:a14="http://schemas.microsoft.com/office/drawing/2010/main" val="0"/>
               </a:ext>
               <a:ext uri="{96DAC541-7B7A-43D3-8B79-37D633B846F1}">
-                <asvg:svgBlip xmlns="" xmlns:asvg="http://schemas.microsoft.com/office/drawing/2016/SVG/main" r:embed="rId5"/>
+                <asvg:svgBlip xmlns:asvg="http://schemas.microsoft.com/office/drawing/2016/SVG/main" xmlns="" r:embed="rId5"/>
               </a:ext>
             </a:extLst>
           </a:blip>
@@ -45155,7 +45155,7 @@
           <p:cNvPr id="14" name="Text Placeholder 13">
             <a:extLst>
               <a:ext uri="{FF2B5EF4-FFF2-40B4-BE49-F238E27FC236}">
-                <a16:creationId xmlns="" xmlns:a16="http://schemas.microsoft.com/office/drawing/2014/main" id="{B9B92F0C-3A1D-438E-B581-C1A63389DAF6}"/>
+                <a16:creationId xmlns:a16="http://schemas.microsoft.com/office/drawing/2014/main" xmlns="" id="{B9B92F0C-3A1D-438E-B581-C1A63389DAF6}"/>
               </a:ext>
             </a:extLst>
           </p:cNvPr>
@@ -45183,7 +45183,7 @@
           <p:cNvPr id="13" name="Text Placeholder 12">
             <a:extLst>
               <a:ext uri="{FF2B5EF4-FFF2-40B4-BE49-F238E27FC236}">
-                <a16:creationId xmlns="" xmlns:a16="http://schemas.microsoft.com/office/drawing/2014/main" id="{B457CA9C-196E-494C-85C7-9B4861053912}"/>
+                <a16:creationId xmlns:a16="http://schemas.microsoft.com/office/drawing/2014/main" xmlns="" id="{B457CA9C-196E-494C-85C7-9B4861053912}"/>
               </a:ext>
             </a:extLst>
           </p:cNvPr>
@@ -45224,7 +45224,7 @@
           <p:cNvPr id="18" name="Picture Placeholder 17" descr="Microprocessor icon">
             <a:extLst>
               <a:ext uri="{FF2B5EF4-FFF2-40B4-BE49-F238E27FC236}">
-                <a16:creationId xmlns="" xmlns:a16="http://schemas.microsoft.com/office/drawing/2014/main" id="{2714DCC9-F1D9-4D7B-9452-B6DF9693F667}"/>
+                <a16:creationId xmlns:a16="http://schemas.microsoft.com/office/drawing/2014/main" xmlns="" id="{2714DCC9-F1D9-4D7B-9452-B6DF9693F667}"/>
               </a:ext>
             </a:extLst>
           </p:cNvPr>
@@ -45242,7 +45242,7 @@
                 <a14:useLocalDpi xmlns:a14="http://schemas.microsoft.com/office/drawing/2010/main" val="0"/>
               </a:ext>
               <a:ext uri="{96DAC541-7B7A-43D3-8B79-37D633B846F1}">
-                <asvg:svgBlip xmlns="" xmlns:asvg="http://schemas.microsoft.com/office/drawing/2016/SVG/main" r:embed="rId7"/>
+                <asvg:svgBlip xmlns:asvg="http://schemas.microsoft.com/office/drawing/2016/SVG/main" xmlns="" r:embed="rId7"/>
               </a:ext>
             </a:extLst>
           </a:blip>
@@ -45258,7 +45258,7 @@
           <p:cNvPr id="11" name="Text Placeholder 10">
             <a:extLst>
               <a:ext uri="{FF2B5EF4-FFF2-40B4-BE49-F238E27FC236}">
-                <a16:creationId xmlns="" xmlns:a16="http://schemas.microsoft.com/office/drawing/2014/main" id="{CE2783CF-764B-4358-9D88-FAC1CFEBE203}"/>
+                <a16:creationId xmlns:a16="http://schemas.microsoft.com/office/drawing/2014/main" xmlns="" id="{CE2783CF-764B-4358-9D88-FAC1CFEBE203}"/>
               </a:ext>
             </a:extLst>
           </p:cNvPr>
@@ -45305,7 +45305,7 @@
           <p:cNvPr id="19" name="Text Placeholder 18">
             <a:extLst>
               <a:ext uri="{FF2B5EF4-FFF2-40B4-BE49-F238E27FC236}">
-                <a16:creationId xmlns="" xmlns:a16="http://schemas.microsoft.com/office/drawing/2014/main" id="{0D9ADD0F-E05E-4B0E-9D9D-545FD755D7AE}"/>
+                <a16:creationId xmlns:a16="http://schemas.microsoft.com/office/drawing/2014/main" xmlns="" id="{0D9ADD0F-E05E-4B0E-9D9D-545FD755D7AE}"/>
               </a:ext>
             </a:extLst>
           </p:cNvPr>
@@ -45342,7 +45342,7 @@
           <p:cNvPr id="21" name="Picture Placeholder 20" descr="Atom icon">
             <a:extLst>
               <a:ext uri="{FF2B5EF4-FFF2-40B4-BE49-F238E27FC236}">
-                <a16:creationId xmlns="" xmlns:a16="http://schemas.microsoft.com/office/drawing/2014/main" id="{E6E2A99D-9A76-4170-84C5-E8E895DEA558}"/>
+                <a16:creationId xmlns:a16="http://schemas.microsoft.com/office/drawing/2014/main" xmlns="" id="{E6E2A99D-9A76-4170-84C5-E8E895DEA558}"/>
               </a:ext>
             </a:extLst>
           </p:cNvPr>
@@ -45360,7 +45360,7 @@
                 <a14:useLocalDpi xmlns:a14="http://schemas.microsoft.com/office/drawing/2010/main" val="0"/>
               </a:ext>
               <a:ext uri="{96DAC541-7B7A-43D3-8B79-37D633B846F1}">
-                <asvg:svgBlip xmlns="" xmlns:asvg="http://schemas.microsoft.com/office/drawing/2016/SVG/main" r:embed="rId9"/>
+                <asvg:svgBlip xmlns:asvg="http://schemas.microsoft.com/office/drawing/2016/SVG/main" xmlns="" r:embed="rId9"/>
               </a:ext>
             </a:extLst>
           </a:blip>
@@ -45376,7 +45376,7 @@
           <p:cNvPr id="17" name="Text Placeholder 16">
             <a:extLst>
               <a:ext uri="{FF2B5EF4-FFF2-40B4-BE49-F238E27FC236}">
-                <a16:creationId xmlns="" xmlns:a16="http://schemas.microsoft.com/office/drawing/2014/main" id="{46EA4E1F-EF09-44AB-9483-363CF418AA99}"/>
+                <a16:creationId xmlns:a16="http://schemas.microsoft.com/office/drawing/2014/main" xmlns="" id="{46EA4E1F-EF09-44AB-9483-363CF418AA99}"/>
               </a:ext>
             </a:extLst>
           </p:cNvPr>
@@ -45411,7 +45411,7 @@
           <p:cNvPr id="4" name="Slide Number Placeholder 3">
             <a:extLst>
               <a:ext uri="{FF2B5EF4-FFF2-40B4-BE49-F238E27FC236}">
-                <a16:creationId xmlns="" xmlns:a16="http://schemas.microsoft.com/office/drawing/2014/main" id="{D3581DBA-A3EE-4E75-90A6-DC25DF9DABFC}"/>
+                <a16:creationId xmlns:a16="http://schemas.microsoft.com/office/drawing/2014/main" xmlns="" id="{D3581DBA-A3EE-4E75-90A6-DC25DF9DABFC}"/>
               </a:ext>
             </a:extLst>
           </p:cNvPr>
@@ -45441,7 +45441,7 @@
           <p:cNvPr id="3" name="Footer Placeholder 2">
             <a:extLst>
               <a:ext uri="{FF2B5EF4-FFF2-40B4-BE49-F238E27FC236}">
-                <a16:creationId xmlns="" xmlns:a16="http://schemas.microsoft.com/office/drawing/2014/main" id="{6A109C3A-84E8-4719-8AE7-A66B8CA97997}"/>
+                <a16:creationId xmlns:a16="http://schemas.microsoft.com/office/drawing/2014/main" xmlns="" id="{6A109C3A-84E8-4719-8AE7-A66B8CA97997}"/>
               </a:ext>
             </a:extLst>
           </p:cNvPr>
@@ -45469,7 +45469,7 @@
           <p:cNvPr id="2" name="Date Placeholder 1">
             <a:extLst>
               <a:ext uri="{FF2B5EF4-FFF2-40B4-BE49-F238E27FC236}">
-                <a16:creationId xmlns="" xmlns:a16="http://schemas.microsoft.com/office/drawing/2014/main" id="{8B2EEAA2-E066-4E86-A51B-FAC3333192BD}"/>
+                <a16:creationId xmlns:a16="http://schemas.microsoft.com/office/drawing/2014/main" xmlns="" id="{8B2EEAA2-E066-4E86-A51B-FAC3333192BD}"/>
               </a:ext>
             </a:extLst>
           </p:cNvPr>
@@ -45573,7 +45573,7 @@
           <p:cNvPr id="2" name="Title 1">
             <a:extLst>
               <a:ext uri="{FF2B5EF4-FFF2-40B4-BE49-F238E27FC236}">
-                <a16:creationId xmlns="" xmlns:a16="http://schemas.microsoft.com/office/drawing/2014/main" id="{134CB059-9E3B-4C24-8E61-717292C2944E}"/>
+                <a16:creationId xmlns:a16="http://schemas.microsoft.com/office/drawing/2014/main" xmlns="" id="{134CB059-9E3B-4C24-8E61-717292C2944E}"/>
               </a:ext>
             </a:extLst>
           </p:cNvPr>
@@ -45603,7 +45603,7 @@
           <p:cNvPr id="3" name="Text Placeholder 2">
             <a:extLst>
               <a:ext uri="{FF2B5EF4-FFF2-40B4-BE49-F238E27FC236}">
-                <a16:creationId xmlns="" xmlns:a16="http://schemas.microsoft.com/office/drawing/2014/main" id="{E66139D5-668D-4A3D-B6B6-F71EC385C8FF}"/>
+                <a16:creationId xmlns:a16="http://schemas.microsoft.com/office/drawing/2014/main" xmlns="" id="{E66139D5-668D-4A3D-B6B6-F71EC385C8FF}"/>
               </a:ext>
             </a:extLst>
           </p:cNvPr>
@@ -45633,7 +45633,7 @@
           <p:cNvPr id="8" name="Text Placeholder 7">
             <a:extLst>
               <a:ext uri="{FF2B5EF4-FFF2-40B4-BE49-F238E27FC236}">
-                <a16:creationId xmlns="" xmlns:a16="http://schemas.microsoft.com/office/drawing/2014/main" id="{EEA947F5-DD66-4D26-BA34-D1D8F7CE9010}"/>
+                <a16:creationId xmlns:a16="http://schemas.microsoft.com/office/drawing/2014/main" xmlns="" id="{EEA947F5-DD66-4D26-BA34-D1D8F7CE9010}"/>
               </a:ext>
             </a:extLst>
           </p:cNvPr>
@@ -45736,7 +45736,7 @@
           <p:cNvPr id="6" name="Slide Number Placeholder 5">
             <a:extLst>
               <a:ext uri="{FF2B5EF4-FFF2-40B4-BE49-F238E27FC236}">
-                <a16:creationId xmlns="" xmlns:a16="http://schemas.microsoft.com/office/drawing/2014/main" id="{2B9E0CB5-2F64-4439-AFE9-1BB3ACE6FA9D}"/>
+                <a16:creationId xmlns:a16="http://schemas.microsoft.com/office/drawing/2014/main" xmlns="" id="{2B9E0CB5-2F64-4439-AFE9-1BB3ACE6FA9D}"/>
               </a:ext>
             </a:extLst>
           </p:cNvPr>
@@ -45765,7 +45765,7 @@
           <p:cNvPr id="5" name="Footer Placeholder 4">
             <a:extLst>
               <a:ext uri="{FF2B5EF4-FFF2-40B4-BE49-F238E27FC236}">
-                <a16:creationId xmlns="" xmlns:a16="http://schemas.microsoft.com/office/drawing/2014/main" id="{FFFF8DFC-D37E-4FE9-81F0-77C68D469526}"/>
+                <a16:creationId xmlns:a16="http://schemas.microsoft.com/office/drawing/2014/main" xmlns="" id="{FFFF8DFC-D37E-4FE9-81F0-77C68D469526}"/>
               </a:ext>
             </a:extLst>
           </p:cNvPr>
@@ -45852,7 +45852,7 @@
           <p:cNvPr id="13" name="Date Placeholder 1">
             <a:extLst>
               <a:ext uri="{FF2B5EF4-FFF2-40B4-BE49-F238E27FC236}">
-                <a16:creationId xmlns="" xmlns:a16="http://schemas.microsoft.com/office/drawing/2014/main" id="{EAABD54B-494E-483E-8D6F-3E002D958A45}"/>
+                <a16:creationId xmlns:a16="http://schemas.microsoft.com/office/drawing/2014/main" xmlns="" id="{EAABD54B-494E-483E-8D6F-3E002D958A45}"/>
               </a:ext>
             </a:extLst>
           </p:cNvPr>
@@ -46082,7 +46082,7 @@
           <p:cNvPr id="6" name="Picture 5">
             <a:extLst>
               <a:ext uri="{FF2B5EF4-FFF2-40B4-BE49-F238E27FC236}">
-                <a16:creationId xmlns="" xmlns:a16="http://schemas.microsoft.com/office/drawing/2014/main" id="{E7DF4A60-6D4C-4D0E-80A3-3EFFF2CCDB11}"/>
+                <a16:creationId xmlns:a16="http://schemas.microsoft.com/office/drawing/2014/main" xmlns="" id="{E7DF4A60-6D4C-4D0E-80A3-3EFFF2CCDB11}"/>
               </a:ext>
             </a:extLst>
           </p:cNvPr>
@@ -46112,7 +46112,7 @@
           <p:cNvPr id="9" name="Title 1">
             <a:extLst>
               <a:ext uri="{FF2B5EF4-FFF2-40B4-BE49-F238E27FC236}">
-                <a16:creationId xmlns="" xmlns:a16="http://schemas.microsoft.com/office/drawing/2014/main" id="{9D2AAA38-77E6-4BC4-90A6-8077B4FC0200}"/>
+                <a16:creationId xmlns:a16="http://schemas.microsoft.com/office/drawing/2014/main" xmlns="" id="{9D2AAA38-77E6-4BC4-90A6-8077B4FC0200}"/>
               </a:ext>
             </a:extLst>
           </p:cNvPr>
@@ -46166,7 +46166,7 @@
           <p:cNvPr id="11" name="Picture 10">
             <a:extLst>
               <a:ext uri="{FF2B5EF4-FFF2-40B4-BE49-F238E27FC236}">
-                <a16:creationId xmlns="" xmlns:a16="http://schemas.microsoft.com/office/drawing/2014/main" id="{204AABC6-4258-4E6D-B441-1876D008C04F}"/>
+                <a16:creationId xmlns:a16="http://schemas.microsoft.com/office/drawing/2014/main" xmlns="" id="{204AABC6-4258-4E6D-B441-1876D008C04F}"/>
               </a:ext>
             </a:extLst>
           </p:cNvPr>
@@ -46196,7 +46196,7 @@
           <p:cNvPr id="12" name="Picture Placeholder 11">
             <a:extLst>
               <a:ext uri="{FF2B5EF4-FFF2-40B4-BE49-F238E27FC236}">
-                <a16:creationId xmlns="" xmlns:a16="http://schemas.microsoft.com/office/drawing/2014/main" id="{80824B8E-DAD5-4596-B8BA-05F5B7BB3F02}"/>
+                <a16:creationId xmlns:a16="http://schemas.microsoft.com/office/drawing/2014/main" xmlns="" id="{80824B8E-DAD5-4596-B8BA-05F5B7BB3F02}"/>
               </a:ext>
             </a:extLst>
           </p:cNvPr>
@@ -46233,7 +46233,7 @@
           <p:cNvPr id="13" name="Footer Placeholder 4">
             <a:extLst>
               <a:ext uri="{FF2B5EF4-FFF2-40B4-BE49-F238E27FC236}">
-                <a16:creationId xmlns="" xmlns:a16="http://schemas.microsoft.com/office/drawing/2014/main" id="{22747812-99CD-48E3-8493-43F2E613F1CE}"/>
+                <a16:creationId xmlns:a16="http://schemas.microsoft.com/office/drawing/2014/main" xmlns="" id="{22747812-99CD-48E3-8493-43F2E613F1CE}"/>
               </a:ext>
             </a:extLst>
           </p:cNvPr>
@@ -46266,7 +46266,7 @@
           <p:cNvPr id="14" name="Date Placeholder 1">
             <a:extLst>
               <a:ext uri="{FF2B5EF4-FFF2-40B4-BE49-F238E27FC236}">
-                <a16:creationId xmlns="" xmlns:a16="http://schemas.microsoft.com/office/drawing/2014/main" id="{76203054-C93E-418B-86F7-06C865472B8B}"/>
+                <a16:creationId xmlns:a16="http://schemas.microsoft.com/office/drawing/2014/main" xmlns="" id="{76203054-C93E-418B-86F7-06C865472B8B}"/>
               </a:ext>
             </a:extLst>
           </p:cNvPr>
@@ -46443,7 +46443,7 @@
           <p:cNvPr id="6" name="Title 5">
             <a:extLst>
               <a:ext uri="{FF2B5EF4-FFF2-40B4-BE49-F238E27FC236}">
-                <a16:creationId xmlns="" xmlns:a16="http://schemas.microsoft.com/office/drawing/2014/main" id="{D2F9A33A-E955-4DFB-9469-3FDBA6703985}"/>
+                <a16:creationId xmlns:a16="http://schemas.microsoft.com/office/drawing/2014/main" xmlns="" id="{D2F9A33A-E955-4DFB-9469-3FDBA6703985}"/>
               </a:ext>
             </a:extLst>
           </p:cNvPr>
@@ -46472,7 +46472,7 @@
           <p:cNvPr id="15" name="Picture Placeholder 14" descr="Abstract background">
             <a:extLst>
               <a:ext uri="{FF2B5EF4-FFF2-40B4-BE49-F238E27FC236}">
-                <a16:creationId xmlns="" xmlns:a16="http://schemas.microsoft.com/office/drawing/2014/main" id="{72AD0CC3-F8DE-4C10-916A-24BC65B1D283}"/>
+                <a16:creationId xmlns:a16="http://schemas.microsoft.com/office/drawing/2014/main" xmlns="" id="{72AD0CC3-F8DE-4C10-916A-24BC65B1D283}"/>
               </a:ext>
             </a:extLst>
           </p:cNvPr>
@@ -46569,7 +46569,7 @@
           <p:cNvPr id="8" name="Date Placeholder 1">
             <a:extLst>
               <a:ext uri="{FF2B5EF4-FFF2-40B4-BE49-F238E27FC236}">
-                <a16:creationId xmlns="" xmlns:a16="http://schemas.microsoft.com/office/drawing/2014/main" id="{94CCDCDC-314D-4670-A13D-B9BA3BD030B5}"/>
+                <a16:creationId xmlns:a16="http://schemas.microsoft.com/office/drawing/2014/main" xmlns="" id="{94CCDCDC-314D-4670-A13D-B9BA3BD030B5}"/>
               </a:ext>
             </a:extLst>
           </p:cNvPr>
@@ -46687,7 +46687,7 @@
           <p:cNvPr id="20" name="Picture Placeholder 19">
             <a:extLst>
               <a:ext uri="{FF2B5EF4-FFF2-40B4-BE49-F238E27FC236}">
-                <a16:creationId xmlns="" xmlns:a16="http://schemas.microsoft.com/office/drawing/2014/main" id="{61169563-0C6E-483D-91B6-7AB8952A8FAF}"/>
+                <a16:creationId xmlns:a16="http://schemas.microsoft.com/office/drawing/2014/main" xmlns="" id="{61169563-0C6E-483D-91B6-7AB8952A8FAF}"/>
               </a:ext>
             </a:extLst>
           </p:cNvPr>
@@ -46722,7 +46722,7 @@
           <p:cNvPr id="2" name="Title 1">
             <a:extLst>
               <a:ext uri="{FF2B5EF4-FFF2-40B4-BE49-F238E27FC236}">
-                <a16:creationId xmlns="" xmlns:a16="http://schemas.microsoft.com/office/drawing/2014/main" id="{BD4B26A0-76B0-4D92-8A3B-F4FB7FCBBD52}"/>
+                <a16:creationId xmlns:a16="http://schemas.microsoft.com/office/drawing/2014/main" xmlns="" id="{BD4B26A0-76B0-4D92-8A3B-F4FB7FCBBD52}"/>
               </a:ext>
             </a:extLst>
           </p:cNvPr>
@@ -46764,7 +46764,7 @@
           <p:cNvPr id="3" name="Text Placeholder 2">
             <a:extLst>
               <a:ext uri="{FF2B5EF4-FFF2-40B4-BE49-F238E27FC236}">
-                <a16:creationId xmlns="" xmlns:a16="http://schemas.microsoft.com/office/drawing/2014/main" id="{A50184F8-7D3E-4F39-85DA-53F65AF618F6}"/>
+                <a16:creationId xmlns:a16="http://schemas.microsoft.com/office/drawing/2014/main" xmlns="" id="{A50184F8-7D3E-4F39-85DA-53F65AF618F6}"/>
               </a:ext>
             </a:extLst>
           </p:cNvPr>
@@ -46799,7 +46799,7 @@
           <p:cNvPr id="8" name="Slide Number Placeholder 7">
             <a:extLst>
               <a:ext uri="{FF2B5EF4-FFF2-40B4-BE49-F238E27FC236}">
-                <a16:creationId xmlns="" xmlns:a16="http://schemas.microsoft.com/office/drawing/2014/main" id="{FE91C663-2D66-4255-91B4-906F720EB8BA}"/>
+                <a16:creationId xmlns:a16="http://schemas.microsoft.com/office/drawing/2014/main" xmlns="" id="{FE91C663-2D66-4255-91B4-906F720EB8BA}"/>
               </a:ext>
             </a:extLst>
           </p:cNvPr>
@@ -46827,7 +46827,7 @@
           <p:cNvPr id="7" name="Footer Placeholder 6">
             <a:extLst>
               <a:ext uri="{FF2B5EF4-FFF2-40B4-BE49-F238E27FC236}">
-                <a16:creationId xmlns="" xmlns:a16="http://schemas.microsoft.com/office/drawing/2014/main" id="{80B83D80-B29B-48B9-9B34-76AD9399E64D}"/>
+                <a16:creationId xmlns:a16="http://schemas.microsoft.com/office/drawing/2014/main" xmlns="" id="{80B83D80-B29B-48B9-9B34-76AD9399E64D}"/>
               </a:ext>
             </a:extLst>
           </p:cNvPr>
@@ -46910,7 +46910,7 @@
           <p:cNvPr id="13" name="Date Placeholder 1">
             <a:extLst>
               <a:ext uri="{FF2B5EF4-FFF2-40B4-BE49-F238E27FC236}">
-                <a16:creationId xmlns="" xmlns:a16="http://schemas.microsoft.com/office/drawing/2014/main" id="{1F055F94-B1C3-4DCE-B605-FE8DA8259FA4}"/>
+                <a16:creationId xmlns:a16="http://schemas.microsoft.com/office/drawing/2014/main" xmlns="" id="{1F055F94-B1C3-4DCE-B605-FE8DA8259FA4}"/>
               </a:ext>
             </a:extLst>
           </p:cNvPr>
@@ -47140,7 +47140,7 @@
           <p:cNvPr id="9" name="Picture Placeholder 11">
             <a:extLst>
               <a:ext uri="{FF2B5EF4-FFF2-40B4-BE49-F238E27FC236}">
-                <a16:creationId xmlns="" xmlns:a16="http://schemas.microsoft.com/office/drawing/2014/main" id="{CA2BAD7B-5749-43B9-9CB4-E0FE1A12B208}"/>
+                <a16:creationId xmlns:a16="http://schemas.microsoft.com/office/drawing/2014/main" xmlns="" id="{CA2BAD7B-5749-43B9-9CB4-E0FE1A12B208}"/>
               </a:ext>
             </a:extLst>
           </p:cNvPr>
@@ -47177,7 +47177,7 @@
           <p:cNvPr id="10" name="Title 1">
             <a:extLst>
               <a:ext uri="{FF2B5EF4-FFF2-40B4-BE49-F238E27FC236}">
-                <a16:creationId xmlns="" xmlns:a16="http://schemas.microsoft.com/office/drawing/2014/main" id="{205A7E79-3234-4A2F-89B0-A9BD62AA6269}"/>
+                <a16:creationId xmlns:a16="http://schemas.microsoft.com/office/drawing/2014/main" xmlns="" id="{205A7E79-3234-4A2F-89B0-A9BD62AA6269}"/>
               </a:ext>
             </a:extLst>
           </p:cNvPr>
@@ -47235,7 +47235,7 @@
           <p:cNvPr id="11" name="Footer Placeholder 2">
             <a:extLst>
               <a:ext uri="{FF2B5EF4-FFF2-40B4-BE49-F238E27FC236}">
-                <a16:creationId xmlns="" xmlns:a16="http://schemas.microsoft.com/office/drawing/2014/main" id="{78A79531-6189-4623-BE68-EE914538BCA2}"/>
+                <a16:creationId xmlns:a16="http://schemas.microsoft.com/office/drawing/2014/main" xmlns="" id="{78A79531-6189-4623-BE68-EE914538BCA2}"/>
               </a:ext>
             </a:extLst>
           </p:cNvPr>
@@ -47268,7 +47268,7 @@
           <p:cNvPr id="12" name="Date Placeholder 1">
             <a:extLst>
               <a:ext uri="{FF2B5EF4-FFF2-40B4-BE49-F238E27FC236}">
-                <a16:creationId xmlns="" xmlns:a16="http://schemas.microsoft.com/office/drawing/2014/main" id="{4849A2A2-9351-4FC0-84A0-72723A2386EC}"/>
+                <a16:creationId xmlns:a16="http://schemas.microsoft.com/office/drawing/2014/main" xmlns="" id="{4849A2A2-9351-4FC0-84A0-72723A2386EC}"/>
               </a:ext>
             </a:extLst>
           </p:cNvPr>
@@ -47445,7 +47445,7 @@
           <p:cNvPr id="20" name="Picture Placeholder 19">
             <a:extLst>
               <a:ext uri="{FF2B5EF4-FFF2-40B4-BE49-F238E27FC236}">
-                <a16:creationId xmlns="" xmlns:a16="http://schemas.microsoft.com/office/drawing/2014/main" id="{3330B498-1497-4DA8-99F4-8F8159B24FF9}"/>
+                <a16:creationId xmlns:a16="http://schemas.microsoft.com/office/drawing/2014/main" xmlns="" id="{3330B498-1497-4DA8-99F4-8F8159B24FF9}"/>
               </a:ext>
             </a:extLst>
           </p:cNvPr>
@@ -47480,7 +47480,7 @@
           <p:cNvPr id="5" name="Title 4">
             <a:extLst>
               <a:ext uri="{FF2B5EF4-FFF2-40B4-BE49-F238E27FC236}">
-                <a16:creationId xmlns="" xmlns:a16="http://schemas.microsoft.com/office/drawing/2014/main" id="{FF93F71D-1663-42FA-A91E-FA23F03F0287}"/>
+                <a16:creationId xmlns:a16="http://schemas.microsoft.com/office/drawing/2014/main" xmlns="" id="{FF93F71D-1663-42FA-A91E-FA23F03F0287}"/>
               </a:ext>
             </a:extLst>
           </p:cNvPr>
@@ -47510,7 +47510,7 @@
           <p:cNvPr id="6" name="Text Placeholder 5">
             <a:extLst>
               <a:ext uri="{FF2B5EF4-FFF2-40B4-BE49-F238E27FC236}">
-                <a16:creationId xmlns="" xmlns:a16="http://schemas.microsoft.com/office/drawing/2014/main" id="{F62CA978-7F10-45ED-A5E7-73BCC796D219}"/>
+                <a16:creationId xmlns:a16="http://schemas.microsoft.com/office/drawing/2014/main" xmlns="" id="{F62CA978-7F10-45ED-A5E7-73BCC796D219}"/>
               </a:ext>
             </a:extLst>
           </p:cNvPr>
@@ -47557,7 +47557,7 @@
           <p:cNvPr id="4" name="Slide Number Placeholder 3">
             <a:extLst>
               <a:ext uri="{FF2B5EF4-FFF2-40B4-BE49-F238E27FC236}">
-                <a16:creationId xmlns="" xmlns:a16="http://schemas.microsoft.com/office/drawing/2014/main" id="{494C7D40-6709-40D4-B0FB-9D6311AF439F}"/>
+                <a16:creationId xmlns:a16="http://schemas.microsoft.com/office/drawing/2014/main" xmlns="" id="{494C7D40-6709-40D4-B0FB-9D6311AF439F}"/>
               </a:ext>
             </a:extLst>
           </p:cNvPr>
@@ -47585,7 +47585,7 @@
           <p:cNvPr id="3" name="Footer Placeholder 2">
             <a:extLst>
               <a:ext uri="{FF2B5EF4-FFF2-40B4-BE49-F238E27FC236}">
-                <a16:creationId xmlns="" xmlns:a16="http://schemas.microsoft.com/office/drawing/2014/main" id="{101DB817-586B-493A-922D-54010C888E74}"/>
+                <a16:creationId xmlns:a16="http://schemas.microsoft.com/office/drawing/2014/main" xmlns="" id="{101DB817-586B-493A-922D-54010C888E74}"/>
               </a:ext>
             </a:extLst>
           </p:cNvPr>
@@ -47613,7 +47613,7 @@
           <p:cNvPr id="2" name="Date Placeholder 1">
             <a:extLst>
               <a:ext uri="{FF2B5EF4-FFF2-40B4-BE49-F238E27FC236}">
-                <a16:creationId xmlns="" xmlns:a16="http://schemas.microsoft.com/office/drawing/2014/main" id="{A96AB769-C08B-4A71-BEE7-D771D274389A}"/>
+                <a16:creationId xmlns:a16="http://schemas.microsoft.com/office/drawing/2014/main" xmlns="" id="{A96AB769-C08B-4A71-BEE7-D771D274389A}"/>
               </a:ext>
             </a:extLst>
           </p:cNvPr>
@@ -47775,7 +47775,7 @@
           <p:cNvPr id="9" name="Picture Placeholder 11">
             <a:extLst>
               <a:ext uri="{FF2B5EF4-FFF2-40B4-BE49-F238E27FC236}">
-                <a16:creationId xmlns="" xmlns:a16="http://schemas.microsoft.com/office/drawing/2014/main" id="{CA2BAD7B-5749-43B9-9CB4-E0FE1A12B208}"/>
+                <a16:creationId xmlns:a16="http://schemas.microsoft.com/office/drawing/2014/main" xmlns="" id="{CA2BAD7B-5749-43B9-9CB4-E0FE1A12B208}"/>
               </a:ext>
             </a:extLst>
           </p:cNvPr>
@@ -47812,7 +47812,7 @@
           <p:cNvPr id="11" name="Footer Placeholder 2">
             <a:extLst>
               <a:ext uri="{FF2B5EF4-FFF2-40B4-BE49-F238E27FC236}">
-                <a16:creationId xmlns="" xmlns:a16="http://schemas.microsoft.com/office/drawing/2014/main" id="{78A79531-6189-4623-BE68-EE914538BCA2}"/>
+                <a16:creationId xmlns:a16="http://schemas.microsoft.com/office/drawing/2014/main" xmlns="" id="{78A79531-6189-4623-BE68-EE914538BCA2}"/>
               </a:ext>
             </a:extLst>
           </p:cNvPr>
@@ -47845,7 +47845,7 @@
           <p:cNvPr id="6" name="Picture 5">
             <a:extLst>
               <a:ext uri="{FF2B5EF4-FFF2-40B4-BE49-F238E27FC236}">
-                <a16:creationId xmlns="" xmlns:a16="http://schemas.microsoft.com/office/drawing/2014/main" id="{CA705046-189B-4278-9B5F-F6C5232D5C61}"/>
+                <a16:creationId xmlns:a16="http://schemas.microsoft.com/office/drawing/2014/main" xmlns="" id="{CA705046-189B-4278-9B5F-F6C5232D5C61}"/>
               </a:ext>
             </a:extLst>
           </p:cNvPr>
@@ -47875,7 +47875,7 @@
           <p:cNvPr id="12" name="Title 1">
             <a:extLst>
               <a:ext uri="{FF2B5EF4-FFF2-40B4-BE49-F238E27FC236}">
-                <a16:creationId xmlns="" xmlns:a16="http://schemas.microsoft.com/office/drawing/2014/main" id="{B0B35450-3203-46E8-8053-E02477316888}"/>
+                <a16:creationId xmlns:a16="http://schemas.microsoft.com/office/drawing/2014/main" xmlns="" id="{B0B35450-3203-46E8-8053-E02477316888}"/>
               </a:ext>
             </a:extLst>
           </p:cNvPr>
@@ -47933,7 +47933,7 @@
           <p:cNvPr id="14" name="Date Placeholder 1">
             <a:extLst>
               <a:ext uri="{FF2B5EF4-FFF2-40B4-BE49-F238E27FC236}">
-                <a16:creationId xmlns="" xmlns:a16="http://schemas.microsoft.com/office/drawing/2014/main" id="{28F99D4E-8218-4553-BD93-F34134CD0331}"/>
+                <a16:creationId xmlns:a16="http://schemas.microsoft.com/office/drawing/2014/main" xmlns="" id="{28F99D4E-8218-4553-BD93-F34134CD0331}"/>
               </a:ext>
             </a:extLst>
           </p:cNvPr>
@@ -48110,7 +48110,7 @@
           <p:cNvPr id="20" name="Picture Placeholder 19">
             <a:extLst>
               <a:ext uri="{FF2B5EF4-FFF2-40B4-BE49-F238E27FC236}">
-                <a16:creationId xmlns="" xmlns:a16="http://schemas.microsoft.com/office/drawing/2014/main" id="{3330B498-1497-4DA8-99F4-8F8159B24FF9}"/>
+                <a16:creationId xmlns:a16="http://schemas.microsoft.com/office/drawing/2014/main" xmlns="" id="{3330B498-1497-4DA8-99F4-8F8159B24FF9}"/>
               </a:ext>
             </a:extLst>
           </p:cNvPr>
@@ -48145,7 +48145,7 @@
           <p:cNvPr id="5" name="Title 4">
             <a:extLst>
               <a:ext uri="{FF2B5EF4-FFF2-40B4-BE49-F238E27FC236}">
-                <a16:creationId xmlns="" xmlns:a16="http://schemas.microsoft.com/office/drawing/2014/main" id="{FF93F71D-1663-42FA-A91E-FA23F03F0287}"/>
+                <a16:creationId xmlns:a16="http://schemas.microsoft.com/office/drawing/2014/main" xmlns="" id="{FF93F71D-1663-42FA-A91E-FA23F03F0287}"/>
               </a:ext>
             </a:extLst>
           </p:cNvPr>
@@ -48175,7 +48175,7 @@
           <p:cNvPr id="6" name="Text Placeholder 5">
             <a:extLst>
               <a:ext uri="{FF2B5EF4-FFF2-40B4-BE49-F238E27FC236}">
-                <a16:creationId xmlns="" xmlns:a16="http://schemas.microsoft.com/office/drawing/2014/main" id="{F62CA978-7F10-45ED-A5E7-73BCC796D219}"/>
+                <a16:creationId xmlns:a16="http://schemas.microsoft.com/office/drawing/2014/main" xmlns="" id="{F62CA978-7F10-45ED-A5E7-73BCC796D219}"/>
               </a:ext>
             </a:extLst>
           </p:cNvPr>
@@ -48228,7 +48228,7 @@
           <p:cNvPr id="4" name="Slide Number Placeholder 3">
             <a:extLst>
               <a:ext uri="{FF2B5EF4-FFF2-40B4-BE49-F238E27FC236}">
-                <a16:creationId xmlns="" xmlns:a16="http://schemas.microsoft.com/office/drawing/2014/main" id="{494C7D40-6709-40D4-B0FB-9D6311AF439F}"/>
+                <a16:creationId xmlns:a16="http://schemas.microsoft.com/office/drawing/2014/main" xmlns="" id="{494C7D40-6709-40D4-B0FB-9D6311AF439F}"/>
               </a:ext>
             </a:extLst>
           </p:cNvPr>
@@ -48256,7 +48256,7 @@
           <p:cNvPr id="3" name="Footer Placeholder 2">
             <a:extLst>
               <a:ext uri="{FF2B5EF4-FFF2-40B4-BE49-F238E27FC236}">
-                <a16:creationId xmlns="" xmlns:a16="http://schemas.microsoft.com/office/drawing/2014/main" id="{101DB817-586B-493A-922D-54010C888E74}"/>
+                <a16:creationId xmlns:a16="http://schemas.microsoft.com/office/drawing/2014/main" xmlns="" id="{101DB817-586B-493A-922D-54010C888E74}"/>
               </a:ext>
             </a:extLst>
           </p:cNvPr>
@@ -48284,7 +48284,7 @@
           <p:cNvPr id="2" name="Date Placeholder 1">
             <a:extLst>
               <a:ext uri="{FF2B5EF4-FFF2-40B4-BE49-F238E27FC236}">
-                <a16:creationId xmlns="" xmlns:a16="http://schemas.microsoft.com/office/drawing/2014/main" id="{A96AB769-C08B-4A71-BEE7-D771D274389A}"/>
+                <a16:creationId xmlns:a16="http://schemas.microsoft.com/office/drawing/2014/main" xmlns="" id="{A96AB769-C08B-4A71-BEE7-D771D274389A}"/>
               </a:ext>
             </a:extLst>
           </p:cNvPr>
@@ -48393,7 +48393,7 @@
           <p:cNvPr id="2" name="Title 1">
             <a:extLst>
               <a:ext uri="{FF2B5EF4-FFF2-40B4-BE49-F238E27FC236}">
-                <a16:creationId xmlns="" xmlns:a16="http://schemas.microsoft.com/office/drawing/2014/main" id="{134CB059-9E3B-4C24-8E61-717292C2944E}"/>
+                <a16:creationId xmlns:a16="http://schemas.microsoft.com/office/drawing/2014/main" xmlns="" id="{134CB059-9E3B-4C24-8E61-717292C2944E}"/>
               </a:ext>
             </a:extLst>
           </p:cNvPr>
@@ -48428,7 +48428,7 @@
           <p:cNvPr id="6" name="Slide Number Placeholder 5">
             <a:extLst>
               <a:ext uri="{FF2B5EF4-FFF2-40B4-BE49-F238E27FC236}">
-                <a16:creationId xmlns="" xmlns:a16="http://schemas.microsoft.com/office/drawing/2014/main" id="{2B9E0CB5-2F64-4439-AFE9-1BB3ACE6FA9D}"/>
+                <a16:creationId xmlns:a16="http://schemas.microsoft.com/office/drawing/2014/main" xmlns="" id="{2B9E0CB5-2F64-4439-AFE9-1BB3ACE6FA9D}"/>
               </a:ext>
             </a:extLst>
           </p:cNvPr>
@@ -48457,7 +48457,7 @@
           <p:cNvPr id="5" name="Footer Placeholder 4">
             <a:extLst>
               <a:ext uri="{FF2B5EF4-FFF2-40B4-BE49-F238E27FC236}">
-                <a16:creationId xmlns="" xmlns:a16="http://schemas.microsoft.com/office/drawing/2014/main" id="{FFFF8DFC-D37E-4FE9-81F0-77C68D469526}"/>
+                <a16:creationId xmlns:a16="http://schemas.microsoft.com/office/drawing/2014/main" xmlns="" id="{FFFF8DFC-D37E-4FE9-81F0-77C68D469526}"/>
               </a:ext>
             </a:extLst>
           </p:cNvPr>
@@ -48485,7 +48485,7 @@
           <p:cNvPr id="4" name="Date Placeholder 3">
             <a:extLst>
               <a:ext uri="{FF2B5EF4-FFF2-40B4-BE49-F238E27FC236}">
-                <a16:creationId xmlns="" xmlns:a16="http://schemas.microsoft.com/office/drawing/2014/main" id="{0BA396AE-BE46-43FB-B4E7-224D2AF39F83}"/>
+                <a16:creationId xmlns:a16="http://schemas.microsoft.com/office/drawing/2014/main" xmlns="" id="{0BA396AE-BE46-43FB-B4E7-224D2AF39F83}"/>
               </a:ext>
             </a:extLst>
           </p:cNvPr>
@@ -48613,7 +48613,7 @@
           <p:cNvPr id="2" name="Title 1">
             <a:extLst>
               <a:ext uri="{FF2B5EF4-FFF2-40B4-BE49-F238E27FC236}">
-                <a16:creationId xmlns="" xmlns:a16="http://schemas.microsoft.com/office/drawing/2014/main" id="{134CB059-9E3B-4C24-8E61-717292C2944E}"/>
+                <a16:creationId xmlns:a16="http://schemas.microsoft.com/office/drawing/2014/main" xmlns="" id="{134CB059-9E3B-4C24-8E61-717292C2944E}"/>
               </a:ext>
             </a:extLst>
           </p:cNvPr>
@@ -48648,7 +48648,7 @@
           <p:cNvPr id="6" name="Slide Number Placeholder 5">
             <a:extLst>
               <a:ext uri="{FF2B5EF4-FFF2-40B4-BE49-F238E27FC236}">
-                <a16:creationId xmlns="" xmlns:a16="http://schemas.microsoft.com/office/drawing/2014/main" id="{2B9E0CB5-2F64-4439-AFE9-1BB3ACE6FA9D}"/>
+                <a16:creationId xmlns:a16="http://schemas.microsoft.com/office/drawing/2014/main" xmlns="" id="{2B9E0CB5-2F64-4439-AFE9-1BB3ACE6FA9D}"/>
               </a:ext>
             </a:extLst>
           </p:cNvPr>
@@ -48677,7 +48677,7 @@
           <p:cNvPr id="5" name="Footer Placeholder 4">
             <a:extLst>
               <a:ext uri="{FF2B5EF4-FFF2-40B4-BE49-F238E27FC236}">
-                <a16:creationId xmlns="" xmlns:a16="http://schemas.microsoft.com/office/drawing/2014/main" id="{FFFF8DFC-D37E-4FE9-81F0-77C68D469526}"/>
+                <a16:creationId xmlns:a16="http://schemas.microsoft.com/office/drawing/2014/main" xmlns="" id="{FFFF8DFC-D37E-4FE9-81F0-77C68D469526}"/>
               </a:ext>
             </a:extLst>
           </p:cNvPr>
@@ -48705,7 +48705,7 @@
           <p:cNvPr id="4" name="Date Placeholder 3">
             <a:extLst>
               <a:ext uri="{FF2B5EF4-FFF2-40B4-BE49-F238E27FC236}">
-                <a16:creationId xmlns="" xmlns:a16="http://schemas.microsoft.com/office/drawing/2014/main" id="{0BA396AE-BE46-43FB-B4E7-224D2AF39F83}"/>
+                <a16:creationId xmlns:a16="http://schemas.microsoft.com/office/drawing/2014/main" xmlns="" id="{0BA396AE-BE46-43FB-B4E7-224D2AF39F83}"/>
               </a:ext>
             </a:extLst>
           </p:cNvPr>
@@ -48763,7 +48763,7 @@
           <p:cNvPr id="7" name="Picture Placeholder 6">
             <a:extLst>
               <a:ext uri="{FF2B5EF4-FFF2-40B4-BE49-F238E27FC236}">
-                <a16:creationId xmlns="" xmlns:a16="http://schemas.microsoft.com/office/drawing/2014/main" id="{14707955-671A-44A0-B7D1-EC874A594293}"/>
+                <a16:creationId xmlns:a16="http://schemas.microsoft.com/office/drawing/2014/main" xmlns="" id="{14707955-671A-44A0-B7D1-EC874A594293}"/>
               </a:ext>
             </a:extLst>
           </p:cNvPr>
@@ -48831,7 +48831,7 @@
           <p:cNvPr id="2" name="Title 1">
             <a:extLst>
               <a:ext uri="{FF2B5EF4-FFF2-40B4-BE49-F238E27FC236}">
-                <a16:creationId xmlns="" xmlns:a16="http://schemas.microsoft.com/office/drawing/2014/main" id="{134CB059-9E3B-4C24-8E61-717292C2944E}"/>
+                <a16:creationId xmlns:a16="http://schemas.microsoft.com/office/drawing/2014/main" xmlns="" id="{134CB059-9E3B-4C24-8E61-717292C2944E}"/>
               </a:ext>
             </a:extLst>
           </p:cNvPr>
@@ -48866,7 +48866,7 @@
           <p:cNvPr id="6" name="Slide Number Placeholder 5">
             <a:extLst>
               <a:ext uri="{FF2B5EF4-FFF2-40B4-BE49-F238E27FC236}">
-                <a16:creationId xmlns="" xmlns:a16="http://schemas.microsoft.com/office/drawing/2014/main" id="{2B9E0CB5-2F64-4439-AFE9-1BB3ACE6FA9D}"/>
+                <a16:creationId xmlns:a16="http://schemas.microsoft.com/office/drawing/2014/main" xmlns="" id="{2B9E0CB5-2F64-4439-AFE9-1BB3ACE6FA9D}"/>
               </a:ext>
             </a:extLst>
           </p:cNvPr>
@@ -48895,7 +48895,7 @@
           <p:cNvPr id="5" name="Footer Placeholder 4">
             <a:extLst>
               <a:ext uri="{FF2B5EF4-FFF2-40B4-BE49-F238E27FC236}">
-                <a16:creationId xmlns="" xmlns:a16="http://schemas.microsoft.com/office/drawing/2014/main" id="{FFFF8DFC-D37E-4FE9-81F0-77C68D469526}"/>
+                <a16:creationId xmlns:a16="http://schemas.microsoft.com/office/drawing/2014/main" xmlns="" id="{FFFF8DFC-D37E-4FE9-81F0-77C68D469526}"/>
               </a:ext>
             </a:extLst>
           </p:cNvPr>
@@ -48923,7 +48923,7 @@
           <p:cNvPr id="4" name="Date Placeholder 3">
             <a:extLst>
               <a:ext uri="{FF2B5EF4-FFF2-40B4-BE49-F238E27FC236}">
-                <a16:creationId xmlns="" xmlns:a16="http://schemas.microsoft.com/office/drawing/2014/main" id="{0BA396AE-BE46-43FB-B4E7-224D2AF39F83}"/>
+                <a16:creationId xmlns:a16="http://schemas.microsoft.com/office/drawing/2014/main" xmlns="" id="{0BA396AE-BE46-43FB-B4E7-224D2AF39F83}"/>
               </a:ext>
             </a:extLst>
           </p:cNvPr>
@@ -48981,7 +48981,7 @@
           <p:cNvPr id="7" name="Picture Placeholder 6">
             <a:extLst>
               <a:ext uri="{FF2B5EF4-FFF2-40B4-BE49-F238E27FC236}">
-                <a16:creationId xmlns="" xmlns:a16="http://schemas.microsoft.com/office/drawing/2014/main" id="{DFBD9AC2-6EEE-4BED-A06B-C14043B6F98A}"/>
+                <a16:creationId xmlns:a16="http://schemas.microsoft.com/office/drawing/2014/main" xmlns="" id="{DFBD9AC2-6EEE-4BED-A06B-C14043B6F98A}"/>
               </a:ext>
             </a:extLst>
           </p:cNvPr>
@@ -49857,23 +49857,6 @@
 </file>
 
 <file path=customXml/item1.xml><?xml version="1.0" encoding="utf-8"?>
-<?mso-contentType ?>
-<FormTemplates xmlns="http://schemas.microsoft.com/sharepoint/v3/contenttype/forms">
-  <Display>DocumentLibraryForm</Display>
-  <Edit>DocumentLibraryForm</Edit>
-  <New>DocumentLibraryForm</New>
-</FormTemplates>
-</file>
-
-<file path=customXml/item2.xml><?xml version="1.0" encoding="utf-8"?>
-<p:properties xmlns:p="http://schemas.microsoft.com/office/2006/metadata/properties" xmlns:xsi="http://www.w3.org/2001/XMLSchema-instance" xmlns:pc="http://schemas.microsoft.com/office/infopath/2007/PartnerControls">
-  <documentManagement>
-    <MediaServiceKeyPoints xmlns="71af3243-3dd4-4a8d-8c0d-dd76da1f02a5" xsi:nil="true"/>
-  </documentManagement>
-</p:properties>
-</file>
-
-<file path=customXml/item3.xml><?xml version="1.0" encoding="utf-8"?>
 <ct:contentTypeSchema xmlns:ct="http://schemas.microsoft.com/office/2006/metadata/contentType" xmlns:ma="http://schemas.microsoft.com/office/2006/metadata/properties/metaAttributes" ct:_="" ma:_="" ma:contentTypeName="Document" ma:contentTypeID="0x01010079F111ED35F8CC479449609E8A0923A6" ma:contentTypeVersion="11" ma:contentTypeDescription="Create a new document." ma:contentTypeScope="" ma:versionID="96291512c1ee715ab617f4c07df79fc1">
   <xsd:schema xmlns:xsd="http://www.w3.org/2001/XMLSchema" xmlns:xs="http://www.w3.org/2001/XMLSchema" xmlns:p="http://schemas.microsoft.com/office/2006/metadata/properties" xmlns:ns2="71af3243-3dd4-4a8d-8c0d-dd76da1f02a5" xmlns:ns3="16c05727-aa75-4e4a-9b5f-8a80a1165891" targetNamespace="http://schemas.microsoft.com/office/2006/metadata/properties" ma:root="true" ma:fieldsID="8256c27c40ca5c40ce1cf6c44f0205df" ns2:_="" ns3:_="">
     <xsd:import namespace="71af3243-3dd4-4a8d-8c0d-dd76da1f02a5"/>
@@ -50084,10 +50067,38 @@
 </ct:contentTypeSchema>
 </file>
 
+<file path=customXml/item2.xml><?xml version="1.0" encoding="utf-8"?>
+<p:properties xmlns:p="http://schemas.microsoft.com/office/2006/metadata/properties" xmlns:xsi="http://www.w3.org/2001/XMLSchema-instance" xmlns:pc="http://schemas.microsoft.com/office/infopath/2007/PartnerControls">
+  <documentManagement>
+    <MediaServiceKeyPoints xmlns="71af3243-3dd4-4a8d-8c0d-dd76da1f02a5" xsi:nil="true"/>
+  </documentManagement>
+</p:properties>
+</file>
+
+<file path=customXml/item3.xml><?xml version="1.0" encoding="utf-8"?>
+<?mso-contentType ?>
+<FormTemplates xmlns="http://schemas.microsoft.com/sharepoint/v3/contenttype/forms">
+  <Display>DocumentLibraryForm</Display>
+  <Edit>DocumentLibraryForm</Edit>
+  <New>DocumentLibraryForm</New>
+</FormTemplates>
+</file>
+
 <file path=customXml/itemProps1.xml><?xml version="1.0" encoding="utf-8"?>
-<ds:datastoreItem xmlns:ds="http://schemas.openxmlformats.org/officeDocument/2006/customXml" ds:itemID="{01743C61-8CA7-48FF-B2A3-6055DA854CF6}">
+<ds:datastoreItem xmlns:ds="http://schemas.openxmlformats.org/officeDocument/2006/customXml" ds:itemID="{472965D8-9C19-4E48-8421-5D6B21FC440C}">
   <ds:schemaRefs>
-    <ds:schemaRef ds:uri="http://schemas.microsoft.com/sharepoint/v3/contenttype/forms"/>
+    <ds:schemaRef ds:uri="http://schemas.microsoft.com/office/2006/metadata/contentType"/>
+    <ds:schemaRef ds:uri="http://schemas.microsoft.com/office/2006/metadata/properties/metaAttributes"/>
+    <ds:schemaRef ds:uri="http://www.w3.org/2001/XMLSchema"/>
+    <ds:schemaRef ds:uri="http://schemas.microsoft.com/office/2006/metadata/properties"/>
+    <ds:schemaRef ds:uri="71af3243-3dd4-4a8d-8c0d-dd76da1f02a5"/>
+    <ds:schemaRef ds:uri="16c05727-aa75-4e4a-9b5f-8a80a1165891"/>
+    <ds:schemaRef ds:uri="http://schemas.microsoft.com/office/2006/documentManagement/types"/>
+    <ds:schemaRef ds:uri="http://schemas.microsoft.com/office/infopath/2007/PartnerControls"/>
+    <ds:schemaRef ds:uri="http://schemas.openxmlformats.org/package/2006/metadata/core-properties"/>
+    <ds:schemaRef ds:uri="http://purl.org/dc/elements/1.1/"/>
+    <ds:schemaRef ds:uri="http://purl.org/dc/terms/"/>
+    <ds:schemaRef ds:uri="http://schemas.microsoft.com/internal/obd"/>
   </ds:schemaRefs>
 </ds:datastoreItem>
 </file>
@@ -50110,20 +50121,9 @@
 </file>
 
 <file path=customXml/itemProps3.xml><?xml version="1.0" encoding="utf-8"?>
-<ds:datastoreItem xmlns:ds="http://schemas.openxmlformats.org/officeDocument/2006/customXml" ds:itemID="{472965D8-9C19-4E48-8421-5D6B21FC440C}">
+<ds:datastoreItem xmlns:ds="http://schemas.openxmlformats.org/officeDocument/2006/customXml" ds:itemID="{01743C61-8CA7-48FF-B2A3-6055DA854CF6}">
   <ds:schemaRefs>
-    <ds:schemaRef ds:uri="http://schemas.microsoft.com/office/2006/metadata/contentType"/>
-    <ds:schemaRef ds:uri="http://schemas.microsoft.com/office/2006/metadata/properties/metaAttributes"/>
-    <ds:schemaRef ds:uri="http://www.w3.org/2001/XMLSchema"/>
-    <ds:schemaRef ds:uri="http://schemas.microsoft.com/office/2006/metadata/properties"/>
-    <ds:schemaRef ds:uri="71af3243-3dd4-4a8d-8c0d-dd76da1f02a5"/>
-    <ds:schemaRef ds:uri="16c05727-aa75-4e4a-9b5f-8a80a1165891"/>
-    <ds:schemaRef ds:uri="http://schemas.microsoft.com/office/2006/documentManagement/types"/>
-    <ds:schemaRef ds:uri="http://schemas.microsoft.com/office/infopath/2007/PartnerControls"/>
-    <ds:schemaRef ds:uri="http://schemas.openxmlformats.org/package/2006/metadata/core-properties"/>
-    <ds:schemaRef ds:uri="http://purl.org/dc/elements/1.1/"/>
-    <ds:schemaRef ds:uri="http://purl.org/dc/terms/"/>
-    <ds:schemaRef ds:uri="http://schemas.microsoft.com/internal/obd"/>
+    <ds:schemaRef ds:uri="http://schemas.microsoft.com/sharepoint/v3/contenttype/forms"/>
   </ds:schemaRefs>
 </ds:datastoreItem>
 </file>
--- a/updated ml prj/presentation.pptx
+++ b/updated ml prj/presentation.pptx
@@ -178,7 +178,7 @@
           <p:cNvPr id="2" name="Header Placeholder 1">
             <a:extLst>
               <a:ext uri="{FF2B5EF4-FFF2-40B4-BE49-F238E27FC236}">
-                <a16:creationId xmlns:a16="http://schemas.microsoft.com/office/drawing/2014/main" xmlns="" id="{5E4FC509-A25D-4AC1-956B-244FAC61AF2F}"/>
+                <a16:creationId xmlns="" xmlns:a16="http://schemas.microsoft.com/office/drawing/2014/main" id="{5E4FC509-A25D-4AC1-956B-244FAC61AF2F}"/>
               </a:ext>
             </a:extLst>
           </p:cNvPr>
@@ -215,7 +215,7 @@
           <p:cNvPr id="3" name="Date Placeholder 2">
             <a:extLst>
               <a:ext uri="{FF2B5EF4-FFF2-40B4-BE49-F238E27FC236}">
-                <a16:creationId xmlns:a16="http://schemas.microsoft.com/office/drawing/2014/main" xmlns="" id="{F1EDCBDF-04F2-4646-A118-9A2CBABEDF9E}"/>
+                <a16:creationId xmlns="" xmlns:a16="http://schemas.microsoft.com/office/drawing/2014/main" id="{F1EDCBDF-04F2-4646-A118-9A2CBABEDF9E}"/>
               </a:ext>
             </a:extLst>
           </p:cNvPr>
@@ -256,7 +256,7 @@
           <p:cNvPr id="4" name="Footer Placeholder 3">
             <a:extLst>
               <a:ext uri="{FF2B5EF4-FFF2-40B4-BE49-F238E27FC236}">
-                <a16:creationId xmlns:a16="http://schemas.microsoft.com/office/drawing/2014/main" xmlns="" id="{95BD4EF4-9023-4CAF-937E-F78CF009DBDD}"/>
+                <a16:creationId xmlns="" xmlns:a16="http://schemas.microsoft.com/office/drawing/2014/main" id="{95BD4EF4-9023-4CAF-937E-F78CF009DBDD}"/>
               </a:ext>
             </a:extLst>
           </p:cNvPr>
@@ -293,7 +293,7 @@
           <p:cNvPr id="5" name="Slide Number Placeholder 4">
             <a:extLst>
               <a:ext uri="{FF2B5EF4-FFF2-40B4-BE49-F238E27FC236}">
-                <a16:creationId xmlns:a16="http://schemas.microsoft.com/office/drawing/2014/main" xmlns="" id="{C0300887-CA61-4CEF-BD28-E51D6F957D72}"/>
+                <a16:creationId xmlns="" xmlns:a16="http://schemas.microsoft.com/office/drawing/2014/main" id="{C0300887-CA61-4CEF-BD28-E51D6F957D72}"/>
               </a:ext>
             </a:extLst>
           </p:cNvPr>
@@ -711,7 +711,7 @@
           <p:cNvPr id="8" name="Rectangle 7">
             <a:extLst>
               <a:ext uri="{FF2B5EF4-FFF2-40B4-BE49-F238E27FC236}">
-                <a16:creationId xmlns:a16="http://schemas.microsoft.com/office/drawing/2014/main" xmlns="" id="{278196A9-689D-4410-BFC0-7ACB19755A0C}"/>
+                <a16:creationId xmlns="" xmlns:a16="http://schemas.microsoft.com/office/drawing/2014/main" id="{278196A9-689D-4410-BFC0-7ACB19755A0C}"/>
               </a:ext>
             </a:extLst>
           </p:cNvPr>
@@ -772,7 +772,7 @@
           <p:cNvPr id="2" name="Title 1">
             <a:extLst>
               <a:ext uri="{FF2B5EF4-FFF2-40B4-BE49-F238E27FC236}">
-                <a16:creationId xmlns:a16="http://schemas.microsoft.com/office/drawing/2014/main" xmlns="" id="{129BFEAD-57CF-438A-8084-C5AC7F47E544}"/>
+                <a16:creationId xmlns="" xmlns:a16="http://schemas.microsoft.com/office/drawing/2014/main" id="{129BFEAD-57CF-438A-8084-C5AC7F47E544}"/>
               </a:ext>
             </a:extLst>
           </p:cNvPr>
@@ -809,7 +809,7 @@
           <p:cNvPr id="4" name="Date Placeholder 3">
             <a:extLst>
               <a:ext uri="{FF2B5EF4-FFF2-40B4-BE49-F238E27FC236}">
-                <a16:creationId xmlns:a16="http://schemas.microsoft.com/office/drawing/2014/main" xmlns="" id="{7E17A3CB-B083-4E49-9123-A5E47559DCDB}"/>
+                <a16:creationId xmlns="" xmlns:a16="http://schemas.microsoft.com/office/drawing/2014/main" id="{7E17A3CB-B083-4E49-9123-A5E47559DCDB}"/>
               </a:ext>
             </a:extLst>
           </p:cNvPr>
@@ -837,7 +837,7 @@
           <p:cNvPr id="5" name="Footer Placeholder 4">
             <a:extLst>
               <a:ext uri="{FF2B5EF4-FFF2-40B4-BE49-F238E27FC236}">
-                <a16:creationId xmlns:a16="http://schemas.microsoft.com/office/drawing/2014/main" xmlns="" id="{A8C4102C-4609-416C-A808-0FFE0051DAA1}"/>
+                <a16:creationId xmlns="" xmlns:a16="http://schemas.microsoft.com/office/drawing/2014/main" id="{A8C4102C-4609-416C-A808-0FFE0051DAA1}"/>
               </a:ext>
             </a:extLst>
           </p:cNvPr>
@@ -865,7 +865,7 @@
           <p:cNvPr id="6" name="Slide Number Placeholder 5">
             <a:extLst>
               <a:ext uri="{FF2B5EF4-FFF2-40B4-BE49-F238E27FC236}">
-                <a16:creationId xmlns:a16="http://schemas.microsoft.com/office/drawing/2014/main" xmlns="" id="{2D7BCC5D-6F2C-472F-BD4C-4096793DFC24}"/>
+                <a16:creationId xmlns="" xmlns:a16="http://schemas.microsoft.com/office/drawing/2014/main" id="{2D7BCC5D-6F2C-472F-BD4C-4096793DFC24}"/>
               </a:ext>
             </a:extLst>
           </p:cNvPr>
@@ -894,7 +894,7 @@
           <p:cNvPr id="7" name="Rectangle 6">
             <a:extLst>
               <a:ext uri="{FF2B5EF4-FFF2-40B4-BE49-F238E27FC236}">
-                <a16:creationId xmlns:a16="http://schemas.microsoft.com/office/drawing/2014/main" xmlns="" id="{7BE854BB-FA44-4CAB-85DF-F5C412560348}"/>
+                <a16:creationId xmlns="" xmlns:a16="http://schemas.microsoft.com/office/drawing/2014/main" id="{7BE854BB-FA44-4CAB-85DF-F5C412560348}"/>
               </a:ext>
             </a:extLst>
           </p:cNvPr>
@@ -961,7 +961,7 @@
           <p:cNvPr id="3" name="Subtitle 2">
             <a:extLst>
               <a:ext uri="{FF2B5EF4-FFF2-40B4-BE49-F238E27FC236}">
-                <a16:creationId xmlns:a16="http://schemas.microsoft.com/office/drawing/2014/main" xmlns="" id="{389BFFF1-5465-4317-B9DB-C23A5B1D76EF}"/>
+                <a16:creationId xmlns="" xmlns:a16="http://schemas.microsoft.com/office/drawing/2014/main" id="{389BFFF1-5465-4317-B9DB-C23A5B1D76EF}"/>
               </a:ext>
             </a:extLst>
           </p:cNvPr>
@@ -1042,7 +1042,7 @@
           <p:cNvPr id="10" name="Picture Placeholder 9">
             <a:extLst>
               <a:ext uri="{FF2B5EF4-FFF2-40B4-BE49-F238E27FC236}">
-                <a16:creationId xmlns:a16="http://schemas.microsoft.com/office/drawing/2014/main" xmlns="" id="{EA313B4B-5B98-4B33-885A-DF7669E72D7A}"/>
+                <a16:creationId xmlns="" xmlns:a16="http://schemas.microsoft.com/office/drawing/2014/main" id="{EA313B4B-5B98-4B33-885A-DF7669E72D7A}"/>
               </a:ext>
             </a:extLst>
           </p:cNvPr>
@@ -1083,7 +1083,7 @@
           <p:cNvPr id="15" name="Group 14">
             <a:extLst>
               <a:ext uri="{FF2B5EF4-FFF2-40B4-BE49-F238E27FC236}">
-                <a16:creationId xmlns:a16="http://schemas.microsoft.com/office/drawing/2014/main" xmlns="" id="{676B4374-8F24-43DE-860D-E5C6EA850AB4}"/>
+                <a16:creationId xmlns="" xmlns:a16="http://schemas.microsoft.com/office/drawing/2014/main" id="{676B4374-8F24-43DE-860D-E5C6EA850AB4}"/>
               </a:ext>
             </a:extLst>
           </p:cNvPr>
@@ -1103,7 +1103,7 @@
             <p:cNvPr id="11" name="Oval 10">
               <a:extLst>
                 <a:ext uri="{FF2B5EF4-FFF2-40B4-BE49-F238E27FC236}">
-                  <a16:creationId xmlns:a16="http://schemas.microsoft.com/office/drawing/2014/main" xmlns="" id="{585C7755-9394-4129-AB48-1AC32DA80C75}"/>
+                  <a16:creationId xmlns="" xmlns:a16="http://schemas.microsoft.com/office/drawing/2014/main" id="{585C7755-9394-4129-AB48-1AC32DA80C75}"/>
                 </a:ext>
               </a:extLst>
             </p:cNvPr>
@@ -1158,7 +1158,7 @@
             <p:cNvPr id="13" name="Straight Connector 12">
               <a:extLst>
                 <a:ext uri="{FF2B5EF4-FFF2-40B4-BE49-F238E27FC236}">
-                  <a16:creationId xmlns:a16="http://schemas.microsoft.com/office/drawing/2014/main" xmlns="" id="{64C71ABE-575A-48CF-82B1-EDE8535F3993}"/>
+                  <a16:creationId xmlns="" xmlns:a16="http://schemas.microsoft.com/office/drawing/2014/main" id="{64C71ABE-575A-48CF-82B1-EDE8535F3993}"/>
                 </a:ext>
               </a:extLst>
             </p:cNvPr>
@@ -1202,7 +1202,7 @@
             <p:cNvPr id="14" name="Oval 13">
               <a:extLst>
                 <a:ext uri="{FF2B5EF4-FFF2-40B4-BE49-F238E27FC236}">
-                  <a16:creationId xmlns:a16="http://schemas.microsoft.com/office/drawing/2014/main" xmlns="" id="{E3C1EA63-78B2-4715-B4DC-63D98AC7F354}"/>
+                  <a16:creationId xmlns="" xmlns:a16="http://schemas.microsoft.com/office/drawing/2014/main" id="{E3C1EA63-78B2-4715-B4DC-63D98AC7F354}"/>
                 </a:ext>
               </a:extLst>
             </p:cNvPr>
@@ -1258,7 +1258,7 @@
           <p:cNvPr id="16" name="Group 15">
             <a:extLst>
               <a:ext uri="{FF2B5EF4-FFF2-40B4-BE49-F238E27FC236}">
-                <a16:creationId xmlns:a16="http://schemas.microsoft.com/office/drawing/2014/main" xmlns="" id="{E9BB74A1-0BEA-4AD8-8138-0641A45D8B40}"/>
+                <a16:creationId xmlns="" xmlns:a16="http://schemas.microsoft.com/office/drawing/2014/main" id="{E9BB74A1-0BEA-4AD8-8138-0641A45D8B40}"/>
               </a:ext>
             </a:extLst>
           </p:cNvPr>
@@ -1278,7 +1278,7 @@
             <p:cNvPr id="17" name="Oval 16">
               <a:extLst>
                 <a:ext uri="{FF2B5EF4-FFF2-40B4-BE49-F238E27FC236}">
-                  <a16:creationId xmlns:a16="http://schemas.microsoft.com/office/drawing/2014/main" xmlns="" id="{73D0026E-5270-4C52-A1AF-5631E8192DCD}"/>
+                  <a16:creationId xmlns="" xmlns:a16="http://schemas.microsoft.com/office/drawing/2014/main" id="{73D0026E-5270-4C52-A1AF-5631E8192DCD}"/>
                 </a:ext>
               </a:extLst>
             </p:cNvPr>
@@ -1333,7 +1333,7 @@
             <p:cNvPr id="18" name="Straight Connector 17">
               <a:extLst>
                 <a:ext uri="{FF2B5EF4-FFF2-40B4-BE49-F238E27FC236}">
-                  <a16:creationId xmlns:a16="http://schemas.microsoft.com/office/drawing/2014/main" xmlns="" id="{A6085D92-5F70-4097-A2FF-C15B13788D08}"/>
+                  <a16:creationId xmlns="" xmlns:a16="http://schemas.microsoft.com/office/drawing/2014/main" id="{A6085D92-5F70-4097-A2FF-C15B13788D08}"/>
                 </a:ext>
               </a:extLst>
             </p:cNvPr>
@@ -1377,7 +1377,7 @@
             <p:cNvPr id="19" name="Oval 18">
               <a:extLst>
                 <a:ext uri="{FF2B5EF4-FFF2-40B4-BE49-F238E27FC236}">
-                  <a16:creationId xmlns:a16="http://schemas.microsoft.com/office/drawing/2014/main" xmlns="" id="{BE68EB6C-48D0-4EBF-8541-926D16790F52}"/>
+                  <a16:creationId xmlns="" xmlns:a16="http://schemas.microsoft.com/office/drawing/2014/main" id="{BE68EB6C-48D0-4EBF-8541-926D16790F52}"/>
                 </a:ext>
               </a:extLst>
             </p:cNvPr>
@@ -1463,7 +1463,7 @@
           <p:cNvPr id="15" name="Rectangle 14">
             <a:extLst>
               <a:ext uri="{FF2B5EF4-FFF2-40B4-BE49-F238E27FC236}">
-                <a16:creationId xmlns:a16="http://schemas.microsoft.com/office/drawing/2014/main" xmlns="" id="{E8E3FDB8-6D5C-48FE-99EA-7EC60F4D8191}"/>
+                <a16:creationId xmlns="" xmlns:a16="http://schemas.microsoft.com/office/drawing/2014/main" id="{E8E3FDB8-6D5C-48FE-99EA-7EC60F4D8191}"/>
               </a:ext>
             </a:extLst>
           </p:cNvPr>
@@ -1530,7 +1530,7 @@
           <p:cNvPr id="5" name="Date Placeholder 4">
             <a:extLst>
               <a:ext uri="{FF2B5EF4-FFF2-40B4-BE49-F238E27FC236}">
-                <a16:creationId xmlns:a16="http://schemas.microsoft.com/office/drawing/2014/main" xmlns="" id="{2D9775F3-A041-479A-8038-652B7D9C72E9}"/>
+                <a16:creationId xmlns="" xmlns:a16="http://schemas.microsoft.com/office/drawing/2014/main" id="{2D9775F3-A041-479A-8038-652B7D9C72E9}"/>
               </a:ext>
             </a:extLst>
           </p:cNvPr>
@@ -1558,7 +1558,7 @@
           <p:cNvPr id="6" name="Footer Placeholder 5">
             <a:extLst>
               <a:ext uri="{FF2B5EF4-FFF2-40B4-BE49-F238E27FC236}">
-                <a16:creationId xmlns:a16="http://schemas.microsoft.com/office/drawing/2014/main" xmlns="" id="{29BEDD04-BE4E-4B91-B13E-0C4FB3E1658F}"/>
+                <a16:creationId xmlns="" xmlns:a16="http://schemas.microsoft.com/office/drawing/2014/main" id="{29BEDD04-BE4E-4B91-B13E-0C4FB3E1658F}"/>
               </a:ext>
             </a:extLst>
           </p:cNvPr>
@@ -1586,7 +1586,7 @@
           <p:cNvPr id="7" name="Slide Number Placeholder 6">
             <a:extLst>
               <a:ext uri="{FF2B5EF4-FFF2-40B4-BE49-F238E27FC236}">
-                <a16:creationId xmlns:a16="http://schemas.microsoft.com/office/drawing/2014/main" xmlns="" id="{306DF5D8-12DC-494E-B0F1-2E9C86A14544}"/>
+                <a16:creationId xmlns="" xmlns:a16="http://schemas.microsoft.com/office/drawing/2014/main" id="{306DF5D8-12DC-494E-B0F1-2E9C86A14544}"/>
               </a:ext>
             </a:extLst>
           </p:cNvPr>
@@ -1615,7 +1615,7 @@
           <p:cNvPr id="8" name="Title 1">
             <a:extLst>
               <a:ext uri="{FF2B5EF4-FFF2-40B4-BE49-F238E27FC236}">
-                <a16:creationId xmlns:a16="http://schemas.microsoft.com/office/drawing/2014/main" xmlns="" id="{ABF87C9E-53A2-4DE1-89DC-3907BE2E3D3C}"/>
+                <a16:creationId xmlns="" xmlns:a16="http://schemas.microsoft.com/office/drawing/2014/main" id="{ABF87C9E-53A2-4DE1-89DC-3907BE2E3D3C}"/>
               </a:ext>
             </a:extLst>
           </p:cNvPr>
@@ -1654,7 +1654,7 @@
           <p:cNvPr id="9" name="Text Placeholder 2">
             <a:extLst>
               <a:ext uri="{FF2B5EF4-FFF2-40B4-BE49-F238E27FC236}">
-                <a16:creationId xmlns:a16="http://schemas.microsoft.com/office/drawing/2014/main" xmlns="" id="{EB453F8F-AA02-4E0D-93BF-8CF4F1490377}"/>
+                <a16:creationId xmlns="" xmlns:a16="http://schemas.microsoft.com/office/drawing/2014/main" id="{EB453F8F-AA02-4E0D-93BF-8CF4F1490377}"/>
               </a:ext>
             </a:extLst>
           </p:cNvPr>
@@ -1784,7 +1784,7 @@
           <p:cNvPr id="10" name="Picture Placeholder 10">
             <a:extLst>
               <a:ext uri="{FF2B5EF4-FFF2-40B4-BE49-F238E27FC236}">
-                <a16:creationId xmlns:a16="http://schemas.microsoft.com/office/drawing/2014/main" xmlns="" id="{A541F291-2E4B-474E-9ED0-55C97A2A066D}"/>
+                <a16:creationId xmlns="" xmlns:a16="http://schemas.microsoft.com/office/drawing/2014/main" id="{A541F291-2E4B-474E-9ED0-55C97A2A066D}"/>
               </a:ext>
             </a:extLst>
           </p:cNvPr>
@@ -1825,7 +1825,7 @@
           <p:cNvPr id="11" name="Group 10">
             <a:extLst>
               <a:ext uri="{FF2B5EF4-FFF2-40B4-BE49-F238E27FC236}">
-                <a16:creationId xmlns:a16="http://schemas.microsoft.com/office/drawing/2014/main" xmlns="" id="{59E4D57E-4989-4939-A31F-637543FAB606}"/>
+                <a16:creationId xmlns="" xmlns:a16="http://schemas.microsoft.com/office/drawing/2014/main" id="{59E4D57E-4989-4939-A31F-637543FAB606}"/>
               </a:ext>
             </a:extLst>
           </p:cNvPr>
@@ -1845,7 +1845,7 @@
             <p:cNvPr id="12" name="Straight Connector 11">
               <a:extLst>
                 <a:ext uri="{FF2B5EF4-FFF2-40B4-BE49-F238E27FC236}">
-                  <a16:creationId xmlns:a16="http://schemas.microsoft.com/office/drawing/2014/main" xmlns="" id="{370B72A7-B625-48B8-88E6-BCE2A4DD531E}"/>
+                  <a16:creationId xmlns="" xmlns:a16="http://schemas.microsoft.com/office/drawing/2014/main" id="{370B72A7-B625-48B8-88E6-BCE2A4DD531E}"/>
                 </a:ext>
               </a:extLst>
             </p:cNvPr>
@@ -1892,7 +1892,7 @@
             <p:cNvPr id="13" name="Oval 12">
               <a:extLst>
                 <a:ext uri="{FF2B5EF4-FFF2-40B4-BE49-F238E27FC236}">
-                  <a16:creationId xmlns:a16="http://schemas.microsoft.com/office/drawing/2014/main" xmlns="" id="{01ED729F-F8A5-4244-9776-4935C260F11F}"/>
+                  <a16:creationId xmlns="" xmlns:a16="http://schemas.microsoft.com/office/drawing/2014/main" id="{01ED729F-F8A5-4244-9776-4935C260F11F}"/>
                 </a:ext>
               </a:extLst>
             </p:cNvPr>
@@ -1953,7 +1953,7 @@
           <p:cNvPr id="17" name="Straight Connector 16">
             <a:extLst>
               <a:ext uri="{FF2B5EF4-FFF2-40B4-BE49-F238E27FC236}">
-                <a16:creationId xmlns:a16="http://schemas.microsoft.com/office/drawing/2014/main" xmlns="" id="{6150998C-CF95-4C6F-8962-8EB2DB30177D}"/>
+                <a16:creationId xmlns="" xmlns:a16="http://schemas.microsoft.com/office/drawing/2014/main" id="{6150998C-CF95-4C6F-8962-8EB2DB30177D}"/>
               </a:ext>
             </a:extLst>
           </p:cNvPr>
@@ -1997,7 +1997,7 @@
           <p:cNvPr id="18" name="Oval 17">
             <a:extLst>
               <a:ext uri="{FF2B5EF4-FFF2-40B4-BE49-F238E27FC236}">
-                <a16:creationId xmlns:a16="http://schemas.microsoft.com/office/drawing/2014/main" xmlns="" id="{F86A2ACD-8CF5-48A3-A678-E213A809B332}"/>
+                <a16:creationId xmlns="" xmlns:a16="http://schemas.microsoft.com/office/drawing/2014/main" id="{F86A2ACD-8CF5-48A3-A678-E213A809B332}"/>
               </a:ext>
             </a:extLst>
           </p:cNvPr>
@@ -2052,7 +2052,7 @@
           <p:cNvPr id="19" name="Straight Connector 18">
             <a:extLst>
               <a:ext uri="{FF2B5EF4-FFF2-40B4-BE49-F238E27FC236}">
-                <a16:creationId xmlns:a16="http://schemas.microsoft.com/office/drawing/2014/main" xmlns="" id="{F00811BB-0E37-4D70-84A5-97B3FBEDCBE6}"/>
+                <a16:creationId xmlns="" xmlns:a16="http://schemas.microsoft.com/office/drawing/2014/main" id="{F00811BB-0E37-4D70-84A5-97B3FBEDCBE6}"/>
               </a:ext>
             </a:extLst>
           </p:cNvPr>
@@ -2098,7 +2098,7 @@
           <p:cNvPr id="20" name="Oval 19">
             <a:extLst>
               <a:ext uri="{FF2B5EF4-FFF2-40B4-BE49-F238E27FC236}">
-                <a16:creationId xmlns:a16="http://schemas.microsoft.com/office/drawing/2014/main" xmlns="" id="{D03B3046-0457-4D23-8E0C-64E3FCD620BB}"/>
+                <a16:creationId xmlns="" xmlns:a16="http://schemas.microsoft.com/office/drawing/2014/main" id="{D03B3046-0457-4D23-8E0C-64E3FCD620BB}"/>
               </a:ext>
             </a:extLst>
           </p:cNvPr>
@@ -2153,7 +2153,7 @@
           <p:cNvPr id="16" name="Text Placeholder 15">
             <a:extLst>
               <a:ext uri="{FF2B5EF4-FFF2-40B4-BE49-F238E27FC236}">
-                <a16:creationId xmlns:a16="http://schemas.microsoft.com/office/drawing/2014/main" xmlns="" id="{D0092E26-7A96-4712-98A7-FFDA7C3D7721}"/>
+                <a16:creationId xmlns="" xmlns:a16="http://schemas.microsoft.com/office/drawing/2014/main" id="{D0092E26-7A96-4712-98A7-FFDA7C3D7721}"/>
               </a:ext>
             </a:extLst>
           </p:cNvPr>
@@ -2208,7 +2208,7 @@
           <p:cNvPr id="34" name="Text Placeholder 2">
             <a:extLst>
               <a:ext uri="{FF2B5EF4-FFF2-40B4-BE49-F238E27FC236}">
-                <a16:creationId xmlns:a16="http://schemas.microsoft.com/office/drawing/2014/main" xmlns="" id="{B17B484C-F876-40B2-89DE-FC7A9E54C835}"/>
+                <a16:creationId xmlns="" xmlns:a16="http://schemas.microsoft.com/office/drawing/2014/main" id="{B17B484C-F876-40B2-89DE-FC7A9E54C835}"/>
               </a:ext>
             </a:extLst>
           </p:cNvPr>
@@ -2343,7 +2343,7 @@
           <p:cNvPr id="36" name="Text Placeholder 2">
             <a:extLst>
               <a:ext uri="{FF2B5EF4-FFF2-40B4-BE49-F238E27FC236}">
-                <a16:creationId xmlns:a16="http://schemas.microsoft.com/office/drawing/2014/main" xmlns="" id="{99E02476-A734-4A74-BC42-F104B37C8C19}"/>
+                <a16:creationId xmlns="" xmlns:a16="http://schemas.microsoft.com/office/drawing/2014/main" id="{99E02476-A734-4A74-BC42-F104B37C8C19}"/>
               </a:ext>
             </a:extLst>
           </p:cNvPr>
@@ -2476,7 +2476,7 @@
           <p:cNvPr id="26" name="Text Placeholder 15">
             <a:extLst>
               <a:ext uri="{FF2B5EF4-FFF2-40B4-BE49-F238E27FC236}">
-                <a16:creationId xmlns:a16="http://schemas.microsoft.com/office/drawing/2014/main" xmlns="" id="{EA5D8D7D-F37C-49AD-98F0-641CE42B8A83}"/>
+                <a16:creationId xmlns="" xmlns:a16="http://schemas.microsoft.com/office/drawing/2014/main" id="{EA5D8D7D-F37C-49AD-98F0-641CE42B8A83}"/>
               </a:ext>
             </a:extLst>
           </p:cNvPr>
@@ -2531,7 +2531,7 @@
           <p:cNvPr id="27" name="Text Placeholder 2">
             <a:extLst>
               <a:ext uri="{FF2B5EF4-FFF2-40B4-BE49-F238E27FC236}">
-                <a16:creationId xmlns:a16="http://schemas.microsoft.com/office/drawing/2014/main" xmlns="" id="{521FF93D-8384-4E22-8645-BDE6AB983488}"/>
+                <a16:creationId xmlns="" xmlns:a16="http://schemas.microsoft.com/office/drawing/2014/main" id="{521FF93D-8384-4E22-8645-BDE6AB983488}"/>
               </a:ext>
             </a:extLst>
           </p:cNvPr>
@@ -2666,7 +2666,7 @@
           <p:cNvPr id="28" name="Text Placeholder 2">
             <a:extLst>
               <a:ext uri="{FF2B5EF4-FFF2-40B4-BE49-F238E27FC236}">
-                <a16:creationId xmlns:a16="http://schemas.microsoft.com/office/drawing/2014/main" xmlns="" id="{BA358F36-EA77-462E-9158-AFDF1D449A1A}"/>
+                <a16:creationId xmlns="" xmlns:a16="http://schemas.microsoft.com/office/drawing/2014/main" id="{BA358F36-EA77-462E-9158-AFDF1D449A1A}"/>
               </a:ext>
             </a:extLst>
           </p:cNvPr>
@@ -2829,7 +2829,7 @@
           <p:cNvPr id="7" name="Rectangle 6">
             <a:extLst>
               <a:ext uri="{FF2B5EF4-FFF2-40B4-BE49-F238E27FC236}">
-                <a16:creationId xmlns:a16="http://schemas.microsoft.com/office/drawing/2014/main" xmlns="" id="{09F1B35C-893A-4033-ADC0-2192AFA29271}"/>
+                <a16:creationId xmlns="" xmlns:a16="http://schemas.microsoft.com/office/drawing/2014/main" id="{09F1B35C-893A-4033-ADC0-2192AFA29271}"/>
               </a:ext>
             </a:extLst>
           </p:cNvPr>
@@ -2896,7 +2896,7 @@
           <p:cNvPr id="2" name="Title 1">
             <a:extLst>
               <a:ext uri="{FF2B5EF4-FFF2-40B4-BE49-F238E27FC236}">
-                <a16:creationId xmlns:a16="http://schemas.microsoft.com/office/drawing/2014/main" xmlns="" id="{CD637DF8-B064-4F36-89F8-EBF538A2E7F2}"/>
+                <a16:creationId xmlns="" xmlns:a16="http://schemas.microsoft.com/office/drawing/2014/main" id="{CD637DF8-B064-4F36-89F8-EBF538A2E7F2}"/>
               </a:ext>
             </a:extLst>
           </p:cNvPr>
@@ -2935,7 +2935,7 @@
           <p:cNvPr id="3" name="Text Placeholder 2">
             <a:extLst>
               <a:ext uri="{FF2B5EF4-FFF2-40B4-BE49-F238E27FC236}">
-                <a16:creationId xmlns:a16="http://schemas.microsoft.com/office/drawing/2014/main" xmlns="" id="{8A72532A-5006-46B7-AE99-3A6891CD0254}"/>
+                <a16:creationId xmlns="" xmlns:a16="http://schemas.microsoft.com/office/drawing/2014/main" id="{8A72532A-5006-46B7-AE99-3A6891CD0254}"/>
               </a:ext>
             </a:extLst>
           </p:cNvPr>
@@ -3065,7 +3065,7 @@
           <p:cNvPr id="4" name="Date Placeholder 3">
             <a:extLst>
               <a:ext uri="{FF2B5EF4-FFF2-40B4-BE49-F238E27FC236}">
-                <a16:creationId xmlns:a16="http://schemas.microsoft.com/office/drawing/2014/main" xmlns="" id="{49EFC6D7-3241-401C-A16A-4A7CC2653954}"/>
+                <a16:creationId xmlns="" xmlns:a16="http://schemas.microsoft.com/office/drawing/2014/main" id="{49EFC6D7-3241-401C-A16A-4A7CC2653954}"/>
               </a:ext>
             </a:extLst>
           </p:cNvPr>
@@ -3093,7 +3093,7 @@
           <p:cNvPr id="5" name="Footer Placeholder 4">
             <a:extLst>
               <a:ext uri="{FF2B5EF4-FFF2-40B4-BE49-F238E27FC236}">
-                <a16:creationId xmlns:a16="http://schemas.microsoft.com/office/drawing/2014/main" xmlns="" id="{F345D6DC-ABA5-4D00-9CD3-92FFDD1FA2DC}"/>
+                <a16:creationId xmlns="" xmlns:a16="http://schemas.microsoft.com/office/drawing/2014/main" id="{F345D6DC-ABA5-4D00-9CD3-92FFDD1FA2DC}"/>
               </a:ext>
             </a:extLst>
           </p:cNvPr>
@@ -3121,7 +3121,7 @@
           <p:cNvPr id="6" name="Slide Number Placeholder 5">
             <a:extLst>
               <a:ext uri="{FF2B5EF4-FFF2-40B4-BE49-F238E27FC236}">
-                <a16:creationId xmlns:a16="http://schemas.microsoft.com/office/drawing/2014/main" xmlns="" id="{92459C86-0106-40E0-AA18-795EC5787677}"/>
+                <a16:creationId xmlns="" xmlns:a16="http://schemas.microsoft.com/office/drawing/2014/main" id="{92459C86-0106-40E0-AA18-795EC5787677}"/>
               </a:ext>
             </a:extLst>
           </p:cNvPr>
@@ -3150,7 +3150,7 @@
           <p:cNvPr id="11" name="Picture Placeholder 10">
             <a:extLst>
               <a:ext uri="{FF2B5EF4-FFF2-40B4-BE49-F238E27FC236}">
-                <a16:creationId xmlns:a16="http://schemas.microsoft.com/office/drawing/2014/main" xmlns="" id="{6D14F7B3-A6CF-491C-9855-75B5784CC456}"/>
+                <a16:creationId xmlns="" xmlns:a16="http://schemas.microsoft.com/office/drawing/2014/main" id="{6D14F7B3-A6CF-491C-9855-75B5784CC456}"/>
               </a:ext>
             </a:extLst>
           </p:cNvPr>
@@ -3191,7 +3191,7 @@
           <p:cNvPr id="15" name="Group 14">
             <a:extLst>
               <a:ext uri="{FF2B5EF4-FFF2-40B4-BE49-F238E27FC236}">
-                <a16:creationId xmlns:a16="http://schemas.microsoft.com/office/drawing/2014/main" xmlns="" id="{B7317392-EF87-4050-8BBE-32F74B0CF15A}"/>
+                <a16:creationId xmlns="" xmlns:a16="http://schemas.microsoft.com/office/drawing/2014/main" id="{B7317392-EF87-4050-8BBE-32F74B0CF15A}"/>
               </a:ext>
             </a:extLst>
           </p:cNvPr>
@@ -3211,7 +3211,7 @@
             <p:cNvPr id="13" name="Straight Connector 12">
               <a:extLst>
                 <a:ext uri="{FF2B5EF4-FFF2-40B4-BE49-F238E27FC236}">
-                  <a16:creationId xmlns:a16="http://schemas.microsoft.com/office/drawing/2014/main" xmlns="" id="{785A4134-866D-4143-AC1E-8A2FFDB49855}"/>
+                  <a16:creationId xmlns="" xmlns:a16="http://schemas.microsoft.com/office/drawing/2014/main" id="{785A4134-866D-4143-AC1E-8A2FFDB49855}"/>
                 </a:ext>
               </a:extLst>
             </p:cNvPr>
@@ -3257,7 +3257,7 @@
             <p:cNvPr id="14" name="Oval 13">
               <a:extLst>
                 <a:ext uri="{FF2B5EF4-FFF2-40B4-BE49-F238E27FC236}">
-                  <a16:creationId xmlns:a16="http://schemas.microsoft.com/office/drawing/2014/main" xmlns="" id="{1BBC5D9C-B8FB-455B-9398-36DB21F2765E}"/>
+                  <a16:creationId xmlns="" xmlns:a16="http://schemas.microsoft.com/office/drawing/2014/main" id="{1BBC5D9C-B8FB-455B-9398-36DB21F2765E}"/>
                 </a:ext>
               </a:extLst>
             </p:cNvPr>
@@ -3318,7 +3318,7 @@
           <p:cNvPr id="16" name="Text Placeholder 2">
             <a:extLst>
               <a:ext uri="{FF2B5EF4-FFF2-40B4-BE49-F238E27FC236}">
-                <a16:creationId xmlns:a16="http://schemas.microsoft.com/office/drawing/2014/main" xmlns="" id="{BB522941-5C7D-4701-9AD7-BB4C11C6EBCE}"/>
+                <a16:creationId xmlns="" xmlns:a16="http://schemas.microsoft.com/office/drawing/2014/main" id="{BB522941-5C7D-4701-9AD7-BB4C11C6EBCE}"/>
               </a:ext>
             </a:extLst>
           </p:cNvPr>
@@ -3453,7 +3453,7 @@
           <p:cNvPr id="17" name="Oval 16">
             <a:extLst>
               <a:ext uri="{FF2B5EF4-FFF2-40B4-BE49-F238E27FC236}">
-                <a16:creationId xmlns:a16="http://schemas.microsoft.com/office/drawing/2014/main" xmlns="" id="{72225750-E4CE-4A81-A0C3-4023030D637E}"/>
+                <a16:creationId xmlns="" xmlns:a16="http://schemas.microsoft.com/office/drawing/2014/main" id="{72225750-E4CE-4A81-A0C3-4023030D637E}"/>
               </a:ext>
             </a:extLst>
           </p:cNvPr>
@@ -3508,7 +3508,7 @@
           <p:cNvPr id="18" name="Straight Connector 17">
             <a:extLst>
               <a:ext uri="{FF2B5EF4-FFF2-40B4-BE49-F238E27FC236}">
-                <a16:creationId xmlns:a16="http://schemas.microsoft.com/office/drawing/2014/main" xmlns="" id="{3819C324-07DF-49DB-A08C-0E6155CE3041}"/>
+                <a16:creationId xmlns="" xmlns:a16="http://schemas.microsoft.com/office/drawing/2014/main" id="{3819C324-07DF-49DB-A08C-0E6155CE3041}"/>
               </a:ext>
             </a:extLst>
           </p:cNvPr>
@@ -3552,7 +3552,7 @@
           <p:cNvPr id="19" name="Oval 18">
             <a:extLst>
               <a:ext uri="{FF2B5EF4-FFF2-40B4-BE49-F238E27FC236}">
-                <a16:creationId xmlns:a16="http://schemas.microsoft.com/office/drawing/2014/main" xmlns="" id="{75A34025-44F2-4A09-8629-F1794E9D35AF}"/>
+                <a16:creationId xmlns="" xmlns:a16="http://schemas.microsoft.com/office/drawing/2014/main" id="{75A34025-44F2-4A09-8629-F1794E9D35AF}"/>
               </a:ext>
             </a:extLst>
           </p:cNvPr>
@@ -3607,7 +3607,7 @@
           <p:cNvPr id="20" name="Straight Connector 19">
             <a:extLst>
               <a:ext uri="{FF2B5EF4-FFF2-40B4-BE49-F238E27FC236}">
-                <a16:creationId xmlns:a16="http://schemas.microsoft.com/office/drawing/2014/main" xmlns="" id="{815854A2-EAE9-4B2A-84CF-5A4BD753863A}"/>
+                <a16:creationId xmlns="" xmlns:a16="http://schemas.microsoft.com/office/drawing/2014/main" id="{815854A2-EAE9-4B2A-84CF-5A4BD753863A}"/>
               </a:ext>
             </a:extLst>
           </p:cNvPr>
@@ -3653,7 +3653,7 @@
           <p:cNvPr id="9" name="Oval 8">
             <a:extLst>
               <a:ext uri="{FF2B5EF4-FFF2-40B4-BE49-F238E27FC236}">
-                <a16:creationId xmlns:a16="http://schemas.microsoft.com/office/drawing/2014/main" xmlns="" id="{ADC059E4-36DE-4100-8F15-85A9F37E84FE}"/>
+                <a16:creationId xmlns="" xmlns:a16="http://schemas.microsoft.com/office/drawing/2014/main" id="{ADC059E4-36DE-4100-8F15-85A9F37E84FE}"/>
               </a:ext>
             </a:extLst>
           </p:cNvPr>
@@ -3710,7 +3710,7 @@
           <p:cNvPr id="21" name="Oval 20">
             <a:extLst>
               <a:ext uri="{FF2B5EF4-FFF2-40B4-BE49-F238E27FC236}">
-                <a16:creationId xmlns:a16="http://schemas.microsoft.com/office/drawing/2014/main" xmlns="" id="{34E475F8-9B44-4A3E-9F99-CF0346C89B8E}"/>
+                <a16:creationId xmlns="" xmlns:a16="http://schemas.microsoft.com/office/drawing/2014/main" id="{34E475F8-9B44-4A3E-9F99-CF0346C89B8E}"/>
               </a:ext>
             </a:extLst>
           </p:cNvPr>
@@ -3767,7 +3767,7 @@
           <p:cNvPr id="22" name="Oval 21">
             <a:extLst>
               <a:ext uri="{FF2B5EF4-FFF2-40B4-BE49-F238E27FC236}">
-                <a16:creationId xmlns:a16="http://schemas.microsoft.com/office/drawing/2014/main" xmlns="" id="{EF5FAF95-28E9-4D03-884C-A89CBC8B61DC}"/>
+                <a16:creationId xmlns="" xmlns:a16="http://schemas.microsoft.com/office/drawing/2014/main" id="{EF5FAF95-28E9-4D03-884C-A89CBC8B61DC}"/>
               </a:ext>
             </a:extLst>
           </p:cNvPr>
@@ -3824,7 +3824,7 @@
           <p:cNvPr id="27" name="Text Placeholder 15">
             <a:extLst>
               <a:ext uri="{FF2B5EF4-FFF2-40B4-BE49-F238E27FC236}">
-                <a16:creationId xmlns:a16="http://schemas.microsoft.com/office/drawing/2014/main" xmlns="" id="{5F221D05-AC12-4B7C-A00B-E28F93E23D7A}"/>
+                <a16:creationId xmlns="" xmlns:a16="http://schemas.microsoft.com/office/drawing/2014/main" id="{5F221D05-AC12-4B7C-A00B-E28F93E23D7A}"/>
               </a:ext>
             </a:extLst>
           </p:cNvPr>
@@ -3879,7 +3879,7 @@
           <p:cNvPr id="28" name="Text Placeholder 2">
             <a:extLst>
               <a:ext uri="{FF2B5EF4-FFF2-40B4-BE49-F238E27FC236}">
-                <a16:creationId xmlns:a16="http://schemas.microsoft.com/office/drawing/2014/main" xmlns="" id="{A3904B01-A725-4CE3-9321-D42F3E296703}"/>
+                <a16:creationId xmlns="" xmlns:a16="http://schemas.microsoft.com/office/drawing/2014/main" id="{A3904B01-A725-4CE3-9321-D42F3E296703}"/>
               </a:ext>
             </a:extLst>
           </p:cNvPr>
@@ -4019,7 +4019,7 @@
           <p:cNvPr id="29" name="Text Placeholder 2">
             <a:extLst>
               <a:ext uri="{FF2B5EF4-FFF2-40B4-BE49-F238E27FC236}">
-                <a16:creationId xmlns:a16="http://schemas.microsoft.com/office/drawing/2014/main" xmlns="" id="{D9CE08AF-782B-4514-BE33-D3AED71A7344}"/>
+                <a16:creationId xmlns="" xmlns:a16="http://schemas.microsoft.com/office/drawing/2014/main" id="{D9CE08AF-782B-4514-BE33-D3AED71A7344}"/>
               </a:ext>
             </a:extLst>
           </p:cNvPr>
@@ -4153,7 +4153,7 @@
           <p:cNvPr id="30" name="Text Placeholder 15">
             <a:extLst>
               <a:ext uri="{FF2B5EF4-FFF2-40B4-BE49-F238E27FC236}">
-                <a16:creationId xmlns:a16="http://schemas.microsoft.com/office/drawing/2014/main" xmlns="" id="{614098B4-704D-42A8-B776-2C93C30C39DA}"/>
+                <a16:creationId xmlns="" xmlns:a16="http://schemas.microsoft.com/office/drawing/2014/main" id="{614098B4-704D-42A8-B776-2C93C30C39DA}"/>
               </a:ext>
             </a:extLst>
           </p:cNvPr>
@@ -4208,7 +4208,7 @@
           <p:cNvPr id="31" name="Text Placeholder 2">
             <a:extLst>
               <a:ext uri="{FF2B5EF4-FFF2-40B4-BE49-F238E27FC236}">
-                <a16:creationId xmlns:a16="http://schemas.microsoft.com/office/drawing/2014/main" xmlns="" id="{CE6465F4-0B4D-4B43-BE59-BC984FE8EF05}"/>
+                <a16:creationId xmlns="" xmlns:a16="http://schemas.microsoft.com/office/drawing/2014/main" id="{CE6465F4-0B4D-4B43-BE59-BC984FE8EF05}"/>
               </a:ext>
             </a:extLst>
           </p:cNvPr>
@@ -4348,7 +4348,7 @@
           <p:cNvPr id="32" name="Text Placeholder 2">
             <a:extLst>
               <a:ext uri="{FF2B5EF4-FFF2-40B4-BE49-F238E27FC236}">
-                <a16:creationId xmlns:a16="http://schemas.microsoft.com/office/drawing/2014/main" xmlns="" id="{4DBC997E-F996-4F59-A610-3C8558F180CA}"/>
+                <a16:creationId xmlns="" xmlns:a16="http://schemas.microsoft.com/office/drawing/2014/main" id="{4DBC997E-F996-4F59-A610-3C8558F180CA}"/>
               </a:ext>
             </a:extLst>
           </p:cNvPr>
@@ -4482,7 +4482,7 @@
           <p:cNvPr id="33" name="Text Placeholder 15">
             <a:extLst>
               <a:ext uri="{FF2B5EF4-FFF2-40B4-BE49-F238E27FC236}">
-                <a16:creationId xmlns:a16="http://schemas.microsoft.com/office/drawing/2014/main" xmlns="" id="{D2098E46-8023-469E-86ED-39848BCA69B9}"/>
+                <a16:creationId xmlns="" xmlns:a16="http://schemas.microsoft.com/office/drawing/2014/main" id="{D2098E46-8023-469E-86ED-39848BCA69B9}"/>
               </a:ext>
             </a:extLst>
           </p:cNvPr>
@@ -4537,7 +4537,7 @@
           <p:cNvPr id="34" name="Text Placeholder 2">
             <a:extLst>
               <a:ext uri="{FF2B5EF4-FFF2-40B4-BE49-F238E27FC236}">
-                <a16:creationId xmlns:a16="http://schemas.microsoft.com/office/drawing/2014/main" xmlns="" id="{93715D94-9DBE-476D-B2A4-208BC6D40C35}"/>
+                <a16:creationId xmlns="" xmlns:a16="http://schemas.microsoft.com/office/drawing/2014/main" id="{93715D94-9DBE-476D-B2A4-208BC6D40C35}"/>
               </a:ext>
             </a:extLst>
           </p:cNvPr>
@@ -4677,7 +4677,7 @@
           <p:cNvPr id="35" name="Text Placeholder 2">
             <a:extLst>
               <a:ext uri="{FF2B5EF4-FFF2-40B4-BE49-F238E27FC236}">
-                <a16:creationId xmlns:a16="http://schemas.microsoft.com/office/drawing/2014/main" xmlns="" id="{C6E1A50B-8AFF-497B-8AEC-C61D95DC0685}"/>
+                <a16:creationId xmlns="" xmlns:a16="http://schemas.microsoft.com/office/drawing/2014/main" id="{C6E1A50B-8AFF-497B-8AEC-C61D95DC0685}"/>
               </a:ext>
             </a:extLst>
           </p:cNvPr>
@@ -4841,7 +4841,7 @@
           <p:cNvPr id="15" name="Rectangle 14">
             <a:extLst>
               <a:ext uri="{FF2B5EF4-FFF2-40B4-BE49-F238E27FC236}">
-                <a16:creationId xmlns:a16="http://schemas.microsoft.com/office/drawing/2014/main" xmlns="" id="{E8E3FDB8-6D5C-48FE-99EA-7EC60F4D8191}"/>
+                <a16:creationId xmlns="" xmlns:a16="http://schemas.microsoft.com/office/drawing/2014/main" id="{E8E3FDB8-6D5C-48FE-99EA-7EC60F4D8191}"/>
               </a:ext>
             </a:extLst>
           </p:cNvPr>
@@ -4908,7 +4908,7 @@
           <p:cNvPr id="5" name="Date Placeholder 4">
             <a:extLst>
               <a:ext uri="{FF2B5EF4-FFF2-40B4-BE49-F238E27FC236}">
-                <a16:creationId xmlns:a16="http://schemas.microsoft.com/office/drawing/2014/main" xmlns="" id="{2D9775F3-A041-479A-8038-652B7D9C72E9}"/>
+                <a16:creationId xmlns="" xmlns:a16="http://schemas.microsoft.com/office/drawing/2014/main" id="{2D9775F3-A041-479A-8038-652B7D9C72E9}"/>
               </a:ext>
             </a:extLst>
           </p:cNvPr>
@@ -4936,7 +4936,7 @@
           <p:cNvPr id="6" name="Footer Placeholder 5">
             <a:extLst>
               <a:ext uri="{FF2B5EF4-FFF2-40B4-BE49-F238E27FC236}">
-                <a16:creationId xmlns:a16="http://schemas.microsoft.com/office/drawing/2014/main" xmlns="" id="{29BEDD04-BE4E-4B91-B13E-0C4FB3E1658F}"/>
+                <a16:creationId xmlns="" xmlns:a16="http://schemas.microsoft.com/office/drawing/2014/main" id="{29BEDD04-BE4E-4B91-B13E-0C4FB3E1658F}"/>
               </a:ext>
             </a:extLst>
           </p:cNvPr>
@@ -4964,7 +4964,7 @@
           <p:cNvPr id="7" name="Slide Number Placeholder 6">
             <a:extLst>
               <a:ext uri="{FF2B5EF4-FFF2-40B4-BE49-F238E27FC236}">
-                <a16:creationId xmlns:a16="http://schemas.microsoft.com/office/drawing/2014/main" xmlns="" id="{306DF5D8-12DC-494E-B0F1-2E9C86A14544}"/>
+                <a16:creationId xmlns="" xmlns:a16="http://schemas.microsoft.com/office/drawing/2014/main" id="{306DF5D8-12DC-494E-B0F1-2E9C86A14544}"/>
               </a:ext>
             </a:extLst>
           </p:cNvPr>
@@ -4993,7 +4993,7 @@
           <p:cNvPr id="8" name="Title 1">
             <a:extLst>
               <a:ext uri="{FF2B5EF4-FFF2-40B4-BE49-F238E27FC236}">
-                <a16:creationId xmlns:a16="http://schemas.microsoft.com/office/drawing/2014/main" xmlns="" id="{ABF87C9E-53A2-4DE1-89DC-3907BE2E3D3C}"/>
+                <a16:creationId xmlns="" xmlns:a16="http://schemas.microsoft.com/office/drawing/2014/main" id="{ABF87C9E-53A2-4DE1-89DC-3907BE2E3D3C}"/>
               </a:ext>
             </a:extLst>
           </p:cNvPr>
@@ -5032,7 +5032,7 @@
           <p:cNvPr id="9" name="Text Placeholder 2">
             <a:extLst>
               <a:ext uri="{FF2B5EF4-FFF2-40B4-BE49-F238E27FC236}">
-                <a16:creationId xmlns:a16="http://schemas.microsoft.com/office/drawing/2014/main" xmlns="" id="{EB453F8F-AA02-4E0D-93BF-8CF4F1490377}"/>
+                <a16:creationId xmlns="" xmlns:a16="http://schemas.microsoft.com/office/drawing/2014/main" id="{EB453F8F-AA02-4E0D-93BF-8CF4F1490377}"/>
               </a:ext>
             </a:extLst>
           </p:cNvPr>
@@ -5162,7 +5162,7 @@
           <p:cNvPr id="10" name="Picture Placeholder 10">
             <a:extLst>
               <a:ext uri="{FF2B5EF4-FFF2-40B4-BE49-F238E27FC236}">
-                <a16:creationId xmlns:a16="http://schemas.microsoft.com/office/drawing/2014/main" xmlns="" id="{A541F291-2E4B-474E-9ED0-55C97A2A066D}"/>
+                <a16:creationId xmlns="" xmlns:a16="http://schemas.microsoft.com/office/drawing/2014/main" id="{A541F291-2E4B-474E-9ED0-55C97A2A066D}"/>
               </a:ext>
             </a:extLst>
           </p:cNvPr>
@@ -5203,7 +5203,7 @@
           <p:cNvPr id="11" name="Group 10">
             <a:extLst>
               <a:ext uri="{FF2B5EF4-FFF2-40B4-BE49-F238E27FC236}">
-                <a16:creationId xmlns:a16="http://schemas.microsoft.com/office/drawing/2014/main" xmlns="" id="{59E4D57E-4989-4939-A31F-637543FAB606}"/>
+                <a16:creationId xmlns="" xmlns:a16="http://schemas.microsoft.com/office/drawing/2014/main" id="{59E4D57E-4989-4939-A31F-637543FAB606}"/>
               </a:ext>
             </a:extLst>
           </p:cNvPr>
@@ -5223,7 +5223,7 @@
             <p:cNvPr id="12" name="Straight Connector 11">
               <a:extLst>
                 <a:ext uri="{FF2B5EF4-FFF2-40B4-BE49-F238E27FC236}">
-                  <a16:creationId xmlns:a16="http://schemas.microsoft.com/office/drawing/2014/main" xmlns="" id="{370B72A7-B625-48B8-88E6-BCE2A4DD531E}"/>
+                  <a16:creationId xmlns="" xmlns:a16="http://schemas.microsoft.com/office/drawing/2014/main" id="{370B72A7-B625-48B8-88E6-BCE2A4DD531E}"/>
                 </a:ext>
               </a:extLst>
             </p:cNvPr>
@@ -5269,7 +5269,7 @@
             <p:cNvPr id="13" name="Oval 12">
               <a:extLst>
                 <a:ext uri="{FF2B5EF4-FFF2-40B4-BE49-F238E27FC236}">
-                  <a16:creationId xmlns:a16="http://schemas.microsoft.com/office/drawing/2014/main" xmlns="" id="{01ED729F-F8A5-4244-9776-4935C260F11F}"/>
+                  <a16:creationId xmlns="" xmlns:a16="http://schemas.microsoft.com/office/drawing/2014/main" id="{01ED729F-F8A5-4244-9776-4935C260F11F}"/>
                 </a:ext>
               </a:extLst>
             </p:cNvPr>
@@ -5330,7 +5330,7 @@
           <p:cNvPr id="17" name="Straight Connector 16">
             <a:extLst>
               <a:ext uri="{FF2B5EF4-FFF2-40B4-BE49-F238E27FC236}">
-                <a16:creationId xmlns:a16="http://schemas.microsoft.com/office/drawing/2014/main" xmlns="" id="{6150998C-CF95-4C6F-8962-8EB2DB30177D}"/>
+                <a16:creationId xmlns="" xmlns:a16="http://schemas.microsoft.com/office/drawing/2014/main" id="{6150998C-CF95-4C6F-8962-8EB2DB30177D}"/>
               </a:ext>
             </a:extLst>
           </p:cNvPr>
@@ -5374,7 +5374,7 @@
           <p:cNvPr id="18" name="Oval 17">
             <a:extLst>
               <a:ext uri="{FF2B5EF4-FFF2-40B4-BE49-F238E27FC236}">
-                <a16:creationId xmlns:a16="http://schemas.microsoft.com/office/drawing/2014/main" xmlns="" id="{F86A2ACD-8CF5-48A3-A678-E213A809B332}"/>
+                <a16:creationId xmlns="" xmlns:a16="http://schemas.microsoft.com/office/drawing/2014/main" id="{F86A2ACD-8CF5-48A3-A678-E213A809B332}"/>
               </a:ext>
             </a:extLst>
           </p:cNvPr>
@@ -5429,7 +5429,7 @@
           <p:cNvPr id="19" name="Straight Connector 18">
             <a:extLst>
               <a:ext uri="{FF2B5EF4-FFF2-40B4-BE49-F238E27FC236}">
-                <a16:creationId xmlns:a16="http://schemas.microsoft.com/office/drawing/2014/main" xmlns="" id="{F00811BB-0E37-4D70-84A5-97B3FBEDCBE6}"/>
+                <a16:creationId xmlns="" xmlns:a16="http://schemas.microsoft.com/office/drawing/2014/main" id="{F00811BB-0E37-4D70-84A5-97B3FBEDCBE6}"/>
               </a:ext>
             </a:extLst>
           </p:cNvPr>
@@ -5475,7 +5475,7 @@
           <p:cNvPr id="20" name="Oval 19">
             <a:extLst>
               <a:ext uri="{FF2B5EF4-FFF2-40B4-BE49-F238E27FC236}">
-                <a16:creationId xmlns:a16="http://schemas.microsoft.com/office/drawing/2014/main" xmlns="" id="{D03B3046-0457-4D23-8E0C-64E3FCD620BB}"/>
+                <a16:creationId xmlns="" xmlns:a16="http://schemas.microsoft.com/office/drawing/2014/main" id="{D03B3046-0457-4D23-8E0C-64E3FCD620BB}"/>
               </a:ext>
             </a:extLst>
           </p:cNvPr>
@@ -5530,7 +5530,7 @@
           <p:cNvPr id="34" name="Text Placeholder 2">
             <a:extLst>
               <a:ext uri="{FF2B5EF4-FFF2-40B4-BE49-F238E27FC236}">
-                <a16:creationId xmlns:a16="http://schemas.microsoft.com/office/drawing/2014/main" xmlns="" id="{B17B484C-F876-40B2-89DE-FC7A9E54C835}"/>
+                <a16:creationId xmlns="" xmlns:a16="http://schemas.microsoft.com/office/drawing/2014/main" id="{B17B484C-F876-40B2-89DE-FC7A9E54C835}"/>
               </a:ext>
             </a:extLst>
           </p:cNvPr>
@@ -5665,7 +5665,7 @@
           <p:cNvPr id="36" name="Text Placeholder 2">
             <a:extLst>
               <a:ext uri="{FF2B5EF4-FFF2-40B4-BE49-F238E27FC236}">
-                <a16:creationId xmlns:a16="http://schemas.microsoft.com/office/drawing/2014/main" xmlns="" id="{99E02476-A734-4A74-BC42-F104B37C8C19}"/>
+                <a16:creationId xmlns="" xmlns:a16="http://schemas.microsoft.com/office/drawing/2014/main" id="{99E02476-A734-4A74-BC42-F104B37C8C19}"/>
               </a:ext>
             </a:extLst>
           </p:cNvPr>
@@ -5798,7 +5798,7 @@
           <p:cNvPr id="23" name="Text Placeholder 2">
             <a:extLst>
               <a:ext uri="{FF2B5EF4-FFF2-40B4-BE49-F238E27FC236}">
-                <a16:creationId xmlns:a16="http://schemas.microsoft.com/office/drawing/2014/main" xmlns="" id="{ABD2EF23-562D-4049-92E3-48371C9E83A4}"/>
+                <a16:creationId xmlns="" xmlns:a16="http://schemas.microsoft.com/office/drawing/2014/main" id="{ABD2EF23-562D-4049-92E3-48371C9E83A4}"/>
               </a:ext>
             </a:extLst>
           </p:cNvPr>
@@ -5933,7 +5933,7 @@
           <p:cNvPr id="24" name="Text Placeholder 2">
             <a:extLst>
               <a:ext uri="{FF2B5EF4-FFF2-40B4-BE49-F238E27FC236}">
-                <a16:creationId xmlns:a16="http://schemas.microsoft.com/office/drawing/2014/main" xmlns="" id="{FB2A0B34-417C-46AC-95C0-9B2A2FCC8BFC}"/>
+                <a16:creationId xmlns="" xmlns:a16="http://schemas.microsoft.com/office/drawing/2014/main" id="{FB2A0B34-417C-46AC-95C0-9B2A2FCC8BFC}"/>
               </a:ext>
             </a:extLst>
           </p:cNvPr>
@@ -6096,7 +6096,7 @@
           <p:cNvPr id="15" name="Rectangle 14">
             <a:extLst>
               <a:ext uri="{FF2B5EF4-FFF2-40B4-BE49-F238E27FC236}">
-                <a16:creationId xmlns:a16="http://schemas.microsoft.com/office/drawing/2014/main" xmlns="" id="{E8E3FDB8-6D5C-48FE-99EA-7EC60F4D8191}"/>
+                <a16:creationId xmlns="" xmlns:a16="http://schemas.microsoft.com/office/drawing/2014/main" id="{E8E3FDB8-6D5C-48FE-99EA-7EC60F4D8191}"/>
               </a:ext>
             </a:extLst>
           </p:cNvPr>
@@ -6163,7 +6163,7 @@
           <p:cNvPr id="5" name="Date Placeholder 4">
             <a:extLst>
               <a:ext uri="{FF2B5EF4-FFF2-40B4-BE49-F238E27FC236}">
-                <a16:creationId xmlns:a16="http://schemas.microsoft.com/office/drawing/2014/main" xmlns="" id="{2D9775F3-A041-479A-8038-652B7D9C72E9}"/>
+                <a16:creationId xmlns="" xmlns:a16="http://schemas.microsoft.com/office/drawing/2014/main" id="{2D9775F3-A041-479A-8038-652B7D9C72E9}"/>
               </a:ext>
             </a:extLst>
           </p:cNvPr>
@@ -6191,7 +6191,7 @@
           <p:cNvPr id="6" name="Footer Placeholder 5">
             <a:extLst>
               <a:ext uri="{FF2B5EF4-FFF2-40B4-BE49-F238E27FC236}">
-                <a16:creationId xmlns:a16="http://schemas.microsoft.com/office/drawing/2014/main" xmlns="" id="{29BEDD04-BE4E-4B91-B13E-0C4FB3E1658F}"/>
+                <a16:creationId xmlns="" xmlns:a16="http://schemas.microsoft.com/office/drawing/2014/main" id="{29BEDD04-BE4E-4B91-B13E-0C4FB3E1658F}"/>
               </a:ext>
             </a:extLst>
           </p:cNvPr>
@@ -6219,7 +6219,7 @@
           <p:cNvPr id="7" name="Slide Number Placeholder 6">
             <a:extLst>
               <a:ext uri="{FF2B5EF4-FFF2-40B4-BE49-F238E27FC236}">
-                <a16:creationId xmlns:a16="http://schemas.microsoft.com/office/drawing/2014/main" xmlns="" id="{306DF5D8-12DC-494E-B0F1-2E9C86A14544}"/>
+                <a16:creationId xmlns="" xmlns:a16="http://schemas.microsoft.com/office/drawing/2014/main" id="{306DF5D8-12DC-494E-B0F1-2E9C86A14544}"/>
               </a:ext>
             </a:extLst>
           </p:cNvPr>
@@ -6248,7 +6248,7 @@
           <p:cNvPr id="8" name="Title 1">
             <a:extLst>
               <a:ext uri="{FF2B5EF4-FFF2-40B4-BE49-F238E27FC236}">
-                <a16:creationId xmlns:a16="http://schemas.microsoft.com/office/drawing/2014/main" xmlns="" id="{ABF87C9E-53A2-4DE1-89DC-3907BE2E3D3C}"/>
+                <a16:creationId xmlns="" xmlns:a16="http://schemas.microsoft.com/office/drawing/2014/main" id="{ABF87C9E-53A2-4DE1-89DC-3907BE2E3D3C}"/>
               </a:ext>
             </a:extLst>
           </p:cNvPr>
@@ -6287,7 +6287,7 @@
           <p:cNvPr id="11" name="Group 10">
             <a:extLst>
               <a:ext uri="{FF2B5EF4-FFF2-40B4-BE49-F238E27FC236}">
-                <a16:creationId xmlns:a16="http://schemas.microsoft.com/office/drawing/2014/main" xmlns="" id="{59E4D57E-4989-4939-A31F-637543FAB606}"/>
+                <a16:creationId xmlns="" xmlns:a16="http://schemas.microsoft.com/office/drawing/2014/main" id="{59E4D57E-4989-4939-A31F-637543FAB606}"/>
               </a:ext>
             </a:extLst>
           </p:cNvPr>
@@ -6307,7 +6307,7 @@
             <p:cNvPr id="12" name="Straight Connector 11">
               <a:extLst>
                 <a:ext uri="{FF2B5EF4-FFF2-40B4-BE49-F238E27FC236}">
-                  <a16:creationId xmlns:a16="http://schemas.microsoft.com/office/drawing/2014/main" xmlns="" id="{370B72A7-B625-48B8-88E6-BCE2A4DD531E}"/>
+                  <a16:creationId xmlns="" xmlns:a16="http://schemas.microsoft.com/office/drawing/2014/main" id="{370B72A7-B625-48B8-88E6-BCE2A4DD531E}"/>
                 </a:ext>
               </a:extLst>
             </p:cNvPr>
@@ -6353,7 +6353,7 @@
             <p:cNvPr id="13" name="Oval 12">
               <a:extLst>
                 <a:ext uri="{FF2B5EF4-FFF2-40B4-BE49-F238E27FC236}">
-                  <a16:creationId xmlns:a16="http://schemas.microsoft.com/office/drawing/2014/main" xmlns="" id="{01ED729F-F8A5-4244-9776-4935C260F11F}"/>
+                  <a16:creationId xmlns="" xmlns:a16="http://schemas.microsoft.com/office/drawing/2014/main" id="{01ED729F-F8A5-4244-9776-4935C260F11F}"/>
                 </a:ext>
               </a:extLst>
             </p:cNvPr>
@@ -6414,7 +6414,7 @@
           <p:cNvPr id="17" name="Straight Connector 16">
             <a:extLst>
               <a:ext uri="{FF2B5EF4-FFF2-40B4-BE49-F238E27FC236}">
-                <a16:creationId xmlns:a16="http://schemas.microsoft.com/office/drawing/2014/main" xmlns="" id="{6150998C-CF95-4C6F-8962-8EB2DB30177D}"/>
+                <a16:creationId xmlns="" xmlns:a16="http://schemas.microsoft.com/office/drawing/2014/main" id="{6150998C-CF95-4C6F-8962-8EB2DB30177D}"/>
               </a:ext>
             </a:extLst>
           </p:cNvPr>
@@ -6458,7 +6458,7 @@
           <p:cNvPr id="18" name="Oval 17">
             <a:extLst>
               <a:ext uri="{FF2B5EF4-FFF2-40B4-BE49-F238E27FC236}">
-                <a16:creationId xmlns:a16="http://schemas.microsoft.com/office/drawing/2014/main" xmlns="" id="{F86A2ACD-8CF5-48A3-A678-E213A809B332}"/>
+                <a16:creationId xmlns="" xmlns:a16="http://schemas.microsoft.com/office/drawing/2014/main" id="{F86A2ACD-8CF5-48A3-A678-E213A809B332}"/>
               </a:ext>
             </a:extLst>
           </p:cNvPr>
@@ -6513,7 +6513,7 @@
           <p:cNvPr id="19" name="Straight Connector 18">
             <a:extLst>
               <a:ext uri="{FF2B5EF4-FFF2-40B4-BE49-F238E27FC236}">
-                <a16:creationId xmlns:a16="http://schemas.microsoft.com/office/drawing/2014/main" xmlns="" id="{F00811BB-0E37-4D70-84A5-97B3FBEDCBE6}"/>
+                <a16:creationId xmlns="" xmlns:a16="http://schemas.microsoft.com/office/drawing/2014/main" id="{F00811BB-0E37-4D70-84A5-97B3FBEDCBE6}"/>
               </a:ext>
             </a:extLst>
           </p:cNvPr>
@@ -6559,7 +6559,7 @@
           <p:cNvPr id="20" name="Oval 19">
             <a:extLst>
               <a:ext uri="{FF2B5EF4-FFF2-40B4-BE49-F238E27FC236}">
-                <a16:creationId xmlns:a16="http://schemas.microsoft.com/office/drawing/2014/main" xmlns="" id="{D03B3046-0457-4D23-8E0C-64E3FCD620BB}"/>
+                <a16:creationId xmlns="" xmlns:a16="http://schemas.microsoft.com/office/drawing/2014/main" id="{D03B3046-0457-4D23-8E0C-64E3FCD620BB}"/>
               </a:ext>
             </a:extLst>
           </p:cNvPr>
@@ -6614,7 +6614,7 @@
           <p:cNvPr id="21" name="Picture Placeholder 11" descr="Competitors logos quadrant">
             <a:extLst>
               <a:ext uri="{FF2B5EF4-FFF2-40B4-BE49-F238E27FC236}">
-                <a16:creationId xmlns:a16="http://schemas.microsoft.com/office/drawing/2014/main" xmlns="" id="{58A093A6-410B-4E4B-BA54-D31E8313D9B1}"/>
+                <a16:creationId xmlns="" xmlns:a16="http://schemas.microsoft.com/office/drawing/2014/main" id="{58A093A6-410B-4E4B-BA54-D31E8313D9B1}"/>
               </a:ext>
             </a:extLst>
           </p:cNvPr>
@@ -6665,7 +6665,7 @@
           <p:cNvPr id="22" name="Picture Placeholder 11" descr="Competitors logos quadrant">
             <a:extLst>
               <a:ext uri="{FF2B5EF4-FFF2-40B4-BE49-F238E27FC236}">
-                <a16:creationId xmlns:a16="http://schemas.microsoft.com/office/drawing/2014/main" xmlns="" id="{C852F764-614E-4E0D-B231-E5EF9B5D3AFE}"/>
+                <a16:creationId xmlns="" xmlns:a16="http://schemas.microsoft.com/office/drawing/2014/main" id="{C852F764-614E-4E0D-B231-E5EF9B5D3AFE}"/>
               </a:ext>
             </a:extLst>
           </p:cNvPr>
@@ -6716,7 +6716,7 @@
           <p:cNvPr id="25" name="Picture Placeholder 11" descr="Competitors logos quadrant">
             <a:extLst>
               <a:ext uri="{FF2B5EF4-FFF2-40B4-BE49-F238E27FC236}">
-                <a16:creationId xmlns:a16="http://schemas.microsoft.com/office/drawing/2014/main" xmlns="" id="{0349F007-C349-4EF3-A61F-86C43BEB5478}"/>
+                <a16:creationId xmlns="" xmlns:a16="http://schemas.microsoft.com/office/drawing/2014/main" id="{0349F007-C349-4EF3-A61F-86C43BEB5478}"/>
               </a:ext>
             </a:extLst>
           </p:cNvPr>
@@ -6767,7 +6767,7 @@
           <p:cNvPr id="26" name="Picture Placeholder 11" descr="Competitors logos quadrant">
             <a:extLst>
               <a:ext uri="{FF2B5EF4-FFF2-40B4-BE49-F238E27FC236}">
-                <a16:creationId xmlns:a16="http://schemas.microsoft.com/office/drawing/2014/main" xmlns="" id="{FEA8BDDC-623F-4C67-AD04-E7801B537019}"/>
+                <a16:creationId xmlns="" xmlns:a16="http://schemas.microsoft.com/office/drawing/2014/main" id="{FEA8BDDC-623F-4C67-AD04-E7801B537019}"/>
               </a:ext>
             </a:extLst>
           </p:cNvPr>
@@ -6818,7 +6818,7 @@
           <p:cNvPr id="27" name="Picture Placeholder 11" descr="Competitors logos quadrant">
             <a:extLst>
               <a:ext uri="{FF2B5EF4-FFF2-40B4-BE49-F238E27FC236}">
-                <a16:creationId xmlns:a16="http://schemas.microsoft.com/office/drawing/2014/main" xmlns="" id="{28B0D00B-97E7-4133-B35A-AC2EF334CD2B}"/>
+                <a16:creationId xmlns="" xmlns:a16="http://schemas.microsoft.com/office/drawing/2014/main" id="{28B0D00B-97E7-4133-B35A-AC2EF334CD2B}"/>
               </a:ext>
             </a:extLst>
           </p:cNvPr>
@@ -6869,7 +6869,7 @@
           <p:cNvPr id="28" name="Picture Placeholder 11" descr="Competitors logos quadrant">
             <a:extLst>
               <a:ext uri="{FF2B5EF4-FFF2-40B4-BE49-F238E27FC236}">
-                <a16:creationId xmlns:a16="http://schemas.microsoft.com/office/drawing/2014/main" xmlns="" id="{8D1A7417-EFAD-46F6-ADA5-117D4C7B1A9D}"/>
+                <a16:creationId xmlns="" xmlns:a16="http://schemas.microsoft.com/office/drawing/2014/main" id="{8D1A7417-EFAD-46F6-ADA5-117D4C7B1A9D}"/>
               </a:ext>
             </a:extLst>
           </p:cNvPr>
@@ -6920,7 +6920,7 @@
           <p:cNvPr id="29" name="Text Placeholder 7">
             <a:extLst>
               <a:ext uri="{FF2B5EF4-FFF2-40B4-BE49-F238E27FC236}">
-                <a16:creationId xmlns:a16="http://schemas.microsoft.com/office/drawing/2014/main" xmlns="" id="{D4B80E14-BBC8-42CC-8777-FFF50D168A09}"/>
+                <a16:creationId xmlns="" xmlns:a16="http://schemas.microsoft.com/office/drawing/2014/main" id="{D4B80E14-BBC8-42CC-8777-FFF50D168A09}"/>
               </a:ext>
             </a:extLst>
           </p:cNvPr>
@@ -6979,7 +6979,7 @@
           <p:cNvPr id="30" name="Text Placeholder 7">
             <a:extLst>
               <a:ext uri="{FF2B5EF4-FFF2-40B4-BE49-F238E27FC236}">
-                <a16:creationId xmlns:a16="http://schemas.microsoft.com/office/drawing/2014/main" xmlns="" id="{95033551-3DD0-4EBE-8DFD-9335F8BA9268}"/>
+                <a16:creationId xmlns="" xmlns:a16="http://schemas.microsoft.com/office/drawing/2014/main" id="{95033551-3DD0-4EBE-8DFD-9335F8BA9268}"/>
               </a:ext>
             </a:extLst>
           </p:cNvPr>
@@ -7038,7 +7038,7 @@
           <p:cNvPr id="31" name="Text Placeholder 7">
             <a:extLst>
               <a:ext uri="{FF2B5EF4-FFF2-40B4-BE49-F238E27FC236}">
-                <a16:creationId xmlns:a16="http://schemas.microsoft.com/office/drawing/2014/main" xmlns="" id="{CC507E62-D7F3-4E81-8DE2-5A7084588A33}"/>
+                <a16:creationId xmlns="" xmlns:a16="http://schemas.microsoft.com/office/drawing/2014/main" id="{CC507E62-D7F3-4E81-8DE2-5A7084588A33}"/>
               </a:ext>
             </a:extLst>
           </p:cNvPr>
@@ -7097,7 +7097,7 @@
           <p:cNvPr id="32" name="Picture Placeholder 13">
             <a:extLst>
               <a:ext uri="{FF2B5EF4-FFF2-40B4-BE49-F238E27FC236}">
-                <a16:creationId xmlns:a16="http://schemas.microsoft.com/office/drawing/2014/main" xmlns="" id="{61EF622D-8E08-41C3-BEBA-2274C2AB487A}"/>
+                <a16:creationId xmlns="" xmlns:a16="http://schemas.microsoft.com/office/drawing/2014/main" id="{61EF622D-8E08-41C3-BEBA-2274C2AB487A}"/>
               </a:ext>
             </a:extLst>
           </p:cNvPr>
@@ -7146,7 +7146,7 @@
           <p:cNvPr id="33" name="Text Placeholder 7">
             <a:extLst>
               <a:ext uri="{FF2B5EF4-FFF2-40B4-BE49-F238E27FC236}">
-                <a16:creationId xmlns:a16="http://schemas.microsoft.com/office/drawing/2014/main" xmlns="" id="{690ADA54-0156-49A9-AEF7-A4972EEB15AA}"/>
+                <a16:creationId xmlns="" xmlns:a16="http://schemas.microsoft.com/office/drawing/2014/main" id="{690ADA54-0156-49A9-AEF7-A4972EEB15AA}"/>
               </a:ext>
             </a:extLst>
           </p:cNvPr>
@@ -7205,7 +7205,7 @@
           <p:cNvPr id="4" name="Group 3">
             <a:extLst>
               <a:ext uri="{FF2B5EF4-FFF2-40B4-BE49-F238E27FC236}">
-                <a16:creationId xmlns:a16="http://schemas.microsoft.com/office/drawing/2014/main" xmlns="" id="{32193FB7-0142-40DD-9186-F3156B0AE4B0}"/>
+                <a16:creationId xmlns="" xmlns:a16="http://schemas.microsoft.com/office/drawing/2014/main" id="{32193FB7-0142-40DD-9186-F3156B0AE4B0}"/>
               </a:ext>
             </a:extLst>
           </p:cNvPr>
@@ -7225,7 +7225,7 @@
             <p:cNvPr id="3" name="Straight Connector 2">
               <a:extLst>
                 <a:ext uri="{FF2B5EF4-FFF2-40B4-BE49-F238E27FC236}">
-                  <a16:creationId xmlns:a16="http://schemas.microsoft.com/office/drawing/2014/main" xmlns="" id="{CD1389D4-2EB7-40E2-B21B-4EE70FCA2236}"/>
+                  <a16:creationId xmlns="" xmlns:a16="http://schemas.microsoft.com/office/drawing/2014/main" id="{CD1389D4-2EB7-40E2-B21B-4EE70FCA2236}"/>
                 </a:ext>
               </a:extLst>
             </p:cNvPr>
@@ -7268,7 +7268,7 @@
             <p:cNvPr id="35" name="Oval 34">
               <a:extLst>
                 <a:ext uri="{FF2B5EF4-FFF2-40B4-BE49-F238E27FC236}">
-                  <a16:creationId xmlns:a16="http://schemas.microsoft.com/office/drawing/2014/main" xmlns="" id="{BA48E795-AD00-4819-94E4-A5211D331715}"/>
+                  <a16:creationId xmlns="" xmlns:a16="http://schemas.microsoft.com/office/drawing/2014/main" id="{BA48E795-AD00-4819-94E4-A5211D331715}"/>
                 </a:ext>
               </a:extLst>
             </p:cNvPr>
@@ -7326,7 +7326,7 @@
           <p:cNvPr id="37" name="Group 36">
             <a:extLst>
               <a:ext uri="{FF2B5EF4-FFF2-40B4-BE49-F238E27FC236}">
-                <a16:creationId xmlns:a16="http://schemas.microsoft.com/office/drawing/2014/main" xmlns="" id="{41BD97BD-35F4-4534-8B74-24D44A99BC58}"/>
+                <a16:creationId xmlns="" xmlns:a16="http://schemas.microsoft.com/office/drawing/2014/main" id="{41BD97BD-35F4-4534-8B74-24D44A99BC58}"/>
               </a:ext>
             </a:extLst>
           </p:cNvPr>
@@ -7346,7 +7346,7 @@
             <p:cNvPr id="38" name="Straight Connector 37">
               <a:extLst>
                 <a:ext uri="{FF2B5EF4-FFF2-40B4-BE49-F238E27FC236}">
-                  <a16:creationId xmlns:a16="http://schemas.microsoft.com/office/drawing/2014/main" xmlns="" id="{D8351F13-467F-49F8-8279-C5B29A51798F}"/>
+                  <a16:creationId xmlns="" xmlns:a16="http://schemas.microsoft.com/office/drawing/2014/main" id="{D8351F13-467F-49F8-8279-C5B29A51798F}"/>
                 </a:ext>
               </a:extLst>
             </p:cNvPr>
@@ -7389,7 +7389,7 @@
             <p:cNvPr id="39" name="Oval 38">
               <a:extLst>
                 <a:ext uri="{FF2B5EF4-FFF2-40B4-BE49-F238E27FC236}">
-                  <a16:creationId xmlns:a16="http://schemas.microsoft.com/office/drawing/2014/main" xmlns="" id="{09AA12FA-7959-4581-B344-DF9E7B0AD37A}"/>
+                  <a16:creationId xmlns="" xmlns:a16="http://schemas.microsoft.com/office/drawing/2014/main" id="{09AA12FA-7959-4581-B344-DF9E7B0AD37A}"/>
                 </a:ext>
               </a:extLst>
             </p:cNvPr>
@@ -7477,7 +7477,7 @@
           <p:cNvPr id="7" name="Rectangle 6">
             <a:extLst>
               <a:ext uri="{FF2B5EF4-FFF2-40B4-BE49-F238E27FC236}">
-                <a16:creationId xmlns:a16="http://schemas.microsoft.com/office/drawing/2014/main" xmlns="" id="{09F1B35C-893A-4033-ADC0-2192AFA29271}"/>
+                <a16:creationId xmlns="" xmlns:a16="http://schemas.microsoft.com/office/drawing/2014/main" id="{09F1B35C-893A-4033-ADC0-2192AFA29271}"/>
               </a:ext>
             </a:extLst>
           </p:cNvPr>
@@ -7544,7 +7544,7 @@
           <p:cNvPr id="2" name="Title 1">
             <a:extLst>
               <a:ext uri="{FF2B5EF4-FFF2-40B4-BE49-F238E27FC236}">
-                <a16:creationId xmlns:a16="http://schemas.microsoft.com/office/drawing/2014/main" xmlns="" id="{CD637DF8-B064-4F36-89F8-EBF538A2E7F2}"/>
+                <a16:creationId xmlns="" xmlns:a16="http://schemas.microsoft.com/office/drawing/2014/main" id="{CD637DF8-B064-4F36-89F8-EBF538A2E7F2}"/>
               </a:ext>
             </a:extLst>
           </p:cNvPr>
@@ -7583,7 +7583,7 @@
           <p:cNvPr id="3" name="Text Placeholder 2">
             <a:extLst>
               <a:ext uri="{FF2B5EF4-FFF2-40B4-BE49-F238E27FC236}">
-                <a16:creationId xmlns:a16="http://schemas.microsoft.com/office/drawing/2014/main" xmlns="" id="{8A72532A-5006-46B7-AE99-3A6891CD0254}"/>
+                <a16:creationId xmlns="" xmlns:a16="http://schemas.microsoft.com/office/drawing/2014/main" id="{8A72532A-5006-46B7-AE99-3A6891CD0254}"/>
               </a:ext>
             </a:extLst>
           </p:cNvPr>
@@ -7713,7 +7713,7 @@
           <p:cNvPr id="4" name="Date Placeholder 3">
             <a:extLst>
               <a:ext uri="{FF2B5EF4-FFF2-40B4-BE49-F238E27FC236}">
-                <a16:creationId xmlns:a16="http://schemas.microsoft.com/office/drawing/2014/main" xmlns="" id="{49EFC6D7-3241-401C-A16A-4A7CC2653954}"/>
+                <a16:creationId xmlns="" xmlns:a16="http://schemas.microsoft.com/office/drawing/2014/main" id="{49EFC6D7-3241-401C-A16A-4A7CC2653954}"/>
               </a:ext>
             </a:extLst>
           </p:cNvPr>
@@ -7741,7 +7741,7 @@
           <p:cNvPr id="5" name="Footer Placeholder 4">
             <a:extLst>
               <a:ext uri="{FF2B5EF4-FFF2-40B4-BE49-F238E27FC236}">
-                <a16:creationId xmlns:a16="http://schemas.microsoft.com/office/drawing/2014/main" xmlns="" id="{F345D6DC-ABA5-4D00-9CD3-92FFDD1FA2DC}"/>
+                <a16:creationId xmlns="" xmlns:a16="http://schemas.microsoft.com/office/drawing/2014/main" id="{F345D6DC-ABA5-4D00-9CD3-92FFDD1FA2DC}"/>
               </a:ext>
             </a:extLst>
           </p:cNvPr>
@@ -7769,7 +7769,7 @@
           <p:cNvPr id="6" name="Slide Number Placeholder 5">
             <a:extLst>
               <a:ext uri="{FF2B5EF4-FFF2-40B4-BE49-F238E27FC236}">
-                <a16:creationId xmlns:a16="http://schemas.microsoft.com/office/drawing/2014/main" xmlns="" id="{92459C86-0106-40E0-AA18-795EC5787677}"/>
+                <a16:creationId xmlns="" xmlns:a16="http://schemas.microsoft.com/office/drawing/2014/main" id="{92459C86-0106-40E0-AA18-795EC5787677}"/>
               </a:ext>
             </a:extLst>
           </p:cNvPr>
@@ -7798,7 +7798,7 @@
           <p:cNvPr id="11" name="Picture Placeholder 10">
             <a:extLst>
               <a:ext uri="{FF2B5EF4-FFF2-40B4-BE49-F238E27FC236}">
-                <a16:creationId xmlns:a16="http://schemas.microsoft.com/office/drawing/2014/main" xmlns="" id="{6D14F7B3-A6CF-491C-9855-75B5784CC456}"/>
+                <a16:creationId xmlns="" xmlns:a16="http://schemas.microsoft.com/office/drawing/2014/main" id="{6D14F7B3-A6CF-491C-9855-75B5784CC456}"/>
               </a:ext>
             </a:extLst>
           </p:cNvPr>
@@ -7839,7 +7839,7 @@
           <p:cNvPr id="15" name="Group 14">
             <a:extLst>
               <a:ext uri="{FF2B5EF4-FFF2-40B4-BE49-F238E27FC236}">
-                <a16:creationId xmlns:a16="http://schemas.microsoft.com/office/drawing/2014/main" xmlns="" id="{B7317392-EF87-4050-8BBE-32F74B0CF15A}"/>
+                <a16:creationId xmlns="" xmlns:a16="http://schemas.microsoft.com/office/drawing/2014/main" id="{B7317392-EF87-4050-8BBE-32F74B0CF15A}"/>
               </a:ext>
             </a:extLst>
           </p:cNvPr>
@@ -7859,7 +7859,7 @@
             <p:cNvPr id="13" name="Straight Connector 12">
               <a:extLst>
                 <a:ext uri="{FF2B5EF4-FFF2-40B4-BE49-F238E27FC236}">
-                  <a16:creationId xmlns:a16="http://schemas.microsoft.com/office/drawing/2014/main" xmlns="" id="{785A4134-866D-4143-AC1E-8A2FFDB49855}"/>
+                  <a16:creationId xmlns="" xmlns:a16="http://schemas.microsoft.com/office/drawing/2014/main" id="{785A4134-866D-4143-AC1E-8A2FFDB49855}"/>
                 </a:ext>
               </a:extLst>
             </p:cNvPr>
@@ -7903,7 +7903,7 @@
             <p:cNvPr id="14" name="Oval 13">
               <a:extLst>
                 <a:ext uri="{FF2B5EF4-FFF2-40B4-BE49-F238E27FC236}">
-                  <a16:creationId xmlns:a16="http://schemas.microsoft.com/office/drawing/2014/main" xmlns="" id="{1BBC5D9C-B8FB-455B-9398-36DB21F2765E}"/>
+                  <a16:creationId xmlns="" xmlns:a16="http://schemas.microsoft.com/office/drawing/2014/main" id="{1BBC5D9C-B8FB-455B-9398-36DB21F2765E}"/>
                 </a:ext>
               </a:extLst>
             </p:cNvPr>
@@ -7964,7 +7964,7 @@
           <p:cNvPr id="17" name="Oval 16">
             <a:extLst>
               <a:ext uri="{FF2B5EF4-FFF2-40B4-BE49-F238E27FC236}">
-                <a16:creationId xmlns:a16="http://schemas.microsoft.com/office/drawing/2014/main" xmlns="" id="{72225750-E4CE-4A81-A0C3-4023030D637E}"/>
+                <a16:creationId xmlns="" xmlns:a16="http://schemas.microsoft.com/office/drawing/2014/main" id="{72225750-E4CE-4A81-A0C3-4023030D637E}"/>
               </a:ext>
             </a:extLst>
           </p:cNvPr>
@@ -8019,7 +8019,7 @@
           <p:cNvPr id="18" name="Straight Connector 17">
             <a:extLst>
               <a:ext uri="{FF2B5EF4-FFF2-40B4-BE49-F238E27FC236}">
-                <a16:creationId xmlns:a16="http://schemas.microsoft.com/office/drawing/2014/main" xmlns="" id="{3819C324-07DF-49DB-A08C-0E6155CE3041}"/>
+                <a16:creationId xmlns="" xmlns:a16="http://schemas.microsoft.com/office/drawing/2014/main" id="{3819C324-07DF-49DB-A08C-0E6155CE3041}"/>
               </a:ext>
             </a:extLst>
           </p:cNvPr>
@@ -8063,7 +8063,7 @@
           <p:cNvPr id="19" name="Oval 18">
             <a:extLst>
               <a:ext uri="{FF2B5EF4-FFF2-40B4-BE49-F238E27FC236}">
-                <a16:creationId xmlns:a16="http://schemas.microsoft.com/office/drawing/2014/main" xmlns="" id="{75A34025-44F2-4A09-8629-F1794E9D35AF}"/>
+                <a16:creationId xmlns="" xmlns:a16="http://schemas.microsoft.com/office/drawing/2014/main" id="{75A34025-44F2-4A09-8629-F1794E9D35AF}"/>
               </a:ext>
             </a:extLst>
           </p:cNvPr>
@@ -8118,7 +8118,7 @@
           <p:cNvPr id="20" name="Straight Connector 19">
             <a:extLst>
               <a:ext uri="{FF2B5EF4-FFF2-40B4-BE49-F238E27FC236}">
-                <a16:creationId xmlns:a16="http://schemas.microsoft.com/office/drawing/2014/main" xmlns="" id="{815854A2-EAE9-4B2A-84CF-5A4BD753863A}"/>
+                <a16:creationId xmlns="" xmlns:a16="http://schemas.microsoft.com/office/drawing/2014/main" id="{815854A2-EAE9-4B2A-84CF-5A4BD753863A}"/>
               </a:ext>
             </a:extLst>
           </p:cNvPr>
@@ -8164,7 +8164,7 @@
           <p:cNvPr id="21" name="Text Placeholder 15">
             <a:extLst>
               <a:ext uri="{FF2B5EF4-FFF2-40B4-BE49-F238E27FC236}">
-                <a16:creationId xmlns:a16="http://schemas.microsoft.com/office/drawing/2014/main" xmlns="" id="{DA80730C-5AC9-41A0-ACC5-624F0652D685}"/>
+                <a16:creationId xmlns="" xmlns:a16="http://schemas.microsoft.com/office/drawing/2014/main" id="{DA80730C-5AC9-41A0-ACC5-624F0652D685}"/>
               </a:ext>
             </a:extLst>
           </p:cNvPr>
@@ -8221,7 +8221,7 @@
           <p:cNvPr id="22" name="Text Placeholder 15">
             <a:extLst>
               <a:ext uri="{FF2B5EF4-FFF2-40B4-BE49-F238E27FC236}">
-                <a16:creationId xmlns:a16="http://schemas.microsoft.com/office/drawing/2014/main" xmlns="" id="{515B23A8-23EB-4E6E-A24C-4154570D7DC0}"/>
+                <a16:creationId xmlns="" xmlns:a16="http://schemas.microsoft.com/office/drawing/2014/main" id="{515B23A8-23EB-4E6E-A24C-4154570D7DC0}"/>
               </a:ext>
             </a:extLst>
           </p:cNvPr>
@@ -8278,7 +8278,7 @@
           <p:cNvPr id="23" name="Text Placeholder 15">
             <a:extLst>
               <a:ext uri="{FF2B5EF4-FFF2-40B4-BE49-F238E27FC236}">
-                <a16:creationId xmlns:a16="http://schemas.microsoft.com/office/drawing/2014/main" xmlns="" id="{C12919ED-FD55-4081-BB4A-2B2FDA3BED17}"/>
+                <a16:creationId xmlns="" xmlns:a16="http://schemas.microsoft.com/office/drawing/2014/main" id="{C12919ED-FD55-4081-BB4A-2B2FDA3BED17}"/>
               </a:ext>
             </a:extLst>
           </p:cNvPr>
@@ -8335,7 +8335,7 @@
           <p:cNvPr id="24" name="Straight Connector 23">
             <a:extLst>
               <a:ext uri="{FF2B5EF4-FFF2-40B4-BE49-F238E27FC236}">
-                <a16:creationId xmlns:a16="http://schemas.microsoft.com/office/drawing/2014/main" xmlns="" id="{56A6259C-432B-4405-9E82-995AF092FB7A}"/>
+                <a16:creationId xmlns="" xmlns:a16="http://schemas.microsoft.com/office/drawing/2014/main" id="{56A6259C-432B-4405-9E82-995AF092FB7A}"/>
               </a:ext>
             </a:extLst>
           </p:cNvPr>
@@ -8378,7 +8378,7 @@
           <p:cNvPr id="25" name="Straight Connector 24">
             <a:extLst>
               <a:ext uri="{FF2B5EF4-FFF2-40B4-BE49-F238E27FC236}">
-                <a16:creationId xmlns:a16="http://schemas.microsoft.com/office/drawing/2014/main" xmlns="" id="{13BC485E-8BCE-479F-A7E9-7F9E193E6E96}"/>
+                <a16:creationId xmlns="" xmlns:a16="http://schemas.microsoft.com/office/drawing/2014/main" id="{13BC485E-8BCE-479F-A7E9-7F9E193E6E96}"/>
               </a:ext>
             </a:extLst>
           </p:cNvPr>
@@ -8421,7 +8421,7 @@
           <p:cNvPr id="26" name="Straight Connector 25">
             <a:extLst>
               <a:ext uri="{FF2B5EF4-FFF2-40B4-BE49-F238E27FC236}">
-                <a16:creationId xmlns:a16="http://schemas.microsoft.com/office/drawing/2014/main" xmlns="" id="{D5094BC6-BA16-4E05-868C-3AE971AF3DA4}"/>
+                <a16:creationId xmlns="" xmlns:a16="http://schemas.microsoft.com/office/drawing/2014/main" id="{D5094BC6-BA16-4E05-868C-3AE971AF3DA4}"/>
               </a:ext>
             </a:extLst>
           </p:cNvPr>
@@ -8464,7 +8464,7 @@
           <p:cNvPr id="27" name="Straight Connector 26">
             <a:extLst>
               <a:ext uri="{FF2B5EF4-FFF2-40B4-BE49-F238E27FC236}">
-                <a16:creationId xmlns:a16="http://schemas.microsoft.com/office/drawing/2014/main" xmlns="" id="{F9130EC6-4A8D-447F-862E-E5A693E68C8C}"/>
+                <a16:creationId xmlns="" xmlns:a16="http://schemas.microsoft.com/office/drawing/2014/main" id="{F9130EC6-4A8D-447F-862E-E5A693E68C8C}"/>
               </a:ext>
             </a:extLst>
           </p:cNvPr>
@@ -8507,7 +8507,7 @@
           <p:cNvPr id="29" name="Text Placeholder 2">
             <a:extLst>
               <a:ext uri="{FF2B5EF4-FFF2-40B4-BE49-F238E27FC236}">
-                <a16:creationId xmlns:a16="http://schemas.microsoft.com/office/drawing/2014/main" xmlns="" id="{1B29C9C1-9494-4E8B-A0F3-611E947A19B3}"/>
+                <a16:creationId xmlns="" xmlns:a16="http://schemas.microsoft.com/office/drawing/2014/main" id="{1B29C9C1-9494-4E8B-A0F3-611E947A19B3}"/>
               </a:ext>
             </a:extLst>
           </p:cNvPr>
@@ -8642,7 +8642,7 @@
           <p:cNvPr id="30" name="Text Placeholder 2">
             <a:extLst>
               <a:ext uri="{FF2B5EF4-FFF2-40B4-BE49-F238E27FC236}">
-                <a16:creationId xmlns:a16="http://schemas.microsoft.com/office/drawing/2014/main" xmlns="" id="{ABB09D16-148A-45C2-B0B8-1495E8DC7D64}"/>
+                <a16:creationId xmlns="" xmlns:a16="http://schemas.microsoft.com/office/drawing/2014/main" id="{ABB09D16-148A-45C2-B0B8-1495E8DC7D64}"/>
               </a:ext>
             </a:extLst>
           </p:cNvPr>
@@ -8776,7 +8776,7 @@
           <p:cNvPr id="31" name="Text Placeholder 2">
             <a:extLst>
               <a:ext uri="{FF2B5EF4-FFF2-40B4-BE49-F238E27FC236}">
-                <a16:creationId xmlns:a16="http://schemas.microsoft.com/office/drawing/2014/main" xmlns="" id="{67814C7C-3597-4B16-A4AC-D81985C587BD}"/>
+                <a16:creationId xmlns="" xmlns:a16="http://schemas.microsoft.com/office/drawing/2014/main" id="{67814C7C-3597-4B16-A4AC-D81985C587BD}"/>
               </a:ext>
             </a:extLst>
           </p:cNvPr>
@@ -8909,7 +8909,7 @@
           <p:cNvPr id="43" name="Text Placeholder 2">
             <a:extLst>
               <a:ext uri="{FF2B5EF4-FFF2-40B4-BE49-F238E27FC236}">
-                <a16:creationId xmlns:a16="http://schemas.microsoft.com/office/drawing/2014/main" xmlns="" id="{EFE2A8C5-F462-436C-B748-BBE5D58CB8B4}"/>
+                <a16:creationId xmlns="" xmlns:a16="http://schemas.microsoft.com/office/drawing/2014/main" id="{EFE2A8C5-F462-436C-B748-BBE5D58CB8B4}"/>
               </a:ext>
             </a:extLst>
           </p:cNvPr>
@@ -9044,7 +9044,7 @@
           <p:cNvPr id="44" name="Text Placeholder 2">
             <a:extLst>
               <a:ext uri="{FF2B5EF4-FFF2-40B4-BE49-F238E27FC236}">
-                <a16:creationId xmlns:a16="http://schemas.microsoft.com/office/drawing/2014/main" xmlns="" id="{586DAC0D-9859-40A1-8456-F0B43D96718B}"/>
+                <a16:creationId xmlns="" xmlns:a16="http://schemas.microsoft.com/office/drawing/2014/main" id="{586DAC0D-9859-40A1-8456-F0B43D96718B}"/>
               </a:ext>
             </a:extLst>
           </p:cNvPr>
@@ -9178,7 +9178,7 @@
           <p:cNvPr id="45" name="Text Placeholder 2">
             <a:extLst>
               <a:ext uri="{FF2B5EF4-FFF2-40B4-BE49-F238E27FC236}">
-                <a16:creationId xmlns:a16="http://schemas.microsoft.com/office/drawing/2014/main" xmlns="" id="{37B983EE-F89D-4F09-8A9F-2347FA364217}"/>
+                <a16:creationId xmlns="" xmlns:a16="http://schemas.microsoft.com/office/drawing/2014/main" id="{37B983EE-F89D-4F09-8A9F-2347FA364217}"/>
               </a:ext>
             </a:extLst>
           </p:cNvPr>
@@ -9311,7 +9311,7 @@
           <p:cNvPr id="46" name="Text Placeholder 2">
             <a:extLst>
               <a:ext uri="{FF2B5EF4-FFF2-40B4-BE49-F238E27FC236}">
-                <a16:creationId xmlns:a16="http://schemas.microsoft.com/office/drawing/2014/main" xmlns="" id="{D30DD128-A937-4A2F-B070-523A5BAAE260}"/>
+                <a16:creationId xmlns="" xmlns:a16="http://schemas.microsoft.com/office/drawing/2014/main" id="{D30DD128-A937-4A2F-B070-523A5BAAE260}"/>
               </a:ext>
             </a:extLst>
           </p:cNvPr>
@@ -9446,7 +9446,7 @@
           <p:cNvPr id="47" name="Text Placeholder 2">
             <a:extLst>
               <a:ext uri="{FF2B5EF4-FFF2-40B4-BE49-F238E27FC236}">
-                <a16:creationId xmlns:a16="http://schemas.microsoft.com/office/drawing/2014/main" xmlns="" id="{5737B87C-E3C0-46B2-8B79-63EB60491503}"/>
+                <a16:creationId xmlns="" xmlns:a16="http://schemas.microsoft.com/office/drawing/2014/main" id="{5737B87C-E3C0-46B2-8B79-63EB60491503}"/>
               </a:ext>
             </a:extLst>
           </p:cNvPr>
@@ -9580,7 +9580,7 @@
           <p:cNvPr id="48" name="Text Placeholder 2">
             <a:extLst>
               <a:ext uri="{FF2B5EF4-FFF2-40B4-BE49-F238E27FC236}">
-                <a16:creationId xmlns:a16="http://schemas.microsoft.com/office/drawing/2014/main" xmlns="" id="{22F76863-7DCD-4365-80F0-001D51F08779}"/>
+                <a16:creationId xmlns="" xmlns:a16="http://schemas.microsoft.com/office/drawing/2014/main" id="{22F76863-7DCD-4365-80F0-001D51F08779}"/>
               </a:ext>
             </a:extLst>
           </p:cNvPr>
@@ -9743,7 +9743,7 @@
           <p:cNvPr id="15" name="Rectangle 14">
             <a:extLst>
               <a:ext uri="{FF2B5EF4-FFF2-40B4-BE49-F238E27FC236}">
-                <a16:creationId xmlns:a16="http://schemas.microsoft.com/office/drawing/2014/main" xmlns="" id="{E8E3FDB8-6D5C-48FE-99EA-7EC60F4D8191}"/>
+                <a16:creationId xmlns="" xmlns:a16="http://schemas.microsoft.com/office/drawing/2014/main" id="{E8E3FDB8-6D5C-48FE-99EA-7EC60F4D8191}"/>
               </a:ext>
             </a:extLst>
           </p:cNvPr>
@@ -9810,7 +9810,7 @@
           <p:cNvPr id="5" name="Date Placeholder 4">
             <a:extLst>
               <a:ext uri="{FF2B5EF4-FFF2-40B4-BE49-F238E27FC236}">
-                <a16:creationId xmlns:a16="http://schemas.microsoft.com/office/drawing/2014/main" xmlns="" id="{2D9775F3-A041-479A-8038-652B7D9C72E9}"/>
+                <a16:creationId xmlns="" xmlns:a16="http://schemas.microsoft.com/office/drawing/2014/main" id="{2D9775F3-A041-479A-8038-652B7D9C72E9}"/>
               </a:ext>
             </a:extLst>
           </p:cNvPr>
@@ -9838,7 +9838,7 @@
           <p:cNvPr id="6" name="Footer Placeholder 5">
             <a:extLst>
               <a:ext uri="{FF2B5EF4-FFF2-40B4-BE49-F238E27FC236}">
-                <a16:creationId xmlns:a16="http://schemas.microsoft.com/office/drawing/2014/main" xmlns="" id="{29BEDD04-BE4E-4B91-B13E-0C4FB3E1658F}"/>
+                <a16:creationId xmlns="" xmlns:a16="http://schemas.microsoft.com/office/drawing/2014/main" id="{29BEDD04-BE4E-4B91-B13E-0C4FB3E1658F}"/>
               </a:ext>
             </a:extLst>
           </p:cNvPr>
@@ -9866,7 +9866,7 @@
           <p:cNvPr id="7" name="Slide Number Placeholder 6">
             <a:extLst>
               <a:ext uri="{FF2B5EF4-FFF2-40B4-BE49-F238E27FC236}">
-                <a16:creationId xmlns:a16="http://schemas.microsoft.com/office/drawing/2014/main" xmlns="" id="{306DF5D8-12DC-494E-B0F1-2E9C86A14544}"/>
+                <a16:creationId xmlns="" xmlns:a16="http://schemas.microsoft.com/office/drawing/2014/main" id="{306DF5D8-12DC-494E-B0F1-2E9C86A14544}"/>
               </a:ext>
             </a:extLst>
           </p:cNvPr>
@@ -9895,7 +9895,7 @@
           <p:cNvPr id="8" name="Title 1">
             <a:extLst>
               <a:ext uri="{FF2B5EF4-FFF2-40B4-BE49-F238E27FC236}">
-                <a16:creationId xmlns:a16="http://schemas.microsoft.com/office/drawing/2014/main" xmlns="" id="{ABF87C9E-53A2-4DE1-89DC-3907BE2E3D3C}"/>
+                <a16:creationId xmlns="" xmlns:a16="http://schemas.microsoft.com/office/drawing/2014/main" id="{ABF87C9E-53A2-4DE1-89DC-3907BE2E3D3C}"/>
               </a:ext>
             </a:extLst>
           </p:cNvPr>
@@ -9934,7 +9934,7 @@
           <p:cNvPr id="10" name="Picture Placeholder 10">
             <a:extLst>
               <a:ext uri="{FF2B5EF4-FFF2-40B4-BE49-F238E27FC236}">
-                <a16:creationId xmlns:a16="http://schemas.microsoft.com/office/drawing/2014/main" xmlns="" id="{A541F291-2E4B-474E-9ED0-55C97A2A066D}"/>
+                <a16:creationId xmlns="" xmlns:a16="http://schemas.microsoft.com/office/drawing/2014/main" id="{A541F291-2E4B-474E-9ED0-55C97A2A066D}"/>
               </a:ext>
             </a:extLst>
           </p:cNvPr>
@@ -9975,7 +9975,7 @@
           <p:cNvPr id="11" name="Group 10">
             <a:extLst>
               <a:ext uri="{FF2B5EF4-FFF2-40B4-BE49-F238E27FC236}">
-                <a16:creationId xmlns:a16="http://schemas.microsoft.com/office/drawing/2014/main" xmlns="" id="{59E4D57E-4989-4939-A31F-637543FAB606}"/>
+                <a16:creationId xmlns="" xmlns:a16="http://schemas.microsoft.com/office/drawing/2014/main" id="{59E4D57E-4989-4939-A31F-637543FAB606}"/>
               </a:ext>
             </a:extLst>
           </p:cNvPr>
@@ -9995,7 +9995,7 @@
             <p:cNvPr id="12" name="Straight Connector 11">
               <a:extLst>
                 <a:ext uri="{FF2B5EF4-FFF2-40B4-BE49-F238E27FC236}">
-                  <a16:creationId xmlns:a16="http://schemas.microsoft.com/office/drawing/2014/main" xmlns="" id="{370B72A7-B625-48B8-88E6-BCE2A4DD531E}"/>
+                  <a16:creationId xmlns="" xmlns:a16="http://schemas.microsoft.com/office/drawing/2014/main" id="{370B72A7-B625-48B8-88E6-BCE2A4DD531E}"/>
                 </a:ext>
               </a:extLst>
             </p:cNvPr>
@@ -10041,7 +10041,7 @@
             <p:cNvPr id="13" name="Oval 12">
               <a:extLst>
                 <a:ext uri="{FF2B5EF4-FFF2-40B4-BE49-F238E27FC236}">
-                  <a16:creationId xmlns:a16="http://schemas.microsoft.com/office/drawing/2014/main" xmlns="" id="{01ED729F-F8A5-4244-9776-4935C260F11F}"/>
+                  <a16:creationId xmlns="" xmlns:a16="http://schemas.microsoft.com/office/drawing/2014/main" id="{01ED729F-F8A5-4244-9776-4935C260F11F}"/>
                 </a:ext>
               </a:extLst>
             </p:cNvPr>
@@ -10102,7 +10102,7 @@
           <p:cNvPr id="17" name="Straight Connector 16">
             <a:extLst>
               <a:ext uri="{FF2B5EF4-FFF2-40B4-BE49-F238E27FC236}">
-                <a16:creationId xmlns:a16="http://schemas.microsoft.com/office/drawing/2014/main" xmlns="" id="{6150998C-CF95-4C6F-8962-8EB2DB30177D}"/>
+                <a16:creationId xmlns="" xmlns:a16="http://schemas.microsoft.com/office/drawing/2014/main" id="{6150998C-CF95-4C6F-8962-8EB2DB30177D}"/>
               </a:ext>
             </a:extLst>
           </p:cNvPr>
@@ -10146,7 +10146,7 @@
           <p:cNvPr id="18" name="Oval 17">
             <a:extLst>
               <a:ext uri="{FF2B5EF4-FFF2-40B4-BE49-F238E27FC236}">
-                <a16:creationId xmlns:a16="http://schemas.microsoft.com/office/drawing/2014/main" xmlns="" id="{F86A2ACD-8CF5-48A3-A678-E213A809B332}"/>
+                <a16:creationId xmlns="" xmlns:a16="http://schemas.microsoft.com/office/drawing/2014/main" id="{F86A2ACD-8CF5-48A3-A678-E213A809B332}"/>
               </a:ext>
             </a:extLst>
           </p:cNvPr>
@@ -10201,7 +10201,7 @@
           <p:cNvPr id="19" name="Straight Connector 18">
             <a:extLst>
               <a:ext uri="{FF2B5EF4-FFF2-40B4-BE49-F238E27FC236}">
-                <a16:creationId xmlns:a16="http://schemas.microsoft.com/office/drawing/2014/main" xmlns="" id="{F00811BB-0E37-4D70-84A5-97B3FBEDCBE6}"/>
+                <a16:creationId xmlns="" xmlns:a16="http://schemas.microsoft.com/office/drawing/2014/main" id="{F00811BB-0E37-4D70-84A5-97B3FBEDCBE6}"/>
               </a:ext>
             </a:extLst>
           </p:cNvPr>
@@ -10247,7 +10247,7 @@
           <p:cNvPr id="20" name="Oval 19">
             <a:extLst>
               <a:ext uri="{FF2B5EF4-FFF2-40B4-BE49-F238E27FC236}">
-                <a16:creationId xmlns:a16="http://schemas.microsoft.com/office/drawing/2014/main" xmlns="" id="{D03B3046-0457-4D23-8E0C-64E3FCD620BB}"/>
+                <a16:creationId xmlns="" xmlns:a16="http://schemas.microsoft.com/office/drawing/2014/main" id="{D03B3046-0457-4D23-8E0C-64E3FCD620BB}"/>
               </a:ext>
             </a:extLst>
           </p:cNvPr>
@@ -10302,7 +10302,7 @@
           <p:cNvPr id="36" name="Text Placeholder 2">
             <a:extLst>
               <a:ext uri="{FF2B5EF4-FFF2-40B4-BE49-F238E27FC236}">
-                <a16:creationId xmlns:a16="http://schemas.microsoft.com/office/drawing/2014/main" xmlns="" id="{99E02476-A734-4A74-BC42-F104B37C8C19}"/>
+                <a16:creationId xmlns="" xmlns:a16="http://schemas.microsoft.com/office/drawing/2014/main" id="{99E02476-A734-4A74-BC42-F104B37C8C19}"/>
               </a:ext>
             </a:extLst>
           </p:cNvPr>
@@ -10435,7 +10435,7 @@
           <p:cNvPr id="24" name="Text Placeholder 2">
             <a:extLst>
               <a:ext uri="{FF2B5EF4-FFF2-40B4-BE49-F238E27FC236}">
-                <a16:creationId xmlns:a16="http://schemas.microsoft.com/office/drawing/2014/main" xmlns="" id="{FB2A0B34-417C-46AC-95C0-9B2A2FCC8BFC}"/>
+                <a16:creationId xmlns="" xmlns:a16="http://schemas.microsoft.com/office/drawing/2014/main" id="{FB2A0B34-417C-46AC-95C0-9B2A2FCC8BFC}"/>
               </a:ext>
             </a:extLst>
           </p:cNvPr>
@@ -10568,7 +10568,7 @@
           <p:cNvPr id="3" name="Content Placeholder 2">
             <a:extLst>
               <a:ext uri="{FF2B5EF4-FFF2-40B4-BE49-F238E27FC236}">
-                <a16:creationId xmlns:a16="http://schemas.microsoft.com/office/drawing/2014/main" xmlns="" id="{7D36F8EF-728B-45C1-87D8-4AD8FA8F3716}"/>
+                <a16:creationId xmlns="" xmlns:a16="http://schemas.microsoft.com/office/drawing/2014/main" id="{7D36F8EF-728B-45C1-87D8-4AD8FA8F3716}"/>
               </a:ext>
             </a:extLst>
           </p:cNvPr>
@@ -10648,7 +10648,7 @@
           <p:cNvPr id="22" name="Content Placeholder 2">
             <a:extLst>
               <a:ext uri="{FF2B5EF4-FFF2-40B4-BE49-F238E27FC236}">
-                <a16:creationId xmlns:a16="http://schemas.microsoft.com/office/drawing/2014/main" xmlns="" id="{7395C5B4-6B03-4F70-96F8-3AE3A7817B52}"/>
+                <a16:creationId xmlns="" xmlns:a16="http://schemas.microsoft.com/office/drawing/2014/main" id="{7395C5B4-6B03-4F70-96F8-3AE3A7817B52}"/>
               </a:ext>
             </a:extLst>
           </p:cNvPr>
@@ -10758,7 +10758,7 @@
           <p:cNvPr id="15" name="Rectangle 14">
             <a:extLst>
               <a:ext uri="{FF2B5EF4-FFF2-40B4-BE49-F238E27FC236}">
-                <a16:creationId xmlns:a16="http://schemas.microsoft.com/office/drawing/2014/main" xmlns="" id="{E8E3FDB8-6D5C-48FE-99EA-7EC60F4D8191}"/>
+                <a16:creationId xmlns="" xmlns:a16="http://schemas.microsoft.com/office/drawing/2014/main" id="{E8E3FDB8-6D5C-48FE-99EA-7EC60F4D8191}"/>
               </a:ext>
             </a:extLst>
           </p:cNvPr>
@@ -10825,7 +10825,7 @@
           <p:cNvPr id="5" name="Date Placeholder 4">
             <a:extLst>
               <a:ext uri="{FF2B5EF4-FFF2-40B4-BE49-F238E27FC236}">
-                <a16:creationId xmlns:a16="http://schemas.microsoft.com/office/drawing/2014/main" xmlns="" id="{2D9775F3-A041-479A-8038-652B7D9C72E9}"/>
+                <a16:creationId xmlns="" xmlns:a16="http://schemas.microsoft.com/office/drawing/2014/main" id="{2D9775F3-A041-479A-8038-652B7D9C72E9}"/>
               </a:ext>
             </a:extLst>
           </p:cNvPr>
@@ -10853,7 +10853,7 @@
           <p:cNvPr id="6" name="Footer Placeholder 5">
             <a:extLst>
               <a:ext uri="{FF2B5EF4-FFF2-40B4-BE49-F238E27FC236}">
-                <a16:creationId xmlns:a16="http://schemas.microsoft.com/office/drawing/2014/main" xmlns="" id="{29BEDD04-BE4E-4B91-B13E-0C4FB3E1658F}"/>
+                <a16:creationId xmlns="" xmlns:a16="http://schemas.microsoft.com/office/drawing/2014/main" id="{29BEDD04-BE4E-4B91-B13E-0C4FB3E1658F}"/>
               </a:ext>
             </a:extLst>
           </p:cNvPr>
@@ -10881,7 +10881,7 @@
           <p:cNvPr id="7" name="Slide Number Placeholder 6">
             <a:extLst>
               <a:ext uri="{FF2B5EF4-FFF2-40B4-BE49-F238E27FC236}">
-                <a16:creationId xmlns:a16="http://schemas.microsoft.com/office/drawing/2014/main" xmlns="" id="{306DF5D8-12DC-494E-B0F1-2E9C86A14544}"/>
+                <a16:creationId xmlns="" xmlns:a16="http://schemas.microsoft.com/office/drawing/2014/main" id="{306DF5D8-12DC-494E-B0F1-2E9C86A14544}"/>
               </a:ext>
             </a:extLst>
           </p:cNvPr>
@@ -10910,7 +10910,7 @@
           <p:cNvPr id="8" name="Title 1">
             <a:extLst>
               <a:ext uri="{FF2B5EF4-FFF2-40B4-BE49-F238E27FC236}">
-                <a16:creationId xmlns:a16="http://schemas.microsoft.com/office/drawing/2014/main" xmlns="" id="{ABF87C9E-53A2-4DE1-89DC-3907BE2E3D3C}"/>
+                <a16:creationId xmlns="" xmlns:a16="http://schemas.microsoft.com/office/drawing/2014/main" id="{ABF87C9E-53A2-4DE1-89DC-3907BE2E3D3C}"/>
               </a:ext>
             </a:extLst>
           </p:cNvPr>
@@ -10949,7 +10949,7 @@
           <p:cNvPr id="9" name="Text Placeholder 2">
             <a:extLst>
               <a:ext uri="{FF2B5EF4-FFF2-40B4-BE49-F238E27FC236}">
-                <a16:creationId xmlns:a16="http://schemas.microsoft.com/office/drawing/2014/main" xmlns="" id="{EB453F8F-AA02-4E0D-93BF-8CF4F1490377}"/>
+                <a16:creationId xmlns="" xmlns:a16="http://schemas.microsoft.com/office/drawing/2014/main" id="{EB453F8F-AA02-4E0D-93BF-8CF4F1490377}"/>
               </a:ext>
             </a:extLst>
           </p:cNvPr>
@@ -11079,7 +11079,7 @@
           <p:cNvPr id="10" name="Picture Placeholder 10">
             <a:extLst>
               <a:ext uri="{FF2B5EF4-FFF2-40B4-BE49-F238E27FC236}">
-                <a16:creationId xmlns:a16="http://schemas.microsoft.com/office/drawing/2014/main" xmlns="" id="{A541F291-2E4B-474E-9ED0-55C97A2A066D}"/>
+                <a16:creationId xmlns="" xmlns:a16="http://schemas.microsoft.com/office/drawing/2014/main" id="{A541F291-2E4B-474E-9ED0-55C97A2A066D}"/>
               </a:ext>
             </a:extLst>
           </p:cNvPr>
@@ -11120,7 +11120,7 @@
           <p:cNvPr id="11" name="Group 10">
             <a:extLst>
               <a:ext uri="{FF2B5EF4-FFF2-40B4-BE49-F238E27FC236}">
-                <a16:creationId xmlns:a16="http://schemas.microsoft.com/office/drawing/2014/main" xmlns="" id="{59E4D57E-4989-4939-A31F-637543FAB606}"/>
+                <a16:creationId xmlns="" xmlns:a16="http://schemas.microsoft.com/office/drawing/2014/main" id="{59E4D57E-4989-4939-A31F-637543FAB606}"/>
               </a:ext>
             </a:extLst>
           </p:cNvPr>
@@ -11140,7 +11140,7 @@
             <p:cNvPr id="12" name="Straight Connector 11">
               <a:extLst>
                 <a:ext uri="{FF2B5EF4-FFF2-40B4-BE49-F238E27FC236}">
-                  <a16:creationId xmlns:a16="http://schemas.microsoft.com/office/drawing/2014/main" xmlns="" id="{370B72A7-B625-48B8-88E6-BCE2A4DD531E}"/>
+                  <a16:creationId xmlns="" xmlns:a16="http://schemas.microsoft.com/office/drawing/2014/main" id="{370B72A7-B625-48B8-88E6-BCE2A4DD531E}"/>
                 </a:ext>
               </a:extLst>
             </p:cNvPr>
@@ -11186,7 +11186,7 @@
             <p:cNvPr id="13" name="Oval 12">
               <a:extLst>
                 <a:ext uri="{FF2B5EF4-FFF2-40B4-BE49-F238E27FC236}">
-                  <a16:creationId xmlns:a16="http://schemas.microsoft.com/office/drawing/2014/main" xmlns="" id="{01ED729F-F8A5-4244-9776-4935C260F11F}"/>
+                  <a16:creationId xmlns="" xmlns:a16="http://schemas.microsoft.com/office/drawing/2014/main" id="{01ED729F-F8A5-4244-9776-4935C260F11F}"/>
                 </a:ext>
               </a:extLst>
             </p:cNvPr>
@@ -11247,7 +11247,7 @@
           <p:cNvPr id="17" name="Straight Connector 16">
             <a:extLst>
               <a:ext uri="{FF2B5EF4-FFF2-40B4-BE49-F238E27FC236}">
-                <a16:creationId xmlns:a16="http://schemas.microsoft.com/office/drawing/2014/main" xmlns="" id="{6150998C-CF95-4C6F-8962-8EB2DB30177D}"/>
+                <a16:creationId xmlns="" xmlns:a16="http://schemas.microsoft.com/office/drawing/2014/main" id="{6150998C-CF95-4C6F-8962-8EB2DB30177D}"/>
               </a:ext>
             </a:extLst>
           </p:cNvPr>
@@ -11291,7 +11291,7 @@
           <p:cNvPr id="18" name="Oval 17">
             <a:extLst>
               <a:ext uri="{FF2B5EF4-FFF2-40B4-BE49-F238E27FC236}">
-                <a16:creationId xmlns:a16="http://schemas.microsoft.com/office/drawing/2014/main" xmlns="" id="{F86A2ACD-8CF5-48A3-A678-E213A809B332}"/>
+                <a16:creationId xmlns="" xmlns:a16="http://schemas.microsoft.com/office/drawing/2014/main" id="{F86A2ACD-8CF5-48A3-A678-E213A809B332}"/>
               </a:ext>
             </a:extLst>
           </p:cNvPr>
@@ -11346,7 +11346,7 @@
           <p:cNvPr id="19" name="Straight Connector 18">
             <a:extLst>
               <a:ext uri="{FF2B5EF4-FFF2-40B4-BE49-F238E27FC236}">
-                <a16:creationId xmlns:a16="http://schemas.microsoft.com/office/drawing/2014/main" xmlns="" id="{F00811BB-0E37-4D70-84A5-97B3FBEDCBE6}"/>
+                <a16:creationId xmlns="" xmlns:a16="http://schemas.microsoft.com/office/drawing/2014/main" id="{F00811BB-0E37-4D70-84A5-97B3FBEDCBE6}"/>
               </a:ext>
             </a:extLst>
           </p:cNvPr>
@@ -11392,7 +11392,7 @@
           <p:cNvPr id="20" name="Oval 19">
             <a:extLst>
               <a:ext uri="{FF2B5EF4-FFF2-40B4-BE49-F238E27FC236}">
-                <a16:creationId xmlns:a16="http://schemas.microsoft.com/office/drawing/2014/main" xmlns="" id="{D03B3046-0457-4D23-8E0C-64E3FCD620BB}"/>
+                <a16:creationId xmlns="" xmlns:a16="http://schemas.microsoft.com/office/drawing/2014/main" id="{D03B3046-0457-4D23-8E0C-64E3FCD620BB}"/>
               </a:ext>
             </a:extLst>
           </p:cNvPr>
@@ -11447,7 +11447,7 @@
           <p:cNvPr id="16" name="Text Placeholder 15">
             <a:extLst>
               <a:ext uri="{FF2B5EF4-FFF2-40B4-BE49-F238E27FC236}">
-                <a16:creationId xmlns:a16="http://schemas.microsoft.com/office/drawing/2014/main" xmlns="" id="{D0092E26-7A96-4712-98A7-FFDA7C3D7721}"/>
+                <a16:creationId xmlns="" xmlns:a16="http://schemas.microsoft.com/office/drawing/2014/main" id="{D0092E26-7A96-4712-98A7-FFDA7C3D7721}"/>
               </a:ext>
             </a:extLst>
           </p:cNvPr>
@@ -11502,7 +11502,7 @@
           <p:cNvPr id="34" name="Text Placeholder 2">
             <a:extLst>
               <a:ext uri="{FF2B5EF4-FFF2-40B4-BE49-F238E27FC236}">
-                <a16:creationId xmlns:a16="http://schemas.microsoft.com/office/drawing/2014/main" xmlns="" id="{B17B484C-F876-40B2-89DE-FC7A9E54C835}"/>
+                <a16:creationId xmlns="" xmlns:a16="http://schemas.microsoft.com/office/drawing/2014/main" id="{B17B484C-F876-40B2-89DE-FC7A9E54C835}"/>
               </a:ext>
             </a:extLst>
           </p:cNvPr>
@@ -11637,7 +11637,7 @@
           <p:cNvPr id="36" name="Text Placeholder 2">
             <a:extLst>
               <a:ext uri="{FF2B5EF4-FFF2-40B4-BE49-F238E27FC236}">
-                <a16:creationId xmlns:a16="http://schemas.microsoft.com/office/drawing/2014/main" xmlns="" id="{99E02476-A734-4A74-BC42-F104B37C8C19}"/>
+                <a16:creationId xmlns="" xmlns:a16="http://schemas.microsoft.com/office/drawing/2014/main" id="{99E02476-A734-4A74-BC42-F104B37C8C19}"/>
               </a:ext>
             </a:extLst>
           </p:cNvPr>
@@ -11770,7 +11770,7 @@
           <p:cNvPr id="14" name="Straight Connector 13">
             <a:extLst>
               <a:ext uri="{FF2B5EF4-FFF2-40B4-BE49-F238E27FC236}">
-                <a16:creationId xmlns:a16="http://schemas.microsoft.com/office/drawing/2014/main" xmlns="" id="{1AD3A3AB-488E-4090-9FD5-E005D5A9ECF5}"/>
+                <a16:creationId xmlns="" xmlns:a16="http://schemas.microsoft.com/office/drawing/2014/main" id="{1AD3A3AB-488E-4090-9FD5-E005D5A9ECF5}"/>
               </a:ext>
             </a:extLst>
           </p:cNvPr>
@@ -11813,7 +11813,7 @@
           <p:cNvPr id="21" name="Oval 20">
             <a:extLst>
               <a:ext uri="{FF2B5EF4-FFF2-40B4-BE49-F238E27FC236}">
-                <a16:creationId xmlns:a16="http://schemas.microsoft.com/office/drawing/2014/main" xmlns="" id="{BD6729DC-C5B3-485B-B5CD-F06FC3CAFD9A}"/>
+                <a16:creationId xmlns="" xmlns:a16="http://schemas.microsoft.com/office/drawing/2014/main" id="{BD6729DC-C5B3-485B-B5CD-F06FC3CAFD9A}"/>
               </a:ext>
             </a:extLst>
           </p:cNvPr>
@@ -11872,7 +11872,7 @@
           <p:cNvPr id="29" name="Oval 28">
             <a:extLst>
               <a:ext uri="{FF2B5EF4-FFF2-40B4-BE49-F238E27FC236}">
-                <a16:creationId xmlns:a16="http://schemas.microsoft.com/office/drawing/2014/main" xmlns="" id="{C4046DD7-8FB2-43D4-8E94-3D35DC3E2891}"/>
+                <a16:creationId xmlns="" xmlns:a16="http://schemas.microsoft.com/office/drawing/2014/main" id="{C4046DD7-8FB2-43D4-8E94-3D35DC3E2891}"/>
               </a:ext>
             </a:extLst>
           </p:cNvPr>
@@ -11931,7 +11931,7 @@
           <p:cNvPr id="30" name="Oval 29">
             <a:extLst>
               <a:ext uri="{FF2B5EF4-FFF2-40B4-BE49-F238E27FC236}">
-                <a16:creationId xmlns:a16="http://schemas.microsoft.com/office/drawing/2014/main" xmlns="" id="{A320A73A-D3CB-4E04-B7E2-F3696B8ACDEA}"/>
+                <a16:creationId xmlns="" xmlns:a16="http://schemas.microsoft.com/office/drawing/2014/main" id="{A320A73A-D3CB-4E04-B7E2-F3696B8ACDEA}"/>
               </a:ext>
             </a:extLst>
           </p:cNvPr>
@@ -11990,7 +11990,7 @@
           <p:cNvPr id="31" name="Oval 30">
             <a:extLst>
               <a:ext uri="{FF2B5EF4-FFF2-40B4-BE49-F238E27FC236}">
-                <a16:creationId xmlns:a16="http://schemas.microsoft.com/office/drawing/2014/main" xmlns="" id="{3E2B01F0-78A8-41AE-95B8-811603402031}"/>
+                <a16:creationId xmlns="" xmlns:a16="http://schemas.microsoft.com/office/drawing/2014/main" id="{3E2B01F0-78A8-41AE-95B8-811603402031}"/>
               </a:ext>
             </a:extLst>
           </p:cNvPr>
@@ -12049,7 +12049,7 @@
           <p:cNvPr id="32" name="Text Placeholder 2">
             <a:extLst>
               <a:ext uri="{FF2B5EF4-FFF2-40B4-BE49-F238E27FC236}">
-                <a16:creationId xmlns:a16="http://schemas.microsoft.com/office/drawing/2014/main" xmlns="" id="{A70E382B-B932-45B7-BD95-6D722A4A2480}"/>
+                <a16:creationId xmlns="" xmlns:a16="http://schemas.microsoft.com/office/drawing/2014/main" id="{A70E382B-B932-45B7-BD95-6D722A4A2480}"/>
               </a:ext>
             </a:extLst>
           </p:cNvPr>
@@ -12184,7 +12184,7 @@
           <p:cNvPr id="33" name="Text Placeholder 2">
             <a:extLst>
               <a:ext uri="{FF2B5EF4-FFF2-40B4-BE49-F238E27FC236}">
-                <a16:creationId xmlns:a16="http://schemas.microsoft.com/office/drawing/2014/main" xmlns="" id="{2F096B52-06C2-46DF-BB33-70D931283F16}"/>
+                <a16:creationId xmlns="" xmlns:a16="http://schemas.microsoft.com/office/drawing/2014/main" id="{2F096B52-06C2-46DF-BB33-70D931283F16}"/>
               </a:ext>
             </a:extLst>
           </p:cNvPr>
@@ -12317,7 +12317,7 @@
           <p:cNvPr id="35" name="Text Placeholder 2">
             <a:extLst>
               <a:ext uri="{FF2B5EF4-FFF2-40B4-BE49-F238E27FC236}">
-                <a16:creationId xmlns:a16="http://schemas.microsoft.com/office/drawing/2014/main" xmlns="" id="{5D87FD43-95C9-4217-AD5F-FE02E28AD4CE}"/>
+                <a16:creationId xmlns="" xmlns:a16="http://schemas.microsoft.com/office/drawing/2014/main" id="{5D87FD43-95C9-4217-AD5F-FE02E28AD4CE}"/>
               </a:ext>
             </a:extLst>
           </p:cNvPr>
@@ -12452,7 +12452,7 @@
           <p:cNvPr id="37" name="Text Placeholder 2">
             <a:extLst>
               <a:ext uri="{FF2B5EF4-FFF2-40B4-BE49-F238E27FC236}">
-                <a16:creationId xmlns:a16="http://schemas.microsoft.com/office/drawing/2014/main" xmlns="" id="{A6706CEB-523E-4248-9A66-5D139D8B0DE5}"/>
+                <a16:creationId xmlns="" xmlns:a16="http://schemas.microsoft.com/office/drawing/2014/main" id="{A6706CEB-523E-4248-9A66-5D139D8B0DE5}"/>
               </a:ext>
             </a:extLst>
           </p:cNvPr>
@@ -12585,7 +12585,7 @@
           <p:cNvPr id="38" name="Text Placeholder 2">
             <a:extLst>
               <a:ext uri="{FF2B5EF4-FFF2-40B4-BE49-F238E27FC236}">
-                <a16:creationId xmlns:a16="http://schemas.microsoft.com/office/drawing/2014/main" xmlns="" id="{6ADC931C-F9B2-467E-A024-CB5BE74BAD85}"/>
+                <a16:creationId xmlns="" xmlns:a16="http://schemas.microsoft.com/office/drawing/2014/main" id="{6ADC931C-F9B2-467E-A024-CB5BE74BAD85}"/>
               </a:ext>
             </a:extLst>
           </p:cNvPr>
@@ -12720,7 +12720,7 @@
           <p:cNvPr id="39" name="Text Placeholder 2">
             <a:extLst>
               <a:ext uri="{FF2B5EF4-FFF2-40B4-BE49-F238E27FC236}">
-                <a16:creationId xmlns:a16="http://schemas.microsoft.com/office/drawing/2014/main" xmlns="" id="{0A301DE6-2E75-41F5-9314-B269815BA3F3}"/>
+                <a16:creationId xmlns="" xmlns:a16="http://schemas.microsoft.com/office/drawing/2014/main" id="{0A301DE6-2E75-41F5-9314-B269815BA3F3}"/>
               </a:ext>
             </a:extLst>
           </p:cNvPr>
@@ -12853,7 +12853,7 @@
           <p:cNvPr id="40" name="Text Placeholder 15">
             <a:extLst>
               <a:ext uri="{FF2B5EF4-FFF2-40B4-BE49-F238E27FC236}">
-                <a16:creationId xmlns:a16="http://schemas.microsoft.com/office/drawing/2014/main" xmlns="" id="{B9154606-4DE0-4DC7-830A-371423BE4201}"/>
+                <a16:creationId xmlns="" xmlns:a16="http://schemas.microsoft.com/office/drawing/2014/main" id="{B9154606-4DE0-4DC7-830A-371423BE4201}"/>
               </a:ext>
             </a:extLst>
           </p:cNvPr>
@@ -12908,7 +12908,7 @@
           <p:cNvPr id="41" name="Text Placeholder 15">
             <a:extLst>
               <a:ext uri="{FF2B5EF4-FFF2-40B4-BE49-F238E27FC236}">
-                <a16:creationId xmlns:a16="http://schemas.microsoft.com/office/drawing/2014/main" xmlns="" id="{5AC8C127-0F88-413C-B7BA-2ED0F81E7D4E}"/>
+                <a16:creationId xmlns="" xmlns:a16="http://schemas.microsoft.com/office/drawing/2014/main" id="{5AC8C127-0F88-413C-B7BA-2ED0F81E7D4E}"/>
               </a:ext>
             </a:extLst>
           </p:cNvPr>
@@ -12963,7 +12963,7 @@
           <p:cNvPr id="42" name="Text Placeholder 15">
             <a:extLst>
               <a:ext uri="{FF2B5EF4-FFF2-40B4-BE49-F238E27FC236}">
-                <a16:creationId xmlns:a16="http://schemas.microsoft.com/office/drawing/2014/main" xmlns="" id="{63C5707A-6E08-4B58-A5FE-40063DB6548E}"/>
+                <a16:creationId xmlns="" xmlns:a16="http://schemas.microsoft.com/office/drawing/2014/main" id="{63C5707A-6E08-4B58-A5FE-40063DB6548E}"/>
               </a:ext>
             </a:extLst>
           </p:cNvPr>
@@ -13048,7 +13048,7 @@
           <p:cNvPr id="7" name="Rectangle 6">
             <a:extLst>
               <a:ext uri="{FF2B5EF4-FFF2-40B4-BE49-F238E27FC236}">
-                <a16:creationId xmlns:a16="http://schemas.microsoft.com/office/drawing/2014/main" xmlns="" id="{09F1B35C-893A-4033-ADC0-2192AFA29271}"/>
+                <a16:creationId xmlns="" xmlns:a16="http://schemas.microsoft.com/office/drawing/2014/main" id="{09F1B35C-893A-4033-ADC0-2192AFA29271}"/>
               </a:ext>
             </a:extLst>
           </p:cNvPr>
@@ -13115,7 +13115,7 @@
           <p:cNvPr id="2" name="Title 1">
             <a:extLst>
               <a:ext uri="{FF2B5EF4-FFF2-40B4-BE49-F238E27FC236}">
-                <a16:creationId xmlns:a16="http://schemas.microsoft.com/office/drawing/2014/main" xmlns="" id="{CD637DF8-B064-4F36-89F8-EBF538A2E7F2}"/>
+                <a16:creationId xmlns="" xmlns:a16="http://schemas.microsoft.com/office/drawing/2014/main" id="{CD637DF8-B064-4F36-89F8-EBF538A2E7F2}"/>
               </a:ext>
             </a:extLst>
           </p:cNvPr>
@@ -13154,7 +13154,7 @@
           <p:cNvPr id="3" name="Text Placeholder 2">
             <a:extLst>
               <a:ext uri="{FF2B5EF4-FFF2-40B4-BE49-F238E27FC236}">
-                <a16:creationId xmlns:a16="http://schemas.microsoft.com/office/drawing/2014/main" xmlns="" id="{8A72532A-5006-46B7-AE99-3A6891CD0254}"/>
+                <a16:creationId xmlns="" xmlns:a16="http://schemas.microsoft.com/office/drawing/2014/main" id="{8A72532A-5006-46B7-AE99-3A6891CD0254}"/>
               </a:ext>
             </a:extLst>
           </p:cNvPr>
@@ -13284,7 +13284,7 @@
           <p:cNvPr id="4" name="Date Placeholder 3">
             <a:extLst>
               <a:ext uri="{FF2B5EF4-FFF2-40B4-BE49-F238E27FC236}">
-                <a16:creationId xmlns:a16="http://schemas.microsoft.com/office/drawing/2014/main" xmlns="" id="{49EFC6D7-3241-401C-A16A-4A7CC2653954}"/>
+                <a16:creationId xmlns="" xmlns:a16="http://schemas.microsoft.com/office/drawing/2014/main" id="{49EFC6D7-3241-401C-A16A-4A7CC2653954}"/>
               </a:ext>
             </a:extLst>
           </p:cNvPr>
@@ -13312,7 +13312,7 @@
           <p:cNvPr id="5" name="Footer Placeholder 4">
             <a:extLst>
               <a:ext uri="{FF2B5EF4-FFF2-40B4-BE49-F238E27FC236}">
-                <a16:creationId xmlns:a16="http://schemas.microsoft.com/office/drawing/2014/main" xmlns="" id="{F345D6DC-ABA5-4D00-9CD3-92FFDD1FA2DC}"/>
+                <a16:creationId xmlns="" xmlns:a16="http://schemas.microsoft.com/office/drawing/2014/main" id="{F345D6DC-ABA5-4D00-9CD3-92FFDD1FA2DC}"/>
               </a:ext>
             </a:extLst>
           </p:cNvPr>
@@ -13340,7 +13340,7 @@
           <p:cNvPr id="6" name="Slide Number Placeholder 5">
             <a:extLst>
               <a:ext uri="{FF2B5EF4-FFF2-40B4-BE49-F238E27FC236}">
-                <a16:creationId xmlns:a16="http://schemas.microsoft.com/office/drawing/2014/main" xmlns="" id="{92459C86-0106-40E0-AA18-795EC5787677}"/>
+                <a16:creationId xmlns="" xmlns:a16="http://schemas.microsoft.com/office/drawing/2014/main" id="{92459C86-0106-40E0-AA18-795EC5787677}"/>
               </a:ext>
             </a:extLst>
           </p:cNvPr>
@@ -13369,7 +13369,7 @@
           <p:cNvPr id="11" name="Picture Placeholder 10">
             <a:extLst>
               <a:ext uri="{FF2B5EF4-FFF2-40B4-BE49-F238E27FC236}">
-                <a16:creationId xmlns:a16="http://schemas.microsoft.com/office/drawing/2014/main" xmlns="" id="{6D14F7B3-A6CF-491C-9855-75B5784CC456}"/>
+                <a16:creationId xmlns="" xmlns:a16="http://schemas.microsoft.com/office/drawing/2014/main" id="{6D14F7B3-A6CF-491C-9855-75B5784CC456}"/>
               </a:ext>
             </a:extLst>
           </p:cNvPr>
@@ -13410,7 +13410,7 @@
           <p:cNvPr id="15" name="Group 14">
             <a:extLst>
               <a:ext uri="{FF2B5EF4-FFF2-40B4-BE49-F238E27FC236}">
-                <a16:creationId xmlns:a16="http://schemas.microsoft.com/office/drawing/2014/main" xmlns="" id="{B7317392-EF87-4050-8BBE-32F74B0CF15A}"/>
+                <a16:creationId xmlns="" xmlns:a16="http://schemas.microsoft.com/office/drawing/2014/main" id="{B7317392-EF87-4050-8BBE-32F74B0CF15A}"/>
               </a:ext>
             </a:extLst>
           </p:cNvPr>
@@ -13430,7 +13430,7 @@
             <p:cNvPr id="13" name="Straight Connector 12">
               <a:extLst>
                 <a:ext uri="{FF2B5EF4-FFF2-40B4-BE49-F238E27FC236}">
-                  <a16:creationId xmlns:a16="http://schemas.microsoft.com/office/drawing/2014/main" xmlns="" id="{785A4134-866D-4143-AC1E-8A2FFDB49855}"/>
+                  <a16:creationId xmlns="" xmlns:a16="http://schemas.microsoft.com/office/drawing/2014/main" id="{785A4134-866D-4143-AC1E-8A2FFDB49855}"/>
                 </a:ext>
               </a:extLst>
             </p:cNvPr>
@@ -13476,7 +13476,7 @@
             <p:cNvPr id="14" name="Oval 13">
               <a:extLst>
                 <a:ext uri="{FF2B5EF4-FFF2-40B4-BE49-F238E27FC236}">
-                  <a16:creationId xmlns:a16="http://schemas.microsoft.com/office/drawing/2014/main" xmlns="" id="{1BBC5D9C-B8FB-455B-9398-36DB21F2765E}"/>
+                  <a16:creationId xmlns="" xmlns:a16="http://schemas.microsoft.com/office/drawing/2014/main" id="{1BBC5D9C-B8FB-455B-9398-36DB21F2765E}"/>
                 </a:ext>
               </a:extLst>
             </p:cNvPr>
@@ -13537,7 +13537,7 @@
           <p:cNvPr id="17" name="Oval 16">
             <a:extLst>
               <a:ext uri="{FF2B5EF4-FFF2-40B4-BE49-F238E27FC236}">
-                <a16:creationId xmlns:a16="http://schemas.microsoft.com/office/drawing/2014/main" xmlns="" id="{72225750-E4CE-4A81-A0C3-4023030D637E}"/>
+                <a16:creationId xmlns="" xmlns:a16="http://schemas.microsoft.com/office/drawing/2014/main" id="{72225750-E4CE-4A81-A0C3-4023030D637E}"/>
               </a:ext>
             </a:extLst>
           </p:cNvPr>
@@ -13592,7 +13592,7 @@
           <p:cNvPr id="18" name="Straight Connector 17">
             <a:extLst>
               <a:ext uri="{FF2B5EF4-FFF2-40B4-BE49-F238E27FC236}">
-                <a16:creationId xmlns:a16="http://schemas.microsoft.com/office/drawing/2014/main" xmlns="" id="{3819C324-07DF-49DB-A08C-0E6155CE3041}"/>
+                <a16:creationId xmlns="" xmlns:a16="http://schemas.microsoft.com/office/drawing/2014/main" id="{3819C324-07DF-49DB-A08C-0E6155CE3041}"/>
               </a:ext>
             </a:extLst>
           </p:cNvPr>
@@ -13636,7 +13636,7 @@
           <p:cNvPr id="19" name="Oval 18">
             <a:extLst>
               <a:ext uri="{FF2B5EF4-FFF2-40B4-BE49-F238E27FC236}">
-                <a16:creationId xmlns:a16="http://schemas.microsoft.com/office/drawing/2014/main" xmlns="" id="{75A34025-44F2-4A09-8629-F1794E9D35AF}"/>
+                <a16:creationId xmlns="" xmlns:a16="http://schemas.microsoft.com/office/drawing/2014/main" id="{75A34025-44F2-4A09-8629-F1794E9D35AF}"/>
               </a:ext>
             </a:extLst>
           </p:cNvPr>
@@ -13691,7 +13691,7 @@
           <p:cNvPr id="20" name="Straight Connector 19">
             <a:extLst>
               <a:ext uri="{FF2B5EF4-FFF2-40B4-BE49-F238E27FC236}">
-                <a16:creationId xmlns:a16="http://schemas.microsoft.com/office/drawing/2014/main" xmlns="" id="{815854A2-EAE9-4B2A-84CF-5A4BD753863A}"/>
+                <a16:creationId xmlns="" xmlns:a16="http://schemas.microsoft.com/office/drawing/2014/main" id="{815854A2-EAE9-4B2A-84CF-5A4BD753863A}"/>
               </a:ext>
             </a:extLst>
           </p:cNvPr>
@@ -13737,7 +13737,7 @@
           <p:cNvPr id="10" name="Table Placeholder 9">
             <a:extLst>
               <a:ext uri="{FF2B5EF4-FFF2-40B4-BE49-F238E27FC236}">
-                <a16:creationId xmlns:a16="http://schemas.microsoft.com/office/drawing/2014/main" xmlns="" id="{3F646CE6-E75B-4112-896D-5A26E1F1520E}"/>
+                <a16:creationId xmlns="" xmlns:a16="http://schemas.microsoft.com/office/drawing/2014/main" id="{3F646CE6-E75B-4112-896D-5A26E1F1520E}"/>
               </a:ext>
             </a:extLst>
           </p:cNvPr>
@@ -13808,7 +13808,7 @@
           <p:cNvPr id="7" name="Rectangle 6">
             <a:extLst>
               <a:ext uri="{FF2B5EF4-FFF2-40B4-BE49-F238E27FC236}">
-                <a16:creationId xmlns:a16="http://schemas.microsoft.com/office/drawing/2014/main" xmlns="" id="{09F1B35C-893A-4033-ADC0-2192AFA29271}"/>
+                <a16:creationId xmlns="" xmlns:a16="http://schemas.microsoft.com/office/drawing/2014/main" id="{09F1B35C-893A-4033-ADC0-2192AFA29271}"/>
               </a:ext>
             </a:extLst>
           </p:cNvPr>
@@ -13875,7 +13875,7 @@
           <p:cNvPr id="2" name="Title 1">
             <a:extLst>
               <a:ext uri="{FF2B5EF4-FFF2-40B4-BE49-F238E27FC236}">
-                <a16:creationId xmlns:a16="http://schemas.microsoft.com/office/drawing/2014/main" xmlns="" id="{CD637DF8-B064-4F36-89F8-EBF538A2E7F2}"/>
+                <a16:creationId xmlns="" xmlns:a16="http://schemas.microsoft.com/office/drawing/2014/main" id="{CD637DF8-B064-4F36-89F8-EBF538A2E7F2}"/>
               </a:ext>
             </a:extLst>
           </p:cNvPr>
@@ -13914,7 +13914,7 @@
           <p:cNvPr id="3" name="Text Placeholder 2">
             <a:extLst>
               <a:ext uri="{FF2B5EF4-FFF2-40B4-BE49-F238E27FC236}">
-                <a16:creationId xmlns:a16="http://schemas.microsoft.com/office/drawing/2014/main" xmlns="" id="{8A72532A-5006-46B7-AE99-3A6891CD0254}"/>
+                <a16:creationId xmlns="" xmlns:a16="http://schemas.microsoft.com/office/drawing/2014/main" id="{8A72532A-5006-46B7-AE99-3A6891CD0254}"/>
               </a:ext>
             </a:extLst>
           </p:cNvPr>
@@ -14044,7 +14044,7 @@
           <p:cNvPr id="4" name="Date Placeholder 3">
             <a:extLst>
               <a:ext uri="{FF2B5EF4-FFF2-40B4-BE49-F238E27FC236}">
-                <a16:creationId xmlns:a16="http://schemas.microsoft.com/office/drawing/2014/main" xmlns="" id="{49EFC6D7-3241-401C-A16A-4A7CC2653954}"/>
+                <a16:creationId xmlns="" xmlns:a16="http://schemas.microsoft.com/office/drawing/2014/main" id="{49EFC6D7-3241-401C-A16A-4A7CC2653954}"/>
               </a:ext>
             </a:extLst>
           </p:cNvPr>
@@ -14072,7 +14072,7 @@
           <p:cNvPr id="5" name="Footer Placeholder 4">
             <a:extLst>
               <a:ext uri="{FF2B5EF4-FFF2-40B4-BE49-F238E27FC236}">
-                <a16:creationId xmlns:a16="http://schemas.microsoft.com/office/drawing/2014/main" xmlns="" id="{F345D6DC-ABA5-4D00-9CD3-92FFDD1FA2DC}"/>
+                <a16:creationId xmlns="" xmlns:a16="http://schemas.microsoft.com/office/drawing/2014/main" id="{F345D6DC-ABA5-4D00-9CD3-92FFDD1FA2DC}"/>
               </a:ext>
             </a:extLst>
           </p:cNvPr>
@@ -14100,7 +14100,7 @@
           <p:cNvPr id="6" name="Slide Number Placeholder 5">
             <a:extLst>
               <a:ext uri="{FF2B5EF4-FFF2-40B4-BE49-F238E27FC236}">
-                <a16:creationId xmlns:a16="http://schemas.microsoft.com/office/drawing/2014/main" xmlns="" id="{92459C86-0106-40E0-AA18-795EC5787677}"/>
+                <a16:creationId xmlns="" xmlns:a16="http://schemas.microsoft.com/office/drawing/2014/main" id="{92459C86-0106-40E0-AA18-795EC5787677}"/>
               </a:ext>
             </a:extLst>
           </p:cNvPr>
@@ -14129,7 +14129,7 @@
           <p:cNvPr id="11" name="Picture Placeholder 10">
             <a:extLst>
               <a:ext uri="{FF2B5EF4-FFF2-40B4-BE49-F238E27FC236}">
-                <a16:creationId xmlns:a16="http://schemas.microsoft.com/office/drawing/2014/main" xmlns="" id="{6D14F7B3-A6CF-491C-9855-75B5784CC456}"/>
+                <a16:creationId xmlns="" xmlns:a16="http://schemas.microsoft.com/office/drawing/2014/main" id="{6D14F7B3-A6CF-491C-9855-75B5784CC456}"/>
               </a:ext>
             </a:extLst>
           </p:cNvPr>
@@ -14170,7 +14170,7 @@
           <p:cNvPr id="15" name="Group 14">
             <a:extLst>
               <a:ext uri="{FF2B5EF4-FFF2-40B4-BE49-F238E27FC236}">
-                <a16:creationId xmlns:a16="http://schemas.microsoft.com/office/drawing/2014/main" xmlns="" id="{B7317392-EF87-4050-8BBE-32F74B0CF15A}"/>
+                <a16:creationId xmlns="" xmlns:a16="http://schemas.microsoft.com/office/drawing/2014/main" id="{B7317392-EF87-4050-8BBE-32F74B0CF15A}"/>
               </a:ext>
             </a:extLst>
           </p:cNvPr>
@@ -14190,7 +14190,7 @@
             <p:cNvPr id="13" name="Straight Connector 12">
               <a:extLst>
                 <a:ext uri="{FF2B5EF4-FFF2-40B4-BE49-F238E27FC236}">
-                  <a16:creationId xmlns:a16="http://schemas.microsoft.com/office/drawing/2014/main" xmlns="" id="{785A4134-866D-4143-AC1E-8A2FFDB49855}"/>
+                  <a16:creationId xmlns="" xmlns:a16="http://schemas.microsoft.com/office/drawing/2014/main" id="{785A4134-866D-4143-AC1E-8A2FFDB49855}"/>
                 </a:ext>
               </a:extLst>
             </p:cNvPr>
@@ -14234,7 +14234,7 @@
             <p:cNvPr id="14" name="Oval 13">
               <a:extLst>
                 <a:ext uri="{FF2B5EF4-FFF2-40B4-BE49-F238E27FC236}">
-                  <a16:creationId xmlns:a16="http://schemas.microsoft.com/office/drawing/2014/main" xmlns="" id="{1BBC5D9C-B8FB-455B-9398-36DB21F2765E}"/>
+                  <a16:creationId xmlns="" xmlns:a16="http://schemas.microsoft.com/office/drawing/2014/main" id="{1BBC5D9C-B8FB-455B-9398-36DB21F2765E}"/>
                 </a:ext>
               </a:extLst>
             </p:cNvPr>
@@ -14295,7 +14295,7 @@
           <p:cNvPr id="17" name="Oval 16">
             <a:extLst>
               <a:ext uri="{FF2B5EF4-FFF2-40B4-BE49-F238E27FC236}">
-                <a16:creationId xmlns:a16="http://schemas.microsoft.com/office/drawing/2014/main" xmlns="" id="{72225750-E4CE-4A81-A0C3-4023030D637E}"/>
+                <a16:creationId xmlns="" xmlns:a16="http://schemas.microsoft.com/office/drawing/2014/main" id="{72225750-E4CE-4A81-A0C3-4023030D637E}"/>
               </a:ext>
             </a:extLst>
           </p:cNvPr>
@@ -14350,7 +14350,7 @@
           <p:cNvPr id="18" name="Straight Connector 17">
             <a:extLst>
               <a:ext uri="{FF2B5EF4-FFF2-40B4-BE49-F238E27FC236}">
-                <a16:creationId xmlns:a16="http://schemas.microsoft.com/office/drawing/2014/main" xmlns="" id="{3819C324-07DF-49DB-A08C-0E6155CE3041}"/>
+                <a16:creationId xmlns="" xmlns:a16="http://schemas.microsoft.com/office/drawing/2014/main" id="{3819C324-07DF-49DB-A08C-0E6155CE3041}"/>
               </a:ext>
             </a:extLst>
           </p:cNvPr>
@@ -14394,7 +14394,7 @@
           <p:cNvPr id="19" name="Oval 18">
             <a:extLst>
               <a:ext uri="{FF2B5EF4-FFF2-40B4-BE49-F238E27FC236}">
-                <a16:creationId xmlns:a16="http://schemas.microsoft.com/office/drawing/2014/main" xmlns="" id="{75A34025-44F2-4A09-8629-F1794E9D35AF}"/>
+                <a16:creationId xmlns="" xmlns:a16="http://schemas.microsoft.com/office/drawing/2014/main" id="{75A34025-44F2-4A09-8629-F1794E9D35AF}"/>
               </a:ext>
             </a:extLst>
           </p:cNvPr>
@@ -14449,7 +14449,7 @@
           <p:cNvPr id="20" name="Straight Connector 19">
             <a:extLst>
               <a:ext uri="{FF2B5EF4-FFF2-40B4-BE49-F238E27FC236}">
-                <a16:creationId xmlns:a16="http://schemas.microsoft.com/office/drawing/2014/main" xmlns="" id="{815854A2-EAE9-4B2A-84CF-5A4BD753863A}"/>
+                <a16:creationId xmlns="" xmlns:a16="http://schemas.microsoft.com/office/drawing/2014/main" id="{815854A2-EAE9-4B2A-84CF-5A4BD753863A}"/>
               </a:ext>
             </a:extLst>
           </p:cNvPr>
@@ -14495,7 +14495,7 @@
           <p:cNvPr id="29" name="Text Placeholder 2">
             <a:extLst>
               <a:ext uri="{FF2B5EF4-FFF2-40B4-BE49-F238E27FC236}">
-                <a16:creationId xmlns:a16="http://schemas.microsoft.com/office/drawing/2014/main" xmlns="" id="{1B29C9C1-9494-4E8B-A0F3-611E947A19B3}"/>
+                <a16:creationId xmlns="" xmlns:a16="http://schemas.microsoft.com/office/drawing/2014/main" id="{1B29C9C1-9494-4E8B-A0F3-611E947A19B3}"/>
               </a:ext>
             </a:extLst>
           </p:cNvPr>
@@ -14630,7 +14630,7 @@
           <p:cNvPr id="30" name="Text Placeholder 2">
             <a:extLst>
               <a:ext uri="{FF2B5EF4-FFF2-40B4-BE49-F238E27FC236}">
-                <a16:creationId xmlns:a16="http://schemas.microsoft.com/office/drawing/2014/main" xmlns="" id="{ABB09D16-148A-45C2-B0B8-1495E8DC7D64}"/>
+                <a16:creationId xmlns="" xmlns:a16="http://schemas.microsoft.com/office/drawing/2014/main" id="{ABB09D16-148A-45C2-B0B8-1495E8DC7D64}"/>
               </a:ext>
             </a:extLst>
           </p:cNvPr>
@@ -14764,7 +14764,7 @@
           <p:cNvPr id="31" name="Text Placeholder 2">
             <a:extLst>
               <a:ext uri="{FF2B5EF4-FFF2-40B4-BE49-F238E27FC236}">
-                <a16:creationId xmlns:a16="http://schemas.microsoft.com/office/drawing/2014/main" xmlns="" id="{67814C7C-3597-4B16-A4AC-D81985C587BD}"/>
+                <a16:creationId xmlns="" xmlns:a16="http://schemas.microsoft.com/office/drawing/2014/main" id="{67814C7C-3597-4B16-A4AC-D81985C587BD}"/>
               </a:ext>
             </a:extLst>
           </p:cNvPr>
@@ -14897,7 +14897,7 @@
           <p:cNvPr id="9" name="Picture Placeholder 8">
             <a:extLst>
               <a:ext uri="{FF2B5EF4-FFF2-40B4-BE49-F238E27FC236}">
-                <a16:creationId xmlns:a16="http://schemas.microsoft.com/office/drawing/2014/main" xmlns="" id="{B284A57B-147A-4287-AA6B-E508A9222F7F}"/>
+                <a16:creationId xmlns="" xmlns:a16="http://schemas.microsoft.com/office/drawing/2014/main" id="{B284A57B-147A-4287-AA6B-E508A9222F7F}"/>
               </a:ext>
             </a:extLst>
           </p:cNvPr>
@@ -14946,7 +14946,7 @@
           <p:cNvPr id="35" name="Picture Placeholder 8">
             <a:extLst>
               <a:ext uri="{FF2B5EF4-FFF2-40B4-BE49-F238E27FC236}">
-                <a16:creationId xmlns:a16="http://schemas.microsoft.com/office/drawing/2014/main" xmlns="" id="{9DBE0996-CEA3-41C3-A75A-84DC3C2B5194}"/>
+                <a16:creationId xmlns="" xmlns:a16="http://schemas.microsoft.com/office/drawing/2014/main" id="{9DBE0996-CEA3-41C3-A75A-84DC3C2B5194}"/>
               </a:ext>
             </a:extLst>
           </p:cNvPr>
@@ -14995,7 +14995,7 @@
           <p:cNvPr id="36" name="Picture Placeholder 8">
             <a:extLst>
               <a:ext uri="{FF2B5EF4-FFF2-40B4-BE49-F238E27FC236}">
-                <a16:creationId xmlns:a16="http://schemas.microsoft.com/office/drawing/2014/main" xmlns="" id="{F7B28261-CB14-4E4E-AA66-A0239B3DD28E}"/>
+                <a16:creationId xmlns="" xmlns:a16="http://schemas.microsoft.com/office/drawing/2014/main" id="{F7B28261-CB14-4E4E-AA66-A0239B3DD28E}"/>
               </a:ext>
             </a:extLst>
           </p:cNvPr>
@@ -15044,7 +15044,7 @@
           <p:cNvPr id="37" name="Text Placeholder 2">
             <a:extLst>
               <a:ext uri="{FF2B5EF4-FFF2-40B4-BE49-F238E27FC236}">
-                <a16:creationId xmlns:a16="http://schemas.microsoft.com/office/drawing/2014/main" xmlns="" id="{BAA53E0C-9536-4177-A63F-0E2565EC53CD}"/>
+                <a16:creationId xmlns="" xmlns:a16="http://schemas.microsoft.com/office/drawing/2014/main" id="{BAA53E0C-9536-4177-A63F-0E2565EC53CD}"/>
               </a:ext>
             </a:extLst>
           </p:cNvPr>
@@ -15179,7 +15179,7 @@
           <p:cNvPr id="38" name="Text Placeholder 2">
             <a:extLst>
               <a:ext uri="{FF2B5EF4-FFF2-40B4-BE49-F238E27FC236}">
-                <a16:creationId xmlns:a16="http://schemas.microsoft.com/office/drawing/2014/main" xmlns="" id="{67EF8E36-183B-420B-AF25-17CFA963987A}"/>
+                <a16:creationId xmlns="" xmlns:a16="http://schemas.microsoft.com/office/drawing/2014/main" id="{67EF8E36-183B-420B-AF25-17CFA963987A}"/>
               </a:ext>
             </a:extLst>
           </p:cNvPr>
@@ -15313,7 +15313,7 @@
           <p:cNvPr id="39" name="Text Placeholder 2">
             <a:extLst>
               <a:ext uri="{FF2B5EF4-FFF2-40B4-BE49-F238E27FC236}">
-                <a16:creationId xmlns:a16="http://schemas.microsoft.com/office/drawing/2014/main" xmlns="" id="{58DA6E86-8039-4690-AFE1-7CCF07B7CBAF}"/>
+                <a16:creationId xmlns="" xmlns:a16="http://schemas.microsoft.com/office/drawing/2014/main" id="{58DA6E86-8039-4690-AFE1-7CCF07B7CBAF}"/>
               </a:ext>
             </a:extLst>
           </p:cNvPr>
@@ -15446,7 +15446,7 @@
           <p:cNvPr id="41" name="Text Placeholder 2">
             <a:extLst>
               <a:ext uri="{FF2B5EF4-FFF2-40B4-BE49-F238E27FC236}">
-                <a16:creationId xmlns:a16="http://schemas.microsoft.com/office/drawing/2014/main" xmlns="" id="{933214B9-0452-4C8B-AB10-922F3C3BCF01}"/>
+                <a16:creationId xmlns="" xmlns:a16="http://schemas.microsoft.com/office/drawing/2014/main" id="{933214B9-0452-4C8B-AB10-922F3C3BCF01}"/>
               </a:ext>
             </a:extLst>
           </p:cNvPr>
@@ -15581,7 +15581,7 @@
           <p:cNvPr id="42" name="Text Placeholder 2">
             <a:extLst>
               <a:ext uri="{FF2B5EF4-FFF2-40B4-BE49-F238E27FC236}">
-                <a16:creationId xmlns:a16="http://schemas.microsoft.com/office/drawing/2014/main" xmlns="" id="{A5C23113-D98B-48C7-A675-4FD5F50333F3}"/>
+                <a16:creationId xmlns="" xmlns:a16="http://schemas.microsoft.com/office/drawing/2014/main" id="{A5C23113-D98B-48C7-A675-4FD5F50333F3}"/>
               </a:ext>
             </a:extLst>
           </p:cNvPr>
@@ -15715,7 +15715,7 @@
           <p:cNvPr id="49" name="Text Placeholder 2">
             <a:extLst>
               <a:ext uri="{FF2B5EF4-FFF2-40B4-BE49-F238E27FC236}">
-                <a16:creationId xmlns:a16="http://schemas.microsoft.com/office/drawing/2014/main" xmlns="" id="{09781257-B563-41E0-B9E6-9C7330084BCC}"/>
+                <a16:creationId xmlns="" xmlns:a16="http://schemas.microsoft.com/office/drawing/2014/main" id="{09781257-B563-41E0-B9E6-9C7330084BCC}"/>
               </a:ext>
             </a:extLst>
           </p:cNvPr>
@@ -15848,7 +15848,7 @@
           <p:cNvPr id="32" name="Straight Connector 31">
             <a:extLst>
               <a:ext uri="{FF2B5EF4-FFF2-40B4-BE49-F238E27FC236}">
-                <a16:creationId xmlns:a16="http://schemas.microsoft.com/office/drawing/2014/main" xmlns="" id="{9A32EC27-ACD8-47C0-A3ED-E4ED58D88358}"/>
+                <a16:creationId xmlns="" xmlns:a16="http://schemas.microsoft.com/office/drawing/2014/main" id="{9A32EC27-ACD8-47C0-A3ED-E4ED58D88358}"/>
               </a:ext>
             </a:extLst>
           </p:cNvPr>
@@ -15892,7 +15892,7 @@
           <p:cNvPr id="33" name="Straight Connector 32">
             <a:extLst>
               <a:ext uri="{FF2B5EF4-FFF2-40B4-BE49-F238E27FC236}">
-                <a16:creationId xmlns:a16="http://schemas.microsoft.com/office/drawing/2014/main" xmlns="" id="{99E8819A-135C-4A5C-9F6A-A3BE05AA294F}"/>
+                <a16:creationId xmlns="" xmlns:a16="http://schemas.microsoft.com/office/drawing/2014/main" id="{99E8819A-135C-4A5C-9F6A-A3BE05AA294F}"/>
               </a:ext>
             </a:extLst>
           </p:cNvPr>
@@ -15966,7 +15966,7 @@
           <p:cNvPr id="15" name="Rectangle 14">
             <a:extLst>
               <a:ext uri="{FF2B5EF4-FFF2-40B4-BE49-F238E27FC236}">
-                <a16:creationId xmlns:a16="http://schemas.microsoft.com/office/drawing/2014/main" xmlns="" id="{E8E3FDB8-6D5C-48FE-99EA-7EC60F4D8191}"/>
+                <a16:creationId xmlns="" xmlns:a16="http://schemas.microsoft.com/office/drawing/2014/main" id="{E8E3FDB8-6D5C-48FE-99EA-7EC60F4D8191}"/>
               </a:ext>
             </a:extLst>
           </p:cNvPr>
@@ -16033,7 +16033,7 @@
           <p:cNvPr id="5" name="Date Placeholder 4">
             <a:extLst>
               <a:ext uri="{FF2B5EF4-FFF2-40B4-BE49-F238E27FC236}">
-                <a16:creationId xmlns:a16="http://schemas.microsoft.com/office/drawing/2014/main" xmlns="" id="{2D9775F3-A041-479A-8038-652B7D9C72E9}"/>
+                <a16:creationId xmlns="" xmlns:a16="http://schemas.microsoft.com/office/drawing/2014/main" id="{2D9775F3-A041-479A-8038-652B7D9C72E9}"/>
               </a:ext>
             </a:extLst>
           </p:cNvPr>
@@ -16061,7 +16061,7 @@
           <p:cNvPr id="6" name="Footer Placeholder 5">
             <a:extLst>
               <a:ext uri="{FF2B5EF4-FFF2-40B4-BE49-F238E27FC236}">
-                <a16:creationId xmlns:a16="http://schemas.microsoft.com/office/drawing/2014/main" xmlns="" id="{29BEDD04-BE4E-4B91-B13E-0C4FB3E1658F}"/>
+                <a16:creationId xmlns="" xmlns:a16="http://schemas.microsoft.com/office/drawing/2014/main" id="{29BEDD04-BE4E-4B91-B13E-0C4FB3E1658F}"/>
               </a:ext>
             </a:extLst>
           </p:cNvPr>
@@ -16089,7 +16089,7 @@
           <p:cNvPr id="7" name="Slide Number Placeholder 6">
             <a:extLst>
               <a:ext uri="{FF2B5EF4-FFF2-40B4-BE49-F238E27FC236}">
-                <a16:creationId xmlns:a16="http://schemas.microsoft.com/office/drawing/2014/main" xmlns="" id="{306DF5D8-12DC-494E-B0F1-2E9C86A14544}"/>
+                <a16:creationId xmlns="" xmlns:a16="http://schemas.microsoft.com/office/drawing/2014/main" id="{306DF5D8-12DC-494E-B0F1-2E9C86A14544}"/>
               </a:ext>
             </a:extLst>
           </p:cNvPr>
@@ -16118,7 +16118,7 @@
           <p:cNvPr id="8" name="Title 1">
             <a:extLst>
               <a:ext uri="{FF2B5EF4-FFF2-40B4-BE49-F238E27FC236}">
-                <a16:creationId xmlns:a16="http://schemas.microsoft.com/office/drawing/2014/main" xmlns="" id="{ABF87C9E-53A2-4DE1-89DC-3907BE2E3D3C}"/>
+                <a16:creationId xmlns="" xmlns:a16="http://schemas.microsoft.com/office/drawing/2014/main" id="{ABF87C9E-53A2-4DE1-89DC-3907BE2E3D3C}"/>
               </a:ext>
             </a:extLst>
           </p:cNvPr>
@@ -16157,7 +16157,7 @@
           <p:cNvPr id="9" name="Text Placeholder 2">
             <a:extLst>
               <a:ext uri="{FF2B5EF4-FFF2-40B4-BE49-F238E27FC236}">
-                <a16:creationId xmlns:a16="http://schemas.microsoft.com/office/drawing/2014/main" xmlns="" id="{EB453F8F-AA02-4E0D-93BF-8CF4F1490377}"/>
+                <a16:creationId xmlns="" xmlns:a16="http://schemas.microsoft.com/office/drawing/2014/main" id="{EB453F8F-AA02-4E0D-93BF-8CF4F1490377}"/>
               </a:ext>
             </a:extLst>
           </p:cNvPr>
@@ -16287,7 +16287,7 @@
           <p:cNvPr id="10" name="Picture Placeholder 10">
             <a:extLst>
               <a:ext uri="{FF2B5EF4-FFF2-40B4-BE49-F238E27FC236}">
-                <a16:creationId xmlns:a16="http://schemas.microsoft.com/office/drawing/2014/main" xmlns="" id="{A541F291-2E4B-474E-9ED0-55C97A2A066D}"/>
+                <a16:creationId xmlns="" xmlns:a16="http://schemas.microsoft.com/office/drawing/2014/main" id="{A541F291-2E4B-474E-9ED0-55C97A2A066D}"/>
               </a:ext>
             </a:extLst>
           </p:cNvPr>
@@ -16328,7 +16328,7 @@
           <p:cNvPr id="11" name="Group 10">
             <a:extLst>
               <a:ext uri="{FF2B5EF4-FFF2-40B4-BE49-F238E27FC236}">
-                <a16:creationId xmlns:a16="http://schemas.microsoft.com/office/drawing/2014/main" xmlns="" id="{59E4D57E-4989-4939-A31F-637543FAB606}"/>
+                <a16:creationId xmlns="" xmlns:a16="http://schemas.microsoft.com/office/drawing/2014/main" id="{59E4D57E-4989-4939-A31F-637543FAB606}"/>
               </a:ext>
             </a:extLst>
           </p:cNvPr>
@@ -16348,7 +16348,7 @@
             <p:cNvPr id="12" name="Straight Connector 11">
               <a:extLst>
                 <a:ext uri="{FF2B5EF4-FFF2-40B4-BE49-F238E27FC236}">
-                  <a16:creationId xmlns:a16="http://schemas.microsoft.com/office/drawing/2014/main" xmlns="" id="{370B72A7-B625-48B8-88E6-BCE2A4DD531E}"/>
+                  <a16:creationId xmlns="" xmlns:a16="http://schemas.microsoft.com/office/drawing/2014/main" id="{370B72A7-B625-48B8-88E6-BCE2A4DD531E}"/>
                 </a:ext>
               </a:extLst>
             </p:cNvPr>
@@ -16394,7 +16394,7 @@
             <p:cNvPr id="13" name="Oval 12">
               <a:extLst>
                 <a:ext uri="{FF2B5EF4-FFF2-40B4-BE49-F238E27FC236}">
-                  <a16:creationId xmlns:a16="http://schemas.microsoft.com/office/drawing/2014/main" xmlns="" id="{01ED729F-F8A5-4244-9776-4935C260F11F}"/>
+                  <a16:creationId xmlns="" xmlns:a16="http://schemas.microsoft.com/office/drawing/2014/main" id="{01ED729F-F8A5-4244-9776-4935C260F11F}"/>
                 </a:ext>
               </a:extLst>
             </p:cNvPr>
@@ -16455,7 +16455,7 @@
           <p:cNvPr id="14" name="Text Placeholder 2">
             <a:extLst>
               <a:ext uri="{FF2B5EF4-FFF2-40B4-BE49-F238E27FC236}">
-                <a16:creationId xmlns:a16="http://schemas.microsoft.com/office/drawing/2014/main" xmlns="" id="{BE12A846-0DFC-435B-BAE9-D90C353E0344}"/>
+                <a16:creationId xmlns="" xmlns:a16="http://schemas.microsoft.com/office/drawing/2014/main" id="{BE12A846-0DFC-435B-BAE9-D90C353E0344}"/>
               </a:ext>
             </a:extLst>
           </p:cNvPr>
@@ -16592,7 +16592,7 @@
           <p:cNvPr id="17" name="Straight Connector 16">
             <a:extLst>
               <a:ext uri="{FF2B5EF4-FFF2-40B4-BE49-F238E27FC236}">
-                <a16:creationId xmlns:a16="http://schemas.microsoft.com/office/drawing/2014/main" xmlns="" id="{6150998C-CF95-4C6F-8962-8EB2DB30177D}"/>
+                <a16:creationId xmlns="" xmlns:a16="http://schemas.microsoft.com/office/drawing/2014/main" id="{6150998C-CF95-4C6F-8962-8EB2DB30177D}"/>
               </a:ext>
             </a:extLst>
           </p:cNvPr>
@@ -16636,7 +16636,7 @@
           <p:cNvPr id="18" name="Oval 17">
             <a:extLst>
               <a:ext uri="{FF2B5EF4-FFF2-40B4-BE49-F238E27FC236}">
-                <a16:creationId xmlns:a16="http://schemas.microsoft.com/office/drawing/2014/main" xmlns="" id="{F86A2ACD-8CF5-48A3-A678-E213A809B332}"/>
+                <a16:creationId xmlns="" xmlns:a16="http://schemas.microsoft.com/office/drawing/2014/main" id="{F86A2ACD-8CF5-48A3-A678-E213A809B332}"/>
               </a:ext>
             </a:extLst>
           </p:cNvPr>
@@ -16691,7 +16691,7 @@
           <p:cNvPr id="19" name="Straight Connector 18">
             <a:extLst>
               <a:ext uri="{FF2B5EF4-FFF2-40B4-BE49-F238E27FC236}">
-                <a16:creationId xmlns:a16="http://schemas.microsoft.com/office/drawing/2014/main" xmlns="" id="{F00811BB-0E37-4D70-84A5-97B3FBEDCBE6}"/>
+                <a16:creationId xmlns="" xmlns:a16="http://schemas.microsoft.com/office/drawing/2014/main" id="{F00811BB-0E37-4D70-84A5-97B3FBEDCBE6}"/>
               </a:ext>
             </a:extLst>
           </p:cNvPr>
@@ -16737,7 +16737,7 @@
           <p:cNvPr id="20" name="Oval 19">
             <a:extLst>
               <a:ext uri="{FF2B5EF4-FFF2-40B4-BE49-F238E27FC236}">
-                <a16:creationId xmlns:a16="http://schemas.microsoft.com/office/drawing/2014/main" xmlns="" id="{D03B3046-0457-4D23-8E0C-64E3FCD620BB}"/>
+                <a16:creationId xmlns="" xmlns:a16="http://schemas.microsoft.com/office/drawing/2014/main" id="{D03B3046-0457-4D23-8E0C-64E3FCD620BB}"/>
               </a:ext>
             </a:extLst>
           </p:cNvPr>
@@ -16792,7 +16792,7 @@
           <p:cNvPr id="22" name="Text Placeholder 2">
             <a:extLst>
               <a:ext uri="{FF2B5EF4-FFF2-40B4-BE49-F238E27FC236}">
-                <a16:creationId xmlns:a16="http://schemas.microsoft.com/office/drawing/2014/main" xmlns="" id="{F2ACDD32-C1AB-4359-B055-2F910492987E}"/>
+                <a16:creationId xmlns="" xmlns:a16="http://schemas.microsoft.com/office/drawing/2014/main" id="{F2ACDD32-C1AB-4359-B055-2F910492987E}"/>
               </a:ext>
             </a:extLst>
           </p:cNvPr>
@@ -16925,7 +16925,7 @@
           <p:cNvPr id="3" name="Picture Placeholder 2">
             <a:extLst>
               <a:ext uri="{FF2B5EF4-FFF2-40B4-BE49-F238E27FC236}">
-                <a16:creationId xmlns:a16="http://schemas.microsoft.com/office/drawing/2014/main" xmlns="" id="{F6FF07C5-314A-4EA8-B78F-7A51C234D3A1}"/>
+                <a16:creationId xmlns="" xmlns:a16="http://schemas.microsoft.com/office/drawing/2014/main" id="{F6FF07C5-314A-4EA8-B78F-7A51C234D3A1}"/>
               </a:ext>
             </a:extLst>
           </p:cNvPr>
@@ -16977,7 +16977,7 @@
           <p:cNvPr id="23" name="Straight Connector 22">
             <a:extLst>
               <a:ext uri="{FF2B5EF4-FFF2-40B4-BE49-F238E27FC236}">
-                <a16:creationId xmlns:a16="http://schemas.microsoft.com/office/drawing/2014/main" xmlns="" id="{B691060D-E361-43B0-BFD7-43D7CC4E5CCD}"/>
+                <a16:creationId xmlns="" xmlns:a16="http://schemas.microsoft.com/office/drawing/2014/main" id="{B691060D-E361-43B0-BFD7-43D7CC4E5CCD}"/>
               </a:ext>
             </a:extLst>
           </p:cNvPr>
@@ -17020,7 +17020,7 @@
           <p:cNvPr id="40" name="Text Placeholder 2">
             <a:extLst>
               <a:ext uri="{FF2B5EF4-FFF2-40B4-BE49-F238E27FC236}">
-                <a16:creationId xmlns:a16="http://schemas.microsoft.com/office/drawing/2014/main" xmlns="" id="{4A98AB01-9578-4430-96AD-F434AF0CDA20}"/>
+                <a16:creationId xmlns="" xmlns:a16="http://schemas.microsoft.com/office/drawing/2014/main" id="{4A98AB01-9578-4430-96AD-F434AF0CDA20}"/>
               </a:ext>
             </a:extLst>
           </p:cNvPr>
@@ -17157,7 +17157,7 @@
           <p:cNvPr id="41" name="Text Placeholder 2">
             <a:extLst>
               <a:ext uri="{FF2B5EF4-FFF2-40B4-BE49-F238E27FC236}">
-                <a16:creationId xmlns:a16="http://schemas.microsoft.com/office/drawing/2014/main" xmlns="" id="{EF9D60F2-A1FB-4A95-997B-A4F1723AC1EC}"/>
+                <a16:creationId xmlns="" xmlns:a16="http://schemas.microsoft.com/office/drawing/2014/main" id="{EF9D60F2-A1FB-4A95-997B-A4F1723AC1EC}"/>
               </a:ext>
             </a:extLst>
           </p:cNvPr>
@@ -17290,7 +17290,7 @@
           <p:cNvPr id="42" name="Picture Placeholder 2">
             <a:extLst>
               <a:ext uri="{FF2B5EF4-FFF2-40B4-BE49-F238E27FC236}">
-                <a16:creationId xmlns:a16="http://schemas.microsoft.com/office/drawing/2014/main" xmlns="" id="{76A56D2A-42F0-40C5-96D7-B1AC33152A85}"/>
+                <a16:creationId xmlns="" xmlns:a16="http://schemas.microsoft.com/office/drawing/2014/main" id="{76A56D2A-42F0-40C5-96D7-B1AC33152A85}"/>
               </a:ext>
             </a:extLst>
           </p:cNvPr>
@@ -17342,7 +17342,7 @@
           <p:cNvPr id="43" name="Straight Connector 42">
             <a:extLst>
               <a:ext uri="{FF2B5EF4-FFF2-40B4-BE49-F238E27FC236}">
-                <a16:creationId xmlns:a16="http://schemas.microsoft.com/office/drawing/2014/main" xmlns="" id="{CF6D1C91-9136-4678-A712-92BE9B3902C4}"/>
+                <a16:creationId xmlns="" xmlns:a16="http://schemas.microsoft.com/office/drawing/2014/main" id="{CF6D1C91-9136-4678-A712-92BE9B3902C4}"/>
               </a:ext>
             </a:extLst>
           </p:cNvPr>
@@ -17385,7 +17385,7 @@
           <p:cNvPr id="44" name="Text Placeholder 2">
             <a:extLst>
               <a:ext uri="{FF2B5EF4-FFF2-40B4-BE49-F238E27FC236}">
-                <a16:creationId xmlns:a16="http://schemas.microsoft.com/office/drawing/2014/main" xmlns="" id="{BACF15AB-FF8A-422B-840D-88503024E5D3}"/>
+                <a16:creationId xmlns="" xmlns:a16="http://schemas.microsoft.com/office/drawing/2014/main" id="{BACF15AB-FF8A-422B-840D-88503024E5D3}"/>
               </a:ext>
             </a:extLst>
           </p:cNvPr>
@@ -17522,7 +17522,7 @@
           <p:cNvPr id="45" name="Text Placeholder 2">
             <a:extLst>
               <a:ext uri="{FF2B5EF4-FFF2-40B4-BE49-F238E27FC236}">
-                <a16:creationId xmlns:a16="http://schemas.microsoft.com/office/drawing/2014/main" xmlns="" id="{EFC2028F-7DFE-412D-97DF-707D128D95E0}"/>
+                <a16:creationId xmlns="" xmlns:a16="http://schemas.microsoft.com/office/drawing/2014/main" id="{EFC2028F-7DFE-412D-97DF-707D128D95E0}"/>
               </a:ext>
             </a:extLst>
           </p:cNvPr>
@@ -17655,7 +17655,7 @@
           <p:cNvPr id="47" name="Text Placeholder 2">
             <a:extLst>
               <a:ext uri="{FF2B5EF4-FFF2-40B4-BE49-F238E27FC236}">
-                <a16:creationId xmlns:a16="http://schemas.microsoft.com/office/drawing/2014/main" xmlns="" id="{4349A4F0-1181-4A58-BFD4-4783CD130356}"/>
+                <a16:creationId xmlns="" xmlns:a16="http://schemas.microsoft.com/office/drawing/2014/main" id="{4349A4F0-1181-4A58-BFD4-4783CD130356}"/>
               </a:ext>
             </a:extLst>
           </p:cNvPr>
@@ -17792,7 +17792,7 @@
           <p:cNvPr id="48" name="Text Placeholder 2">
             <a:extLst>
               <a:ext uri="{FF2B5EF4-FFF2-40B4-BE49-F238E27FC236}">
-                <a16:creationId xmlns:a16="http://schemas.microsoft.com/office/drawing/2014/main" xmlns="" id="{DC1D5D83-8D32-491F-87EB-9DA9360D4F2B}"/>
+                <a16:creationId xmlns="" xmlns:a16="http://schemas.microsoft.com/office/drawing/2014/main" id="{DC1D5D83-8D32-491F-87EB-9DA9360D4F2B}"/>
               </a:ext>
             </a:extLst>
           </p:cNvPr>
@@ -17925,7 +17925,7 @@
           <p:cNvPr id="50" name="Text Placeholder 2">
             <a:extLst>
               <a:ext uri="{FF2B5EF4-FFF2-40B4-BE49-F238E27FC236}">
-                <a16:creationId xmlns:a16="http://schemas.microsoft.com/office/drawing/2014/main" xmlns="" id="{8120723F-A42C-4B81-97FD-6F575E5C2584}"/>
+                <a16:creationId xmlns="" xmlns:a16="http://schemas.microsoft.com/office/drawing/2014/main" id="{8120723F-A42C-4B81-97FD-6F575E5C2584}"/>
               </a:ext>
             </a:extLst>
           </p:cNvPr>
@@ -18062,7 +18062,7 @@
           <p:cNvPr id="51" name="Text Placeholder 2">
             <a:extLst>
               <a:ext uri="{FF2B5EF4-FFF2-40B4-BE49-F238E27FC236}">
-                <a16:creationId xmlns:a16="http://schemas.microsoft.com/office/drawing/2014/main" xmlns="" id="{27D068F1-398F-4D11-977C-080C8151C786}"/>
+                <a16:creationId xmlns="" xmlns:a16="http://schemas.microsoft.com/office/drawing/2014/main" id="{27D068F1-398F-4D11-977C-080C8151C786}"/>
               </a:ext>
             </a:extLst>
           </p:cNvPr>
@@ -18195,7 +18195,7 @@
           <p:cNvPr id="53" name="Text Placeholder 2">
             <a:extLst>
               <a:ext uri="{FF2B5EF4-FFF2-40B4-BE49-F238E27FC236}">
-                <a16:creationId xmlns:a16="http://schemas.microsoft.com/office/drawing/2014/main" xmlns="" id="{B795705E-C5CB-46CC-9E41-D2269E07BC15}"/>
+                <a16:creationId xmlns="" xmlns:a16="http://schemas.microsoft.com/office/drawing/2014/main" id="{B795705E-C5CB-46CC-9E41-D2269E07BC15}"/>
               </a:ext>
             </a:extLst>
           </p:cNvPr>
@@ -18332,7 +18332,7 @@
           <p:cNvPr id="54" name="Text Placeholder 2">
             <a:extLst>
               <a:ext uri="{FF2B5EF4-FFF2-40B4-BE49-F238E27FC236}">
-                <a16:creationId xmlns:a16="http://schemas.microsoft.com/office/drawing/2014/main" xmlns="" id="{80211A2B-0F3C-4DBE-AE01-069AE7FC3468}"/>
+                <a16:creationId xmlns="" xmlns:a16="http://schemas.microsoft.com/office/drawing/2014/main" id="{80211A2B-0F3C-4DBE-AE01-069AE7FC3468}"/>
               </a:ext>
             </a:extLst>
           </p:cNvPr>
@@ -18465,7 +18465,7 @@
           <p:cNvPr id="56" name="Straight Connector 55">
             <a:extLst>
               <a:ext uri="{FF2B5EF4-FFF2-40B4-BE49-F238E27FC236}">
-                <a16:creationId xmlns:a16="http://schemas.microsoft.com/office/drawing/2014/main" xmlns="" id="{2E5E9742-C670-47AB-AA69-AE65D7915B06}"/>
+                <a16:creationId xmlns="" xmlns:a16="http://schemas.microsoft.com/office/drawing/2014/main" id="{2E5E9742-C670-47AB-AA69-AE65D7915B06}"/>
               </a:ext>
             </a:extLst>
           </p:cNvPr>
@@ -18508,7 +18508,7 @@
           <p:cNvPr id="57" name="Straight Connector 56">
             <a:extLst>
               <a:ext uri="{FF2B5EF4-FFF2-40B4-BE49-F238E27FC236}">
-                <a16:creationId xmlns:a16="http://schemas.microsoft.com/office/drawing/2014/main" xmlns="" id="{158712DB-5183-45D8-9ABB-6E0795658012}"/>
+                <a16:creationId xmlns="" xmlns:a16="http://schemas.microsoft.com/office/drawing/2014/main" id="{158712DB-5183-45D8-9ABB-6E0795658012}"/>
               </a:ext>
             </a:extLst>
           </p:cNvPr>
@@ -18551,7 +18551,7 @@
           <p:cNvPr id="49" name="Picture Placeholder 2">
             <a:extLst>
               <a:ext uri="{FF2B5EF4-FFF2-40B4-BE49-F238E27FC236}">
-                <a16:creationId xmlns:a16="http://schemas.microsoft.com/office/drawing/2014/main" xmlns="" id="{417A32F4-3459-4A31-A90E-AA771FD4D491}"/>
+                <a16:creationId xmlns="" xmlns:a16="http://schemas.microsoft.com/office/drawing/2014/main" id="{417A32F4-3459-4A31-A90E-AA771FD4D491}"/>
               </a:ext>
             </a:extLst>
           </p:cNvPr>
@@ -18606,7 +18606,7 @@
           <p:cNvPr id="55" name="Picture Placeholder 2">
             <a:extLst>
               <a:ext uri="{FF2B5EF4-FFF2-40B4-BE49-F238E27FC236}">
-                <a16:creationId xmlns:a16="http://schemas.microsoft.com/office/drawing/2014/main" xmlns="" id="{63549FA7-92E5-4DB1-92FA-15902DFD3753}"/>
+                <a16:creationId xmlns="" xmlns:a16="http://schemas.microsoft.com/office/drawing/2014/main" id="{63549FA7-92E5-4DB1-92FA-15902DFD3753}"/>
               </a:ext>
             </a:extLst>
           </p:cNvPr>
@@ -18661,7 +18661,7 @@
           <p:cNvPr id="46" name="Picture Placeholder 2">
             <a:extLst>
               <a:ext uri="{FF2B5EF4-FFF2-40B4-BE49-F238E27FC236}">
-                <a16:creationId xmlns:a16="http://schemas.microsoft.com/office/drawing/2014/main" xmlns="" id="{0F62D330-6A30-4A65-89DA-EDFE4AAD343E}"/>
+                <a16:creationId xmlns="" xmlns:a16="http://schemas.microsoft.com/office/drawing/2014/main" id="{0F62D330-6A30-4A65-89DA-EDFE4AAD343E}"/>
               </a:ext>
             </a:extLst>
           </p:cNvPr>
@@ -18716,7 +18716,7 @@
           <p:cNvPr id="52" name="Picture Placeholder 2">
             <a:extLst>
               <a:ext uri="{FF2B5EF4-FFF2-40B4-BE49-F238E27FC236}">
-                <a16:creationId xmlns:a16="http://schemas.microsoft.com/office/drawing/2014/main" xmlns="" id="{A3FC286B-05E7-4E48-A7FD-197800349118}"/>
+                <a16:creationId xmlns="" xmlns:a16="http://schemas.microsoft.com/office/drawing/2014/main" id="{A3FC286B-05E7-4E48-A7FD-197800349118}"/>
               </a:ext>
             </a:extLst>
           </p:cNvPr>
@@ -18801,7 +18801,7 @@
           <p:cNvPr id="8" name="Picture Placeholder 7">
             <a:extLst>
               <a:ext uri="{FF2B5EF4-FFF2-40B4-BE49-F238E27FC236}">
-                <a16:creationId xmlns:a16="http://schemas.microsoft.com/office/drawing/2014/main" xmlns="" id="{C799DC18-D353-427C-B849-0204F13D9B3D}"/>
+                <a16:creationId xmlns="" xmlns:a16="http://schemas.microsoft.com/office/drawing/2014/main" id="{C799DC18-D353-427C-B849-0204F13D9B3D}"/>
               </a:ext>
             </a:extLst>
           </p:cNvPr>
@@ -18842,7 +18842,7 @@
           <p:cNvPr id="7" name="Rectangle 6">
             <a:extLst>
               <a:ext uri="{FF2B5EF4-FFF2-40B4-BE49-F238E27FC236}">
-                <a16:creationId xmlns:a16="http://schemas.microsoft.com/office/drawing/2014/main" xmlns="" id="{45015858-8549-49EA-BB83-070E0D9D4890}"/>
+                <a16:creationId xmlns="" xmlns:a16="http://schemas.microsoft.com/office/drawing/2014/main" id="{45015858-8549-49EA-BB83-070E0D9D4890}"/>
               </a:ext>
             </a:extLst>
           </p:cNvPr>
@@ -18909,7 +18909,7 @@
           <p:cNvPr id="2" name="Title 1">
             <a:extLst>
               <a:ext uri="{FF2B5EF4-FFF2-40B4-BE49-F238E27FC236}">
-                <a16:creationId xmlns:a16="http://schemas.microsoft.com/office/drawing/2014/main" xmlns="" id="{2206FBAC-B8FD-4768-B682-E0B93BA33105}"/>
+                <a16:creationId xmlns="" xmlns:a16="http://schemas.microsoft.com/office/drawing/2014/main" id="{2206FBAC-B8FD-4768-B682-E0B93BA33105}"/>
               </a:ext>
             </a:extLst>
           </p:cNvPr>
@@ -18962,7 +18962,7 @@
           <p:cNvPr id="4" name="Date Placeholder 3">
             <a:extLst>
               <a:ext uri="{FF2B5EF4-FFF2-40B4-BE49-F238E27FC236}">
-                <a16:creationId xmlns:a16="http://schemas.microsoft.com/office/drawing/2014/main" xmlns="" id="{2472534F-03A6-408A-9BF1-303D0A440BA4}"/>
+                <a16:creationId xmlns="" xmlns:a16="http://schemas.microsoft.com/office/drawing/2014/main" id="{2472534F-03A6-408A-9BF1-303D0A440BA4}"/>
               </a:ext>
             </a:extLst>
           </p:cNvPr>
@@ -18990,7 +18990,7 @@
           <p:cNvPr id="5" name="Footer Placeholder 4">
             <a:extLst>
               <a:ext uri="{FF2B5EF4-FFF2-40B4-BE49-F238E27FC236}">
-                <a16:creationId xmlns:a16="http://schemas.microsoft.com/office/drawing/2014/main" xmlns="" id="{0A24E181-0C50-4F43-A5A7-6FDD1500C708}"/>
+                <a16:creationId xmlns="" xmlns:a16="http://schemas.microsoft.com/office/drawing/2014/main" id="{0A24E181-0C50-4F43-A5A7-6FDD1500C708}"/>
               </a:ext>
             </a:extLst>
           </p:cNvPr>
@@ -19018,7 +19018,7 @@
           <p:cNvPr id="6" name="Slide Number Placeholder 5">
             <a:extLst>
               <a:ext uri="{FF2B5EF4-FFF2-40B4-BE49-F238E27FC236}">
-                <a16:creationId xmlns:a16="http://schemas.microsoft.com/office/drawing/2014/main" xmlns="" id="{13A749CC-EB55-4FEF-AA4C-9A9C6E2AA9C0}"/>
+                <a16:creationId xmlns="" xmlns:a16="http://schemas.microsoft.com/office/drawing/2014/main" id="{13A749CC-EB55-4FEF-AA4C-9A9C6E2AA9C0}"/>
               </a:ext>
             </a:extLst>
           </p:cNvPr>
@@ -19047,7 +19047,7 @@
           <p:cNvPr id="9" name="Group 8">
             <a:extLst>
               <a:ext uri="{FF2B5EF4-FFF2-40B4-BE49-F238E27FC236}">
-                <a16:creationId xmlns:a16="http://schemas.microsoft.com/office/drawing/2014/main" xmlns="" id="{6F3E26A6-6962-4A35-AA86-805537D45296}"/>
+                <a16:creationId xmlns="" xmlns:a16="http://schemas.microsoft.com/office/drawing/2014/main" id="{6F3E26A6-6962-4A35-AA86-805537D45296}"/>
               </a:ext>
             </a:extLst>
           </p:cNvPr>
@@ -19067,7 +19067,7 @@
             <p:cNvPr id="10" name="Oval 9">
               <a:extLst>
                 <a:ext uri="{FF2B5EF4-FFF2-40B4-BE49-F238E27FC236}">
-                  <a16:creationId xmlns:a16="http://schemas.microsoft.com/office/drawing/2014/main" xmlns="" id="{681504C4-12AC-4251-8E47-0089784BDB9B}"/>
+                  <a16:creationId xmlns="" xmlns:a16="http://schemas.microsoft.com/office/drawing/2014/main" id="{681504C4-12AC-4251-8E47-0089784BDB9B}"/>
                 </a:ext>
               </a:extLst>
             </p:cNvPr>
@@ -19122,7 +19122,7 @@
             <p:cNvPr id="11" name="Straight Connector 10">
               <a:extLst>
                 <a:ext uri="{FF2B5EF4-FFF2-40B4-BE49-F238E27FC236}">
-                  <a16:creationId xmlns:a16="http://schemas.microsoft.com/office/drawing/2014/main" xmlns="" id="{192040D0-01C2-4643-8F84-3B8F334E545C}"/>
+                  <a16:creationId xmlns="" xmlns:a16="http://schemas.microsoft.com/office/drawing/2014/main" id="{192040D0-01C2-4643-8F84-3B8F334E545C}"/>
                 </a:ext>
               </a:extLst>
             </p:cNvPr>
@@ -19166,7 +19166,7 @@
             <p:cNvPr id="12" name="Oval 11">
               <a:extLst>
                 <a:ext uri="{FF2B5EF4-FFF2-40B4-BE49-F238E27FC236}">
-                  <a16:creationId xmlns:a16="http://schemas.microsoft.com/office/drawing/2014/main" xmlns="" id="{7ED601E9-2BFC-460B-A2A8-69A787A4988E}"/>
+                  <a16:creationId xmlns="" xmlns:a16="http://schemas.microsoft.com/office/drawing/2014/main" id="{7ED601E9-2BFC-460B-A2A8-69A787A4988E}"/>
                 </a:ext>
               </a:extLst>
             </p:cNvPr>
@@ -19222,7 +19222,7 @@
           <p:cNvPr id="13" name="Group 12">
             <a:extLst>
               <a:ext uri="{FF2B5EF4-FFF2-40B4-BE49-F238E27FC236}">
-                <a16:creationId xmlns:a16="http://schemas.microsoft.com/office/drawing/2014/main" xmlns="" id="{BB49A8A6-FEDB-4D20-B581-A84DB8EFE977}"/>
+                <a16:creationId xmlns="" xmlns:a16="http://schemas.microsoft.com/office/drawing/2014/main" id="{BB49A8A6-FEDB-4D20-B581-A84DB8EFE977}"/>
               </a:ext>
             </a:extLst>
           </p:cNvPr>
@@ -19242,7 +19242,7 @@
             <p:cNvPr id="14" name="Oval 13">
               <a:extLst>
                 <a:ext uri="{FF2B5EF4-FFF2-40B4-BE49-F238E27FC236}">
-                  <a16:creationId xmlns:a16="http://schemas.microsoft.com/office/drawing/2014/main" xmlns="" id="{C2F65998-5EC3-446A-8307-1CF81A348CE3}"/>
+                  <a16:creationId xmlns="" xmlns:a16="http://schemas.microsoft.com/office/drawing/2014/main" id="{C2F65998-5EC3-446A-8307-1CF81A348CE3}"/>
                 </a:ext>
               </a:extLst>
             </p:cNvPr>
@@ -19297,7 +19297,7 @@
             <p:cNvPr id="15" name="Straight Connector 14">
               <a:extLst>
                 <a:ext uri="{FF2B5EF4-FFF2-40B4-BE49-F238E27FC236}">
-                  <a16:creationId xmlns:a16="http://schemas.microsoft.com/office/drawing/2014/main" xmlns="" id="{7CC5D776-F60A-4A0C-AA7C-EFACDA2CEA88}"/>
+                  <a16:creationId xmlns="" xmlns:a16="http://schemas.microsoft.com/office/drawing/2014/main" id="{7CC5D776-F60A-4A0C-AA7C-EFACDA2CEA88}"/>
                 </a:ext>
               </a:extLst>
             </p:cNvPr>
@@ -19341,7 +19341,7 @@
             <p:cNvPr id="16" name="Oval 15">
               <a:extLst>
                 <a:ext uri="{FF2B5EF4-FFF2-40B4-BE49-F238E27FC236}">
-                  <a16:creationId xmlns:a16="http://schemas.microsoft.com/office/drawing/2014/main" xmlns="" id="{AEAFE309-55C5-409C-92ED-748307C74318}"/>
+                  <a16:creationId xmlns="" xmlns:a16="http://schemas.microsoft.com/office/drawing/2014/main" id="{AEAFE309-55C5-409C-92ED-748307C74318}"/>
                 </a:ext>
               </a:extLst>
             </p:cNvPr>
@@ -19397,7 +19397,7 @@
           <p:cNvPr id="17" name="Subtitle 2">
             <a:extLst>
               <a:ext uri="{FF2B5EF4-FFF2-40B4-BE49-F238E27FC236}">
-                <a16:creationId xmlns:a16="http://schemas.microsoft.com/office/drawing/2014/main" xmlns="" id="{5B77B20B-76F5-4912-803D-5709F730D4FB}"/>
+                <a16:creationId xmlns="" xmlns:a16="http://schemas.microsoft.com/office/drawing/2014/main" id="{5B77B20B-76F5-4912-803D-5709F730D4FB}"/>
               </a:ext>
             </a:extLst>
           </p:cNvPr>
@@ -19478,7 +19478,7 @@
           <p:cNvPr id="18" name="Picture Placeholder 9">
             <a:extLst>
               <a:ext uri="{FF2B5EF4-FFF2-40B4-BE49-F238E27FC236}">
-                <a16:creationId xmlns:a16="http://schemas.microsoft.com/office/drawing/2014/main" xmlns="" id="{4293BA4F-7776-4C41-BE4F-7247935D5CCC}"/>
+                <a16:creationId xmlns="" xmlns:a16="http://schemas.microsoft.com/office/drawing/2014/main" id="{4293BA4F-7776-4C41-BE4F-7247935D5CCC}"/>
               </a:ext>
             </a:extLst>
           </p:cNvPr>
@@ -19549,7 +19549,7 @@
           <p:cNvPr id="7" name="Rectangle 6">
             <a:extLst>
               <a:ext uri="{FF2B5EF4-FFF2-40B4-BE49-F238E27FC236}">
-                <a16:creationId xmlns:a16="http://schemas.microsoft.com/office/drawing/2014/main" xmlns="" id="{09F1B35C-893A-4033-ADC0-2192AFA29271}"/>
+                <a16:creationId xmlns="" xmlns:a16="http://schemas.microsoft.com/office/drawing/2014/main" id="{09F1B35C-893A-4033-ADC0-2192AFA29271}"/>
               </a:ext>
             </a:extLst>
           </p:cNvPr>
@@ -19616,7 +19616,7 @@
           <p:cNvPr id="2" name="Title 1">
             <a:extLst>
               <a:ext uri="{FF2B5EF4-FFF2-40B4-BE49-F238E27FC236}">
-                <a16:creationId xmlns:a16="http://schemas.microsoft.com/office/drawing/2014/main" xmlns="" id="{CD637DF8-B064-4F36-89F8-EBF538A2E7F2}"/>
+                <a16:creationId xmlns="" xmlns:a16="http://schemas.microsoft.com/office/drawing/2014/main" id="{CD637DF8-B064-4F36-89F8-EBF538A2E7F2}"/>
               </a:ext>
             </a:extLst>
           </p:cNvPr>
@@ -19655,7 +19655,7 @@
           <p:cNvPr id="3" name="Text Placeholder 2">
             <a:extLst>
               <a:ext uri="{FF2B5EF4-FFF2-40B4-BE49-F238E27FC236}">
-                <a16:creationId xmlns:a16="http://schemas.microsoft.com/office/drawing/2014/main" xmlns="" id="{8A72532A-5006-46B7-AE99-3A6891CD0254}"/>
+                <a16:creationId xmlns="" xmlns:a16="http://schemas.microsoft.com/office/drawing/2014/main" id="{8A72532A-5006-46B7-AE99-3A6891CD0254}"/>
               </a:ext>
             </a:extLst>
           </p:cNvPr>
@@ -19785,7 +19785,7 @@
           <p:cNvPr id="4" name="Date Placeholder 3">
             <a:extLst>
               <a:ext uri="{FF2B5EF4-FFF2-40B4-BE49-F238E27FC236}">
-                <a16:creationId xmlns:a16="http://schemas.microsoft.com/office/drawing/2014/main" xmlns="" id="{49EFC6D7-3241-401C-A16A-4A7CC2653954}"/>
+                <a16:creationId xmlns="" xmlns:a16="http://schemas.microsoft.com/office/drawing/2014/main" id="{49EFC6D7-3241-401C-A16A-4A7CC2653954}"/>
               </a:ext>
             </a:extLst>
           </p:cNvPr>
@@ -19813,7 +19813,7 @@
           <p:cNvPr id="5" name="Footer Placeholder 4">
             <a:extLst>
               <a:ext uri="{FF2B5EF4-FFF2-40B4-BE49-F238E27FC236}">
-                <a16:creationId xmlns:a16="http://schemas.microsoft.com/office/drawing/2014/main" xmlns="" id="{F345D6DC-ABA5-4D00-9CD3-92FFDD1FA2DC}"/>
+                <a16:creationId xmlns="" xmlns:a16="http://schemas.microsoft.com/office/drawing/2014/main" id="{F345D6DC-ABA5-4D00-9CD3-92FFDD1FA2DC}"/>
               </a:ext>
             </a:extLst>
           </p:cNvPr>
@@ -19841,7 +19841,7 @@
           <p:cNvPr id="6" name="Slide Number Placeholder 5">
             <a:extLst>
               <a:ext uri="{FF2B5EF4-FFF2-40B4-BE49-F238E27FC236}">
-                <a16:creationId xmlns:a16="http://schemas.microsoft.com/office/drawing/2014/main" xmlns="" id="{92459C86-0106-40E0-AA18-795EC5787677}"/>
+                <a16:creationId xmlns="" xmlns:a16="http://schemas.microsoft.com/office/drawing/2014/main" id="{92459C86-0106-40E0-AA18-795EC5787677}"/>
               </a:ext>
             </a:extLst>
           </p:cNvPr>
@@ -19870,7 +19870,7 @@
           <p:cNvPr id="11" name="Picture Placeholder 10">
             <a:extLst>
               <a:ext uri="{FF2B5EF4-FFF2-40B4-BE49-F238E27FC236}">
-                <a16:creationId xmlns:a16="http://schemas.microsoft.com/office/drawing/2014/main" xmlns="" id="{6D14F7B3-A6CF-491C-9855-75B5784CC456}"/>
+                <a16:creationId xmlns="" xmlns:a16="http://schemas.microsoft.com/office/drawing/2014/main" id="{6D14F7B3-A6CF-491C-9855-75B5784CC456}"/>
               </a:ext>
             </a:extLst>
           </p:cNvPr>
@@ -19911,7 +19911,7 @@
           <p:cNvPr id="15" name="Group 14">
             <a:extLst>
               <a:ext uri="{FF2B5EF4-FFF2-40B4-BE49-F238E27FC236}">
-                <a16:creationId xmlns:a16="http://schemas.microsoft.com/office/drawing/2014/main" xmlns="" id="{B7317392-EF87-4050-8BBE-32F74B0CF15A}"/>
+                <a16:creationId xmlns="" xmlns:a16="http://schemas.microsoft.com/office/drawing/2014/main" id="{B7317392-EF87-4050-8BBE-32F74B0CF15A}"/>
               </a:ext>
             </a:extLst>
           </p:cNvPr>
@@ -19931,7 +19931,7 @@
             <p:cNvPr id="13" name="Straight Connector 12">
               <a:extLst>
                 <a:ext uri="{FF2B5EF4-FFF2-40B4-BE49-F238E27FC236}">
-                  <a16:creationId xmlns:a16="http://schemas.microsoft.com/office/drawing/2014/main" xmlns="" id="{785A4134-866D-4143-AC1E-8A2FFDB49855}"/>
+                  <a16:creationId xmlns="" xmlns:a16="http://schemas.microsoft.com/office/drawing/2014/main" id="{785A4134-866D-4143-AC1E-8A2FFDB49855}"/>
                 </a:ext>
               </a:extLst>
             </p:cNvPr>
@@ -19977,7 +19977,7 @@
             <p:cNvPr id="14" name="Oval 13">
               <a:extLst>
                 <a:ext uri="{FF2B5EF4-FFF2-40B4-BE49-F238E27FC236}">
-                  <a16:creationId xmlns:a16="http://schemas.microsoft.com/office/drawing/2014/main" xmlns="" id="{1BBC5D9C-B8FB-455B-9398-36DB21F2765E}"/>
+                  <a16:creationId xmlns="" xmlns:a16="http://schemas.microsoft.com/office/drawing/2014/main" id="{1BBC5D9C-B8FB-455B-9398-36DB21F2765E}"/>
                 </a:ext>
               </a:extLst>
             </p:cNvPr>
@@ -20038,7 +20038,7 @@
           <p:cNvPr id="17" name="Oval 16">
             <a:extLst>
               <a:ext uri="{FF2B5EF4-FFF2-40B4-BE49-F238E27FC236}">
-                <a16:creationId xmlns:a16="http://schemas.microsoft.com/office/drawing/2014/main" xmlns="" id="{72225750-E4CE-4A81-A0C3-4023030D637E}"/>
+                <a16:creationId xmlns="" xmlns:a16="http://schemas.microsoft.com/office/drawing/2014/main" id="{72225750-E4CE-4A81-A0C3-4023030D637E}"/>
               </a:ext>
             </a:extLst>
           </p:cNvPr>
@@ -20093,7 +20093,7 @@
           <p:cNvPr id="18" name="Straight Connector 17">
             <a:extLst>
               <a:ext uri="{FF2B5EF4-FFF2-40B4-BE49-F238E27FC236}">
-                <a16:creationId xmlns:a16="http://schemas.microsoft.com/office/drawing/2014/main" xmlns="" id="{3819C324-07DF-49DB-A08C-0E6155CE3041}"/>
+                <a16:creationId xmlns="" xmlns:a16="http://schemas.microsoft.com/office/drawing/2014/main" id="{3819C324-07DF-49DB-A08C-0E6155CE3041}"/>
               </a:ext>
             </a:extLst>
           </p:cNvPr>
@@ -20137,7 +20137,7 @@
           <p:cNvPr id="19" name="Oval 18">
             <a:extLst>
               <a:ext uri="{FF2B5EF4-FFF2-40B4-BE49-F238E27FC236}">
-                <a16:creationId xmlns:a16="http://schemas.microsoft.com/office/drawing/2014/main" xmlns="" id="{75A34025-44F2-4A09-8629-F1794E9D35AF}"/>
+                <a16:creationId xmlns="" xmlns:a16="http://schemas.microsoft.com/office/drawing/2014/main" id="{75A34025-44F2-4A09-8629-F1794E9D35AF}"/>
               </a:ext>
             </a:extLst>
           </p:cNvPr>
@@ -20192,7 +20192,7 @@
           <p:cNvPr id="20" name="Straight Connector 19">
             <a:extLst>
               <a:ext uri="{FF2B5EF4-FFF2-40B4-BE49-F238E27FC236}">
-                <a16:creationId xmlns:a16="http://schemas.microsoft.com/office/drawing/2014/main" xmlns="" id="{815854A2-EAE9-4B2A-84CF-5A4BD753863A}"/>
+                <a16:creationId xmlns="" xmlns:a16="http://schemas.microsoft.com/office/drawing/2014/main" id="{815854A2-EAE9-4B2A-84CF-5A4BD753863A}"/>
               </a:ext>
             </a:extLst>
           </p:cNvPr>
@@ -20238,7 +20238,7 @@
           <p:cNvPr id="36" name="Text Placeholder 2">
             <a:extLst>
               <a:ext uri="{FF2B5EF4-FFF2-40B4-BE49-F238E27FC236}">
-                <a16:creationId xmlns:a16="http://schemas.microsoft.com/office/drawing/2014/main" xmlns="" id="{9A5180A6-7D2B-4341-A749-16387D907EEF}"/>
+                <a16:creationId xmlns="" xmlns:a16="http://schemas.microsoft.com/office/drawing/2014/main" id="{9A5180A6-7D2B-4341-A749-16387D907EEF}"/>
               </a:ext>
             </a:extLst>
           </p:cNvPr>
@@ -20319,7 +20319,7 @@
           <p:cNvPr id="37" name="Text Placeholder 2">
             <a:extLst>
               <a:ext uri="{FF2B5EF4-FFF2-40B4-BE49-F238E27FC236}">
-                <a16:creationId xmlns:a16="http://schemas.microsoft.com/office/drawing/2014/main" xmlns="" id="{79DFBEE7-50AA-4F4F-8B5D-AD23ECAD9919}"/>
+                <a16:creationId xmlns="" xmlns:a16="http://schemas.microsoft.com/office/drawing/2014/main" id="{79DFBEE7-50AA-4F4F-8B5D-AD23ECAD9919}"/>
               </a:ext>
             </a:extLst>
           </p:cNvPr>
@@ -20401,7 +20401,7 @@
           <p:cNvPr id="39" name="Text Placeholder 2">
             <a:extLst>
               <a:ext uri="{FF2B5EF4-FFF2-40B4-BE49-F238E27FC236}">
-                <a16:creationId xmlns:a16="http://schemas.microsoft.com/office/drawing/2014/main" xmlns="" id="{306EAF0C-F17D-47D6-BAA1-16745F4F70D9}"/>
+                <a16:creationId xmlns="" xmlns:a16="http://schemas.microsoft.com/office/drawing/2014/main" id="{306EAF0C-F17D-47D6-BAA1-16745F4F70D9}"/>
               </a:ext>
             </a:extLst>
           </p:cNvPr>
@@ -20482,7 +20482,7 @@
           <p:cNvPr id="40" name="Text Placeholder 2">
             <a:extLst>
               <a:ext uri="{FF2B5EF4-FFF2-40B4-BE49-F238E27FC236}">
-                <a16:creationId xmlns:a16="http://schemas.microsoft.com/office/drawing/2014/main" xmlns="" id="{D091E31C-C1DC-4D72-8C9E-3B6BD91E72AF}"/>
+                <a16:creationId xmlns="" xmlns:a16="http://schemas.microsoft.com/office/drawing/2014/main" id="{D091E31C-C1DC-4D72-8C9E-3B6BD91E72AF}"/>
               </a:ext>
             </a:extLst>
           </p:cNvPr>
@@ -20564,7 +20564,7 @@
           <p:cNvPr id="42" name="Text Placeholder 2">
             <a:extLst>
               <a:ext uri="{FF2B5EF4-FFF2-40B4-BE49-F238E27FC236}">
-                <a16:creationId xmlns:a16="http://schemas.microsoft.com/office/drawing/2014/main" xmlns="" id="{F62E753C-C8BE-457D-9B22-6A8227347A67}"/>
+                <a16:creationId xmlns="" xmlns:a16="http://schemas.microsoft.com/office/drawing/2014/main" id="{F62E753C-C8BE-457D-9B22-6A8227347A67}"/>
               </a:ext>
             </a:extLst>
           </p:cNvPr>
@@ -20645,7 +20645,7 @@
           <p:cNvPr id="43" name="Text Placeholder 2">
             <a:extLst>
               <a:ext uri="{FF2B5EF4-FFF2-40B4-BE49-F238E27FC236}">
-                <a16:creationId xmlns:a16="http://schemas.microsoft.com/office/drawing/2014/main" xmlns="" id="{BC1E8F6C-0BDD-4AFA-9E8D-5EF61AA59F50}"/>
+                <a16:creationId xmlns="" xmlns:a16="http://schemas.microsoft.com/office/drawing/2014/main" id="{BC1E8F6C-0BDD-4AFA-9E8D-5EF61AA59F50}"/>
               </a:ext>
             </a:extLst>
           </p:cNvPr>
@@ -20727,7 +20727,7 @@
           <p:cNvPr id="45" name="Text Placeholder 2">
             <a:extLst>
               <a:ext uri="{FF2B5EF4-FFF2-40B4-BE49-F238E27FC236}">
-                <a16:creationId xmlns:a16="http://schemas.microsoft.com/office/drawing/2014/main" xmlns="" id="{C70C9772-55FF-4449-988F-6CDDE075E730}"/>
+                <a16:creationId xmlns="" xmlns:a16="http://schemas.microsoft.com/office/drawing/2014/main" id="{C70C9772-55FF-4449-988F-6CDDE075E730}"/>
               </a:ext>
             </a:extLst>
           </p:cNvPr>
@@ -20808,7 +20808,7 @@
           <p:cNvPr id="46" name="Text Placeholder 2">
             <a:extLst>
               <a:ext uri="{FF2B5EF4-FFF2-40B4-BE49-F238E27FC236}">
-                <a16:creationId xmlns:a16="http://schemas.microsoft.com/office/drawing/2014/main" xmlns="" id="{75EE6DCE-6A55-4D95-85F7-E22E3E268256}"/>
+                <a16:creationId xmlns="" xmlns:a16="http://schemas.microsoft.com/office/drawing/2014/main" id="{75EE6DCE-6A55-4D95-85F7-E22E3E268256}"/>
               </a:ext>
             </a:extLst>
           </p:cNvPr>
@@ -20890,7 +20890,7 @@
           <p:cNvPr id="48" name="Text Placeholder 2">
             <a:extLst>
               <a:ext uri="{FF2B5EF4-FFF2-40B4-BE49-F238E27FC236}">
-                <a16:creationId xmlns:a16="http://schemas.microsoft.com/office/drawing/2014/main" xmlns="" id="{84DC7882-7541-4AEA-95FE-DDBCF6F9CA32}"/>
+                <a16:creationId xmlns="" xmlns:a16="http://schemas.microsoft.com/office/drawing/2014/main" id="{84DC7882-7541-4AEA-95FE-DDBCF6F9CA32}"/>
               </a:ext>
             </a:extLst>
           </p:cNvPr>
@@ -20971,7 +20971,7 @@
           <p:cNvPr id="49" name="Text Placeholder 2">
             <a:extLst>
               <a:ext uri="{FF2B5EF4-FFF2-40B4-BE49-F238E27FC236}">
-                <a16:creationId xmlns:a16="http://schemas.microsoft.com/office/drawing/2014/main" xmlns="" id="{5542D500-4CD6-4FDE-9133-F8020797D9B5}"/>
+                <a16:creationId xmlns="" xmlns:a16="http://schemas.microsoft.com/office/drawing/2014/main" id="{5542D500-4CD6-4FDE-9133-F8020797D9B5}"/>
               </a:ext>
             </a:extLst>
           </p:cNvPr>
@@ -21053,7 +21053,7 @@
           <p:cNvPr id="51" name="Text Placeholder 2">
             <a:extLst>
               <a:ext uri="{FF2B5EF4-FFF2-40B4-BE49-F238E27FC236}">
-                <a16:creationId xmlns:a16="http://schemas.microsoft.com/office/drawing/2014/main" xmlns="" id="{500C362B-BA02-4F7D-86F6-3F6F2EF20D04}"/>
+                <a16:creationId xmlns="" xmlns:a16="http://schemas.microsoft.com/office/drawing/2014/main" id="{500C362B-BA02-4F7D-86F6-3F6F2EF20D04}"/>
               </a:ext>
             </a:extLst>
           </p:cNvPr>
@@ -21134,7 +21134,7 @@
           <p:cNvPr id="52" name="Text Placeholder 2">
             <a:extLst>
               <a:ext uri="{FF2B5EF4-FFF2-40B4-BE49-F238E27FC236}">
-                <a16:creationId xmlns:a16="http://schemas.microsoft.com/office/drawing/2014/main" xmlns="" id="{E213E497-634E-40E7-BF08-765CC21529E2}"/>
+                <a16:creationId xmlns="" xmlns:a16="http://schemas.microsoft.com/office/drawing/2014/main" id="{E213E497-634E-40E7-BF08-765CC21529E2}"/>
               </a:ext>
             </a:extLst>
           </p:cNvPr>
@@ -21216,7 +21216,7 @@
           <p:cNvPr id="8" name="Oval 7">
             <a:extLst>
               <a:ext uri="{FF2B5EF4-FFF2-40B4-BE49-F238E27FC236}">
-                <a16:creationId xmlns:a16="http://schemas.microsoft.com/office/drawing/2014/main" xmlns="" id="{FA01C659-0131-449B-BA07-5BC568F00BF0}"/>
+                <a16:creationId xmlns="" xmlns:a16="http://schemas.microsoft.com/office/drawing/2014/main" id="{FA01C659-0131-449B-BA07-5BC568F00BF0}"/>
               </a:ext>
             </a:extLst>
           </p:cNvPr>
@@ -21273,7 +21273,7 @@
           <p:cNvPr id="54" name="Oval 53">
             <a:extLst>
               <a:ext uri="{FF2B5EF4-FFF2-40B4-BE49-F238E27FC236}">
-                <a16:creationId xmlns:a16="http://schemas.microsoft.com/office/drawing/2014/main" xmlns="" id="{69CB80EA-A8D6-4099-9412-0C14095755FF}"/>
+                <a16:creationId xmlns="" xmlns:a16="http://schemas.microsoft.com/office/drawing/2014/main" id="{69CB80EA-A8D6-4099-9412-0C14095755FF}"/>
               </a:ext>
             </a:extLst>
           </p:cNvPr>
@@ -21330,7 +21330,7 @@
           <p:cNvPr id="55" name="Oval 54">
             <a:extLst>
               <a:ext uri="{FF2B5EF4-FFF2-40B4-BE49-F238E27FC236}">
-                <a16:creationId xmlns:a16="http://schemas.microsoft.com/office/drawing/2014/main" xmlns="" id="{2E20CCE5-B889-49FE-8FA6-A6F0F11A5D91}"/>
+                <a16:creationId xmlns="" xmlns:a16="http://schemas.microsoft.com/office/drawing/2014/main" id="{2E20CCE5-B889-49FE-8FA6-A6F0F11A5D91}"/>
               </a:ext>
             </a:extLst>
           </p:cNvPr>
@@ -21390,7 +21390,7 @@
           <p:cNvPr id="56" name="Oval 55">
             <a:extLst>
               <a:ext uri="{FF2B5EF4-FFF2-40B4-BE49-F238E27FC236}">
-                <a16:creationId xmlns:a16="http://schemas.microsoft.com/office/drawing/2014/main" xmlns="" id="{769A77E3-4AFB-45BB-8FDC-4AD084EA9D23}"/>
+                <a16:creationId xmlns="" xmlns:a16="http://schemas.microsoft.com/office/drawing/2014/main" id="{769A77E3-4AFB-45BB-8FDC-4AD084EA9D23}"/>
               </a:ext>
             </a:extLst>
           </p:cNvPr>
@@ -21447,7 +21447,7 @@
           <p:cNvPr id="57" name="Oval 56">
             <a:extLst>
               <a:ext uri="{FF2B5EF4-FFF2-40B4-BE49-F238E27FC236}">
-                <a16:creationId xmlns:a16="http://schemas.microsoft.com/office/drawing/2014/main" xmlns="" id="{53A8B986-3280-4EAC-846B-9167ECC55646}"/>
+                <a16:creationId xmlns="" xmlns:a16="http://schemas.microsoft.com/office/drawing/2014/main" id="{53A8B986-3280-4EAC-846B-9167ECC55646}"/>
               </a:ext>
             </a:extLst>
           </p:cNvPr>
@@ -21504,7 +21504,7 @@
           <p:cNvPr id="58" name="Oval 57">
             <a:extLst>
               <a:ext uri="{FF2B5EF4-FFF2-40B4-BE49-F238E27FC236}">
-                <a16:creationId xmlns:a16="http://schemas.microsoft.com/office/drawing/2014/main" xmlns="" id="{0AE6D315-5EC0-4956-B7BF-B94D2AFE679B}"/>
+                <a16:creationId xmlns="" xmlns:a16="http://schemas.microsoft.com/office/drawing/2014/main" id="{0AE6D315-5EC0-4956-B7BF-B94D2AFE679B}"/>
               </a:ext>
             </a:extLst>
           </p:cNvPr>
@@ -21564,7 +21564,7 @@
           <p:cNvPr id="12" name="Chart Placeholder 11">
             <a:extLst>
               <a:ext uri="{FF2B5EF4-FFF2-40B4-BE49-F238E27FC236}">
-                <a16:creationId xmlns:a16="http://schemas.microsoft.com/office/drawing/2014/main" xmlns="" id="{9ED8422E-0C74-45EF-B794-252146C6639A}"/>
+                <a16:creationId xmlns="" xmlns:a16="http://schemas.microsoft.com/office/drawing/2014/main" id="{9ED8422E-0C74-45EF-B794-252146C6639A}"/>
               </a:ext>
             </a:extLst>
           </p:cNvPr>
@@ -21605,7 +21605,7 @@
           <p:cNvPr id="35" name="Oval 34">
             <a:extLst>
               <a:ext uri="{FF2B5EF4-FFF2-40B4-BE49-F238E27FC236}">
-                <a16:creationId xmlns:a16="http://schemas.microsoft.com/office/drawing/2014/main" xmlns="" id="{E8B7C827-F016-49F6-B775-FAC0E6420466}"/>
+                <a16:creationId xmlns="" xmlns:a16="http://schemas.microsoft.com/office/drawing/2014/main" id="{E8B7C827-F016-49F6-B775-FAC0E6420466}"/>
               </a:ext>
             </a:extLst>
           </p:cNvPr>
@@ -21662,7 +21662,7 @@
           <p:cNvPr id="38" name="Oval 37">
             <a:extLst>
               <a:ext uri="{FF2B5EF4-FFF2-40B4-BE49-F238E27FC236}">
-                <a16:creationId xmlns:a16="http://schemas.microsoft.com/office/drawing/2014/main" xmlns="" id="{C0F8D2C7-9093-4F92-B8A4-D819FEE69F1F}"/>
+                <a16:creationId xmlns="" xmlns:a16="http://schemas.microsoft.com/office/drawing/2014/main" id="{C0F8D2C7-9093-4F92-B8A4-D819FEE69F1F}"/>
               </a:ext>
             </a:extLst>
           </p:cNvPr>
@@ -21719,7 +21719,7 @@
           <p:cNvPr id="41" name="Straight Connector 40">
             <a:extLst>
               <a:ext uri="{FF2B5EF4-FFF2-40B4-BE49-F238E27FC236}">
-                <a16:creationId xmlns:a16="http://schemas.microsoft.com/office/drawing/2014/main" xmlns="" id="{0DE9D0C0-04C1-4621-8B2D-E65A25A8DCF3}"/>
+                <a16:creationId xmlns="" xmlns:a16="http://schemas.microsoft.com/office/drawing/2014/main" id="{0DE9D0C0-04C1-4621-8B2D-E65A25A8DCF3}"/>
               </a:ext>
             </a:extLst>
           </p:cNvPr>
@@ -21792,7 +21792,7 @@
           <p:cNvPr id="15" name="Rectangle 14">
             <a:extLst>
               <a:ext uri="{FF2B5EF4-FFF2-40B4-BE49-F238E27FC236}">
-                <a16:creationId xmlns:a16="http://schemas.microsoft.com/office/drawing/2014/main" xmlns="" id="{E8E3FDB8-6D5C-48FE-99EA-7EC60F4D8191}"/>
+                <a16:creationId xmlns="" xmlns:a16="http://schemas.microsoft.com/office/drawing/2014/main" id="{E8E3FDB8-6D5C-48FE-99EA-7EC60F4D8191}"/>
               </a:ext>
             </a:extLst>
           </p:cNvPr>
@@ -21859,7 +21859,7 @@
           <p:cNvPr id="5" name="Date Placeholder 4">
             <a:extLst>
               <a:ext uri="{FF2B5EF4-FFF2-40B4-BE49-F238E27FC236}">
-                <a16:creationId xmlns:a16="http://schemas.microsoft.com/office/drawing/2014/main" xmlns="" id="{2D9775F3-A041-479A-8038-652B7D9C72E9}"/>
+                <a16:creationId xmlns="" xmlns:a16="http://schemas.microsoft.com/office/drawing/2014/main" id="{2D9775F3-A041-479A-8038-652B7D9C72E9}"/>
               </a:ext>
             </a:extLst>
           </p:cNvPr>
@@ -21887,7 +21887,7 @@
           <p:cNvPr id="6" name="Footer Placeholder 5">
             <a:extLst>
               <a:ext uri="{FF2B5EF4-FFF2-40B4-BE49-F238E27FC236}">
-                <a16:creationId xmlns:a16="http://schemas.microsoft.com/office/drawing/2014/main" xmlns="" id="{29BEDD04-BE4E-4B91-B13E-0C4FB3E1658F}"/>
+                <a16:creationId xmlns="" xmlns:a16="http://schemas.microsoft.com/office/drawing/2014/main" id="{29BEDD04-BE4E-4B91-B13E-0C4FB3E1658F}"/>
               </a:ext>
             </a:extLst>
           </p:cNvPr>
@@ -21915,7 +21915,7 @@
           <p:cNvPr id="7" name="Slide Number Placeholder 6">
             <a:extLst>
               <a:ext uri="{FF2B5EF4-FFF2-40B4-BE49-F238E27FC236}">
-                <a16:creationId xmlns:a16="http://schemas.microsoft.com/office/drawing/2014/main" xmlns="" id="{306DF5D8-12DC-494E-B0F1-2E9C86A14544}"/>
+                <a16:creationId xmlns="" xmlns:a16="http://schemas.microsoft.com/office/drawing/2014/main" id="{306DF5D8-12DC-494E-B0F1-2E9C86A14544}"/>
               </a:ext>
             </a:extLst>
           </p:cNvPr>
@@ -21944,7 +21944,7 @@
           <p:cNvPr id="8" name="Title 1">
             <a:extLst>
               <a:ext uri="{FF2B5EF4-FFF2-40B4-BE49-F238E27FC236}">
-                <a16:creationId xmlns:a16="http://schemas.microsoft.com/office/drawing/2014/main" xmlns="" id="{ABF87C9E-53A2-4DE1-89DC-3907BE2E3D3C}"/>
+                <a16:creationId xmlns="" xmlns:a16="http://schemas.microsoft.com/office/drawing/2014/main" id="{ABF87C9E-53A2-4DE1-89DC-3907BE2E3D3C}"/>
               </a:ext>
             </a:extLst>
           </p:cNvPr>
@@ -21983,7 +21983,7 @@
           <p:cNvPr id="9" name="Text Placeholder 2">
             <a:extLst>
               <a:ext uri="{FF2B5EF4-FFF2-40B4-BE49-F238E27FC236}">
-                <a16:creationId xmlns:a16="http://schemas.microsoft.com/office/drawing/2014/main" xmlns="" id="{EB453F8F-AA02-4E0D-93BF-8CF4F1490377}"/>
+                <a16:creationId xmlns="" xmlns:a16="http://schemas.microsoft.com/office/drawing/2014/main" id="{EB453F8F-AA02-4E0D-93BF-8CF4F1490377}"/>
               </a:ext>
             </a:extLst>
           </p:cNvPr>
@@ -22113,7 +22113,7 @@
           <p:cNvPr id="10" name="Picture Placeholder 10">
             <a:extLst>
               <a:ext uri="{FF2B5EF4-FFF2-40B4-BE49-F238E27FC236}">
-                <a16:creationId xmlns:a16="http://schemas.microsoft.com/office/drawing/2014/main" xmlns="" id="{A541F291-2E4B-474E-9ED0-55C97A2A066D}"/>
+                <a16:creationId xmlns="" xmlns:a16="http://schemas.microsoft.com/office/drawing/2014/main" id="{A541F291-2E4B-474E-9ED0-55C97A2A066D}"/>
               </a:ext>
             </a:extLst>
           </p:cNvPr>
@@ -22154,7 +22154,7 @@
           <p:cNvPr id="11" name="Group 10">
             <a:extLst>
               <a:ext uri="{FF2B5EF4-FFF2-40B4-BE49-F238E27FC236}">
-                <a16:creationId xmlns:a16="http://schemas.microsoft.com/office/drawing/2014/main" xmlns="" id="{59E4D57E-4989-4939-A31F-637543FAB606}"/>
+                <a16:creationId xmlns="" xmlns:a16="http://schemas.microsoft.com/office/drawing/2014/main" id="{59E4D57E-4989-4939-A31F-637543FAB606}"/>
               </a:ext>
             </a:extLst>
           </p:cNvPr>
@@ -22174,7 +22174,7 @@
             <p:cNvPr id="12" name="Straight Connector 11">
               <a:extLst>
                 <a:ext uri="{FF2B5EF4-FFF2-40B4-BE49-F238E27FC236}">
-                  <a16:creationId xmlns:a16="http://schemas.microsoft.com/office/drawing/2014/main" xmlns="" id="{370B72A7-B625-48B8-88E6-BCE2A4DD531E}"/>
+                  <a16:creationId xmlns="" xmlns:a16="http://schemas.microsoft.com/office/drawing/2014/main" id="{370B72A7-B625-48B8-88E6-BCE2A4DD531E}"/>
                 </a:ext>
               </a:extLst>
             </p:cNvPr>
@@ -22218,7 +22218,7 @@
             <p:cNvPr id="13" name="Oval 12">
               <a:extLst>
                 <a:ext uri="{FF2B5EF4-FFF2-40B4-BE49-F238E27FC236}">
-                  <a16:creationId xmlns:a16="http://schemas.microsoft.com/office/drawing/2014/main" xmlns="" id="{01ED729F-F8A5-4244-9776-4935C260F11F}"/>
+                  <a16:creationId xmlns="" xmlns:a16="http://schemas.microsoft.com/office/drawing/2014/main" id="{01ED729F-F8A5-4244-9776-4935C260F11F}"/>
                 </a:ext>
               </a:extLst>
             </p:cNvPr>
@@ -22279,7 +22279,7 @@
           <p:cNvPr id="14" name="Text Placeholder 2">
             <a:extLst>
               <a:ext uri="{FF2B5EF4-FFF2-40B4-BE49-F238E27FC236}">
-                <a16:creationId xmlns:a16="http://schemas.microsoft.com/office/drawing/2014/main" xmlns="" id="{BE12A846-0DFC-435B-BAE9-D90C353E0344}"/>
+                <a16:creationId xmlns="" xmlns:a16="http://schemas.microsoft.com/office/drawing/2014/main" id="{BE12A846-0DFC-435B-BAE9-D90C353E0344}"/>
               </a:ext>
             </a:extLst>
           </p:cNvPr>
@@ -22414,7 +22414,7 @@
           <p:cNvPr id="17" name="Straight Connector 16">
             <a:extLst>
               <a:ext uri="{FF2B5EF4-FFF2-40B4-BE49-F238E27FC236}">
-                <a16:creationId xmlns:a16="http://schemas.microsoft.com/office/drawing/2014/main" xmlns="" id="{6150998C-CF95-4C6F-8962-8EB2DB30177D}"/>
+                <a16:creationId xmlns="" xmlns:a16="http://schemas.microsoft.com/office/drawing/2014/main" id="{6150998C-CF95-4C6F-8962-8EB2DB30177D}"/>
               </a:ext>
             </a:extLst>
           </p:cNvPr>
@@ -22458,7 +22458,7 @@
           <p:cNvPr id="18" name="Oval 17">
             <a:extLst>
               <a:ext uri="{FF2B5EF4-FFF2-40B4-BE49-F238E27FC236}">
-                <a16:creationId xmlns:a16="http://schemas.microsoft.com/office/drawing/2014/main" xmlns="" id="{F86A2ACD-8CF5-48A3-A678-E213A809B332}"/>
+                <a16:creationId xmlns="" xmlns:a16="http://schemas.microsoft.com/office/drawing/2014/main" id="{F86A2ACD-8CF5-48A3-A678-E213A809B332}"/>
               </a:ext>
             </a:extLst>
           </p:cNvPr>
@@ -22513,7 +22513,7 @@
           <p:cNvPr id="19" name="Straight Connector 18">
             <a:extLst>
               <a:ext uri="{FF2B5EF4-FFF2-40B4-BE49-F238E27FC236}">
-                <a16:creationId xmlns:a16="http://schemas.microsoft.com/office/drawing/2014/main" xmlns="" id="{F00811BB-0E37-4D70-84A5-97B3FBEDCBE6}"/>
+                <a16:creationId xmlns="" xmlns:a16="http://schemas.microsoft.com/office/drawing/2014/main" id="{F00811BB-0E37-4D70-84A5-97B3FBEDCBE6}"/>
               </a:ext>
             </a:extLst>
           </p:cNvPr>
@@ -22559,7 +22559,7 @@
           <p:cNvPr id="20" name="Oval 19">
             <a:extLst>
               <a:ext uri="{FF2B5EF4-FFF2-40B4-BE49-F238E27FC236}">
-                <a16:creationId xmlns:a16="http://schemas.microsoft.com/office/drawing/2014/main" xmlns="" id="{D03B3046-0457-4D23-8E0C-64E3FCD620BB}"/>
+                <a16:creationId xmlns="" xmlns:a16="http://schemas.microsoft.com/office/drawing/2014/main" id="{D03B3046-0457-4D23-8E0C-64E3FCD620BB}"/>
               </a:ext>
             </a:extLst>
           </p:cNvPr>
@@ -22614,7 +22614,7 @@
           <p:cNvPr id="22" name="Picture Placeholder 7">
             <a:extLst>
               <a:ext uri="{FF2B5EF4-FFF2-40B4-BE49-F238E27FC236}">
-                <a16:creationId xmlns:a16="http://schemas.microsoft.com/office/drawing/2014/main" xmlns="" id="{CF430BFB-0A7C-4FB8-B93B-8DA19F3E634A}"/>
+                <a16:creationId xmlns="" xmlns:a16="http://schemas.microsoft.com/office/drawing/2014/main" id="{CF430BFB-0A7C-4FB8-B93B-8DA19F3E634A}"/>
               </a:ext>
             </a:extLst>
           </p:cNvPr>
@@ -22685,7 +22685,7 @@
           <p:cNvPr id="15" name="Rectangle 14">
             <a:extLst>
               <a:ext uri="{FF2B5EF4-FFF2-40B4-BE49-F238E27FC236}">
-                <a16:creationId xmlns:a16="http://schemas.microsoft.com/office/drawing/2014/main" xmlns="" id="{E8E3FDB8-6D5C-48FE-99EA-7EC60F4D8191}"/>
+                <a16:creationId xmlns="" xmlns:a16="http://schemas.microsoft.com/office/drawing/2014/main" id="{E8E3FDB8-6D5C-48FE-99EA-7EC60F4D8191}"/>
               </a:ext>
             </a:extLst>
           </p:cNvPr>
@@ -22752,7 +22752,7 @@
           <p:cNvPr id="3" name="Picture Placeholder 2">
             <a:extLst>
               <a:ext uri="{FF2B5EF4-FFF2-40B4-BE49-F238E27FC236}">
-                <a16:creationId xmlns:a16="http://schemas.microsoft.com/office/drawing/2014/main" xmlns="" id="{36EF099F-79D2-486F-A4B2-DD4F699752C8}"/>
+                <a16:creationId xmlns="" xmlns:a16="http://schemas.microsoft.com/office/drawing/2014/main" id="{36EF099F-79D2-486F-A4B2-DD4F699752C8}"/>
               </a:ext>
             </a:extLst>
           </p:cNvPr>
@@ -22793,7 +22793,7 @@
           <p:cNvPr id="5" name="Date Placeholder 4">
             <a:extLst>
               <a:ext uri="{FF2B5EF4-FFF2-40B4-BE49-F238E27FC236}">
-                <a16:creationId xmlns:a16="http://schemas.microsoft.com/office/drawing/2014/main" xmlns="" id="{2D9775F3-A041-479A-8038-652B7D9C72E9}"/>
+                <a16:creationId xmlns="" xmlns:a16="http://schemas.microsoft.com/office/drawing/2014/main" id="{2D9775F3-A041-479A-8038-652B7D9C72E9}"/>
               </a:ext>
             </a:extLst>
           </p:cNvPr>
@@ -22821,7 +22821,7 @@
           <p:cNvPr id="6" name="Footer Placeholder 5">
             <a:extLst>
               <a:ext uri="{FF2B5EF4-FFF2-40B4-BE49-F238E27FC236}">
-                <a16:creationId xmlns:a16="http://schemas.microsoft.com/office/drawing/2014/main" xmlns="" id="{29BEDD04-BE4E-4B91-B13E-0C4FB3E1658F}"/>
+                <a16:creationId xmlns="" xmlns:a16="http://schemas.microsoft.com/office/drawing/2014/main" id="{29BEDD04-BE4E-4B91-B13E-0C4FB3E1658F}"/>
               </a:ext>
             </a:extLst>
           </p:cNvPr>
@@ -22849,7 +22849,7 @@
           <p:cNvPr id="7" name="Slide Number Placeholder 6">
             <a:extLst>
               <a:ext uri="{FF2B5EF4-FFF2-40B4-BE49-F238E27FC236}">
-                <a16:creationId xmlns:a16="http://schemas.microsoft.com/office/drawing/2014/main" xmlns="" id="{306DF5D8-12DC-494E-B0F1-2E9C86A14544}"/>
+                <a16:creationId xmlns="" xmlns:a16="http://schemas.microsoft.com/office/drawing/2014/main" id="{306DF5D8-12DC-494E-B0F1-2E9C86A14544}"/>
               </a:ext>
             </a:extLst>
           </p:cNvPr>
@@ -22878,7 +22878,7 @@
           <p:cNvPr id="10" name="Picture Placeholder 10">
             <a:extLst>
               <a:ext uri="{FF2B5EF4-FFF2-40B4-BE49-F238E27FC236}">
-                <a16:creationId xmlns:a16="http://schemas.microsoft.com/office/drawing/2014/main" xmlns="" id="{A541F291-2E4B-474E-9ED0-55C97A2A066D}"/>
+                <a16:creationId xmlns="" xmlns:a16="http://schemas.microsoft.com/office/drawing/2014/main" id="{A541F291-2E4B-474E-9ED0-55C97A2A066D}"/>
               </a:ext>
             </a:extLst>
           </p:cNvPr>
@@ -22919,7 +22919,7 @@
           <p:cNvPr id="21" name="Title 1">
             <a:extLst>
               <a:ext uri="{FF2B5EF4-FFF2-40B4-BE49-F238E27FC236}">
-                <a16:creationId xmlns:a16="http://schemas.microsoft.com/office/drawing/2014/main" xmlns="" id="{1FF22294-F2E5-4C74-A30C-46BA988FD586}"/>
+                <a16:creationId xmlns="" xmlns:a16="http://schemas.microsoft.com/office/drawing/2014/main" id="{1FF22294-F2E5-4C74-A30C-46BA988FD586}"/>
               </a:ext>
             </a:extLst>
           </p:cNvPr>
@@ -22958,7 +22958,7 @@
           <p:cNvPr id="22" name="Text Placeholder 3">
             <a:extLst>
               <a:ext uri="{FF2B5EF4-FFF2-40B4-BE49-F238E27FC236}">
-                <a16:creationId xmlns:a16="http://schemas.microsoft.com/office/drawing/2014/main" xmlns="" id="{FC5C0DA6-1B31-4BDF-BAEB-BF7978102847}"/>
+                <a16:creationId xmlns="" xmlns:a16="http://schemas.microsoft.com/office/drawing/2014/main" id="{FC5C0DA6-1B31-4BDF-BAEB-BF7978102847}"/>
               </a:ext>
             </a:extLst>
           </p:cNvPr>
@@ -23040,7 +23040,7 @@
           <p:cNvPr id="23" name="Text Placeholder 3">
             <a:extLst>
               <a:ext uri="{FF2B5EF4-FFF2-40B4-BE49-F238E27FC236}">
-                <a16:creationId xmlns:a16="http://schemas.microsoft.com/office/drawing/2014/main" xmlns="" id="{5E1647C9-9AC1-4500-A56E-94CABC656E0C}"/>
+                <a16:creationId xmlns="" xmlns:a16="http://schemas.microsoft.com/office/drawing/2014/main" id="{5E1647C9-9AC1-4500-A56E-94CABC656E0C}"/>
               </a:ext>
             </a:extLst>
           </p:cNvPr>
@@ -23123,7 +23123,7 @@
           <p:cNvPr id="24" name="Text Placeholder 3">
             <a:extLst>
               <a:ext uri="{FF2B5EF4-FFF2-40B4-BE49-F238E27FC236}">
-                <a16:creationId xmlns:a16="http://schemas.microsoft.com/office/drawing/2014/main" xmlns="" id="{8605CECB-8164-4428-B478-98C42902F9FC}"/>
+                <a16:creationId xmlns="" xmlns:a16="http://schemas.microsoft.com/office/drawing/2014/main" id="{8605CECB-8164-4428-B478-98C42902F9FC}"/>
               </a:ext>
             </a:extLst>
           </p:cNvPr>
@@ -23205,7 +23205,7 @@
           <p:cNvPr id="25" name="Text Placeholder 3">
             <a:extLst>
               <a:ext uri="{FF2B5EF4-FFF2-40B4-BE49-F238E27FC236}">
-                <a16:creationId xmlns:a16="http://schemas.microsoft.com/office/drawing/2014/main" xmlns="" id="{D39B56C4-E128-4995-91CC-64C268BC7603}"/>
+                <a16:creationId xmlns="" xmlns:a16="http://schemas.microsoft.com/office/drawing/2014/main" id="{D39B56C4-E128-4995-91CC-64C268BC7603}"/>
               </a:ext>
             </a:extLst>
           </p:cNvPr>
@@ -23289,7 +23289,7 @@
           <p:cNvPr id="26" name="Text Placeholder 3">
             <a:extLst>
               <a:ext uri="{FF2B5EF4-FFF2-40B4-BE49-F238E27FC236}">
-                <a16:creationId xmlns:a16="http://schemas.microsoft.com/office/drawing/2014/main" xmlns="" id="{94772DA1-74CC-430C-9A8E-5A6586692CAB}"/>
+                <a16:creationId xmlns="" xmlns:a16="http://schemas.microsoft.com/office/drawing/2014/main" id="{94772DA1-74CC-430C-9A8E-5A6586692CAB}"/>
               </a:ext>
             </a:extLst>
           </p:cNvPr>
@@ -23371,7 +23371,7 @@
           <p:cNvPr id="27" name="Text Placeholder 3">
             <a:extLst>
               <a:ext uri="{FF2B5EF4-FFF2-40B4-BE49-F238E27FC236}">
-                <a16:creationId xmlns:a16="http://schemas.microsoft.com/office/drawing/2014/main" xmlns="" id="{7A073B5B-2BE3-49D1-A646-1492F534C94B}"/>
+                <a16:creationId xmlns="" xmlns:a16="http://schemas.microsoft.com/office/drawing/2014/main" id="{7A073B5B-2BE3-49D1-A646-1492F534C94B}"/>
               </a:ext>
             </a:extLst>
           </p:cNvPr>
@@ -23464,7 +23464,7 @@
           <p:cNvPr id="28" name="Text Placeholder 3">
             <a:extLst>
               <a:ext uri="{FF2B5EF4-FFF2-40B4-BE49-F238E27FC236}">
-                <a16:creationId xmlns:a16="http://schemas.microsoft.com/office/drawing/2014/main" xmlns="" id="{52D10EDD-0329-4443-8665-7603E4A83B16}"/>
+                <a16:creationId xmlns="" xmlns:a16="http://schemas.microsoft.com/office/drawing/2014/main" id="{52D10EDD-0329-4443-8665-7603E4A83B16}"/>
               </a:ext>
             </a:extLst>
           </p:cNvPr>
@@ -23546,7 +23546,7 @@
           <p:cNvPr id="4" name="Group 3">
             <a:extLst>
               <a:ext uri="{FF2B5EF4-FFF2-40B4-BE49-F238E27FC236}">
-                <a16:creationId xmlns:a16="http://schemas.microsoft.com/office/drawing/2014/main" xmlns="" id="{5F591C52-0202-44BA-A6BE-E2362516B893}"/>
+                <a16:creationId xmlns="" xmlns:a16="http://schemas.microsoft.com/office/drawing/2014/main" id="{5F591C52-0202-44BA-A6BE-E2362516B893}"/>
               </a:ext>
             </a:extLst>
           </p:cNvPr>
@@ -23566,7 +23566,7 @@
             <p:cNvPr id="11" name="Group 10">
               <a:extLst>
                 <a:ext uri="{FF2B5EF4-FFF2-40B4-BE49-F238E27FC236}">
-                  <a16:creationId xmlns:a16="http://schemas.microsoft.com/office/drawing/2014/main" xmlns="" id="{59E4D57E-4989-4939-A31F-637543FAB606}"/>
+                  <a16:creationId xmlns="" xmlns:a16="http://schemas.microsoft.com/office/drawing/2014/main" id="{59E4D57E-4989-4939-A31F-637543FAB606}"/>
                 </a:ext>
               </a:extLst>
             </p:cNvPr>
@@ -23586,7 +23586,7 @@
               <p:cNvPr id="12" name="Straight Connector 11">
                 <a:extLst>
                   <a:ext uri="{FF2B5EF4-FFF2-40B4-BE49-F238E27FC236}">
-                    <a16:creationId xmlns:a16="http://schemas.microsoft.com/office/drawing/2014/main" xmlns="" id="{370B72A7-B625-48B8-88E6-BCE2A4DD531E}"/>
+                    <a16:creationId xmlns="" xmlns:a16="http://schemas.microsoft.com/office/drawing/2014/main" id="{370B72A7-B625-48B8-88E6-BCE2A4DD531E}"/>
                   </a:ext>
                 </a:extLst>
               </p:cNvPr>
@@ -23630,7 +23630,7 @@
               <p:cNvPr id="13" name="Oval 12">
                 <a:extLst>
                   <a:ext uri="{FF2B5EF4-FFF2-40B4-BE49-F238E27FC236}">
-                    <a16:creationId xmlns:a16="http://schemas.microsoft.com/office/drawing/2014/main" xmlns="" id="{01ED729F-F8A5-4244-9776-4935C260F11F}"/>
+                    <a16:creationId xmlns="" xmlns:a16="http://schemas.microsoft.com/office/drawing/2014/main" id="{01ED729F-F8A5-4244-9776-4935C260F11F}"/>
                   </a:ext>
                 </a:extLst>
               </p:cNvPr>
@@ -23691,7 +23691,7 @@
             <p:cNvPr id="29" name="Oval 28">
               <a:extLst>
                 <a:ext uri="{FF2B5EF4-FFF2-40B4-BE49-F238E27FC236}">
-                  <a16:creationId xmlns:a16="http://schemas.microsoft.com/office/drawing/2014/main" xmlns="" id="{BECBEDE0-51BB-48BD-AAAD-63B6F60C1D57}"/>
+                  <a16:creationId xmlns="" xmlns:a16="http://schemas.microsoft.com/office/drawing/2014/main" id="{BECBEDE0-51BB-48BD-AAAD-63B6F60C1D57}"/>
                 </a:ext>
               </a:extLst>
             </p:cNvPr>
@@ -23752,7 +23752,7 @@
           <p:cNvPr id="32" name="Group 31">
             <a:extLst>
               <a:ext uri="{FF2B5EF4-FFF2-40B4-BE49-F238E27FC236}">
-                <a16:creationId xmlns:a16="http://schemas.microsoft.com/office/drawing/2014/main" xmlns="" id="{63E1608D-F119-4C0D-8D91-7CB089C037C8}"/>
+                <a16:creationId xmlns="" xmlns:a16="http://schemas.microsoft.com/office/drawing/2014/main" id="{63E1608D-F119-4C0D-8D91-7CB089C037C8}"/>
               </a:ext>
             </a:extLst>
           </p:cNvPr>
@@ -23772,7 +23772,7 @@
             <p:cNvPr id="33" name="Group 32">
               <a:extLst>
                 <a:ext uri="{FF2B5EF4-FFF2-40B4-BE49-F238E27FC236}">
-                  <a16:creationId xmlns:a16="http://schemas.microsoft.com/office/drawing/2014/main" xmlns="" id="{EBDC0121-6865-4B65-A28B-1CEDB16AAD9E}"/>
+                  <a16:creationId xmlns="" xmlns:a16="http://schemas.microsoft.com/office/drawing/2014/main" id="{EBDC0121-6865-4B65-A28B-1CEDB16AAD9E}"/>
                 </a:ext>
               </a:extLst>
             </p:cNvPr>
@@ -23792,7 +23792,7 @@
               <p:cNvPr id="35" name="Straight Connector 34">
                 <a:extLst>
                   <a:ext uri="{FF2B5EF4-FFF2-40B4-BE49-F238E27FC236}">
-                    <a16:creationId xmlns:a16="http://schemas.microsoft.com/office/drawing/2014/main" xmlns="" id="{386E3714-07DE-4318-B5BC-25F879B97D59}"/>
+                    <a16:creationId xmlns="" xmlns:a16="http://schemas.microsoft.com/office/drawing/2014/main" id="{386E3714-07DE-4318-B5BC-25F879B97D59}"/>
                   </a:ext>
                 </a:extLst>
               </p:cNvPr>
@@ -23836,7 +23836,7 @@
               <p:cNvPr id="36" name="Oval 35">
                 <a:extLst>
                   <a:ext uri="{FF2B5EF4-FFF2-40B4-BE49-F238E27FC236}">
-                    <a16:creationId xmlns:a16="http://schemas.microsoft.com/office/drawing/2014/main" xmlns="" id="{2ECCE30B-E848-4C5E-83A1-A811D489E7B8}"/>
+                    <a16:creationId xmlns="" xmlns:a16="http://schemas.microsoft.com/office/drawing/2014/main" id="{2ECCE30B-E848-4C5E-83A1-A811D489E7B8}"/>
                   </a:ext>
                 </a:extLst>
               </p:cNvPr>
@@ -23897,7 +23897,7 @@
             <p:cNvPr id="34" name="Oval 33">
               <a:extLst>
                 <a:ext uri="{FF2B5EF4-FFF2-40B4-BE49-F238E27FC236}">
-                  <a16:creationId xmlns:a16="http://schemas.microsoft.com/office/drawing/2014/main" xmlns="" id="{09817AEC-C67C-49A3-AC5A-669FD4D6D586}"/>
+                  <a16:creationId xmlns="" xmlns:a16="http://schemas.microsoft.com/office/drawing/2014/main" id="{09817AEC-C67C-49A3-AC5A-669FD4D6D586}"/>
                 </a:ext>
               </a:extLst>
             </p:cNvPr>
@@ -23988,7 +23988,7 @@
           <p:cNvPr id="15" name="Rectangle 14">
             <a:extLst>
               <a:ext uri="{FF2B5EF4-FFF2-40B4-BE49-F238E27FC236}">
-                <a16:creationId xmlns:a16="http://schemas.microsoft.com/office/drawing/2014/main" xmlns="" id="{E8E3FDB8-6D5C-48FE-99EA-7EC60F4D8191}"/>
+                <a16:creationId xmlns="" xmlns:a16="http://schemas.microsoft.com/office/drawing/2014/main" id="{E8E3FDB8-6D5C-48FE-99EA-7EC60F4D8191}"/>
               </a:ext>
             </a:extLst>
           </p:cNvPr>
@@ -24055,7 +24055,7 @@
           <p:cNvPr id="3" name="Picture Placeholder 2">
             <a:extLst>
               <a:ext uri="{FF2B5EF4-FFF2-40B4-BE49-F238E27FC236}">
-                <a16:creationId xmlns:a16="http://schemas.microsoft.com/office/drawing/2014/main" xmlns="" id="{96C5B5AA-0D95-4C33-8EBC-90401B51BDB4}"/>
+                <a16:creationId xmlns="" xmlns:a16="http://schemas.microsoft.com/office/drawing/2014/main" id="{96C5B5AA-0D95-4C33-8EBC-90401B51BDB4}"/>
               </a:ext>
             </a:extLst>
           </p:cNvPr>
@@ -24096,7 +24096,7 @@
           <p:cNvPr id="5" name="Date Placeholder 4">
             <a:extLst>
               <a:ext uri="{FF2B5EF4-FFF2-40B4-BE49-F238E27FC236}">
-                <a16:creationId xmlns:a16="http://schemas.microsoft.com/office/drawing/2014/main" xmlns="" id="{2D9775F3-A041-479A-8038-652B7D9C72E9}"/>
+                <a16:creationId xmlns="" xmlns:a16="http://schemas.microsoft.com/office/drawing/2014/main" id="{2D9775F3-A041-479A-8038-652B7D9C72E9}"/>
               </a:ext>
             </a:extLst>
           </p:cNvPr>
@@ -24124,7 +24124,7 @@
           <p:cNvPr id="6" name="Footer Placeholder 5">
             <a:extLst>
               <a:ext uri="{FF2B5EF4-FFF2-40B4-BE49-F238E27FC236}">
-                <a16:creationId xmlns:a16="http://schemas.microsoft.com/office/drawing/2014/main" xmlns="" id="{29BEDD04-BE4E-4B91-B13E-0C4FB3E1658F}"/>
+                <a16:creationId xmlns="" xmlns:a16="http://schemas.microsoft.com/office/drawing/2014/main" id="{29BEDD04-BE4E-4B91-B13E-0C4FB3E1658F}"/>
               </a:ext>
             </a:extLst>
           </p:cNvPr>
@@ -24152,7 +24152,7 @@
           <p:cNvPr id="7" name="Slide Number Placeholder 6">
             <a:extLst>
               <a:ext uri="{FF2B5EF4-FFF2-40B4-BE49-F238E27FC236}">
-                <a16:creationId xmlns:a16="http://schemas.microsoft.com/office/drawing/2014/main" xmlns="" id="{306DF5D8-12DC-494E-B0F1-2E9C86A14544}"/>
+                <a16:creationId xmlns="" xmlns:a16="http://schemas.microsoft.com/office/drawing/2014/main" id="{306DF5D8-12DC-494E-B0F1-2E9C86A14544}"/>
               </a:ext>
             </a:extLst>
           </p:cNvPr>
@@ -24181,7 +24181,7 @@
           <p:cNvPr id="8" name="Title 1">
             <a:extLst>
               <a:ext uri="{FF2B5EF4-FFF2-40B4-BE49-F238E27FC236}">
-                <a16:creationId xmlns:a16="http://schemas.microsoft.com/office/drawing/2014/main" xmlns="" id="{ABF87C9E-53A2-4DE1-89DC-3907BE2E3D3C}"/>
+                <a16:creationId xmlns="" xmlns:a16="http://schemas.microsoft.com/office/drawing/2014/main" id="{ABF87C9E-53A2-4DE1-89DC-3907BE2E3D3C}"/>
               </a:ext>
             </a:extLst>
           </p:cNvPr>
@@ -24220,7 +24220,7 @@
           <p:cNvPr id="10" name="Picture Placeholder 10">
             <a:extLst>
               <a:ext uri="{FF2B5EF4-FFF2-40B4-BE49-F238E27FC236}">
-                <a16:creationId xmlns:a16="http://schemas.microsoft.com/office/drawing/2014/main" xmlns="" id="{A541F291-2E4B-474E-9ED0-55C97A2A066D}"/>
+                <a16:creationId xmlns="" xmlns:a16="http://schemas.microsoft.com/office/drawing/2014/main" id="{A541F291-2E4B-474E-9ED0-55C97A2A066D}"/>
               </a:ext>
             </a:extLst>
           </p:cNvPr>
@@ -24261,7 +24261,7 @@
           <p:cNvPr id="17" name="Straight Connector 16">
             <a:extLst>
               <a:ext uri="{FF2B5EF4-FFF2-40B4-BE49-F238E27FC236}">
-                <a16:creationId xmlns:a16="http://schemas.microsoft.com/office/drawing/2014/main" xmlns="" id="{6150998C-CF95-4C6F-8962-8EB2DB30177D}"/>
+                <a16:creationId xmlns="" xmlns:a16="http://schemas.microsoft.com/office/drawing/2014/main" id="{6150998C-CF95-4C6F-8962-8EB2DB30177D}"/>
               </a:ext>
             </a:extLst>
           </p:cNvPr>
@@ -24305,7 +24305,7 @@
           <p:cNvPr id="18" name="Oval 17">
             <a:extLst>
               <a:ext uri="{FF2B5EF4-FFF2-40B4-BE49-F238E27FC236}">
-                <a16:creationId xmlns:a16="http://schemas.microsoft.com/office/drawing/2014/main" xmlns="" id="{F86A2ACD-8CF5-48A3-A678-E213A809B332}"/>
+                <a16:creationId xmlns="" xmlns:a16="http://schemas.microsoft.com/office/drawing/2014/main" id="{F86A2ACD-8CF5-48A3-A678-E213A809B332}"/>
               </a:ext>
             </a:extLst>
           </p:cNvPr>
@@ -24360,7 +24360,7 @@
           <p:cNvPr id="19" name="Straight Connector 18">
             <a:extLst>
               <a:ext uri="{FF2B5EF4-FFF2-40B4-BE49-F238E27FC236}">
-                <a16:creationId xmlns:a16="http://schemas.microsoft.com/office/drawing/2014/main" xmlns="" id="{F00811BB-0E37-4D70-84A5-97B3FBEDCBE6}"/>
+                <a16:creationId xmlns="" xmlns:a16="http://schemas.microsoft.com/office/drawing/2014/main" id="{F00811BB-0E37-4D70-84A5-97B3FBEDCBE6}"/>
               </a:ext>
             </a:extLst>
           </p:cNvPr>
@@ -24406,7 +24406,7 @@
           <p:cNvPr id="20" name="Oval 19">
             <a:extLst>
               <a:ext uri="{FF2B5EF4-FFF2-40B4-BE49-F238E27FC236}">
-                <a16:creationId xmlns:a16="http://schemas.microsoft.com/office/drawing/2014/main" xmlns="" id="{D03B3046-0457-4D23-8E0C-64E3FCD620BB}"/>
+                <a16:creationId xmlns="" xmlns:a16="http://schemas.microsoft.com/office/drawing/2014/main" id="{D03B3046-0457-4D23-8E0C-64E3FCD620BB}"/>
               </a:ext>
             </a:extLst>
           </p:cNvPr>
@@ -24461,7 +24461,7 @@
           <p:cNvPr id="4" name="Group 3">
             <a:extLst>
               <a:ext uri="{FF2B5EF4-FFF2-40B4-BE49-F238E27FC236}">
-                <a16:creationId xmlns:a16="http://schemas.microsoft.com/office/drawing/2014/main" xmlns="" id="{908B302A-0F76-466E-9FCE-DCEECCBCF6C9}"/>
+                <a16:creationId xmlns="" xmlns:a16="http://schemas.microsoft.com/office/drawing/2014/main" id="{908B302A-0F76-466E-9FCE-DCEECCBCF6C9}"/>
               </a:ext>
             </a:extLst>
           </p:cNvPr>
@@ -24481,7 +24481,7 @@
             <p:cNvPr id="11" name="Group 10">
               <a:extLst>
                 <a:ext uri="{FF2B5EF4-FFF2-40B4-BE49-F238E27FC236}">
-                  <a16:creationId xmlns:a16="http://schemas.microsoft.com/office/drawing/2014/main" xmlns="" id="{59E4D57E-4989-4939-A31F-637543FAB606}"/>
+                  <a16:creationId xmlns="" xmlns:a16="http://schemas.microsoft.com/office/drawing/2014/main" id="{59E4D57E-4989-4939-A31F-637543FAB606}"/>
                 </a:ext>
               </a:extLst>
             </p:cNvPr>
@@ -24501,7 +24501,7 @@
               <p:cNvPr id="12" name="Straight Connector 11">
                 <a:extLst>
                   <a:ext uri="{FF2B5EF4-FFF2-40B4-BE49-F238E27FC236}">
-                    <a16:creationId xmlns:a16="http://schemas.microsoft.com/office/drawing/2014/main" xmlns="" id="{370B72A7-B625-48B8-88E6-BCE2A4DD531E}"/>
+                    <a16:creationId xmlns="" xmlns:a16="http://schemas.microsoft.com/office/drawing/2014/main" id="{370B72A7-B625-48B8-88E6-BCE2A4DD531E}"/>
                   </a:ext>
                 </a:extLst>
               </p:cNvPr>
@@ -24545,7 +24545,7 @@
               <p:cNvPr id="13" name="Oval 12">
                 <a:extLst>
                   <a:ext uri="{FF2B5EF4-FFF2-40B4-BE49-F238E27FC236}">
-                    <a16:creationId xmlns:a16="http://schemas.microsoft.com/office/drawing/2014/main" xmlns="" id="{01ED729F-F8A5-4244-9776-4935C260F11F}"/>
+                    <a16:creationId xmlns="" xmlns:a16="http://schemas.microsoft.com/office/drawing/2014/main" id="{01ED729F-F8A5-4244-9776-4935C260F11F}"/>
                   </a:ext>
                 </a:extLst>
               </p:cNvPr>
@@ -24606,7 +24606,7 @@
             <p:cNvPr id="21" name="Oval 20">
               <a:extLst>
                 <a:ext uri="{FF2B5EF4-FFF2-40B4-BE49-F238E27FC236}">
-                  <a16:creationId xmlns:a16="http://schemas.microsoft.com/office/drawing/2014/main" xmlns="" id="{427C0C4F-6341-4BE0-931E-AAA6EA2AF137}"/>
+                  <a16:creationId xmlns="" xmlns:a16="http://schemas.microsoft.com/office/drawing/2014/main" id="{427C0C4F-6341-4BE0-931E-AAA6EA2AF137}"/>
                 </a:ext>
               </a:extLst>
             </p:cNvPr>
@@ -24697,7 +24697,7 @@
           <p:cNvPr id="15" name="Rectangle 14">
             <a:extLst>
               <a:ext uri="{FF2B5EF4-FFF2-40B4-BE49-F238E27FC236}">
-                <a16:creationId xmlns:a16="http://schemas.microsoft.com/office/drawing/2014/main" xmlns="" id="{E8E3FDB8-6D5C-48FE-99EA-7EC60F4D8191}"/>
+                <a16:creationId xmlns="" xmlns:a16="http://schemas.microsoft.com/office/drawing/2014/main" id="{E8E3FDB8-6D5C-48FE-99EA-7EC60F4D8191}"/>
               </a:ext>
             </a:extLst>
           </p:cNvPr>
@@ -24764,7 +24764,7 @@
           <p:cNvPr id="5" name="Date Placeholder 4">
             <a:extLst>
               <a:ext uri="{FF2B5EF4-FFF2-40B4-BE49-F238E27FC236}">
-                <a16:creationId xmlns:a16="http://schemas.microsoft.com/office/drawing/2014/main" xmlns="" id="{2D9775F3-A041-479A-8038-652B7D9C72E9}"/>
+                <a16:creationId xmlns="" xmlns:a16="http://schemas.microsoft.com/office/drawing/2014/main" id="{2D9775F3-A041-479A-8038-652B7D9C72E9}"/>
               </a:ext>
             </a:extLst>
           </p:cNvPr>
@@ -24792,7 +24792,7 @@
           <p:cNvPr id="6" name="Footer Placeholder 5">
             <a:extLst>
               <a:ext uri="{FF2B5EF4-FFF2-40B4-BE49-F238E27FC236}">
-                <a16:creationId xmlns:a16="http://schemas.microsoft.com/office/drawing/2014/main" xmlns="" id="{29BEDD04-BE4E-4B91-B13E-0C4FB3E1658F}"/>
+                <a16:creationId xmlns="" xmlns:a16="http://schemas.microsoft.com/office/drawing/2014/main" id="{29BEDD04-BE4E-4B91-B13E-0C4FB3E1658F}"/>
               </a:ext>
             </a:extLst>
           </p:cNvPr>
@@ -24820,7 +24820,7 @@
           <p:cNvPr id="7" name="Slide Number Placeholder 6">
             <a:extLst>
               <a:ext uri="{FF2B5EF4-FFF2-40B4-BE49-F238E27FC236}">
-                <a16:creationId xmlns:a16="http://schemas.microsoft.com/office/drawing/2014/main" xmlns="" id="{306DF5D8-12DC-494E-B0F1-2E9C86A14544}"/>
+                <a16:creationId xmlns="" xmlns:a16="http://schemas.microsoft.com/office/drawing/2014/main" id="{306DF5D8-12DC-494E-B0F1-2E9C86A14544}"/>
               </a:ext>
             </a:extLst>
           </p:cNvPr>
@@ -24849,7 +24849,7 @@
           <p:cNvPr id="8" name="Title 1">
             <a:extLst>
               <a:ext uri="{FF2B5EF4-FFF2-40B4-BE49-F238E27FC236}">
-                <a16:creationId xmlns:a16="http://schemas.microsoft.com/office/drawing/2014/main" xmlns="" id="{ABF87C9E-53A2-4DE1-89DC-3907BE2E3D3C}"/>
+                <a16:creationId xmlns="" xmlns:a16="http://schemas.microsoft.com/office/drawing/2014/main" id="{ABF87C9E-53A2-4DE1-89DC-3907BE2E3D3C}"/>
               </a:ext>
             </a:extLst>
           </p:cNvPr>
@@ -24888,7 +24888,7 @@
           <p:cNvPr id="10" name="Picture Placeholder 10">
             <a:extLst>
               <a:ext uri="{FF2B5EF4-FFF2-40B4-BE49-F238E27FC236}">
-                <a16:creationId xmlns:a16="http://schemas.microsoft.com/office/drawing/2014/main" xmlns="" id="{A541F291-2E4B-474E-9ED0-55C97A2A066D}"/>
+                <a16:creationId xmlns="" xmlns:a16="http://schemas.microsoft.com/office/drawing/2014/main" id="{A541F291-2E4B-474E-9ED0-55C97A2A066D}"/>
               </a:ext>
             </a:extLst>
           </p:cNvPr>
@@ -24929,7 +24929,7 @@
           <p:cNvPr id="11" name="Group 10">
             <a:extLst>
               <a:ext uri="{FF2B5EF4-FFF2-40B4-BE49-F238E27FC236}">
-                <a16:creationId xmlns:a16="http://schemas.microsoft.com/office/drawing/2014/main" xmlns="" id="{59E4D57E-4989-4939-A31F-637543FAB606}"/>
+                <a16:creationId xmlns="" xmlns:a16="http://schemas.microsoft.com/office/drawing/2014/main" id="{59E4D57E-4989-4939-A31F-637543FAB606}"/>
               </a:ext>
             </a:extLst>
           </p:cNvPr>
@@ -24949,7 +24949,7 @@
             <p:cNvPr id="12" name="Straight Connector 11">
               <a:extLst>
                 <a:ext uri="{FF2B5EF4-FFF2-40B4-BE49-F238E27FC236}">
-                  <a16:creationId xmlns:a16="http://schemas.microsoft.com/office/drawing/2014/main" xmlns="" id="{370B72A7-B625-48B8-88E6-BCE2A4DD531E}"/>
+                  <a16:creationId xmlns="" xmlns:a16="http://schemas.microsoft.com/office/drawing/2014/main" id="{370B72A7-B625-48B8-88E6-BCE2A4DD531E}"/>
                 </a:ext>
               </a:extLst>
             </p:cNvPr>
@@ -24995,7 +24995,7 @@
             <p:cNvPr id="13" name="Oval 12">
               <a:extLst>
                 <a:ext uri="{FF2B5EF4-FFF2-40B4-BE49-F238E27FC236}">
-                  <a16:creationId xmlns:a16="http://schemas.microsoft.com/office/drawing/2014/main" xmlns="" id="{01ED729F-F8A5-4244-9776-4935C260F11F}"/>
+                  <a16:creationId xmlns="" xmlns:a16="http://schemas.microsoft.com/office/drawing/2014/main" id="{01ED729F-F8A5-4244-9776-4935C260F11F}"/>
                 </a:ext>
               </a:extLst>
             </p:cNvPr>
@@ -25056,7 +25056,7 @@
           <p:cNvPr id="17" name="Straight Connector 16">
             <a:extLst>
               <a:ext uri="{FF2B5EF4-FFF2-40B4-BE49-F238E27FC236}">
-                <a16:creationId xmlns:a16="http://schemas.microsoft.com/office/drawing/2014/main" xmlns="" id="{6150998C-CF95-4C6F-8962-8EB2DB30177D}"/>
+                <a16:creationId xmlns="" xmlns:a16="http://schemas.microsoft.com/office/drawing/2014/main" id="{6150998C-CF95-4C6F-8962-8EB2DB30177D}"/>
               </a:ext>
             </a:extLst>
           </p:cNvPr>
@@ -25100,7 +25100,7 @@
           <p:cNvPr id="18" name="Oval 17">
             <a:extLst>
               <a:ext uri="{FF2B5EF4-FFF2-40B4-BE49-F238E27FC236}">
-                <a16:creationId xmlns:a16="http://schemas.microsoft.com/office/drawing/2014/main" xmlns="" id="{F86A2ACD-8CF5-48A3-A678-E213A809B332}"/>
+                <a16:creationId xmlns="" xmlns:a16="http://schemas.microsoft.com/office/drawing/2014/main" id="{F86A2ACD-8CF5-48A3-A678-E213A809B332}"/>
               </a:ext>
             </a:extLst>
           </p:cNvPr>
@@ -25155,7 +25155,7 @@
           <p:cNvPr id="19" name="Straight Connector 18">
             <a:extLst>
               <a:ext uri="{FF2B5EF4-FFF2-40B4-BE49-F238E27FC236}">
-                <a16:creationId xmlns:a16="http://schemas.microsoft.com/office/drawing/2014/main" xmlns="" id="{F00811BB-0E37-4D70-84A5-97B3FBEDCBE6}"/>
+                <a16:creationId xmlns="" xmlns:a16="http://schemas.microsoft.com/office/drawing/2014/main" id="{F00811BB-0E37-4D70-84A5-97B3FBEDCBE6}"/>
               </a:ext>
             </a:extLst>
           </p:cNvPr>
@@ -25201,7 +25201,7 @@
           <p:cNvPr id="20" name="Oval 19">
             <a:extLst>
               <a:ext uri="{FF2B5EF4-FFF2-40B4-BE49-F238E27FC236}">
-                <a16:creationId xmlns:a16="http://schemas.microsoft.com/office/drawing/2014/main" xmlns="" id="{D03B3046-0457-4D23-8E0C-64E3FCD620BB}"/>
+                <a16:creationId xmlns="" xmlns:a16="http://schemas.microsoft.com/office/drawing/2014/main" id="{D03B3046-0457-4D23-8E0C-64E3FCD620BB}"/>
               </a:ext>
             </a:extLst>
           </p:cNvPr>
@@ -25256,7 +25256,7 @@
           <p:cNvPr id="40" name="Text Placeholder 2">
             <a:extLst>
               <a:ext uri="{FF2B5EF4-FFF2-40B4-BE49-F238E27FC236}">
-                <a16:creationId xmlns:a16="http://schemas.microsoft.com/office/drawing/2014/main" xmlns="" id="{4A98AB01-9578-4430-96AD-F434AF0CDA20}"/>
+                <a16:creationId xmlns="" xmlns:a16="http://schemas.microsoft.com/office/drawing/2014/main" id="{4A98AB01-9578-4430-96AD-F434AF0CDA20}"/>
               </a:ext>
             </a:extLst>
           </p:cNvPr>
@@ -25393,7 +25393,7 @@
           <p:cNvPr id="41" name="Text Placeholder 2">
             <a:extLst>
               <a:ext uri="{FF2B5EF4-FFF2-40B4-BE49-F238E27FC236}">
-                <a16:creationId xmlns:a16="http://schemas.microsoft.com/office/drawing/2014/main" xmlns="" id="{EF9D60F2-A1FB-4A95-997B-A4F1723AC1EC}"/>
+                <a16:creationId xmlns="" xmlns:a16="http://schemas.microsoft.com/office/drawing/2014/main" id="{EF9D60F2-A1FB-4A95-997B-A4F1723AC1EC}"/>
               </a:ext>
             </a:extLst>
           </p:cNvPr>
@@ -25533,7 +25533,7 @@
           <p:cNvPr id="42" name="Picture Placeholder 2">
             <a:extLst>
               <a:ext uri="{FF2B5EF4-FFF2-40B4-BE49-F238E27FC236}">
-                <a16:creationId xmlns:a16="http://schemas.microsoft.com/office/drawing/2014/main" xmlns="" id="{76A56D2A-42F0-40C5-96D7-B1AC33152A85}"/>
+                <a16:creationId xmlns="" xmlns:a16="http://schemas.microsoft.com/office/drawing/2014/main" id="{76A56D2A-42F0-40C5-96D7-B1AC33152A85}"/>
               </a:ext>
             </a:extLst>
           </p:cNvPr>
@@ -25585,7 +25585,7 @@
           <p:cNvPr id="43" name="Straight Connector 42">
             <a:extLst>
               <a:ext uri="{FF2B5EF4-FFF2-40B4-BE49-F238E27FC236}">
-                <a16:creationId xmlns:a16="http://schemas.microsoft.com/office/drawing/2014/main" xmlns="" id="{CF6D1C91-9136-4678-A712-92BE9B3902C4}"/>
+                <a16:creationId xmlns="" xmlns:a16="http://schemas.microsoft.com/office/drawing/2014/main" id="{CF6D1C91-9136-4678-A712-92BE9B3902C4}"/>
               </a:ext>
             </a:extLst>
           </p:cNvPr>
@@ -25628,7 +25628,7 @@
           <p:cNvPr id="4" name="Text Placeholder 3">
             <a:extLst>
               <a:ext uri="{FF2B5EF4-FFF2-40B4-BE49-F238E27FC236}">
-                <a16:creationId xmlns:a16="http://schemas.microsoft.com/office/drawing/2014/main" xmlns="" id="{F2D92A7B-1C40-4AEB-92C3-C35F8C01F1FA}"/>
+                <a16:creationId xmlns="" xmlns:a16="http://schemas.microsoft.com/office/drawing/2014/main" id="{F2D92A7B-1C40-4AEB-92C3-C35F8C01F1FA}"/>
               </a:ext>
             </a:extLst>
           </p:cNvPr>
@@ -25865,7 +25865,7 @@
           <p:cNvPr id="24" name="Oval 23">
             <a:extLst>
               <a:ext uri="{FF2B5EF4-FFF2-40B4-BE49-F238E27FC236}">
-                <a16:creationId xmlns:a16="http://schemas.microsoft.com/office/drawing/2014/main" xmlns="" id="{F2E312F1-B417-47B6-97E4-7CCA31034F82}"/>
+                <a16:creationId xmlns="" xmlns:a16="http://schemas.microsoft.com/office/drawing/2014/main" id="{F2E312F1-B417-47B6-97E4-7CCA31034F82}"/>
               </a:ext>
             </a:extLst>
           </p:cNvPr>
@@ -25925,7 +25925,7 @@
           <p:cNvPr id="58" name="Text Placeholder 2">
             <a:extLst>
               <a:ext uri="{FF2B5EF4-FFF2-40B4-BE49-F238E27FC236}">
-                <a16:creationId xmlns:a16="http://schemas.microsoft.com/office/drawing/2014/main" xmlns="" id="{13DB5D84-04D8-4536-A06B-AED76E7C51D7}"/>
+                <a16:creationId xmlns="" xmlns:a16="http://schemas.microsoft.com/office/drawing/2014/main" id="{13DB5D84-04D8-4536-A06B-AED76E7C51D7}"/>
               </a:ext>
             </a:extLst>
           </p:cNvPr>
@@ -26062,7 +26062,7 @@
           <p:cNvPr id="59" name="Text Placeholder 2">
             <a:extLst>
               <a:ext uri="{FF2B5EF4-FFF2-40B4-BE49-F238E27FC236}">
-                <a16:creationId xmlns:a16="http://schemas.microsoft.com/office/drawing/2014/main" xmlns="" id="{3AB0AC7E-7919-422E-95A1-82E8B125756D}"/>
+                <a16:creationId xmlns="" xmlns:a16="http://schemas.microsoft.com/office/drawing/2014/main" id="{3AB0AC7E-7919-422E-95A1-82E8B125756D}"/>
               </a:ext>
             </a:extLst>
           </p:cNvPr>
@@ -26202,7 +26202,7 @@
           <p:cNvPr id="60" name="Picture Placeholder 2">
             <a:extLst>
               <a:ext uri="{FF2B5EF4-FFF2-40B4-BE49-F238E27FC236}">
-                <a16:creationId xmlns:a16="http://schemas.microsoft.com/office/drawing/2014/main" xmlns="" id="{B44FD76B-D1AE-458B-AF32-E4AA246B0881}"/>
+                <a16:creationId xmlns="" xmlns:a16="http://schemas.microsoft.com/office/drawing/2014/main" id="{B44FD76B-D1AE-458B-AF32-E4AA246B0881}"/>
               </a:ext>
             </a:extLst>
           </p:cNvPr>
@@ -26254,7 +26254,7 @@
           <p:cNvPr id="61" name="Straight Connector 60">
             <a:extLst>
               <a:ext uri="{FF2B5EF4-FFF2-40B4-BE49-F238E27FC236}">
-                <a16:creationId xmlns:a16="http://schemas.microsoft.com/office/drawing/2014/main" xmlns="" id="{07D22CD4-7F86-495D-B381-7D706058B916}"/>
+                <a16:creationId xmlns="" xmlns:a16="http://schemas.microsoft.com/office/drawing/2014/main" id="{07D22CD4-7F86-495D-B381-7D706058B916}"/>
               </a:ext>
             </a:extLst>
           </p:cNvPr>
@@ -26297,7 +26297,7 @@
           <p:cNvPr id="62" name="Text Placeholder 3">
             <a:extLst>
               <a:ext uri="{FF2B5EF4-FFF2-40B4-BE49-F238E27FC236}">
-                <a16:creationId xmlns:a16="http://schemas.microsoft.com/office/drawing/2014/main" xmlns="" id="{1BA0EB90-BA97-4A18-AD3D-1E839B636DEB}"/>
+                <a16:creationId xmlns="" xmlns:a16="http://schemas.microsoft.com/office/drawing/2014/main" id="{1BA0EB90-BA97-4A18-AD3D-1E839B636DEB}"/>
               </a:ext>
             </a:extLst>
           </p:cNvPr>
@@ -26534,7 +26534,7 @@
           <p:cNvPr id="63" name="Oval 62">
             <a:extLst>
               <a:ext uri="{FF2B5EF4-FFF2-40B4-BE49-F238E27FC236}">
-                <a16:creationId xmlns:a16="http://schemas.microsoft.com/office/drawing/2014/main" xmlns="" id="{ED057A87-963C-4F8A-BD4C-959BF8AF699B}"/>
+                <a16:creationId xmlns="" xmlns:a16="http://schemas.microsoft.com/office/drawing/2014/main" id="{ED057A87-963C-4F8A-BD4C-959BF8AF699B}"/>
               </a:ext>
             </a:extLst>
           </p:cNvPr>
@@ -26594,7 +26594,7 @@
           <p:cNvPr id="64" name="Text Placeholder 2">
             <a:extLst>
               <a:ext uri="{FF2B5EF4-FFF2-40B4-BE49-F238E27FC236}">
-                <a16:creationId xmlns:a16="http://schemas.microsoft.com/office/drawing/2014/main" xmlns="" id="{B6BAFE05-9EC0-4C3C-AB0F-89A83361452F}"/>
+                <a16:creationId xmlns="" xmlns:a16="http://schemas.microsoft.com/office/drawing/2014/main" id="{B6BAFE05-9EC0-4C3C-AB0F-89A83361452F}"/>
               </a:ext>
             </a:extLst>
           </p:cNvPr>
@@ -26731,7 +26731,7 @@
           <p:cNvPr id="65" name="Text Placeholder 2">
             <a:extLst>
               <a:ext uri="{FF2B5EF4-FFF2-40B4-BE49-F238E27FC236}">
-                <a16:creationId xmlns:a16="http://schemas.microsoft.com/office/drawing/2014/main" xmlns="" id="{290BF8E2-78CA-4427-9231-3C5EDC272DEE}"/>
+                <a16:creationId xmlns="" xmlns:a16="http://schemas.microsoft.com/office/drawing/2014/main" id="{290BF8E2-78CA-4427-9231-3C5EDC272DEE}"/>
               </a:ext>
             </a:extLst>
           </p:cNvPr>
@@ -26871,7 +26871,7 @@
           <p:cNvPr id="66" name="Picture Placeholder 2">
             <a:extLst>
               <a:ext uri="{FF2B5EF4-FFF2-40B4-BE49-F238E27FC236}">
-                <a16:creationId xmlns:a16="http://schemas.microsoft.com/office/drawing/2014/main" xmlns="" id="{ACA8732F-AB9E-4253-BB5A-5ADD5BA9B153}"/>
+                <a16:creationId xmlns="" xmlns:a16="http://schemas.microsoft.com/office/drawing/2014/main" id="{ACA8732F-AB9E-4253-BB5A-5ADD5BA9B153}"/>
               </a:ext>
             </a:extLst>
           </p:cNvPr>
@@ -26923,7 +26923,7 @@
           <p:cNvPr id="67" name="Straight Connector 66">
             <a:extLst>
               <a:ext uri="{FF2B5EF4-FFF2-40B4-BE49-F238E27FC236}">
-                <a16:creationId xmlns:a16="http://schemas.microsoft.com/office/drawing/2014/main" xmlns="" id="{BB9A566A-8C97-4AE6-B9EF-701587499889}"/>
+                <a16:creationId xmlns="" xmlns:a16="http://schemas.microsoft.com/office/drawing/2014/main" id="{BB9A566A-8C97-4AE6-B9EF-701587499889}"/>
               </a:ext>
             </a:extLst>
           </p:cNvPr>
@@ -26966,7 +26966,7 @@
           <p:cNvPr id="68" name="Text Placeholder 3">
             <a:extLst>
               <a:ext uri="{FF2B5EF4-FFF2-40B4-BE49-F238E27FC236}">
-                <a16:creationId xmlns:a16="http://schemas.microsoft.com/office/drawing/2014/main" xmlns="" id="{45B69021-5E85-4B37-B529-366AC57512FD}"/>
+                <a16:creationId xmlns="" xmlns:a16="http://schemas.microsoft.com/office/drawing/2014/main" id="{45B69021-5E85-4B37-B529-366AC57512FD}"/>
               </a:ext>
             </a:extLst>
           </p:cNvPr>
@@ -27203,7 +27203,7 @@
           <p:cNvPr id="69" name="Oval 68">
             <a:extLst>
               <a:ext uri="{FF2B5EF4-FFF2-40B4-BE49-F238E27FC236}">
-                <a16:creationId xmlns:a16="http://schemas.microsoft.com/office/drawing/2014/main" xmlns="" id="{E407CD49-808A-445A-96C0-E3083C9FB390}"/>
+                <a16:creationId xmlns="" xmlns:a16="http://schemas.microsoft.com/office/drawing/2014/main" id="{E407CD49-808A-445A-96C0-E3083C9FB390}"/>
               </a:ext>
             </a:extLst>
           </p:cNvPr>
@@ -27293,7 +27293,7 @@
           <p:cNvPr id="7" name="Rectangle 6">
             <a:extLst>
               <a:ext uri="{FF2B5EF4-FFF2-40B4-BE49-F238E27FC236}">
-                <a16:creationId xmlns:a16="http://schemas.microsoft.com/office/drawing/2014/main" xmlns="" id="{09F1B35C-893A-4033-ADC0-2192AFA29271}"/>
+                <a16:creationId xmlns="" xmlns:a16="http://schemas.microsoft.com/office/drawing/2014/main" id="{09F1B35C-893A-4033-ADC0-2192AFA29271}"/>
               </a:ext>
             </a:extLst>
           </p:cNvPr>
@@ -27360,7 +27360,7 @@
           <p:cNvPr id="2" name="Title 1">
             <a:extLst>
               <a:ext uri="{FF2B5EF4-FFF2-40B4-BE49-F238E27FC236}">
-                <a16:creationId xmlns:a16="http://schemas.microsoft.com/office/drawing/2014/main" xmlns="" id="{CD637DF8-B064-4F36-89F8-EBF538A2E7F2}"/>
+                <a16:creationId xmlns="" xmlns:a16="http://schemas.microsoft.com/office/drawing/2014/main" id="{CD637DF8-B064-4F36-89F8-EBF538A2E7F2}"/>
               </a:ext>
             </a:extLst>
           </p:cNvPr>
@@ -27399,7 +27399,7 @@
           <p:cNvPr id="3" name="Text Placeholder 2">
             <a:extLst>
               <a:ext uri="{FF2B5EF4-FFF2-40B4-BE49-F238E27FC236}">
-                <a16:creationId xmlns:a16="http://schemas.microsoft.com/office/drawing/2014/main" xmlns="" id="{8A72532A-5006-46B7-AE99-3A6891CD0254}"/>
+                <a16:creationId xmlns="" xmlns:a16="http://schemas.microsoft.com/office/drawing/2014/main" id="{8A72532A-5006-46B7-AE99-3A6891CD0254}"/>
               </a:ext>
             </a:extLst>
           </p:cNvPr>
@@ -27529,7 +27529,7 @@
           <p:cNvPr id="4" name="Date Placeholder 3">
             <a:extLst>
               <a:ext uri="{FF2B5EF4-FFF2-40B4-BE49-F238E27FC236}">
-                <a16:creationId xmlns:a16="http://schemas.microsoft.com/office/drawing/2014/main" xmlns="" id="{49EFC6D7-3241-401C-A16A-4A7CC2653954}"/>
+                <a16:creationId xmlns="" xmlns:a16="http://schemas.microsoft.com/office/drawing/2014/main" id="{49EFC6D7-3241-401C-A16A-4A7CC2653954}"/>
               </a:ext>
             </a:extLst>
           </p:cNvPr>
@@ -27557,7 +27557,7 @@
           <p:cNvPr id="5" name="Footer Placeholder 4">
             <a:extLst>
               <a:ext uri="{FF2B5EF4-FFF2-40B4-BE49-F238E27FC236}">
-                <a16:creationId xmlns:a16="http://schemas.microsoft.com/office/drawing/2014/main" xmlns="" id="{F345D6DC-ABA5-4D00-9CD3-92FFDD1FA2DC}"/>
+                <a16:creationId xmlns="" xmlns:a16="http://schemas.microsoft.com/office/drawing/2014/main" id="{F345D6DC-ABA5-4D00-9CD3-92FFDD1FA2DC}"/>
               </a:ext>
             </a:extLst>
           </p:cNvPr>
@@ -27585,7 +27585,7 @@
           <p:cNvPr id="6" name="Slide Number Placeholder 5">
             <a:extLst>
               <a:ext uri="{FF2B5EF4-FFF2-40B4-BE49-F238E27FC236}">
-                <a16:creationId xmlns:a16="http://schemas.microsoft.com/office/drawing/2014/main" xmlns="" id="{92459C86-0106-40E0-AA18-795EC5787677}"/>
+                <a16:creationId xmlns="" xmlns:a16="http://schemas.microsoft.com/office/drawing/2014/main" id="{92459C86-0106-40E0-AA18-795EC5787677}"/>
               </a:ext>
             </a:extLst>
           </p:cNvPr>
@@ -27614,7 +27614,7 @@
           <p:cNvPr id="11" name="Picture Placeholder 10">
             <a:extLst>
               <a:ext uri="{FF2B5EF4-FFF2-40B4-BE49-F238E27FC236}">
-                <a16:creationId xmlns:a16="http://schemas.microsoft.com/office/drawing/2014/main" xmlns="" id="{6D14F7B3-A6CF-491C-9855-75B5784CC456}"/>
+                <a16:creationId xmlns="" xmlns:a16="http://schemas.microsoft.com/office/drawing/2014/main" id="{6D14F7B3-A6CF-491C-9855-75B5784CC456}"/>
               </a:ext>
             </a:extLst>
           </p:cNvPr>
@@ -27655,7 +27655,7 @@
           <p:cNvPr id="15" name="Group 14">
             <a:extLst>
               <a:ext uri="{FF2B5EF4-FFF2-40B4-BE49-F238E27FC236}">
-                <a16:creationId xmlns:a16="http://schemas.microsoft.com/office/drawing/2014/main" xmlns="" id="{B7317392-EF87-4050-8BBE-32F74B0CF15A}"/>
+                <a16:creationId xmlns="" xmlns:a16="http://schemas.microsoft.com/office/drawing/2014/main" id="{B7317392-EF87-4050-8BBE-32F74B0CF15A}"/>
               </a:ext>
             </a:extLst>
           </p:cNvPr>
@@ -27675,7 +27675,7 @@
             <p:cNvPr id="13" name="Straight Connector 12">
               <a:extLst>
                 <a:ext uri="{FF2B5EF4-FFF2-40B4-BE49-F238E27FC236}">
-                  <a16:creationId xmlns:a16="http://schemas.microsoft.com/office/drawing/2014/main" xmlns="" id="{785A4134-866D-4143-AC1E-8A2FFDB49855}"/>
+                  <a16:creationId xmlns="" xmlns:a16="http://schemas.microsoft.com/office/drawing/2014/main" id="{785A4134-866D-4143-AC1E-8A2FFDB49855}"/>
                 </a:ext>
               </a:extLst>
             </p:cNvPr>
@@ -27721,7 +27721,7 @@
             <p:cNvPr id="14" name="Oval 13">
               <a:extLst>
                 <a:ext uri="{FF2B5EF4-FFF2-40B4-BE49-F238E27FC236}">
-                  <a16:creationId xmlns:a16="http://schemas.microsoft.com/office/drawing/2014/main" xmlns="" id="{1BBC5D9C-B8FB-455B-9398-36DB21F2765E}"/>
+                  <a16:creationId xmlns="" xmlns:a16="http://schemas.microsoft.com/office/drawing/2014/main" id="{1BBC5D9C-B8FB-455B-9398-36DB21F2765E}"/>
                 </a:ext>
               </a:extLst>
             </p:cNvPr>
@@ -27782,7 +27782,7 @@
           <p:cNvPr id="17" name="Oval 16">
             <a:extLst>
               <a:ext uri="{FF2B5EF4-FFF2-40B4-BE49-F238E27FC236}">
-                <a16:creationId xmlns:a16="http://schemas.microsoft.com/office/drawing/2014/main" xmlns="" id="{72225750-E4CE-4A81-A0C3-4023030D637E}"/>
+                <a16:creationId xmlns="" xmlns:a16="http://schemas.microsoft.com/office/drawing/2014/main" id="{72225750-E4CE-4A81-A0C3-4023030D637E}"/>
               </a:ext>
             </a:extLst>
           </p:cNvPr>
@@ -27837,7 +27837,7 @@
           <p:cNvPr id="18" name="Straight Connector 17">
             <a:extLst>
               <a:ext uri="{FF2B5EF4-FFF2-40B4-BE49-F238E27FC236}">
-                <a16:creationId xmlns:a16="http://schemas.microsoft.com/office/drawing/2014/main" xmlns="" id="{3819C324-07DF-49DB-A08C-0E6155CE3041}"/>
+                <a16:creationId xmlns="" xmlns:a16="http://schemas.microsoft.com/office/drawing/2014/main" id="{3819C324-07DF-49DB-A08C-0E6155CE3041}"/>
               </a:ext>
             </a:extLst>
           </p:cNvPr>
@@ -27881,7 +27881,7 @@
           <p:cNvPr id="19" name="Oval 18">
             <a:extLst>
               <a:ext uri="{FF2B5EF4-FFF2-40B4-BE49-F238E27FC236}">
-                <a16:creationId xmlns:a16="http://schemas.microsoft.com/office/drawing/2014/main" xmlns="" id="{75A34025-44F2-4A09-8629-F1794E9D35AF}"/>
+                <a16:creationId xmlns="" xmlns:a16="http://schemas.microsoft.com/office/drawing/2014/main" id="{75A34025-44F2-4A09-8629-F1794E9D35AF}"/>
               </a:ext>
             </a:extLst>
           </p:cNvPr>
@@ -27936,7 +27936,7 @@
           <p:cNvPr id="20" name="Straight Connector 19">
             <a:extLst>
               <a:ext uri="{FF2B5EF4-FFF2-40B4-BE49-F238E27FC236}">
-                <a16:creationId xmlns:a16="http://schemas.microsoft.com/office/drawing/2014/main" xmlns="" id="{815854A2-EAE9-4B2A-84CF-5A4BD753863A}"/>
+                <a16:creationId xmlns="" xmlns:a16="http://schemas.microsoft.com/office/drawing/2014/main" id="{815854A2-EAE9-4B2A-84CF-5A4BD753863A}"/>
               </a:ext>
             </a:extLst>
           </p:cNvPr>
@@ -27982,7 +27982,7 @@
           <p:cNvPr id="35" name="Text Placeholder 2">
             <a:extLst>
               <a:ext uri="{FF2B5EF4-FFF2-40B4-BE49-F238E27FC236}">
-                <a16:creationId xmlns:a16="http://schemas.microsoft.com/office/drawing/2014/main" xmlns="" id="{82DA762C-1D45-43AA-9DB3-3D8DBE3EACFE}"/>
+                <a16:creationId xmlns="" xmlns:a16="http://schemas.microsoft.com/office/drawing/2014/main" id="{82DA762C-1D45-43AA-9DB3-3D8DBE3EACFE}"/>
               </a:ext>
             </a:extLst>
           </p:cNvPr>
@@ -28117,7 +28117,7 @@
           <p:cNvPr id="38" name="Text Placeholder 2">
             <a:extLst>
               <a:ext uri="{FF2B5EF4-FFF2-40B4-BE49-F238E27FC236}">
-                <a16:creationId xmlns:a16="http://schemas.microsoft.com/office/drawing/2014/main" xmlns="" id="{4C3C1BF4-C955-4D71-87E4-BE0F7B619575}"/>
+                <a16:creationId xmlns="" xmlns:a16="http://schemas.microsoft.com/office/drawing/2014/main" id="{4C3C1BF4-C955-4D71-87E4-BE0F7B619575}"/>
               </a:ext>
             </a:extLst>
           </p:cNvPr>
@@ -28282,7 +28282,7 @@
           <p:cNvPr id="15" name="Rectangle 14">
             <a:extLst>
               <a:ext uri="{FF2B5EF4-FFF2-40B4-BE49-F238E27FC236}">
-                <a16:creationId xmlns:a16="http://schemas.microsoft.com/office/drawing/2014/main" xmlns="" id="{E8E3FDB8-6D5C-48FE-99EA-7EC60F4D8191}"/>
+                <a16:creationId xmlns="" xmlns:a16="http://schemas.microsoft.com/office/drawing/2014/main" id="{E8E3FDB8-6D5C-48FE-99EA-7EC60F4D8191}"/>
               </a:ext>
             </a:extLst>
           </p:cNvPr>
@@ -28349,7 +28349,7 @@
           <p:cNvPr id="5" name="Date Placeholder 4">
             <a:extLst>
               <a:ext uri="{FF2B5EF4-FFF2-40B4-BE49-F238E27FC236}">
-                <a16:creationId xmlns:a16="http://schemas.microsoft.com/office/drawing/2014/main" xmlns="" id="{2D9775F3-A041-479A-8038-652B7D9C72E9}"/>
+                <a16:creationId xmlns="" xmlns:a16="http://schemas.microsoft.com/office/drawing/2014/main" id="{2D9775F3-A041-479A-8038-652B7D9C72E9}"/>
               </a:ext>
             </a:extLst>
           </p:cNvPr>
@@ -28377,7 +28377,7 @@
           <p:cNvPr id="6" name="Footer Placeholder 5">
             <a:extLst>
               <a:ext uri="{FF2B5EF4-FFF2-40B4-BE49-F238E27FC236}">
-                <a16:creationId xmlns:a16="http://schemas.microsoft.com/office/drawing/2014/main" xmlns="" id="{29BEDD04-BE4E-4B91-B13E-0C4FB3E1658F}"/>
+                <a16:creationId xmlns="" xmlns:a16="http://schemas.microsoft.com/office/drawing/2014/main" id="{29BEDD04-BE4E-4B91-B13E-0C4FB3E1658F}"/>
               </a:ext>
             </a:extLst>
           </p:cNvPr>
@@ -28405,7 +28405,7 @@
           <p:cNvPr id="7" name="Slide Number Placeholder 6">
             <a:extLst>
               <a:ext uri="{FF2B5EF4-FFF2-40B4-BE49-F238E27FC236}">
-                <a16:creationId xmlns:a16="http://schemas.microsoft.com/office/drawing/2014/main" xmlns="" id="{306DF5D8-12DC-494E-B0F1-2E9C86A14544}"/>
+                <a16:creationId xmlns="" xmlns:a16="http://schemas.microsoft.com/office/drawing/2014/main" id="{306DF5D8-12DC-494E-B0F1-2E9C86A14544}"/>
               </a:ext>
             </a:extLst>
           </p:cNvPr>
@@ -28434,7 +28434,7 @@
           <p:cNvPr id="8" name="Title 1">
             <a:extLst>
               <a:ext uri="{FF2B5EF4-FFF2-40B4-BE49-F238E27FC236}">
-                <a16:creationId xmlns:a16="http://schemas.microsoft.com/office/drawing/2014/main" xmlns="" id="{ABF87C9E-53A2-4DE1-89DC-3907BE2E3D3C}"/>
+                <a16:creationId xmlns="" xmlns:a16="http://schemas.microsoft.com/office/drawing/2014/main" id="{ABF87C9E-53A2-4DE1-89DC-3907BE2E3D3C}"/>
               </a:ext>
             </a:extLst>
           </p:cNvPr>
@@ -28473,7 +28473,7 @@
           <p:cNvPr id="9" name="Text Placeholder 2">
             <a:extLst>
               <a:ext uri="{FF2B5EF4-FFF2-40B4-BE49-F238E27FC236}">
-                <a16:creationId xmlns:a16="http://schemas.microsoft.com/office/drawing/2014/main" xmlns="" id="{EB453F8F-AA02-4E0D-93BF-8CF4F1490377}"/>
+                <a16:creationId xmlns="" xmlns:a16="http://schemas.microsoft.com/office/drawing/2014/main" id="{EB453F8F-AA02-4E0D-93BF-8CF4F1490377}"/>
               </a:ext>
             </a:extLst>
           </p:cNvPr>
@@ -28603,7 +28603,7 @@
           <p:cNvPr id="10" name="Picture Placeholder 10">
             <a:extLst>
               <a:ext uri="{FF2B5EF4-FFF2-40B4-BE49-F238E27FC236}">
-                <a16:creationId xmlns:a16="http://schemas.microsoft.com/office/drawing/2014/main" xmlns="" id="{A541F291-2E4B-474E-9ED0-55C97A2A066D}"/>
+                <a16:creationId xmlns="" xmlns:a16="http://schemas.microsoft.com/office/drawing/2014/main" id="{A541F291-2E4B-474E-9ED0-55C97A2A066D}"/>
               </a:ext>
             </a:extLst>
           </p:cNvPr>
@@ -28644,7 +28644,7 @@
           <p:cNvPr id="11" name="Group 10">
             <a:extLst>
               <a:ext uri="{FF2B5EF4-FFF2-40B4-BE49-F238E27FC236}">
-                <a16:creationId xmlns:a16="http://schemas.microsoft.com/office/drawing/2014/main" xmlns="" id="{59E4D57E-4989-4939-A31F-637543FAB606}"/>
+                <a16:creationId xmlns="" xmlns:a16="http://schemas.microsoft.com/office/drawing/2014/main" id="{59E4D57E-4989-4939-A31F-637543FAB606}"/>
               </a:ext>
             </a:extLst>
           </p:cNvPr>
@@ -28664,7 +28664,7 @@
             <p:cNvPr id="12" name="Straight Connector 11">
               <a:extLst>
                 <a:ext uri="{FF2B5EF4-FFF2-40B4-BE49-F238E27FC236}">
-                  <a16:creationId xmlns:a16="http://schemas.microsoft.com/office/drawing/2014/main" xmlns="" id="{370B72A7-B625-48B8-88E6-BCE2A4DD531E}"/>
+                  <a16:creationId xmlns="" xmlns:a16="http://schemas.microsoft.com/office/drawing/2014/main" id="{370B72A7-B625-48B8-88E6-BCE2A4DD531E}"/>
                 </a:ext>
               </a:extLst>
             </p:cNvPr>
@@ -28710,7 +28710,7 @@
             <p:cNvPr id="13" name="Oval 12">
               <a:extLst>
                 <a:ext uri="{FF2B5EF4-FFF2-40B4-BE49-F238E27FC236}">
-                  <a16:creationId xmlns:a16="http://schemas.microsoft.com/office/drawing/2014/main" xmlns="" id="{01ED729F-F8A5-4244-9776-4935C260F11F}"/>
+                  <a16:creationId xmlns="" xmlns:a16="http://schemas.microsoft.com/office/drawing/2014/main" id="{01ED729F-F8A5-4244-9776-4935C260F11F}"/>
                 </a:ext>
               </a:extLst>
             </p:cNvPr>
@@ -28771,7 +28771,7 @@
           <p:cNvPr id="17" name="Straight Connector 16">
             <a:extLst>
               <a:ext uri="{FF2B5EF4-FFF2-40B4-BE49-F238E27FC236}">
-                <a16:creationId xmlns:a16="http://schemas.microsoft.com/office/drawing/2014/main" xmlns="" id="{6150998C-CF95-4C6F-8962-8EB2DB30177D}"/>
+                <a16:creationId xmlns="" xmlns:a16="http://schemas.microsoft.com/office/drawing/2014/main" id="{6150998C-CF95-4C6F-8962-8EB2DB30177D}"/>
               </a:ext>
             </a:extLst>
           </p:cNvPr>
@@ -28815,7 +28815,7 @@
           <p:cNvPr id="18" name="Oval 17">
             <a:extLst>
               <a:ext uri="{FF2B5EF4-FFF2-40B4-BE49-F238E27FC236}">
-                <a16:creationId xmlns:a16="http://schemas.microsoft.com/office/drawing/2014/main" xmlns="" id="{F86A2ACD-8CF5-48A3-A678-E213A809B332}"/>
+                <a16:creationId xmlns="" xmlns:a16="http://schemas.microsoft.com/office/drawing/2014/main" id="{F86A2ACD-8CF5-48A3-A678-E213A809B332}"/>
               </a:ext>
             </a:extLst>
           </p:cNvPr>
@@ -28870,7 +28870,7 @@
           <p:cNvPr id="19" name="Straight Connector 18">
             <a:extLst>
               <a:ext uri="{FF2B5EF4-FFF2-40B4-BE49-F238E27FC236}">
-                <a16:creationId xmlns:a16="http://schemas.microsoft.com/office/drawing/2014/main" xmlns="" id="{F00811BB-0E37-4D70-84A5-97B3FBEDCBE6}"/>
+                <a16:creationId xmlns="" xmlns:a16="http://schemas.microsoft.com/office/drawing/2014/main" id="{F00811BB-0E37-4D70-84A5-97B3FBEDCBE6}"/>
               </a:ext>
             </a:extLst>
           </p:cNvPr>
@@ -28916,7 +28916,7 @@
           <p:cNvPr id="20" name="Oval 19">
             <a:extLst>
               <a:ext uri="{FF2B5EF4-FFF2-40B4-BE49-F238E27FC236}">
-                <a16:creationId xmlns:a16="http://schemas.microsoft.com/office/drawing/2014/main" xmlns="" id="{D03B3046-0457-4D23-8E0C-64E3FCD620BB}"/>
+                <a16:creationId xmlns="" xmlns:a16="http://schemas.microsoft.com/office/drawing/2014/main" id="{D03B3046-0457-4D23-8E0C-64E3FCD620BB}"/>
               </a:ext>
             </a:extLst>
           </p:cNvPr>
@@ -28971,7 +28971,7 @@
           <p:cNvPr id="23" name="Text Placeholder 2">
             <a:extLst>
               <a:ext uri="{FF2B5EF4-FFF2-40B4-BE49-F238E27FC236}">
-                <a16:creationId xmlns:a16="http://schemas.microsoft.com/office/drawing/2014/main" xmlns="" id="{ABD2EF23-562D-4049-92E3-48371C9E83A4}"/>
+                <a16:creationId xmlns="" xmlns:a16="http://schemas.microsoft.com/office/drawing/2014/main" id="{ABD2EF23-562D-4049-92E3-48371C9E83A4}"/>
               </a:ext>
             </a:extLst>
           </p:cNvPr>
@@ -29106,7 +29106,7 @@
           <p:cNvPr id="3" name="Rectangle 2">
             <a:extLst>
               <a:ext uri="{FF2B5EF4-FFF2-40B4-BE49-F238E27FC236}">
-                <a16:creationId xmlns:a16="http://schemas.microsoft.com/office/drawing/2014/main" xmlns="" id="{496B07E0-C579-4C5F-9AD4-6AF791562924}"/>
+                <a16:creationId xmlns="" xmlns:a16="http://schemas.microsoft.com/office/drawing/2014/main" id="{496B07E0-C579-4C5F-9AD4-6AF791562924}"/>
               </a:ext>
             </a:extLst>
           </p:cNvPr>
@@ -29125,7 +29125,7 @@
             <a:blip r:embed="rId2">
               <a:extLst>
                 <a:ext uri="{96DAC541-7B7A-43D3-8B79-37D633B846F1}">
-                  <asvg:svgBlip xmlns:asvg="http://schemas.microsoft.com/office/drawing/2016/SVG/main" xmlns="" r:embed="rId3"/>
+                  <asvg:svgBlip xmlns="" xmlns:asvg="http://schemas.microsoft.com/office/drawing/2016/SVG/main" r:embed="rId3"/>
                 </a:ext>
               </a:extLst>
             </a:blip>
@@ -29173,7 +29173,7 @@
           <p:cNvPr id="21" name="Picture Placeholder 2">
             <a:extLst>
               <a:ext uri="{FF2B5EF4-FFF2-40B4-BE49-F238E27FC236}">
-                <a16:creationId xmlns:a16="http://schemas.microsoft.com/office/drawing/2014/main" xmlns="" id="{D5639F99-011E-49CF-8ABD-A4DB4439FB47}"/>
+                <a16:creationId xmlns="" xmlns:a16="http://schemas.microsoft.com/office/drawing/2014/main" id="{D5639F99-011E-49CF-8ABD-A4DB4439FB47}"/>
               </a:ext>
             </a:extLst>
           </p:cNvPr>
@@ -29219,7 +29219,7 @@
           <p:cNvPr id="22" name="Picture Placeholder 2">
             <a:extLst>
               <a:ext uri="{FF2B5EF4-FFF2-40B4-BE49-F238E27FC236}">
-                <a16:creationId xmlns:a16="http://schemas.microsoft.com/office/drawing/2014/main" xmlns="" id="{028483B2-B562-448D-AEE1-556BC9366BBA}"/>
+                <a16:creationId xmlns="" xmlns:a16="http://schemas.microsoft.com/office/drawing/2014/main" id="{028483B2-B562-448D-AEE1-556BC9366BBA}"/>
               </a:ext>
             </a:extLst>
           </p:cNvPr>
@@ -29295,7 +29295,7 @@
           <p:cNvPr id="35" name="Rectangle 34">
             <a:extLst>
               <a:ext uri="{FF2B5EF4-FFF2-40B4-BE49-F238E27FC236}">
-                <a16:creationId xmlns:a16="http://schemas.microsoft.com/office/drawing/2014/main" xmlns="" id="{42737603-04DB-411C-B2D9-BDFF9AEE89D6}"/>
+                <a16:creationId xmlns="" xmlns:a16="http://schemas.microsoft.com/office/drawing/2014/main" id="{42737603-04DB-411C-B2D9-BDFF9AEE89D6}"/>
               </a:ext>
             </a:extLst>
           </p:cNvPr>
@@ -29362,7 +29362,7 @@
           <p:cNvPr id="21" name="Text Placeholder 3">
             <a:extLst>
               <a:ext uri="{FF2B5EF4-FFF2-40B4-BE49-F238E27FC236}">
-                <a16:creationId xmlns:a16="http://schemas.microsoft.com/office/drawing/2014/main" xmlns="" id="{605A03A4-E79C-49C5-A546-FF8E2D42E9D2}"/>
+                <a16:creationId xmlns="" xmlns:a16="http://schemas.microsoft.com/office/drawing/2014/main" id="{605A03A4-E79C-49C5-A546-FF8E2D42E9D2}"/>
               </a:ext>
             </a:extLst>
           </p:cNvPr>
@@ -29448,7 +29448,7 @@
           <p:cNvPr id="22" name="Text Placeholder 3">
             <a:extLst>
               <a:ext uri="{FF2B5EF4-FFF2-40B4-BE49-F238E27FC236}">
-                <a16:creationId xmlns:a16="http://schemas.microsoft.com/office/drawing/2014/main" xmlns="" id="{9EA27EF7-FC6B-496C-B737-B9219950367E}"/>
+                <a16:creationId xmlns="" xmlns:a16="http://schemas.microsoft.com/office/drawing/2014/main" id="{9EA27EF7-FC6B-496C-B737-B9219950367E}"/>
               </a:ext>
             </a:extLst>
           </p:cNvPr>
@@ -29538,7 +29538,7 @@
           <p:cNvPr id="23" name="Text Placeholder 3">
             <a:extLst>
               <a:ext uri="{FF2B5EF4-FFF2-40B4-BE49-F238E27FC236}">
-                <a16:creationId xmlns:a16="http://schemas.microsoft.com/office/drawing/2014/main" xmlns="" id="{6C0E2C30-6E91-49DE-B7A1-6E32A19EC81D}"/>
+                <a16:creationId xmlns="" xmlns:a16="http://schemas.microsoft.com/office/drawing/2014/main" id="{6C0E2C30-6E91-49DE-B7A1-6E32A19EC81D}"/>
               </a:ext>
             </a:extLst>
           </p:cNvPr>
@@ -29633,7 +29633,7 @@
           <p:cNvPr id="24" name="Picture Placeholder 12">
             <a:extLst>
               <a:ext uri="{FF2B5EF4-FFF2-40B4-BE49-F238E27FC236}">
-                <a16:creationId xmlns:a16="http://schemas.microsoft.com/office/drawing/2014/main" xmlns="" id="{70BE5E73-C067-492F-BE30-5E3DADAD40EF}"/>
+                <a16:creationId xmlns="" xmlns:a16="http://schemas.microsoft.com/office/drawing/2014/main" id="{70BE5E73-C067-492F-BE30-5E3DADAD40EF}"/>
               </a:ext>
             </a:extLst>
           </p:cNvPr>
@@ -29678,7 +29678,7 @@
           <p:cNvPr id="25" name="Picture Placeholder 12">
             <a:extLst>
               <a:ext uri="{FF2B5EF4-FFF2-40B4-BE49-F238E27FC236}">
-                <a16:creationId xmlns:a16="http://schemas.microsoft.com/office/drawing/2014/main" xmlns="" id="{36A9B448-4FDC-41F7-941E-5BF5A129057A}"/>
+                <a16:creationId xmlns="" xmlns:a16="http://schemas.microsoft.com/office/drawing/2014/main" id="{36A9B448-4FDC-41F7-941E-5BF5A129057A}"/>
               </a:ext>
             </a:extLst>
           </p:cNvPr>
@@ -29723,7 +29723,7 @@
           <p:cNvPr id="26" name="Text Placeholder 3">
             <a:extLst>
               <a:ext uri="{FF2B5EF4-FFF2-40B4-BE49-F238E27FC236}">
-                <a16:creationId xmlns:a16="http://schemas.microsoft.com/office/drawing/2014/main" xmlns="" id="{90B3A413-8776-4B3B-931F-C132DAB3A425}"/>
+                <a16:creationId xmlns="" xmlns:a16="http://schemas.microsoft.com/office/drawing/2014/main" id="{90B3A413-8776-4B3B-931F-C132DAB3A425}"/>
               </a:ext>
             </a:extLst>
           </p:cNvPr>
@@ -29818,7 +29818,7 @@
           <p:cNvPr id="27" name="Text Placeholder 3">
             <a:extLst>
               <a:ext uri="{FF2B5EF4-FFF2-40B4-BE49-F238E27FC236}">
-                <a16:creationId xmlns:a16="http://schemas.microsoft.com/office/drawing/2014/main" xmlns="" id="{BAD0CCD5-B712-4DB2-BFE3-4D3461B29F6D}"/>
+                <a16:creationId xmlns="" xmlns:a16="http://schemas.microsoft.com/office/drawing/2014/main" id="{BAD0CCD5-B712-4DB2-BFE3-4D3461B29F6D}"/>
               </a:ext>
             </a:extLst>
           </p:cNvPr>
@@ -29908,7 +29908,7 @@
           <p:cNvPr id="28" name="Picture Placeholder 12">
             <a:extLst>
               <a:ext uri="{FF2B5EF4-FFF2-40B4-BE49-F238E27FC236}">
-                <a16:creationId xmlns:a16="http://schemas.microsoft.com/office/drawing/2014/main" xmlns="" id="{64125935-B0D3-4ABD-9BBA-A60E46D2C55C}"/>
+                <a16:creationId xmlns="" xmlns:a16="http://schemas.microsoft.com/office/drawing/2014/main" id="{64125935-B0D3-4ABD-9BBA-A60E46D2C55C}"/>
               </a:ext>
             </a:extLst>
           </p:cNvPr>
@@ -29953,7 +29953,7 @@
           <p:cNvPr id="29" name="Text Placeholder 3">
             <a:extLst>
               <a:ext uri="{FF2B5EF4-FFF2-40B4-BE49-F238E27FC236}">
-                <a16:creationId xmlns:a16="http://schemas.microsoft.com/office/drawing/2014/main" xmlns="" id="{47D3BA4D-FA26-44C8-B927-E42CC8E67B79}"/>
+                <a16:creationId xmlns="" xmlns:a16="http://schemas.microsoft.com/office/drawing/2014/main" id="{47D3BA4D-FA26-44C8-B927-E42CC8E67B79}"/>
               </a:ext>
             </a:extLst>
           </p:cNvPr>
@@ -30048,7 +30048,7 @@
           <p:cNvPr id="30" name="Text Placeholder 3">
             <a:extLst>
               <a:ext uri="{FF2B5EF4-FFF2-40B4-BE49-F238E27FC236}">
-                <a16:creationId xmlns:a16="http://schemas.microsoft.com/office/drawing/2014/main" xmlns="" id="{2D2A84D7-2523-470B-A3C0-0140355D4F68}"/>
+                <a16:creationId xmlns="" xmlns:a16="http://schemas.microsoft.com/office/drawing/2014/main" id="{2D2A84D7-2523-470B-A3C0-0140355D4F68}"/>
               </a:ext>
             </a:extLst>
           </p:cNvPr>
@@ -30138,7 +30138,7 @@
           <p:cNvPr id="32" name="Text Placeholder 3">
             <a:extLst>
               <a:ext uri="{FF2B5EF4-FFF2-40B4-BE49-F238E27FC236}">
-                <a16:creationId xmlns:a16="http://schemas.microsoft.com/office/drawing/2014/main" xmlns="" id="{55D1A91B-BB99-4DC7-B8F5-55514B49A9D1}"/>
+                <a16:creationId xmlns="" xmlns:a16="http://schemas.microsoft.com/office/drawing/2014/main" id="{55D1A91B-BB99-4DC7-B8F5-55514B49A9D1}"/>
               </a:ext>
             </a:extLst>
           </p:cNvPr>
@@ -30233,7 +30233,7 @@
           <p:cNvPr id="33" name="Text Placeholder 3">
             <a:extLst>
               <a:ext uri="{FF2B5EF4-FFF2-40B4-BE49-F238E27FC236}">
-                <a16:creationId xmlns:a16="http://schemas.microsoft.com/office/drawing/2014/main" xmlns="" id="{FFAB2C75-BBBF-4A4D-A633-7CEFFABAFE32}"/>
+                <a16:creationId xmlns="" xmlns:a16="http://schemas.microsoft.com/office/drawing/2014/main" id="{FFAB2C75-BBBF-4A4D-A633-7CEFFABAFE32}"/>
               </a:ext>
             </a:extLst>
           </p:cNvPr>
@@ -30328,7 +30328,7 @@
           <p:cNvPr id="34" name="Text Placeholder 7">
             <a:extLst>
               <a:ext uri="{FF2B5EF4-FFF2-40B4-BE49-F238E27FC236}">
-                <a16:creationId xmlns:a16="http://schemas.microsoft.com/office/drawing/2014/main" xmlns="" id="{83CD3289-0FBC-4854-8EB2-ADD41F89CA4F}"/>
+                <a16:creationId xmlns="" xmlns:a16="http://schemas.microsoft.com/office/drawing/2014/main" id="{83CD3289-0FBC-4854-8EB2-ADD41F89CA4F}"/>
               </a:ext>
             </a:extLst>
           </p:cNvPr>
@@ -30379,7 +30379,7 @@
           <p:cNvPr id="36" name="Text Placeholder 7">
             <a:extLst>
               <a:ext uri="{FF2B5EF4-FFF2-40B4-BE49-F238E27FC236}">
-                <a16:creationId xmlns:a16="http://schemas.microsoft.com/office/drawing/2014/main" xmlns="" id="{2F18CD59-6602-4DEC-9B12-412E6BAF9283}"/>
+                <a16:creationId xmlns="" xmlns:a16="http://schemas.microsoft.com/office/drawing/2014/main" id="{2F18CD59-6602-4DEC-9B12-412E6BAF9283}"/>
               </a:ext>
             </a:extLst>
           </p:cNvPr>
@@ -30439,7 +30439,7 @@
           <p:cNvPr id="37" name="Text Placeholder 7">
             <a:extLst>
               <a:ext uri="{FF2B5EF4-FFF2-40B4-BE49-F238E27FC236}">
-                <a16:creationId xmlns:a16="http://schemas.microsoft.com/office/drawing/2014/main" xmlns="" id="{88B09568-0B94-4B51-BE65-A72C65C3D7DA}"/>
+                <a16:creationId xmlns="" xmlns:a16="http://schemas.microsoft.com/office/drawing/2014/main" id="{88B09568-0B94-4B51-BE65-A72C65C3D7DA}"/>
               </a:ext>
             </a:extLst>
           </p:cNvPr>
@@ -30499,7 +30499,7 @@
           <p:cNvPr id="40" name="Text Placeholder 3">
             <a:extLst>
               <a:ext uri="{FF2B5EF4-FFF2-40B4-BE49-F238E27FC236}">
-                <a16:creationId xmlns:a16="http://schemas.microsoft.com/office/drawing/2014/main" xmlns="" id="{315834F5-9ACD-4898-B96E-8C732881FF01}"/>
+                <a16:creationId xmlns="" xmlns:a16="http://schemas.microsoft.com/office/drawing/2014/main" id="{315834F5-9ACD-4898-B96E-8C732881FF01}"/>
               </a:ext>
             </a:extLst>
           </p:cNvPr>
@@ -30585,7 +30585,7 @@
           <p:cNvPr id="38" name="Title 1">
             <a:extLst>
               <a:ext uri="{FF2B5EF4-FFF2-40B4-BE49-F238E27FC236}">
-                <a16:creationId xmlns:a16="http://schemas.microsoft.com/office/drawing/2014/main" xmlns="" id="{7E5CF6DE-4761-4BA5-A429-30AC8BBAD45B}"/>
+                <a16:creationId xmlns="" xmlns:a16="http://schemas.microsoft.com/office/drawing/2014/main" id="{7E5CF6DE-4761-4BA5-A429-30AC8BBAD45B}"/>
               </a:ext>
             </a:extLst>
           </p:cNvPr>
@@ -30638,7 +30638,7 @@
           <p:cNvPr id="41" name="Picture Placeholder 9">
             <a:extLst>
               <a:ext uri="{FF2B5EF4-FFF2-40B4-BE49-F238E27FC236}">
-                <a16:creationId xmlns:a16="http://schemas.microsoft.com/office/drawing/2014/main" xmlns="" id="{8A4896B5-1C5E-47F0-8F0C-4EF97E356C86}"/>
+                <a16:creationId xmlns="" xmlns:a16="http://schemas.microsoft.com/office/drawing/2014/main" id="{8A4896B5-1C5E-47F0-8F0C-4EF97E356C86}"/>
               </a:ext>
             </a:extLst>
           </p:cNvPr>
@@ -30679,7 +30679,7 @@
           <p:cNvPr id="31" name="Group 30">
             <a:extLst>
               <a:ext uri="{FF2B5EF4-FFF2-40B4-BE49-F238E27FC236}">
-                <a16:creationId xmlns:a16="http://schemas.microsoft.com/office/drawing/2014/main" xmlns="" id="{D87F4783-C8BA-411C-A188-4A4DAED10C02}"/>
+                <a16:creationId xmlns="" xmlns:a16="http://schemas.microsoft.com/office/drawing/2014/main" id="{D87F4783-C8BA-411C-A188-4A4DAED10C02}"/>
               </a:ext>
             </a:extLst>
           </p:cNvPr>
@@ -30699,7 +30699,7 @@
             <p:cNvPr id="39" name="Straight Connector 38">
               <a:extLst>
                 <a:ext uri="{FF2B5EF4-FFF2-40B4-BE49-F238E27FC236}">
-                  <a16:creationId xmlns:a16="http://schemas.microsoft.com/office/drawing/2014/main" xmlns="" id="{959A2713-966D-4694-A067-D6BE1B2986D1}"/>
+                  <a16:creationId xmlns="" xmlns:a16="http://schemas.microsoft.com/office/drawing/2014/main" id="{959A2713-966D-4694-A067-D6BE1B2986D1}"/>
                 </a:ext>
               </a:extLst>
             </p:cNvPr>
@@ -30745,7 +30745,7 @@
             <p:cNvPr id="42" name="Oval 41">
               <a:extLst>
                 <a:ext uri="{FF2B5EF4-FFF2-40B4-BE49-F238E27FC236}">
-                  <a16:creationId xmlns:a16="http://schemas.microsoft.com/office/drawing/2014/main" xmlns="" id="{FCA15F19-C2FE-4F13-9359-69E884CA83B9}"/>
+                  <a16:creationId xmlns="" xmlns:a16="http://schemas.microsoft.com/office/drawing/2014/main" id="{FCA15F19-C2FE-4F13-9359-69E884CA83B9}"/>
                 </a:ext>
               </a:extLst>
             </p:cNvPr>
@@ -30836,7 +30836,7 @@
           <p:cNvPr id="8" name="Rectangle 7">
             <a:extLst>
               <a:ext uri="{FF2B5EF4-FFF2-40B4-BE49-F238E27FC236}">
-                <a16:creationId xmlns:a16="http://schemas.microsoft.com/office/drawing/2014/main" xmlns="" id="{278196A9-689D-4410-BFC0-7ACB19755A0C}"/>
+                <a16:creationId xmlns="" xmlns:a16="http://schemas.microsoft.com/office/drawing/2014/main" id="{278196A9-689D-4410-BFC0-7ACB19755A0C}"/>
               </a:ext>
             </a:extLst>
           </p:cNvPr>
@@ -30897,7 +30897,7 @@
           <p:cNvPr id="2" name="Title 1">
             <a:extLst>
               <a:ext uri="{FF2B5EF4-FFF2-40B4-BE49-F238E27FC236}">
-                <a16:creationId xmlns:a16="http://schemas.microsoft.com/office/drawing/2014/main" xmlns="" id="{129BFEAD-57CF-438A-8084-C5AC7F47E544}"/>
+                <a16:creationId xmlns="" xmlns:a16="http://schemas.microsoft.com/office/drawing/2014/main" id="{129BFEAD-57CF-438A-8084-C5AC7F47E544}"/>
               </a:ext>
             </a:extLst>
           </p:cNvPr>
@@ -30934,7 +30934,7 @@
           <p:cNvPr id="4" name="Date Placeholder 3">
             <a:extLst>
               <a:ext uri="{FF2B5EF4-FFF2-40B4-BE49-F238E27FC236}">
-                <a16:creationId xmlns:a16="http://schemas.microsoft.com/office/drawing/2014/main" xmlns="" id="{7E17A3CB-B083-4E49-9123-A5E47559DCDB}"/>
+                <a16:creationId xmlns="" xmlns:a16="http://schemas.microsoft.com/office/drawing/2014/main" id="{7E17A3CB-B083-4E49-9123-A5E47559DCDB}"/>
               </a:ext>
             </a:extLst>
           </p:cNvPr>
@@ -30962,7 +30962,7 @@
           <p:cNvPr id="5" name="Footer Placeholder 4">
             <a:extLst>
               <a:ext uri="{FF2B5EF4-FFF2-40B4-BE49-F238E27FC236}">
-                <a16:creationId xmlns:a16="http://schemas.microsoft.com/office/drawing/2014/main" xmlns="" id="{A8C4102C-4609-416C-A808-0FFE0051DAA1}"/>
+                <a16:creationId xmlns="" xmlns:a16="http://schemas.microsoft.com/office/drawing/2014/main" id="{A8C4102C-4609-416C-A808-0FFE0051DAA1}"/>
               </a:ext>
             </a:extLst>
           </p:cNvPr>
@@ -30990,7 +30990,7 @@
           <p:cNvPr id="6" name="Slide Number Placeholder 5">
             <a:extLst>
               <a:ext uri="{FF2B5EF4-FFF2-40B4-BE49-F238E27FC236}">
-                <a16:creationId xmlns:a16="http://schemas.microsoft.com/office/drawing/2014/main" xmlns="" id="{2D7BCC5D-6F2C-472F-BD4C-4096793DFC24}"/>
+                <a16:creationId xmlns="" xmlns:a16="http://schemas.microsoft.com/office/drawing/2014/main" id="{2D7BCC5D-6F2C-472F-BD4C-4096793DFC24}"/>
               </a:ext>
             </a:extLst>
           </p:cNvPr>
@@ -31019,7 +31019,7 @@
           <p:cNvPr id="7" name="Rectangle 6">
             <a:extLst>
               <a:ext uri="{FF2B5EF4-FFF2-40B4-BE49-F238E27FC236}">
-                <a16:creationId xmlns:a16="http://schemas.microsoft.com/office/drawing/2014/main" xmlns="" id="{7BE854BB-FA44-4CAB-85DF-F5C412560348}"/>
+                <a16:creationId xmlns="" xmlns:a16="http://schemas.microsoft.com/office/drawing/2014/main" id="{7BE854BB-FA44-4CAB-85DF-F5C412560348}"/>
               </a:ext>
             </a:extLst>
           </p:cNvPr>
@@ -31086,7 +31086,7 @@
           <p:cNvPr id="3" name="Subtitle 2">
             <a:extLst>
               <a:ext uri="{FF2B5EF4-FFF2-40B4-BE49-F238E27FC236}">
-                <a16:creationId xmlns:a16="http://schemas.microsoft.com/office/drawing/2014/main" xmlns="" id="{389BFFF1-5465-4317-B9DB-C23A5B1D76EF}"/>
+                <a16:creationId xmlns="" xmlns:a16="http://schemas.microsoft.com/office/drawing/2014/main" id="{389BFFF1-5465-4317-B9DB-C23A5B1D76EF}"/>
               </a:ext>
             </a:extLst>
           </p:cNvPr>
@@ -31167,7 +31167,7 @@
           <p:cNvPr id="15" name="Group 14">
             <a:extLst>
               <a:ext uri="{FF2B5EF4-FFF2-40B4-BE49-F238E27FC236}">
-                <a16:creationId xmlns:a16="http://schemas.microsoft.com/office/drawing/2014/main" xmlns="" id="{676B4374-8F24-43DE-860D-E5C6EA850AB4}"/>
+                <a16:creationId xmlns="" xmlns:a16="http://schemas.microsoft.com/office/drawing/2014/main" id="{676B4374-8F24-43DE-860D-E5C6EA850AB4}"/>
               </a:ext>
             </a:extLst>
           </p:cNvPr>
@@ -31187,7 +31187,7 @@
             <p:cNvPr id="11" name="Oval 10">
               <a:extLst>
                 <a:ext uri="{FF2B5EF4-FFF2-40B4-BE49-F238E27FC236}">
-                  <a16:creationId xmlns:a16="http://schemas.microsoft.com/office/drawing/2014/main" xmlns="" id="{585C7755-9394-4129-AB48-1AC32DA80C75}"/>
+                  <a16:creationId xmlns="" xmlns:a16="http://schemas.microsoft.com/office/drawing/2014/main" id="{585C7755-9394-4129-AB48-1AC32DA80C75}"/>
                 </a:ext>
               </a:extLst>
             </p:cNvPr>
@@ -31242,7 +31242,7 @@
             <p:cNvPr id="13" name="Straight Connector 12">
               <a:extLst>
                 <a:ext uri="{FF2B5EF4-FFF2-40B4-BE49-F238E27FC236}">
-                  <a16:creationId xmlns:a16="http://schemas.microsoft.com/office/drawing/2014/main" xmlns="" id="{64C71ABE-575A-48CF-82B1-EDE8535F3993}"/>
+                  <a16:creationId xmlns="" xmlns:a16="http://schemas.microsoft.com/office/drawing/2014/main" id="{64C71ABE-575A-48CF-82B1-EDE8535F3993}"/>
                 </a:ext>
               </a:extLst>
             </p:cNvPr>
@@ -31286,7 +31286,7 @@
             <p:cNvPr id="14" name="Oval 13">
               <a:extLst>
                 <a:ext uri="{FF2B5EF4-FFF2-40B4-BE49-F238E27FC236}">
-                  <a16:creationId xmlns:a16="http://schemas.microsoft.com/office/drawing/2014/main" xmlns="" id="{E3C1EA63-78B2-4715-B4DC-63D98AC7F354}"/>
+                  <a16:creationId xmlns="" xmlns:a16="http://schemas.microsoft.com/office/drawing/2014/main" id="{E3C1EA63-78B2-4715-B4DC-63D98AC7F354}"/>
                 </a:ext>
               </a:extLst>
             </p:cNvPr>
@@ -31342,7 +31342,7 @@
           <p:cNvPr id="16" name="Group 15">
             <a:extLst>
               <a:ext uri="{FF2B5EF4-FFF2-40B4-BE49-F238E27FC236}">
-                <a16:creationId xmlns:a16="http://schemas.microsoft.com/office/drawing/2014/main" xmlns="" id="{E9BB74A1-0BEA-4AD8-8138-0641A45D8B40}"/>
+                <a16:creationId xmlns="" xmlns:a16="http://schemas.microsoft.com/office/drawing/2014/main" id="{E9BB74A1-0BEA-4AD8-8138-0641A45D8B40}"/>
               </a:ext>
             </a:extLst>
           </p:cNvPr>
@@ -31362,7 +31362,7 @@
             <p:cNvPr id="17" name="Oval 16">
               <a:extLst>
                 <a:ext uri="{FF2B5EF4-FFF2-40B4-BE49-F238E27FC236}">
-                  <a16:creationId xmlns:a16="http://schemas.microsoft.com/office/drawing/2014/main" xmlns="" id="{73D0026E-5270-4C52-A1AF-5631E8192DCD}"/>
+                  <a16:creationId xmlns="" xmlns:a16="http://schemas.microsoft.com/office/drawing/2014/main" id="{73D0026E-5270-4C52-A1AF-5631E8192DCD}"/>
                 </a:ext>
               </a:extLst>
             </p:cNvPr>
@@ -31417,7 +31417,7 @@
             <p:cNvPr id="18" name="Straight Connector 17">
               <a:extLst>
                 <a:ext uri="{FF2B5EF4-FFF2-40B4-BE49-F238E27FC236}">
-                  <a16:creationId xmlns:a16="http://schemas.microsoft.com/office/drawing/2014/main" xmlns="" id="{A6085D92-5F70-4097-A2FF-C15B13788D08}"/>
+                  <a16:creationId xmlns="" xmlns:a16="http://schemas.microsoft.com/office/drawing/2014/main" id="{A6085D92-5F70-4097-A2FF-C15B13788D08}"/>
                 </a:ext>
               </a:extLst>
             </p:cNvPr>
@@ -31461,7 +31461,7 @@
             <p:cNvPr id="19" name="Oval 18">
               <a:extLst>
                 <a:ext uri="{FF2B5EF4-FFF2-40B4-BE49-F238E27FC236}">
-                  <a16:creationId xmlns:a16="http://schemas.microsoft.com/office/drawing/2014/main" xmlns="" id="{BE68EB6C-48D0-4EBF-8541-926D16790F52}"/>
+                  <a16:creationId xmlns="" xmlns:a16="http://schemas.microsoft.com/office/drawing/2014/main" id="{BE68EB6C-48D0-4EBF-8541-926D16790F52}"/>
                 </a:ext>
               </a:extLst>
             </p:cNvPr>
@@ -31547,7 +31547,7 @@
           <p:cNvPr id="7" name="Rectangle 6">
             <a:extLst>
               <a:ext uri="{FF2B5EF4-FFF2-40B4-BE49-F238E27FC236}">
-                <a16:creationId xmlns:a16="http://schemas.microsoft.com/office/drawing/2014/main" xmlns="" id="{45015858-8549-49EA-BB83-070E0D9D4890}"/>
+                <a16:creationId xmlns="" xmlns:a16="http://schemas.microsoft.com/office/drawing/2014/main" id="{45015858-8549-49EA-BB83-070E0D9D4890}"/>
               </a:ext>
             </a:extLst>
           </p:cNvPr>
@@ -31614,7 +31614,7 @@
           <p:cNvPr id="2" name="Title 1">
             <a:extLst>
               <a:ext uri="{FF2B5EF4-FFF2-40B4-BE49-F238E27FC236}">
-                <a16:creationId xmlns:a16="http://schemas.microsoft.com/office/drawing/2014/main" xmlns="" id="{2206FBAC-B8FD-4768-B682-E0B93BA33105}"/>
+                <a16:creationId xmlns="" xmlns:a16="http://schemas.microsoft.com/office/drawing/2014/main" id="{2206FBAC-B8FD-4768-B682-E0B93BA33105}"/>
               </a:ext>
             </a:extLst>
           </p:cNvPr>
@@ -31667,7 +31667,7 @@
           <p:cNvPr id="4" name="Date Placeholder 3">
             <a:extLst>
               <a:ext uri="{FF2B5EF4-FFF2-40B4-BE49-F238E27FC236}">
-                <a16:creationId xmlns:a16="http://schemas.microsoft.com/office/drawing/2014/main" xmlns="" id="{2472534F-03A6-408A-9BF1-303D0A440BA4}"/>
+                <a16:creationId xmlns="" xmlns:a16="http://schemas.microsoft.com/office/drawing/2014/main" id="{2472534F-03A6-408A-9BF1-303D0A440BA4}"/>
               </a:ext>
             </a:extLst>
           </p:cNvPr>
@@ -31695,7 +31695,7 @@
           <p:cNvPr id="5" name="Footer Placeholder 4">
             <a:extLst>
               <a:ext uri="{FF2B5EF4-FFF2-40B4-BE49-F238E27FC236}">
-                <a16:creationId xmlns:a16="http://schemas.microsoft.com/office/drawing/2014/main" xmlns="" id="{0A24E181-0C50-4F43-A5A7-6FDD1500C708}"/>
+                <a16:creationId xmlns="" xmlns:a16="http://schemas.microsoft.com/office/drawing/2014/main" id="{0A24E181-0C50-4F43-A5A7-6FDD1500C708}"/>
               </a:ext>
             </a:extLst>
           </p:cNvPr>
@@ -31723,7 +31723,7 @@
           <p:cNvPr id="6" name="Slide Number Placeholder 5">
             <a:extLst>
               <a:ext uri="{FF2B5EF4-FFF2-40B4-BE49-F238E27FC236}">
-                <a16:creationId xmlns:a16="http://schemas.microsoft.com/office/drawing/2014/main" xmlns="" id="{13A749CC-EB55-4FEF-AA4C-9A9C6E2AA9C0}"/>
+                <a16:creationId xmlns="" xmlns:a16="http://schemas.microsoft.com/office/drawing/2014/main" id="{13A749CC-EB55-4FEF-AA4C-9A9C6E2AA9C0}"/>
               </a:ext>
             </a:extLst>
           </p:cNvPr>
@@ -31752,7 +31752,7 @@
           <p:cNvPr id="9" name="Group 8">
             <a:extLst>
               <a:ext uri="{FF2B5EF4-FFF2-40B4-BE49-F238E27FC236}">
-                <a16:creationId xmlns:a16="http://schemas.microsoft.com/office/drawing/2014/main" xmlns="" id="{6F3E26A6-6962-4A35-AA86-805537D45296}"/>
+                <a16:creationId xmlns="" xmlns:a16="http://schemas.microsoft.com/office/drawing/2014/main" id="{6F3E26A6-6962-4A35-AA86-805537D45296}"/>
               </a:ext>
             </a:extLst>
           </p:cNvPr>
@@ -31772,7 +31772,7 @@
             <p:cNvPr id="10" name="Oval 9">
               <a:extLst>
                 <a:ext uri="{FF2B5EF4-FFF2-40B4-BE49-F238E27FC236}">
-                  <a16:creationId xmlns:a16="http://schemas.microsoft.com/office/drawing/2014/main" xmlns="" id="{681504C4-12AC-4251-8E47-0089784BDB9B}"/>
+                  <a16:creationId xmlns="" xmlns:a16="http://schemas.microsoft.com/office/drawing/2014/main" id="{681504C4-12AC-4251-8E47-0089784BDB9B}"/>
                 </a:ext>
               </a:extLst>
             </p:cNvPr>
@@ -31827,7 +31827,7 @@
             <p:cNvPr id="11" name="Straight Connector 10">
               <a:extLst>
                 <a:ext uri="{FF2B5EF4-FFF2-40B4-BE49-F238E27FC236}">
-                  <a16:creationId xmlns:a16="http://schemas.microsoft.com/office/drawing/2014/main" xmlns="" id="{192040D0-01C2-4643-8F84-3B8F334E545C}"/>
+                  <a16:creationId xmlns="" xmlns:a16="http://schemas.microsoft.com/office/drawing/2014/main" id="{192040D0-01C2-4643-8F84-3B8F334E545C}"/>
                 </a:ext>
               </a:extLst>
             </p:cNvPr>
@@ -31871,7 +31871,7 @@
             <p:cNvPr id="12" name="Oval 11">
               <a:extLst>
                 <a:ext uri="{FF2B5EF4-FFF2-40B4-BE49-F238E27FC236}">
-                  <a16:creationId xmlns:a16="http://schemas.microsoft.com/office/drawing/2014/main" xmlns="" id="{7ED601E9-2BFC-460B-A2A8-69A787A4988E}"/>
+                  <a16:creationId xmlns="" xmlns:a16="http://schemas.microsoft.com/office/drawing/2014/main" id="{7ED601E9-2BFC-460B-A2A8-69A787A4988E}"/>
                 </a:ext>
               </a:extLst>
             </p:cNvPr>
@@ -31927,7 +31927,7 @@
           <p:cNvPr id="13" name="Group 12">
             <a:extLst>
               <a:ext uri="{FF2B5EF4-FFF2-40B4-BE49-F238E27FC236}">
-                <a16:creationId xmlns:a16="http://schemas.microsoft.com/office/drawing/2014/main" xmlns="" id="{BB49A8A6-FEDB-4D20-B581-A84DB8EFE977}"/>
+                <a16:creationId xmlns="" xmlns:a16="http://schemas.microsoft.com/office/drawing/2014/main" id="{BB49A8A6-FEDB-4D20-B581-A84DB8EFE977}"/>
               </a:ext>
             </a:extLst>
           </p:cNvPr>
@@ -31947,7 +31947,7 @@
             <p:cNvPr id="14" name="Oval 13">
               <a:extLst>
                 <a:ext uri="{FF2B5EF4-FFF2-40B4-BE49-F238E27FC236}">
-                  <a16:creationId xmlns:a16="http://schemas.microsoft.com/office/drawing/2014/main" xmlns="" id="{C2F65998-5EC3-446A-8307-1CF81A348CE3}"/>
+                  <a16:creationId xmlns="" xmlns:a16="http://schemas.microsoft.com/office/drawing/2014/main" id="{C2F65998-5EC3-446A-8307-1CF81A348CE3}"/>
                 </a:ext>
               </a:extLst>
             </p:cNvPr>
@@ -32002,7 +32002,7 @@
             <p:cNvPr id="15" name="Straight Connector 14">
               <a:extLst>
                 <a:ext uri="{FF2B5EF4-FFF2-40B4-BE49-F238E27FC236}">
-                  <a16:creationId xmlns:a16="http://schemas.microsoft.com/office/drawing/2014/main" xmlns="" id="{7CC5D776-F60A-4A0C-AA7C-EFACDA2CEA88}"/>
+                  <a16:creationId xmlns="" xmlns:a16="http://schemas.microsoft.com/office/drawing/2014/main" id="{7CC5D776-F60A-4A0C-AA7C-EFACDA2CEA88}"/>
                 </a:ext>
               </a:extLst>
             </p:cNvPr>
@@ -32046,7 +32046,7 @@
             <p:cNvPr id="16" name="Oval 15">
               <a:extLst>
                 <a:ext uri="{FF2B5EF4-FFF2-40B4-BE49-F238E27FC236}">
-                  <a16:creationId xmlns:a16="http://schemas.microsoft.com/office/drawing/2014/main" xmlns="" id="{AEAFE309-55C5-409C-92ED-748307C74318}"/>
+                  <a16:creationId xmlns="" xmlns:a16="http://schemas.microsoft.com/office/drawing/2014/main" id="{AEAFE309-55C5-409C-92ED-748307C74318}"/>
                 </a:ext>
               </a:extLst>
             </p:cNvPr>
@@ -32102,7 +32102,7 @@
           <p:cNvPr id="17" name="Subtitle 2">
             <a:extLst>
               <a:ext uri="{FF2B5EF4-FFF2-40B4-BE49-F238E27FC236}">
-                <a16:creationId xmlns:a16="http://schemas.microsoft.com/office/drawing/2014/main" xmlns="" id="{5B77B20B-76F5-4912-803D-5709F730D4FB}"/>
+                <a16:creationId xmlns="" xmlns:a16="http://schemas.microsoft.com/office/drawing/2014/main" id="{5B77B20B-76F5-4912-803D-5709F730D4FB}"/>
               </a:ext>
             </a:extLst>
           </p:cNvPr>
@@ -32213,7 +32213,7 @@
           <p:cNvPr id="7" name="Rectangle 6">
             <a:extLst>
               <a:ext uri="{FF2B5EF4-FFF2-40B4-BE49-F238E27FC236}">
-                <a16:creationId xmlns:a16="http://schemas.microsoft.com/office/drawing/2014/main" xmlns="" id="{09F1B35C-893A-4033-ADC0-2192AFA29271}"/>
+                <a16:creationId xmlns="" xmlns:a16="http://schemas.microsoft.com/office/drawing/2014/main" id="{09F1B35C-893A-4033-ADC0-2192AFA29271}"/>
               </a:ext>
             </a:extLst>
           </p:cNvPr>
@@ -32280,7 +32280,7 @@
           <p:cNvPr id="2" name="Title 1">
             <a:extLst>
               <a:ext uri="{FF2B5EF4-FFF2-40B4-BE49-F238E27FC236}">
-                <a16:creationId xmlns:a16="http://schemas.microsoft.com/office/drawing/2014/main" xmlns="" id="{CD637DF8-B064-4F36-89F8-EBF538A2E7F2}"/>
+                <a16:creationId xmlns="" xmlns:a16="http://schemas.microsoft.com/office/drawing/2014/main" id="{CD637DF8-B064-4F36-89F8-EBF538A2E7F2}"/>
               </a:ext>
             </a:extLst>
           </p:cNvPr>
@@ -32319,7 +32319,7 @@
           <p:cNvPr id="3" name="Text Placeholder 2">
             <a:extLst>
               <a:ext uri="{FF2B5EF4-FFF2-40B4-BE49-F238E27FC236}">
-                <a16:creationId xmlns:a16="http://schemas.microsoft.com/office/drawing/2014/main" xmlns="" id="{8A72532A-5006-46B7-AE99-3A6891CD0254}"/>
+                <a16:creationId xmlns="" xmlns:a16="http://schemas.microsoft.com/office/drawing/2014/main" id="{8A72532A-5006-46B7-AE99-3A6891CD0254}"/>
               </a:ext>
             </a:extLst>
           </p:cNvPr>
@@ -32449,7 +32449,7 @@
           <p:cNvPr id="4" name="Date Placeholder 3">
             <a:extLst>
               <a:ext uri="{FF2B5EF4-FFF2-40B4-BE49-F238E27FC236}">
-                <a16:creationId xmlns:a16="http://schemas.microsoft.com/office/drawing/2014/main" xmlns="" id="{49EFC6D7-3241-401C-A16A-4A7CC2653954}"/>
+                <a16:creationId xmlns="" xmlns:a16="http://schemas.microsoft.com/office/drawing/2014/main" id="{49EFC6D7-3241-401C-A16A-4A7CC2653954}"/>
               </a:ext>
             </a:extLst>
           </p:cNvPr>
@@ -32477,7 +32477,7 @@
           <p:cNvPr id="5" name="Footer Placeholder 4">
             <a:extLst>
               <a:ext uri="{FF2B5EF4-FFF2-40B4-BE49-F238E27FC236}">
-                <a16:creationId xmlns:a16="http://schemas.microsoft.com/office/drawing/2014/main" xmlns="" id="{F345D6DC-ABA5-4D00-9CD3-92FFDD1FA2DC}"/>
+                <a16:creationId xmlns="" xmlns:a16="http://schemas.microsoft.com/office/drawing/2014/main" id="{F345D6DC-ABA5-4D00-9CD3-92FFDD1FA2DC}"/>
               </a:ext>
             </a:extLst>
           </p:cNvPr>
@@ -32505,7 +32505,7 @@
           <p:cNvPr id="6" name="Slide Number Placeholder 5">
             <a:extLst>
               <a:ext uri="{FF2B5EF4-FFF2-40B4-BE49-F238E27FC236}">
-                <a16:creationId xmlns:a16="http://schemas.microsoft.com/office/drawing/2014/main" xmlns="" id="{92459C86-0106-40E0-AA18-795EC5787677}"/>
+                <a16:creationId xmlns="" xmlns:a16="http://schemas.microsoft.com/office/drawing/2014/main" id="{92459C86-0106-40E0-AA18-795EC5787677}"/>
               </a:ext>
             </a:extLst>
           </p:cNvPr>
@@ -32534,7 +32534,7 @@
           <p:cNvPr id="11" name="Picture Placeholder 10">
             <a:extLst>
               <a:ext uri="{FF2B5EF4-FFF2-40B4-BE49-F238E27FC236}">
-                <a16:creationId xmlns:a16="http://schemas.microsoft.com/office/drawing/2014/main" xmlns="" id="{6D14F7B3-A6CF-491C-9855-75B5784CC456}"/>
+                <a16:creationId xmlns="" xmlns:a16="http://schemas.microsoft.com/office/drawing/2014/main" id="{6D14F7B3-A6CF-491C-9855-75B5784CC456}"/>
               </a:ext>
             </a:extLst>
           </p:cNvPr>
@@ -32575,7 +32575,7 @@
           <p:cNvPr id="15" name="Group 14">
             <a:extLst>
               <a:ext uri="{FF2B5EF4-FFF2-40B4-BE49-F238E27FC236}">
-                <a16:creationId xmlns:a16="http://schemas.microsoft.com/office/drawing/2014/main" xmlns="" id="{B7317392-EF87-4050-8BBE-32F74B0CF15A}"/>
+                <a16:creationId xmlns="" xmlns:a16="http://schemas.microsoft.com/office/drawing/2014/main" id="{B7317392-EF87-4050-8BBE-32F74B0CF15A}"/>
               </a:ext>
             </a:extLst>
           </p:cNvPr>
@@ -32595,7 +32595,7 @@
             <p:cNvPr id="13" name="Straight Connector 12">
               <a:extLst>
                 <a:ext uri="{FF2B5EF4-FFF2-40B4-BE49-F238E27FC236}">
-                  <a16:creationId xmlns:a16="http://schemas.microsoft.com/office/drawing/2014/main" xmlns="" id="{785A4134-866D-4143-AC1E-8A2FFDB49855}"/>
+                  <a16:creationId xmlns="" xmlns:a16="http://schemas.microsoft.com/office/drawing/2014/main" id="{785A4134-866D-4143-AC1E-8A2FFDB49855}"/>
                 </a:ext>
               </a:extLst>
             </p:cNvPr>
@@ -32639,7 +32639,7 @@
             <p:cNvPr id="14" name="Oval 13">
               <a:extLst>
                 <a:ext uri="{FF2B5EF4-FFF2-40B4-BE49-F238E27FC236}">
-                  <a16:creationId xmlns:a16="http://schemas.microsoft.com/office/drawing/2014/main" xmlns="" id="{1BBC5D9C-B8FB-455B-9398-36DB21F2765E}"/>
+                  <a16:creationId xmlns="" xmlns:a16="http://schemas.microsoft.com/office/drawing/2014/main" id="{1BBC5D9C-B8FB-455B-9398-36DB21F2765E}"/>
                 </a:ext>
               </a:extLst>
             </p:cNvPr>
@@ -32700,7 +32700,7 @@
           <p:cNvPr id="16" name="Text Placeholder 2">
             <a:extLst>
               <a:ext uri="{FF2B5EF4-FFF2-40B4-BE49-F238E27FC236}">
-                <a16:creationId xmlns:a16="http://schemas.microsoft.com/office/drawing/2014/main" xmlns="" id="{BB522941-5C7D-4701-9AD7-BB4C11C6EBCE}"/>
+                <a16:creationId xmlns="" xmlns:a16="http://schemas.microsoft.com/office/drawing/2014/main" id="{BB522941-5C7D-4701-9AD7-BB4C11C6EBCE}"/>
               </a:ext>
             </a:extLst>
           </p:cNvPr>
@@ -32831,7 +32831,7 @@
           <p:cNvPr id="17" name="Oval 16">
             <a:extLst>
               <a:ext uri="{FF2B5EF4-FFF2-40B4-BE49-F238E27FC236}">
-                <a16:creationId xmlns:a16="http://schemas.microsoft.com/office/drawing/2014/main" xmlns="" id="{72225750-E4CE-4A81-A0C3-4023030D637E}"/>
+                <a16:creationId xmlns="" xmlns:a16="http://schemas.microsoft.com/office/drawing/2014/main" id="{72225750-E4CE-4A81-A0C3-4023030D637E}"/>
               </a:ext>
             </a:extLst>
           </p:cNvPr>
@@ -32886,7 +32886,7 @@
           <p:cNvPr id="18" name="Straight Connector 17">
             <a:extLst>
               <a:ext uri="{FF2B5EF4-FFF2-40B4-BE49-F238E27FC236}">
-                <a16:creationId xmlns:a16="http://schemas.microsoft.com/office/drawing/2014/main" xmlns="" id="{3819C324-07DF-49DB-A08C-0E6155CE3041}"/>
+                <a16:creationId xmlns="" xmlns:a16="http://schemas.microsoft.com/office/drawing/2014/main" id="{3819C324-07DF-49DB-A08C-0E6155CE3041}"/>
               </a:ext>
             </a:extLst>
           </p:cNvPr>
@@ -32930,7 +32930,7 @@
           <p:cNvPr id="19" name="Oval 18">
             <a:extLst>
               <a:ext uri="{FF2B5EF4-FFF2-40B4-BE49-F238E27FC236}">
-                <a16:creationId xmlns:a16="http://schemas.microsoft.com/office/drawing/2014/main" xmlns="" id="{75A34025-44F2-4A09-8629-F1794E9D35AF}"/>
+                <a16:creationId xmlns="" xmlns:a16="http://schemas.microsoft.com/office/drawing/2014/main" id="{75A34025-44F2-4A09-8629-F1794E9D35AF}"/>
               </a:ext>
             </a:extLst>
           </p:cNvPr>
@@ -32985,7 +32985,7 @@
           <p:cNvPr id="20" name="Straight Connector 19">
             <a:extLst>
               <a:ext uri="{FF2B5EF4-FFF2-40B4-BE49-F238E27FC236}">
-                <a16:creationId xmlns:a16="http://schemas.microsoft.com/office/drawing/2014/main" xmlns="" id="{815854A2-EAE9-4B2A-84CF-5A4BD753863A}"/>
+                <a16:creationId xmlns="" xmlns:a16="http://schemas.microsoft.com/office/drawing/2014/main" id="{815854A2-EAE9-4B2A-84CF-5A4BD753863A}"/>
               </a:ext>
             </a:extLst>
           </p:cNvPr>
@@ -33031,7 +33031,7 @@
           <p:cNvPr id="22" name="Picture Placeholder 7">
             <a:extLst>
               <a:ext uri="{FF2B5EF4-FFF2-40B4-BE49-F238E27FC236}">
-                <a16:creationId xmlns:a16="http://schemas.microsoft.com/office/drawing/2014/main" xmlns="" id="{DE71F7A0-F439-470D-A1B8-556C960D112C}"/>
+                <a16:creationId xmlns="" xmlns:a16="http://schemas.microsoft.com/office/drawing/2014/main" id="{DE71F7A0-F439-470D-A1B8-556C960D112C}"/>
               </a:ext>
             </a:extLst>
           </p:cNvPr>
@@ -33102,7 +33102,7 @@
           <p:cNvPr id="7" name="Rectangle 6">
             <a:extLst>
               <a:ext uri="{FF2B5EF4-FFF2-40B4-BE49-F238E27FC236}">
-                <a16:creationId xmlns:a16="http://schemas.microsoft.com/office/drawing/2014/main" xmlns="" id="{A16E3F0B-343E-4C97-A8D6-C47FCC915F74}"/>
+                <a16:creationId xmlns="" xmlns:a16="http://schemas.microsoft.com/office/drawing/2014/main" id="{A16E3F0B-343E-4C97-A8D6-C47FCC915F74}"/>
               </a:ext>
             </a:extLst>
           </p:cNvPr>
@@ -33169,7 +33169,7 @@
           <p:cNvPr id="2" name="Title 1">
             <a:extLst>
               <a:ext uri="{FF2B5EF4-FFF2-40B4-BE49-F238E27FC236}">
-                <a16:creationId xmlns:a16="http://schemas.microsoft.com/office/drawing/2014/main" xmlns="" id="{7215E379-3C1C-4942-917E-02E25E8CB910}"/>
+                <a16:creationId xmlns="" xmlns:a16="http://schemas.microsoft.com/office/drawing/2014/main" id="{7215E379-3C1C-4942-917E-02E25E8CB910}"/>
               </a:ext>
             </a:extLst>
           </p:cNvPr>
@@ -33202,7 +33202,7 @@
           <p:cNvPr id="3" name="Date Placeholder 2">
             <a:extLst>
               <a:ext uri="{FF2B5EF4-FFF2-40B4-BE49-F238E27FC236}">
-                <a16:creationId xmlns:a16="http://schemas.microsoft.com/office/drawing/2014/main" xmlns="" id="{046047C4-77C4-4E19-8DD7-2ED3165B7637}"/>
+                <a16:creationId xmlns="" xmlns:a16="http://schemas.microsoft.com/office/drawing/2014/main" id="{046047C4-77C4-4E19-8DD7-2ED3165B7637}"/>
               </a:ext>
             </a:extLst>
           </p:cNvPr>
@@ -33230,7 +33230,7 @@
           <p:cNvPr id="4" name="Footer Placeholder 3">
             <a:extLst>
               <a:ext uri="{FF2B5EF4-FFF2-40B4-BE49-F238E27FC236}">
-                <a16:creationId xmlns:a16="http://schemas.microsoft.com/office/drawing/2014/main" xmlns="" id="{D250B5CF-1C4F-4BA2-8E78-5F48C92A9DA1}"/>
+                <a16:creationId xmlns="" xmlns:a16="http://schemas.microsoft.com/office/drawing/2014/main" id="{D250B5CF-1C4F-4BA2-8E78-5F48C92A9DA1}"/>
               </a:ext>
             </a:extLst>
           </p:cNvPr>
@@ -33258,7 +33258,7 @@
           <p:cNvPr id="5" name="Slide Number Placeholder 4">
             <a:extLst>
               <a:ext uri="{FF2B5EF4-FFF2-40B4-BE49-F238E27FC236}">
-                <a16:creationId xmlns:a16="http://schemas.microsoft.com/office/drawing/2014/main" xmlns="" id="{714C6A0A-8A9D-47A1-97DA-BB494915175B}"/>
+                <a16:creationId xmlns="" xmlns:a16="http://schemas.microsoft.com/office/drawing/2014/main" id="{714C6A0A-8A9D-47A1-97DA-BB494915175B}"/>
               </a:ext>
             </a:extLst>
           </p:cNvPr>
@@ -33288,7 +33288,7 @@
           <p:cNvPr id="6" name="Content Placeholder 2">
             <a:extLst>
               <a:ext uri="{FF2B5EF4-FFF2-40B4-BE49-F238E27FC236}">
-                <a16:creationId xmlns:a16="http://schemas.microsoft.com/office/drawing/2014/main" xmlns="" id="{DEA943F6-C418-4339-8C7E-A12127BDE29C}"/>
+                <a16:creationId xmlns="" xmlns:a16="http://schemas.microsoft.com/office/drawing/2014/main" id="{DEA943F6-C418-4339-8C7E-A12127BDE29C}"/>
               </a:ext>
             </a:extLst>
           </p:cNvPr>
@@ -33416,7 +33416,7 @@
           <p:cNvPr id="9" name="Rectangle 8">
             <a:extLst>
               <a:ext uri="{FF2B5EF4-FFF2-40B4-BE49-F238E27FC236}">
-                <a16:creationId xmlns:a16="http://schemas.microsoft.com/office/drawing/2014/main" xmlns="" id="{8B6FE9A2-5CE4-4652-97CE-3FF947D5485F}"/>
+                <a16:creationId xmlns="" xmlns:a16="http://schemas.microsoft.com/office/drawing/2014/main" id="{8B6FE9A2-5CE4-4652-97CE-3FF947D5485F}"/>
               </a:ext>
             </a:extLst>
           </p:cNvPr>
@@ -33483,7 +33483,7 @@
           <p:cNvPr id="2" name="Title 1">
             <a:extLst>
               <a:ext uri="{FF2B5EF4-FFF2-40B4-BE49-F238E27FC236}">
-                <a16:creationId xmlns:a16="http://schemas.microsoft.com/office/drawing/2014/main" xmlns="" id="{7215E379-3C1C-4942-917E-02E25E8CB910}"/>
+                <a16:creationId xmlns="" xmlns:a16="http://schemas.microsoft.com/office/drawing/2014/main" id="{7215E379-3C1C-4942-917E-02E25E8CB910}"/>
               </a:ext>
             </a:extLst>
           </p:cNvPr>
@@ -33516,7 +33516,7 @@
           <p:cNvPr id="3" name="Date Placeholder 2">
             <a:extLst>
               <a:ext uri="{FF2B5EF4-FFF2-40B4-BE49-F238E27FC236}">
-                <a16:creationId xmlns:a16="http://schemas.microsoft.com/office/drawing/2014/main" xmlns="" id="{046047C4-77C4-4E19-8DD7-2ED3165B7637}"/>
+                <a16:creationId xmlns="" xmlns:a16="http://schemas.microsoft.com/office/drawing/2014/main" id="{046047C4-77C4-4E19-8DD7-2ED3165B7637}"/>
               </a:ext>
             </a:extLst>
           </p:cNvPr>
@@ -33544,7 +33544,7 @@
           <p:cNvPr id="4" name="Footer Placeholder 3">
             <a:extLst>
               <a:ext uri="{FF2B5EF4-FFF2-40B4-BE49-F238E27FC236}">
-                <a16:creationId xmlns:a16="http://schemas.microsoft.com/office/drawing/2014/main" xmlns="" id="{D250B5CF-1C4F-4BA2-8E78-5F48C92A9DA1}"/>
+                <a16:creationId xmlns="" xmlns:a16="http://schemas.microsoft.com/office/drawing/2014/main" id="{D250B5CF-1C4F-4BA2-8E78-5F48C92A9DA1}"/>
               </a:ext>
             </a:extLst>
           </p:cNvPr>
@@ -33572,7 +33572,7 @@
           <p:cNvPr id="5" name="Slide Number Placeholder 4">
             <a:extLst>
               <a:ext uri="{FF2B5EF4-FFF2-40B4-BE49-F238E27FC236}">
-                <a16:creationId xmlns:a16="http://schemas.microsoft.com/office/drawing/2014/main" xmlns="" id="{714C6A0A-8A9D-47A1-97DA-BB494915175B}"/>
+                <a16:creationId xmlns="" xmlns:a16="http://schemas.microsoft.com/office/drawing/2014/main" id="{714C6A0A-8A9D-47A1-97DA-BB494915175B}"/>
               </a:ext>
             </a:extLst>
           </p:cNvPr>
@@ -33602,7 +33602,7 @@
           <p:cNvPr id="7" name="Content Placeholder 2">
             <a:extLst>
               <a:ext uri="{FF2B5EF4-FFF2-40B4-BE49-F238E27FC236}">
-                <a16:creationId xmlns:a16="http://schemas.microsoft.com/office/drawing/2014/main" xmlns="" id="{3FD6D4E1-CC57-4556-9CB7-31B375477219}"/>
+                <a16:creationId xmlns="" xmlns:a16="http://schemas.microsoft.com/office/drawing/2014/main" id="{3FD6D4E1-CC57-4556-9CB7-31B375477219}"/>
               </a:ext>
             </a:extLst>
           </p:cNvPr>
@@ -33702,7 +33702,7 @@
           <p:cNvPr id="8" name="Content Placeholder 3">
             <a:extLst>
               <a:ext uri="{FF2B5EF4-FFF2-40B4-BE49-F238E27FC236}">
-                <a16:creationId xmlns:a16="http://schemas.microsoft.com/office/drawing/2014/main" xmlns="" id="{2AE7A31C-D605-4363-B037-1938B9304C13}"/>
+                <a16:creationId xmlns="" xmlns:a16="http://schemas.microsoft.com/office/drawing/2014/main" id="{2AE7A31C-D605-4363-B037-1938B9304C13}"/>
               </a:ext>
             </a:extLst>
           </p:cNvPr>
@@ -33832,7 +33832,7 @@
           <p:cNvPr id="11" name="Rectangle 10">
             <a:extLst>
               <a:ext uri="{FF2B5EF4-FFF2-40B4-BE49-F238E27FC236}">
-                <a16:creationId xmlns:a16="http://schemas.microsoft.com/office/drawing/2014/main" xmlns="" id="{A4B5E40D-C1A5-4C5A-BBA0-C3E41F028D01}"/>
+                <a16:creationId xmlns="" xmlns:a16="http://schemas.microsoft.com/office/drawing/2014/main" id="{A4B5E40D-C1A5-4C5A-BBA0-C3E41F028D01}"/>
               </a:ext>
             </a:extLst>
           </p:cNvPr>
@@ -33899,7 +33899,7 @@
           <p:cNvPr id="2" name="Title 1">
             <a:extLst>
               <a:ext uri="{FF2B5EF4-FFF2-40B4-BE49-F238E27FC236}">
-                <a16:creationId xmlns:a16="http://schemas.microsoft.com/office/drawing/2014/main" xmlns="" id="{7215E379-3C1C-4942-917E-02E25E8CB910}"/>
+                <a16:creationId xmlns="" xmlns:a16="http://schemas.microsoft.com/office/drawing/2014/main" id="{7215E379-3C1C-4942-917E-02E25E8CB910}"/>
               </a:ext>
             </a:extLst>
           </p:cNvPr>
@@ -33932,7 +33932,7 @@
           <p:cNvPr id="3" name="Date Placeholder 2">
             <a:extLst>
               <a:ext uri="{FF2B5EF4-FFF2-40B4-BE49-F238E27FC236}">
-                <a16:creationId xmlns:a16="http://schemas.microsoft.com/office/drawing/2014/main" xmlns="" id="{046047C4-77C4-4E19-8DD7-2ED3165B7637}"/>
+                <a16:creationId xmlns="" xmlns:a16="http://schemas.microsoft.com/office/drawing/2014/main" id="{046047C4-77C4-4E19-8DD7-2ED3165B7637}"/>
               </a:ext>
             </a:extLst>
           </p:cNvPr>
@@ -33960,7 +33960,7 @@
           <p:cNvPr id="4" name="Footer Placeholder 3">
             <a:extLst>
               <a:ext uri="{FF2B5EF4-FFF2-40B4-BE49-F238E27FC236}">
-                <a16:creationId xmlns:a16="http://schemas.microsoft.com/office/drawing/2014/main" xmlns="" id="{D250B5CF-1C4F-4BA2-8E78-5F48C92A9DA1}"/>
+                <a16:creationId xmlns="" xmlns:a16="http://schemas.microsoft.com/office/drawing/2014/main" id="{D250B5CF-1C4F-4BA2-8E78-5F48C92A9DA1}"/>
               </a:ext>
             </a:extLst>
           </p:cNvPr>
@@ -33988,7 +33988,7 @@
           <p:cNvPr id="5" name="Slide Number Placeholder 4">
             <a:extLst>
               <a:ext uri="{FF2B5EF4-FFF2-40B4-BE49-F238E27FC236}">
-                <a16:creationId xmlns:a16="http://schemas.microsoft.com/office/drawing/2014/main" xmlns="" id="{714C6A0A-8A9D-47A1-97DA-BB494915175B}"/>
+                <a16:creationId xmlns="" xmlns:a16="http://schemas.microsoft.com/office/drawing/2014/main" id="{714C6A0A-8A9D-47A1-97DA-BB494915175B}"/>
               </a:ext>
             </a:extLst>
           </p:cNvPr>
@@ -34018,7 +34018,7 @@
           <p:cNvPr id="7" name="Text Placeholder 2">
             <a:extLst>
               <a:ext uri="{FF2B5EF4-FFF2-40B4-BE49-F238E27FC236}">
-                <a16:creationId xmlns:a16="http://schemas.microsoft.com/office/drawing/2014/main" xmlns="" id="{85C650EE-495E-44EB-870B-AC85B18EBDB8}"/>
+                <a16:creationId xmlns="" xmlns:a16="http://schemas.microsoft.com/office/drawing/2014/main" id="{85C650EE-495E-44EB-870B-AC85B18EBDB8}"/>
               </a:ext>
             </a:extLst>
           </p:cNvPr>
@@ -34091,7 +34091,7 @@
           <p:cNvPr id="8" name="Content Placeholder 3">
             <a:extLst>
               <a:ext uri="{FF2B5EF4-FFF2-40B4-BE49-F238E27FC236}">
-                <a16:creationId xmlns:a16="http://schemas.microsoft.com/office/drawing/2014/main" xmlns="" id="{77DCC2A5-8A6A-431F-BD6C-93E32539A0F4}"/>
+                <a16:creationId xmlns="" xmlns:a16="http://schemas.microsoft.com/office/drawing/2014/main" id="{77DCC2A5-8A6A-431F-BD6C-93E32539A0F4}"/>
               </a:ext>
             </a:extLst>
           </p:cNvPr>
@@ -34191,7 +34191,7 @@
           <p:cNvPr id="9" name="Text Placeholder 4">
             <a:extLst>
               <a:ext uri="{FF2B5EF4-FFF2-40B4-BE49-F238E27FC236}">
-                <a16:creationId xmlns:a16="http://schemas.microsoft.com/office/drawing/2014/main" xmlns="" id="{7FE620E9-8AD3-4771-8897-E65B461E2801}"/>
+                <a16:creationId xmlns="" xmlns:a16="http://schemas.microsoft.com/office/drawing/2014/main" id="{7FE620E9-8AD3-4771-8897-E65B461E2801}"/>
               </a:ext>
             </a:extLst>
           </p:cNvPr>
@@ -34264,7 +34264,7 @@
           <p:cNvPr id="10" name="Content Placeholder 5">
             <a:extLst>
               <a:ext uri="{FF2B5EF4-FFF2-40B4-BE49-F238E27FC236}">
-                <a16:creationId xmlns:a16="http://schemas.microsoft.com/office/drawing/2014/main" xmlns="" id="{B75F265B-9F81-4A64-A8D4-7D0A31CEA45A}"/>
+                <a16:creationId xmlns="" xmlns:a16="http://schemas.microsoft.com/office/drawing/2014/main" id="{B75F265B-9F81-4A64-A8D4-7D0A31CEA45A}"/>
               </a:ext>
             </a:extLst>
           </p:cNvPr>
@@ -34394,7 +34394,7 @@
           <p:cNvPr id="7" name="Rectangle 6">
             <a:extLst>
               <a:ext uri="{FF2B5EF4-FFF2-40B4-BE49-F238E27FC236}">
-                <a16:creationId xmlns:a16="http://schemas.microsoft.com/office/drawing/2014/main" xmlns="" id="{A16E3F0B-343E-4C97-A8D6-C47FCC915F74}"/>
+                <a16:creationId xmlns="" xmlns:a16="http://schemas.microsoft.com/office/drawing/2014/main" id="{A16E3F0B-343E-4C97-A8D6-C47FCC915F74}"/>
               </a:ext>
             </a:extLst>
           </p:cNvPr>
@@ -34461,7 +34461,7 @@
           <p:cNvPr id="3" name="Date Placeholder 2">
             <a:extLst>
               <a:ext uri="{FF2B5EF4-FFF2-40B4-BE49-F238E27FC236}">
-                <a16:creationId xmlns:a16="http://schemas.microsoft.com/office/drawing/2014/main" xmlns="" id="{046047C4-77C4-4E19-8DD7-2ED3165B7637}"/>
+                <a16:creationId xmlns="" xmlns:a16="http://schemas.microsoft.com/office/drawing/2014/main" id="{046047C4-77C4-4E19-8DD7-2ED3165B7637}"/>
               </a:ext>
             </a:extLst>
           </p:cNvPr>
@@ -34489,7 +34489,7 @@
           <p:cNvPr id="4" name="Footer Placeholder 3">
             <a:extLst>
               <a:ext uri="{FF2B5EF4-FFF2-40B4-BE49-F238E27FC236}">
-                <a16:creationId xmlns:a16="http://schemas.microsoft.com/office/drawing/2014/main" xmlns="" id="{D250B5CF-1C4F-4BA2-8E78-5F48C92A9DA1}"/>
+                <a16:creationId xmlns="" xmlns:a16="http://schemas.microsoft.com/office/drawing/2014/main" id="{D250B5CF-1C4F-4BA2-8E78-5F48C92A9DA1}"/>
               </a:ext>
             </a:extLst>
           </p:cNvPr>
@@ -34517,7 +34517,7 @@
           <p:cNvPr id="5" name="Slide Number Placeholder 4">
             <a:extLst>
               <a:ext uri="{FF2B5EF4-FFF2-40B4-BE49-F238E27FC236}">
-                <a16:creationId xmlns:a16="http://schemas.microsoft.com/office/drawing/2014/main" xmlns="" id="{714C6A0A-8A9D-47A1-97DA-BB494915175B}"/>
+                <a16:creationId xmlns="" xmlns:a16="http://schemas.microsoft.com/office/drawing/2014/main" id="{714C6A0A-8A9D-47A1-97DA-BB494915175B}"/>
               </a:ext>
             </a:extLst>
           </p:cNvPr>
@@ -34547,7 +34547,7 @@
           <p:cNvPr id="8" name="Title 1">
             <a:extLst>
               <a:ext uri="{FF2B5EF4-FFF2-40B4-BE49-F238E27FC236}">
-                <a16:creationId xmlns:a16="http://schemas.microsoft.com/office/drawing/2014/main" xmlns="" id="{8A02905C-2C7D-4445-B47F-3EBBA44657F7}"/>
+                <a16:creationId xmlns="" xmlns:a16="http://schemas.microsoft.com/office/drawing/2014/main" id="{8A02905C-2C7D-4445-B47F-3EBBA44657F7}"/>
               </a:ext>
             </a:extLst>
           </p:cNvPr>
@@ -34584,7 +34584,7 @@
           <p:cNvPr id="9" name="Text Placeholder 3">
             <a:extLst>
               <a:ext uri="{FF2B5EF4-FFF2-40B4-BE49-F238E27FC236}">
-                <a16:creationId xmlns:a16="http://schemas.microsoft.com/office/drawing/2014/main" xmlns="" id="{17BC8A51-D50F-4F98-9402-8FF90BD2D1BE}"/>
+                <a16:creationId xmlns="" xmlns:a16="http://schemas.microsoft.com/office/drawing/2014/main" id="{17BC8A51-D50F-4F98-9402-8FF90BD2D1BE}"/>
               </a:ext>
             </a:extLst>
           </p:cNvPr>
@@ -34655,7 +34655,7 @@
           <p:cNvPr id="10" name="Content Placeholder 2">
             <a:extLst>
               <a:ext uri="{FF2B5EF4-FFF2-40B4-BE49-F238E27FC236}">
-                <a16:creationId xmlns:a16="http://schemas.microsoft.com/office/drawing/2014/main" xmlns="" id="{3AE79E65-3D1E-4444-9BD4-8578BF0C6484}"/>
+                <a16:creationId xmlns="" xmlns:a16="http://schemas.microsoft.com/office/drawing/2014/main" id="{3AE79E65-3D1E-4444-9BD4-8578BF0C6484}"/>
               </a:ext>
             </a:extLst>
           </p:cNvPr>
@@ -34797,7 +34797,7 @@
           <p:cNvPr id="7" name="Rectangle 6">
             <a:extLst>
               <a:ext uri="{FF2B5EF4-FFF2-40B4-BE49-F238E27FC236}">
-                <a16:creationId xmlns:a16="http://schemas.microsoft.com/office/drawing/2014/main" xmlns="" id="{A16E3F0B-343E-4C97-A8D6-C47FCC915F74}"/>
+                <a16:creationId xmlns="" xmlns:a16="http://schemas.microsoft.com/office/drawing/2014/main" id="{A16E3F0B-343E-4C97-A8D6-C47FCC915F74}"/>
               </a:ext>
             </a:extLst>
           </p:cNvPr>
@@ -34864,7 +34864,7 @@
           <p:cNvPr id="3" name="Date Placeholder 2">
             <a:extLst>
               <a:ext uri="{FF2B5EF4-FFF2-40B4-BE49-F238E27FC236}">
-                <a16:creationId xmlns:a16="http://schemas.microsoft.com/office/drawing/2014/main" xmlns="" id="{046047C4-77C4-4E19-8DD7-2ED3165B7637}"/>
+                <a16:creationId xmlns="" xmlns:a16="http://schemas.microsoft.com/office/drawing/2014/main" id="{046047C4-77C4-4E19-8DD7-2ED3165B7637}"/>
               </a:ext>
             </a:extLst>
           </p:cNvPr>
@@ -34892,7 +34892,7 @@
           <p:cNvPr id="4" name="Footer Placeholder 3">
             <a:extLst>
               <a:ext uri="{FF2B5EF4-FFF2-40B4-BE49-F238E27FC236}">
-                <a16:creationId xmlns:a16="http://schemas.microsoft.com/office/drawing/2014/main" xmlns="" id="{D250B5CF-1C4F-4BA2-8E78-5F48C92A9DA1}"/>
+                <a16:creationId xmlns="" xmlns:a16="http://schemas.microsoft.com/office/drawing/2014/main" id="{D250B5CF-1C4F-4BA2-8E78-5F48C92A9DA1}"/>
               </a:ext>
             </a:extLst>
           </p:cNvPr>
@@ -34920,7 +34920,7 @@
           <p:cNvPr id="5" name="Slide Number Placeholder 4">
             <a:extLst>
               <a:ext uri="{FF2B5EF4-FFF2-40B4-BE49-F238E27FC236}">
-                <a16:creationId xmlns:a16="http://schemas.microsoft.com/office/drawing/2014/main" xmlns="" id="{714C6A0A-8A9D-47A1-97DA-BB494915175B}"/>
+                <a16:creationId xmlns="" xmlns:a16="http://schemas.microsoft.com/office/drawing/2014/main" id="{714C6A0A-8A9D-47A1-97DA-BB494915175B}"/>
               </a:ext>
             </a:extLst>
           </p:cNvPr>
@@ -34950,7 +34950,7 @@
           <p:cNvPr id="8" name="Title 1">
             <a:extLst>
               <a:ext uri="{FF2B5EF4-FFF2-40B4-BE49-F238E27FC236}">
-                <a16:creationId xmlns:a16="http://schemas.microsoft.com/office/drawing/2014/main" xmlns="" id="{8A02905C-2C7D-4445-B47F-3EBBA44657F7}"/>
+                <a16:creationId xmlns="" xmlns:a16="http://schemas.microsoft.com/office/drawing/2014/main" id="{8A02905C-2C7D-4445-B47F-3EBBA44657F7}"/>
               </a:ext>
             </a:extLst>
           </p:cNvPr>
@@ -34987,7 +34987,7 @@
           <p:cNvPr id="9" name="Text Placeholder 3">
             <a:extLst>
               <a:ext uri="{FF2B5EF4-FFF2-40B4-BE49-F238E27FC236}">
-                <a16:creationId xmlns:a16="http://schemas.microsoft.com/office/drawing/2014/main" xmlns="" id="{17BC8A51-D50F-4F98-9402-8FF90BD2D1BE}"/>
+                <a16:creationId xmlns="" xmlns:a16="http://schemas.microsoft.com/office/drawing/2014/main" id="{17BC8A51-D50F-4F98-9402-8FF90BD2D1BE}"/>
               </a:ext>
             </a:extLst>
           </p:cNvPr>
@@ -35058,7 +35058,7 @@
           <p:cNvPr id="11" name="Picture Placeholder 2">
             <a:extLst>
               <a:ext uri="{FF2B5EF4-FFF2-40B4-BE49-F238E27FC236}">
-                <a16:creationId xmlns:a16="http://schemas.microsoft.com/office/drawing/2014/main" xmlns="" id="{1D23A006-AC57-4A0B-BC20-6D226A80CC78}"/>
+                <a16:creationId xmlns="" xmlns:a16="http://schemas.microsoft.com/office/drawing/2014/main" id="{1D23A006-AC57-4A0B-BC20-6D226A80CC78}"/>
               </a:ext>
             </a:extLst>
           </p:cNvPr>
@@ -35165,7 +35165,7 @@
           <p:cNvPr id="7" name="Rectangle 6">
             <a:extLst>
               <a:ext uri="{FF2B5EF4-FFF2-40B4-BE49-F238E27FC236}">
-                <a16:creationId xmlns:a16="http://schemas.microsoft.com/office/drawing/2014/main" xmlns="" id="{9F05564D-C546-470F-B93C-274AA86CE01F}"/>
+                <a16:creationId xmlns="" xmlns:a16="http://schemas.microsoft.com/office/drawing/2014/main" id="{9F05564D-C546-470F-B93C-274AA86CE01F}"/>
               </a:ext>
             </a:extLst>
           </p:cNvPr>
@@ -35232,7 +35232,7 @@
           <p:cNvPr id="2" name="Title 1">
             <a:extLst>
               <a:ext uri="{FF2B5EF4-FFF2-40B4-BE49-F238E27FC236}">
-                <a16:creationId xmlns:a16="http://schemas.microsoft.com/office/drawing/2014/main" xmlns="" id="{7215E379-3C1C-4942-917E-02E25E8CB910}"/>
+                <a16:creationId xmlns="" xmlns:a16="http://schemas.microsoft.com/office/drawing/2014/main" id="{7215E379-3C1C-4942-917E-02E25E8CB910}"/>
               </a:ext>
             </a:extLst>
           </p:cNvPr>
@@ -35265,7 +35265,7 @@
           <p:cNvPr id="3" name="Date Placeholder 2">
             <a:extLst>
               <a:ext uri="{FF2B5EF4-FFF2-40B4-BE49-F238E27FC236}">
-                <a16:creationId xmlns:a16="http://schemas.microsoft.com/office/drawing/2014/main" xmlns="" id="{046047C4-77C4-4E19-8DD7-2ED3165B7637}"/>
+                <a16:creationId xmlns="" xmlns:a16="http://schemas.microsoft.com/office/drawing/2014/main" id="{046047C4-77C4-4E19-8DD7-2ED3165B7637}"/>
               </a:ext>
             </a:extLst>
           </p:cNvPr>
@@ -35293,7 +35293,7 @@
           <p:cNvPr id="4" name="Footer Placeholder 3">
             <a:extLst>
               <a:ext uri="{FF2B5EF4-FFF2-40B4-BE49-F238E27FC236}">
-                <a16:creationId xmlns:a16="http://schemas.microsoft.com/office/drawing/2014/main" xmlns="" id="{D250B5CF-1C4F-4BA2-8E78-5F48C92A9DA1}"/>
+                <a16:creationId xmlns="" xmlns:a16="http://schemas.microsoft.com/office/drawing/2014/main" id="{D250B5CF-1C4F-4BA2-8E78-5F48C92A9DA1}"/>
               </a:ext>
             </a:extLst>
           </p:cNvPr>
@@ -35321,7 +35321,7 @@
           <p:cNvPr id="5" name="Slide Number Placeholder 4">
             <a:extLst>
               <a:ext uri="{FF2B5EF4-FFF2-40B4-BE49-F238E27FC236}">
-                <a16:creationId xmlns:a16="http://schemas.microsoft.com/office/drawing/2014/main" xmlns="" id="{714C6A0A-8A9D-47A1-97DA-BB494915175B}"/>
+                <a16:creationId xmlns="" xmlns:a16="http://schemas.microsoft.com/office/drawing/2014/main" id="{714C6A0A-8A9D-47A1-97DA-BB494915175B}"/>
               </a:ext>
             </a:extLst>
           </p:cNvPr>
@@ -35351,7 +35351,7 @@
           <p:cNvPr id="8" name="Text Placeholder 7">
             <a:extLst>
               <a:ext uri="{FF2B5EF4-FFF2-40B4-BE49-F238E27FC236}">
-                <a16:creationId xmlns:a16="http://schemas.microsoft.com/office/drawing/2014/main" xmlns="" id="{FE102DC0-E499-4C34-9CD9-CDABF71081B3}"/>
+                <a16:creationId xmlns="" xmlns:a16="http://schemas.microsoft.com/office/drawing/2014/main" id="{FE102DC0-E499-4C34-9CD9-CDABF71081B3}"/>
               </a:ext>
             </a:extLst>
           </p:cNvPr>
@@ -35422,7 +35422,7 @@
           <p:cNvPr id="7" name="Rectangle 6">
             <a:extLst>
               <a:ext uri="{FF2B5EF4-FFF2-40B4-BE49-F238E27FC236}">
-                <a16:creationId xmlns:a16="http://schemas.microsoft.com/office/drawing/2014/main" xmlns="" id="{9F05564D-C546-470F-B93C-274AA86CE01F}"/>
+                <a16:creationId xmlns="" xmlns:a16="http://schemas.microsoft.com/office/drawing/2014/main" id="{9F05564D-C546-470F-B93C-274AA86CE01F}"/>
               </a:ext>
             </a:extLst>
           </p:cNvPr>
@@ -35489,7 +35489,7 @@
           <p:cNvPr id="2" name="Title 1">
             <a:extLst>
               <a:ext uri="{FF2B5EF4-FFF2-40B4-BE49-F238E27FC236}">
-                <a16:creationId xmlns:a16="http://schemas.microsoft.com/office/drawing/2014/main" xmlns="" id="{7215E379-3C1C-4942-917E-02E25E8CB910}"/>
+                <a16:creationId xmlns="" xmlns:a16="http://schemas.microsoft.com/office/drawing/2014/main" id="{7215E379-3C1C-4942-917E-02E25E8CB910}"/>
               </a:ext>
             </a:extLst>
           </p:cNvPr>
@@ -35522,7 +35522,7 @@
           <p:cNvPr id="3" name="Date Placeholder 2">
             <a:extLst>
               <a:ext uri="{FF2B5EF4-FFF2-40B4-BE49-F238E27FC236}">
-                <a16:creationId xmlns:a16="http://schemas.microsoft.com/office/drawing/2014/main" xmlns="" id="{046047C4-77C4-4E19-8DD7-2ED3165B7637}"/>
+                <a16:creationId xmlns="" xmlns:a16="http://schemas.microsoft.com/office/drawing/2014/main" id="{046047C4-77C4-4E19-8DD7-2ED3165B7637}"/>
               </a:ext>
             </a:extLst>
           </p:cNvPr>
@@ -35550,7 +35550,7 @@
           <p:cNvPr id="4" name="Footer Placeholder 3">
             <a:extLst>
               <a:ext uri="{FF2B5EF4-FFF2-40B4-BE49-F238E27FC236}">
-                <a16:creationId xmlns:a16="http://schemas.microsoft.com/office/drawing/2014/main" xmlns="" id="{D250B5CF-1C4F-4BA2-8E78-5F48C92A9DA1}"/>
+                <a16:creationId xmlns="" xmlns:a16="http://schemas.microsoft.com/office/drawing/2014/main" id="{D250B5CF-1C4F-4BA2-8E78-5F48C92A9DA1}"/>
               </a:ext>
             </a:extLst>
           </p:cNvPr>
@@ -35578,7 +35578,7 @@
           <p:cNvPr id="5" name="Slide Number Placeholder 4">
             <a:extLst>
               <a:ext uri="{FF2B5EF4-FFF2-40B4-BE49-F238E27FC236}">
-                <a16:creationId xmlns:a16="http://schemas.microsoft.com/office/drawing/2014/main" xmlns="" id="{714C6A0A-8A9D-47A1-97DA-BB494915175B}"/>
+                <a16:creationId xmlns="" xmlns:a16="http://schemas.microsoft.com/office/drawing/2014/main" id="{714C6A0A-8A9D-47A1-97DA-BB494915175B}"/>
               </a:ext>
             </a:extLst>
           </p:cNvPr>
@@ -35638,7 +35638,7 @@
           <p:cNvPr id="6" name="Rectangle 5">
             <a:extLst>
               <a:ext uri="{FF2B5EF4-FFF2-40B4-BE49-F238E27FC236}">
-                <a16:creationId xmlns:a16="http://schemas.microsoft.com/office/drawing/2014/main" xmlns="" id="{D9E60A5F-CE74-4F00-A5C2-F9742DDFFF1F}"/>
+                <a16:creationId xmlns="" xmlns:a16="http://schemas.microsoft.com/office/drawing/2014/main" id="{D9E60A5F-CE74-4F00-A5C2-F9742DDFFF1F}"/>
               </a:ext>
             </a:extLst>
           </p:cNvPr>
@@ -35705,7 +35705,7 @@
           <p:cNvPr id="3" name="Date Placeholder 2">
             <a:extLst>
               <a:ext uri="{FF2B5EF4-FFF2-40B4-BE49-F238E27FC236}">
-                <a16:creationId xmlns:a16="http://schemas.microsoft.com/office/drawing/2014/main" xmlns="" id="{046047C4-77C4-4E19-8DD7-2ED3165B7637}"/>
+                <a16:creationId xmlns="" xmlns:a16="http://schemas.microsoft.com/office/drawing/2014/main" id="{046047C4-77C4-4E19-8DD7-2ED3165B7637}"/>
               </a:ext>
             </a:extLst>
           </p:cNvPr>
@@ -35733,7 +35733,7 @@
           <p:cNvPr id="4" name="Footer Placeholder 3">
             <a:extLst>
               <a:ext uri="{FF2B5EF4-FFF2-40B4-BE49-F238E27FC236}">
-                <a16:creationId xmlns:a16="http://schemas.microsoft.com/office/drawing/2014/main" xmlns="" id="{D250B5CF-1C4F-4BA2-8E78-5F48C92A9DA1}"/>
+                <a16:creationId xmlns="" xmlns:a16="http://schemas.microsoft.com/office/drawing/2014/main" id="{D250B5CF-1C4F-4BA2-8E78-5F48C92A9DA1}"/>
               </a:ext>
             </a:extLst>
           </p:cNvPr>
@@ -35761,7 +35761,7 @@
           <p:cNvPr id="5" name="Slide Number Placeholder 4">
             <a:extLst>
               <a:ext uri="{FF2B5EF4-FFF2-40B4-BE49-F238E27FC236}">
-                <a16:creationId xmlns:a16="http://schemas.microsoft.com/office/drawing/2014/main" xmlns="" id="{714C6A0A-8A9D-47A1-97DA-BB494915175B}"/>
+                <a16:creationId xmlns="" xmlns:a16="http://schemas.microsoft.com/office/drawing/2014/main" id="{714C6A0A-8A9D-47A1-97DA-BB494915175B}"/>
               </a:ext>
             </a:extLst>
           </p:cNvPr>
@@ -35821,7 +35821,7 @@
           <p:cNvPr id="15" name="Rectangle 14">
             <a:extLst>
               <a:ext uri="{FF2B5EF4-FFF2-40B4-BE49-F238E27FC236}">
-                <a16:creationId xmlns:a16="http://schemas.microsoft.com/office/drawing/2014/main" xmlns="" id="{E8E3FDB8-6D5C-48FE-99EA-7EC60F4D8191}"/>
+                <a16:creationId xmlns="" xmlns:a16="http://schemas.microsoft.com/office/drawing/2014/main" id="{E8E3FDB8-6D5C-48FE-99EA-7EC60F4D8191}"/>
               </a:ext>
             </a:extLst>
           </p:cNvPr>
@@ -35888,7 +35888,7 @@
           <p:cNvPr id="5" name="Date Placeholder 4">
             <a:extLst>
               <a:ext uri="{FF2B5EF4-FFF2-40B4-BE49-F238E27FC236}">
-                <a16:creationId xmlns:a16="http://schemas.microsoft.com/office/drawing/2014/main" xmlns="" id="{2D9775F3-A041-479A-8038-652B7D9C72E9}"/>
+                <a16:creationId xmlns="" xmlns:a16="http://schemas.microsoft.com/office/drawing/2014/main" id="{2D9775F3-A041-479A-8038-652B7D9C72E9}"/>
               </a:ext>
             </a:extLst>
           </p:cNvPr>
@@ -35916,7 +35916,7 @@
           <p:cNvPr id="6" name="Footer Placeholder 5">
             <a:extLst>
               <a:ext uri="{FF2B5EF4-FFF2-40B4-BE49-F238E27FC236}">
-                <a16:creationId xmlns:a16="http://schemas.microsoft.com/office/drawing/2014/main" xmlns="" id="{29BEDD04-BE4E-4B91-B13E-0C4FB3E1658F}"/>
+                <a16:creationId xmlns="" xmlns:a16="http://schemas.microsoft.com/office/drawing/2014/main" id="{29BEDD04-BE4E-4B91-B13E-0C4FB3E1658F}"/>
               </a:ext>
             </a:extLst>
           </p:cNvPr>
@@ -35944,7 +35944,7 @@
           <p:cNvPr id="7" name="Slide Number Placeholder 6">
             <a:extLst>
               <a:ext uri="{FF2B5EF4-FFF2-40B4-BE49-F238E27FC236}">
-                <a16:creationId xmlns:a16="http://schemas.microsoft.com/office/drawing/2014/main" xmlns="" id="{306DF5D8-12DC-494E-B0F1-2E9C86A14544}"/>
+                <a16:creationId xmlns="" xmlns:a16="http://schemas.microsoft.com/office/drawing/2014/main" id="{306DF5D8-12DC-494E-B0F1-2E9C86A14544}"/>
               </a:ext>
             </a:extLst>
           </p:cNvPr>
@@ -35973,7 +35973,7 @@
           <p:cNvPr id="8" name="Title 1">
             <a:extLst>
               <a:ext uri="{FF2B5EF4-FFF2-40B4-BE49-F238E27FC236}">
-                <a16:creationId xmlns:a16="http://schemas.microsoft.com/office/drawing/2014/main" xmlns="" id="{ABF87C9E-53A2-4DE1-89DC-3907BE2E3D3C}"/>
+                <a16:creationId xmlns="" xmlns:a16="http://schemas.microsoft.com/office/drawing/2014/main" id="{ABF87C9E-53A2-4DE1-89DC-3907BE2E3D3C}"/>
               </a:ext>
             </a:extLst>
           </p:cNvPr>
@@ -36012,7 +36012,7 @@
           <p:cNvPr id="9" name="Text Placeholder 2">
             <a:extLst>
               <a:ext uri="{FF2B5EF4-FFF2-40B4-BE49-F238E27FC236}">
-                <a16:creationId xmlns:a16="http://schemas.microsoft.com/office/drawing/2014/main" xmlns="" id="{EB453F8F-AA02-4E0D-93BF-8CF4F1490377}"/>
+                <a16:creationId xmlns="" xmlns:a16="http://schemas.microsoft.com/office/drawing/2014/main" id="{EB453F8F-AA02-4E0D-93BF-8CF4F1490377}"/>
               </a:ext>
             </a:extLst>
           </p:cNvPr>
@@ -36142,7 +36142,7 @@
           <p:cNvPr id="10" name="Picture Placeholder 10">
             <a:extLst>
               <a:ext uri="{FF2B5EF4-FFF2-40B4-BE49-F238E27FC236}">
-                <a16:creationId xmlns:a16="http://schemas.microsoft.com/office/drawing/2014/main" xmlns="" id="{A541F291-2E4B-474E-9ED0-55C97A2A066D}"/>
+                <a16:creationId xmlns="" xmlns:a16="http://schemas.microsoft.com/office/drawing/2014/main" id="{A541F291-2E4B-474E-9ED0-55C97A2A066D}"/>
               </a:ext>
             </a:extLst>
           </p:cNvPr>
@@ -36183,7 +36183,7 @@
           <p:cNvPr id="11" name="Group 10">
             <a:extLst>
               <a:ext uri="{FF2B5EF4-FFF2-40B4-BE49-F238E27FC236}">
-                <a16:creationId xmlns:a16="http://schemas.microsoft.com/office/drawing/2014/main" xmlns="" id="{59E4D57E-4989-4939-A31F-637543FAB606}"/>
+                <a16:creationId xmlns="" xmlns:a16="http://schemas.microsoft.com/office/drawing/2014/main" id="{59E4D57E-4989-4939-A31F-637543FAB606}"/>
               </a:ext>
             </a:extLst>
           </p:cNvPr>
@@ -36203,7 +36203,7 @@
             <p:cNvPr id="12" name="Straight Connector 11">
               <a:extLst>
                 <a:ext uri="{FF2B5EF4-FFF2-40B4-BE49-F238E27FC236}">
-                  <a16:creationId xmlns:a16="http://schemas.microsoft.com/office/drawing/2014/main" xmlns="" id="{370B72A7-B625-48B8-88E6-BCE2A4DD531E}"/>
+                  <a16:creationId xmlns="" xmlns:a16="http://schemas.microsoft.com/office/drawing/2014/main" id="{370B72A7-B625-48B8-88E6-BCE2A4DD531E}"/>
                 </a:ext>
               </a:extLst>
             </p:cNvPr>
@@ -36247,7 +36247,7 @@
             <p:cNvPr id="13" name="Oval 12">
               <a:extLst>
                 <a:ext uri="{FF2B5EF4-FFF2-40B4-BE49-F238E27FC236}">
-                  <a16:creationId xmlns:a16="http://schemas.microsoft.com/office/drawing/2014/main" xmlns="" id="{01ED729F-F8A5-4244-9776-4935C260F11F}"/>
+                  <a16:creationId xmlns="" xmlns:a16="http://schemas.microsoft.com/office/drawing/2014/main" id="{01ED729F-F8A5-4244-9776-4935C260F11F}"/>
                 </a:ext>
               </a:extLst>
             </p:cNvPr>
@@ -36308,7 +36308,7 @@
           <p:cNvPr id="14" name="Text Placeholder 2">
             <a:extLst>
               <a:ext uri="{FF2B5EF4-FFF2-40B4-BE49-F238E27FC236}">
-                <a16:creationId xmlns:a16="http://schemas.microsoft.com/office/drawing/2014/main" xmlns="" id="{BE12A846-0DFC-435B-BAE9-D90C353E0344}"/>
+                <a16:creationId xmlns="" xmlns:a16="http://schemas.microsoft.com/office/drawing/2014/main" id="{BE12A846-0DFC-435B-BAE9-D90C353E0344}"/>
               </a:ext>
             </a:extLst>
           </p:cNvPr>
@@ -36443,7 +36443,7 @@
           <p:cNvPr id="17" name="Straight Connector 16">
             <a:extLst>
               <a:ext uri="{FF2B5EF4-FFF2-40B4-BE49-F238E27FC236}">
-                <a16:creationId xmlns:a16="http://schemas.microsoft.com/office/drawing/2014/main" xmlns="" id="{6150998C-CF95-4C6F-8962-8EB2DB30177D}"/>
+                <a16:creationId xmlns="" xmlns:a16="http://schemas.microsoft.com/office/drawing/2014/main" id="{6150998C-CF95-4C6F-8962-8EB2DB30177D}"/>
               </a:ext>
             </a:extLst>
           </p:cNvPr>
@@ -36487,7 +36487,7 @@
           <p:cNvPr id="18" name="Oval 17">
             <a:extLst>
               <a:ext uri="{FF2B5EF4-FFF2-40B4-BE49-F238E27FC236}">
-                <a16:creationId xmlns:a16="http://schemas.microsoft.com/office/drawing/2014/main" xmlns="" id="{F86A2ACD-8CF5-48A3-A678-E213A809B332}"/>
+                <a16:creationId xmlns="" xmlns:a16="http://schemas.microsoft.com/office/drawing/2014/main" id="{F86A2ACD-8CF5-48A3-A678-E213A809B332}"/>
               </a:ext>
             </a:extLst>
           </p:cNvPr>
@@ -36542,7 +36542,7 @@
           <p:cNvPr id="19" name="Straight Connector 18">
             <a:extLst>
               <a:ext uri="{FF2B5EF4-FFF2-40B4-BE49-F238E27FC236}">
-                <a16:creationId xmlns:a16="http://schemas.microsoft.com/office/drawing/2014/main" xmlns="" id="{F00811BB-0E37-4D70-84A5-97B3FBEDCBE6}"/>
+                <a16:creationId xmlns="" xmlns:a16="http://schemas.microsoft.com/office/drawing/2014/main" id="{F00811BB-0E37-4D70-84A5-97B3FBEDCBE6}"/>
               </a:ext>
             </a:extLst>
           </p:cNvPr>
@@ -36588,7 +36588,7 @@
           <p:cNvPr id="20" name="Oval 19">
             <a:extLst>
               <a:ext uri="{FF2B5EF4-FFF2-40B4-BE49-F238E27FC236}">
-                <a16:creationId xmlns:a16="http://schemas.microsoft.com/office/drawing/2014/main" xmlns="" id="{D03B3046-0457-4D23-8E0C-64E3FCD620BB}"/>
+                <a16:creationId xmlns="" xmlns:a16="http://schemas.microsoft.com/office/drawing/2014/main" id="{D03B3046-0457-4D23-8E0C-64E3FCD620BB}"/>
               </a:ext>
             </a:extLst>
           </p:cNvPr>
@@ -36643,7 +36643,7 @@
           <p:cNvPr id="22" name="Picture Placeholder 7">
             <a:extLst>
               <a:ext uri="{FF2B5EF4-FFF2-40B4-BE49-F238E27FC236}">
-                <a16:creationId xmlns:a16="http://schemas.microsoft.com/office/drawing/2014/main" xmlns="" id="{F0861AA2-8248-462C-B6D8-FFD829F41ED0}"/>
+                <a16:creationId xmlns="" xmlns:a16="http://schemas.microsoft.com/office/drawing/2014/main" id="{F0861AA2-8248-462C-B6D8-FFD829F41ED0}"/>
               </a:ext>
             </a:extLst>
           </p:cNvPr>
@@ -36714,7 +36714,7 @@
           <p:cNvPr id="7" name="Rectangle 6">
             <a:extLst>
               <a:ext uri="{FF2B5EF4-FFF2-40B4-BE49-F238E27FC236}">
-                <a16:creationId xmlns:a16="http://schemas.microsoft.com/office/drawing/2014/main" xmlns="" id="{09F1B35C-893A-4033-ADC0-2192AFA29271}"/>
+                <a16:creationId xmlns="" xmlns:a16="http://schemas.microsoft.com/office/drawing/2014/main" id="{09F1B35C-893A-4033-ADC0-2192AFA29271}"/>
               </a:ext>
             </a:extLst>
           </p:cNvPr>
@@ -36781,7 +36781,7 @@
           <p:cNvPr id="2" name="Title 1">
             <a:extLst>
               <a:ext uri="{FF2B5EF4-FFF2-40B4-BE49-F238E27FC236}">
-                <a16:creationId xmlns:a16="http://schemas.microsoft.com/office/drawing/2014/main" xmlns="" id="{CD637DF8-B064-4F36-89F8-EBF538A2E7F2}"/>
+                <a16:creationId xmlns="" xmlns:a16="http://schemas.microsoft.com/office/drawing/2014/main" id="{CD637DF8-B064-4F36-89F8-EBF538A2E7F2}"/>
               </a:ext>
             </a:extLst>
           </p:cNvPr>
@@ -36820,7 +36820,7 @@
           <p:cNvPr id="4" name="Date Placeholder 3">
             <a:extLst>
               <a:ext uri="{FF2B5EF4-FFF2-40B4-BE49-F238E27FC236}">
-                <a16:creationId xmlns:a16="http://schemas.microsoft.com/office/drawing/2014/main" xmlns="" id="{49EFC6D7-3241-401C-A16A-4A7CC2653954}"/>
+                <a16:creationId xmlns="" xmlns:a16="http://schemas.microsoft.com/office/drawing/2014/main" id="{49EFC6D7-3241-401C-A16A-4A7CC2653954}"/>
               </a:ext>
             </a:extLst>
           </p:cNvPr>
@@ -36848,7 +36848,7 @@
           <p:cNvPr id="5" name="Footer Placeholder 4">
             <a:extLst>
               <a:ext uri="{FF2B5EF4-FFF2-40B4-BE49-F238E27FC236}">
-                <a16:creationId xmlns:a16="http://schemas.microsoft.com/office/drawing/2014/main" xmlns="" id="{F345D6DC-ABA5-4D00-9CD3-92FFDD1FA2DC}"/>
+                <a16:creationId xmlns="" xmlns:a16="http://schemas.microsoft.com/office/drawing/2014/main" id="{F345D6DC-ABA5-4D00-9CD3-92FFDD1FA2DC}"/>
               </a:ext>
             </a:extLst>
           </p:cNvPr>
@@ -36876,7 +36876,7 @@
           <p:cNvPr id="6" name="Slide Number Placeholder 5">
             <a:extLst>
               <a:ext uri="{FF2B5EF4-FFF2-40B4-BE49-F238E27FC236}">
-                <a16:creationId xmlns:a16="http://schemas.microsoft.com/office/drawing/2014/main" xmlns="" id="{92459C86-0106-40E0-AA18-795EC5787677}"/>
+                <a16:creationId xmlns="" xmlns:a16="http://schemas.microsoft.com/office/drawing/2014/main" id="{92459C86-0106-40E0-AA18-795EC5787677}"/>
               </a:ext>
             </a:extLst>
           </p:cNvPr>
@@ -36905,7 +36905,7 @@
           <p:cNvPr id="11" name="Picture Placeholder 10">
             <a:extLst>
               <a:ext uri="{FF2B5EF4-FFF2-40B4-BE49-F238E27FC236}">
-                <a16:creationId xmlns:a16="http://schemas.microsoft.com/office/drawing/2014/main" xmlns="" id="{6D14F7B3-A6CF-491C-9855-75B5784CC456}"/>
+                <a16:creationId xmlns="" xmlns:a16="http://schemas.microsoft.com/office/drawing/2014/main" id="{6D14F7B3-A6CF-491C-9855-75B5784CC456}"/>
               </a:ext>
             </a:extLst>
           </p:cNvPr>
@@ -36946,7 +36946,7 @@
           <p:cNvPr id="15" name="Group 14">
             <a:extLst>
               <a:ext uri="{FF2B5EF4-FFF2-40B4-BE49-F238E27FC236}">
-                <a16:creationId xmlns:a16="http://schemas.microsoft.com/office/drawing/2014/main" xmlns="" id="{B7317392-EF87-4050-8BBE-32F74B0CF15A}"/>
+                <a16:creationId xmlns="" xmlns:a16="http://schemas.microsoft.com/office/drawing/2014/main" id="{B7317392-EF87-4050-8BBE-32F74B0CF15A}"/>
               </a:ext>
             </a:extLst>
           </p:cNvPr>
@@ -36966,7 +36966,7 @@
             <p:cNvPr id="13" name="Straight Connector 12">
               <a:extLst>
                 <a:ext uri="{FF2B5EF4-FFF2-40B4-BE49-F238E27FC236}">
-                  <a16:creationId xmlns:a16="http://schemas.microsoft.com/office/drawing/2014/main" xmlns="" id="{785A4134-866D-4143-AC1E-8A2FFDB49855}"/>
+                  <a16:creationId xmlns="" xmlns:a16="http://schemas.microsoft.com/office/drawing/2014/main" id="{785A4134-866D-4143-AC1E-8A2FFDB49855}"/>
                 </a:ext>
               </a:extLst>
             </p:cNvPr>
@@ -37010,7 +37010,7 @@
             <p:cNvPr id="14" name="Oval 13">
               <a:extLst>
                 <a:ext uri="{FF2B5EF4-FFF2-40B4-BE49-F238E27FC236}">
-                  <a16:creationId xmlns:a16="http://schemas.microsoft.com/office/drawing/2014/main" xmlns="" id="{1BBC5D9C-B8FB-455B-9398-36DB21F2765E}"/>
+                  <a16:creationId xmlns="" xmlns:a16="http://schemas.microsoft.com/office/drawing/2014/main" id="{1BBC5D9C-B8FB-455B-9398-36DB21F2765E}"/>
                 </a:ext>
               </a:extLst>
             </p:cNvPr>
@@ -37071,7 +37071,7 @@
           <p:cNvPr id="17" name="Oval 16">
             <a:extLst>
               <a:ext uri="{FF2B5EF4-FFF2-40B4-BE49-F238E27FC236}">
-                <a16:creationId xmlns:a16="http://schemas.microsoft.com/office/drawing/2014/main" xmlns="" id="{72225750-E4CE-4A81-A0C3-4023030D637E}"/>
+                <a16:creationId xmlns="" xmlns:a16="http://schemas.microsoft.com/office/drawing/2014/main" id="{72225750-E4CE-4A81-A0C3-4023030D637E}"/>
               </a:ext>
             </a:extLst>
           </p:cNvPr>
@@ -37126,7 +37126,7 @@
           <p:cNvPr id="18" name="Straight Connector 17">
             <a:extLst>
               <a:ext uri="{FF2B5EF4-FFF2-40B4-BE49-F238E27FC236}">
-                <a16:creationId xmlns:a16="http://schemas.microsoft.com/office/drawing/2014/main" xmlns="" id="{3819C324-07DF-49DB-A08C-0E6155CE3041}"/>
+                <a16:creationId xmlns="" xmlns:a16="http://schemas.microsoft.com/office/drawing/2014/main" id="{3819C324-07DF-49DB-A08C-0E6155CE3041}"/>
               </a:ext>
             </a:extLst>
           </p:cNvPr>
@@ -37170,7 +37170,7 @@
           <p:cNvPr id="19" name="Oval 18">
             <a:extLst>
               <a:ext uri="{FF2B5EF4-FFF2-40B4-BE49-F238E27FC236}">
-                <a16:creationId xmlns:a16="http://schemas.microsoft.com/office/drawing/2014/main" xmlns="" id="{75A34025-44F2-4A09-8629-F1794E9D35AF}"/>
+                <a16:creationId xmlns="" xmlns:a16="http://schemas.microsoft.com/office/drawing/2014/main" id="{75A34025-44F2-4A09-8629-F1794E9D35AF}"/>
               </a:ext>
             </a:extLst>
           </p:cNvPr>
@@ -37225,7 +37225,7 @@
           <p:cNvPr id="20" name="Straight Connector 19">
             <a:extLst>
               <a:ext uri="{FF2B5EF4-FFF2-40B4-BE49-F238E27FC236}">
-                <a16:creationId xmlns:a16="http://schemas.microsoft.com/office/drawing/2014/main" xmlns="" id="{815854A2-EAE9-4B2A-84CF-5A4BD753863A}"/>
+                <a16:creationId xmlns="" xmlns:a16="http://schemas.microsoft.com/office/drawing/2014/main" id="{815854A2-EAE9-4B2A-84CF-5A4BD753863A}"/>
               </a:ext>
             </a:extLst>
           </p:cNvPr>
@@ -37271,7 +37271,7 @@
           <p:cNvPr id="21" name="Text Placeholder 2">
             <a:extLst>
               <a:ext uri="{FF2B5EF4-FFF2-40B4-BE49-F238E27FC236}">
-                <a16:creationId xmlns:a16="http://schemas.microsoft.com/office/drawing/2014/main" xmlns="" id="{4C9D5785-B116-4BE7-AC26-5CD6481FFA6A}"/>
+                <a16:creationId xmlns="" xmlns:a16="http://schemas.microsoft.com/office/drawing/2014/main" id="{4C9D5785-B116-4BE7-AC26-5CD6481FFA6A}"/>
               </a:ext>
             </a:extLst>
           </p:cNvPr>
@@ -37406,7 +37406,7 @@
           <p:cNvPr id="23" name="Picture Placeholder 7">
             <a:extLst>
               <a:ext uri="{FF2B5EF4-FFF2-40B4-BE49-F238E27FC236}">
-                <a16:creationId xmlns:a16="http://schemas.microsoft.com/office/drawing/2014/main" xmlns="" id="{278C2B8F-0B29-449C-AFFD-42BB56FA1595}"/>
+                <a16:creationId xmlns="" xmlns:a16="http://schemas.microsoft.com/office/drawing/2014/main" id="{278C2B8F-0B29-449C-AFFD-42BB56FA1595}"/>
               </a:ext>
             </a:extLst>
           </p:cNvPr>
@@ -37477,7 +37477,7 @@
           <p:cNvPr id="15" name="Rectangle 14">
             <a:extLst>
               <a:ext uri="{FF2B5EF4-FFF2-40B4-BE49-F238E27FC236}">
-                <a16:creationId xmlns:a16="http://schemas.microsoft.com/office/drawing/2014/main" xmlns="" id="{E8E3FDB8-6D5C-48FE-99EA-7EC60F4D8191}"/>
+                <a16:creationId xmlns="" xmlns:a16="http://schemas.microsoft.com/office/drawing/2014/main" id="{E8E3FDB8-6D5C-48FE-99EA-7EC60F4D8191}"/>
               </a:ext>
             </a:extLst>
           </p:cNvPr>
@@ -37544,7 +37544,7 @@
           <p:cNvPr id="5" name="Date Placeholder 4">
             <a:extLst>
               <a:ext uri="{FF2B5EF4-FFF2-40B4-BE49-F238E27FC236}">
-                <a16:creationId xmlns:a16="http://schemas.microsoft.com/office/drawing/2014/main" xmlns="" id="{2D9775F3-A041-479A-8038-652B7D9C72E9}"/>
+                <a16:creationId xmlns="" xmlns:a16="http://schemas.microsoft.com/office/drawing/2014/main" id="{2D9775F3-A041-479A-8038-652B7D9C72E9}"/>
               </a:ext>
             </a:extLst>
           </p:cNvPr>
@@ -37572,7 +37572,7 @@
           <p:cNvPr id="6" name="Footer Placeholder 5">
             <a:extLst>
               <a:ext uri="{FF2B5EF4-FFF2-40B4-BE49-F238E27FC236}">
-                <a16:creationId xmlns:a16="http://schemas.microsoft.com/office/drawing/2014/main" xmlns="" id="{29BEDD04-BE4E-4B91-B13E-0C4FB3E1658F}"/>
+                <a16:creationId xmlns="" xmlns:a16="http://schemas.microsoft.com/office/drawing/2014/main" id="{29BEDD04-BE4E-4B91-B13E-0C4FB3E1658F}"/>
               </a:ext>
             </a:extLst>
           </p:cNvPr>
@@ -37600,7 +37600,7 @@
           <p:cNvPr id="7" name="Slide Number Placeholder 6">
             <a:extLst>
               <a:ext uri="{FF2B5EF4-FFF2-40B4-BE49-F238E27FC236}">
-                <a16:creationId xmlns:a16="http://schemas.microsoft.com/office/drawing/2014/main" xmlns="" id="{306DF5D8-12DC-494E-B0F1-2E9C86A14544}"/>
+                <a16:creationId xmlns="" xmlns:a16="http://schemas.microsoft.com/office/drawing/2014/main" id="{306DF5D8-12DC-494E-B0F1-2E9C86A14544}"/>
               </a:ext>
             </a:extLst>
           </p:cNvPr>
@@ -37629,7 +37629,7 @@
           <p:cNvPr id="8" name="Title 1">
             <a:extLst>
               <a:ext uri="{FF2B5EF4-FFF2-40B4-BE49-F238E27FC236}">
-                <a16:creationId xmlns:a16="http://schemas.microsoft.com/office/drawing/2014/main" xmlns="" id="{ABF87C9E-53A2-4DE1-89DC-3907BE2E3D3C}"/>
+                <a16:creationId xmlns="" xmlns:a16="http://schemas.microsoft.com/office/drawing/2014/main" id="{ABF87C9E-53A2-4DE1-89DC-3907BE2E3D3C}"/>
               </a:ext>
             </a:extLst>
           </p:cNvPr>
@@ -37668,7 +37668,7 @@
           <p:cNvPr id="9" name="Text Placeholder 2">
             <a:extLst>
               <a:ext uri="{FF2B5EF4-FFF2-40B4-BE49-F238E27FC236}">
-                <a16:creationId xmlns:a16="http://schemas.microsoft.com/office/drawing/2014/main" xmlns="" id="{EB453F8F-AA02-4E0D-93BF-8CF4F1490377}"/>
+                <a16:creationId xmlns="" xmlns:a16="http://schemas.microsoft.com/office/drawing/2014/main" id="{EB453F8F-AA02-4E0D-93BF-8CF4F1490377}"/>
               </a:ext>
             </a:extLst>
           </p:cNvPr>
@@ -37798,7 +37798,7 @@
           <p:cNvPr id="10" name="Picture Placeholder 10">
             <a:extLst>
               <a:ext uri="{FF2B5EF4-FFF2-40B4-BE49-F238E27FC236}">
-                <a16:creationId xmlns:a16="http://schemas.microsoft.com/office/drawing/2014/main" xmlns="" id="{A541F291-2E4B-474E-9ED0-55C97A2A066D}"/>
+                <a16:creationId xmlns="" xmlns:a16="http://schemas.microsoft.com/office/drawing/2014/main" id="{A541F291-2E4B-474E-9ED0-55C97A2A066D}"/>
               </a:ext>
             </a:extLst>
           </p:cNvPr>
@@ -37839,7 +37839,7 @@
           <p:cNvPr id="11" name="Group 10">
             <a:extLst>
               <a:ext uri="{FF2B5EF4-FFF2-40B4-BE49-F238E27FC236}">
-                <a16:creationId xmlns:a16="http://schemas.microsoft.com/office/drawing/2014/main" xmlns="" id="{59E4D57E-4989-4939-A31F-637543FAB606}"/>
+                <a16:creationId xmlns="" xmlns:a16="http://schemas.microsoft.com/office/drawing/2014/main" id="{59E4D57E-4989-4939-A31F-637543FAB606}"/>
               </a:ext>
             </a:extLst>
           </p:cNvPr>
@@ -37859,7 +37859,7 @@
             <p:cNvPr id="12" name="Straight Connector 11">
               <a:extLst>
                 <a:ext uri="{FF2B5EF4-FFF2-40B4-BE49-F238E27FC236}">
-                  <a16:creationId xmlns:a16="http://schemas.microsoft.com/office/drawing/2014/main" xmlns="" id="{370B72A7-B625-48B8-88E6-BCE2A4DD531E}"/>
+                  <a16:creationId xmlns="" xmlns:a16="http://schemas.microsoft.com/office/drawing/2014/main" id="{370B72A7-B625-48B8-88E6-BCE2A4DD531E}"/>
                 </a:ext>
               </a:extLst>
             </p:cNvPr>
@@ -37905,7 +37905,7 @@
             <p:cNvPr id="13" name="Oval 12">
               <a:extLst>
                 <a:ext uri="{FF2B5EF4-FFF2-40B4-BE49-F238E27FC236}">
-                  <a16:creationId xmlns:a16="http://schemas.microsoft.com/office/drawing/2014/main" xmlns="" id="{01ED729F-F8A5-4244-9776-4935C260F11F}"/>
+                  <a16:creationId xmlns="" xmlns:a16="http://schemas.microsoft.com/office/drawing/2014/main" id="{01ED729F-F8A5-4244-9776-4935C260F11F}"/>
                 </a:ext>
               </a:extLst>
             </p:cNvPr>
@@ -37966,7 +37966,7 @@
           <p:cNvPr id="14" name="Text Placeholder 2">
             <a:extLst>
               <a:ext uri="{FF2B5EF4-FFF2-40B4-BE49-F238E27FC236}">
-                <a16:creationId xmlns:a16="http://schemas.microsoft.com/office/drawing/2014/main" xmlns="" id="{BE12A846-0DFC-435B-BAE9-D90C353E0344}"/>
+                <a16:creationId xmlns="" xmlns:a16="http://schemas.microsoft.com/office/drawing/2014/main" id="{BE12A846-0DFC-435B-BAE9-D90C353E0344}"/>
               </a:ext>
             </a:extLst>
           </p:cNvPr>
@@ -38101,7 +38101,7 @@
           <p:cNvPr id="17" name="Straight Connector 16">
             <a:extLst>
               <a:ext uri="{FF2B5EF4-FFF2-40B4-BE49-F238E27FC236}">
-                <a16:creationId xmlns:a16="http://schemas.microsoft.com/office/drawing/2014/main" xmlns="" id="{6150998C-CF95-4C6F-8962-8EB2DB30177D}"/>
+                <a16:creationId xmlns="" xmlns:a16="http://schemas.microsoft.com/office/drawing/2014/main" id="{6150998C-CF95-4C6F-8962-8EB2DB30177D}"/>
               </a:ext>
             </a:extLst>
           </p:cNvPr>
@@ -38145,7 +38145,7 @@
           <p:cNvPr id="18" name="Oval 17">
             <a:extLst>
               <a:ext uri="{FF2B5EF4-FFF2-40B4-BE49-F238E27FC236}">
-                <a16:creationId xmlns:a16="http://schemas.microsoft.com/office/drawing/2014/main" xmlns="" id="{F86A2ACD-8CF5-48A3-A678-E213A809B332}"/>
+                <a16:creationId xmlns="" xmlns:a16="http://schemas.microsoft.com/office/drawing/2014/main" id="{F86A2ACD-8CF5-48A3-A678-E213A809B332}"/>
               </a:ext>
             </a:extLst>
           </p:cNvPr>
@@ -38200,7 +38200,7 @@
           <p:cNvPr id="19" name="Straight Connector 18">
             <a:extLst>
               <a:ext uri="{FF2B5EF4-FFF2-40B4-BE49-F238E27FC236}">
-                <a16:creationId xmlns:a16="http://schemas.microsoft.com/office/drawing/2014/main" xmlns="" id="{F00811BB-0E37-4D70-84A5-97B3FBEDCBE6}"/>
+                <a16:creationId xmlns="" xmlns:a16="http://schemas.microsoft.com/office/drawing/2014/main" id="{F00811BB-0E37-4D70-84A5-97B3FBEDCBE6}"/>
               </a:ext>
             </a:extLst>
           </p:cNvPr>
@@ -38246,7 +38246,7 @@
           <p:cNvPr id="20" name="Oval 19">
             <a:extLst>
               <a:ext uri="{FF2B5EF4-FFF2-40B4-BE49-F238E27FC236}">
-                <a16:creationId xmlns:a16="http://schemas.microsoft.com/office/drawing/2014/main" xmlns="" id="{D03B3046-0457-4D23-8E0C-64E3FCD620BB}"/>
+                <a16:creationId xmlns="" xmlns:a16="http://schemas.microsoft.com/office/drawing/2014/main" id="{D03B3046-0457-4D23-8E0C-64E3FCD620BB}"/>
               </a:ext>
             </a:extLst>
           </p:cNvPr>
@@ -38301,7 +38301,7 @@
           <p:cNvPr id="4" name="Picture Placeholder 3">
             <a:extLst>
               <a:ext uri="{FF2B5EF4-FFF2-40B4-BE49-F238E27FC236}">
-                <a16:creationId xmlns:a16="http://schemas.microsoft.com/office/drawing/2014/main" xmlns="" id="{1EDA47E0-9B2C-45BF-A34A-E7069690AEF4}"/>
+                <a16:creationId xmlns="" xmlns:a16="http://schemas.microsoft.com/office/drawing/2014/main" id="{1EDA47E0-9B2C-45BF-A34A-E7069690AEF4}"/>
               </a:ext>
             </a:extLst>
           </p:cNvPr>
@@ -38342,7 +38342,7 @@
           <p:cNvPr id="22" name="Text Placeholder 2">
             <a:extLst>
               <a:ext uri="{FF2B5EF4-FFF2-40B4-BE49-F238E27FC236}">
-                <a16:creationId xmlns:a16="http://schemas.microsoft.com/office/drawing/2014/main" xmlns="" id="{F2ACDD32-C1AB-4359-B055-2F910492987E}"/>
+                <a16:creationId xmlns="" xmlns:a16="http://schemas.microsoft.com/office/drawing/2014/main" id="{F2ACDD32-C1AB-4359-B055-2F910492987E}"/>
               </a:ext>
             </a:extLst>
           </p:cNvPr>
@@ -38475,7 +38475,7 @@
           <p:cNvPr id="23" name="Text Placeholder 2">
             <a:extLst>
               <a:ext uri="{FF2B5EF4-FFF2-40B4-BE49-F238E27FC236}">
-                <a16:creationId xmlns:a16="http://schemas.microsoft.com/office/drawing/2014/main" xmlns="" id="{C7A796C4-1255-4B26-B034-EFB1284B77EB}"/>
+                <a16:creationId xmlns="" xmlns:a16="http://schemas.microsoft.com/office/drawing/2014/main" id="{C7A796C4-1255-4B26-B034-EFB1284B77EB}"/>
               </a:ext>
             </a:extLst>
           </p:cNvPr>
@@ -38610,7 +38610,7 @@
           <p:cNvPr id="24" name="Picture Placeholder 3">
             <a:extLst>
               <a:ext uri="{FF2B5EF4-FFF2-40B4-BE49-F238E27FC236}">
-                <a16:creationId xmlns:a16="http://schemas.microsoft.com/office/drawing/2014/main" xmlns="" id="{7F406E84-6EA1-4D34-8016-6A41F065FF76}"/>
+                <a16:creationId xmlns="" xmlns:a16="http://schemas.microsoft.com/office/drawing/2014/main" id="{7F406E84-6EA1-4D34-8016-6A41F065FF76}"/>
               </a:ext>
             </a:extLst>
           </p:cNvPr>
@@ -38651,7 +38651,7 @@
           <p:cNvPr id="25" name="Text Placeholder 2">
             <a:extLst>
               <a:ext uri="{FF2B5EF4-FFF2-40B4-BE49-F238E27FC236}">
-                <a16:creationId xmlns:a16="http://schemas.microsoft.com/office/drawing/2014/main" xmlns="" id="{7965133B-076D-4FAD-8D2A-C24FE2619C80}"/>
+                <a16:creationId xmlns="" xmlns:a16="http://schemas.microsoft.com/office/drawing/2014/main" id="{7965133B-076D-4FAD-8D2A-C24FE2619C80}"/>
               </a:ext>
             </a:extLst>
           </p:cNvPr>
@@ -38784,7 +38784,7 @@
           <p:cNvPr id="26" name="Text Placeholder 2">
             <a:extLst>
               <a:ext uri="{FF2B5EF4-FFF2-40B4-BE49-F238E27FC236}">
-                <a16:creationId xmlns:a16="http://schemas.microsoft.com/office/drawing/2014/main" xmlns="" id="{CABE6307-1A20-419D-A352-17FF0286600B}"/>
+                <a16:creationId xmlns="" xmlns:a16="http://schemas.microsoft.com/office/drawing/2014/main" id="{CABE6307-1A20-419D-A352-17FF0286600B}"/>
               </a:ext>
             </a:extLst>
           </p:cNvPr>
@@ -38919,7 +38919,7 @@
           <p:cNvPr id="27" name="Picture Placeholder 3">
             <a:extLst>
               <a:ext uri="{FF2B5EF4-FFF2-40B4-BE49-F238E27FC236}">
-                <a16:creationId xmlns:a16="http://schemas.microsoft.com/office/drawing/2014/main" xmlns="" id="{D2C5C227-18EE-4D6A-AA31-30B8F7CD20AE}"/>
+                <a16:creationId xmlns="" xmlns:a16="http://schemas.microsoft.com/office/drawing/2014/main" id="{D2C5C227-18EE-4D6A-AA31-30B8F7CD20AE}"/>
               </a:ext>
             </a:extLst>
           </p:cNvPr>
@@ -38960,7 +38960,7 @@
           <p:cNvPr id="28" name="Text Placeholder 2">
             <a:extLst>
               <a:ext uri="{FF2B5EF4-FFF2-40B4-BE49-F238E27FC236}">
-                <a16:creationId xmlns:a16="http://schemas.microsoft.com/office/drawing/2014/main" xmlns="" id="{6ABEA821-83E0-4C10-98A8-5F29E246F741}"/>
+                <a16:creationId xmlns="" xmlns:a16="http://schemas.microsoft.com/office/drawing/2014/main" id="{6ABEA821-83E0-4C10-98A8-5F29E246F741}"/>
               </a:ext>
             </a:extLst>
           </p:cNvPr>
@@ -39093,7 +39093,7 @@
           <p:cNvPr id="29" name="Text Placeholder 2">
             <a:extLst>
               <a:ext uri="{FF2B5EF4-FFF2-40B4-BE49-F238E27FC236}">
-                <a16:creationId xmlns:a16="http://schemas.microsoft.com/office/drawing/2014/main" xmlns="" id="{CA1DC741-B44F-4275-A1D5-B8D26A3390B3}"/>
+                <a16:creationId xmlns="" xmlns:a16="http://schemas.microsoft.com/office/drawing/2014/main" id="{CA1DC741-B44F-4275-A1D5-B8D26A3390B3}"/>
               </a:ext>
             </a:extLst>
           </p:cNvPr>
@@ -39228,7 +39228,7 @@
           <p:cNvPr id="30" name="Picture Placeholder 3">
             <a:extLst>
               <a:ext uri="{FF2B5EF4-FFF2-40B4-BE49-F238E27FC236}">
-                <a16:creationId xmlns:a16="http://schemas.microsoft.com/office/drawing/2014/main" xmlns="" id="{C550F6C4-BE33-415F-B0BC-B47EDC1BDACB}"/>
+                <a16:creationId xmlns="" xmlns:a16="http://schemas.microsoft.com/office/drawing/2014/main" id="{C550F6C4-BE33-415F-B0BC-B47EDC1BDACB}"/>
               </a:ext>
             </a:extLst>
           </p:cNvPr>
@@ -39269,7 +39269,7 @@
           <p:cNvPr id="31" name="Text Placeholder 2">
             <a:extLst>
               <a:ext uri="{FF2B5EF4-FFF2-40B4-BE49-F238E27FC236}">
-                <a16:creationId xmlns:a16="http://schemas.microsoft.com/office/drawing/2014/main" xmlns="" id="{4C0830D2-D692-4161-8ECB-338703C94351}"/>
+                <a16:creationId xmlns="" xmlns:a16="http://schemas.microsoft.com/office/drawing/2014/main" id="{4C0830D2-D692-4161-8ECB-338703C94351}"/>
               </a:ext>
             </a:extLst>
           </p:cNvPr>
@@ -39432,7 +39432,7 @@
           <p:cNvPr id="7" name="Rectangle 6">
             <a:extLst>
               <a:ext uri="{FF2B5EF4-FFF2-40B4-BE49-F238E27FC236}">
-                <a16:creationId xmlns:a16="http://schemas.microsoft.com/office/drawing/2014/main" xmlns="" id="{09F1B35C-893A-4033-ADC0-2192AFA29271}"/>
+                <a16:creationId xmlns="" xmlns:a16="http://schemas.microsoft.com/office/drawing/2014/main" id="{09F1B35C-893A-4033-ADC0-2192AFA29271}"/>
               </a:ext>
             </a:extLst>
           </p:cNvPr>
@@ -39499,7 +39499,7 @@
           <p:cNvPr id="2" name="Title 1">
             <a:extLst>
               <a:ext uri="{FF2B5EF4-FFF2-40B4-BE49-F238E27FC236}">
-                <a16:creationId xmlns:a16="http://schemas.microsoft.com/office/drawing/2014/main" xmlns="" id="{CD637DF8-B064-4F36-89F8-EBF538A2E7F2}"/>
+                <a16:creationId xmlns="" xmlns:a16="http://schemas.microsoft.com/office/drawing/2014/main" id="{CD637DF8-B064-4F36-89F8-EBF538A2E7F2}"/>
               </a:ext>
             </a:extLst>
           </p:cNvPr>
@@ -39538,7 +39538,7 @@
           <p:cNvPr id="3" name="Text Placeholder 2">
             <a:extLst>
               <a:ext uri="{FF2B5EF4-FFF2-40B4-BE49-F238E27FC236}">
-                <a16:creationId xmlns:a16="http://schemas.microsoft.com/office/drawing/2014/main" xmlns="" id="{8A72532A-5006-46B7-AE99-3A6891CD0254}"/>
+                <a16:creationId xmlns="" xmlns:a16="http://schemas.microsoft.com/office/drawing/2014/main" id="{8A72532A-5006-46B7-AE99-3A6891CD0254}"/>
               </a:ext>
             </a:extLst>
           </p:cNvPr>
@@ -39668,7 +39668,7 @@
           <p:cNvPr id="4" name="Date Placeholder 3">
             <a:extLst>
               <a:ext uri="{FF2B5EF4-FFF2-40B4-BE49-F238E27FC236}">
-                <a16:creationId xmlns:a16="http://schemas.microsoft.com/office/drawing/2014/main" xmlns="" id="{49EFC6D7-3241-401C-A16A-4A7CC2653954}"/>
+                <a16:creationId xmlns="" xmlns:a16="http://schemas.microsoft.com/office/drawing/2014/main" id="{49EFC6D7-3241-401C-A16A-4A7CC2653954}"/>
               </a:ext>
             </a:extLst>
           </p:cNvPr>
@@ -39696,7 +39696,7 @@
           <p:cNvPr id="5" name="Footer Placeholder 4">
             <a:extLst>
               <a:ext uri="{FF2B5EF4-FFF2-40B4-BE49-F238E27FC236}">
-                <a16:creationId xmlns:a16="http://schemas.microsoft.com/office/drawing/2014/main" xmlns="" id="{F345D6DC-ABA5-4D00-9CD3-92FFDD1FA2DC}"/>
+                <a16:creationId xmlns="" xmlns:a16="http://schemas.microsoft.com/office/drawing/2014/main" id="{F345D6DC-ABA5-4D00-9CD3-92FFDD1FA2DC}"/>
               </a:ext>
             </a:extLst>
           </p:cNvPr>
@@ -39724,7 +39724,7 @@
           <p:cNvPr id="6" name="Slide Number Placeholder 5">
             <a:extLst>
               <a:ext uri="{FF2B5EF4-FFF2-40B4-BE49-F238E27FC236}">
-                <a16:creationId xmlns:a16="http://schemas.microsoft.com/office/drawing/2014/main" xmlns="" id="{92459C86-0106-40E0-AA18-795EC5787677}"/>
+                <a16:creationId xmlns="" xmlns:a16="http://schemas.microsoft.com/office/drawing/2014/main" id="{92459C86-0106-40E0-AA18-795EC5787677}"/>
               </a:ext>
             </a:extLst>
           </p:cNvPr>
@@ -39753,7 +39753,7 @@
           <p:cNvPr id="8" name="Rectangle 7">
             <a:extLst>
               <a:ext uri="{FF2B5EF4-FFF2-40B4-BE49-F238E27FC236}">
-                <a16:creationId xmlns:a16="http://schemas.microsoft.com/office/drawing/2014/main" xmlns="" id="{4ACF4ED1-C6C8-4C5C-8C14-4FF197588C03}"/>
+                <a16:creationId xmlns="" xmlns:a16="http://schemas.microsoft.com/office/drawing/2014/main" id="{4ACF4ED1-C6C8-4C5C-8C14-4FF197588C03}"/>
               </a:ext>
             </a:extLst>
           </p:cNvPr>
@@ -39772,7 +39772,7 @@
             <a:blip r:embed="rId2">
               <a:extLst>
                 <a:ext uri="{96DAC541-7B7A-43D3-8B79-37D633B846F1}">
-                  <asvg:svgBlip xmlns:asvg="http://schemas.microsoft.com/office/drawing/2016/SVG/main" xmlns="" r:embed="rId3"/>
+                  <asvg:svgBlip xmlns="" xmlns:asvg="http://schemas.microsoft.com/office/drawing/2016/SVG/main" r:embed="rId3"/>
                 </a:ext>
               </a:extLst>
             </a:blip>
@@ -39820,7 +39820,7 @@
           <p:cNvPr id="11" name="Picture Placeholder 10">
             <a:extLst>
               <a:ext uri="{FF2B5EF4-FFF2-40B4-BE49-F238E27FC236}">
-                <a16:creationId xmlns:a16="http://schemas.microsoft.com/office/drawing/2014/main" xmlns="" id="{6D14F7B3-A6CF-491C-9855-75B5784CC456}"/>
+                <a16:creationId xmlns="" xmlns:a16="http://schemas.microsoft.com/office/drawing/2014/main" id="{6D14F7B3-A6CF-491C-9855-75B5784CC456}"/>
               </a:ext>
             </a:extLst>
           </p:cNvPr>
@@ -39861,7 +39861,7 @@
           <p:cNvPr id="15" name="Group 14">
             <a:extLst>
               <a:ext uri="{FF2B5EF4-FFF2-40B4-BE49-F238E27FC236}">
-                <a16:creationId xmlns:a16="http://schemas.microsoft.com/office/drawing/2014/main" xmlns="" id="{B7317392-EF87-4050-8BBE-32F74B0CF15A}"/>
+                <a16:creationId xmlns="" xmlns:a16="http://schemas.microsoft.com/office/drawing/2014/main" id="{B7317392-EF87-4050-8BBE-32F74B0CF15A}"/>
               </a:ext>
             </a:extLst>
           </p:cNvPr>
@@ -39881,7 +39881,7 @@
             <p:cNvPr id="13" name="Straight Connector 12">
               <a:extLst>
                 <a:ext uri="{FF2B5EF4-FFF2-40B4-BE49-F238E27FC236}">
-                  <a16:creationId xmlns:a16="http://schemas.microsoft.com/office/drawing/2014/main" xmlns="" id="{785A4134-866D-4143-AC1E-8A2FFDB49855}"/>
+                  <a16:creationId xmlns="" xmlns:a16="http://schemas.microsoft.com/office/drawing/2014/main" id="{785A4134-866D-4143-AC1E-8A2FFDB49855}"/>
                 </a:ext>
               </a:extLst>
             </p:cNvPr>
@@ -39925,7 +39925,7 @@
             <p:cNvPr id="14" name="Oval 13">
               <a:extLst>
                 <a:ext uri="{FF2B5EF4-FFF2-40B4-BE49-F238E27FC236}">
-                  <a16:creationId xmlns:a16="http://schemas.microsoft.com/office/drawing/2014/main" xmlns="" id="{1BBC5D9C-B8FB-455B-9398-36DB21F2765E}"/>
+                  <a16:creationId xmlns="" xmlns:a16="http://schemas.microsoft.com/office/drawing/2014/main" id="{1BBC5D9C-B8FB-455B-9398-36DB21F2765E}"/>
                 </a:ext>
               </a:extLst>
             </p:cNvPr>
@@ -39986,7 +39986,7 @@
           <p:cNvPr id="16" name="Text Placeholder 2">
             <a:extLst>
               <a:ext uri="{FF2B5EF4-FFF2-40B4-BE49-F238E27FC236}">
-                <a16:creationId xmlns:a16="http://schemas.microsoft.com/office/drawing/2014/main" xmlns="" id="{BB522941-5C7D-4701-9AD7-BB4C11C6EBCE}"/>
+                <a16:creationId xmlns="" xmlns:a16="http://schemas.microsoft.com/office/drawing/2014/main" id="{BB522941-5C7D-4701-9AD7-BB4C11C6EBCE}"/>
               </a:ext>
             </a:extLst>
           </p:cNvPr>
@@ -40121,7 +40121,7 @@
           <p:cNvPr id="17" name="Oval 16">
             <a:extLst>
               <a:ext uri="{FF2B5EF4-FFF2-40B4-BE49-F238E27FC236}">
-                <a16:creationId xmlns:a16="http://schemas.microsoft.com/office/drawing/2014/main" xmlns="" id="{72225750-E4CE-4A81-A0C3-4023030D637E}"/>
+                <a16:creationId xmlns="" xmlns:a16="http://schemas.microsoft.com/office/drawing/2014/main" id="{72225750-E4CE-4A81-A0C3-4023030D637E}"/>
               </a:ext>
             </a:extLst>
           </p:cNvPr>
@@ -40176,7 +40176,7 @@
           <p:cNvPr id="18" name="Straight Connector 17">
             <a:extLst>
               <a:ext uri="{FF2B5EF4-FFF2-40B4-BE49-F238E27FC236}">
-                <a16:creationId xmlns:a16="http://schemas.microsoft.com/office/drawing/2014/main" xmlns="" id="{3819C324-07DF-49DB-A08C-0E6155CE3041}"/>
+                <a16:creationId xmlns="" xmlns:a16="http://schemas.microsoft.com/office/drawing/2014/main" id="{3819C324-07DF-49DB-A08C-0E6155CE3041}"/>
               </a:ext>
             </a:extLst>
           </p:cNvPr>
@@ -40220,7 +40220,7 @@
           <p:cNvPr id="19" name="Oval 18">
             <a:extLst>
               <a:ext uri="{FF2B5EF4-FFF2-40B4-BE49-F238E27FC236}">
-                <a16:creationId xmlns:a16="http://schemas.microsoft.com/office/drawing/2014/main" xmlns="" id="{75A34025-44F2-4A09-8629-F1794E9D35AF}"/>
+                <a16:creationId xmlns="" xmlns:a16="http://schemas.microsoft.com/office/drawing/2014/main" id="{75A34025-44F2-4A09-8629-F1794E9D35AF}"/>
               </a:ext>
             </a:extLst>
           </p:cNvPr>
@@ -40275,7 +40275,7 @@
           <p:cNvPr id="20" name="Straight Connector 19">
             <a:extLst>
               <a:ext uri="{FF2B5EF4-FFF2-40B4-BE49-F238E27FC236}">
-                <a16:creationId xmlns:a16="http://schemas.microsoft.com/office/drawing/2014/main" xmlns="" id="{815854A2-EAE9-4B2A-84CF-5A4BD753863A}"/>
+                <a16:creationId xmlns="" xmlns:a16="http://schemas.microsoft.com/office/drawing/2014/main" id="{815854A2-EAE9-4B2A-84CF-5A4BD753863A}"/>
               </a:ext>
             </a:extLst>
           </p:cNvPr>
@@ -40321,7 +40321,7 @@
           <p:cNvPr id="10" name="Picture Placeholder 9">
             <a:extLst>
               <a:ext uri="{FF2B5EF4-FFF2-40B4-BE49-F238E27FC236}">
-                <a16:creationId xmlns:a16="http://schemas.microsoft.com/office/drawing/2014/main" xmlns="" id="{6B8B3AB3-C02D-418C-A9E2-AA65DE78350D}"/>
+                <a16:creationId xmlns="" xmlns:a16="http://schemas.microsoft.com/office/drawing/2014/main" id="{6B8B3AB3-C02D-418C-A9E2-AA65DE78350D}"/>
               </a:ext>
             </a:extLst>
           </p:cNvPr>
@@ -40397,7 +40397,7 @@
           <p:cNvPr id="22" name="Picture Placeholder 7">
             <a:extLst>
               <a:ext uri="{FF2B5EF4-FFF2-40B4-BE49-F238E27FC236}">
-                <a16:creationId xmlns:a16="http://schemas.microsoft.com/office/drawing/2014/main" xmlns="" id="{093DA11F-BC94-447C-B660-9C906BED01B1}"/>
+                <a16:creationId xmlns="" xmlns:a16="http://schemas.microsoft.com/office/drawing/2014/main" id="{093DA11F-BC94-447C-B660-9C906BED01B1}"/>
               </a:ext>
             </a:extLst>
           </p:cNvPr>
@@ -40438,7 +40438,7 @@
           <p:cNvPr id="7" name="Rectangle 6">
             <a:extLst>
               <a:ext uri="{FF2B5EF4-FFF2-40B4-BE49-F238E27FC236}">
-                <a16:creationId xmlns:a16="http://schemas.microsoft.com/office/drawing/2014/main" xmlns="" id="{09F1B35C-893A-4033-ADC0-2192AFA29271}"/>
+                <a16:creationId xmlns="" xmlns:a16="http://schemas.microsoft.com/office/drawing/2014/main" id="{09F1B35C-893A-4033-ADC0-2192AFA29271}"/>
               </a:ext>
             </a:extLst>
           </p:cNvPr>
@@ -40505,7 +40505,7 @@
           <p:cNvPr id="2" name="Title 1">
             <a:extLst>
               <a:ext uri="{FF2B5EF4-FFF2-40B4-BE49-F238E27FC236}">
-                <a16:creationId xmlns:a16="http://schemas.microsoft.com/office/drawing/2014/main" xmlns="" id="{CD637DF8-B064-4F36-89F8-EBF538A2E7F2}"/>
+                <a16:creationId xmlns="" xmlns:a16="http://schemas.microsoft.com/office/drawing/2014/main" id="{CD637DF8-B064-4F36-89F8-EBF538A2E7F2}"/>
               </a:ext>
             </a:extLst>
           </p:cNvPr>
@@ -40544,7 +40544,7 @@
           <p:cNvPr id="3" name="Text Placeholder 2">
             <a:extLst>
               <a:ext uri="{FF2B5EF4-FFF2-40B4-BE49-F238E27FC236}">
-                <a16:creationId xmlns:a16="http://schemas.microsoft.com/office/drawing/2014/main" xmlns="" id="{8A72532A-5006-46B7-AE99-3A6891CD0254}"/>
+                <a16:creationId xmlns="" xmlns:a16="http://schemas.microsoft.com/office/drawing/2014/main" id="{8A72532A-5006-46B7-AE99-3A6891CD0254}"/>
               </a:ext>
             </a:extLst>
           </p:cNvPr>
@@ -40674,7 +40674,7 @@
           <p:cNvPr id="4" name="Date Placeholder 3">
             <a:extLst>
               <a:ext uri="{FF2B5EF4-FFF2-40B4-BE49-F238E27FC236}">
-                <a16:creationId xmlns:a16="http://schemas.microsoft.com/office/drawing/2014/main" xmlns="" id="{49EFC6D7-3241-401C-A16A-4A7CC2653954}"/>
+                <a16:creationId xmlns="" xmlns:a16="http://schemas.microsoft.com/office/drawing/2014/main" id="{49EFC6D7-3241-401C-A16A-4A7CC2653954}"/>
               </a:ext>
             </a:extLst>
           </p:cNvPr>
@@ -40702,7 +40702,7 @@
           <p:cNvPr id="5" name="Footer Placeholder 4">
             <a:extLst>
               <a:ext uri="{FF2B5EF4-FFF2-40B4-BE49-F238E27FC236}">
-                <a16:creationId xmlns:a16="http://schemas.microsoft.com/office/drawing/2014/main" xmlns="" id="{F345D6DC-ABA5-4D00-9CD3-92FFDD1FA2DC}"/>
+                <a16:creationId xmlns="" xmlns:a16="http://schemas.microsoft.com/office/drawing/2014/main" id="{F345D6DC-ABA5-4D00-9CD3-92FFDD1FA2DC}"/>
               </a:ext>
             </a:extLst>
           </p:cNvPr>
@@ -40730,7 +40730,7 @@
           <p:cNvPr id="6" name="Slide Number Placeholder 5">
             <a:extLst>
               <a:ext uri="{FF2B5EF4-FFF2-40B4-BE49-F238E27FC236}">
-                <a16:creationId xmlns:a16="http://schemas.microsoft.com/office/drawing/2014/main" xmlns="" id="{92459C86-0106-40E0-AA18-795EC5787677}"/>
+                <a16:creationId xmlns="" xmlns:a16="http://schemas.microsoft.com/office/drawing/2014/main" id="{92459C86-0106-40E0-AA18-795EC5787677}"/>
               </a:ext>
             </a:extLst>
           </p:cNvPr>
@@ -40759,7 +40759,7 @@
           <p:cNvPr id="11" name="Picture Placeholder 10">
             <a:extLst>
               <a:ext uri="{FF2B5EF4-FFF2-40B4-BE49-F238E27FC236}">
-                <a16:creationId xmlns:a16="http://schemas.microsoft.com/office/drawing/2014/main" xmlns="" id="{6D14F7B3-A6CF-491C-9855-75B5784CC456}"/>
+                <a16:creationId xmlns="" xmlns:a16="http://schemas.microsoft.com/office/drawing/2014/main" id="{6D14F7B3-A6CF-491C-9855-75B5784CC456}"/>
               </a:ext>
             </a:extLst>
           </p:cNvPr>
@@ -40800,7 +40800,7 @@
           <p:cNvPr id="17" name="Oval 16">
             <a:extLst>
               <a:ext uri="{FF2B5EF4-FFF2-40B4-BE49-F238E27FC236}">
-                <a16:creationId xmlns:a16="http://schemas.microsoft.com/office/drawing/2014/main" xmlns="" id="{72225750-E4CE-4A81-A0C3-4023030D637E}"/>
+                <a16:creationId xmlns="" xmlns:a16="http://schemas.microsoft.com/office/drawing/2014/main" id="{72225750-E4CE-4A81-A0C3-4023030D637E}"/>
               </a:ext>
             </a:extLst>
           </p:cNvPr>
@@ -40855,7 +40855,7 @@
           <p:cNvPr id="18" name="Straight Connector 17">
             <a:extLst>
               <a:ext uri="{FF2B5EF4-FFF2-40B4-BE49-F238E27FC236}">
-                <a16:creationId xmlns:a16="http://schemas.microsoft.com/office/drawing/2014/main" xmlns="" id="{3819C324-07DF-49DB-A08C-0E6155CE3041}"/>
+                <a16:creationId xmlns="" xmlns:a16="http://schemas.microsoft.com/office/drawing/2014/main" id="{3819C324-07DF-49DB-A08C-0E6155CE3041}"/>
               </a:ext>
             </a:extLst>
           </p:cNvPr>
@@ -40899,7 +40899,7 @@
           <p:cNvPr id="19" name="Oval 18">
             <a:extLst>
               <a:ext uri="{FF2B5EF4-FFF2-40B4-BE49-F238E27FC236}">
-                <a16:creationId xmlns:a16="http://schemas.microsoft.com/office/drawing/2014/main" xmlns="" id="{75A34025-44F2-4A09-8629-F1794E9D35AF}"/>
+                <a16:creationId xmlns="" xmlns:a16="http://schemas.microsoft.com/office/drawing/2014/main" id="{75A34025-44F2-4A09-8629-F1794E9D35AF}"/>
               </a:ext>
             </a:extLst>
           </p:cNvPr>
@@ -40954,7 +40954,7 @@
           <p:cNvPr id="20" name="Straight Connector 19">
             <a:extLst>
               <a:ext uri="{FF2B5EF4-FFF2-40B4-BE49-F238E27FC236}">
-                <a16:creationId xmlns:a16="http://schemas.microsoft.com/office/drawing/2014/main" xmlns="" id="{815854A2-EAE9-4B2A-84CF-5A4BD753863A}"/>
+                <a16:creationId xmlns="" xmlns:a16="http://schemas.microsoft.com/office/drawing/2014/main" id="{815854A2-EAE9-4B2A-84CF-5A4BD753863A}"/>
               </a:ext>
             </a:extLst>
           </p:cNvPr>
@@ -41000,7 +41000,7 @@
           <p:cNvPr id="9" name="Group 8">
             <a:extLst>
               <a:ext uri="{FF2B5EF4-FFF2-40B4-BE49-F238E27FC236}">
-                <a16:creationId xmlns:a16="http://schemas.microsoft.com/office/drawing/2014/main" xmlns="" id="{78842051-6173-4CC2-8C4A-8AE31FE7BA54}"/>
+                <a16:creationId xmlns="" xmlns:a16="http://schemas.microsoft.com/office/drawing/2014/main" id="{78842051-6173-4CC2-8C4A-8AE31FE7BA54}"/>
               </a:ext>
             </a:extLst>
           </p:cNvPr>
@@ -41020,7 +41020,7 @@
             <p:cNvPr id="15" name="Group 14">
               <a:extLst>
                 <a:ext uri="{FF2B5EF4-FFF2-40B4-BE49-F238E27FC236}">
-                  <a16:creationId xmlns:a16="http://schemas.microsoft.com/office/drawing/2014/main" xmlns="" id="{B7317392-EF87-4050-8BBE-32F74B0CF15A}"/>
+                  <a16:creationId xmlns="" xmlns:a16="http://schemas.microsoft.com/office/drawing/2014/main" id="{B7317392-EF87-4050-8BBE-32F74B0CF15A}"/>
                 </a:ext>
               </a:extLst>
             </p:cNvPr>
@@ -41040,7 +41040,7 @@
               <p:cNvPr id="13" name="Straight Connector 12">
                 <a:extLst>
                   <a:ext uri="{FF2B5EF4-FFF2-40B4-BE49-F238E27FC236}">
-                    <a16:creationId xmlns:a16="http://schemas.microsoft.com/office/drawing/2014/main" xmlns="" id="{785A4134-866D-4143-AC1E-8A2FFDB49855}"/>
+                    <a16:creationId xmlns="" xmlns:a16="http://schemas.microsoft.com/office/drawing/2014/main" id="{785A4134-866D-4143-AC1E-8A2FFDB49855}"/>
                   </a:ext>
                 </a:extLst>
               </p:cNvPr>
@@ -41084,7 +41084,7 @@
               <p:cNvPr id="14" name="Oval 13">
                 <a:extLst>
                   <a:ext uri="{FF2B5EF4-FFF2-40B4-BE49-F238E27FC236}">
-                    <a16:creationId xmlns:a16="http://schemas.microsoft.com/office/drawing/2014/main" xmlns="" id="{1BBC5D9C-B8FB-455B-9398-36DB21F2765E}"/>
+                    <a16:creationId xmlns="" xmlns:a16="http://schemas.microsoft.com/office/drawing/2014/main" id="{1BBC5D9C-B8FB-455B-9398-36DB21F2765E}"/>
                   </a:ext>
                 </a:extLst>
               </p:cNvPr>
@@ -41145,7 +41145,7 @@
             <p:cNvPr id="21" name="Oval 20">
               <a:extLst>
                 <a:ext uri="{FF2B5EF4-FFF2-40B4-BE49-F238E27FC236}">
-                  <a16:creationId xmlns:a16="http://schemas.microsoft.com/office/drawing/2014/main" xmlns="" id="{5D1C3636-C306-4492-8D46-194288459CAF}"/>
+                  <a16:creationId xmlns="" xmlns:a16="http://schemas.microsoft.com/office/drawing/2014/main" id="{5D1C3636-C306-4492-8D46-194288459CAF}"/>
                 </a:ext>
               </a:extLst>
             </p:cNvPr>
@@ -41236,7 +41236,7 @@
           <p:cNvPr id="15" name="Rectangle 14">
             <a:extLst>
               <a:ext uri="{FF2B5EF4-FFF2-40B4-BE49-F238E27FC236}">
-                <a16:creationId xmlns:a16="http://schemas.microsoft.com/office/drawing/2014/main" xmlns="" id="{E8E3FDB8-6D5C-48FE-99EA-7EC60F4D8191}"/>
+                <a16:creationId xmlns="" xmlns:a16="http://schemas.microsoft.com/office/drawing/2014/main" id="{E8E3FDB8-6D5C-48FE-99EA-7EC60F4D8191}"/>
               </a:ext>
             </a:extLst>
           </p:cNvPr>
@@ -41303,7 +41303,7 @@
           <p:cNvPr id="5" name="Date Placeholder 4">
             <a:extLst>
               <a:ext uri="{FF2B5EF4-FFF2-40B4-BE49-F238E27FC236}">
-                <a16:creationId xmlns:a16="http://schemas.microsoft.com/office/drawing/2014/main" xmlns="" id="{2D9775F3-A041-479A-8038-652B7D9C72E9}"/>
+                <a16:creationId xmlns="" xmlns:a16="http://schemas.microsoft.com/office/drawing/2014/main" id="{2D9775F3-A041-479A-8038-652B7D9C72E9}"/>
               </a:ext>
             </a:extLst>
           </p:cNvPr>
@@ -41331,7 +41331,7 @@
           <p:cNvPr id="6" name="Footer Placeholder 5">
             <a:extLst>
               <a:ext uri="{FF2B5EF4-FFF2-40B4-BE49-F238E27FC236}">
-                <a16:creationId xmlns:a16="http://schemas.microsoft.com/office/drawing/2014/main" xmlns="" id="{29BEDD04-BE4E-4B91-B13E-0C4FB3E1658F}"/>
+                <a16:creationId xmlns="" xmlns:a16="http://schemas.microsoft.com/office/drawing/2014/main" id="{29BEDD04-BE4E-4B91-B13E-0C4FB3E1658F}"/>
               </a:ext>
             </a:extLst>
           </p:cNvPr>
@@ -41359,7 +41359,7 @@
           <p:cNvPr id="7" name="Slide Number Placeholder 6">
             <a:extLst>
               <a:ext uri="{FF2B5EF4-FFF2-40B4-BE49-F238E27FC236}">
-                <a16:creationId xmlns:a16="http://schemas.microsoft.com/office/drawing/2014/main" xmlns="" id="{306DF5D8-12DC-494E-B0F1-2E9C86A14544}"/>
+                <a16:creationId xmlns="" xmlns:a16="http://schemas.microsoft.com/office/drawing/2014/main" id="{306DF5D8-12DC-494E-B0F1-2E9C86A14544}"/>
               </a:ext>
             </a:extLst>
           </p:cNvPr>
@@ -41388,7 +41388,7 @@
           <p:cNvPr id="8" name="Title 1">
             <a:extLst>
               <a:ext uri="{FF2B5EF4-FFF2-40B4-BE49-F238E27FC236}">
-                <a16:creationId xmlns:a16="http://schemas.microsoft.com/office/drawing/2014/main" xmlns="" id="{ABF87C9E-53A2-4DE1-89DC-3907BE2E3D3C}"/>
+                <a16:creationId xmlns="" xmlns:a16="http://schemas.microsoft.com/office/drawing/2014/main" id="{ABF87C9E-53A2-4DE1-89DC-3907BE2E3D3C}"/>
               </a:ext>
             </a:extLst>
           </p:cNvPr>
@@ -41427,7 +41427,7 @@
           <p:cNvPr id="9" name="Text Placeholder 2">
             <a:extLst>
               <a:ext uri="{FF2B5EF4-FFF2-40B4-BE49-F238E27FC236}">
-                <a16:creationId xmlns:a16="http://schemas.microsoft.com/office/drawing/2014/main" xmlns="" id="{EB453F8F-AA02-4E0D-93BF-8CF4F1490377}"/>
+                <a16:creationId xmlns="" xmlns:a16="http://schemas.microsoft.com/office/drawing/2014/main" id="{EB453F8F-AA02-4E0D-93BF-8CF4F1490377}"/>
               </a:ext>
             </a:extLst>
           </p:cNvPr>
@@ -41557,7 +41557,7 @@
           <p:cNvPr id="10" name="Picture Placeholder 10">
             <a:extLst>
               <a:ext uri="{FF2B5EF4-FFF2-40B4-BE49-F238E27FC236}">
-                <a16:creationId xmlns:a16="http://schemas.microsoft.com/office/drawing/2014/main" xmlns="" id="{A541F291-2E4B-474E-9ED0-55C97A2A066D}"/>
+                <a16:creationId xmlns="" xmlns:a16="http://schemas.microsoft.com/office/drawing/2014/main" id="{A541F291-2E4B-474E-9ED0-55C97A2A066D}"/>
               </a:ext>
             </a:extLst>
           </p:cNvPr>
@@ -41598,7 +41598,7 @@
           <p:cNvPr id="11" name="Group 10">
             <a:extLst>
               <a:ext uri="{FF2B5EF4-FFF2-40B4-BE49-F238E27FC236}">
-                <a16:creationId xmlns:a16="http://schemas.microsoft.com/office/drawing/2014/main" xmlns="" id="{59E4D57E-4989-4939-A31F-637543FAB606}"/>
+                <a16:creationId xmlns="" xmlns:a16="http://schemas.microsoft.com/office/drawing/2014/main" id="{59E4D57E-4989-4939-A31F-637543FAB606}"/>
               </a:ext>
             </a:extLst>
           </p:cNvPr>
@@ -41618,7 +41618,7 @@
             <p:cNvPr id="12" name="Straight Connector 11">
               <a:extLst>
                 <a:ext uri="{FF2B5EF4-FFF2-40B4-BE49-F238E27FC236}">
-                  <a16:creationId xmlns:a16="http://schemas.microsoft.com/office/drawing/2014/main" xmlns="" id="{370B72A7-B625-48B8-88E6-BCE2A4DD531E}"/>
+                  <a16:creationId xmlns="" xmlns:a16="http://schemas.microsoft.com/office/drawing/2014/main" id="{370B72A7-B625-48B8-88E6-BCE2A4DD531E}"/>
                 </a:ext>
               </a:extLst>
             </p:cNvPr>
@@ -41664,7 +41664,7 @@
             <p:cNvPr id="13" name="Oval 12">
               <a:extLst>
                 <a:ext uri="{FF2B5EF4-FFF2-40B4-BE49-F238E27FC236}">
-                  <a16:creationId xmlns:a16="http://schemas.microsoft.com/office/drawing/2014/main" xmlns="" id="{01ED729F-F8A5-4244-9776-4935C260F11F}"/>
+                  <a16:creationId xmlns="" xmlns:a16="http://schemas.microsoft.com/office/drawing/2014/main" id="{01ED729F-F8A5-4244-9776-4935C260F11F}"/>
                 </a:ext>
               </a:extLst>
             </p:cNvPr>
@@ -41725,7 +41725,7 @@
           <p:cNvPr id="14" name="Text Placeholder 2">
             <a:extLst>
               <a:ext uri="{FF2B5EF4-FFF2-40B4-BE49-F238E27FC236}">
-                <a16:creationId xmlns:a16="http://schemas.microsoft.com/office/drawing/2014/main" xmlns="" id="{BE12A846-0DFC-435B-BAE9-D90C353E0344}"/>
+                <a16:creationId xmlns="" xmlns:a16="http://schemas.microsoft.com/office/drawing/2014/main" id="{BE12A846-0DFC-435B-BAE9-D90C353E0344}"/>
               </a:ext>
             </a:extLst>
           </p:cNvPr>
@@ -41860,7 +41860,7 @@
           <p:cNvPr id="17" name="Straight Connector 16">
             <a:extLst>
               <a:ext uri="{FF2B5EF4-FFF2-40B4-BE49-F238E27FC236}">
-                <a16:creationId xmlns:a16="http://schemas.microsoft.com/office/drawing/2014/main" xmlns="" id="{6150998C-CF95-4C6F-8962-8EB2DB30177D}"/>
+                <a16:creationId xmlns="" xmlns:a16="http://schemas.microsoft.com/office/drawing/2014/main" id="{6150998C-CF95-4C6F-8962-8EB2DB30177D}"/>
               </a:ext>
             </a:extLst>
           </p:cNvPr>
@@ -41904,7 +41904,7 @@
           <p:cNvPr id="18" name="Oval 17">
             <a:extLst>
               <a:ext uri="{FF2B5EF4-FFF2-40B4-BE49-F238E27FC236}">
-                <a16:creationId xmlns:a16="http://schemas.microsoft.com/office/drawing/2014/main" xmlns="" id="{F86A2ACD-8CF5-48A3-A678-E213A809B332}"/>
+                <a16:creationId xmlns="" xmlns:a16="http://schemas.microsoft.com/office/drawing/2014/main" id="{F86A2ACD-8CF5-48A3-A678-E213A809B332}"/>
               </a:ext>
             </a:extLst>
           </p:cNvPr>
@@ -41959,7 +41959,7 @@
           <p:cNvPr id="19" name="Straight Connector 18">
             <a:extLst>
               <a:ext uri="{FF2B5EF4-FFF2-40B4-BE49-F238E27FC236}">
-                <a16:creationId xmlns:a16="http://schemas.microsoft.com/office/drawing/2014/main" xmlns="" id="{F00811BB-0E37-4D70-84A5-97B3FBEDCBE6}"/>
+                <a16:creationId xmlns="" xmlns:a16="http://schemas.microsoft.com/office/drawing/2014/main" id="{F00811BB-0E37-4D70-84A5-97B3FBEDCBE6}"/>
               </a:ext>
             </a:extLst>
           </p:cNvPr>
@@ -42005,7 +42005,7 @@
           <p:cNvPr id="20" name="Oval 19">
             <a:extLst>
               <a:ext uri="{FF2B5EF4-FFF2-40B4-BE49-F238E27FC236}">
-                <a16:creationId xmlns:a16="http://schemas.microsoft.com/office/drawing/2014/main" xmlns="" id="{D03B3046-0457-4D23-8E0C-64E3FCD620BB}"/>
+                <a16:creationId xmlns="" xmlns:a16="http://schemas.microsoft.com/office/drawing/2014/main" id="{D03B3046-0457-4D23-8E0C-64E3FCD620BB}"/>
               </a:ext>
             </a:extLst>
           </p:cNvPr>
@@ -42060,7 +42060,7 @@
           <p:cNvPr id="22" name="Text Placeholder 2">
             <a:extLst>
               <a:ext uri="{FF2B5EF4-FFF2-40B4-BE49-F238E27FC236}">
-                <a16:creationId xmlns:a16="http://schemas.microsoft.com/office/drawing/2014/main" xmlns="" id="{F2ACDD32-C1AB-4359-B055-2F910492987E}"/>
+                <a16:creationId xmlns="" xmlns:a16="http://schemas.microsoft.com/office/drawing/2014/main" id="{F2ACDD32-C1AB-4359-B055-2F910492987E}"/>
               </a:ext>
             </a:extLst>
           </p:cNvPr>
@@ -42193,7 +42193,7 @@
           <p:cNvPr id="16" name="Text Placeholder 15">
             <a:extLst>
               <a:ext uri="{FF2B5EF4-FFF2-40B4-BE49-F238E27FC236}">
-                <a16:creationId xmlns:a16="http://schemas.microsoft.com/office/drawing/2014/main" xmlns="" id="{D0092E26-7A96-4712-98A7-FFDA7C3D7721}"/>
+                <a16:creationId xmlns="" xmlns:a16="http://schemas.microsoft.com/office/drawing/2014/main" id="{D0092E26-7A96-4712-98A7-FFDA7C3D7721}"/>
               </a:ext>
             </a:extLst>
           </p:cNvPr>
@@ -42250,7 +42250,7 @@
           <p:cNvPr id="34" name="Text Placeholder 2">
             <a:extLst>
               <a:ext uri="{FF2B5EF4-FFF2-40B4-BE49-F238E27FC236}">
-                <a16:creationId xmlns:a16="http://schemas.microsoft.com/office/drawing/2014/main" xmlns="" id="{B17B484C-F876-40B2-89DE-FC7A9E54C835}"/>
+                <a16:creationId xmlns="" xmlns:a16="http://schemas.microsoft.com/office/drawing/2014/main" id="{B17B484C-F876-40B2-89DE-FC7A9E54C835}"/>
               </a:ext>
             </a:extLst>
           </p:cNvPr>
@@ -42385,7 +42385,7 @@
           <p:cNvPr id="35" name="Text Placeholder 15">
             <a:extLst>
               <a:ext uri="{FF2B5EF4-FFF2-40B4-BE49-F238E27FC236}">
-                <a16:creationId xmlns:a16="http://schemas.microsoft.com/office/drawing/2014/main" xmlns="" id="{7A54608E-523B-47AC-B8A6-3E8FE9A15847}"/>
+                <a16:creationId xmlns="" xmlns:a16="http://schemas.microsoft.com/office/drawing/2014/main" id="{7A54608E-523B-47AC-B8A6-3E8FE9A15847}"/>
               </a:ext>
             </a:extLst>
           </p:cNvPr>
@@ -42442,7 +42442,7 @@
           <p:cNvPr id="36" name="Text Placeholder 2">
             <a:extLst>
               <a:ext uri="{FF2B5EF4-FFF2-40B4-BE49-F238E27FC236}">
-                <a16:creationId xmlns:a16="http://schemas.microsoft.com/office/drawing/2014/main" xmlns="" id="{99E02476-A734-4A74-BC42-F104B37C8C19}"/>
+                <a16:creationId xmlns="" xmlns:a16="http://schemas.microsoft.com/office/drawing/2014/main" id="{99E02476-A734-4A74-BC42-F104B37C8C19}"/>
               </a:ext>
             </a:extLst>
           </p:cNvPr>
@@ -42575,7 +42575,7 @@
           <p:cNvPr id="37" name="Text Placeholder 2">
             <a:extLst>
               <a:ext uri="{FF2B5EF4-FFF2-40B4-BE49-F238E27FC236}">
-                <a16:creationId xmlns:a16="http://schemas.microsoft.com/office/drawing/2014/main" xmlns="" id="{E0D32F26-CEE2-4420-A43D-B008AE2D1DDC}"/>
+                <a16:creationId xmlns="" xmlns:a16="http://schemas.microsoft.com/office/drawing/2014/main" id="{E0D32F26-CEE2-4420-A43D-B008AE2D1DDC}"/>
               </a:ext>
             </a:extLst>
           </p:cNvPr>
@@ -42710,7 +42710,7 @@
           <p:cNvPr id="38" name="Text Placeholder 15">
             <a:extLst>
               <a:ext uri="{FF2B5EF4-FFF2-40B4-BE49-F238E27FC236}">
-                <a16:creationId xmlns:a16="http://schemas.microsoft.com/office/drawing/2014/main" xmlns="" id="{DBC2890A-FFF7-4606-A262-6D464BA5D997}"/>
+                <a16:creationId xmlns="" xmlns:a16="http://schemas.microsoft.com/office/drawing/2014/main" id="{DBC2890A-FFF7-4606-A262-6D464BA5D997}"/>
               </a:ext>
             </a:extLst>
           </p:cNvPr>
@@ -42767,7 +42767,7 @@
           <p:cNvPr id="39" name="Text Placeholder 2">
             <a:extLst>
               <a:ext uri="{FF2B5EF4-FFF2-40B4-BE49-F238E27FC236}">
-                <a16:creationId xmlns:a16="http://schemas.microsoft.com/office/drawing/2014/main" xmlns="" id="{268E1254-8C59-4B9B-A775-45CA3D655514}"/>
+                <a16:creationId xmlns="" xmlns:a16="http://schemas.microsoft.com/office/drawing/2014/main" id="{268E1254-8C59-4B9B-A775-45CA3D655514}"/>
               </a:ext>
             </a:extLst>
           </p:cNvPr>
@@ -42900,7 +42900,7 @@
           <p:cNvPr id="21" name="Straight Connector 20">
             <a:extLst>
               <a:ext uri="{FF2B5EF4-FFF2-40B4-BE49-F238E27FC236}">
-                <a16:creationId xmlns:a16="http://schemas.microsoft.com/office/drawing/2014/main" xmlns="" id="{8E47DC43-D8A0-4F17-B897-D8B07A6F1B47}"/>
+                <a16:creationId xmlns="" xmlns:a16="http://schemas.microsoft.com/office/drawing/2014/main" id="{8E47DC43-D8A0-4F17-B897-D8B07A6F1B47}"/>
               </a:ext>
             </a:extLst>
           </p:cNvPr>
@@ -42941,7 +42941,7 @@
           <p:cNvPr id="29" name="Straight Connector 28">
             <a:extLst>
               <a:ext uri="{FF2B5EF4-FFF2-40B4-BE49-F238E27FC236}">
-                <a16:creationId xmlns:a16="http://schemas.microsoft.com/office/drawing/2014/main" xmlns="" id="{D201F265-08ED-497A-BE5C-62220829348F}"/>
+                <a16:creationId xmlns="" xmlns:a16="http://schemas.microsoft.com/office/drawing/2014/main" id="{D201F265-08ED-497A-BE5C-62220829348F}"/>
               </a:ext>
             </a:extLst>
           </p:cNvPr>
@@ -43017,7 +43017,7 @@
           <p:cNvPr id="2" name="Title Placeholder 1">
             <a:extLst>
               <a:ext uri="{FF2B5EF4-FFF2-40B4-BE49-F238E27FC236}">
-                <a16:creationId xmlns:a16="http://schemas.microsoft.com/office/drawing/2014/main" xmlns="" id="{6967058B-89E0-4460-AB21-21747CB3A118}"/>
+                <a16:creationId xmlns="" xmlns:a16="http://schemas.microsoft.com/office/drawing/2014/main" id="{6967058B-89E0-4460-AB21-21747CB3A118}"/>
               </a:ext>
             </a:extLst>
           </p:cNvPr>
@@ -43055,7 +43055,7 @@
           <p:cNvPr id="3" name="Text Placeholder 2">
             <a:extLst>
               <a:ext uri="{FF2B5EF4-FFF2-40B4-BE49-F238E27FC236}">
-                <a16:creationId xmlns:a16="http://schemas.microsoft.com/office/drawing/2014/main" xmlns="" id="{7201C5EB-04D6-4050-930C-5F6907528D7A}"/>
+                <a16:creationId xmlns="" xmlns:a16="http://schemas.microsoft.com/office/drawing/2014/main" id="{7201C5EB-04D6-4050-930C-5F6907528D7A}"/>
               </a:ext>
             </a:extLst>
           </p:cNvPr>
@@ -43122,7 +43122,7 @@
           <p:cNvPr id="4" name="Date Placeholder 3">
             <a:extLst>
               <a:ext uri="{FF2B5EF4-FFF2-40B4-BE49-F238E27FC236}">
-                <a16:creationId xmlns:a16="http://schemas.microsoft.com/office/drawing/2014/main" xmlns="" id="{A732220F-109C-4A57-81E9-C6279EDA1374}"/>
+                <a16:creationId xmlns="" xmlns:a16="http://schemas.microsoft.com/office/drawing/2014/main" id="{A732220F-109C-4A57-81E9-C6279EDA1374}"/>
               </a:ext>
             </a:extLst>
           </p:cNvPr>
@@ -43169,7 +43169,7 @@
           <p:cNvPr id="5" name="Footer Placeholder 4">
             <a:extLst>
               <a:ext uri="{FF2B5EF4-FFF2-40B4-BE49-F238E27FC236}">
-                <a16:creationId xmlns:a16="http://schemas.microsoft.com/office/drawing/2014/main" xmlns="" id="{0A25404F-F26F-42E5-BA15-C0373FC1CF2B}"/>
+                <a16:creationId xmlns="" xmlns:a16="http://schemas.microsoft.com/office/drawing/2014/main" id="{0A25404F-F26F-42E5-BA15-C0373FC1CF2B}"/>
               </a:ext>
             </a:extLst>
           </p:cNvPr>
@@ -43216,7 +43216,7 @@
           <p:cNvPr id="6" name="Slide Number Placeholder 5">
             <a:extLst>
               <a:ext uri="{FF2B5EF4-FFF2-40B4-BE49-F238E27FC236}">
-                <a16:creationId xmlns:a16="http://schemas.microsoft.com/office/drawing/2014/main" xmlns="" id="{41725174-FA04-488F-9F0C-3CD1D1483FA9}"/>
+                <a16:creationId xmlns="" xmlns:a16="http://schemas.microsoft.com/office/drawing/2014/main" id="{41725174-FA04-488F-9F0C-3CD1D1483FA9}"/>
               </a:ext>
             </a:extLst>
           </p:cNvPr>
@@ -43262,7 +43262,7 @@
           <p:cNvPr id="7" name="Oval 6">
             <a:extLst>
               <a:ext uri="{FF2B5EF4-FFF2-40B4-BE49-F238E27FC236}">
-                <a16:creationId xmlns:a16="http://schemas.microsoft.com/office/drawing/2014/main" xmlns="" id="{7FEF1588-F385-48F3-800A-554A9423E77A}"/>
+                <a16:creationId xmlns="" xmlns:a16="http://schemas.microsoft.com/office/drawing/2014/main" id="{7FEF1588-F385-48F3-800A-554A9423E77A}"/>
               </a:ext>
             </a:extLst>
           </p:cNvPr>
@@ -43317,7 +43317,7 @@
           <p:cNvPr id="10" name="Straight Connector 9">
             <a:extLst>
               <a:ext uri="{FF2B5EF4-FFF2-40B4-BE49-F238E27FC236}">
-                <a16:creationId xmlns:a16="http://schemas.microsoft.com/office/drawing/2014/main" xmlns="" id="{440B0943-F568-4674-8FA4-B435B1E466AF}"/>
+                <a16:creationId xmlns="" xmlns:a16="http://schemas.microsoft.com/office/drawing/2014/main" id="{440B0943-F568-4674-8FA4-B435B1E466AF}"/>
               </a:ext>
             </a:extLst>
           </p:cNvPr>
@@ -43361,7 +43361,7 @@
           <p:cNvPr id="11" name="Oval 10">
             <a:extLst>
               <a:ext uri="{FF2B5EF4-FFF2-40B4-BE49-F238E27FC236}">
-                <a16:creationId xmlns:a16="http://schemas.microsoft.com/office/drawing/2014/main" xmlns="" id="{62DE7FD5-7941-43A1-8663-42AE40546A4F}"/>
+                <a16:creationId xmlns="" xmlns:a16="http://schemas.microsoft.com/office/drawing/2014/main" id="{62DE7FD5-7941-43A1-8663-42AE40546A4F}"/>
               </a:ext>
             </a:extLst>
           </p:cNvPr>
@@ -43416,7 +43416,7 @@
           <p:cNvPr id="13" name="Straight Connector 12">
             <a:extLst>
               <a:ext uri="{FF2B5EF4-FFF2-40B4-BE49-F238E27FC236}">
-                <a16:creationId xmlns:a16="http://schemas.microsoft.com/office/drawing/2014/main" xmlns="" id="{97791EE5-EF06-4BF8-84C6-EC24114E73F5}"/>
+                <a16:creationId xmlns="" xmlns:a16="http://schemas.microsoft.com/office/drawing/2014/main" id="{97791EE5-EF06-4BF8-84C6-EC24114E73F5}"/>
               </a:ext>
             </a:extLst>
           </p:cNvPr>
@@ -43856,7 +43856,7 @@
           <p:cNvPr id="5" name="Picture Placeholder 11">
             <a:extLst>
               <a:ext uri="{FF2B5EF4-FFF2-40B4-BE49-F238E27FC236}">
-                <a16:creationId xmlns:a16="http://schemas.microsoft.com/office/drawing/2014/main" xmlns="" id="{403E5740-1FF0-42AF-A459-70BE0BD24FDC}"/>
+                <a16:creationId xmlns="" xmlns:a16="http://schemas.microsoft.com/office/drawing/2014/main" id="{403E5740-1FF0-42AF-A459-70BE0BD24FDC}"/>
               </a:ext>
             </a:extLst>
           </p:cNvPr>
@@ -43966,7 +43966,7 @@
           <p:cNvPr id="7" name="Title 1">
             <a:extLst>
               <a:ext uri="{FF2B5EF4-FFF2-40B4-BE49-F238E27FC236}">
-                <a16:creationId xmlns:a16="http://schemas.microsoft.com/office/drawing/2014/main" xmlns="" id="{EA4B7241-C2B7-4F61-A69C-236E16A5F62F}"/>
+                <a16:creationId xmlns="" xmlns:a16="http://schemas.microsoft.com/office/drawing/2014/main" id="{EA4B7241-C2B7-4F61-A69C-236E16A5F62F}"/>
               </a:ext>
             </a:extLst>
           </p:cNvPr>
@@ -44187,7 +44187,7 @@
           <p:cNvPr id="2" name="Title 1">
             <a:extLst>
               <a:ext uri="{FF2B5EF4-FFF2-40B4-BE49-F238E27FC236}">
-                <a16:creationId xmlns:a16="http://schemas.microsoft.com/office/drawing/2014/main" xmlns="" id="{134CB059-9E3B-4C24-8E61-717292C2944E}"/>
+                <a16:creationId xmlns="" xmlns:a16="http://schemas.microsoft.com/office/drawing/2014/main" id="{134CB059-9E3B-4C24-8E61-717292C2944E}"/>
               </a:ext>
             </a:extLst>
           </p:cNvPr>
@@ -44217,7 +44217,7 @@
           <p:cNvPr id="3" name="Text Placeholder 2">
             <a:extLst>
               <a:ext uri="{FF2B5EF4-FFF2-40B4-BE49-F238E27FC236}">
-                <a16:creationId xmlns:a16="http://schemas.microsoft.com/office/drawing/2014/main" xmlns="" id="{E66139D5-668D-4A3D-B6B6-F71EC385C8FF}"/>
+                <a16:creationId xmlns="" xmlns:a16="http://schemas.microsoft.com/office/drawing/2014/main" id="{E66139D5-668D-4A3D-B6B6-F71EC385C8FF}"/>
               </a:ext>
             </a:extLst>
           </p:cNvPr>
@@ -44252,7 +44252,7 @@
           <p:cNvPr id="6" name="Slide Number Placeholder 5">
             <a:extLst>
               <a:ext uri="{FF2B5EF4-FFF2-40B4-BE49-F238E27FC236}">
-                <a16:creationId xmlns:a16="http://schemas.microsoft.com/office/drawing/2014/main" xmlns="" id="{2B9E0CB5-2F64-4439-AFE9-1BB3ACE6FA9D}"/>
+                <a16:creationId xmlns="" xmlns:a16="http://schemas.microsoft.com/office/drawing/2014/main" id="{2B9E0CB5-2F64-4439-AFE9-1BB3ACE6FA9D}"/>
               </a:ext>
             </a:extLst>
           </p:cNvPr>
@@ -44281,7 +44281,7 @@
           <p:cNvPr id="5" name="Footer Placeholder 4">
             <a:extLst>
               <a:ext uri="{FF2B5EF4-FFF2-40B4-BE49-F238E27FC236}">
-                <a16:creationId xmlns:a16="http://schemas.microsoft.com/office/drawing/2014/main" xmlns="" id="{FFFF8DFC-D37E-4FE9-81F0-77C68D469526}"/>
+                <a16:creationId xmlns="" xmlns:a16="http://schemas.microsoft.com/office/drawing/2014/main" id="{FFFF8DFC-D37E-4FE9-81F0-77C68D469526}"/>
               </a:ext>
             </a:extLst>
           </p:cNvPr>
@@ -44309,7 +44309,7 @@
           <p:cNvPr id="4" name="Date Placeholder 3">
             <a:extLst>
               <a:ext uri="{FF2B5EF4-FFF2-40B4-BE49-F238E27FC236}">
-                <a16:creationId xmlns:a16="http://schemas.microsoft.com/office/drawing/2014/main" xmlns="" id="{0BA396AE-BE46-43FB-B4E7-224D2AF39F83}"/>
+                <a16:creationId xmlns="" xmlns:a16="http://schemas.microsoft.com/office/drawing/2014/main" id="{0BA396AE-BE46-43FB-B4E7-224D2AF39F83}"/>
               </a:ext>
             </a:extLst>
           </p:cNvPr>
@@ -44426,7 +44426,7 @@
           <p:cNvPr id="11" name="Text Placeholder 2">
             <a:extLst>
               <a:ext uri="{FF2B5EF4-FFF2-40B4-BE49-F238E27FC236}">
-                <a16:creationId xmlns:a16="http://schemas.microsoft.com/office/drawing/2014/main" xmlns="" id="{E66139D5-668D-4A3D-B6B6-F71EC385C8FF}"/>
+                <a16:creationId xmlns="" xmlns:a16="http://schemas.microsoft.com/office/drawing/2014/main" id="{E66139D5-668D-4A3D-B6B6-F71EC385C8FF}"/>
               </a:ext>
             </a:extLst>
           </p:cNvPr>
@@ -44501,7 +44501,7 @@
           <p:cNvPr id="18" name="Picture Placeholder 17">
             <a:extLst>
               <a:ext uri="{FF2B5EF4-FFF2-40B4-BE49-F238E27FC236}">
-                <a16:creationId xmlns:a16="http://schemas.microsoft.com/office/drawing/2014/main" xmlns="" id="{FA9DAA9F-5926-4BC1-8F7B-06E0B1C2F013}"/>
+                <a16:creationId xmlns="" xmlns:a16="http://schemas.microsoft.com/office/drawing/2014/main" id="{FA9DAA9F-5926-4BC1-8F7B-06E0B1C2F013}"/>
               </a:ext>
             </a:extLst>
           </p:cNvPr>
@@ -44536,7 +44536,7 @@
           <p:cNvPr id="2" name="Title 1">
             <a:extLst>
               <a:ext uri="{FF2B5EF4-FFF2-40B4-BE49-F238E27FC236}">
-                <a16:creationId xmlns:a16="http://schemas.microsoft.com/office/drawing/2014/main" xmlns="" id="{B0406C22-D0C4-4D8E-86F7-1A902F1CA7AB}"/>
+                <a16:creationId xmlns="" xmlns:a16="http://schemas.microsoft.com/office/drawing/2014/main" id="{B0406C22-D0C4-4D8E-86F7-1A902F1CA7AB}"/>
               </a:ext>
             </a:extLst>
           </p:cNvPr>
@@ -44571,7 +44571,7 @@
           <p:cNvPr id="5" name="Slide Number Placeholder 4">
             <a:extLst>
               <a:ext uri="{FF2B5EF4-FFF2-40B4-BE49-F238E27FC236}">
-                <a16:creationId xmlns:a16="http://schemas.microsoft.com/office/drawing/2014/main" xmlns="" id="{1C5328BF-D489-4F39-BA27-5AD38E9116D8}"/>
+                <a16:creationId xmlns="" xmlns:a16="http://schemas.microsoft.com/office/drawing/2014/main" id="{1C5328BF-D489-4F39-BA27-5AD38E9116D8}"/>
               </a:ext>
             </a:extLst>
           </p:cNvPr>
@@ -44601,7 +44601,7 @@
           <p:cNvPr id="4" name="Footer Placeholder 3">
             <a:extLst>
               <a:ext uri="{FF2B5EF4-FFF2-40B4-BE49-F238E27FC236}">
-                <a16:creationId xmlns:a16="http://schemas.microsoft.com/office/drawing/2014/main" xmlns="" id="{577B5262-30A5-4063-A21E-56FCACC40308}"/>
+                <a16:creationId xmlns="" xmlns:a16="http://schemas.microsoft.com/office/drawing/2014/main" id="{577B5262-30A5-4063-A21E-56FCACC40308}"/>
               </a:ext>
             </a:extLst>
           </p:cNvPr>
@@ -44629,7 +44629,7 @@
           <p:cNvPr id="3" name="Date Placeholder 2">
             <a:extLst>
               <a:ext uri="{FF2B5EF4-FFF2-40B4-BE49-F238E27FC236}">
-                <a16:creationId xmlns:a16="http://schemas.microsoft.com/office/drawing/2014/main" xmlns="" id="{41F813B4-2C3F-45B0-A38D-A3FE79E6D71B}"/>
+                <a16:creationId xmlns="" xmlns:a16="http://schemas.microsoft.com/office/drawing/2014/main" id="{41F813B4-2C3F-45B0-A38D-A3FE79E6D71B}"/>
               </a:ext>
             </a:extLst>
           </p:cNvPr>
@@ -44717,7 +44717,7 @@
           <p:cNvPr id="9" name="Date Placeholder 1">
             <a:extLst>
               <a:ext uri="{FF2B5EF4-FFF2-40B4-BE49-F238E27FC236}">
-                <a16:creationId xmlns:a16="http://schemas.microsoft.com/office/drawing/2014/main" xmlns="" id="{74ADF2A8-0029-4EDF-A9FD-C1E0A6505203}"/>
+                <a16:creationId xmlns="" xmlns:a16="http://schemas.microsoft.com/office/drawing/2014/main" id="{74ADF2A8-0029-4EDF-A9FD-C1E0A6505203}"/>
               </a:ext>
             </a:extLst>
           </p:cNvPr>
@@ -44894,7 +44894,7 @@
           <p:cNvPr id="67" name="Title 66">
             <a:extLst>
               <a:ext uri="{FF2B5EF4-FFF2-40B4-BE49-F238E27FC236}">
-                <a16:creationId xmlns:a16="http://schemas.microsoft.com/office/drawing/2014/main" xmlns="" id="{E72CC338-4598-4AF3-B140-D7F632D20BA5}"/>
+                <a16:creationId xmlns="" xmlns:a16="http://schemas.microsoft.com/office/drawing/2014/main" id="{E72CC338-4598-4AF3-B140-D7F632D20BA5}"/>
               </a:ext>
             </a:extLst>
           </p:cNvPr>
@@ -44936,7 +44936,7 @@
           <p:cNvPr id="68" name="Text Placeholder 67">
             <a:extLst>
               <a:ext uri="{FF2B5EF4-FFF2-40B4-BE49-F238E27FC236}">
-                <a16:creationId xmlns:a16="http://schemas.microsoft.com/office/drawing/2014/main" xmlns="" id="{1411656D-4971-4CC0-9065-8DA32BB8740B}"/>
+                <a16:creationId xmlns="" xmlns:a16="http://schemas.microsoft.com/office/drawing/2014/main" id="{1411656D-4971-4CC0-9065-8DA32BB8740B}"/>
               </a:ext>
             </a:extLst>
           </p:cNvPr>
@@ -44971,7 +44971,7 @@
           <p:cNvPr id="10" name="Text Placeholder 9">
             <a:extLst>
               <a:ext uri="{FF2B5EF4-FFF2-40B4-BE49-F238E27FC236}">
-                <a16:creationId xmlns:a16="http://schemas.microsoft.com/office/drawing/2014/main" xmlns="" id="{D87FAD12-8FEF-41B8-B478-8793FF9B485B}"/>
+                <a16:creationId xmlns="" xmlns:a16="http://schemas.microsoft.com/office/drawing/2014/main" id="{D87FAD12-8FEF-41B8-B478-8793FF9B485B}"/>
               </a:ext>
             </a:extLst>
           </p:cNvPr>
@@ -45005,7 +45005,7 @@
           <p:cNvPr id="7" name="Picture Placeholder 6" descr="Globe icon">
             <a:extLst>
               <a:ext uri="{FF2B5EF4-FFF2-40B4-BE49-F238E27FC236}">
-                <a16:creationId xmlns:a16="http://schemas.microsoft.com/office/drawing/2014/main" xmlns="" id="{610C6214-BE35-4ED8-9EE7-7252A6039583}"/>
+                <a16:creationId xmlns="" xmlns:a16="http://schemas.microsoft.com/office/drawing/2014/main" id="{610C6214-BE35-4ED8-9EE7-7252A6039583}"/>
               </a:ext>
             </a:extLst>
           </p:cNvPr>
@@ -45023,7 +45023,7 @@
                 <a14:useLocalDpi xmlns:a14="http://schemas.microsoft.com/office/drawing/2010/main" val="0"/>
               </a:ext>
               <a:ext uri="{96DAC541-7B7A-43D3-8B79-37D633B846F1}">
-                <asvg:svgBlip xmlns:asvg="http://schemas.microsoft.com/office/drawing/2016/SVG/main" xmlns="" r:embed="rId3"/>
+                <asvg:svgBlip xmlns="" xmlns:asvg="http://schemas.microsoft.com/office/drawing/2016/SVG/main" r:embed="rId3"/>
               </a:ext>
             </a:extLst>
           </a:blip>
@@ -45039,7 +45039,7 @@
           <p:cNvPr id="8" name="Text Placeholder 7">
             <a:extLst>
               <a:ext uri="{FF2B5EF4-FFF2-40B4-BE49-F238E27FC236}">
-                <a16:creationId xmlns:a16="http://schemas.microsoft.com/office/drawing/2014/main" xmlns="" id="{C8E5EEAD-1427-4576-B8F8-C485CAE758A4}"/>
+                <a16:creationId xmlns="" xmlns:a16="http://schemas.microsoft.com/office/drawing/2014/main" id="{C8E5EEAD-1427-4576-B8F8-C485CAE758A4}"/>
               </a:ext>
             </a:extLst>
           </p:cNvPr>
@@ -45080,7 +45080,7 @@
           <p:cNvPr id="16" name="Text Placeholder 15">
             <a:extLst>
               <a:ext uri="{FF2B5EF4-FFF2-40B4-BE49-F238E27FC236}">
-                <a16:creationId xmlns:a16="http://schemas.microsoft.com/office/drawing/2014/main" xmlns="" id="{C214C1BB-D845-4DB6-B4FC-B7AD5F5E0C3D}"/>
+                <a16:creationId xmlns="" xmlns:a16="http://schemas.microsoft.com/office/drawing/2014/main" id="{C214C1BB-D845-4DB6-B4FC-B7AD5F5E0C3D}"/>
               </a:ext>
             </a:extLst>
           </p:cNvPr>
@@ -45121,7 +45121,7 @@
           <p:cNvPr id="12" name="Picture Placeholder 11" descr="Cubes icon">
             <a:extLst>
               <a:ext uri="{FF2B5EF4-FFF2-40B4-BE49-F238E27FC236}">
-                <a16:creationId xmlns:a16="http://schemas.microsoft.com/office/drawing/2014/main" xmlns="" id="{92015B7B-96EB-42A1-A654-5DE5377A52C7}"/>
+                <a16:creationId xmlns="" xmlns:a16="http://schemas.microsoft.com/office/drawing/2014/main" id="{92015B7B-96EB-42A1-A654-5DE5377A52C7}"/>
               </a:ext>
             </a:extLst>
           </p:cNvPr>
@@ -45139,7 +45139,7 @@
                 <a14:useLocalDpi xmlns:a14="http://schemas.microsoft.com/office/drawing/2010/main" val="0"/>
               </a:ext>
               <a:ext uri="{96DAC541-7B7A-43D3-8B79-37D633B846F1}">
-                <asvg:svgBlip xmlns:asvg="http://schemas.microsoft.com/office/drawing/2016/SVG/main" xmlns="" r:embed="rId5"/>
+                <asvg:svgBlip xmlns="" xmlns:asvg="http://schemas.microsoft.com/office/drawing/2016/SVG/main" r:embed="rId5"/>
               </a:ext>
             </a:extLst>
           </a:blip>
@@ -45155,7 +45155,7 @@
           <p:cNvPr id="14" name="Text Placeholder 13">
             <a:extLst>
               <a:ext uri="{FF2B5EF4-FFF2-40B4-BE49-F238E27FC236}">
-                <a16:creationId xmlns:a16="http://schemas.microsoft.com/office/drawing/2014/main" xmlns="" id="{B9B92F0C-3A1D-438E-B581-C1A63389DAF6}"/>
+                <a16:creationId xmlns="" xmlns:a16="http://schemas.microsoft.com/office/drawing/2014/main" id="{B9B92F0C-3A1D-438E-B581-C1A63389DAF6}"/>
               </a:ext>
             </a:extLst>
           </p:cNvPr>
@@ -45183,7 +45183,7 @@
           <p:cNvPr id="13" name="Text Placeholder 12">
             <a:extLst>
               <a:ext uri="{FF2B5EF4-FFF2-40B4-BE49-F238E27FC236}">
-                <a16:creationId xmlns:a16="http://schemas.microsoft.com/office/drawing/2014/main" xmlns="" id="{B457CA9C-196E-494C-85C7-9B4861053912}"/>
+                <a16:creationId xmlns="" xmlns:a16="http://schemas.microsoft.com/office/drawing/2014/main" id="{B457CA9C-196E-494C-85C7-9B4861053912}"/>
               </a:ext>
             </a:extLst>
           </p:cNvPr>
@@ -45224,7 +45224,7 @@
           <p:cNvPr id="18" name="Picture Placeholder 17" descr="Microprocessor icon">
             <a:extLst>
               <a:ext uri="{FF2B5EF4-FFF2-40B4-BE49-F238E27FC236}">
-                <a16:creationId xmlns:a16="http://schemas.microsoft.com/office/drawing/2014/main" xmlns="" id="{2714DCC9-F1D9-4D7B-9452-B6DF9693F667}"/>
+                <a16:creationId xmlns="" xmlns:a16="http://schemas.microsoft.com/office/drawing/2014/main" id="{2714DCC9-F1D9-4D7B-9452-B6DF9693F667}"/>
               </a:ext>
             </a:extLst>
           </p:cNvPr>
@@ -45242,7 +45242,7 @@
                 <a14:useLocalDpi xmlns:a14="http://schemas.microsoft.com/office/drawing/2010/main" val="0"/>
               </a:ext>
               <a:ext uri="{96DAC541-7B7A-43D3-8B79-37D633B846F1}">
-                <asvg:svgBlip xmlns:asvg="http://schemas.microsoft.com/office/drawing/2016/SVG/main" xmlns="" r:embed="rId7"/>
+                <asvg:svgBlip xmlns="" xmlns:asvg="http://schemas.microsoft.com/office/drawing/2016/SVG/main" r:embed="rId7"/>
               </a:ext>
             </a:extLst>
           </a:blip>
@@ -45258,7 +45258,7 @@
           <p:cNvPr id="11" name="Text Placeholder 10">
             <a:extLst>
               <a:ext uri="{FF2B5EF4-FFF2-40B4-BE49-F238E27FC236}">
-                <a16:creationId xmlns:a16="http://schemas.microsoft.com/office/drawing/2014/main" xmlns="" id="{CE2783CF-764B-4358-9D88-FAC1CFEBE203}"/>
+                <a16:creationId xmlns="" xmlns:a16="http://schemas.microsoft.com/office/drawing/2014/main" id="{CE2783CF-764B-4358-9D88-FAC1CFEBE203}"/>
               </a:ext>
             </a:extLst>
           </p:cNvPr>
@@ -45305,7 +45305,7 @@
           <p:cNvPr id="19" name="Text Placeholder 18">
             <a:extLst>
               <a:ext uri="{FF2B5EF4-FFF2-40B4-BE49-F238E27FC236}">
-                <a16:creationId xmlns:a16="http://schemas.microsoft.com/office/drawing/2014/main" xmlns="" id="{0D9ADD0F-E05E-4B0E-9D9D-545FD755D7AE}"/>
+                <a16:creationId xmlns="" xmlns:a16="http://schemas.microsoft.com/office/drawing/2014/main" id="{0D9ADD0F-E05E-4B0E-9D9D-545FD755D7AE}"/>
               </a:ext>
             </a:extLst>
           </p:cNvPr>
@@ -45342,7 +45342,7 @@
           <p:cNvPr id="21" name="Picture Placeholder 20" descr="Atom icon">
             <a:extLst>
               <a:ext uri="{FF2B5EF4-FFF2-40B4-BE49-F238E27FC236}">
-                <a16:creationId xmlns:a16="http://schemas.microsoft.com/office/drawing/2014/main" xmlns="" id="{E6E2A99D-9A76-4170-84C5-E8E895DEA558}"/>
+                <a16:creationId xmlns="" xmlns:a16="http://schemas.microsoft.com/office/drawing/2014/main" id="{E6E2A99D-9A76-4170-84C5-E8E895DEA558}"/>
               </a:ext>
             </a:extLst>
           </p:cNvPr>
@@ -45360,7 +45360,7 @@
                 <a14:useLocalDpi xmlns:a14="http://schemas.microsoft.com/office/drawing/2010/main" val="0"/>
               </a:ext>
               <a:ext uri="{96DAC541-7B7A-43D3-8B79-37D633B846F1}">
-                <asvg:svgBlip xmlns:asvg="http://schemas.microsoft.com/office/drawing/2016/SVG/main" xmlns="" r:embed="rId9"/>
+                <asvg:svgBlip xmlns="" xmlns:asvg="http://schemas.microsoft.com/office/drawing/2016/SVG/main" r:embed="rId9"/>
               </a:ext>
             </a:extLst>
           </a:blip>
@@ -45376,7 +45376,7 @@
           <p:cNvPr id="17" name="Text Placeholder 16">
             <a:extLst>
               <a:ext uri="{FF2B5EF4-FFF2-40B4-BE49-F238E27FC236}">
-                <a16:creationId xmlns:a16="http://schemas.microsoft.com/office/drawing/2014/main" xmlns="" id="{46EA4E1F-EF09-44AB-9483-363CF418AA99}"/>
+                <a16:creationId xmlns="" xmlns:a16="http://schemas.microsoft.com/office/drawing/2014/main" id="{46EA4E1F-EF09-44AB-9483-363CF418AA99}"/>
               </a:ext>
             </a:extLst>
           </p:cNvPr>
@@ -45411,7 +45411,7 @@
           <p:cNvPr id="4" name="Slide Number Placeholder 3">
             <a:extLst>
               <a:ext uri="{FF2B5EF4-FFF2-40B4-BE49-F238E27FC236}">
-                <a16:creationId xmlns:a16="http://schemas.microsoft.com/office/drawing/2014/main" xmlns="" id="{D3581DBA-A3EE-4E75-90A6-DC25DF9DABFC}"/>
+                <a16:creationId xmlns="" xmlns:a16="http://schemas.microsoft.com/office/drawing/2014/main" id="{D3581DBA-A3EE-4E75-90A6-DC25DF9DABFC}"/>
               </a:ext>
             </a:extLst>
           </p:cNvPr>
@@ -45441,7 +45441,7 @@
           <p:cNvPr id="3" name="Footer Placeholder 2">
             <a:extLst>
               <a:ext uri="{FF2B5EF4-FFF2-40B4-BE49-F238E27FC236}">
-                <a16:creationId xmlns:a16="http://schemas.microsoft.com/office/drawing/2014/main" xmlns="" id="{6A109C3A-84E8-4719-8AE7-A66B8CA97997}"/>
+                <a16:creationId xmlns="" xmlns:a16="http://schemas.microsoft.com/office/drawing/2014/main" id="{6A109C3A-84E8-4719-8AE7-A66B8CA97997}"/>
               </a:ext>
             </a:extLst>
           </p:cNvPr>
@@ -45469,7 +45469,7 @@
           <p:cNvPr id="2" name="Date Placeholder 1">
             <a:extLst>
               <a:ext uri="{FF2B5EF4-FFF2-40B4-BE49-F238E27FC236}">
-                <a16:creationId xmlns:a16="http://schemas.microsoft.com/office/drawing/2014/main" xmlns="" id="{8B2EEAA2-E066-4E86-A51B-FAC3333192BD}"/>
+                <a16:creationId xmlns="" xmlns:a16="http://schemas.microsoft.com/office/drawing/2014/main" id="{8B2EEAA2-E066-4E86-A51B-FAC3333192BD}"/>
               </a:ext>
             </a:extLst>
           </p:cNvPr>
@@ -45573,7 +45573,7 @@
           <p:cNvPr id="2" name="Title 1">
             <a:extLst>
               <a:ext uri="{FF2B5EF4-FFF2-40B4-BE49-F238E27FC236}">
-                <a16:creationId xmlns:a16="http://schemas.microsoft.com/office/drawing/2014/main" xmlns="" id="{134CB059-9E3B-4C24-8E61-717292C2944E}"/>
+                <a16:creationId xmlns="" xmlns:a16="http://schemas.microsoft.com/office/drawing/2014/main" id="{134CB059-9E3B-4C24-8E61-717292C2944E}"/>
               </a:ext>
             </a:extLst>
           </p:cNvPr>
@@ -45603,7 +45603,7 @@
           <p:cNvPr id="3" name="Text Placeholder 2">
             <a:extLst>
               <a:ext uri="{FF2B5EF4-FFF2-40B4-BE49-F238E27FC236}">
-                <a16:creationId xmlns:a16="http://schemas.microsoft.com/office/drawing/2014/main" xmlns="" id="{E66139D5-668D-4A3D-B6B6-F71EC385C8FF}"/>
+                <a16:creationId xmlns="" xmlns:a16="http://schemas.microsoft.com/office/drawing/2014/main" id="{E66139D5-668D-4A3D-B6B6-F71EC385C8FF}"/>
               </a:ext>
             </a:extLst>
           </p:cNvPr>
@@ -45633,7 +45633,7 @@
           <p:cNvPr id="8" name="Text Placeholder 7">
             <a:extLst>
               <a:ext uri="{FF2B5EF4-FFF2-40B4-BE49-F238E27FC236}">
-                <a16:creationId xmlns:a16="http://schemas.microsoft.com/office/drawing/2014/main" xmlns="" id="{EEA947F5-DD66-4D26-BA34-D1D8F7CE9010}"/>
+                <a16:creationId xmlns="" xmlns:a16="http://schemas.microsoft.com/office/drawing/2014/main" id="{EEA947F5-DD66-4D26-BA34-D1D8F7CE9010}"/>
               </a:ext>
             </a:extLst>
           </p:cNvPr>
@@ -45736,7 +45736,7 @@
           <p:cNvPr id="6" name="Slide Number Placeholder 5">
             <a:extLst>
               <a:ext uri="{FF2B5EF4-FFF2-40B4-BE49-F238E27FC236}">
-                <a16:creationId xmlns:a16="http://schemas.microsoft.com/office/drawing/2014/main" xmlns="" id="{2B9E0CB5-2F64-4439-AFE9-1BB3ACE6FA9D}"/>
+                <a16:creationId xmlns="" xmlns:a16="http://schemas.microsoft.com/office/drawing/2014/main" id="{2B9E0CB5-2F64-4439-AFE9-1BB3ACE6FA9D}"/>
               </a:ext>
             </a:extLst>
           </p:cNvPr>
@@ -45765,7 +45765,7 @@
           <p:cNvPr id="5" name="Footer Placeholder 4">
             <a:extLst>
               <a:ext uri="{FF2B5EF4-FFF2-40B4-BE49-F238E27FC236}">
-                <a16:creationId xmlns:a16="http://schemas.microsoft.com/office/drawing/2014/main" xmlns="" id="{FFFF8DFC-D37E-4FE9-81F0-77C68D469526}"/>
+                <a16:creationId xmlns="" xmlns:a16="http://schemas.microsoft.com/office/drawing/2014/main" id="{FFFF8DFC-D37E-4FE9-81F0-77C68D469526}"/>
               </a:ext>
             </a:extLst>
           </p:cNvPr>
@@ -45852,7 +45852,7 @@
           <p:cNvPr id="13" name="Date Placeholder 1">
             <a:extLst>
               <a:ext uri="{FF2B5EF4-FFF2-40B4-BE49-F238E27FC236}">
-                <a16:creationId xmlns:a16="http://schemas.microsoft.com/office/drawing/2014/main" xmlns="" id="{EAABD54B-494E-483E-8D6F-3E002D958A45}"/>
+                <a16:creationId xmlns="" xmlns:a16="http://schemas.microsoft.com/office/drawing/2014/main" id="{EAABD54B-494E-483E-8D6F-3E002D958A45}"/>
               </a:ext>
             </a:extLst>
           </p:cNvPr>
@@ -46082,7 +46082,7 @@
           <p:cNvPr id="6" name="Picture 5">
             <a:extLst>
               <a:ext uri="{FF2B5EF4-FFF2-40B4-BE49-F238E27FC236}">
-                <a16:creationId xmlns:a16="http://schemas.microsoft.com/office/drawing/2014/main" xmlns="" id="{E7DF4A60-6D4C-4D0E-80A3-3EFFF2CCDB11}"/>
+                <a16:creationId xmlns="" xmlns:a16="http://schemas.microsoft.com/office/drawing/2014/main" id="{E7DF4A60-6D4C-4D0E-80A3-3EFFF2CCDB11}"/>
               </a:ext>
             </a:extLst>
           </p:cNvPr>
@@ -46112,7 +46112,7 @@
           <p:cNvPr id="9" name="Title 1">
             <a:extLst>
               <a:ext uri="{FF2B5EF4-FFF2-40B4-BE49-F238E27FC236}">
-                <a16:creationId xmlns:a16="http://schemas.microsoft.com/office/drawing/2014/main" xmlns="" id="{9D2AAA38-77E6-4BC4-90A6-8077B4FC0200}"/>
+                <a16:creationId xmlns="" xmlns:a16="http://schemas.microsoft.com/office/drawing/2014/main" id="{9D2AAA38-77E6-4BC4-90A6-8077B4FC0200}"/>
               </a:ext>
             </a:extLst>
           </p:cNvPr>
@@ -46166,7 +46166,7 @@
           <p:cNvPr id="11" name="Picture 10">
             <a:extLst>
               <a:ext uri="{FF2B5EF4-FFF2-40B4-BE49-F238E27FC236}">
-                <a16:creationId xmlns:a16="http://schemas.microsoft.com/office/drawing/2014/main" xmlns="" id="{204AABC6-4258-4E6D-B441-1876D008C04F}"/>
+                <a16:creationId xmlns="" xmlns:a16="http://schemas.microsoft.com/office/drawing/2014/main" id="{204AABC6-4258-4E6D-B441-1876D008C04F}"/>
               </a:ext>
             </a:extLst>
           </p:cNvPr>
@@ -46196,7 +46196,7 @@
           <p:cNvPr id="12" name="Picture Placeholder 11">
             <a:extLst>
               <a:ext uri="{FF2B5EF4-FFF2-40B4-BE49-F238E27FC236}">
-                <a16:creationId xmlns:a16="http://schemas.microsoft.com/office/drawing/2014/main" xmlns="" id="{80824B8E-DAD5-4596-B8BA-05F5B7BB3F02}"/>
+                <a16:creationId xmlns="" xmlns:a16="http://schemas.microsoft.com/office/drawing/2014/main" id="{80824B8E-DAD5-4596-B8BA-05F5B7BB3F02}"/>
               </a:ext>
             </a:extLst>
           </p:cNvPr>
@@ -46233,7 +46233,7 @@
           <p:cNvPr id="13" name="Footer Placeholder 4">
             <a:extLst>
               <a:ext uri="{FF2B5EF4-FFF2-40B4-BE49-F238E27FC236}">
-                <a16:creationId xmlns:a16="http://schemas.microsoft.com/office/drawing/2014/main" xmlns="" id="{22747812-99CD-48E3-8493-43F2E613F1CE}"/>
+                <a16:creationId xmlns="" xmlns:a16="http://schemas.microsoft.com/office/drawing/2014/main" id="{22747812-99CD-48E3-8493-43F2E613F1CE}"/>
               </a:ext>
             </a:extLst>
           </p:cNvPr>
@@ -46266,7 +46266,7 @@
           <p:cNvPr id="14" name="Date Placeholder 1">
             <a:extLst>
               <a:ext uri="{FF2B5EF4-FFF2-40B4-BE49-F238E27FC236}">
-                <a16:creationId xmlns:a16="http://schemas.microsoft.com/office/drawing/2014/main" xmlns="" id="{76203054-C93E-418B-86F7-06C865472B8B}"/>
+                <a16:creationId xmlns="" xmlns:a16="http://schemas.microsoft.com/office/drawing/2014/main" id="{76203054-C93E-418B-86F7-06C865472B8B}"/>
               </a:ext>
             </a:extLst>
           </p:cNvPr>
@@ -46443,7 +46443,7 @@
           <p:cNvPr id="6" name="Title 5">
             <a:extLst>
               <a:ext uri="{FF2B5EF4-FFF2-40B4-BE49-F238E27FC236}">
-                <a16:creationId xmlns:a16="http://schemas.microsoft.com/office/drawing/2014/main" xmlns="" id="{D2F9A33A-E955-4DFB-9469-3FDBA6703985}"/>
+                <a16:creationId xmlns="" xmlns:a16="http://schemas.microsoft.com/office/drawing/2014/main" id="{D2F9A33A-E955-4DFB-9469-3FDBA6703985}"/>
               </a:ext>
             </a:extLst>
           </p:cNvPr>
@@ -46472,7 +46472,7 @@
           <p:cNvPr id="15" name="Picture Placeholder 14" descr="Abstract background">
             <a:extLst>
               <a:ext uri="{FF2B5EF4-FFF2-40B4-BE49-F238E27FC236}">
-                <a16:creationId xmlns:a16="http://schemas.microsoft.com/office/drawing/2014/main" xmlns="" id="{72AD0CC3-F8DE-4C10-916A-24BC65B1D283}"/>
+                <a16:creationId xmlns="" xmlns:a16="http://schemas.microsoft.com/office/drawing/2014/main" id="{72AD0CC3-F8DE-4C10-916A-24BC65B1D283}"/>
               </a:ext>
             </a:extLst>
           </p:cNvPr>
@@ -46569,7 +46569,7 @@
           <p:cNvPr id="8" name="Date Placeholder 1">
             <a:extLst>
               <a:ext uri="{FF2B5EF4-FFF2-40B4-BE49-F238E27FC236}">
-                <a16:creationId xmlns:a16="http://schemas.microsoft.com/office/drawing/2014/main" xmlns="" id="{94CCDCDC-314D-4670-A13D-B9BA3BD030B5}"/>
+                <a16:creationId xmlns="" xmlns:a16="http://schemas.microsoft.com/office/drawing/2014/main" id="{94CCDCDC-314D-4670-A13D-B9BA3BD030B5}"/>
               </a:ext>
             </a:extLst>
           </p:cNvPr>
@@ -46687,7 +46687,7 @@
           <p:cNvPr id="20" name="Picture Placeholder 19">
             <a:extLst>
               <a:ext uri="{FF2B5EF4-FFF2-40B4-BE49-F238E27FC236}">
-                <a16:creationId xmlns:a16="http://schemas.microsoft.com/office/drawing/2014/main" xmlns="" id="{61169563-0C6E-483D-91B6-7AB8952A8FAF}"/>
+                <a16:creationId xmlns="" xmlns:a16="http://schemas.microsoft.com/office/drawing/2014/main" id="{61169563-0C6E-483D-91B6-7AB8952A8FAF}"/>
               </a:ext>
             </a:extLst>
           </p:cNvPr>
@@ -46722,7 +46722,7 @@
           <p:cNvPr id="2" name="Title 1">
             <a:extLst>
               <a:ext uri="{FF2B5EF4-FFF2-40B4-BE49-F238E27FC236}">
-                <a16:creationId xmlns:a16="http://schemas.microsoft.com/office/drawing/2014/main" xmlns="" id="{BD4B26A0-76B0-4D92-8A3B-F4FB7FCBBD52}"/>
+                <a16:creationId xmlns="" xmlns:a16="http://schemas.microsoft.com/office/drawing/2014/main" id="{BD4B26A0-76B0-4D92-8A3B-F4FB7FCBBD52}"/>
               </a:ext>
             </a:extLst>
           </p:cNvPr>
@@ -46764,7 +46764,7 @@
           <p:cNvPr id="3" name="Text Placeholder 2">
             <a:extLst>
               <a:ext uri="{FF2B5EF4-FFF2-40B4-BE49-F238E27FC236}">
-                <a16:creationId xmlns:a16="http://schemas.microsoft.com/office/drawing/2014/main" xmlns="" id="{A50184F8-7D3E-4F39-85DA-53F65AF618F6}"/>
+                <a16:creationId xmlns="" xmlns:a16="http://schemas.microsoft.com/office/drawing/2014/main" id="{A50184F8-7D3E-4F39-85DA-53F65AF618F6}"/>
               </a:ext>
             </a:extLst>
           </p:cNvPr>
@@ -46799,7 +46799,7 @@
           <p:cNvPr id="8" name="Slide Number Placeholder 7">
             <a:extLst>
               <a:ext uri="{FF2B5EF4-FFF2-40B4-BE49-F238E27FC236}">
-                <a16:creationId xmlns:a16="http://schemas.microsoft.com/office/drawing/2014/main" xmlns="" id="{FE91C663-2D66-4255-91B4-906F720EB8BA}"/>
+                <a16:creationId xmlns="" xmlns:a16="http://schemas.microsoft.com/office/drawing/2014/main" id="{FE91C663-2D66-4255-91B4-906F720EB8BA}"/>
               </a:ext>
             </a:extLst>
           </p:cNvPr>
@@ -46827,7 +46827,7 @@
           <p:cNvPr id="7" name="Footer Placeholder 6">
             <a:extLst>
               <a:ext uri="{FF2B5EF4-FFF2-40B4-BE49-F238E27FC236}">
-                <a16:creationId xmlns:a16="http://schemas.microsoft.com/office/drawing/2014/main" xmlns="" id="{80B83D80-B29B-48B9-9B34-76AD9399E64D}"/>
+                <a16:creationId xmlns="" xmlns:a16="http://schemas.microsoft.com/office/drawing/2014/main" id="{80B83D80-B29B-48B9-9B34-76AD9399E64D}"/>
               </a:ext>
             </a:extLst>
           </p:cNvPr>
@@ -46910,7 +46910,7 @@
           <p:cNvPr id="13" name="Date Placeholder 1">
             <a:extLst>
               <a:ext uri="{FF2B5EF4-FFF2-40B4-BE49-F238E27FC236}">
-                <a16:creationId xmlns:a16="http://schemas.microsoft.com/office/drawing/2014/main" xmlns="" id="{1F055F94-B1C3-4DCE-B605-FE8DA8259FA4}"/>
+                <a16:creationId xmlns="" xmlns:a16="http://schemas.microsoft.com/office/drawing/2014/main" id="{1F055F94-B1C3-4DCE-B605-FE8DA8259FA4}"/>
               </a:ext>
             </a:extLst>
           </p:cNvPr>
@@ -47140,7 +47140,7 @@
           <p:cNvPr id="9" name="Picture Placeholder 11">
             <a:extLst>
               <a:ext uri="{FF2B5EF4-FFF2-40B4-BE49-F238E27FC236}">
-                <a16:creationId xmlns:a16="http://schemas.microsoft.com/office/drawing/2014/main" xmlns="" id="{CA2BAD7B-5749-43B9-9CB4-E0FE1A12B208}"/>
+                <a16:creationId xmlns="" xmlns:a16="http://schemas.microsoft.com/office/drawing/2014/main" id="{CA2BAD7B-5749-43B9-9CB4-E0FE1A12B208}"/>
               </a:ext>
             </a:extLst>
           </p:cNvPr>
@@ -47177,7 +47177,7 @@
           <p:cNvPr id="10" name="Title 1">
             <a:extLst>
               <a:ext uri="{FF2B5EF4-FFF2-40B4-BE49-F238E27FC236}">
-                <a16:creationId xmlns:a16="http://schemas.microsoft.com/office/drawing/2014/main" xmlns="" id="{205A7E79-3234-4A2F-89B0-A9BD62AA6269}"/>
+                <a16:creationId xmlns="" xmlns:a16="http://schemas.microsoft.com/office/drawing/2014/main" id="{205A7E79-3234-4A2F-89B0-A9BD62AA6269}"/>
               </a:ext>
             </a:extLst>
           </p:cNvPr>
@@ -47235,7 +47235,7 @@
           <p:cNvPr id="11" name="Footer Placeholder 2">
             <a:extLst>
               <a:ext uri="{FF2B5EF4-FFF2-40B4-BE49-F238E27FC236}">
-                <a16:creationId xmlns:a16="http://schemas.microsoft.com/office/drawing/2014/main" xmlns="" id="{78A79531-6189-4623-BE68-EE914538BCA2}"/>
+                <a16:creationId xmlns="" xmlns:a16="http://schemas.microsoft.com/office/drawing/2014/main" id="{78A79531-6189-4623-BE68-EE914538BCA2}"/>
               </a:ext>
             </a:extLst>
           </p:cNvPr>
@@ -47268,7 +47268,7 @@
           <p:cNvPr id="12" name="Date Placeholder 1">
             <a:extLst>
               <a:ext uri="{FF2B5EF4-FFF2-40B4-BE49-F238E27FC236}">
-                <a16:creationId xmlns:a16="http://schemas.microsoft.com/office/drawing/2014/main" xmlns="" id="{4849A2A2-9351-4FC0-84A0-72723A2386EC}"/>
+                <a16:creationId xmlns="" xmlns:a16="http://schemas.microsoft.com/office/drawing/2014/main" id="{4849A2A2-9351-4FC0-84A0-72723A2386EC}"/>
               </a:ext>
             </a:extLst>
           </p:cNvPr>
@@ -47445,7 +47445,7 @@
           <p:cNvPr id="20" name="Picture Placeholder 19">
             <a:extLst>
               <a:ext uri="{FF2B5EF4-FFF2-40B4-BE49-F238E27FC236}">
-                <a16:creationId xmlns:a16="http://schemas.microsoft.com/office/drawing/2014/main" xmlns="" id="{3330B498-1497-4DA8-99F4-8F8159B24FF9}"/>
+                <a16:creationId xmlns="" xmlns:a16="http://schemas.microsoft.com/office/drawing/2014/main" id="{3330B498-1497-4DA8-99F4-8F8159B24FF9}"/>
               </a:ext>
             </a:extLst>
           </p:cNvPr>
@@ -47480,7 +47480,7 @@
           <p:cNvPr id="5" name="Title 4">
             <a:extLst>
               <a:ext uri="{FF2B5EF4-FFF2-40B4-BE49-F238E27FC236}">
-                <a16:creationId xmlns:a16="http://schemas.microsoft.com/office/drawing/2014/main" xmlns="" id="{FF93F71D-1663-42FA-A91E-FA23F03F0287}"/>
+                <a16:creationId xmlns="" xmlns:a16="http://schemas.microsoft.com/office/drawing/2014/main" id="{FF93F71D-1663-42FA-A91E-FA23F03F0287}"/>
               </a:ext>
             </a:extLst>
           </p:cNvPr>
@@ -47510,7 +47510,7 @@
           <p:cNvPr id="6" name="Text Placeholder 5">
             <a:extLst>
               <a:ext uri="{FF2B5EF4-FFF2-40B4-BE49-F238E27FC236}">
-                <a16:creationId xmlns:a16="http://schemas.microsoft.com/office/drawing/2014/main" xmlns="" id="{F62CA978-7F10-45ED-A5E7-73BCC796D219}"/>
+                <a16:creationId xmlns="" xmlns:a16="http://schemas.microsoft.com/office/drawing/2014/main" id="{F62CA978-7F10-45ED-A5E7-73BCC796D219}"/>
               </a:ext>
             </a:extLst>
           </p:cNvPr>
@@ -47557,7 +47557,7 @@
           <p:cNvPr id="4" name="Slide Number Placeholder 3">
             <a:extLst>
               <a:ext uri="{FF2B5EF4-FFF2-40B4-BE49-F238E27FC236}">
-                <a16:creationId xmlns:a16="http://schemas.microsoft.com/office/drawing/2014/main" xmlns="" id="{494C7D40-6709-40D4-B0FB-9D6311AF439F}"/>
+                <a16:creationId xmlns="" xmlns:a16="http://schemas.microsoft.com/office/drawing/2014/main" id="{494C7D40-6709-40D4-B0FB-9D6311AF439F}"/>
               </a:ext>
             </a:extLst>
           </p:cNvPr>
@@ -47585,7 +47585,7 @@
           <p:cNvPr id="3" name="Footer Placeholder 2">
             <a:extLst>
               <a:ext uri="{FF2B5EF4-FFF2-40B4-BE49-F238E27FC236}">
-                <a16:creationId xmlns:a16="http://schemas.microsoft.com/office/drawing/2014/main" xmlns="" id="{101DB817-586B-493A-922D-54010C888E74}"/>
+                <a16:creationId xmlns="" xmlns:a16="http://schemas.microsoft.com/office/drawing/2014/main" id="{101DB817-586B-493A-922D-54010C888E74}"/>
               </a:ext>
             </a:extLst>
           </p:cNvPr>
@@ -47613,7 +47613,7 @@
           <p:cNvPr id="2" name="Date Placeholder 1">
             <a:extLst>
               <a:ext uri="{FF2B5EF4-FFF2-40B4-BE49-F238E27FC236}">
-                <a16:creationId xmlns:a16="http://schemas.microsoft.com/office/drawing/2014/main" xmlns="" id="{A96AB769-C08B-4A71-BEE7-D771D274389A}"/>
+                <a16:creationId xmlns="" xmlns:a16="http://schemas.microsoft.com/office/drawing/2014/main" id="{A96AB769-C08B-4A71-BEE7-D771D274389A}"/>
               </a:ext>
             </a:extLst>
           </p:cNvPr>
@@ -47775,7 +47775,7 @@
           <p:cNvPr id="9" name="Picture Placeholder 11">
             <a:extLst>
               <a:ext uri="{FF2B5EF4-FFF2-40B4-BE49-F238E27FC236}">
-                <a16:creationId xmlns:a16="http://schemas.microsoft.com/office/drawing/2014/main" xmlns="" id="{CA2BAD7B-5749-43B9-9CB4-E0FE1A12B208}"/>
+                <a16:creationId xmlns="" xmlns:a16="http://schemas.microsoft.com/office/drawing/2014/main" id="{CA2BAD7B-5749-43B9-9CB4-E0FE1A12B208}"/>
               </a:ext>
             </a:extLst>
           </p:cNvPr>
@@ -47812,7 +47812,7 @@
           <p:cNvPr id="11" name="Footer Placeholder 2">
             <a:extLst>
               <a:ext uri="{FF2B5EF4-FFF2-40B4-BE49-F238E27FC236}">
-                <a16:creationId xmlns:a16="http://schemas.microsoft.com/office/drawing/2014/main" xmlns="" id="{78A79531-6189-4623-BE68-EE914538BCA2}"/>
+                <a16:creationId xmlns="" xmlns:a16="http://schemas.microsoft.com/office/drawing/2014/main" id="{78A79531-6189-4623-BE68-EE914538BCA2}"/>
               </a:ext>
             </a:extLst>
           </p:cNvPr>
@@ -47845,7 +47845,7 @@
           <p:cNvPr id="6" name="Picture 5">
             <a:extLst>
               <a:ext uri="{FF2B5EF4-FFF2-40B4-BE49-F238E27FC236}">
-                <a16:creationId xmlns:a16="http://schemas.microsoft.com/office/drawing/2014/main" xmlns="" id="{CA705046-189B-4278-9B5F-F6C5232D5C61}"/>
+                <a16:creationId xmlns="" xmlns:a16="http://schemas.microsoft.com/office/drawing/2014/main" id="{CA705046-189B-4278-9B5F-F6C5232D5C61}"/>
               </a:ext>
             </a:extLst>
           </p:cNvPr>
@@ -47875,7 +47875,7 @@
           <p:cNvPr id="12" name="Title 1">
             <a:extLst>
               <a:ext uri="{FF2B5EF4-FFF2-40B4-BE49-F238E27FC236}">
-                <a16:creationId xmlns:a16="http://schemas.microsoft.com/office/drawing/2014/main" xmlns="" id="{B0B35450-3203-46E8-8053-E02477316888}"/>
+                <a16:creationId xmlns="" xmlns:a16="http://schemas.microsoft.com/office/drawing/2014/main" id="{B0B35450-3203-46E8-8053-E02477316888}"/>
               </a:ext>
             </a:extLst>
           </p:cNvPr>
@@ -47933,7 +47933,7 @@
           <p:cNvPr id="14" name="Date Placeholder 1">
             <a:extLst>
               <a:ext uri="{FF2B5EF4-FFF2-40B4-BE49-F238E27FC236}">
-                <a16:creationId xmlns:a16="http://schemas.microsoft.com/office/drawing/2014/main" xmlns="" id="{28F99D4E-8218-4553-BD93-F34134CD0331}"/>
+                <a16:creationId xmlns="" xmlns:a16="http://schemas.microsoft.com/office/drawing/2014/main" id="{28F99D4E-8218-4553-BD93-F34134CD0331}"/>
               </a:ext>
             </a:extLst>
           </p:cNvPr>
@@ -48110,7 +48110,7 @@
           <p:cNvPr id="20" name="Picture Placeholder 19">
             <a:extLst>
               <a:ext uri="{FF2B5EF4-FFF2-40B4-BE49-F238E27FC236}">
-                <a16:creationId xmlns:a16="http://schemas.microsoft.com/office/drawing/2014/main" xmlns="" id="{3330B498-1497-4DA8-99F4-8F8159B24FF9}"/>
+                <a16:creationId xmlns="" xmlns:a16="http://schemas.microsoft.com/office/drawing/2014/main" id="{3330B498-1497-4DA8-99F4-8F8159B24FF9}"/>
               </a:ext>
             </a:extLst>
           </p:cNvPr>
@@ -48145,7 +48145,7 @@
           <p:cNvPr id="5" name="Title 4">
             <a:extLst>
               <a:ext uri="{FF2B5EF4-FFF2-40B4-BE49-F238E27FC236}">
-                <a16:creationId xmlns:a16="http://schemas.microsoft.com/office/drawing/2014/main" xmlns="" id="{FF93F71D-1663-42FA-A91E-FA23F03F0287}"/>
+                <a16:creationId xmlns="" xmlns:a16="http://schemas.microsoft.com/office/drawing/2014/main" id="{FF93F71D-1663-42FA-A91E-FA23F03F0287}"/>
               </a:ext>
             </a:extLst>
           </p:cNvPr>
@@ -48175,7 +48175,7 @@
           <p:cNvPr id="6" name="Text Placeholder 5">
             <a:extLst>
               <a:ext uri="{FF2B5EF4-FFF2-40B4-BE49-F238E27FC236}">
-                <a16:creationId xmlns:a16="http://schemas.microsoft.com/office/drawing/2014/main" xmlns="" id="{F62CA978-7F10-45ED-A5E7-73BCC796D219}"/>
+                <a16:creationId xmlns="" xmlns:a16="http://schemas.microsoft.com/office/drawing/2014/main" id="{F62CA978-7F10-45ED-A5E7-73BCC796D219}"/>
               </a:ext>
             </a:extLst>
           </p:cNvPr>
@@ -48228,7 +48228,7 @@
           <p:cNvPr id="4" name="Slide Number Placeholder 3">
             <a:extLst>
               <a:ext uri="{FF2B5EF4-FFF2-40B4-BE49-F238E27FC236}">
-                <a16:creationId xmlns:a16="http://schemas.microsoft.com/office/drawing/2014/main" xmlns="" id="{494C7D40-6709-40D4-B0FB-9D6311AF439F}"/>
+                <a16:creationId xmlns="" xmlns:a16="http://schemas.microsoft.com/office/drawing/2014/main" id="{494C7D40-6709-40D4-B0FB-9D6311AF439F}"/>
               </a:ext>
             </a:extLst>
           </p:cNvPr>
@@ -48256,7 +48256,7 @@
           <p:cNvPr id="3" name="Footer Placeholder 2">
             <a:extLst>
               <a:ext uri="{FF2B5EF4-FFF2-40B4-BE49-F238E27FC236}">
-                <a16:creationId xmlns:a16="http://schemas.microsoft.com/office/drawing/2014/main" xmlns="" id="{101DB817-586B-493A-922D-54010C888E74}"/>
+                <a16:creationId xmlns="" xmlns:a16="http://schemas.microsoft.com/office/drawing/2014/main" id="{101DB817-586B-493A-922D-54010C888E74}"/>
               </a:ext>
             </a:extLst>
           </p:cNvPr>
@@ -48284,7 +48284,7 @@
           <p:cNvPr id="2" name="Date Placeholder 1">
             <a:extLst>
               <a:ext uri="{FF2B5EF4-FFF2-40B4-BE49-F238E27FC236}">
-                <a16:creationId xmlns:a16="http://schemas.microsoft.com/office/drawing/2014/main" xmlns="" id="{A96AB769-C08B-4A71-BEE7-D771D274389A}"/>
+                <a16:creationId xmlns="" xmlns:a16="http://schemas.microsoft.com/office/drawing/2014/main" id="{A96AB769-C08B-4A71-BEE7-D771D274389A}"/>
               </a:ext>
             </a:extLst>
           </p:cNvPr>
@@ -48393,7 +48393,7 @@
           <p:cNvPr id="2" name="Title 1">
             <a:extLst>
               <a:ext uri="{FF2B5EF4-FFF2-40B4-BE49-F238E27FC236}">
-                <a16:creationId xmlns:a16="http://schemas.microsoft.com/office/drawing/2014/main" xmlns="" id="{134CB059-9E3B-4C24-8E61-717292C2944E}"/>
+                <a16:creationId xmlns="" xmlns:a16="http://schemas.microsoft.com/office/drawing/2014/main" id="{134CB059-9E3B-4C24-8E61-717292C2944E}"/>
               </a:ext>
             </a:extLst>
           </p:cNvPr>
@@ -48428,7 +48428,7 @@
           <p:cNvPr id="6" name="Slide Number Placeholder 5">
             <a:extLst>
               <a:ext uri="{FF2B5EF4-FFF2-40B4-BE49-F238E27FC236}">
-                <a16:creationId xmlns:a16="http://schemas.microsoft.com/office/drawing/2014/main" xmlns="" id="{2B9E0CB5-2F64-4439-AFE9-1BB3ACE6FA9D}"/>
+                <a16:creationId xmlns="" xmlns:a16="http://schemas.microsoft.com/office/drawing/2014/main" id="{2B9E0CB5-2F64-4439-AFE9-1BB3ACE6FA9D}"/>
               </a:ext>
             </a:extLst>
           </p:cNvPr>
@@ -48457,7 +48457,7 @@
           <p:cNvPr id="5" name="Footer Placeholder 4">
             <a:extLst>
               <a:ext uri="{FF2B5EF4-FFF2-40B4-BE49-F238E27FC236}">
-                <a16:creationId xmlns:a16="http://schemas.microsoft.com/office/drawing/2014/main" xmlns="" id="{FFFF8DFC-D37E-4FE9-81F0-77C68D469526}"/>
+                <a16:creationId xmlns="" xmlns:a16="http://schemas.microsoft.com/office/drawing/2014/main" id="{FFFF8DFC-D37E-4FE9-81F0-77C68D469526}"/>
               </a:ext>
             </a:extLst>
           </p:cNvPr>
@@ -48485,7 +48485,7 @@
           <p:cNvPr id="4" name="Date Placeholder 3">
             <a:extLst>
               <a:ext uri="{FF2B5EF4-FFF2-40B4-BE49-F238E27FC236}">
-                <a16:creationId xmlns:a16="http://schemas.microsoft.com/office/drawing/2014/main" xmlns="" id="{0BA396AE-BE46-43FB-B4E7-224D2AF39F83}"/>
+                <a16:creationId xmlns="" xmlns:a16="http://schemas.microsoft.com/office/drawing/2014/main" id="{0BA396AE-BE46-43FB-B4E7-224D2AF39F83}"/>
               </a:ext>
             </a:extLst>
           </p:cNvPr>
@@ -48613,7 +48613,7 @@
           <p:cNvPr id="2" name="Title 1">
             <a:extLst>
               <a:ext uri="{FF2B5EF4-FFF2-40B4-BE49-F238E27FC236}">
-                <a16:creationId xmlns:a16="http://schemas.microsoft.com/office/drawing/2014/main" xmlns="" id="{134CB059-9E3B-4C24-8E61-717292C2944E}"/>
+                <a16:creationId xmlns="" xmlns:a16="http://schemas.microsoft.com/office/drawing/2014/main" id="{134CB059-9E3B-4C24-8E61-717292C2944E}"/>
               </a:ext>
             </a:extLst>
           </p:cNvPr>
@@ -48648,7 +48648,7 @@
           <p:cNvPr id="6" name="Slide Number Placeholder 5">
             <a:extLst>
               <a:ext uri="{FF2B5EF4-FFF2-40B4-BE49-F238E27FC236}">
-                <a16:creationId xmlns:a16="http://schemas.microsoft.com/office/drawing/2014/main" xmlns="" id="{2B9E0CB5-2F64-4439-AFE9-1BB3ACE6FA9D}"/>
+                <a16:creationId xmlns="" xmlns:a16="http://schemas.microsoft.com/office/drawing/2014/main" id="{2B9E0CB5-2F64-4439-AFE9-1BB3ACE6FA9D}"/>
               </a:ext>
             </a:extLst>
           </p:cNvPr>
@@ -48677,7 +48677,7 @@
           <p:cNvPr id="5" name="Footer Placeholder 4">
             <a:extLst>
               <a:ext uri="{FF2B5EF4-FFF2-40B4-BE49-F238E27FC236}">
-                <a16:creationId xmlns:a16="http://schemas.microsoft.com/office/drawing/2014/main" xmlns="" id="{FFFF8DFC-D37E-4FE9-81F0-77C68D469526}"/>
+                <a16:creationId xmlns="" xmlns:a16="http://schemas.microsoft.com/office/drawing/2014/main" id="{FFFF8DFC-D37E-4FE9-81F0-77C68D469526}"/>
               </a:ext>
             </a:extLst>
           </p:cNvPr>
@@ -48705,7 +48705,7 @@
           <p:cNvPr id="4" name="Date Placeholder 3">
             <a:extLst>
               <a:ext uri="{FF2B5EF4-FFF2-40B4-BE49-F238E27FC236}">
-                <a16:creationId xmlns:a16="http://schemas.microsoft.com/office/drawing/2014/main" xmlns="" id="{0BA396AE-BE46-43FB-B4E7-224D2AF39F83}"/>
+                <a16:creationId xmlns="" xmlns:a16="http://schemas.microsoft.com/office/drawing/2014/main" id="{0BA396AE-BE46-43FB-B4E7-224D2AF39F83}"/>
               </a:ext>
             </a:extLst>
           </p:cNvPr>
@@ -48763,7 +48763,7 @@
           <p:cNvPr id="7" name="Picture Placeholder 6">
             <a:extLst>
               <a:ext uri="{FF2B5EF4-FFF2-40B4-BE49-F238E27FC236}">
-                <a16:creationId xmlns:a16="http://schemas.microsoft.com/office/drawing/2014/main" xmlns="" id="{14707955-671A-44A0-B7D1-EC874A594293}"/>
+                <a16:creationId xmlns="" xmlns:a16="http://schemas.microsoft.com/office/drawing/2014/main" id="{14707955-671A-44A0-B7D1-EC874A594293}"/>
               </a:ext>
             </a:extLst>
           </p:cNvPr>
@@ -48831,7 +48831,7 @@
           <p:cNvPr id="2" name="Title 1">
             <a:extLst>
               <a:ext uri="{FF2B5EF4-FFF2-40B4-BE49-F238E27FC236}">
-                <a16:creationId xmlns:a16="http://schemas.microsoft.com/office/drawing/2014/main" xmlns="" id="{134CB059-9E3B-4C24-8E61-717292C2944E}"/>
+                <a16:creationId xmlns="" xmlns:a16="http://schemas.microsoft.com/office/drawing/2014/main" id="{134CB059-9E3B-4C24-8E61-717292C2944E}"/>
               </a:ext>
             </a:extLst>
           </p:cNvPr>
@@ -48866,7 +48866,7 @@
           <p:cNvPr id="6" name="Slide Number Placeholder 5">
             <a:extLst>
               <a:ext uri="{FF2B5EF4-FFF2-40B4-BE49-F238E27FC236}">
-                <a16:creationId xmlns:a16="http://schemas.microsoft.com/office/drawing/2014/main" xmlns="" id="{2B9E0CB5-2F64-4439-AFE9-1BB3ACE6FA9D}"/>
+                <a16:creationId xmlns="" xmlns:a16="http://schemas.microsoft.com/office/drawing/2014/main" id="{2B9E0CB5-2F64-4439-AFE9-1BB3ACE6FA9D}"/>
               </a:ext>
             </a:extLst>
           </p:cNvPr>
@@ -48895,7 +48895,7 @@
           <p:cNvPr id="5" name="Footer Placeholder 4">
             <a:extLst>
               <a:ext uri="{FF2B5EF4-FFF2-40B4-BE49-F238E27FC236}">
-                <a16:creationId xmlns:a16="http://schemas.microsoft.com/office/drawing/2014/main" xmlns="" id="{FFFF8DFC-D37E-4FE9-81F0-77C68D469526}"/>
+                <a16:creationId xmlns="" xmlns:a16="http://schemas.microsoft.com/office/drawing/2014/main" id="{FFFF8DFC-D37E-4FE9-81F0-77C68D469526}"/>
               </a:ext>
             </a:extLst>
           </p:cNvPr>
@@ -48923,7 +48923,7 @@
           <p:cNvPr id="4" name="Date Placeholder 3">
             <a:extLst>
               <a:ext uri="{FF2B5EF4-FFF2-40B4-BE49-F238E27FC236}">
-                <a16:creationId xmlns:a16="http://schemas.microsoft.com/office/drawing/2014/main" xmlns="" id="{0BA396AE-BE46-43FB-B4E7-224D2AF39F83}"/>
+                <a16:creationId xmlns="" xmlns:a16="http://schemas.microsoft.com/office/drawing/2014/main" id="{0BA396AE-BE46-43FB-B4E7-224D2AF39F83}"/>
               </a:ext>
             </a:extLst>
           </p:cNvPr>
@@ -48981,7 +48981,7 @@
           <p:cNvPr id="7" name="Picture Placeholder 6">
             <a:extLst>
               <a:ext uri="{FF2B5EF4-FFF2-40B4-BE49-F238E27FC236}">
-                <a16:creationId xmlns:a16="http://schemas.microsoft.com/office/drawing/2014/main" xmlns="" id="{DFBD9AC2-6EEE-4BED-A06B-C14043B6F98A}"/>
+                <a16:creationId xmlns="" xmlns:a16="http://schemas.microsoft.com/office/drawing/2014/main" id="{DFBD9AC2-6EEE-4BED-A06B-C14043B6F98A}"/>
               </a:ext>
             </a:extLst>
           </p:cNvPr>
@@ -49857,6 +49857,23 @@
 </file>
 
 <file path=customXml/item1.xml><?xml version="1.0" encoding="utf-8"?>
+<?mso-contentType ?>
+<FormTemplates xmlns="http://schemas.microsoft.com/sharepoint/v3/contenttype/forms">
+  <Display>DocumentLibraryForm</Display>
+  <Edit>DocumentLibraryForm</Edit>
+  <New>DocumentLibraryForm</New>
+</FormTemplates>
+</file>
+
+<file path=customXml/item2.xml><?xml version="1.0" encoding="utf-8"?>
+<p:properties xmlns:p="http://schemas.microsoft.com/office/2006/metadata/properties" xmlns:xsi="http://www.w3.org/2001/XMLSchema-instance" xmlns:pc="http://schemas.microsoft.com/office/infopath/2007/PartnerControls">
+  <documentManagement>
+    <MediaServiceKeyPoints xmlns="71af3243-3dd4-4a8d-8c0d-dd76da1f02a5" xsi:nil="true"/>
+  </documentManagement>
+</p:properties>
+</file>
+
+<file path=customXml/item3.xml><?xml version="1.0" encoding="utf-8"?>
 <ct:contentTypeSchema xmlns:ct="http://schemas.microsoft.com/office/2006/metadata/contentType" xmlns:ma="http://schemas.microsoft.com/office/2006/metadata/properties/metaAttributes" ct:_="" ma:_="" ma:contentTypeName="Document" ma:contentTypeID="0x01010079F111ED35F8CC479449609E8A0923A6" ma:contentTypeVersion="11" ma:contentTypeDescription="Create a new document." ma:contentTypeScope="" ma:versionID="96291512c1ee715ab617f4c07df79fc1">
   <xsd:schema xmlns:xsd="http://www.w3.org/2001/XMLSchema" xmlns:xs="http://www.w3.org/2001/XMLSchema" xmlns:p="http://schemas.microsoft.com/office/2006/metadata/properties" xmlns:ns2="71af3243-3dd4-4a8d-8c0d-dd76da1f02a5" xmlns:ns3="16c05727-aa75-4e4a-9b5f-8a80a1165891" targetNamespace="http://schemas.microsoft.com/office/2006/metadata/properties" ma:root="true" ma:fieldsID="8256c27c40ca5c40ce1cf6c44f0205df" ns2:_="" ns3:_="">
     <xsd:import namespace="71af3243-3dd4-4a8d-8c0d-dd76da1f02a5"/>
@@ -50067,38 +50084,10 @@
 </ct:contentTypeSchema>
 </file>
 
-<file path=customXml/item2.xml><?xml version="1.0" encoding="utf-8"?>
-<p:properties xmlns:p="http://schemas.microsoft.com/office/2006/metadata/properties" xmlns:xsi="http://www.w3.org/2001/XMLSchema-instance" xmlns:pc="http://schemas.microsoft.com/office/infopath/2007/PartnerControls">
-  <documentManagement>
-    <MediaServiceKeyPoints xmlns="71af3243-3dd4-4a8d-8c0d-dd76da1f02a5" xsi:nil="true"/>
-  </documentManagement>
-</p:properties>
-</file>
-
-<file path=customXml/item3.xml><?xml version="1.0" encoding="utf-8"?>
-<?mso-contentType ?>
-<FormTemplates xmlns="http://schemas.microsoft.com/sharepoint/v3/contenttype/forms">
-  <Display>DocumentLibraryForm</Display>
-  <Edit>DocumentLibraryForm</Edit>
-  <New>DocumentLibraryForm</New>
-</FormTemplates>
-</file>
-
 <file path=customXml/itemProps1.xml><?xml version="1.0" encoding="utf-8"?>
-<ds:datastoreItem xmlns:ds="http://schemas.openxmlformats.org/officeDocument/2006/customXml" ds:itemID="{472965D8-9C19-4E48-8421-5D6B21FC440C}">
+<ds:datastoreItem xmlns:ds="http://schemas.openxmlformats.org/officeDocument/2006/customXml" ds:itemID="{01743C61-8CA7-48FF-B2A3-6055DA854CF6}">
   <ds:schemaRefs>
-    <ds:schemaRef ds:uri="http://schemas.microsoft.com/office/2006/metadata/contentType"/>
-    <ds:schemaRef ds:uri="http://schemas.microsoft.com/office/2006/metadata/properties/metaAttributes"/>
-    <ds:schemaRef ds:uri="http://www.w3.org/2001/XMLSchema"/>
-    <ds:schemaRef ds:uri="http://schemas.microsoft.com/office/2006/metadata/properties"/>
-    <ds:schemaRef ds:uri="71af3243-3dd4-4a8d-8c0d-dd76da1f02a5"/>
-    <ds:schemaRef ds:uri="16c05727-aa75-4e4a-9b5f-8a80a1165891"/>
-    <ds:schemaRef ds:uri="http://schemas.microsoft.com/office/2006/documentManagement/types"/>
-    <ds:schemaRef ds:uri="http://schemas.microsoft.com/office/infopath/2007/PartnerControls"/>
-    <ds:schemaRef ds:uri="http://schemas.openxmlformats.org/package/2006/metadata/core-properties"/>
-    <ds:schemaRef ds:uri="http://purl.org/dc/elements/1.1/"/>
-    <ds:schemaRef ds:uri="http://purl.org/dc/terms/"/>
-    <ds:schemaRef ds:uri="http://schemas.microsoft.com/internal/obd"/>
+    <ds:schemaRef ds:uri="http://schemas.microsoft.com/sharepoint/v3/contenttype/forms"/>
   </ds:schemaRefs>
 </ds:datastoreItem>
 </file>
@@ -50121,9 +50110,20 @@
 </file>
 
 <file path=customXml/itemProps3.xml><?xml version="1.0" encoding="utf-8"?>
-<ds:datastoreItem xmlns:ds="http://schemas.openxmlformats.org/officeDocument/2006/customXml" ds:itemID="{01743C61-8CA7-48FF-B2A3-6055DA854CF6}">
+<ds:datastoreItem xmlns:ds="http://schemas.openxmlformats.org/officeDocument/2006/customXml" ds:itemID="{472965D8-9C19-4E48-8421-5D6B21FC440C}">
   <ds:schemaRefs>
-    <ds:schemaRef ds:uri="http://schemas.microsoft.com/sharepoint/v3/contenttype/forms"/>
+    <ds:schemaRef ds:uri="http://schemas.microsoft.com/office/2006/metadata/contentType"/>
+    <ds:schemaRef ds:uri="http://schemas.microsoft.com/office/2006/metadata/properties/metaAttributes"/>
+    <ds:schemaRef ds:uri="http://www.w3.org/2001/XMLSchema"/>
+    <ds:schemaRef ds:uri="http://schemas.microsoft.com/office/2006/metadata/properties"/>
+    <ds:schemaRef ds:uri="71af3243-3dd4-4a8d-8c0d-dd76da1f02a5"/>
+    <ds:schemaRef ds:uri="16c05727-aa75-4e4a-9b5f-8a80a1165891"/>
+    <ds:schemaRef ds:uri="http://schemas.microsoft.com/office/2006/documentManagement/types"/>
+    <ds:schemaRef ds:uri="http://schemas.microsoft.com/office/infopath/2007/PartnerControls"/>
+    <ds:schemaRef ds:uri="http://schemas.openxmlformats.org/package/2006/metadata/core-properties"/>
+    <ds:schemaRef ds:uri="http://purl.org/dc/elements/1.1/"/>
+    <ds:schemaRef ds:uri="http://purl.org/dc/terms/"/>
+    <ds:schemaRef ds:uri="http://schemas.microsoft.com/internal/obd"/>
   </ds:schemaRefs>
 </ds:datastoreItem>
 </file>